--- a/mix/技术分享/NODE技术分享.pptx
+++ b/mix/技术分享/NODE技术分享.pptx
@@ -123,7 +123,7 @@
   </p:defaultTextStyle>
   <p:extLst>
     <p:ext uri="{EFAFB233-063F-42B5-8137-9DF3F51BA10A}">
-      <p15:sldGuideLst xmlns:p15="http://schemas.microsoft.com/office/powerpoint/2012/main">
+      <p15:sldGuideLst xmlns:p15="http://schemas.microsoft.com/office/powerpoint/2012/main" xmlns="">
         <p15:guide id="1" orient="horz" pos="2160">
           <p15:clr>
             <a:srgbClr val="A4A3A4"/>
@@ -316,7 +316,7 @@
           <a:p>
             <a:fld id="{530820CF-B880-4189-942D-D702A7CBA730}" type="datetimeFigureOut">
               <a:rPr lang="zh-CN" altLang="en-US" smtClean="0"/>
-              <a:t>2016/10/20</a:t>
+              <a:t>2016/10/21</a:t>
             </a:fld>
             <a:endParaRPr lang="zh-CN" altLang="en-US"/>
           </a:p>
@@ -486,7 +486,7 @@
           <a:p>
             <a:fld id="{530820CF-B880-4189-942D-D702A7CBA730}" type="datetimeFigureOut">
               <a:rPr lang="zh-CN" altLang="en-US" smtClean="0"/>
-              <a:t>2016/10/20</a:t>
+              <a:t>2016/10/21</a:t>
             </a:fld>
             <a:endParaRPr lang="zh-CN" altLang="en-US"/>
           </a:p>
@@ -709,7 +709,7 @@
           <a:p>
             <a:fld id="{530820CF-B880-4189-942D-D702A7CBA730}" type="datetimeFigureOut">
               <a:rPr lang="zh-CN" altLang="en-US" smtClean="0"/>
-              <a:t>2016/10/20</a:t>
+              <a:t>2016/10/21</a:t>
             </a:fld>
             <a:endParaRPr lang="zh-CN" altLang="en-US"/>
           </a:p>
@@ -889,7 +889,7 @@
           <a:p>
             <a:fld id="{530820CF-B880-4189-942D-D702A7CBA730}" type="datetimeFigureOut">
               <a:rPr lang="zh-CN" altLang="en-US" smtClean="0"/>
-              <a:t>2016/10/20</a:t>
+              <a:t>2016/10/21</a:t>
             </a:fld>
             <a:endParaRPr lang="zh-CN" altLang="en-US"/>
           </a:p>
@@ -1195,7 +1195,7 @@
           <a:p>
             <a:fld id="{530820CF-B880-4189-942D-D702A7CBA730}" type="datetimeFigureOut">
               <a:rPr lang="zh-CN" altLang="en-US" smtClean="0"/>
-              <a:t>2016/10/20</a:t>
+              <a:t>2016/10/21</a:t>
             </a:fld>
             <a:endParaRPr lang="zh-CN" altLang="en-US"/>
           </a:p>
@@ -1499,7 +1499,7 @@
           <a:p>
             <a:fld id="{530820CF-B880-4189-942D-D702A7CBA730}" type="datetimeFigureOut">
               <a:rPr lang="zh-CN" altLang="en-US" smtClean="0"/>
-              <a:t>2016/10/20</a:t>
+              <a:t>2016/10/21</a:t>
             </a:fld>
             <a:endParaRPr lang="zh-CN" altLang="en-US"/>
           </a:p>
@@ -1921,7 +1921,7 @@
           <a:p>
             <a:fld id="{530820CF-B880-4189-942D-D702A7CBA730}" type="datetimeFigureOut">
               <a:rPr lang="zh-CN" altLang="en-US" smtClean="0"/>
-              <a:t>2016/10/20</a:t>
+              <a:t>2016/10/21</a:t>
             </a:fld>
             <a:endParaRPr lang="zh-CN" altLang="en-US"/>
           </a:p>
@@ -2039,7 +2039,7 @@
           <a:p>
             <a:fld id="{530820CF-B880-4189-942D-D702A7CBA730}" type="datetimeFigureOut">
               <a:rPr lang="zh-CN" altLang="en-US" smtClean="0"/>
-              <a:t>2016/10/20</a:t>
+              <a:t>2016/10/21</a:t>
             </a:fld>
             <a:endParaRPr lang="zh-CN" altLang="en-US"/>
           </a:p>
@@ -2134,7 +2134,7 @@
           <a:p>
             <a:fld id="{530820CF-B880-4189-942D-D702A7CBA730}" type="datetimeFigureOut">
               <a:rPr lang="zh-CN" altLang="en-US" smtClean="0"/>
-              <a:t>2016/10/20</a:t>
+              <a:t>2016/10/21</a:t>
             </a:fld>
             <a:endParaRPr lang="zh-CN" altLang="en-US"/>
           </a:p>
@@ -2407,7 +2407,7 @@
           <a:p>
             <a:fld id="{530820CF-B880-4189-942D-D702A7CBA730}" type="datetimeFigureOut">
               <a:rPr lang="zh-CN" altLang="en-US" smtClean="0"/>
-              <a:t>2016/10/20</a:t>
+              <a:t>2016/10/21</a:t>
             </a:fld>
             <a:endParaRPr lang="zh-CN" altLang="en-US"/>
           </a:p>
@@ -2672,7 +2672,7 @@
           <a:p>
             <a:fld id="{530820CF-B880-4189-942D-D702A7CBA730}" type="datetimeFigureOut">
               <a:rPr lang="zh-CN" altLang="en-US" smtClean="0"/>
-              <a:t>2016/10/20</a:t>
+              <a:t>2016/10/21</a:t>
             </a:fld>
             <a:endParaRPr lang="zh-CN" altLang="en-US"/>
           </a:p>
@@ -2921,7 +2921,7 @@
           <a:p>
             <a:fld id="{530820CF-B880-4189-942D-D702A7CBA730}" type="datetimeFigureOut">
               <a:rPr lang="zh-CN" altLang="en-US" smtClean="0"/>
-              <a:t>2016/10/20</a:t>
+              <a:t>2016/10/21</a:t>
             </a:fld>
             <a:endParaRPr lang="zh-CN" altLang="en-US"/>
           </a:p>
@@ -3523,6 +3523,13 @@
   <p:clrMapOvr>
     <a:masterClrMapping/>
   </p:clrMapOvr>
+  <p:timing>
+    <p:tnLst>
+      <p:par>
+        <p:cTn id="1" dur="indefinite" restart="never" nodeType="tmRoot"/>
+      </p:par>
+    </p:tnLst>
+  </p:timing>
 </p:sld>
 </file>
 
@@ -3566,35 +3573,29 @@
           <a:lstStyle/>
           <a:p>
             <a:r>
+              <a:rPr lang="zh-CN" altLang="en-US" sz="2000" dirty="0" smtClean="0">
+                <a:solidFill>
+                  <a:schemeClr val="accent2"/>
+                </a:solidFill>
+              </a:rPr>
+              <a:t>客户端</a:t>
+            </a:r>
+            <a:r>
               <a:rPr lang="zh-CN" altLang="en-US" sz="2000" dirty="0">
                 <a:solidFill>
                   <a:schemeClr val="accent2"/>
                 </a:solidFill>
               </a:rPr>
-              <a:t>这个模型已经比上一个有所进步，它调节服务端线程的数量来提高对并发请求的接收和响应，但并发量高的时候，请求仍然需要等待，它有个更严重的问题：</a:t>
-            </a:r>
-            <a:br>
-              <a:rPr lang="zh-CN" altLang="en-US" sz="2000" dirty="0">
+              <a:t>请求与服务端通讯的过程</a:t>
+            </a:r>
+            <a:r>
+              <a:rPr lang="zh-CN" altLang="en-US" sz="2000" dirty="0" smtClean="0">
                 <a:solidFill>
                   <a:schemeClr val="accent2"/>
                 </a:solidFill>
               </a:rPr>
-            </a:br>
-            <a:r>
-              <a:rPr lang="zh-CN" altLang="en-US" sz="2000" dirty="0">
-                <a:solidFill>
-                  <a:schemeClr val="accent2"/>
-                </a:solidFill>
-              </a:rPr>
-              <a:t>回到代码层面上来讲，我们看看客户端请求与服务端通讯的过程：</a:t>
-            </a:r>
-            <a:r>
-              <a:rPr lang="zh-CN" altLang="en-US" sz="2000" dirty="0"/>
-              <a:t/>
-            </a:r>
-            <a:br>
-              <a:rPr lang="zh-CN" altLang="en-US" sz="2000" dirty="0"/>
-            </a:br>
+              <a:t>：</a:t>
+            </a:r>
             <a:endParaRPr lang="zh-CN" altLang="en-US" sz="2000" dirty="0"/>
           </a:p>
         </p:txBody>
@@ -3715,43 +3716,23 @@
               <a:buNone/>
             </a:pPr>
             <a:r>
-              <a:rPr lang="zh-CN" altLang="en-US" sz="2000" b="1" dirty="0">
-                <a:solidFill>
-                  <a:schemeClr val="accent2"/>
-                </a:solidFill>
-              </a:rPr>
+              <a:rPr lang="zh-CN" altLang="en-US" sz="2000" dirty="0"/>
               <a:t>服务端与客户端每建立一个连接，都要为这个连接分配一套配套的资源，主要体现为系统内存资源，以</a:t>
             </a:r>
             <a:r>
-              <a:rPr lang="en-US" altLang="zh-CN" sz="2000" b="1" dirty="0">
-                <a:solidFill>
-                  <a:schemeClr val="accent2"/>
-                </a:solidFill>
-              </a:rPr>
+              <a:rPr lang="en-US" altLang="zh-CN" sz="2000" dirty="0"/>
               <a:t>PHP</a:t>
             </a:r>
             <a:r>
-              <a:rPr lang="zh-CN" altLang="en-US" sz="2000" b="1" dirty="0">
-                <a:solidFill>
-                  <a:schemeClr val="accent2"/>
-                </a:solidFill>
-              </a:rPr>
+              <a:rPr lang="zh-CN" altLang="en-US" sz="2000" dirty="0"/>
               <a:t>为例，维护一个连接可能需要</a:t>
             </a:r>
             <a:r>
-              <a:rPr lang="en-US" altLang="zh-CN" sz="2000" b="1" dirty="0">
-                <a:solidFill>
-                  <a:schemeClr val="accent2"/>
-                </a:solidFill>
-              </a:rPr>
+              <a:rPr lang="en-US" altLang="zh-CN" sz="2000" dirty="0"/>
               <a:t>20M</a:t>
             </a:r>
             <a:r>
-              <a:rPr lang="zh-CN" altLang="en-US" sz="2000" b="1" dirty="0">
-                <a:solidFill>
-                  <a:schemeClr val="accent2"/>
-                </a:solidFill>
-              </a:rPr>
+              <a:rPr lang="zh-CN" altLang="en-US" sz="2000" dirty="0"/>
               <a:t>的内存</a:t>
             </a:r>
           </a:p>
@@ -3760,11 +3741,7 @@
               <a:buNone/>
             </a:pPr>
             <a:r>
-              <a:rPr lang="zh-CN" altLang="en-US" sz="2000" b="1" dirty="0">
-                <a:solidFill>
-                  <a:schemeClr val="accent2"/>
-                </a:solidFill>
-              </a:rPr>
+              <a:rPr lang="zh-CN" altLang="en-US" sz="2000" dirty="0"/>
               <a:t>这就是为什么一般并发量一大，就需要多开服务器</a:t>
             </a:r>
           </a:p>
@@ -3773,45 +3750,25 @@
               <a:buNone/>
             </a:pPr>
             <a:r>
-              <a:rPr lang="zh-CN" altLang="en-US" sz="2000" b="1" dirty="0" smtClean="0">
-                <a:solidFill>
-                  <a:schemeClr val="accent2"/>
-                </a:solidFill>
-              </a:rPr>
+              <a:rPr lang="zh-CN" altLang="en-US" sz="2000" dirty="0" smtClean="0"/>
               <a:t> </a:t>
             </a:r>
-            <a:endParaRPr lang="zh-CN" altLang="en-US" sz="2000" b="1" dirty="0">
-              <a:solidFill>
-                <a:schemeClr val="accent2"/>
-              </a:solidFill>
-            </a:endParaRPr>
+            <a:endParaRPr lang="zh-CN" altLang="en-US" sz="2000" dirty="0"/>
           </a:p>
           <a:p>
             <a:pPr marL="0" indent="0">
               <a:buNone/>
             </a:pPr>
             <a:r>
-              <a:rPr lang="zh-CN" altLang="en-US" sz="2000" b="1" dirty="0">
-                <a:solidFill>
-                  <a:schemeClr val="accent2"/>
-                </a:solidFill>
-              </a:rPr>
+              <a:rPr lang="zh-CN" altLang="en-US" sz="2000" dirty="0"/>
               <a:t>那么</a:t>
             </a:r>
             <a:r>
-              <a:rPr lang="en-US" altLang="zh-CN" sz="2000" b="1" dirty="0" err="1">
-                <a:solidFill>
-                  <a:schemeClr val="accent2"/>
-                </a:solidFill>
-              </a:rPr>
+              <a:rPr lang="en-US" altLang="zh-CN" sz="2000" dirty="0" err="1"/>
               <a:t>NodeJS</a:t>
             </a:r>
             <a:r>
-              <a:rPr lang="zh-CN" altLang="en-US" sz="2000" b="1" dirty="0">
-                <a:solidFill>
-                  <a:schemeClr val="accent2"/>
-                </a:solidFill>
-              </a:rPr>
+              <a:rPr lang="zh-CN" altLang="en-US" sz="2000" dirty="0"/>
               <a:t>是怎么解决这个问题的呢？</a:t>
             </a:r>
           </a:p>
@@ -3820,11 +3777,7 @@
               <a:buNone/>
             </a:pPr>
             <a:r>
-              <a:rPr lang="zh-CN" altLang="en-US" sz="2000" b="1" dirty="0">
-                <a:solidFill>
-                  <a:schemeClr val="accent2"/>
-                </a:solidFill>
-              </a:rPr>
+              <a:rPr lang="zh-CN" altLang="en-US" sz="2000" dirty="0"/>
               <a:t>我们来看另外一个模型，想象一下我们在快餐店点餐吃饭的场景</a:t>
             </a:r>
           </a:p>
@@ -3956,332 +3909,164 @@
           <a:lstStyle/>
           <a:p>
             <a:r>
-              <a:rPr lang="zh-CN" altLang="en-US" sz="2000" b="1" dirty="0">
-                <a:solidFill>
-                  <a:schemeClr val="accent2"/>
-                </a:solidFill>
-              </a:rPr>
+              <a:rPr lang="zh-CN" altLang="en-US" sz="2000" dirty="0"/>
               <a:t>我们同样是要发起请求，等待服务器端响应；但是与银行例子不同的是，这次我们点完餐后拿到了一个号码</a:t>
             </a:r>
             <a:r>
-              <a:rPr lang="zh-CN" altLang="en-US" sz="2000" b="1" dirty="0" smtClean="0">
-                <a:solidFill>
-                  <a:schemeClr val="accent2"/>
-                </a:solidFill>
-              </a:rPr>
+              <a:rPr lang="zh-CN" altLang="en-US" sz="2000" dirty="0" smtClean="0"/>
               <a:t>，</a:t>
             </a:r>
-            <a:endParaRPr lang="zh-CN" altLang="en-US" sz="2000" b="1" dirty="0">
-              <a:solidFill>
-                <a:schemeClr val="accent2"/>
-              </a:solidFill>
-            </a:endParaRPr>
-          </a:p>
-          <a:p>
-            <a:r>
-              <a:rPr lang="zh-CN" altLang="en-US" sz="2000" b="1" dirty="0">
-                <a:solidFill>
-                  <a:schemeClr val="accent2"/>
-                </a:solidFill>
-              </a:rPr>
+            <a:endParaRPr lang="zh-CN" altLang="en-US" sz="2000" dirty="0"/>
+          </a:p>
+          <a:p>
+            <a:r>
+              <a:rPr lang="zh-CN" altLang="en-US" sz="2000" dirty="0"/>
               <a:t>拿到号码，我们往往会在位置上等待，而在我们后面的请求会继续得到处理，同样是拿了一个号码然后到一旁等待，接待员能一直进行处理</a:t>
             </a:r>
             <a:r>
-              <a:rPr lang="zh-CN" altLang="en-US" sz="2000" b="1" dirty="0" smtClean="0">
-                <a:solidFill>
-                  <a:schemeClr val="accent2"/>
-                </a:solidFill>
-              </a:rPr>
+              <a:rPr lang="zh-CN" altLang="en-US" sz="2000" dirty="0" smtClean="0"/>
               <a:t>。</a:t>
             </a:r>
-            <a:endParaRPr lang="zh-CN" altLang="en-US" sz="2000" b="1" dirty="0">
-              <a:solidFill>
-                <a:schemeClr val="accent2"/>
-              </a:solidFill>
-            </a:endParaRPr>
-          </a:p>
-          <a:p>
-            <a:r>
-              <a:rPr lang="zh-CN" altLang="en-US" sz="2000" b="1" dirty="0">
-                <a:solidFill>
-                  <a:schemeClr val="accent2"/>
-                </a:solidFill>
-              </a:rPr>
+            <a:endParaRPr lang="zh-CN" altLang="en-US" sz="2000" dirty="0"/>
+          </a:p>
+          <a:p>
+            <a:r>
+              <a:rPr lang="zh-CN" altLang="en-US" sz="2000" dirty="0"/>
               <a:t>等到</a:t>
             </a:r>
             <a:r>
-              <a:rPr lang="zh-CN" altLang="en-US" sz="2000" b="1" dirty="0" smtClean="0">
-                <a:solidFill>
-                  <a:schemeClr val="accent2"/>
-                </a:solidFill>
-              </a:rPr>
+              <a:rPr lang="zh-CN" altLang="en-US" sz="2000" dirty="0" smtClean="0"/>
               <a:t>饭菜做</a:t>
             </a:r>
             <a:r>
-              <a:rPr lang="zh-CN" altLang="en-US" sz="2000" b="1" dirty="0">
-                <a:solidFill>
-                  <a:schemeClr val="accent2"/>
-                </a:solidFill>
-              </a:rPr>
+              <a:rPr lang="zh-CN" altLang="en-US" sz="2000" dirty="0"/>
               <a:t>号了，会喊号码，我们拿到了自己的饭菜，进行后续的处理（吃饭</a:t>
             </a:r>
             <a:r>
-              <a:rPr lang="zh-CN" altLang="en-US" sz="2000" b="1" dirty="0" smtClean="0">
-                <a:solidFill>
-                  <a:schemeClr val="accent2"/>
-                </a:solidFill>
-              </a:rPr>
+              <a:rPr lang="zh-CN" altLang="en-US" sz="2000" dirty="0" smtClean="0"/>
               <a:t>）</a:t>
             </a:r>
-            <a:endParaRPr lang="zh-CN" altLang="en-US" sz="2000" b="1" dirty="0">
-              <a:solidFill>
-                <a:schemeClr val="accent2"/>
-              </a:solidFill>
-            </a:endParaRPr>
-          </a:p>
-          <a:p>
-            <a:r>
-              <a:rPr lang="zh-CN" altLang="en-US" sz="2000" b="1" dirty="0">
-                <a:solidFill>
-                  <a:schemeClr val="accent2"/>
-                </a:solidFill>
-              </a:rPr>
+            <a:endParaRPr lang="zh-CN" altLang="en-US" sz="2000" dirty="0"/>
+          </a:p>
+          <a:p>
+            <a:r>
+              <a:rPr lang="zh-CN" altLang="en-US" sz="2000" dirty="0"/>
               <a:t>这个喊号码的动作在</a:t>
             </a:r>
             <a:r>
-              <a:rPr lang="en-US" altLang="zh-CN" sz="2000" b="1" dirty="0" err="1">
-                <a:solidFill>
-                  <a:schemeClr val="accent2"/>
-                </a:solidFill>
-              </a:rPr>
+              <a:rPr lang="en-US" altLang="zh-CN" sz="2000" dirty="0" err="1"/>
               <a:t>NodeJS</a:t>
             </a:r>
             <a:r>
-              <a:rPr lang="zh-CN" altLang="en-US" sz="2000" b="1" dirty="0">
-                <a:solidFill>
-                  <a:schemeClr val="accent2"/>
-                </a:solidFill>
-              </a:rPr>
+              <a:rPr lang="zh-CN" altLang="en-US" sz="2000" dirty="0"/>
               <a:t>中叫做回调（</a:t>
             </a:r>
             <a:r>
-              <a:rPr lang="en-US" altLang="zh-CN" sz="2000" b="1" dirty="0">
-                <a:solidFill>
-                  <a:schemeClr val="accent2"/>
-                </a:solidFill>
-              </a:rPr>
+              <a:rPr lang="en-US" altLang="zh-CN" sz="2000" dirty="0"/>
               <a:t>Callback</a:t>
             </a:r>
             <a:r>
-              <a:rPr lang="zh-CN" altLang="en-US" sz="2000" b="1" dirty="0">
-                <a:solidFill>
-                  <a:schemeClr val="accent2"/>
-                </a:solidFill>
-              </a:rPr>
+              <a:rPr lang="zh-CN" altLang="en-US" sz="2000" dirty="0"/>
               <a:t>），能在事件（烧菜，</a:t>
             </a:r>
             <a:r>
-              <a:rPr lang="en-US" altLang="zh-CN" sz="2000" b="1" dirty="0">
-                <a:solidFill>
-                  <a:schemeClr val="accent2"/>
-                </a:solidFill>
-              </a:rPr>
+              <a:rPr lang="en-US" altLang="zh-CN" sz="2000" dirty="0"/>
               <a:t>I/O</a:t>
             </a:r>
             <a:r>
-              <a:rPr lang="zh-CN" altLang="en-US" sz="2000" b="1" dirty="0">
-                <a:solidFill>
-                  <a:schemeClr val="accent2"/>
-                </a:solidFill>
-              </a:rPr>
+              <a:rPr lang="zh-CN" altLang="en-US" sz="2000" dirty="0"/>
               <a:t>）处理完成后继续执行后面的逻辑（吃饭</a:t>
             </a:r>
             <a:r>
-              <a:rPr lang="zh-CN" altLang="en-US" sz="2000" b="1" dirty="0" smtClean="0">
-                <a:solidFill>
-                  <a:schemeClr val="accent2"/>
-                </a:solidFill>
-              </a:rPr>
+              <a:rPr lang="zh-CN" altLang="en-US" sz="2000" dirty="0" smtClean="0"/>
               <a:t>），</a:t>
             </a:r>
-            <a:endParaRPr lang="zh-CN" altLang="en-US" sz="2000" b="1" dirty="0">
-              <a:solidFill>
-                <a:schemeClr val="accent2"/>
-              </a:solidFill>
-            </a:endParaRPr>
-          </a:p>
-          <a:p>
-            <a:r>
-              <a:rPr lang="zh-CN" altLang="en-US" sz="2000" b="1" dirty="0">
-                <a:solidFill>
-                  <a:schemeClr val="accent2"/>
-                </a:solidFill>
-              </a:rPr>
+            <a:endParaRPr lang="zh-CN" altLang="en-US" sz="2000" dirty="0"/>
+          </a:p>
+          <a:p>
+            <a:r>
+              <a:rPr lang="zh-CN" altLang="en-US" sz="2000" dirty="0"/>
               <a:t>这体现了</a:t>
             </a:r>
             <a:r>
-              <a:rPr lang="en-US" altLang="zh-CN" sz="2000" b="1" dirty="0" err="1">
-                <a:solidFill>
-                  <a:schemeClr val="accent2"/>
-                </a:solidFill>
-              </a:rPr>
+              <a:rPr lang="en-US" altLang="zh-CN" sz="2000" dirty="0" err="1"/>
               <a:t>NodeJS</a:t>
             </a:r>
             <a:r>
-              <a:rPr lang="zh-CN" altLang="en-US" sz="2000" b="1" dirty="0">
-                <a:solidFill>
-                  <a:schemeClr val="accent2"/>
-                </a:solidFill>
-              </a:rPr>
+              <a:rPr lang="zh-CN" altLang="en-US" sz="2000" dirty="0"/>
               <a:t>的显著特点，异步机制、</a:t>
             </a:r>
             <a:r>
-              <a:rPr lang="zh-CN" altLang="en-US" sz="2000" b="1" dirty="0" smtClean="0">
-                <a:solidFill>
-                  <a:schemeClr val="accent2"/>
-                </a:solidFill>
-              </a:rPr>
+              <a:rPr lang="zh-CN" altLang="en-US" sz="2000" dirty="0" smtClean="0"/>
               <a:t>事件驱动</a:t>
             </a:r>
-            <a:endParaRPr lang="zh-CN" altLang="en-US" sz="2000" b="1" dirty="0">
-              <a:solidFill>
-                <a:schemeClr val="accent2"/>
-              </a:solidFill>
-            </a:endParaRPr>
-          </a:p>
-          <a:p>
-            <a:r>
-              <a:rPr lang="zh-CN" altLang="en-US" sz="2000" b="1" dirty="0">
-                <a:solidFill>
-                  <a:schemeClr val="accent2"/>
-                </a:solidFill>
-              </a:rPr>
+            <a:endParaRPr lang="zh-CN" altLang="en-US" sz="2000" dirty="0"/>
+          </a:p>
+          <a:p>
+            <a:r>
+              <a:rPr lang="zh-CN" altLang="en-US" sz="2000" dirty="0"/>
               <a:t>整个过程没有阻塞新用户的连接（点餐），也不需要维护已经点餐的用户与厨师的</a:t>
             </a:r>
             <a:r>
-              <a:rPr lang="zh-CN" altLang="en-US" sz="2000" b="1" dirty="0" smtClean="0">
-                <a:solidFill>
-                  <a:schemeClr val="accent2"/>
-                </a:solidFill>
-              </a:rPr>
+              <a:rPr lang="zh-CN" altLang="en-US" sz="2000" dirty="0" smtClean="0"/>
               <a:t>连接</a:t>
             </a:r>
-            <a:endParaRPr lang="zh-CN" altLang="en-US" sz="2000" b="1" dirty="0">
-              <a:solidFill>
-                <a:schemeClr val="accent2"/>
-              </a:solidFill>
-            </a:endParaRPr>
-          </a:p>
-          <a:p>
-            <a:r>
-              <a:rPr lang="zh-CN" altLang="en-US" sz="2000" b="1" dirty="0">
-                <a:solidFill>
-                  <a:schemeClr val="accent2"/>
-                </a:solidFill>
-              </a:rPr>
+            <a:endParaRPr lang="zh-CN" altLang="en-US" sz="2000" dirty="0"/>
+          </a:p>
+          <a:p>
+            <a:r>
+              <a:rPr lang="zh-CN" altLang="en-US" sz="2000" dirty="0"/>
               <a:t>基于这样的机制，理论上陆续有用户请求连接，</a:t>
             </a:r>
             <a:r>
-              <a:rPr lang="en-US" altLang="zh-CN" sz="2000" b="1" dirty="0" err="1">
-                <a:solidFill>
-                  <a:schemeClr val="accent2"/>
-                </a:solidFill>
-              </a:rPr>
+              <a:rPr lang="en-US" altLang="zh-CN" sz="2000" dirty="0" err="1"/>
               <a:t>NodeJS</a:t>
             </a:r>
             <a:r>
-              <a:rPr lang="zh-CN" altLang="en-US" sz="2000" b="1" dirty="0">
-                <a:solidFill>
-                  <a:schemeClr val="accent2"/>
-                </a:solidFill>
-              </a:rPr>
+              <a:rPr lang="zh-CN" altLang="en-US" sz="2000" dirty="0"/>
               <a:t>都可以进行响应，因此</a:t>
             </a:r>
             <a:r>
-              <a:rPr lang="en-US" altLang="zh-CN" sz="2000" b="1" dirty="0" err="1">
-                <a:solidFill>
-                  <a:schemeClr val="accent2"/>
-                </a:solidFill>
-              </a:rPr>
+              <a:rPr lang="en-US" altLang="zh-CN" sz="2000" dirty="0" err="1"/>
               <a:t>NodeJS</a:t>
             </a:r>
             <a:r>
-              <a:rPr lang="zh-CN" altLang="en-US" sz="2000" b="1" dirty="0">
-                <a:solidFill>
-                  <a:schemeClr val="accent2"/>
-                </a:solidFill>
-              </a:rPr>
+              <a:rPr lang="zh-CN" altLang="en-US" sz="2000" dirty="0"/>
               <a:t>能支持比</a:t>
             </a:r>
             <a:r>
-              <a:rPr lang="en-US" altLang="zh-CN" sz="2000" b="1" dirty="0">
-                <a:solidFill>
-                  <a:schemeClr val="accent2"/>
-                </a:solidFill>
-              </a:rPr>
+              <a:rPr lang="en-US" altLang="zh-CN" sz="2000" dirty="0"/>
               <a:t>Java</a:t>
             </a:r>
             <a:r>
-              <a:rPr lang="zh-CN" altLang="en-US" sz="2000" b="1" dirty="0">
-                <a:solidFill>
-                  <a:schemeClr val="accent2"/>
-                </a:solidFill>
-              </a:rPr>
+              <a:rPr lang="zh-CN" altLang="en-US" sz="2000" dirty="0"/>
               <a:t>、</a:t>
             </a:r>
             <a:r>
-              <a:rPr lang="en-US" altLang="zh-CN" sz="2000" b="1" dirty="0">
-                <a:solidFill>
-                  <a:schemeClr val="accent2"/>
-                </a:solidFill>
-              </a:rPr>
+              <a:rPr lang="en-US" altLang="zh-CN" sz="2000" dirty="0"/>
               <a:t>PHP</a:t>
             </a:r>
             <a:r>
-              <a:rPr lang="zh-CN" altLang="en-US" sz="2000" b="1" dirty="0">
-                <a:solidFill>
-                  <a:schemeClr val="accent2"/>
-                </a:solidFill>
-              </a:rPr>
+              <a:rPr lang="zh-CN" altLang="en-US" sz="2000" dirty="0"/>
               <a:t>程序更高的并发</a:t>
             </a:r>
             <a:r>
-              <a:rPr lang="zh-CN" altLang="en-US" sz="2000" b="1" dirty="0" smtClean="0">
-                <a:solidFill>
-                  <a:schemeClr val="accent2"/>
-                </a:solidFill>
-              </a:rPr>
+              <a:rPr lang="zh-CN" altLang="en-US" sz="2000" dirty="0" smtClean="0"/>
               <a:t>量</a:t>
             </a:r>
-            <a:endParaRPr lang="zh-CN" altLang="en-US" sz="2000" b="1" dirty="0">
-              <a:solidFill>
-                <a:schemeClr val="accent2"/>
-              </a:solidFill>
-            </a:endParaRPr>
-          </a:p>
-          <a:p>
-            <a:r>
-              <a:rPr lang="zh-CN" altLang="en-US" sz="2000" b="1" dirty="0">
-                <a:solidFill>
-                  <a:schemeClr val="accent2"/>
-                </a:solidFill>
-              </a:rPr>
+            <a:endParaRPr lang="zh-CN" altLang="en-US" sz="2000" dirty="0"/>
+          </a:p>
+          <a:p>
+            <a:r>
+              <a:rPr lang="zh-CN" altLang="en-US" sz="2000" dirty="0"/>
               <a:t>虽然维护事件队列也需要成本，再由于</a:t>
             </a:r>
             <a:r>
-              <a:rPr lang="en-US" altLang="zh-CN" sz="2000" b="1" dirty="0" err="1">
-                <a:solidFill>
-                  <a:schemeClr val="accent2"/>
-                </a:solidFill>
-              </a:rPr>
+              <a:rPr lang="en-US" altLang="zh-CN" sz="2000" dirty="0" err="1"/>
               <a:t>NodeJS</a:t>
             </a:r>
             <a:r>
-              <a:rPr lang="zh-CN" altLang="en-US" sz="2000" b="1" dirty="0">
-                <a:solidFill>
-                  <a:schemeClr val="accent2"/>
-                </a:solidFill>
-              </a:rPr>
+              <a:rPr lang="zh-CN" altLang="en-US" sz="2000" dirty="0"/>
               <a:t>是单线程，事件队列越长，得到响应的时间就越长，并发量上去还是会力不从心</a:t>
             </a:r>
           </a:p>
@@ -4342,27 +4127,15 @@
           <a:lstStyle/>
           <a:p>
             <a:r>
-              <a:rPr lang="en-US" altLang="zh-CN" sz="2200" b="1" dirty="0" err="1">
-                <a:solidFill>
-                  <a:schemeClr val="accent2"/>
-                </a:solidFill>
-              </a:rPr>
+              <a:rPr lang="en-US" altLang="zh-CN" sz="2200" b="1" dirty="0" err="1"/>
               <a:t>NodeJS</a:t>
             </a:r>
             <a:r>
-              <a:rPr lang="zh-CN" altLang="en-US" sz="2200" b="1" dirty="0">
-                <a:solidFill>
-                  <a:schemeClr val="accent2"/>
-                </a:solidFill>
-              </a:rPr>
+              <a:rPr lang="zh-CN" altLang="en-US" sz="2200" b="1" dirty="0"/>
               <a:t>是怎么解决并发连接这个问题的</a:t>
             </a:r>
             <a:r>
-              <a:rPr lang="zh-CN" altLang="en-US" sz="2200" b="1" dirty="0" smtClean="0">
-                <a:solidFill>
-                  <a:schemeClr val="accent2"/>
-                </a:solidFill>
-              </a:rPr>
+              <a:rPr lang="zh-CN" altLang="en-US" sz="2200" b="1" dirty="0" smtClean="0"/>
               <a:t>：</a:t>
             </a:r>
             <a:endParaRPr lang="zh-CN" altLang="en-US" dirty="0"/>
@@ -4387,100 +4160,52 @@
           <a:lstStyle/>
           <a:p>
             <a:r>
-              <a:rPr lang="zh-CN" altLang="en-US" sz="2000" b="1" dirty="0">
-                <a:solidFill>
-                  <a:schemeClr val="accent2"/>
-                </a:solidFill>
-              </a:rPr>
+              <a:rPr lang="zh-CN" altLang="en-US" sz="2000" dirty="0"/>
               <a:t>更改连接到服务器的方式，每个连接发射（</a:t>
             </a:r>
             <a:r>
-              <a:rPr lang="en-US" altLang="zh-CN" sz="2000" b="1" dirty="0">
-                <a:solidFill>
-                  <a:schemeClr val="accent2"/>
-                </a:solidFill>
-              </a:rPr>
+              <a:rPr lang="en-US" altLang="zh-CN" sz="2000" dirty="0"/>
               <a:t>emit</a:t>
             </a:r>
             <a:r>
-              <a:rPr lang="zh-CN" altLang="en-US" sz="2000" b="1" dirty="0">
-                <a:solidFill>
-                  <a:schemeClr val="accent2"/>
-                </a:solidFill>
-              </a:rPr>
+              <a:rPr lang="zh-CN" altLang="en-US" sz="2000" dirty="0"/>
               <a:t>）一个在</a:t>
             </a:r>
             <a:r>
-              <a:rPr lang="en-US" altLang="zh-CN" sz="2000" b="1" dirty="0" err="1">
-                <a:solidFill>
-                  <a:schemeClr val="accent2"/>
-                </a:solidFill>
-              </a:rPr>
+              <a:rPr lang="en-US" altLang="zh-CN" sz="2000" dirty="0" err="1"/>
               <a:t>NodeJS</a:t>
             </a:r>
             <a:r>
-              <a:rPr lang="zh-CN" altLang="en-US" sz="2000" b="1" dirty="0">
-                <a:solidFill>
-                  <a:schemeClr val="accent2"/>
-                </a:solidFill>
-              </a:rPr>
+              <a:rPr lang="zh-CN" altLang="en-US" sz="2000" dirty="0"/>
               <a:t>引擎进程中运行的事件（</a:t>
             </a:r>
             <a:r>
-              <a:rPr lang="en-US" altLang="zh-CN" sz="2000" b="1" dirty="0">
-                <a:solidFill>
-                  <a:schemeClr val="accent2"/>
-                </a:solidFill>
-              </a:rPr>
+              <a:rPr lang="en-US" altLang="zh-CN" sz="2000" dirty="0"/>
               <a:t>Event</a:t>
             </a:r>
             <a:r>
-              <a:rPr lang="zh-CN" altLang="en-US" sz="2000" b="1" dirty="0">
-                <a:solidFill>
-                  <a:schemeClr val="accent2"/>
-                </a:solidFill>
-              </a:rPr>
+              <a:rPr lang="zh-CN" altLang="en-US" sz="2000" dirty="0"/>
               <a:t>），放进事件队列当中，</a:t>
             </a:r>
           </a:p>
           <a:p>
-            <a:endParaRPr lang="zh-CN" altLang="en-US" sz="2000" b="1" dirty="0">
-              <a:solidFill>
-                <a:schemeClr val="accent2"/>
-              </a:solidFill>
-            </a:endParaRPr>
-          </a:p>
-          <a:p>
-            <a:r>
-              <a:rPr lang="zh-CN" altLang="en-US" sz="2000" b="1" dirty="0" smtClean="0">
-                <a:solidFill>
-                  <a:schemeClr val="accent2"/>
-                </a:solidFill>
-              </a:rPr>
+            <a:endParaRPr lang="zh-CN" altLang="en-US" sz="2000" dirty="0"/>
+          </a:p>
+          <a:p>
+            <a:r>
+              <a:rPr lang="zh-CN" altLang="en-US" sz="2000" dirty="0" smtClean="0"/>
               <a:t>而</a:t>
             </a:r>
             <a:r>
-              <a:rPr lang="zh-CN" altLang="en-US" sz="2000" b="1" dirty="0">
-                <a:solidFill>
-                  <a:schemeClr val="accent2"/>
-                </a:solidFill>
-              </a:rPr>
+              <a:rPr lang="zh-CN" altLang="en-US" sz="2000" dirty="0"/>
               <a:t>不是为每个连接生成一个新的</a:t>
             </a:r>
             <a:r>
-              <a:rPr lang="en-US" altLang="zh-CN" sz="2000" b="1" dirty="0">
-                <a:solidFill>
-                  <a:schemeClr val="accent2"/>
-                </a:solidFill>
-              </a:rPr>
+              <a:rPr lang="en-US" altLang="zh-CN" sz="2000" dirty="0"/>
               <a:t>OS</a:t>
             </a:r>
             <a:r>
-              <a:rPr lang="zh-CN" altLang="en-US" sz="2000" b="1" dirty="0">
-                <a:solidFill>
-                  <a:schemeClr val="accent2"/>
-                </a:solidFill>
-              </a:rPr>
+              <a:rPr lang="zh-CN" altLang="en-US" sz="2000" dirty="0"/>
               <a:t>线程（并为其分配一些配套内存）</a:t>
             </a:r>
           </a:p>
@@ -4567,35 +4292,19 @@
           <a:lstStyle/>
           <a:p>
             <a:r>
-              <a:rPr lang="en-US" altLang="zh-CN" sz="2000" b="1" dirty="0" err="1">
-                <a:solidFill>
-                  <a:schemeClr val="accent2"/>
-                </a:solidFill>
-              </a:rPr>
+              <a:rPr lang="en-US" altLang="zh-CN" sz="2000" dirty="0" err="1"/>
               <a:t>NodeJS</a:t>
             </a:r>
             <a:r>
-              <a:rPr lang="zh-CN" altLang="en-US" sz="2000" b="1" dirty="0">
-                <a:solidFill>
-                  <a:schemeClr val="accent2"/>
-                </a:solidFill>
-              </a:rPr>
+              <a:rPr lang="zh-CN" altLang="en-US" sz="2000" dirty="0"/>
               <a:t>解决的另外一个问题是</a:t>
             </a:r>
             <a:r>
-              <a:rPr lang="en-US" altLang="zh-CN" sz="2000" b="1" dirty="0">
-                <a:solidFill>
-                  <a:schemeClr val="accent2"/>
-                </a:solidFill>
-              </a:rPr>
+              <a:rPr lang="en-US" altLang="zh-CN" sz="2000" dirty="0"/>
               <a:t>I/O</a:t>
             </a:r>
             <a:r>
-              <a:rPr lang="zh-CN" altLang="en-US" sz="2000" b="1" dirty="0">
-                <a:solidFill>
-                  <a:schemeClr val="accent2"/>
-                </a:solidFill>
-              </a:rPr>
+              <a:rPr lang="zh-CN" altLang="en-US" sz="2000" dirty="0"/>
               <a:t>阻塞，看看这样的业务场景：需要从多个数据源拉取数据，然后进行处理</a:t>
             </a:r>
           </a:p>
@@ -5163,9 +4872,26 @@
               <a:buAutoNum type="arabicPeriod"/>
             </a:pPr>
             <a:r>
-              <a:rPr lang="zh-CN" altLang="en-US" sz="1600" dirty="0"/>
+              <a:rPr lang="zh-CN" altLang="en-US" sz="1600" dirty="0" smtClean="0"/>
               <a:t>事件驱动</a:t>
             </a:r>
+            <a:r>
+              <a:rPr lang="en-US" altLang="zh-CN" sz="1600" dirty="0" smtClean="0"/>
+              <a:t>(</a:t>
+            </a:r>
+            <a:r>
+              <a:rPr lang="en-US" altLang="zh-CN" sz="1600" dirty="0" err="1" smtClean="0"/>
+              <a:t>emmit</a:t>
+            </a:r>
+            <a:r>
+              <a:rPr lang="zh-CN" altLang="en-US" sz="1600" dirty="0" smtClean="0"/>
+              <a:t>事件对象监听机制</a:t>
+            </a:r>
+            <a:r>
+              <a:rPr lang="en-US" altLang="zh-CN" sz="1600" dirty="0" smtClean="0"/>
+              <a:t>)</a:t>
+            </a:r>
+            <a:endParaRPr lang="zh-CN" altLang="en-US" sz="1600" dirty="0"/>
           </a:p>
           <a:p>
             <a:pPr marL="914400" lvl="1" indent="-514350">
@@ -5178,8 +4904,25 @@
             </a:r>
             <a:r>
               <a:rPr lang="en-US" altLang="zh-CN" sz="1600" dirty="0"/>
-              <a:t>I/O</a:t>
-            </a:r>
+              <a:t>I/O (</a:t>
+            </a:r>
+            <a:r>
+              <a:rPr lang="zh-CN" altLang="en-US" sz="1600" dirty="0"/>
+              <a:t>举例：</a:t>
+            </a:r>
+            <a:r>
+              <a:rPr lang="en-US" altLang="zh-CN" sz="1600" dirty="0" err="1"/>
+              <a:t>fs.readFile</a:t>
+            </a:r>
+            <a:r>
+              <a:rPr lang="zh-CN" altLang="en-US" sz="1600" dirty="0"/>
+              <a:t>模块</a:t>
+            </a:r>
+            <a:r>
+              <a:rPr lang="en-US" altLang="zh-CN" sz="1600" dirty="0"/>
+              <a:t>)</a:t>
+            </a:r>
+            <a:endParaRPr lang="en-US" altLang="zh-CN" sz="1600" dirty="0"/>
           </a:p>
           <a:p>
             <a:pPr marL="914400" lvl="1" indent="-514350">
@@ -5236,6 +4979,13 @@
   <p:clrMapOvr>
     <a:masterClrMapping/>
   </p:clrMapOvr>
+  <p:timing>
+    <p:tnLst>
+      <p:par>
+        <p:cTn id="1" dur="indefinite" restart="never" nodeType="tmRoot"/>
+      </p:par>
+    </p:tnLst>
+  </p:timing>
 </p:sld>
 </file>
 
@@ -5859,6 +5609,13 @@
   <p:clrMapOvr>
     <a:masterClrMapping/>
   </p:clrMapOvr>
+  <p:timing>
+    <p:tnLst>
+      <p:par>
+        <p:cTn id="1" dur="indefinite" restart="never" nodeType="tmRoot"/>
+      </p:par>
+    </p:tnLst>
+  </p:timing>
 </p:sld>
 </file>
 
@@ -6306,6 +6063,13 @@
   <p:clrMapOvr>
     <a:masterClrMapping/>
   </p:clrMapOvr>
+  <p:timing>
+    <p:tnLst>
+      <p:par>
+        <p:cTn id="1" dur="indefinite" restart="never" nodeType="tmRoot"/>
+      </p:par>
+    </p:tnLst>
+  </p:timing>
 </p:sld>
 </file>
 
@@ -6756,6 +6520,13 @@
   <p:clrMapOvr>
     <a:masterClrMapping/>
   </p:clrMapOvr>
+  <p:timing>
+    <p:tnLst>
+      <p:par>
+        <p:cTn id="1" dur="indefinite" restart="never" nodeType="tmRoot"/>
+      </p:par>
+    </p:tnLst>
+  </p:timing>
 </p:sld>
 </file>
 
@@ -6855,6 +6626,9 @@
           </a:p>
           <a:p>
             <a:pPr lvl="4">
+              <a:lnSpc>
+                <a:spcPct val="170000"/>
+              </a:lnSpc>
               <a:buFont typeface="Wingdings" panose="05000000000000000000" pitchFamily="2" charset="2"/>
               <a:buChar char="Ø"/>
             </a:pPr>
@@ -6889,6 +6663,36 @@
             <a:r>
               <a:rPr lang="zh-CN" altLang="en-US" dirty="0" smtClean="0"/>
               <a:t>业务</a:t>
+            </a:r>
+            <a:endParaRPr lang="en-US" altLang="zh-CN" dirty="0" smtClean="0"/>
+          </a:p>
+          <a:p>
+            <a:pPr lvl="4">
+              <a:lnSpc>
+                <a:spcPct val="170000"/>
+              </a:lnSpc>
+              <a:buFont typeface="Wingdings" panose="05000000000000000000" pitchFamily="2" charset="2"/>
+              <a:buChar char="Ø"/>
+            </a:pPr>
+            <a:r>
+              <a:rPr lang="zh-CN" altLang="en-US" dirty="0" smtClean="0"/>
+              <a:t>依赖：</a:t>
+            </a:r>
+            <a:r>
+              <a:rPr lang="en-US" altLang="zh-CN" dirty="0" smtClean="0"/>
+              <a:t>http</a:t>
+            </a:r>
+            <a:r>
+              <a:rPr lang="zh-CN" altLang="en-US" dirty="0" smtClean="0"/>
+              <a:t>模块，</a:t>
+            </a:r>
+            <a:r>
+              <a:rPr lang="en-US" altLang="zh-CN" dirty="0" err="1" smtClean="0"/>
+              <a:t>url</a:t>
+            </a:r>
+            <a:r>
+              <a:rPr lang="zh-CN" altLang="en-US" dirty="0" smtClean="0"/>
+              <a:t>模块</a:t>
             </a:r>
             <a:endParaRPr lang="en-US" altLang="zh-CN" dirty="0" smtClean="0"/>
           </a:p>
@@ -6899,81 +6703,50 @@
             </a:pPr>
             <a:r>
               <a:rPr lang="zh-CN" altLang="en-US" dirty="0" smtClean="0"/>
-              <a:t>示例代码：</a:t>
-            </a:r>
-            <a:r>
-              <a:rPr lang="en-US" altLang="zh-CN" dirty="0" err="1"/>
-              <a:t>var</a:t>
+              <a:t>示例代码</a:t>
+            </a:r>
+            <a:r>
+              <a:rPr lang="zh-CN" altLang="en-US" dirty="0" smtClean="0"/>
+              <a:t>：</a:t>
+            </a:r>
+            <a:r>
+              <a:rPr lang="en-US" altLang="zh-CN" dirty="0" smtClean="0"/>
+              <a:t>    </a:t>
+            </a:r>
+          </a:p>
+          <a:p>
+            <a:pPr marL="1101720" lvl="5" indent="0">
+              <a:buNone/>
+            </a:pPr>
+            <a:r>
+              <a:rPr lang="en-US" altLang="zh-CN" dirty="0" smtClean="0"/>
+              <a:t>switch(</a:t>
+            </a:r>
+            <a:r>
+              <a:rPr lang="en-US" altLang="zh-CN" dirty="0" err="1" smtClean="0"/>
+              <a:t>urlStr.pathname</a:t>
             </a:r>
             <a:r>
               <a:rPr lang="en-US" altLang="zh-CN" dirty="0"/>
-              <a:t> </a:t>
-            </a:r>
-            <a:r>
-              <a:rPr lang="en-US" altLang="zh-CN" dirty="0" err="1"/>
-              <a:t>httpModel</a:t>
-            </a:r>
+              <a:t>){</a:t>
+            </a:r>
+          </a:p>
+          <a:p>
+            <a:pPr marL="1101720" lvl="5" indent="0">
+              <a:buNone/>
+            </a:pPr>
             <a:r>
               <a:rPr lang="en-US" altLang="zh-CN" dirty="0"/>
-              <a:t> = require("http");</a:t>
-            </a:r>
-          </a:p>
-          <a:p>
-            <a:pPr marL="914400" lvl="4" indent="0">
-              <a:buNone/>
-            </a:pPr>
-            <a:r>
-              <a:rPr lang="en-US" altLang="zh-CN" dirty="0" err="1"/>
-              <a:t>var</a:t>
-            </a:r>
+              <a:t>        case "/":</a:t>
+            </a:r>
+          </a:p>
+          <a:p>
+            <a:pPr marL="1101720" lvl="5" indent="0">
+              <a:buNone/>
+            </a:pPr>
             <a:r>
               <a:rPr lang="en-US" altLang="zh-CN" dirty="0"/>
-              <a:t> </a:t>
-            </a:r>
-            <a:r>
-              <a:rPr lang="en-US" altLang="zh-CN" dirty="0" err="1"/>
-              <a:t>url</a:t>
-            </a:r>
-            <a:r>
-              <a:rPr lang="en-US" altLang="zh-CN" dirty="0"/>
-              <a:t>=require("</a:t>
-            </a:r>
-            <a:r>
-              <a:rPr lang="en-US" altLang="zh-CN" dirty="0" err="1"/>
-              <a:t>url</a:t>
-            </a:r>
-            <a:r>
-              <a:rPr lang="en-US" altLang="zh-CN" dirty="0"/>
-              <a:t>");</a:t>
-            </a:r>
-          </a:p>
-          <a:p>
-            <a:pPr marL="914400" lvl="4" indent="0">
-              <a:buNone/>
-            </a:pPr>
-            <a:r>
-              <a:rPr lang="en-US" altLang="zh-CN" dirty="0" err="1" smtClean="0"/>
-              <a:t>var</a:t>
-            </a:r>
-            <a:r>
-              <a:rPr lang="en-US" altLang="zh-CN" dirty="0" smtClean="0"/>
-              <a:t> </a:t>
-            </a:r>
-            <a:r>
-              <a:rPr lang="en-US" altLang="zh-CN" dirty="0" err="1"/>
-              <a:t>urlStr</a:t>
-            </a:r>
-            <a:r>
-              <a:rPr lang="en-US" altLang="zh-CN" dirty="0"/>
-              <a:t>=</a:t>
-            </a:r>
-            <a:r>
-              <a:rPr lang="en-US" altLang="zh-CN" dirty="0" err="1"/>
-              <a:t>url.parse</a:t>
-            </a:r>
-            <a:r>
-              <a:rPr lang="en-US" altLang="zh-CN" dirty="0"/>
-              <a:t>(req.url),</a:t>
+              <a:t>            </a:t>
             </a:r>
             <a:r>
               <a:rPr lang="en-US" altLang="zh-CN" dirty="0" err="1"/>
@@ -6981,37 +6754,37 @@
             </a:r>
             <a:r>
               <a:rPr lang="en-US" altLang="zh-CN" dirty="0"/>
-              <a:t>="";</a:t>
-            </a:r>
-          </a:p>
-          <a:p>
-            <a:pPr marL="914400" lvl="4" indent="0">
-              <a:buNone/>
-            </a:pPr>
+              <a:t>="</a:t>
+            </a:r>
+            <a:r>
+              <a:rPr lang="zh-CN" altLang="en-US" dirty="0"/>
+              <a:t>首页</a:t>
+            </a:r>
             <a:r>
               <a:rPr lang="en-US" altLang="zh-CN" dirty="0"/>
-              <a:t>    switch(</a:t>
-            </a:r>
-            <a:r>
-              <a:rPr lang="en-US" altLang="zh-CN" dirty="0" err="1"/>
-              <a:t>urlStr.pathname</a:t>
-            </a:r>
+              <a:t>";</a:t>
+            </a:r>
+          </a:p>
+          <a:p>
+            <a:pPr marL="1101720" lvl="5" indent="0">
+              <a:buNone/>
+            </a:pPr>
             <a:r>
               <a:rPr lang="en-US" altLang="zh-CN" dirty="0"/>
-              <a:t>){</a:t>
-            </a:r>
-          </a:p>
-          <a:p>
-            <a:pPr marL="914400" lvl="4" indent="0">
+              <a:t>            break;</a:t>
+            </a:r>
+          </a:p>
+          <a:p>
+            <a:pPr marL="1101720" lvl="5" indent="0">
               <a:buNone/>
             </a:pPr>
             <a:r>
               <a:rPr lang="en-US" altLang="zh-CN" dirty="0"/>
-              <a:t>        case "/":</a:t>
-            </a:r>
-          </a:p>
-          <a:p>
-            <a:pPr marL="914400" lvl="4" indent="0">
+              <a:t>        case "/user/center.html":</a:t>
+            </a:r>
+          </a:p>
+          <a:p>
+            <a:pPr marL="1101720" lvl="5" indent="0">
               <a:buNone/>
             </a:pPr>
             <a:r>
@@ -7028,7 +6801,7 @@
             </a:r>
             <a:r>
               <a:rPr lang="zh-CN" altLang="en-US" dirty="0"/>
-              <a:t>首页</a:t>
+              <a:t>用户中心</a:t>
             </a:r>
             <a:r>
               <a:rPr lang="en-US" altLang="zh-CN" dirty="0"/>
@@ -7036,7 +6809,7 @@
             </a:r>
           </a:p>
           <a:p>
-            <a:pPr marL="914400" lvl="4" indent="0">
+            <a:pPr marL="1101720" lvl="5" indent="0">
               <a:buNone/>
             </a:pPr>
             <a:r>
@@ -7045,16 +6818,16 @@
             </a:r>
           </a:p>
           <a:p>
-            <a:pPr marL="914400" lvl="4" indent="0">
+            <a:pPr marL="1101720" lvl="5" indent="0">
               <a:buNone/>
             </a:pPr>
             <a:r>
               <a:rPr lang="en-US" altLang="zh-CN" dirty="0"/>
-              <a:t>        case "/user/center.html":</a:t>
-            </a:r>
-          </a:p>
-          <a:p>
-            <a:pPr marL="914400" lvl="4" indent="0">
+              <a:t>        default :</a:t>
+            </a:r>
+          </a:p>
+          <a:p>
+            <a:pPr marL="1101720" lvl="5" indent="0">
               <a:buNone/>
             </a:pPr>
             <a:r>
@@ -7067,54 +6840,11 @@
             </a:r>
             <a:r>
               <a:rPr lang="en-US" altLang="zh-CN" dirty="0"/>
-              <a:t>="</a:t>
-            </a:r>
-            <a:r>
-              <a:rPr lang="zh-CN" altLang="en-US" dirty="0"/>
-              <a:t>用户中心</a:t>
-            </a:r>
-            <a:r>
-              <a:rPr lang="en-US" altLang="zh-CN" dirty="0"/>
-              <a:t>";</a:t>
-            </a:r>
-          </a:p>
-          <a:p>
-            <a:pPr marL="914400" lvl="4" indent="0">
-              <a:buNone/>
-            </a:pPr>
-            <a:r>
-              <a:rPr lang="en-US" altLang="zh-CN" dirty="0"/>
-              <a:t>            break;</a:t>
-            </a:r>
-          </a:p>
-          <a:p>
-            <a:pPr marL="914400" lvl="4" indent="0">
-              <a:buNone/>
-            </a:pPr>
-            <a:r>
-              <a:rPr lang="en-US" altLang="zh-CN" dirty="0"/>
-              <a:t>        default :</a:t>
-            </a:r>
-          </a:p>
-          <a:p>
-            <a:pPr marL="914400" lvl="4" indent="0">
-              <a:buNone/>
-            </a:pPr>
-            <a:r>
-              <a:rPr lang="en-US" altLang="zh-CN" dirty="0"/>
-              <a:t>            </a:t>
-            </a:r>
-            <a:r>
-              <a:rPr lang="en-US" altLang="zh-CN" dirty="0" err="1"/>
-              <a:t>resMsg</a:t>
-            </a:r>
-            <a:r>
-              <a:rPr lang="en-US" altLang="zh-CN" dirty="0"/>
               <a:t>="404";</a:t>
             </a:r>
           </a:p>
           <a:p>
-            <a:pPr marL="914400" lvl="4" indent="0">
+            <a:pPr marL="1101720" lvl="5" indent="0">
               <a:buNone/>
             </a:pPr>
             <a:r>
@@ -7123,7 +6853,7 @@
             </a:r>
           </a:p>
           <a:p>
-            <a:pPr marL="914400" lvl="4" indent="0">
+            <a:pPr marL="1101720" lvl="5" indent="0">
               <a:buNone/>
             </a:pPr>
             <a:r>
@@ -7140,7 +6870,7 @@
             </a:r>
           </a:p>
           <a:p>
-            <a:pPr marL="914400" lvl="4" indent="0">
+            <a:pPr marL="1101720" lvl="5" indent="0">
               <a:buNone/>
             </a:pPr>
             <a:r>
@@ -7258,6 +6988,13 @@
   <p:clrMapOvr>
     <a:masterClrMapping/>
   </p:clrMapOvr>
+  <p:timing>
+    <p:tnLst>
+      <p:par>
+        <p:cTn id="1" dur="indefinite" restart="never" nodeType="tmRoot"/>
+      </p:par>
+    </p:tnLst>
+  </p:timing>
 </p:sld>
 </file>
 
@@ -7475,8 +7212,205 @@
             </a:r>
             <a:r>
               <a:rPr lang="zh-CN" altLang="en-US" sz="1200" dirty="0"/>
-              <a:t>等处理事件传递的方法。</a:t>
-            </a:r>
+              <a:t>等处理事件传递的方法</a:t>
+            </a:r>
+            <a:r>
+              <a:rPr lang="zh-CN" altLang="en-US" sz="1200" dirty="0" smtClean="0"/>
+              <a:t>。</a:t>
+            </a:r>
+            <a:endParaRPr lang="en-US" altLang="zh-CN" sz="1200" dirty="0" smtClean="0"/>
+          </a:p>
+          <a:p>
+            <a:pPr marL="228600" lvl="1" indent="0">
+              <a:lnSpc>
+                <a:spcPct val="150000"/>
+              </a:lnSpc>
+              <a:buNone/>
+            </a:pPr>
+            <a:r>
+              <a:rPr lang="zh-CN" altLang="en-US" sz="1200" dirty="0"/>
+              <a:t>事件驱动编程通过事件或状态的变化来进行应用程序的流程控制。一般通过事件监听实现，一旦事件被检测到（即状态改变）则调用相应的回调函</a:t>
+            </a:r>
+            <a:r>
+              <a:rPr lang="zh-CN" altLang="en-US" sz="1200" dirty="0" smtClean="0"/>
+              <a:t>数</a:t>
+            </a:r>
+            <a:endParaRPr lang="en-US" altLang="zh-CN" sz="1200" dirty="0" smtClean="0"/>
+          </a:p>
+          <a:p>
+            <a:pPr marL="228600" lvl="1" indent="0">
+              <a:lnSpc>
+                <a:spcPct val="150000"/>
+              </a:lnSpc>
+              <a:buNone/>
+            </a:pPr>
+            <a:r>
+              <a:rPr lang="en-US" altLang="zh-CN" sz="1200" dirty="0" err="1" smtClean="0"/>
+              <a:t>Nodejs</a:t>
+            </a:r>
+            <a:r>
+              <a:rPr lang="zh-CN" altLang="en-US" sz="1200" dirty="0" smtClean="0"/>
+              <a:t>中通过</a:t>
+            </a:r>
+            <a:r>
+              <a:rPr lang="en-US" altLang="zh-CN" sz="1200" dirty="0" smtClean="0"/>
+              <a:t>events</a:t>
+            </a:r>
+            <a:r>
+              <a:rPr lang="zh-CN" altLang="en-US" sz="1200" dirty="0" smtClean="0"/>
+              <a:t>模块中的</a:t>
+            </a:r>
+            <a:r>
+              <a:rPr lang="en-US" altLang="zh-CN" sz="1200" dirty="0" err="1" smtClean="0"/>
+              <a:t>EventEmitter</a:t>
+            </a:r>
+            <a:r>
+              <a:rPr lang="zh-CN" altLang="en-US" sz="1200" dirty="0" smtClean="0"/>
+              <a:t>来创建事件，</a:t>
+            </a:r>
+            <a:r>
+              <a:rPr lang="en-US" altLang="zh-CN" sz="1200" dirty="0"/>
+              <a:t> </a:t>
+            </a:r>
+            <a:r>
+              <a:rPr lang="en-US" altLang="zh-CN" sz="1200" dirty="0" err="1"/>
+              <a:t>EventEmitter</a:t>
+            </a:r>
+            <a:r>
+              <a:rPr lang="en-US" altLang="zh-CN" sz="1200" dirty="0"/>
+              <a:t> </a:t>
+            </a:r>
+            <a:r>
+              <a:rPr lang="zh-CN" altLang="en-US" sz="1200" dirty="0"/>
+              <a:t>的核心就是事件触发与事件监听器功能的</a:t>
+            </a:r>
+            <a:r>
+              <a:rPr lang="zh-CN" altLang="en-US" sz="1200" dirty="0" smtClean="0"/>
+              <a:t>封装</a:t>
+            </a:r>
+            <a:r>
+              <a:rPr lang="en-US" altLang="zh-CN" sz="1200" dirty="0" smtClean="0"/>
+              <a:t>;</a:t>
+            </a:r>
+          </a:p>
+          <a:p>
+            <a:pPr marL="228600" lvl="1" indent="0">
+              <a:lnSpc>
+                <a:spcPct val="150000"/>
+              </a:lnSpc>
+              <a:buNone/>
+            </a:pPr>
+            <a:r>
+              <a:rPr lang="en-US" altLang="zh-CN" sz="1200" dirty="0" err="1"/>
+              <a:t>var</a:t>
+            </a:r>
+            <a:r>
+              <a:rPr lang="en-US" altLang="zh-CN" sz="1200" dirty="0"/>
+              <a:t> events = require</a:t>
+            </a:r>
+            <a:r>
+              <a:rPr lang="en-US" altLang="zh-CN" sz="1200" dirty="0" smtClean="0"/>
+              <a:t>(‘events’);//</a:t>
+            </a:r>
+            <a:r>
+              <a:rPr lang="zh-CN" altLang="en-US" sz="1200" dirty="0" smtClean="0"/>
+              <a:t>引用事件模块</a:t>
+            </a:r>
+            <a:endParaRPr lang="en-US" altLang="zh-CN" sz="1200" dirty="0" smtClean="0"/>
+          </a:p>
+          <a:p>
+            <a:pPr marL="228600" lvl="1" indent="0">
+              <a:lnSpc>
+                <a:spcPct val="150000"/>
+              </a:lnSpc>
+              <a:buNone/>
+            </a:pPr>
+            <a:r>
+              <a:rPr lang="en-US" altLang="zh-CN" sz="1200" dirty="0" err="1" smtClean="0"/>
+              <a:t>var</a:t>
+            </a:r>
+            <a:r>
+              <a:rPr lang="en-US" altLang="zh-CN" sz="1200" dirty="0" smtClean="0"/>
+              <a:t> </a:t>
+            </a:r>
+            <a:r>
+              <a:rPr lang="en-US" altLang="zh-CN" sz="1200" dirty="0" err="1"/>
+              <a:t>eventEmitter</a:t>
+            </a:r>
+            <a:r>
+              <a:rPr lang="en-US" altLang="zh-CN" sz="1200" dirty="0"/>
+              <a:t> = new </a:t>
+            </a:r>
+            <a:r>
+              <a:rPr lang="en-US" altLang="zh-CN" sz="1200" dirty="0" err="1"/>
+              <a:t>events.EventEmitter</a:t>
+            </a:r>
+            <a:r>
+              <a:rPr lang="en-US" altLang="zh-CN" sz="1200" dirty="0" smtClean="0"/>
+              <a:t>();</a:t>
+            </a:r>
+            <a:r>
+              <a:rPr lang="en-US" altLang="zh-CN" sz="1200" dirty="0"/>
+              <a:t> // </a:t>
+            </a:r>
+            <a:r>
+              <a:rPr lang="zh-CN" altLang="en-US" sz="1200" dirty="0"/>
+              <a:t>创建 </a:t>
+            </a:r>
+            <a:r>
+              <a:rPr lang="en-US" altLang="zh-CN" sz="1200" dirty="0" err="1"/>
+              <a:t>eventEmitter</a:t>
+            </a:r>
+            <a:r>
+              <a:rPr lang="en-US" altLang="zh-CN" sz="1200" dirty="0"/>
+              <a:t> </a:t>
+            </a:r>
+            <a:r>
+              <a:rPr lang="zh-CN" altLang="en-US" sz="1200" dirty="0"/>
+              <a:t>对象 </a:t>
+            </a:r>
+            <a:endParaRPr lang="en-US" altLang="zh-CN" sz="1200" dirty="0"/>
+          </a:p>
+          <a:p>
+            <a:pPr marL="228600" lvl="1" indent="0">
+              <a:lnSpc>
+                <a:spcPct val="150000"/>
+              </a:lnSpc>
+              <a:buNone/>
+            </a:pPr>
+            <a:r>
+              <a:rPr lang="en-US" altLang="zh-CN" sz="1200" dirty="0" err="1"/>
+              <a:t>event.on</a:t>
+            </a:r>
+            <a:r>
+              <a:rPr lang="en-US" altLang="zh-CN" sz="1200" dirty="0"/>
+              <a:t>('</a:t>
+            </a:r>
+            <a:r>
+              <a:rPr lang="en-US" altLang="zh-CN" sz="1200" dirty="0" err="1"/>
+              <a:t>some_event</a:t>
+            </a:r>
+            <a:r>
+              <a:rPr lang="en-US" altLang="zh-CN" sz="1200" dirty="0"/>
+              <a:t>', function() { console.log('</a:t>
+            </a:r>
+            <a:r>
+              <a:rPr lang="en-US" altLang="zh-CN" sz="1200" dirty="0" err="1"/>
+              <a:t>some_event</a:t>
+            </a:r>
+            <a:r>
+              <a:rPr lang="en-US" altLang="zh-CN" sz="1200" dirty="0"/>
+              <a:t> </a:t>
+            </a:r>
+            <a:r>
+              <a:rPr lang="zh-CN" altLang="en-US" sz="1200" dirty="0"/>
+              <a:t>事件触发</a:t>
+            </a:r>
+            <a:r>
+              <a:rPr lang="en-US" altLang="zh-CN" sz="1200" dirty="0"/>
+              <a:t>'); }); </a:t>
+            </a:r>
+            <a:endParaRPr lang="zh-CN" altLang="en-US" sz="1200" dirty="0"/>
           </a:p>
           <a:p>
             <a:pPr>
@@ -7497,6 +7431,13 @@
   <p:clrMapOvr>
     <a:masterClrMapping/>
   </p:clrMapOvr>
+  <p:timing>
+    <p:tnLst>
+      <p:par>
+        <p:cTn id="1" dur="indefinite" restart="never" nodeType="tmRoot"/>
+      </p:par>
+    </p:tnLst>
+  </p:timing>
 </p:sld>
 </file>
 
@@ -7561,6 +7502,11 @@
           <a:bodyPr/>
           <a:lstStyle/>
           <a:p>
+            <a:pPr>
+              <a:lnSpc>
+                <a:spcPct val="150000"/>
+              </a:lnSpc>
+            </a:pPr>
             <a:r>
               <a:rPr lang="en-US" altLang="zh-CN" sz="2000" dirty="0"/>
               <a:t>Node</a:t>
@@ -7581,12 +7527,40 @@
               <a:rPr lang="en-US" altLang="zh-CN" sz="2000" dirty="0" smtClean="0"/>
             </a:br>
             <a:r>
-              <a:rPr lang="zh-CN" altLang="en-US" sz="2000" dirty="0" smtClean="0"/>
-              <a:t>系统线程模型举例：</a:t>
+              <a:rPr lang="zh-CN" altLang="en-US" sz="2000" dirty="0" smtClean="0">
+                <a:solidFill>
+                  <a:schemeClr val="accent1">
+                    <a:lumMod val="75000"/>
+                  </a:schemeClr>
+                </a:solidFill>
+              </a:rPr>
+              <a:t>系统</a:t>
+            </a:r>
+            <a:r>
+              <a:rPr lang="zh-CN" altLang="en-US" sz="2000" dirty="0">
+                <a:solidFill>
+                  <a:schemeClr val="accent1">
+                    <a:lumMod val="75000"/>
+                  </a:schemeClr>
+                </a:solidFill>
+              </a:rPr>
+              <a:t>线程</a:t>
+            </a:r>
+            <a:r>
+              <a:rPr lang="zh-CN" altLang="en-US" sz="2000" dirty="0" smtClean="0">
+                <a:solidFill>
+                  <a:schemeClr val="accent1">
+                    <a:lumMod val="75000"/>
+                  </a:schemeClr>
+                </a:solidFill>
+              </a:rPr>
+              <a:t>模型：</a:t>
             </a:r>
             <a:endParaRPr lang="zh-CN" altLang="en-US" sz="2000" b="1" dirty="0">
               <a:solidFill>
-                <a:schemeClr val="accent2"/>
+                <a:schemeClr val="accent1">
+                  <a:lumMod val="75000"/>
+                </a:schemeClr>
               </a:solidFill>
             </a:endParaRPr>
           </a:p>
@@ -7621,11 +7595,6 @@
               </a:rPr>
               <a:t>这种模型的问题显而易见，服务端只有一个线程，并发请求（用户）到达只能处理一个，其余的要先等待，这就是阻塞，正在享受服务的请求阻塞后面的请求了</a:t>
             </a:r>
-            <a:endParaRPr lang="zh-CN" altLang="en-US" dirty="0">
-              <a:solidFill>
-                <a:schemeClr val="bg1"/>
-              </a:solidFill>
-            </a:endParaRPr>
           </a:p>
         </p:txBody>
       </p:sp>
@@ -7743,7 +7712,7 @@
               </a:rPr>
             </a:br>
             <a:r>
-              <a:rPr lang="zh-CN" altLang="en-US" sz="2000" b="1" dirty="0" smtClean="0">
+              <a:rPr lang="zh-CN" altLang="en-US" sz="2000" dirty="0" smtClean="0">
                 <a:solidFill>
                   <a:schemeClr val="accent2"/>
                 </a:solidFill>
@@ -7751,12 +7720,57 @@
               <a:t>多</a:t>
             </a:r>
             <a:r>
-              <a:rPr lang="zh-CN" altLang="en-US" sz="2000" b="1" dirty="0">
+              <a:rPr lang="zh-CN" altLang="en-US" sz="2000" dirty="0">
                 <a:solidFill>
                   <a:schemeClr val="accent2"/>
                 </a:solidFill>
               </a:rPr>
-              <a:t>线程、线程池模型</a:t>
+              <a:t>线程、线程池</a:t>
+            </a:r>
+            <a:r>
+              <a:rPr lang="zh-CN" altLang="en-US" sz="2000" dirty="0" smtClean="0">
+                <a:solidFill>
+                  <a:schemeClr val="accent2"/>
+                </a:solidFill>
+              </a:rPr>
+              <a:t>模型：</a:t>
+            </a:r>
+            <a:endParaRPr lang="zh-CN" altLang="en-US" sz="2000" dirty="0">
+              <a:solidFill>
+                <a:schemeClr val="accent2"/>
+              </a:solidFill>
+            </a:endParaRPr>
+          </a:p>
+        </p:txBody>
+      </p:sp>
+      <p:sp>
+        <p:nvSpPr>
+          <p:cNvPr id="3" name="矩形 2"/>
+          <p:cNvSpPr/>
+          <p:nvPr/>
+        </p:nvSpPr>
+        <p:spPr>
+          <a:xfrm>
+            <a:off x="3779912" y="2204864"/>
+            <a:ext cx="4572000" cy="923330"/>
+          </a:xfrm>
+          <a:prstGeom prst="rect">
+            <a:avLst/>
+          </a:prstGeom>
+        </p:spPr>
+        <p:txBody>
+          <a:bodyPr>
+            <a:spAutoFit/>
+          </a:bodyPr>
+          <a:lstStyle/>
+          <a:p>
+            <a:r>
+              <a:rPr lang="zh-CN" altLang="en-US" dirty="0">
+                <a:solidFill>
+                  <a:schemeClr val="bg1"/>
+                </a:solidFill>
+              </a:rPr>
+              <a:t>它调节服务端线程的数量来提高对并发请求的接收和响应，但并发量高的时候，请求仍然需要等待</a:t>
             </a:r>
           </a:p>
         </p:txBody>
@@ -8037,7 +8051,7 @@
   <a:extraClrSchemeLst/>
   <a:extLst>
     <a:ext uri="{05A4C25C-085E-4340-85A3-A5531E510DB2}">
-      <thm15:themeFamily xmlns:thm15="http://schemas.microsoft.com/office/thememl/2012/main" name="Banded" id="{98DFF888-2449-4D28-977C-6306C017633E}" vid="{9792607F-9579-4224-82FF-9C88C3E1E53D}"/>
+      <thm15:themeFamily xmlns:thm15="http://schemas.microsoft.com/office/thememl/2012/main" xmlns="" name="Banded" id="{98DFF888-2449-4D28-977C-6306C017633E}" vid="{9792607F-9579-4224-82FF-9C88C3E1E53D}"/>
     </a:ext>
   </a:extLst>
 </a:theme>

--- a/mix/技术分享/NODE技术分享.pptx
+++ b/mix/技术分享/NODE技术分享.pptx
@@ -6,23 +6,27 @@
   </p:sldMasterIdLst>
   <p:sldIdLst>
     <p:sldId id="271" r:id="rId2"/>
-    <p:sldId id="272" r:id="rId3"/>
-    <p:sldId id="273" r:id="rId4"/>
-    <p:sldId id="275" r:id="rId5"/>
-    <p:sldId id="276" r:id="rId6"/>
-    <p:sldId id="277" r:id="rId7"/>
-    <p:sldId id="274" r:id="rId8"/>
-    <p:sldId id="259" r:id="rId9"/>
-    <p:sldId id="261" r:id="rId10"/>
-    <p:sldId id="262" r:id="rId11"/>
-    <p:sldId id="263" r:id="rId12"/>
-    <p:sldId id="264" r:id="rId13"/>
-    <p:sldId id="265" r:id="rId14"/>
-    <p:sldId id="266" r:id="rId15"/>
-    <p:sldId id="267" r:id="rId16"/>
-    <p:sldId id="268" r:id="rId17"/>
-    <p:sldId id="269" r:id="rId18"/>
-    <p:sldId id="270" r:id="rId19"/>
+    <p:sldId id="279" r:id="rId3"/>
+    <p:sldId id="272" r:id="rId4"/>
+    <p:sldId id="280" r:id="rId5"/>
+    <p:sldId id="273" r:id="rId6"/>
+    <p:sldId id="275" r:id="rId7"/>
+    <p:sldId id="276" r:id="rId8"/>
+    <p:sldId id="277" r:id="rId9"/>
+    <p:sldId id="274" r:id="rId10"/>
+    <p:sldId id="278" r:id="rId11"/>
+    <p:sldId id="281" r:id="rId12"/>
+    <p:sldId id="282" r:id="rId13"/>
+    <p:sldId id="283" r:id="rId14"/>
+    <p:sldId id="259" r:id="rId15"/>
+    <p:sldId id="261" r:id="rId16"/>
+    <p:sldId id="262" r:id="rId17"/>
+    <p:sldId id="263" r:id="rId18"/>
+    <p:sldId id="264" r:id="rId19"/>
+    <p:sldId id="265" r:id="rId20"/>
+    <p:sldId id="266" r:id="rId21"/>
+    <p:sldId id="267" r:id="rId22"/>
+    <p:sldId id="270" r:id="rId23"/>
   </p:sldIdLst>
   <p:sldSz cx="9144000" cy="6858000" type="screen4x3"/>
   <p:notesSz cx="6858000" cy="9144000"/>
@@ -123,7 +127,7 @@
   </p:defaultTextStyle>
   <p:extLst>
     <p:ext uri="{EFAFB233-063F-42B5-8137-9DF3F51BA10A}">
-      <p15:sldGuideLst xmlns:p15="http://schemas.microsoft.com/office/powerpoint/2012/main" xmlns="">
+      <p15:sldGuideLst xmlns:p15="http://schemas.microsoft.com/office/powerpoint/2012/main">
         <p15:guide id="1" orient="horz" pos="2160">
           <p15:clr>
             <a:srgbClr val="A4A3A4"/>
@@ -316,7 +320,7 @@
           <a:p>
             <a:fld id="{530820CF-B880-4189-942D-D702A7CBA730}" type="datetimeFigureOut">
               <a:rPr lang="zh-CN" altLang="en-US" smtClean="0"/>
-              <a:t>2016/10/21</a:t>
+              <a:t>2016/10/23</a:t>
             </a:fld>
             <a:endParaRPr lang="zh-CN" altLang="en-US"/>
           </a:p>
@@ -486,7 +490,7 @@
           <a:p>
             <a:fld id="{530820CF-B880-4189-942D-D702A7CBA730}" type="datetimeFigureOut">
               <a:rPr lang="zh-CN" altLang="en-US" smtClean="0"/>
-              <a:t>2016/10/21</a:t>
+              <a:t>2016/10/23</a:t>
             </a:fld>
             <a:endParaRPr lang="zh-CN" altLang="en-US"/>
           </a:p>
@@ -709,7 +713,7 @@
           <a:p>
             <a:fld id="{530820CF-B880-4189-942D-D702A7CBA730}" type="datetimeFigureOut">
               <a:rPr lang="zh-CN" altLang="en-US" smtClean="0"/>
-              <a:t>2016/10/21</a:t>
+              <a:t>2016/10/23</a:t>
             </a:fld>
             <a:endParaRPr lang="zh-CN" altLang="en-US"/>
           </a:p>
@@ -889,7 +893,7 @@
           <a:p>
             <a:fld id="{530820CF-B880-4189-942D-D702A7CBA730}" type="datetimeFigureOut">
               <a:rPr lang="zh-CN" altLang="en-US" smtClean="0"/>
-              <a:t>2016/10/21</a:t>
+              <a:t>2016/10/23</a:t>
             </a:fld>
             <a:endParaRPr lang="zh-CN" altLang="en-US"/>
           </a:p>
@@ -1195,7 +1199,7 @@
           <a:p>
             <a:fld id="{530820CF-B880-4189-942D-D702A7CBA730}" type="datetimeFigureOut">
               <a:rPr lang="zh-CN" altLang="en-US" smtClean="0"/>
-              <a:t>2016/10/21</a:t>
+              <a:t>2016/10/23</a:t>
             </a:fld>
             <a:endParaRPr lang="zh-CN" altLang="en-US"/>
           </a:p>
@@ -1499,7 +1503,7 @@
           <a:p>
             <a:fld id="{530820CF-B880-4189-942D-D702A7CBA730}" type="datetimeFigureOut">
               <a:rPr lang="zh-CN" altLang="en-US" smtClean="0"/>
-              <a:t>2016/10/21</a:t>
+              <a:t>2016/10/23</a:t>
             </a:fld>
             <a:endParaRPr lang="zh-CN" altLang="en-US"/>
           </a:p>
@@ -1921,7 +1925,7 @@
           <a:p>
             <a:fld id="{530820CF-B880-4189-942D-D702A7CBA730}" type="datetimeFigureOut">
               <a:rPr lang="zh-CN" altLang="en-US" smtClean="0"/>
-              <a:t>2016/10/21</a:t>
+              <a:t>2016/10/23</a:t>
             </a:fld>
             <a:endParaRPr lang="zh-CN" altLang="en-US"/>
           </a:p>
@@ -2039,7 +2043,7 @@
           <a:p>
             <a:fld id="{530820CF-B880-4189-942D-D702A7CBA730}" type="datetimeFigureOut">
               <a:rPr lang="zh-CN" altLang="en-US" smtClean="0"/>
-              <a:t>2016/10/21</a:t>
+              <a:t>2016/10/23</a:t>
             </a:fld>
             <a:endParaRPr lang="zh-CN" altLang="en-US"/>
           </a:p>
@@ -2134,7 +2138,7 @@
           <a:p>
             <a:fld id="{530820CF-B880-4189-942D-D702A7CBA730}" type="datetimeFigureOut">
               <a:rPr lang="zh-CN" altLang="en-US" smtClean="0"/>
-              <a:t>2016/10/21</a:t>
+              <a:t>2016/10/23</a:t>
             </a:fld>
             <a:endParaRPr lang="zh-CN" altLang="en-US"/>
           </a:p>
@@ -2407,7 +2411,7 @@
           <a:p>
             <a:fld id="{530820CF-B880-4189-942D-D702A7CBA730}" type="datetimeFigureOut">
               <a:rPr lang="zh-CN" altLang="en-US" smtClean="0"/>
-              <a:t>2016/10/21</a:t>
+              <a:t>2016/10/23</a:t>
             </a:fld>
             <a:endParaRPr lang="zh-CN" altLang="en-US"/>
           </a:p>
@@ -2672,7 +2676,7 @@
           <a:p>
             <a:fld id="{530820CF-B880-4189-942D-D702A7CBA730}" type="datetimeFigureOut">
               <a:rPr lang="zh-CN" altLang="en-US" smtClean="0"/>
-              <a:t>2016/10/21</a:t>
+              <a:t>2016/10/23</a:t>
             </a:fld>
             <a:endParaRPr lang="zh-CN" altLang="en-US"/>
           </a:p>
@@ -2921,7 +2925,7 @@
           <a:p>
             <a:fld id="{530820CF-B880-4189-942D-D702A7CBA730}" type="datetimeFigureOut">
               <a:rPr lang="zh-CN" altLang="en-US" smtClean="0"/>
-              <a:t>2016/10/21</a:t>
+              <a:t>2016/10/23</a:t>
             </a:fld>
             <a:endParaRPr lang="zh-CN" altLang="en-US"/>
           </a:p>
@@ -3360,8 +3364,42 @@
 </file>
 
 <file path=ppt/slides/slide1.xml><?xml version="1.0" encoding="utf-8"?>
-<p:sld xmlns:a="http://schemas.openxmlformats.org/drawingml/2006/main" xmlns:r="http://schemas.openxmlformats.org/officeDocument/2006/relationships" xmlns:p="http://schemas.openxmlformats.org/presentationml/2006/main">
+<p:sld xmlns:a="http://schemas.openxmlformats.org/drawingml/2006/main" xmlns:r="http://schemas.openxmlformats.org/officeDocument/2006/relationships" xmlns:p="http://schemas.openxmlformats.org/presentationml/2006/main" showMasterSp="0">
   <p:cSld>
+    <p:bg>
+      <p:bgPr>
+        <a:gradFill>
+          <a:gsLst>
+            <a:gs pos="0">
+              <a:schemeClr val="accent1">
+                <a:lumMod val="5000"/>
+                <a:lumOff val="95000"/>
+              </a:schemeClr>
+            </a:gs>
+            <a:gs pos="74000">
+              <a:schemeClr val="accent1">
+                <a:lumMod val="45000"/>
+                <a:lumOff val="55000"/>
+              </a:schemeClr>
+            </a:gs>
+            <a:gs pos="83000">
+              <a:schemeClr val="accent1">
+                <a:lumMod val="45000"/>
+                <a:lumOff val="55000"/>
+              </a:schemeClr>
+            </a:gs>
+            <a:gs pos="100000">
+              <a:schemeClr val="accent1">
+                <a:lumMod val="30000"/>
+                <a:lumOff val="70000"/>
+              </a:schemeClr>
+            </a:gs>
+          </a:gsLst>
+          <a:lin ang="5400000" scaled="1"/>
+        </a:gradFill>
+        <a:effectLst/>
+      </p:bgPr>
+    </p:bg>
     <p:spTree>
       <p:nvGrpSpPr>
         <p:cNvPr id="1" name=""/>
@@ -3427,7 +3465,7 @@
                   <a:schemeClr val="tx1"/>
                 </a:solidFill>
               </a:rPr>
-              <a:t>Node</a:t>
+              <a:t>node</a:t>
             </a:r>
             <a:r>
               <a:rPr lang="zh-CN" altLang="en-US" dirty="0" smtClean="0">
@@ -3435,7 +3473,7 @@
                   <a:schemeClr val="tx1"/>
                 </a:solidFill>
               </a:rPr>
-              <a:t>漫谈</a:t>
+              <a:t>技术分享</a:t>
             </a:r>
             <a:endParaRPr lang="zh-CN" altLang="en-US" dirty="0">
               <a:solidFill>
@@ -3457,7 +3495,9 @@
         </p:nvSpPr>
         <p:spPr/>
         <p:txBody>
-          <a:bodyPr/>
+          <a:bodyPr>
+            <a:normAutofit fontScale="85000" lnSpcReduction="20000"/>
+          </a:bodyPr>
           <a:lstStyle/>
           <a:p>
             <a:pPr>
@@ -3469,8 +3509,12 @@
               <a:t>node</a:t>
             </a:r>
             <a:r>
+              <a:rPr lang="en-US" altLang="zh-CN" dirty="0" smtClean="0"/>
+              <a:t>.js</a:t>
+            </a:r>
+            <a:r>
               <a:rPr lang="zh-CN" altLang="en-US" dirty="0" smtClean="0"/>
-              <a:t>基础知识</a:t>
+              <a:t>基本概念</a:t>
             </a:r>
             <a:endParaRPr lang="en-US" altLang="zh-CN" dirty="0" smtClean="0"/>
           </a:p>
@@ -3484,10 +3528,141 @@
               <a:t>Node</a:t>
             </a:r>
             <a:r>
+              <a:rPr lang="en-US" altLang="zh-CN" dirty="0" smtClean="0"/>
+              <a:t>.</a:t>
+            </a:r>
+            <a:r>
+              <a:rPr lang="en-US" altLang="zh-CN" dirty="0" smtClean="0"/>
+              <a:t>js</a:t>
+            </a:r>
+            <a:r>
+              <a:rPr lang="zh-CN" altLang="en-US" dirty="0" smtClean="0"/>
+              <a:t>应用基本构成</a:t>
+            </a:r>
+            <a:endParaRPr lang="en-US" altLang="zh-CN" dirty="0" smtClean="0"/>
+          </a:p>
+          <a:p>
+            <a:pPr>
+              <a:buFont typeface="Wingdings" panose="05000000000000000000" pitchFamily="2" charset="2"/>
+              <a:buChar char="Ø"/>
+            </a:pPr>
+            <a:r>
+              <a:rPr lang="en-US" altLang="zh-CN" dirty="0" smtClean="0"/>
+              <a:t>Node.js</a:t>
+            </a:r>
+            <a:r>
+              <a:rPr lang="zh-CN" altLang="en-US" dirty="0" smtClean="0"/>
+              <a:t>包管理工具</a:t>
+            </a:r>
+            <a:endParaRPr lang="en-US" altLang="zh-CN" dirty="0" smtClean="0"/>
+          </a:p>
+          <a:p>
+            <a:pPr>
+              <a:buFont typeface="Wingdings" panose="05000000000000000000" pitchFamily="2" charset="2"/>
+              <a:buChar char="Ø"/>
+            </a:pPr>
+            <a:r>
+              <a:rPr lang="en-US" altLang="zh-CN" dirty="0" smtClean="0"/>
+              <a:t>Node.js</a:t>
+            </a:r>
+            <a:r>
+              <a:rPr lang="zh-CN" altLang="en-US" dirty="0" smtClean="0"/>
+              <a:t>模块系统</a:t>
+            </a:r>
+            <a:endParaRPr lang="en-US" altLang="zh-CN" dirty="0" smtClean="0"/>
+          </a:p>
+          <a:p>
+            <a:pPr>
+              <a:buFont typeface="Wingdings" panose="05000000000000000000" pitchFamily="2" charset="2"/>
+              <a:buChar char="Ø"/>
+            </a:pPr>
+            <a:r>
+              <a:rPr lang="en-US" altLang="zh-CN" dirty="0" smtClean="0"/>
+              <a:t>Node.js</a:t>
+            </a:r>
+            <a:r>
+              <a:rPr lang="zh-CN" altLang="en-US" dirty="0" smtClean="0"/>
+              <a:t>回调函数</a:t>
+            </a:r>
+            <a:endParaRPr lang="en-US" altLang="zh-CN" dirty="0" smtClean="0"/>
+          </a:p>
+          <a:p>
+            <a:pPr>
+              <a:buFont typeface="Wingdings" panose="05000000000000000000" pitchFamily="2" charset="2"/>
+              <a:buChar char="Ø"/>
+            </a:pPr>
+            <a:r>
+              <a:rPr lang="en-US" altLang="zh-CN" dirty="0" smtClean="0"/>
+              <a:t>Node.js</a:t>
+            </a:r>
+            <a:r>
               <a:rPr lang="zh-CN" altLang="en-US" dirty="0" smtClean="0"/>
               <a:t>事件机制</a:t>
             </a:r>
-            <a:endParaRPr lang="en-US" altLang="zh-CN" dirty="0"/>
+            <a:endParaRPr lang="en-US" altLang="zh-CN" dirty="0" smtClean="0"/>
+          </a:p>
+          <a:p>
+            <a:pPr>
+              <a:buFont typeface="Wingdings" panose="05000000000000000000" pitchFamily="2" charset="2"/>
+              <a:buChar char="Ø"/>
+            </a:pPr>
+            <a:r>
+              <a:rPr lang="en-US" altLang="zh-CN" dirty="0" smtClean="0"/>
+              <a:t>Node.js</a:t>
+            </a:r>
+            <a:r>
+              <a:rPr lang="zh-CN" altLang="en-US" dirty="0"/>
+              <a:t> </a:t>
+            </a:r>
+            <a:r>
+              <a:rPr lang="en-US" altLang="zh-CN" dirty="0" smtClean="0"/>
+              <a:t>stream</a:t>
+            </a:r>
+          </a:p>
+          <a:p>
+            <a:pPr>
+              <a:buFont typeface="Wingdings" panose="05000000000000000000" pitchFamily="2" charset="2"/>
+              <a:buChar char="Ø"/>
+            </a:pPr>
+            <a:r>
+              <a:rPr lang="en-US" altLang="zh-CN" dirty="0" smtClean="0"/>
+              <a:t>Node.js</a:t>
+            </a:r>
+            <a:r>
+              <a:rPr lang="zh-CN" altLang="en-US" dirty="0" smtClean="0"/>
+              <a:t>文件系统</a:t>
+            </a:r>
+            <a:endParaRPr lang="en-US" altLang="zh-CN" dirty="0" smtClean="0"/>
+          </a:p>
+          <a:p>
+            <a:pPr>
+              <a:buFont typeface="Wingdings" panose="05000000000000000000" pitchFamily="2" charset="2"/>
+              <a:buChar char="Ø"/>
+            </a:pPr>
+            <a:r>
+              <a:rPr lang="en-US" altLang="zh-CN" dirty="0" smtClean="0"/>
+              <a:t>Node.js web</a:t>
+            </a:r>
+            <a:r>
+              <a:rPr lang="zh-CN" altLang="en-US" dirty="0" smtClean="0"/>
+              <a:t>模块</a:t>
+            </a:r>
+            <a:endParaRPr lang="en-US" altLang="zh-CN" dirty="0" smtClean="0"/>
+          </a:p>
+          <a:p>
+            <a:pPr>
+              <a:buFont typeface="Wingdings" panose="05000000000000000000" pitchFamily="2" charset="2"/>
+              <a:buChar char="Ø"/>
+            </a:pPr>
+            <a:r>
+              <a:rPr lang="en-US" altLang="zh-CN" dirty="0" smtClean="0"/>
+              <a:t>Node.js</a:t>
+            </a:r>
+            <a:r>
+              <a:rPr lang="zh-CN" altLang="en-US" dirty="0" smtClean="0"/>
+              <a:t>路由</a:t>
+            </a:r>
+            <a:endParaRPr lang="en-US" altLang="zh-CN" dirty="0" smtClean="0"/>
           </a:p>
           <a:p>
             <a:pPr>
@@ -3560,6 +3735,1043 @@
             <p:ph type="title"/>
           </p:nvPr>
         </p:nvSpPr>
+        <p:spPr/>
+        <p:txBody>
+          <a:bodyPr/>
+          <a:lstStyle/>
+          <a:p>
+            <a:r>
+              <a:rPr lang="zh-CN" altLang="en-US" dirty="0" smtClean="0"/>
+              <a:t>文件流</a:t>
+            </a:r>
+            <a:r>
+              <a:rPr lang="en-US" altLang="zh-CN" dirty="0" smtClean="0"/>
+              <a:t>:stream</a:t>
+            </a:r>
+            <a:endParaRPr lang="zh-CN" altLang="en-US" dirty="0"/>
+          </a:p>
+        </p:txBody>
+      </p:sp>
+      <p:sp>
+        <p:nvSpPr>
+          <p:cNvPr id="3" name="内容占位符 2"/>
+          <p:cNvSpPr>
+            <a:spLocks noGrp="1"/>
+          </p:cNvSpPr>
+          <p:nvPr>
+            <p:ph idx="1"/>
+          </p:nvPr>
+        </p:nvSpPr>
+        <p:spPr/>
+        <p:txBody>
+          <a:bodyPr>
+            <a:normAutofit fontScale="85000" lnSpcReduction="20000"/>
+          </a:bodyPr>
+          <a:lstStyle/>
+          <a:p>
+            <a:pPr>
+              <a:lnSpc>
+                <a:spcPct val="150000"/>
+              </a:lnSpc>
+              <a:buFont typeface="Wingdings" panose="05000000000000000000" pitchFamily="2" charset="2"/>
+              <a:buChar char="Ø"/>
+            </a:pPr>
+            <a:r>
+              <a:rPr lang="en-US" altLang="zh-CN" dirty="0" smtClean="0"/>
+              <a:t>Stream</a:t>
+            </a:r>
+            <a:r>
+              <a:rPr lang="zh-CN" altLang="en-US" dirty="0" smtClean="0"/>
+              <a:t>流：</a:t>
+            </a:r>
+            <a:endParaRPr lang="en-US" altLang="zh-CN" dirty="0"/>
+          </a:p>
+          <a:p>
+            <a:pPr marL="1398900" lvl="5" indent="-342900">
+              <a:lnSpc>
+                <a:spcPct val="150000"/>
+              </a:lnSpc>
+              <a:buFont typeface="+mj-lt"/>
+              <a:buAutoNum type="arabicPeriod"/>
+            </a:pPr>
+            <a:r>
+              <a:rPr lang="zh-CN" altLang="en-US" dirty="0"/>
+              <a:t>类型：</a:t>
+            </a:r>
+            <a:r>
+              <a:rPr lang="en-US" altLang="zh-CN" dirty="0"/>
+              <a:t> </a:t>
+            </a:r>
+            <a:r>
+              <a:rPr lang="en-US" altLang="zh-CN" dirty="0" err="1"/>
+              <a:t>readable,writable,duplex,transform</a:t>
+            </a:r>
+            <a:endParaRPr lang="en-US" altLang="zh-CN" dirty="0"/>
+          </a:p>
+          <a:p>
+            <a:pPr marL="1398900" lvl="5" indent="-342900">
+              <a:lnSpc>
+                <a:spcPct val="150000"/>
+              </a:lnSpc>
+              <a:buFont typeface="+mj-lt"/>
+              <a:buAutoNum type="arabicPeriod"/>
+            </a:pPr>
+            <a:r>
+              <a:rPr lang="zh-CN" altLang="en-US" dirty="0"/>
+              <a:t>事件：</a:t>
+            </a:r>
+            <a:r>
+              <a:rPr lang="en-US" altLang="zh-CN" dirty="0" err="1" smtClean="0"/>
+              <a:t>data,end,finish,error</a:t>
+            </a:r>
+            <a:endParaRPr lang="en-US" altLang="zh-CN" dirty="0" smtClean="0"/>
+          </a:p>
+          <a:p>
+            <a:pPr marL="1398900" lvl="5" indent="-342900">
+              <a:lnSpc>
+                <a:spcPct val="150000"/>
+              </a:lnSpc>
+              <a:buFont typeface="+mj-lt"/>
+              <a:buAutoNum type="arabicPeriod"/>
+            </a:pPr>
+            <a:r>
+              <a:rPr lang="zh-CN" altLang="en-US" dirty="0" smtClean="0"/>
+              <a:t>举例：</a:t>
+            </a:r>
+            <a:r>
+              <a:rPr lang="en-US" altLang="zh-CN" dirty="0" err="1" smtClean="0"/>
+              <a:t>fs.creatReadStream,fs.createWriteStream</a:t>
+            </a:r>
+            <a:endParaRPr lang="en-US" altLang="zh-CN" dirty="0"/>
+          </a:p>
+          <a:p>
+            <a:pPr>
+              <a:lnSpc>
+                <a:spcPct val="150000"/>
+              </a:lnSpc>
+              <a:buFont typeface="Wingdings" panose="05000000000000000000" pitchFamily="2" charset="2"/>
+              <a:buChar char="Ø"/>
+            </a:pPr>
+            <a:r>
+              <a:rPr lang="zh-CN" altLang="en-US" dirty="0" smtClean="0"/>
+              <a:t>管道流：用于从一个流中获取数据并将数据传递到另外一个流中</a:t>
+            </a:r>
+            <a:r>
+              <a:rPr lang="en-US" altLang="zh-CN" dirty="0" smtClean="0"/>
+              <a:t>    </a:t>
+            </a:r>
+            <a:r>
+              <a:rPr lang="zh-CN" altLang="en-US" dirty="0" smtClean="0"/>
+              <a:t>。</a:t>
+            </a:r>
+            <a:endParaRPr lang="en-US" altLang="zh-CN" dirty="0"/>
+          </a:p>
+          <a:p>
+            <a:pPr marL="1398900" lvl="5" indent="-342900">
+              <a:lnSpc>
+                <a:spcPct val="150000"/>
+              </a:lnSpc>
+              <a:buFont typeface="+mj-lt"/>
+              <a:buAutoNum type="arabicPeriod"/>
+            </a:pPr>
+            <a:r>
+              <a:rPr lang="en-US" altLang="zh-CN" dirty="0" smtClean="0"/>
+              <a:t>pipe</a:t>
+            </a:r>
+            <a:r>
+              <a:rPr lang="zh-CN" altLang="en-US" dirty="0" smtClean="0"/>
+              <a:t>：</a:t>
+            </a:r>
+            <a:r>
+              <a:rPr lang="en-US" altLang="zh-CN" dirty="0" smtClean="0"/>
+              <a:t> </a:t>
+            </a:r>
+            <a:r>
+              <a:rPr lang="en-US" altLang="zh-CN" dirty="0" err="1"/>
+              <a:t>readStream.pipe</a:t>
+            </a:r>
+            <a:r>
+              <a:rPr lang="en-US" altLang="zh-CN" dirty="0"/>
+              <a:t>(</a:t>
+            </a:r>
+            <a:r>
+              <a:rPr lang="en-US" altLang="zh-CN" dirty="0" err="1"/>
+              <a:t>writeStream</a:t>
+            </a:r>
+            <a:r>
+              <a:rPr lang="en-US" altLang="zh-CN" dirty="0" smtClean="0"/>
+              <a:t>)</a:t>
+            </a:r>
+          </a:p>
+          <a:p>
+            <a:pPr marL="1398900" lvl="5" indent="-342900">
+              <a:lnSpc>
+                <a:spcPct val="150000"/>
+              </a:lnSpc>
+              <a:buFont typeface="+mj-lt"/>
+              <a:buAutoNum type="arabicPeriod"/>
+            </a:pPr>
+            <a:r>
+              <a:rPr lang="zh-CN" altLang="en-US" dirty="0" smtClean="0"/>
+              <a:t>举例：文件复制</a:t>
+            </a:r>
+            <a:endParaRPr lang="en-US" altLang="zh-CN" dirty="0" smtClean="0"/>
+          </a:p>
+          <a:p>
+            <a:pPr>
+              <a:lnSpc>
+                <a:spcPct val="150000"/>
+              </a:lnSpc>
+              <a:buFont typeface="Wingdings" panose="05000000000000000000" pitchFamily="2" charset="2"/>
+              <a:buChar char="Ø"/>
+            </a:pPr>
+            <a:r>
+              <a:rPr lang="zh-CN" altLang="en-US" dirty="0" smtClean="0"/>
+              <a:t>链式</a:t>
+            </a:r>
+            <a:r>
+              <a:rPr lang="zh-CN" altLang="en-US" dirty="0"/>
+              <a:t>流：</a:t>
+            </a:r>
+            <a:r>
+              <a:rPr lang="zh-CN" altLang="en-US" dirty="0" smtClean="0"/>
+              <a:t>链式流是</a:t>
+            </a:r>
+            <a:r>
+              <a:rPr lang="zh-CN" altLang="en-US" dirty="0"/>
+              <a:t>通过连接输出流到另外一个流并创建多</a:t>
+            </a:r>
+            <a:r>
+              <a:rPr lang="zh-CN" altLang="en-US" dirty="0" smtClean="0"/>
+              <a:t>个对流操作的</a:t>
+            </a:r>
+            <a:r>
+              <a:rPr lang="zh-CN" altLang="en-US" dirty="0"/>
+              <a:t>机制，链式流一般用于管道</a:t>
+            </a:r>
+            <a:r>
+              <a:rPr lang="zh-CN" altLang="en-US" dirty="0" smtClean="0"/>
+              <a:t>操作</a:t>
+            </a:r>
+            <a:endParaRPr lang="en-US" altLang="zh-CN" dirty="0" smtClean="0"/>
+          </a:p>
+          <a:p>
+            <a:pPr marL="1398900" lvl="5" indent="-342900">
+              <a:lnSpc>
+                <a:spcPct val="150000"/>
+              </a:lnSpc>
+              <a:buFont typeface="+mj-lt"/>
+              <a:buAutoNum type="arabicPeriod"/>
+            </a:pPr>
+            <a:r>
+              <a:rPr lang="zh-CN" altLang="en-US" dirty="0" smtClean="0"/>
+              <a:t>举例：文件解压</a:t>
+            </a:r>
+            <a:endParaRPr lang="en-US" altLang="zh-CN" dirty="0" smtClean="0"/>
+          </a:p>
+        </p:txBody>
+      </p:sp>
+    </p:spTree>
+    <p:extLst>
+      <p:ext uri="{BB962C8B-B14F-4D97-AF65-F5344CB8AC3E}">
+        <p14:creationId xmlns:p14="http://schemas.microsoft.com/office/powerpoint/2010/main" val="2212173609"/>
+      </p:ext>
+    </p:extLst>
+  </p:cSld>
+  <p:clrMapOvr>
+    <a:masterClrMapping/>
+  </p:clrMapOvr>
+</p:sld>
+</file>
+
+<file path=ppt/slides/slide11.xml><?xml version="1.0" encoding="utf-8"?>
+<p:sld xmlns:a="http://schemas.openxmlformats.org/drawingml/2006/main" xmlns:r="http://schemas.openxmlformats.org/officeDocument/2006/relationships" xmlns:p="http://schemas.openxmlformats.org/presentationml/2006/main">
+  <p:cSld>
+    <p:spTree>
+      <p:nvGrpSpPr>
+        <p:cNvPr id="1" name=""/>
+        <p:cNvGrpSpPr/>
+        <p:nvPr/>
+      </p:nvGrpSpPr>
+      <p:grpSpPr>
+        <a:xfrm>
+          <a:off x="0" y="0"/>
+          <a:ext cx="0" cy="0"/>
+          <a:chOff x="0" y="0"/>
+          <a:chExt cx="0" cy="0"/>
+        </a:xfrm>
+      </p:grpSpPr>
+      <p:sp>
+        <p:nvSpPr>
+          <p:cNvPr id="2" name="标题 1"/>
+          <p:cNvSpPr>
+            <a:spLocks noGrp="1"/>
+          </p:cNvSpPr>
+          <p:nvPr>
+            <p:ph type="title"/>
+          </p:nvPr>
+        </p:nvSpPr>
+        <p:spPr/>
+        <p:txBody>
+          <a:bodyPr/>
+          <a:lstStyle/>
+          <a:p>
+            <a:r>
+              <a:rPr lang="en-US" altLang="zh-CN" dirty="0"/>
+              <a:t>Node.js</a:t>
+            </a:r>
+            <a:r>
+              <a:rPr lang="zh-CN" altLang="en-US" dirty="0" smtClean="0"/>
+              <a:t>文件系统</a:t>
+            </a:r>
+            <a:endParaRPr lang="zh-CN" altLang="en-US" dirty="0"/>
+          </a:p>
+        </p:txBody>
+      </p:sp>
+      <p:sp>
+        <p:nvSpPr>
+          <p:cNvPr id="3" name="内容占位符 2"/>
+          <p:cNvSpPr>
+            <a:spLocks noGrp="1"/>
+          </p:cNvSpPr>
+          <p:nvPr>
+            <p:ph idx="1"/>
+          </p:nvPr>
+        </p:nvSpPr>
+        <p:spPr/>
+        <p:txBody>
+          <a:bodyPr/>
+          <a:lstStyle/>
+          <a:p>
+            <a:pPr>
+              <a:buFont typeface="Wingdings" panose="05000000000000000000" pitchFamily="2" charset="2"/>
+              <a:buChar char="Ø"/>
+            </a:pPr>
+            <a:r>
+              <a:rPr lang="zh-CN" altLang="en-US" dirty="0" smtClean="0"/>
+              <a:t>异步同步读取文件对比</a:t>
+            </a:r>
+            <a:r>
+              <a:rPr lang="en-US" altLang="zh-CN" dirty="0" smtClean="0"/>
+              <a:t>:</a:t>
+            </a:r>
+            <a:r>
+              <a:rPr lang="en-US" altLang="zh-CN" dirty="0" err="1" smtClean="0"/>
+              <a:t>fs.readFile,fs.readFileSync</a:t>
+            </a:r>
+            <a:endParaRPr lang="en-US" altLang="zh-CN" dirty="0" smtClean="0"/>
+          </a:p>
+          <a:p>
+            <a:pPr>
+              <a:buFont typeface="Wingdings" panose="05000000000000000000" pitchFamily="2" charset="2"/>
+              <a:buChar char="Ø"/>
+            </a:pPr>
+            <a:r>
+              <a:rPr lang="zh-CN" altLang="en-US" dirty="0" smtClean="0"/>
+              <a:t>打开文件：</a:t>
+            </a:r>
+            <a:r>
+              <a:rPr lang="en-US" altLang="zh-CN" dirty="0" err="1" smtClean="0"/>
+              <a:t>fs.open</a:t>
+            </a:r>
+            <a:endParaRPr lang="en-US" altLang="zh-CN" dirty="0" smtClean="0"/>
+          </a:p>
+          <a:p>
+            <a:pPr>
+              <a:buFont typeface="Wingdings" panose="05000000000000000000" pitchFamily="2" charset="2"/>
+              <a:buChar char="Ø"/>
+            </a:pPr>
+            <a:r>
+              <a:rPr lang="zh-CN" altLang="en-US" dirty="0" smtClean="0"/>
+              <a:t>写入文件：</a:t>
+            </a:r>
+            <a:r>
+              <a:rPr lang="en-US" altLang="zh-CN" dirty="0" err="1" smtClean="0"/>
+              <a:t>fs.writeFile</a:t>
+            </a:r>
+            <a:endParaRPr lang="en-US" altLang="zh-CN" dirty="0" smtClean="0"/>
+          </a:p>
+          <a:p>
+            <a:pPr>
+              <a:buFont typeface="Wingdings" panose="05000000000000000000" pitchFamily="2" charset="2"/>
+              <a:buChar char="Ø"/>
+            </a:pPr>
+            <a:r>
+              <a:rPr lang="zh-CN" altLang="en-US" dirty="0" smtClean="0"/>
+              <a:t>删除文件：</a:t>
+            </a:r>
+            <a:r>
+              <a:rPr lang="en-US" altLang="zh-CN" dirty="0" err="1" smtClean="0"/>
+              <a:t>fs.unlink</a:t>
+            </a:r>
+            <a:endParaRPr lang="en-US" altLang="zh-CN" dirty="0" smtClean="0"/>
+          </a:p>
+          <a:p>
+            <a:pPr marL="0" indent="0">
+              <a:buNone/>
+            </a:pPr>
+            <a:endParaRPr lang="zh-CN" altLang="en-US" dirty="0"/>
+          </a:p>
+        </p:txBody>
+      </p:sp>
+    </p:spTree>
+    <p:extLst>
+      <p:ext uri="{BB962C8B-B14F-4D97-AF65-F5344CB8AC3E}">
+        <p14:creationId xmlns:p14="http://schemas.microsoft.com/office/powerpoint/2010/main" val="1578342826"/>
+      </p:ext>
+    </p:extLst>
+  </p:cSld>
+  <p:clrMapOvr>
+    <a:masterClrMapping/>
+  </p:clrMapOvr>
+</p:sld>
+</file>
+
+<file path=ppt/slides/slide12.xml><?xml version="1.0" encoding="utf-8"?>
+<p:sld xmlns:a="http://schemas.openxmlformats.org/drawingml/2006/main" xmlns:r="http://schemas.openxmlformats.org/officeDocument/2006/relationships" xmlns:p="http://schemas.openxmlformats.org/presentationml/2006/main">
+  <p:cSld>
+    <p:spTree>
+      <p:nvGrpSpPr>
+        <p:cNvPr id="1" name=""/>
+        <p:cNvGrpSpPr/>
+        <p:nvPr/>
+      </p:nvGrpSpPr>
+      <p:grpSpPr>
+        <a:xfrm>
+          <a:off x="0" y="0"/>
+          <a:ext cx="0" cy="0"/>
+          <a:chOff x="0" y="0"/>
+          <a:chExt cx="0" cy="0"/>
+        </a:xfrm>
+      </p:grpSpPr>
+      <p:sp>
+        <p:nvSpPr>
+          <p:cNvPr id="2" name="标题 1"/>
+          <p:cNvSpPr>
+            <a:spLocks noGrp="1"/>
+          </p:cNvSpPr>
+          <p:nvPr>
+            <p:ph type="title"/>
+          </p:nvPr>
+        </p:nvSpPr>
+        <p:spPr/>
+        <p:txBody>
+          <a:bodyPr/>
+          <a:lstStyle/>
+          <a:p>
+            <a:r>
+              <a:rPr lang="en-US" altLang="zh-CN" dirty="0" smtClean="0"/>
+              <a:t>Node.js web</a:t>
+            </a:r>
+            <a:r>
+              <a:rPr lang="zh-CN" altLang="en-US" dirty="0" smtClean="0"/>
+              <a:t>模块</a:t>
+            </a:r>
+            <a:endParaRPr lang="zh-CN" altLang="en-US" dirty="0"/>
+          </a:p>
+        </p:txBody>
+      </p:sp>
+      <p:sp>
+        <p:nvSpPr>
+          <p:cNvPr id="3" name="内容占位符 2"/>
+          <p:cNvSpPr>
+            <a:spLocks noGrp="1"/>
+          </p:cNvSpPr>
+          <p:nvPr>
+            <p:ph idx="1"/>
+          </p:nvPr>
+        </p:nvSpPr>
+        <p:spPr/>
+        <p:txBody>
+          <a:bodyPr/>
+          <a:lstStyle/>
+          <a:p>
+            <a:pPr>
+              <a:buFont typeface="Wingdings" panose="05000000000000000000" pitchFamily="2" charset="2"/>
+              <a:buChar char="Ø"/>
+            </a:pPr>
+            <a:r>
+              <a:rPr lang="zh-CN" altLang="en-US" dirty="0" smtClean="0"/>
+              <a:t>创建</a:t>
+            </a:r>
+            <a:r>
+              <a:rPr lang="en-US" altLang="zh-CN" dirty="0" smtClean="0"/>
+              <a:t>web</a:t>
+            </a:r>
+            <a:r>
+              <a:rPr lang="zh-CN" altLang="en-US" dirty="0" smtClean="0"/>
+              <a:t>服务器：</a:t>
+            </a:r>
+            <a:r>
+              <a:rPr lang="en-US" altLang="zh-CN" dirty="0" smtClean="0"/>
+              <a:t>http</a:t>
+            </a:r>
+            <a:r>
+              <a:rPr lang="zh-CN" altLang="en-US" dirty="0" smtClean="0"/>
+              <a:t>模块</a:t>
+            </a:r>
+            <a:endParaRPr lang="en-US" altLang="zh-CN" dirty="0" smtClean="0"/>
+          </a:p>
+          <a:p>
+            <a:pPr>
+              <a:buFont typeface="Wingdings" panose="05000000000000000000" pitchFamily="2" charset="2"/>
+              <a:buChar char="Ø"/>
+            </a:pPr>
+            <a:r>
+              <a:rPr lang="zh-CN" altLang="en-US" dirty="0" smtClean="0"/>
+              <a:t>获取请求</a:t>
+            </a:r>
+            <a:r>
+              <a:rPr lang="en-US" altLang="zh-CN" dirty="0" smtClean="0"/>
+              <a:t>URL</a:t>
+            </a:r>
+            <a:r>
+              <a:rPr lang="zh-CN" altLang="en-US" dirty="0" smtClean="0"/>
+              <a:t>及</a:t>
+            </a:r>
+            <a:r>
+              <a:rPr lang="en-US" altLang="zh-CN" dirty="0" smtClean="0"/>
+              <a:t>POST/GET</a:t>
+            </a:r>
+            <a:r>
+              <a:rPr lang="zh-CN" altLang="en-US" dirty="0" smtClean="0"/>
+              <a:t>参数：</a:t>
+            </a:r>
+            <a:r>
+              <a:rPr lang="en-US" altLang="zh-CN" dirty="0" err="1" smtClean="0"/>
+              <a:t>url</a:t>
+            </a:r>
+            <a:r>
+              <a:rPr lang="zh-CN" altLang="en-US" dirty="0" smtClean="0"/>
+              <a:t>、</a:t>
+            </a:r>
+            <a:r>
+              <a:rPr lang="en-US" altLang="zh-CN" dirty="0" err="1" smtClean="0"/>
+              <a:t>querystring</a:t>
+            </a:r>
+            <a:r>
+              <a:rPr lang="zh-CN" altLang="en-US" dirty="0" smtClean="0"/>
+              <a:t>模块</a:t>
+            </a:r>
+            <a:endParaRPr lang="en-US" altLang="zh-CN" dirty="0" smtClean="0"/>
+          </a:p>
+          <a:p>
+            <a:pPr>
+              <a:buFont typeface="Wingdings" panose="05000000000000000000" pitchFamily="2" charset="2"/>
+              <a:buChar char="Ø"/>
+            </a:pPr>
+            <a:r>
+              <a:rPr lang="zh-CN" altLang="en-US" dirty="0" smtClean="0"/>
+              <a:t>响应：</a:t>
+            </a:r>
+            <a:r>
+              <a:rPr lang="en-US" altLang="zh-CN" dirty="0" smtClean="0"/>
+              <a:t>response</a:t>
+            </a:r>
+            <a:endParaRPr lang="zh-CN" altLang="en-US" dirty="0"/>
+          </a:p>
+        </p:txBody>
+      </p:sp>
+    </p:spTree>
+    <p:extLst>
+      <p:ext uri="{BB962C8B-B14F-4D97-AF65-F5344CB8AC3E}">
+        <p14:creationId xmlns:p14="http://schemas.microsoft.com/office/powerpoint/2010/main" val="3180335252"/>
+      </p:ext>
+    </p:extLst>
+  </p:cSld>
+  <p:clrMapOvr>
+    <a:masterClrMapping/>
+  </p:clrMapOvr>
+</p:sld>
+</file>
+
+<file path=ppt/slides/slide13.xml><?xml version="1.0" encoding="utf-8"?>
+<p:sld xmlns:a="http://schemas.openxmlformats.org/drawingml/2006/main" xmlns:r="http://schemas.openxmlformats.org/officeDocument/2006/relationships" xmlns:p="http://schemas.openxmlformats.org/presentationml/2006/main">
+  <p:cSld>
+    <p:spTree>
+      <p:nvGrpSpPr>
+        <p:cNvPr id="1" name=""/>
+        <p:cNvGrpSpPr/>
+        <p:nvPr/>
+      </p:nvGrpSpPr>
+      <p:grpSpPr>
+        <a:xfrm>
+          <a:off x="0" y="0"/>
+          <a:ext cx="0" cy="0"/>
+          <a:chOff x="0" y="0"/>
+          <a:chExt cx="0" cy="0"/>
+        </a:xfrm>
+      </p:grpSpPr>
+      <p:sp>
+        <p:nvSpPr>
+          <p:cNvPr id="2" name="标题 1"/>
+          <p:cNvSpPr>
+            <a:spLocks noGrp="1"/>
+          </p:cNvSpPr>
+          <p:nvPr>
+            <p:ph type="title"/>
+          </p:nvPr>
+        </p:nvSpPr>
+        <p:spPr/>
+        <p:txBody>
+          <a:bodyPr/>
+          <a:lstStyle/>
+          <a:p>
+            <a:r>
+              <a:rPr lang="en-US" altLang="zh-CN" dirty="0" smtClean="0"/>
+              <a:t>Node.js</a:t>
+            </a:r>
+            <a:r>
+              <a:rPr lang="zh-CN" altLang="en-US" dirty="0" smtClean="0"/>
+              <a:t>路由</a:t>
+            </a:r>
+            <a:endParaRPr lang="zh-CN" altLang="en-US" dirty="0"/>
+          </a:p>
+        </p:txBody>
+      </p:sp>
+      <p:sp>
+        <p:nvSpPr>
+          <p:cNvPr id="3" name="内容占位符 2"/>
+          <p:cNvSpPr>
+            <a:spLocks noGrp="1"/>
+          </p:cNvSpPr>
+          <p:nvPr>
+            <p:ph idx="1"/>
+          </p:nvPr>
+        </p:nvSpPr>
+        <p:spPr/>
+        <p:txBody>
+          <a:bodyPr/>
+          <a:lstStyle/>
+          <a:p>
+            <a:pPr>
+              <a:buFont typeface="Wingdings" panose="05000000000000000000" pitchFamily="2" charset="2"/>
+              <a:buChar char="Ø"/>
+            </a:pPr>
+            <a:r>
+              <a:rPr lang="zh-CN" altLang="en-US" dirty="0" smtClean="0"/>
+              <a:t>调用</a:t>
+            </a:r>
+            <a:r>
+              <a:rPr lang="en-US" altLang="zh-CN" dirty="0" err="1" smtClean="0"/>
+              <a:t>url</a:t>
+            </a:r>
+            <a:r>
+              <a:rPr lang="en-US" altLang="zh-CN" dirty="0" smtClean="0"/>
+              <a:t> </a:t>
+            </a:r>
+            <a:r>
+              <a:rPr lang="zh-CN" altLang="en-US" dirty="0" smtClean="0"/>
+              <a:t>、</a:t>
+            </a:r>
+            <a:r>
+              <a:rPr lang="en-US" altLang="zh-CN" dirty="0" err="1" smtClean="0"/>
+              <a:t>querystring</a:t>
+            </a:r>
+            <a:r>
+              <a:rPr lang="zh-CN" altLang="en-US" dirty="0" smtClean="0"/>
+              <a:t>解析</a:t>
+            </a:r>
+            <a:r>
+              <a:rPr lang="en-US" altLang="zh-CN" dirty="0" smtClean="0"/>
+              <a:t>request</a:t>
+            </a:r>
+          </a:p>
+          <a:p>
+            <a:pPr>
+              <a:buFont typeface="Wingdings" panose="05000000000000000000" pitchFamily="2" charset="2"/>
+              <a:buChar char="Ø"/>
+            </a:pPr>
+            <a:r>
+              <a:rPr lang="zh-CN" altLang="en-US" dirty="0" smtClean="0"/>
+              <a:t>封装路由模块</a:t>
+            </a:r>
+            <a:endParaRPr lang="en-US" altLang="zh-CN" dirty="0" smtClean="0"/>
+          </a:p>
+          <a:p>
+            <a:pPr>
+              <a:buFont typeface="Wingdings" panose="05000000000000000000" pitchFamily="2" charset="2"/>
+              <a:buChar char="Ø"/>
+            </a:pPr>
+            <a:r>
+              <a:rPr lang="zh-CN" altLang="en-US" dirty="0" smtClean="0"/>
+              <a:t>根据</a:t>
+            </a:r>
+            <a:r>
+              <a:rPr lang="en-US" altLang="zh-CN" dirty="0" smtClean="0"/>
+              <a:t>request</a:t>
+            </a:r>
+            <a:r>
+              <a:rPr lang="zh-CN" altLang="en-US" dirty="0" smtClean="0"/>
+              <a:t>做出不同的响应</a:t>
+            </a:r>
+            <a:endParaRPr lang="zh-CN" altLang="en-US" dirty="0"/>
+          </a:p>
+        </p:txBody>
+      </p:sp>
+    </p:spTree>
+    <p:extLst>
+      <p:ext uri="{BB962C8B-B14F-4D97-AF65-F5344CB8AC3E}">
+        <p14:creationId xmlns:p14="http://schemas.microsoft.com/office/powerpoint/2010/main" val="647883443"/>
+      </p:ext>
+    </p:extLst>
+  </p:cSld>
+  <p:clrMapOvr>
+    <a:masterClrMapping/>
+  </p:clrMapOvr>
+</p:sld>
+</file>
+
+<file path=ppt/slides/slide14.xml><?xml version="1.0" encoding="utf-8"?>
+<p:sld xmlns:a="http://schemas.openxmlformats.org/drawingml/2006/main" xmlns:r="http://schemas.openxmlformats.org/officeDocument/2006/relationships" xmlns:p="http://schemas.openxmlformats.org/presentationml/2006/main">
+  <p:cSld>
+    <p:spTree>
+      <p:nvGrpSpPr>
+        <p:cNvPr id="1" name=""/>
+        <p:cNvGrpSpPr/>
+        <p:nvPr/>
+      </p:nvGrpSpPr>
+      <p:grpSpPr>
+        <a:xfrm>
+          <a:off x="0" y="0"/>
+          <a:ext cx="0" cy="0"/>
+          <a:chOff x="0" y="0"/>
+          <a:chExt cx="0" cy="0"/>
+        </a:xfrm>
+      </p:grpSpPr>
+      <p:pic>
+        <p:nvPicPr>
+          <p:cNvPr id="4" name="内容占位符 3"/>
+          <p:cNvPicPr>
+            <a:picLocks noGrp="1" noChangeAspect="1"/>
+          </p:cNvPicPr>
+          <p:nvPr>
+            <p:ph idx="1"/>
+          </p:nvPr>
+        </p:nvPicPr>
+        <p:blipFill>
+          <a:blip r:embed="rId2">
+            <a:extLst>
+              <a:ext uri="{28A0092B-C50C-407E-A947-70E740481C1C}">
+                <a14:useLocalDpi xmlns:a14="http://schemas.microsoft.com/office/drawing/2010/main" val="0"/>
+              </a:ext>
+            </a:extLst>
+          </a:blip>
+          <a:stretch>
+            <a:fillRect/>
+          </a:stretch>
+        </p:blipFill>
+        <p:spPr>
+          <a:xfrm>
+            <a:off x="685800" y="2283916"/>
+            <a:ext cx="7772400" cy="3661768"/>
+          </a:xfrm>
+        </p:spPr>
+      </p:pic>
+      <p:sp>
+        <p:nvSpPr>
+          <p:cNvPr id="2" name="标题 1"/>
+          <p:cNvSpPr>
+            <a:spLocks noGrp="1"/>
+          </p:cNvSpPr>
+          <p:nvPr>
+            <p:ph type="title"/>
+          </p:nvPr>
+        </p:nvSpPr>
+        <p:spPr/>
+        <p:txBody>
+          <a:bodyPr>
+            <a:normAutofit/>
+          </a:bodyPr>
+          <a:lstStyle/>
+          <a:p>
+            <a:r>
+              <a:rPr lang="en-US" altLang="zh-CN" dirty="0" smtClean="0"/>
+              <a:t>Node.js</a:t>
+            </a:r>
+            <a:r>
+              <a:rPr lang="zh-CN" altLang="en-US" dirty="0" smtClean="0"/>
+              <a:t>高</a:t>
+            </a:r>
+            <a:r>
+              <a:rPr lang="zh-CN" altLang="en-US" dirty="0"/>
+              <a:t>并发原理及应用场景</a:t>
+            </a:r>
+            <a:endParaRPr lang="zh-CN" altLang="en-US" dirty="0"/>
+          </a:p>
+        </p:txBody>
+      </p:sp>
+      <p:sp>
+        <p:nvSpPr>
+          <p:cNvPr id="3" name="矩形 2"/>
+          <p:cNvSpPr/>
+          <p:nvPr/>
+        </p:nvSpPr>
+        <p:spPr>
+          <a:xfrm>
+            <a:off x="3347864" y="4509120"/>
+            <a:ext cx="4572000" cy="1477328"/>
+          </a:xfrm>
+          <a:prstGeom prst="rect">
+            <a:avLst/>
+          </a:prstGeom>
+        </p:spPr>
+        <p:txBody>
+          <a:bodyPr>
+            <a:spAutoFit/>
+          </a:bodyPr>
+          <a:lstStyle/>
+          <a:p>
+            <a:r>
+              <a:rPr lang="zh-CN" altLang="en-US" dirty="0" smtClean="0">
+                <a:solidFill>
+                  <a:schemeClr val="bg1"/>
+                </a:solidFill>
+              </a:rPr>
+              <a:t>系统线程模型：</a:t>
+            </a:r>
+            <a:endParaRPr lang="en-US" altLang="zh-CN" dirty="0" smtClean="0">
+              <a:solidFill>
+                <a:schemeClr val="bg1"/>
+              </a:solidFill>
+            </a:endParaRPr>
+          </a:p>
+          <a:p>
+            <a:r>
+              <a:rPr lang="zh-CN" altLang="en-US" dirty="0" smtClean="0">
+                <a:solidFill>
+                  <a:schemeClr val="bg1"/>
+                </a:solidFill>
+              </a:rPr>
+              <a:t>这种</a:t>
+            </a:r>
+            <a:r>
+              <a:rPr lang="zh-CN" altLang="en-US" dirty="0">
+                <a:solidFill>
+                  <a:schemeClr val="bg1"/>
+                </a:solidFill>
+              </a:rPr>
+              <a:t>模型的问题显而易见，服务端只有一个线程，并发请求（用户）到达只能处理一个，其余的要先等待，这就是阻塞，正在享受服务的请求阻塞后面的请求了</a:t>
+            </a:r>
+          </a:p>
+        </p:txBody>
+      </p:sp>
+    </p:spTree>
+    <p:extLst>
+      <p:ext uri="{BB962C8B-B14F-4D97-AF65-F5344CB8AC3E}">
+        <p14:creationId xmlns:p14="http://schemas.microsoft.com/office/powerpoint/2010/main" val="367878230"/>
+      </p:ext>
+    </p:extLst>
+  </p:cSld>
+  <p:clrMapOvr>
+    <a:masterClrMapping/>
+  </p:clrMapOvr>
+  <p:timing>
+    <p:tnLst>
+      <p:par>
+        <p:cTn id="1" dur="indefinite" restart="never" nodeType="tmRoot"/>
+      </p:par>
+    </p:tnLst>
+  </p:timing>
+</p:sld>
+</file>
+
+<file path=ppt/slides/slide15.xml><?xml version="1.0" encoding="utf-8"?>
+<p:sld xmlns:a="http://schemas.openxmlformats.org/drawingml/2006/main" xmlns:r="http://schemas.openxmlformats.org/officeDocument/2006/relationships" xmlns:p="http://schemas.openxmlformats.org/presentationml/2006/main">
+  <p:cSld>
+    <p:spTree>
+      <p:nvGrpSpPr>
+        <p:cNvPr id="1" name=""/>
+        <p:cNvGrpSpPr/>
+        <p:nvPr/>
+      </p:nvGrpSpPr>
+      <p:grpSpPr>
+        <a:xfrm>
+          <a:off x="0" y="0"/>
+          <a:ext cx="0" cy="0"/>
+          <a:chOff x="0" y="0"/>
+          <a:chExt cx="0" cy="0"/>
+        </a:xfrm>
+      </p:grpSpPr>
+      <p:pic>
+        <p:nvPicPr>
+          <p:cNvPr id="4" name="内容占位符 3"/>
+          <p:cNvPicPr>
+            <a:picLocks noGrp="1" noChangeAspect="1"/>
+          </p:cNvPicPr>
+          <p:nvPr>
+            <p:ph idx="1"/>
+          </p:nvPr>
+        </p:nvPicPr>
+        <p:blipFill>
+          <a:blip r:embed="rId2">
+            <a:extLst>
+              <a:ext uri="{28A0092B-C50C-407E-A947-70E740481C1C}">
+                <a14:useLocalDpi xmlns:a14="http://schemas.microsoft.com/office/drawing/2010/main" val="0"/>
+              </a:ext>
+            </a:extLst>
+          </a:blip>
+          <a:stretch>
+            <a:fillRect/>
+          </a:stretch>
+        </p:blipFill>
+        <p:spPr>
+          <a:xfrm>
+            <a:off x="685800" y="2112819"/>
+            <a:ext cx="7772400" cy="4003963"/>
+          </a:xfrm>
+        </p:spPr>
+      </p:pic>
+      <p:sp>
+        <p:nvSpPr>
+          <p:cNvPr id="2" name="标题 1"/>
+          <p:cNvSpPr>
+            <a:spLocks noGrp="1"/>
+          </p:cNvSpPr>
+          <p:nvPr>
+            <p:ph type="title"/>
+          </p:nvPr>
+        </p:nvSpPr>
+        <p:spPr/>
+        <p:txBody>
+          <a:bodyPr>
+            <a:normAutofit/>
+          </a:bodyPr>
+          <a:lstStyle/>
+          <a:p>
+            <a:r>
+              <a:rPr lang="en-US" altLang="zh-CN" dirty="0" smtClean="0"/>
+              <a:t>Node.js</a:t>
+            </a:r>
+            <a:r>
+              <a:rPr lang="zh-CN" altLang="en-US" dirty="0" smtClean="0"/>
+              <a:t>高</a:t>
+            </a:r>
+            <a:r>
+              <a:rPr lang="zh-CN" altLang="en-US" dirty="0"/>
+              <a:t>并发原理及应用场景</a:t>
+            </a:r>
+            <a:endParaRPr lang="zh-CN" altLang="en-US" dirty="0"/>
+          </a:p>
+        </p:txBody>
+      </p:sp>
+      <p:sp>
+        <p:nvSpPr>
+          <p:cNvPr id="3" name="矩形 2"/>
+          <p:cNvSpPr/>
+          <p:nvPr/>
+        </p:nvSpPr>
+        <p:spPr>
+          <a:xfrm>
+            <a:off x="827584" y="2204864"/>
+            <a:ext cx="4572000" cy="1477328"/>
+          </a:xfrm>
+          <a:prstGeom prst="rect">
+            <a:avLst/>
+          </a:prstGeom>
+        </p:spPr>
+        <p:txBody>
+          <a:bodyPr>
+            <a:spAutoFit/>
+          </a:bodyPr>
+          <a:lstStyle/>
+          <a:p>
+            <a:r>
+              <a:rPr lang="zh-CN" altLang="en-US" dirty="0">
+                <a:solidFill>
+                  <a:schemeClr val="accent2"/>
+                </a:solidFill>
+              </a:rPr>
+              <a:t>多线程、线程池</a:t>
+            </a:r>
+            <a:r>
+              <a:rPr lang="zh-CN" altLang="en-US" dirty="0" smtClean="0">
+                <a:solidFill>
+                  <a:schemeClr val="accent2"/>
+                </a:solidFill>
+              </a:rPr>
+              <a:t>模型：</a:t>
+            </a:r>
+            <a:endParaRPr lang="en-US" altLang="zh-CN" dirty="0" smtClean="0">
+              <a:solidFill>
+                <a:schemeClr val="accent2"/>
+              </a:solidFill>
+            </a:endParaRPr>
+          </a:p>
+          <a:p>
+            <a:endParaRPr lang="en-US" altLang="zh-CN" dirty="0" smtClean="0">
+              <a:solidFill>
+                <a:schemeClr val="accent2"/>
+              </a:solidFill>
+            </a:endParaRPr>
+          </a:p>
+          <a:p>
+            <a:r>
+              <a:rPr lang="zh-CN" altLang="en-US" dirty="0" smtClean="0">
+                <a:solidFill>
+                  <a:schemeClr val="bg1"/>
+                </a:solidFill>
+              </a:rPr>
+              <a:t>它</a:t>
+            </a:r>
+            <a:r>
+              <a:rPr lang="zh-CN" altLang="en-US" dirty="0">
+                <a:solidFill>
+                  <a:schemeClr val="bg1"/>
+                </a:solidFill>
+              </a:rPr>
+              <a:t>调节服务端线程的数量来提高对并发请求的接收和响应，但并发量高的时候，请求仍然需要等待</a:t>
+            </a:r>
+          </a:p>
+        </p:txBody>
+      </p:sp>
+    </p:spTree>
+    <p:extLst>
+      <p:ext uri="{BB962C8B-B14F-4D97-AF65-F5344CB8AC3E}">
+        <p14:creationId xmlns:p14="http://schemas.microsoft.com/office/powerpoint/2010/main" val="3518115064"/>
+      </p:ext>
+    </p:extLst>
+  </p:cSld>
+  <p:clrMapOvr>
+    <a:masterClrMapping/>
+  </p:clrMapOvr>
+  <p:timing>
+    <p:tnLst>
+      <p:par>
+        <p:cTn id="1" dur="indefinite" restart="never" nodeType="tmRoot"/>
+      </p:par>
+    </p:tnLst>
+  </p:timing>
+</p:sld>
+</file>
+
+<file path=ppt/slides/slide16.xml><?xml version="1.0" encoding="utf-8"?>
+<p:sld xmlns:a="http://schemas.openxmlformats.org/drawingml/2006/main" xmlns:r="http://schemas.openxmlformats.org/officeDocument/2006/relationships" xmlns:p="http://schemas.openxmlformats.org/presentationml/2006/main">
+  <p:cSld>
+    <p:spTree>
+      <p:nvGrpSpPr>
+        <p:cNvPr id="1" name=""/>
+        <p:cNvGrpSpPr/>
+        <p:nvPr/>
+      </p:nvGrpSpPr>
+      <p:grpSpPr>
+        <a:xfrm>
+          <a:off x="0" y="0"/>
+          <a:ext cx="0" cy="0"/>
+          <a:chOff x="0" y="0"/>
+          <a:chExt cx="0" cy="0"/>
+        </a:xfrm>
+      </p:grpSpPr>
+      <p:sp>
+        <p:nvSpPr>
+          <p:cNvPr id="2" name="标题 1"/>
+          <p:cNvSpPr>
+            <a:spLocks noGrp="1"/>
+          </p:cNvSpPr>
+          <p:nvPr>
+            <p:ph type="title"/>
+          </p:nvPr>
+        </p:nvSpPr>
         <p:spPr>
           <a:xfrm>
             <a:off x="154186" y="198884"/>
@@ -3573,28 +4785,12 @@
           <a:lstStyle/>
           <a:p>
             <a:r>
-              <a:rPr lang="zh-CN" altLang="en-US" sz="2000" dirty="0" smtClean="0">
-                <a:solidFill>
-                  <a:schemeClr val="accent2"/>
-                </a:solidFill>
-              </a:rPr>
-              <a:t>客户端</a:t>
-            </a:r>
-            <a:r>
-              <a:rPr lang="zh-CN" altLang="en-US" sz="2000" dirty="0">
-                <a:solidFill>
-                  <a:schemeClr val="accent2"/>
-                </a:solidFill>
-              </a:rPr>
-              <a:t>请求与服务端通讯的过程</a:t>
-            </a:r>
-            <a:r>
-              <a:rPr lang="zh-CN" altLang="en-US" sz="2000" dirty="0" smtClean="0">
-                <a:solidFill>
-                  <a:schemeClr val="accent2"/>
-                </a:solidFill>
-              </a:rPr>
-              <a:t>：</a:t>
+              <a:rPr lang="en-US" altLang="zh-CN" dirty="0"/>
+              <a:t>Node.js</a:t>
+            </a:r>
+            <a:r>
+              <a:rPr lang="zh-CN" altLang="en-US" dirty="0"/>
+              <a:t>高并发原理及应用场景</a:t>
             </a:r>
             <a:endParaRPr lang="zh-CN" altLang="en-US" sz="2000" dirty="0"/>
           </a:p>
@@ -3649,7 +4845,7 @@
 </p:sld>
 </file>
 
-<file path=ppt/slides/slide11.xml><?xml version="1.0" encoding="utf-8"?>
+<file path=ppt/slides/slide17.xml><?xml version="1.0" encoding="utf-8"?>
 <p:sld xmlns:a="http://schemas.openxmlformats.org/drawingml/2006/main" xmlns:r="http://schemas.openxmlformats.org/officeDocument/2006/relationships" xmlns:p="http://schemas.openxmlformats.org/presentationml/2006/main">
   <p:cSld>
     <p:spTree>
@@ -3684,14 +4880,13 @@
           <a:lstStyle/>
           <a:p>
             <a:r>
-              <a:rPr lang="en-US" altLang="zh-CN" sz="2000" dirty="0" smtClean="0"/>
-              <a:t>NODEJS</a:t>
-            </a:r>
-            <a:r>
-              <a:rPr lang="zh-CN" altLang="en-US" sz="2000" dirty="0" smtClean="0"/>
-              <a:t>解决方案</a:t>
-            </a:r>
-            <a:endParaRPr lang="zh-CN" altLang="en-US" sz="2000" dirty="0"/>
+              <a:rPr lang="en-US" altLang="zh-CN" dirty="0"/>
+              <a:t>Node.js</a:t>
+            </a:r>
+            <a:r>
+              <a:rPr lang="zh-CN" altLang="en-US" dirty="0"/>
+              <a:t>高并发原理及应用场景</a:t>
+            </a:r>
           </a:p>
         </p:txBody>
       </p:sp>
@@ -3725,24 +4920,15 @@
             </a:r>
             <a:r>
               <a:rPr lang="zh-CN" altLang="en-US" sz="2000" dirty="0"/>
-              <a:t>为例，维护一个连接可能需要</a:t>
-            </a:r>
-            <a:r>
-              <a:rPr lang="en-US" altLang="zh-CN" sz="2000" dirty="0"/>
-              <a:t>20M</a:t>
+              <a:t>为例，维护一个</a:t>
+            </a:r>
+            <a:r>
+              <a:rPr lang="zh-CN" altLang="en-US" sz="2000" dirty="0" smtClean="0"/>
+              <a:t>连接需要开辟一定的内存这</a:t>
             </a:r>
             <a:r>
               <a:rPr lang="zh-CN" altLang="en-US" sz="2000" dirty="0"/>
-              <a:t>的内存</a:t>
-            </a:r>
-          </a:p>
-          <a:p>
-            <a:pPr marL="0" indent="0">
-              <a:buNone/>
-            </a:pPr>
-            <a:r>
-              <a:rPr lang="zh-CN" altLang="en-US" sz="2000" dirty="0"/>
-              <a:t>这就是为什么一般并发量一大，就需要多开服务器</a:t>
+              <a:t>就是为什么一般并发量一大，就需要多开服务器</a:t>
             </a:r>
           </a:p>
           <a:p>
@@ -3803,7 +4989,7 @@
 </p:sld>
 </file>
 
-<file path=ppt/slides/slide12.xml><?xml version="1.0" encoding="utf-8"?>
+<file path=ppt/slides/slide18.xml><?xml version="1.0" encoding="utf-8"?>
 <p:sld xmlns:a="http://schemas.openxmlformats.org/drawingml/2006/main" xmlns:r="http://schemas.openxmlformats.org/officeDocument/2006/relationships" xmlns:p="http://schemas.openxmlformats.org/presentationml/2006/main">
   <p:cSld>
     <p:spTree>
@@ -3870,7 +5056,7 @@
 </p:sld>
 </file>
 
-<file path=ppt/slides/slide13.xml><?xml version="1.0" encoding="utf-8"?>
+<file path=ppt/slides/slide19.xml><?xml version="1.0" encoding="utf-8"?>
 <p:sld xmlns:a="http://schemas.openxmlformats.org/drawingml/2006/main" xmlns:r="http://schemas.openxmlformats.org/officeDocument/2006/relationships" xmlns:p="http://schemas.openxmlformats.org/presentationml/2006/main">
   <p:cSld>
     <p:spTree>
@@ -3896,7 +5082,7 @@
         <p:spPr>
           <a:xfrm>
             <a:off x="0" y="548680"/>
-            <a:ext cx="9180512" cy="4401205"/>
+            <a:ext cx="9180512" cy="4708981"/>
           </a:xfrm>
           <a:prstGeom prst="rect">
             <a:avLst/>
@@ -3908,85 +5094,64 @@
           </a:bodyPr>
           <a:lstStyle/>
           <a:p>
+            <a:endParaRPr lang="en-US" altLang="zh-CN" sz="2000" dirty="0" smtClean="0"/>
+          </a:p>
+          <a:p>
+            <a:r>
+              <a:rPr lang="zh-CN" altLang="en-US" sz="2000" dirty="0" smtClean="0"/>
+              <a:t>我们同样是要发起请求，等待服务器端响应；但是与银行例子不同的是，这次我们点完餐后拿到了一个号码，</a:t>
+            </a:r>
+          </a:p>
+          <a:p>
+            <a:r>
+              <a:rPr lang="zh-CN" altLang="en-US" sz="2000" dirty="0" smtClean="0"/>
+              <a:t>拿到号码，我们往往会在位置上等待，而在我们后面的请求会继续得到处理，同样是拿了一个号码然后到一旁等待，接待员能一直进行处理。</a:t>
+            </a:r>
+          </a:p>
+          <a:p>
+            <a:r>
+              <a:rPr lang="zh-CN" altLang="en-US" sz="2000" dirty="0" smtClean="0"/>
+              <a:t>等到饭菜做号了，会喊号码，我们拿到了自己的饭菜，进行后续的处理（吃饭）</a:t>
+            </a:r>
+          </a:p>
+          <a:p>
+            <a:r>
+              <a:rPr lang="zh-CN" altLang="en-US" sz="2000" dirty="0" smtClean="0"/>
+              <a:t>这个喊号码的动作在</a:t>
+            </a:r>
+            <a:r>
+              <a:rPr lang="en-US" altLang="zh-CN" sz="2000" dirty="0" err="1" smtClean="0"/>
+              <a:t>NodeJS</a:t>
+            </a:r>
+            <a:r>
+              <a:rPr lang="zh-CN" altLang="en-US" sz="2000" dirty="0" smtClean="0"/>
+              <a:t>中叫做回调（</a:t>
+            </a:r>
+            <a:r>
+              <a:rPr lang="en-US" altLang="zh-CN" sz="2000" dirty="0" smtClean="0"/>
+              <a:t>Callback</a:t>
+            </a:r>
+            <a:r>
+              <a:rPr lang="zh-CN" altLang="en-US" sz="2000" dirty="0" smtClean="0"/>
+              <a:t>），能在事件（烧菜，</a:t>
+            </a:r>
+            <a:r>
+              <a:rPr lang="en-US" altLang="zh-CN" sz="2000" dirty="0" smtClean="0"/>
+              <a:t>I/O</a:t>
+            </a:r>
+            <a:r>
+              <a:rPr lang="zh-CN" altLang="en-US" sz="2000" dirty="0" smtClean="0"/>
+              <a:t>）处理完成后继续执行后面的逻辑（吃饭），</a:t>
+            </a:r>
+          </a:p>
+          <a:p>
+            <a:r>
+              <a:rPr lang="zh-CN" altLang="en-US" sz="2000" dirty="0" smtClean="0"/>
+              <a:t>这</a:t>
+            </a:r>
             <a:r>
               <a:rPr lang="zh-CN" altLang="en-US" sz="2000" dirty="0"/>
-              <a:t>我们同样是要发起请求，等待服务器端响应；但是与银行例子不同的是，这次我们点完餐后拿到了一个号码</a:t>
-            </a:r>
-            <a:r>
-              <a:rPr lang="zh-CN" altLang="en-US" sz="2000" dirty="0" smtClean="0"/>
-              <a:t>，</a:t>
-            </a:r>
-            <a:endParaRPr lang="zh-CN" altLang="en-US" sz="2000" dirty="0"/>
-          </a:p>
-          <a:p>
-            <a:r>
-              <a:rPr lang="zh-CN" altLang="en-US" sz="2000" dirty="0"/>
-              <a:t>拿到号码，我们往往会在位置上等待，而在我们后面的请求会继续得到处理，同样是拿了一个号码然后到一旁等待，接待员能一直进行处理</a:t>
-            </a:r>
-            <a:r>
-              <a:rPr lang="zh-CN" altLang="en-US" sz="2000" dirty="0" smtClean="0"/>
-              <a:t>。</a:t>
-            </a:r>
-            <a:endParaRPr lang="zh-CN" altLang="en-US" sz="2000" dirty="0"/>
-          </a:p>
-          <a:p>
-            <a:r>
-              <a:rPr lang="zh-CN" altLang="en-US" sz="2000" dirty="0"/>
-              <a:t>等到</a:t>
-            </a:r>
-            <a:r>
-              <a:rPr lang="zh-CN" altLang="en-US" sz="2000" dirty="0" smtClean="0"/>
-              <a:t>饭菜做</a:t>
-            </a:r>
-            <a:r>
-              <a:rPr lang="zh-CN" altLang="en-US" sz="2000" dirty="0"/>
-              <a:t>号了，会喊号码，我们拿到了自己的饭菜，进行后续的处理（吃饭</a:t>
-            </a:r>
-            <a:r>
-              <a:rPr lang="zh-CN" altLang="en-US" sz="2000" dirty="0" smtClean="0"/>
-              <a:t>）</a:t>
-            </a:r>
-            <a:endParaRPr lang="zh-CN" altLang="en-US" sz="2000" dirty="0"/>
-          </a:p>
-          <a:p>
-            <a:r>
-              <a:rPr lang="zh-CN" altLang="en-US" sz="2000" dirty="0"/>
-              <a:t>这个喊号码的动作在</a:t>
-            </a:r>
-            <a:r>
-              <a:rPr lang="en-US" altLang="zh-CN" sz="2000" dirty="0" err="1"/>
-              <a:t>NodeJS</a:t>
-            </a:r>
-            <a:r>
-              <a:rPr lang="zh-CN" altLang="en-US" sz="2000" dirty="0"/>
-              <a:t>中叫做回调（</a:t>
-            </a:r>
-            <a:r>
-              <a:rPr lang="en-US" altLang="zh-CN" sz="2000" dirty="0"/>
-              <a:t>Callback</a:t>
-            </a:r>
-            <a:r>
-              <a:rPr lang="zh-CN" altLang="en-US" sz="2000" dirty="0"/>
-              <a:t>），能在事件（烧菜，</a:t>
-            </a:r>
-            <a:r>
-              <a:rPr lang="en-US" altLang="zh-CN" sz="2000" dirty="0"/>
-              <a:t>I/O</a:t>
-            </a:r>
-            <a:r>
-              <a:rPr lang="zh-CN" altLang="en-US" sz="2000" dirty="0"/>
-              <a:t>）处理完成后继续执行后面的逻辑（吃饭</a:t>
-            </a:r>
-            <a:r>
-              <a:rPr lang="zh-CN" altLang="en-US" sz="2000" dirty="0" smtClean="0"/>
-              <a:t>），</a:t>
-            </a:r>
-            <a:endParaRPr lang="zh-CN" altLang="en-US" sz="2000" dirty="0"/>
-          </a:p>
-          <a:p>
-            <a:r>
-              <a:rPr lang="zh-CN" altLang="en-US" sz="2000" dirty="0"/>
-              <a:t>这体现了</a:t>
+              <a:t>体现了</a:t>
             </a:r>
             <a:r>
               <a:rPr lang="en-US" altLang="zh-CN" sz="2000" dirty="0" err="1"/>
@@ -4076,675 +5241,6 @@
     <p:extLst>
       <p:ext uri="{BB962C8B-B14F-4D97-AF65-F5344CB8AC3E}">
         <p14:creationId xmlns:p14="http://schemas.microsoft.com/office/powerpoint/2010/main" val="129588614"/>
-      </p:ext>
-    </p:extLst>
-  </p:cSld>
-  <p:clrMapOvr>
-    <a:masterClrMapping/>
-  </p:clrMapOvr>
-  <p:timing>
-    <p:tnLst>
-      <p:par>
-        <p:cTn id="1" dur="indefinite" restart="never" nodeType="tmRoot"/>
-      </p:par>
-    </p:tnLst>
-  </p:timing>
-</p:sld>
-</file>
-
-<file path=ppt/slides/slide14.xml><?xml version="1.0" encoding="utf-8"?>
-<p:sld xmlns:a="http://schemas.openxmlformats.org/drawingml/2006/main" xmlns:r="http://schemas.openxmlformats.org/officeDocument/2006/relationships" xmlns:p="http://schemas.openxmlformats.org/presentationml/2006/main">
-  <p:cSld>
-    <p:spTree>
-      <p:nvGrpSpPr>
-        <p:cNvPr id="1" name=""/>
-        <p:cNvGrpSpPr/>
-        <p:nvPr/>
-      </p:nvGrpSpPr>
-      <p:grpSpPr>
-        <a:xfrm>
-          <a:off x="0" y="0"/>
-          <a:ext cx="0" cy="0"/>
-          <a:chOff x="0" y="0"/>
-          <a:chExt cx="0" cy="0"/>
-        </a:xfrm>
-      </p:grpSpPr>
-      <p:sp>
-        <p:nvSpPr>
-          <p:cNvPr id="2" name="标题 1"/>
-          <p:cNvSpPr>
-            <a:spLocks noGrp="1"/>
-          </p:cNvSpPr>
-          <p:nvPr>
-            <p:ph type="title"/>
-          </p:nvPr>
-        </p:nvSpPr>
-        <p:spPr/>
-        <p:txBody>
-          <a:bodyPr>
-            <a:normAutofit/>
-          </a:bodyPr>
-          <a:lstStyle/>
-          <a:p>
-            <a:r>
-              <a:rPr lang="en-US" altLang="zh-CN" sz="2200" b="1" dirty="0" err="1"/>
-              <a:t>NodeJS</a:t>
-            </a:r>
-            <a:r>
-              <a:rPr lang="zh-CN" altLang="en-US" sz="2200" b="1" dirty="0"/>
-              <a:t>是怎么解决并发连接这个问题的</a:t>
-            </a:r>
-            <a:r>
-              <a:rPr lang="zh-CN" altLang="en-US" sz="2200" b="1" dirty="0" smtClean="0"/>
-              <a:t>：</a:t>
-            </a:r>
-            <a:endParaRPr lang="zh-CN" altLang="en-US" dirty="0"/>
-          </a:p>
-        </p:txBody>
-      </p:sp>
-      <p:sp>
-        <p:nvSpPr>
-          <p:cNvPr id="3" name="内容占位符 2"/>
-          <p:cNvSpPr>
-            <a:spLocks noGrp="1"/>
-          </p:cNvSpPr>
-          <p:nvPr>
-            <p:ph idx="1"/>
-          </p:nvPr>
-        </p:nvSpPr>
-        <p:spPr/>
-        <p:txBody>
-          <a:bodyPr>
-            <a:normAutofit/>
-          </a:bodyPr>
-          <a:lstStyle/>
-          <a:p>
-            <a:r>
-              <a:rPr lang="zh-CN" altLang="en-US" sz="2000" dirty="0"/>
-              <a:t>更改连接到服务器的方式，每个连接发射（</a:t>
-            </a:r>
-            <a:r>
-              <a:rPr lang="en-US" altLang="zh-CN" sz="2000" dirty="0"/>
-              <a:t>emit</a:t>
-            </a:r>
-            <a:r>
-              <a:rPr lang="zh-CN" altLang="en-US" sz="2000" dirty="0"/>
-              <a:t>）一个在</a:t>
-            </a:r>
-            <a:r>
-              <a:rPr lang="en-US" altLang="zh-CN" sz="2000" dirty="0" err="1"/>
-              <a:t>NodeJS</a:t>
-            </a:r>
-            <a:r>
-              <a:rPr lang="zh-CN" altLang="en-US" sz="2000" dirty="0"/>
-              <a:t>引擎进程中运行的事件（</a:t>
-            </a:r>
-            <a:r>
-              <a:rPr lang="en-US" altLang="zh-CN" sz="2000" dirty="0"/>
-              <a:t>Event</a:t>
-            </a:r>
-            <a:r>
-              <a:rPr lang="zh-CN" altLang="en-US" sz="2000" dirty="0"/>
-              <a:t>），放进事件队列当中，</a:t>
-            </a:r>
-          </a:p>
-          <a:p>
-            <a:endParaRPr lang="zh-CN" altLang="en-US" sz="2000" dirty="0"/>
-          </a:p>
-          <a:p>
-            <a:r>
-              <a:rPr lang="zh-CN" altLang="en-US" sz="2000" dirty="0" smtClean="0"/>
-              <a:t>而</a:t>
-            </a:r>
-            <a:r>
-              <a:rPr lang="zh-CN" altLang="en-US" sz="2000" dirty="0"/>
-              <a:t>不是为每个连接生成一个新的</a:t>
-            </a:r>
-            <a:r>
-              <a:rPr lang="en-US" altLang="zh-CN" sz="2000" dirty="0"/>
-              <a:t>OS</a:t>
-            </a:r>
-            <a:r>
-              <a:rPr lang="zh-CN" altLang="en-US" sz="2000" dirty="0"/>
-              <a:t>线程（并为其分配一些配套内存）</a:t>
-            </a:r>
-          </a:p>
-        </p:txBody>
-      </p:sp>
-    </p:spTree>
-    <p:extLst>
-      <p:ext uri="{BB962C8B-B14F-4D97-AF65-F5344CB8AC3E}">
-        <p14:creationId xmlns:p14="http://schemas.microsoft.com/office/powerpoint/2010/main" val="202150151"/>
-      </p:ext>
-    </p:extLst>
-  </p:cSld>
-  <p:clrMapOvr>
-    <a:masterClrMapping/>
-  </p:clrMapOvr>
-  <p:timing>
-    <p:tnLst>
-      <p:par>
-        <p:cTn id="1" dur="indefinite" restart="never" nodeType="tmRoot"/>
-      </p:par>
-    </p:tnLst>
-  </p:timing>
-</p:sld>
-</file>
-
-<file path=ppt/slides/slide15.xml><?xml version="1.0" encoding="utf-8"?>
-<p:sld xmlns:a="http://schemas.openxmlformats.org/drawingml/2006/main" xmlns:r="http://schemas.openxmlformats.org/officeDocument/2006/relationships" xmlns:p="http://schemas.openxmlformats.org/presentationml/2006/main">
-  <p:cSld>
-    <p:spTree>
-      <p:nvGrpSpPr>
-        <p:cNvPr id="1" name=""/>
-        <p:cNvGrpSpPr/>
-        <p:nvPr/>
-      </p:nvGrpSpPr>
-      <p:grpSpPr>
-        <a:xfrm>
-          <a:off x="0" y="0"/>
-          <a:ext cx="0" cy="0"/>
-          <a:chOff x="0" y="0"/>
-          <a:chExt cx="0" cy="0"/>
-        </a:xfrm>
-      </p:grpSpPr>
-      <p:sp>
-        <p:nvSpPr>
-          <p:cNvPr id="2" name="标题 1"/>
-          <p:cNvSpPr>
-            <a:spLocks noGrp="1"/>
-          </p:cNvSpPr>
-          <p:nvPr>
-            <p:ph type="title"/>
-          </p:nvPr>
-        </p:nvSpPr>
-        <p:spPr/>
-        <p:txBody>
-          <a:bodyPr/>
-          <a:lstStyle/>
-          <a:p>
-            <a:r>
-              <a:rPr lang="en-US" altLang="zh-CN" dirty="0"/>
-              <a:t>I/O</a:t>
-            </a:r>
-            <a:r>
-              <a:rPr lang="zh-CN" altLang="en-US" dirty="0"/>
-              <a:t>阻塞</a:t>
-            </a:r>
-          </a:p>
-        </p:txBody>
-      </p:sp>
-      <p:sp>
-        <p:nvSpPr>
-          <p:cNvPr id="3" name="内容占位符 2"/>
-          <p:cNvSpPr>
-            <a:spLocks noGrp="1"/>
-          </p:cNvSpPr>
-          <p:nvPr>
-            <p:ph idx="1"/>
-          </p:nvPr>
-        </p:nvSpPr>
-        <p:spPr/>
-        <p:txBody>
-          <a:bodyPr>
-            <a:normAutofit/>
-          </a:bodyPr>
-          <a:lstStyle/>
-          <a:p>
-            <a:r>
-              <a:rPr lang="en-US" altLang="zh-CN" sz="2000" dirty="0" err="1"/>
-              <a:t>NodeJS</a:t>
-            </a:r>
-            <a:r>
-              <a:rPr lang="zh-CN" altLang="en-US" sz="2000" dirty="0"/>
-              <a:t>解决的另外一个问题是</a:t>
-            </a:r>
-            <a:r>
-              <a:rPr lang="en-US" altLang="zh-CN" sz="2000" dirty="0"/>
-              <a:t>I/O</a:t>
-            </a:r>
-            <a:r>
-              <a:rPr lang="zh-CN" altLang="en-US" sz="2000" dirty="0"/>
-              <a:t>阻塞，看看这样的业务场景：需要从多个数据源拉取数据，然后进行处理</a:t>
-            </a:r>
-          </a:p>
-        </p:txBody>
-      </p:sp>
-    </p:spTree>
-    <p:extLst>
-      <p:ext uri="{BB962C8B-B14F-4D97-AF65-F5344CB8AC3E}">
-        <p14:creationId xmlns:p14="http://schemas.microsoft.com/office/powerpoint/2010/main" val="2529741093"/>
-      </p:ext>
-    </p:extLst>
-  </p:cSld>
-  <p:clrMapOvr>
-    <a:masterClrMapping/>
-  </p:clrMapOvr>
-  <p:timing>
-    <p:tnLst>
-      <p:par>
-        <p:cTn id="1" dur="indefinite" restart="never" nodeType="tmRoot"/>
-      </p:par>
-    </p:tnLst>
-  </p:timing>
-</p:sld>
-</file>
-
-<file path=ppt/slides/slide16.xml><?xml version="1.0" encoding="utf-8"?>
-<p:sld xmlns:a="http://schemas.openxmlformats.org/drawingml/2006/main" xmlns:r="http://schemas.openxmlformats.org/officeDocument/2006/relationships" xmlns:p="http://schemas.openxmlformats.org/presentationml/2006/main">
-  <p:cSld>
-    <p:spTree>
-      <p:nvGrpSpPr>
-        <p:cNvPr id="1" name=""/>
-        <p:cNvGrpSpPr/>
-        <p:nvPr/>
-      </p:nvGrpSpPr>
-      <p:grpSpPr>
-        <a:xfrm>
-          <a:off x="0" y="0"/>
-          <a:ext cx="0" cy="0"/>
-          <a:chOff x="0" y="0"/>
-          <a:chExt cx="0" cy="0"/>
-        </a:xfrm>
-      </p:grpSpPr>
-      <p:sp>
-        <p:nvSpPr>
-          <p:cNvPr id="2" name="标题 1"/>
-          <p:cNvSpPr>
-            <a:spLocks noGrp="1"/>
-          </p:cNvSpPr>
-          <p:nvPr>
-            <p:ph type="title"/>
-          </p:nvPr>
-        </p:nvSpPr>
-        <p:spPr/>
-        <p:txBody>
-          <a:bodyPr>
-            <a:normAutofit/>
-          </a:bodyPr>
-          <a:lstStyle/>
-          <a:p>
-            <a:r>
-              <a:rPr lang="zh-CN" altLang="en-US" sz="2000" dirty="0"/>
-              <a:t>串行获取数据，这是我们一般的解决方案，以</a:t>
-            </a:r>
-            <a:r>
-              <a:rPr lang="en-US" altLang="zh-CN" sz="2000" dirty="0"/>
-              <a:t>PHP</a:t>
-            </a:r>
-            <a:r>
-              <a:rPr lang="zh-CN" altLang="en-US" sz="2000" dirty="0"/>
-              <a:t>为</a:t>
-            </a:r>
-            <a:r>
-              <a:rPr lang="zh-CN" altLang="en-US" sz="2000" dirty="0" smtClean="0"/>
-              <a:t>例</a:t>
-            </a:r>
-            <a:r>
-              <a:rPr lang="en-US" altLang="zh-CN" sz="2000" dirty="0" smtClean="0"/>
-              <a:t/>
-            </a:r>
-            <a:br>
-              <a:rPr lang="en-US" altLang="zh-CN" sz="2000" dirty="0" smtClean="0"/>
-            </a:br>
-            <a:r>
-              <a:rPr lang="zh-CN" altLang="en-US" sz="2000" dirty="0"/>
-              <a:t>假如获取</a:t>
-            </a:r>
-            <a:r>
-              <a:rPr lang="en-US" altLang="zh-CN" sz="2000" dirty="0"/>
-              <a:t>profile</a:t>
-            </a:r>
-            <a:r>
-              <a:rPr lang="zh-CN" altLang="en-US" sz="2000" dirty="0"/>
-              <a:t>和</a:t>
-            </a:r>
-            <a:r>
-              <a:rPr lang="en-US" altLang="zh-CN" sz="2000" dirty="0"/>
-              <a:t>timeline</a:t>
-            </a:r>
-            <a:r>
-              <a:rPr lang="zh-CN" altLang="en-US" sz="2000" dirty="0"/>
-              <a:t>操作各需要</a:t>
-            </a:r>
-            <a:r>
-              <a:rPr lang="en-US" altLang="zh-CN" sz="2000" dirty="0"/>
-              <a:t>1S</a:t>
-            </a:r>
-            <a:r>
-              <a:rPr lang="zh-CN" altLang="en-US" sz="2000" dirty="0"/>
-              <a:t>，那么串行获取就需要</a:t>
-            </a:r>
-            <a:r>
-              <a:rPr lang="en-US" altLang="zh-CN" sz="2000" dirty="0"/>
-              <a:t>2S</a:t>
-            </a:r>
-            <a:endParaRPr lang="zh-CN" altLang="en-US" sz="2000" dirty="0"/>
-          </a:p>
-        </p:txBody>
-      </p:sp>
-      <p:pic>
-        <p:nvPicPr>
-          <p:cNvPr id="4" name="内容占位符 3"/>
-          <p:cNvPicPr>
-            <a:picLocks noGrp="1" noChangeAspect="1"/>
-          </p:cNvPicPr>
-          <p:nvPr>
-            <p:ph idx="1"/>
-          </p:nvPr>
-        </p:nvPicPr>
-        <p:blipFill>
-          <a:blip r:embed="rId2">
-            <a:extLst>
-              <a:ext uri="{28A0092B-C50C-407E-A947-70E740481C1C}">
-                <a14:useLocalDpi xmlns:a14="http://schemas.microsoft.com/office/drawing/2010/main" val="0"/>
-              </a:ext>
-            </a:extLst>
-          </a:blip>
-          <a:stretch>
-            <a:fillRect/>
-          </a:stretch>
-        </p:blipFill>
-        <p:spPr>
-          <a:xfrm>
-            <a:off x="1652180" y="2872782"/>
-            <a:ext cx="5839640" cy="2484037"/>
-          </a:xfrm>
-        </p:spPr>
-      </p:pic>
-    </p:spTree>
-    <p:extLst>
-      <p:ext uri="{BB962C8B-B14F-4D97-AF65-F5344CB8AC3E}">
-        <p14:creationId xmlns:p14="http://schemas.microsoft.com/office/powerpoint/2010/main" val="46819512"/>
-      </p:ext>
-    </p:extLst>
-  </p:cSld>
-  <p:clrMapOvr>
-    <a:masterClrMapping/>
-  </p:clrMapOvr>
-  <p:timing>
-    <p:tnLst>
-      <p:par>
-        <p:cTn id="1" dur="indefinite" restart="never" nodeType="tmRoot"/>
-      </p:par>
-    </p:tnLst>
-  </p:timing>
-</p:sld>
-</file>
-
-<file path=ppt/slides/slide17.xml><?xml version="1.0" encoding="utf-8"?>
-<p:sld xmlns:a="http://schemas.openxmlformats.org/drawingml/2006/main" xmlns:r="http://schemas.openxmlformats.org/officeDocument/2006/relationships" xmlns:p="http://schemas.openxmlformats.org/presentationml/2006/main">
-  <p:cSld>
-    <p:spTree>
-      <p:nvGrpSpPr>
-        <p:cNvPr id="1" name=""/>
-        <p:cNvGrpSpPr/>
-        <p:nvPr/>
-      </p:nvGrpSpPr>
-      <p:grpSpPr>
-        <a:xfrm>
-          <a:off x="0" y="0"/>
-          <a:ext cx="0" cy="0"/>
-          <a:chOff x="0" y="0"/>
-          <a:chExt cx="0" cy="0"/>
-        </a:xfrm>
-      </p:grpSpPr>
-      <p:sp>
-        <p:nvSpPr>
-          <p:cNvPr id="2" name="标题 1"/>
-          <p:cNvSpPr>
-            <a:spLocks noGrp="1"/>
-          </p:cNvSpPr>
-          <p:nvPr>
-            <p:ph type="title"/>
-          </p:nvPr>
-        </p:nvSpPr>
-        <p:spPr/>
-        <p:txBody>
-          <a:bodyPr>
-            <a:normAutofit/>
-          </a:bodyPr>
-          <a:lstStyle/>
-          <a:p>
-            <a:r>
-              <a:rPr lang="en-US" altLang="zh-CN" dirty="0" err="1"/>
-              <a:t>NodeJS</a:t>
-            </a:r>
-            <a:r>
-              <a:rPr lang="zh-CN" altLang="en-US" dirty="0"/>
-              <a:t>非阻塞</a:t>
-            </a:r>
-            <a:r>
-              <a:rPr lang="en-US" altLang="zh-CN" dirty="0"/>
-              <a:t>I/O</a:t>
-            </a:r>
-            <a:r>
-              <a:rPr lang="zh-CN" altLang="en-US" dirty="0"/>
-              <a:t>，发射</a:t>
-            </a:r>
-            <a:r>
-              <a:rPr lang="en-US" altLang="zh-CN" dirty="0"/>
-              <a:t>/</a:t>
-            </a:r>
-            <a:r>
-              <a:rPr lang="zh-CN" altLang="en-US" dirty="0"/>
-              <a:t>监听事件来控制执行过程</a:t>
-            </a:r>
-          </a:p>
-        </p:txBody>
-      </p:sp>
-      <p:pic>
-        <p:nvPicPr>
-          <p:cNvPr id="4" name="内容占位符 3"/>
-          <p:cNvPicPr>
-            <a:picLocks noGrp="1" noChangeAspect="1"/>
-          </p:cNvPicPr>
-          <p:nvPr>
-            <p:ph idx="1"/>
-          </p:nvPr>
-        </p:nvPicPr>
-        <p:blipFill>
-          <a:blip r:embed="rId2">
-            <a:extLst>
-              <a:ext uri="{28A0092B-C50C-407E-A947-70E740481C1C}">
-                <a14:useLocalDpi xmlns:a14="http://schemas.microsoft.com/office/drawing/2010/main" val="0"/>
-              </a:ext>
-            </a:extLst>
-          </a:blip>
-          <a:stretch>
-            <a:fillRect/>
-          </a:stretch>
-        </p:blipFill>
-        <p:spPr>
-          <a:xfrm>
-            <a:off x="1489002" y="2467619"/>
-            <a:ext cx="6165996" cy="3294363"/>
-          </a:xfrm>
-        </p:spPr>
-      </p:pic>
-    </p:spTree>
-    <p:extLst>
-      <p:ext uri="{BB962C8B-B14F-4D97-AF65-F5344CB8AC3E}">
-        <p14:creationId xmlns:p14="http://schemas.microsoft.com/office/powerpoint/2010/main" val="2120251160"/>
-      </p:ext>
-    </p:extLst>
-  </p:cSld>
-  <p:clrMapOvr>
-    <a:masterClrMapping/>
-  </p:clrMapOvr>
-  <p:timing>
-    <p:tnLst>
-      <p:par>
-        <p:cTn id="1" dur="indefinite" restart="never" nodeType="tmRoot"/>
-      </p:par>
-    </p:tnLst>
-  </p:timing>
-</p:sld>
-</file>
-
-<file path=ppt/slides/slide18.xml><?xml version="1.0" encoding="utf-8"?>
-<p:sld xmlns:a="http://schemas.openxmlformats.org/drawingml/2006/main" xmlns:r="http://schemas.openxmlformats.org/officeDocument/2006/relationships" xmlns:p="http://schemas.openxmlformats.org/presentationml/2006/main">
-  <p:cSld>
-    <p:spTree>
-      <p:nvGrpSpPr>
-        <p:cNvPr id="1" name=""/>
-        <p:cNvGrpSpPr/>
-        <p:nvPr/>
-      </p:nvGrpSpPr>
-      <p:grpSpPr>
-        <a:xfrm>
-          <a:off x="0" y="0"/>
-          <a:ext cx="0" cy="0"/>
-          <a:chOff x="0" y="0"/>
-          <a:chExt cx="0" cy="0"/>
-        </a:xfrm>
-      </p:grpSpPr>
-      <p:sp>
-        <p:nvSpPr>
-          <p:cNvPr id="3" name="内容占位符 2"/>
-          <p:cNvSpPr>
-            <a:spLocks noGrp="1"/>
-          </p:cNvSpPr>
-          <p:nvPr>
-            <p:ph idx="1"/>
-          </p:nvPr>
-        </p:nvSpPr>
-        <p:spPr/>
-        <p:txBody>
-          <a:bodyPr>
-            <a:normAutofit/>
-          </a:bodyPr>
-          <a:lstStyle/>
-          <a:p>
-            <a:r>
-              <a:rPr lang="en-US" altLang="zh-CN" dirty="0" err="1"/>
-              <a:t>NodeJS</a:t>
-            </a:r>
-            <a:r>
-              <a:rPr lang="zh-CN" altLang="en-US" dirty="0"/>
-              <a:t>遇到</a:t>
-            </a:r>
-            <a:r>
-              <a:rPr lang="en-US" altLang="zh-CN" dirty="0"/>
-              <a:t>I/O</a:t>
-            </a:r>
-            <a:r>
-              <a:rPr lang="zh-CN" altLang="en-US" dirty="0"/>
-              <a:t>事件会创建一个线程去执行，然后主线程会继续往下执行的，</a:t>
-            </a:r>
-          </a:p>
-          <a:p>
-            <a:endParaRPr lang="zh-CN" altLang="en-US" dirty="0"/>
-          </a:p>
-          <a:p>
-            <a:r>
-              <a:rPr lang="zh-CN" altLang="en-US" dirty="0"/>
-              <a:t>因此，拿</a:t>
-            </a:r>
-            <a:r>
-              <a:rPr lang="en-US" altLang="zh-CN" dirty="0"/>
-              <a:t>profile</a:t>
-            </a:r>
-            <a:r>
-              <a:rPr lang="zh-CN" altLang="en-US" dirty="0"/>
-              <a:t>的动作触发一个</a:t>
-            </a:r>
-            <a:r>
-              <a:rPr lang="en-US" altLang="zh-CN" dirty="0"/>
-              <a:t>I/O</a:t>
-            </a:r>
-            <a:r>
-              <a:rPr lang="zh-CN" altLang="en-US" dirty="0"/>
-              <a:t>事件，马上就会执行拿</a:t>
-            </a:r>
-            <a:r>
-              <a:rPr lang="en-US" altLang="zh-CN" dirty="0"/>
-              <a:t>timeline</a:t>
-            </a:r>
-            <a:r>
-              <a:rPr lang="zh-CN" altLang="en-US" dirty="0"/>
-              <a:t>的动作，</a:t>
-            </a:r>
-          </a:p>
-          <a:p>
-            <a:endParaRPr lang="zh-CN" altLang="en-US" dirty="0"/>
-          </a:p>
-          <a:p>
-            <a:r>
-              <a:rPr lang="zh-CN" altLang="en-US" dirty="0"/>
-              <a:t>两个动作并行执行，假如各需要</a:t>
-            </a:r>
-            <a:r>
-              <a:rPr lang="en-US" altLang="zh-CN" dirty="0"/>
-              <a:t>1S</a:t>
-            </a:r>
-            <a:r>
-              <a:rPr lang="zh-CN" altLang="en-US" dirty="0"/>
-              <a:t>，那么总的时间也就是</a:t>
-            </a:r>
-            <a:r>
-              <a:rPr lang="en-US" altLang="zh-CN" dirty="0"/>
-              <a:t>1S</a:t>
-            </a:r>
-          </a:p>
-          <a:p>
-            <a:r>
-              <a:rPr lang="zh-CN" altLang="en-US" dirty="0"/>
-              <a:t>它们的</a:t>
-            </a:r>
-            <a:r>
-              <a:rPr lang="en-US" altLang="zh-CN" dirty="0"/>
-              <a:t>I/O</a:t>
-            </a:r>
-            <a:r>
-              <a:rPr lang="zh-CN" altLang="en-US" dirty="0"/>
-              <a:t>操作执行完成后，发射一个事件，</a:t>
-            </a:r>
-            <a:r>
-              <a:rPr lang="en-US" altLang="zh-CN" dirty="0"/>
-              <a:t>profile</a:t>
-            </a:r>
-            <a:r>
-              <a:rPr lang="zh-CN" altLang="en-US" dirty="0"/>
-              <a:t>和</a:t>
-            </a:r>
-            <a:r>
-              <a:rPr lang="en-US" altLang="zh-CN" dirty="0"/>
-              <a:t>timeline</a:t>
-            </a:r>
-            <a:r>
-              <a:rPr lang="zh-CN" altLang="en-US" dirty="0"/>
-              <a:t>，</a:t>
-            </a:r>
-          </a:p>
-          <a:p>
-            <a:r>
-              <a:rPr lang="zh-CN" altLang="en-US" dirty="0"/>
-              <a:t>事件代理接收后继续往下执行后面的逻辑，这就是</a:t>
-            </a:r>
-            <a:r>
-              <a:rPr lang="en-US" altLang="zh-CN" dirty="0" err="1"/>
-              <a:t>NodeJS</a:t>
-            </a:r>
-            <a:r>
-              <a:rPr lang="zh-CN" altLang="en-US" dirty="0"/>
-              <a:t>非阻塞</a:t>
-            </a:r>
-            <a:r>
-              <a:rPr lang="en-US" altLang="zh-CN" dirty="0"/>
-              <a:t>I/O</a:t>
-            </a:r>
-            <a:r>
-              <a:rPr lang="zh-CN" altLang="en-US" dirty="0"/>
-              <a:t>的特点</a:t>
-            </a:r>
-          </a:p>
-        </p:txBody>
-      </p:sp>
-    </p:spTree>
-    <p:extLst>
-      <p:ext uri="{BB962C8B-B14F-4D97-AF65-F5344CB8AC3E}">
-        <p14:creationId xmlns:p14="http://schemas.microsoft.com/office/powerpoint/2010/main" val="3604642597"/>
       </p:ext>
     </p:extLst>
   </p:cSld>
@@ -4794,12 +5290,12 @@
           <a:lstStyle/>
           <a:p>
             <a:r>
-              <a:rPr lang="en-US" altLang="zh-CN" dirty="0" err="1" smtClean="0"/>
-              <a:t>Nodejs</a:t>
+              <a:rPr lang="en-US" altLang="zh-CN" dirty="0" smtClean="0"/>
+              <a:t>Node.js</a:t>
             </a:r>
             <a:r>
               <a:rPr lang="zh-CN" altLang="en-US" dirty="0" smtClean="0"/>
-              <a:t>基础知识</a:t>
+              <a:t>基本概念</a:t>
             </a:r>
             <a:endParaRPr lang="zh-CN" altLang="en-US" dirty="0"/>
           </a:p>
@@ -4819,17 +5315,6 @@
         <p:txBody>
           <a:bodyPr/>
           <a:lstStyle/>
-          <a:p>
-            <a:pPr>
-              <a:buFont typeface="Wingdings" panose="05000000000000000000" pitchFamily="2" charset="2"/>
-              <a:buChar char="ü"/>
-            </a:pPr>
-            <a:r>
-              <a:rPr lang="zh-CN" altLang="en-US" dirty="0" smtClean="0"/>
-              <a:t>概念</a:t>
-            </a:r>
-            <a:endParaRPr lang="en-US" altLang="zh-CN" dirty="0" smtClean="0"/>
-          </a:p>
           <a:p>
             <a:pPr marL="914400" lvl="1" indent="-514350">
               <a:buFont typeface="+mj-lt"/>
@@ -4875,23 +5360,7 @@
               <a:rPr lang="zh-CN" altLang="en-US" sz="1600" dirty="0" smtClean="0"/>
               <a:t>事件驱动</a:t>
             </a:r>
-            <a:r>
-              <a:rPr lang="en-US" altLang="zh-CN" sz="1600" dirty="0" smtClean="0"/>
-              <a:t>(</a:t>
-            </a:r>
-            <a:r>
-              <a:rPr lang="en-US" altLang="zh-CN" sz="1600" dirty="0" err="1" smtClean="0"/>
-              <a:t>emmit</a:t>
-            </a:r>
-            <a:r>
-              <a:rPr lang="zh-CN" altLang="en-US" sz="1600" dirty="0" smtClean="0"/>
-              <a:t>事件对象监听机制</a:t>
-            </a:r>
-            <a:r>
-              <a:rPr lang="en-US" altLang="zh-CN" sz="1600" dirty="0" smtClean="0"/>
-              <a:t>)</a:t>
-            </a:r>
-            <a:endParaRPr lang="zh-CN" altLang="en-US" sz="1600" dirty="0"/>
+            <a:endParaRPr lang="en-US" altLang="zh-CN" sz="1600" dirty="0" smtClean="0"/>
           </a:p>
           <a:p>
             <a:pPr marL="914400" lvl="1" indent="-514350">
@@ -4899,30 +5368,37 @@
               <a:buAutoNum type="arabicPeriod"/>
             </a:pPr>
             <a:r>
+              <a:rPr lang="zh-CN" altLang="en-US" sz="1600" dirty="0" smtClean="0"/>
+              <a:t>非</a:t>
+            </a:r>
+            <a:r>
               <a:rPr lang="zh-CN" altLang="en-US" sz="1600" dirty="0"/>
-              <a:t>非阻塞</a:t>
+              <a:t>阻塞</a:t>
             </a:r>
             <a:r>
               <a:rPr lang="en-US" altLang="zh-CN" sz="1600" dirty="0"/>
-              <a:t>I/O (</a:t>
-            </a:r>
-            <a:r>
-              <a:rPr lang="zh-CN" altLang="en-US" sz="1600" dirty="0"/>
+              <a:t>I/O </a:t>
+            </a:r>
+            <a:r>
+              <a:rPr lang="en-US" altLang="zh-CN" sz="1600" dirty="0" smtClean="0"/>
+              <a:t>(</a:t>
+            </a:r>
+            <a:r>
+              <a:rPr lang="zh-CN" altLang="en-US" sz="1600" dirty="0" smtClean="0"/>
               <a:t>举例：</a:t>
             </a:r>
             <a:r>
-              <a:rPr lang="en-US" altLang="zh-CN" sz="1600" dirty="0" err="1"/>
+              <a:rPr lang="en-US" altLang="zh-CN" sz="1600" dirty="0" err="1" smtClean="0"/>
               <a:t>fs.readFile</a:t>
             </a:r>
             <a:r>
-              <a:rPr lang="zh-CN" altLang="en-US" sz="1600" dirty="0"/>
+              <a:rPr lang="zh-CN" altLang="en-US" sz="1600" dirty="0" smtClean="0"/>
               <a:t>模块</a:t>
             </a:r>
             <a:r>
-              <a:rPr lang="en-US" altLang="zh-CN" sz="1600" dirty="0"/>
+              <a:rPr lang="en-US" altLang="zh-CN" sz="1600" dirty="0" smtClean="0"/>
               <a:t>)</a:t>
             </a:r>
-            <a:endParaRPr lang="en-US" altLang="zh-CN" sz="1600" dirty="0"/>
           </a:p>
           <a:p>
             <a:pPr marL="914400" lvl="1" indent="-514350">
@@ -4930,7 +5406,7 @@
               <a:buAutoNum type="arabicPeriod"/>
             </a:pPr>
             <a:r>
-              <a:rPr lang="zh-CN" altLang="en-US" sz="1600" dirty="0"/>
+              <a:rPr lang="zh-CN" altLang="en-US" sz="1600" dirty="0" smtClean="0"/>
               <a:t>轻量、可伸缩，适于实时数据交互应用</a:t>
             </a:r>
           </a:p>
@@ -4945,34 +5421,449 @@
             </a:r>
             <a:r>
               <a:rPr lang="zh-CN" altLang="en-US" sz="1600" dirty="0"/>
-              <a:t>进程，单</a:t>
-            </a:r>
-            <a:r>
-              <a:rPr lang="zh-CN" altLang="en-US" sz="1600" dirty="0" smtClean="0"/>
-              <a:t>线程</a:t>
-            </a:r>
-            <a:endParaRPr lang="en-US" altLang="zh-CN" sz="1600" dirty="0" smtClean="0"/>
-          </a:p>
-          <a:p>
-            <a:pPr marL="971550" lvl="1" indent="-514350">
-              <a:buFont typeface="+mj-lt"/>
-              <a:buAutoNum type="arabicPeriod"/>
-            </a:pPr>
-            <a:endParaRPr lang="en-US" altLang="zh-CN" sz="1600" dirty="0" smtClean="0"/>
-          </a:p>
-          <a:p>
-            <a:pPr marL="971550" lvl="1" indent="-514350">
-              <a:buFont typeface="+mj-lt"/>
-              <a:buAutoNum type="arabicPeriod"/>
-            </a:pPr>
-            <a:endParaRPr lang="zh-CN" altLang="en-US" sz="1600" dirty="0"/>
+              <a:t>进程，单线程</a:t>
+            </a:r>
+            <a:endParaRPr lang="en-US" altLang="zh-CN" sz="1600" dirty="0"/>
+          </a:p>
+          <a:p>
+            <a:endParaRPr lang="zh-CN" altLang="en-US" dirty="0"/>
           </a:p>
         </p:txBody>
       </p:sp>
     </p:spTree>
     <p:extLst>
       <p:ext uri="{BB962C8B-B14F-4D97-AF65-F5344CB8AC3E}">
-        <p14:creationId xmlns:p14="http://schemas.microsoft.com/office/powerpoint/2010/main" val="491912028"/>
+        <p14:creationId xmlns:p14="http://schemas.microsoft.com/office/powerpoint/2010/main" val="63260547"/>
+      </p:ext>
+    </p:extLst>
+  </p:cSld>
+  <p:clrMapOvr>
+    <a:masterClrMapping/>
+  </p:clrMapOvr>
+</p:sld>
+</file>
+
+<file path=ppt/slides/slide20.xml><?xml version="1.0" encoding="utf-8"?>
+<p:sld xmlns:a="http://schemas.openxmlformats.org/drawingml/2006/main" xmlns:r="http://schemas.openxmlformats.org/officeDocument/2006/relationships" xmlns:p="http://schemas.openxmlformats.org/presentationml/2006/main">
+  <p:cSld>
+    <p:spTree>
+      <p:nvGrpSpPr>
+        <p:cNvPr id="1" name=""/>
+        <p:cNvGrpSpPr/>
+        <p:nvPr/>
+      </p:nvGrpSpPr>
+      <p:grpSpPr>
+        <a:xfrm>
+          <a:off x="0" y="0"/>
+          <a:ext cx="0" cy="0"/>
+          <a:chOff x="0" y="0"/>
+          <a:chExt cx="0" cy="0"/>
+        </a:xfrm>
+      </p:grpSpPr>
+      <p:sp>
+        <p:nvSpPr>
+          <p:cNvPr id="2" name="标题 1"/>
+          <p:cNvSpPr>
+            <a:spLocks noGrp="1"/>
+          </p:cNvSpPr>
+          <p:nvPr>
+            <p:ph type="title"/>
+          </p:nvPr>
+        </p:nvSpPr>
+        <p:spPr/>
+        <p:txBody>
+          <a:bodyPr>
+            <a:normAutofit/>
+          </a:bodyPr>
+          <a:lstStyle/>
+          <a:p>
+            <a:r>
+              <a:rPr lang="en-US" altLang="zh-CN" dirty="0"/>
+              <a:t>Node.js</a:t>
+            </a:r>
+            <a:r>
+              <a:rPr lang="zh-CN" altLang="en-US" dirty="0"/>
+              <a:t>高并发原理及应用场景</a:t>
+            </a:r>
+            <a:endParaRPr lang="zh-CN" altLang="en-US" dirty="0"/>
+          </a:p>
+        </p:txBody>
+      </p:sp>
+      <p:sp>
+        <p:nvSpPr>
+          <p:cNvPr id="3" name="内容占位符 2"/>
+          <p:cNvSpPr>
+            <a:spLocks noGrp="1"/>
+          </p:cNvSpPr>
+          <p:nvPr>
+            <p:ph idx="1"/>
+          </p:nvPr>
+        </p:nvSpPr>
+        <p:spPr/>
+        <p:txBody>
+          <a:bodyPr>
+            <a:normAutofit/>
+          </a:bodyPr>
+          <a:lstStyle/>
+          <a:p>
+            <a:pPr>
+              <a:lnSpc>
+                <a:spcPct val="150000"/>
+              </a:lnSpc>
+              <a:buFont typeface="Wingdings" panose="05000000000000000000" pitchFamily="2" charset="2"/>
+              <a:buChar char="Ø"/>
+            </a:pPr>
+            <a:r>
+              <a:rPr lang="zh-CN" altLang="en-US" sz="2000" dirty="0"/>
+              <a:t>更改连接到服务器的方式，每个连接发射（</a:t>
+            </a:r>
+            <a:r>
+              <a:rPr lang="en-US" altLang="zh-CN" sz="2000" dirty="0"/>
+              <a:t>emit</a:t>
+            </a:r>
+            <a:r>
+              <a:rPr lang="zh-CN" altLang="en-US" sz="2000" dirty="0"/>
+              <a:t>）一个在</a:t>
+            </a:r>
+            <a:r>
+              <a:rPr lang="en-US" altLang="zh-CN" sz="2000" dirty="0" err="1"/>
+              <a:t>NodeJS</a:t>
+            </a:r>
+            <a:r>
+              <a:rPr lang="zh-CN" altLang="en-US" sz="2000" dirty="0"/>
+              <a:t>引擎进程中运行的事件（</a:t>
+            </a:r>
+            <a:r>
+              <a:rPr lang="en-US" altLang="zh-CN" sz="2000" dirty="0"/>
+              <a:t>Event</a:t>
+            </a:r>
+            <a:r>
+              <a:rPr lang="zh-CN" altLang="en-US" sz="2000" dirty="0"/>
+              <a:t>），放进事件队列当中</a:t>
+            </a:r>
+            <a:r>
+              <a:rPr lang="zh-CN" altLang="en-US" sz="2000" dirty="0" smtClean="0"/>
+              <a:t>，而</a:t>
+            </a:r>
+            <a:r>
+              <a:rPr lang="zh-CN" altLang="en-US" sz="2000" dirty="0"/>
+              <a:t>不是为每个连接生成一个新的</a:t>
+            </a:r>
+            <a:r>
+              <a:rPr lang="en-US" altLang="zh-CN" sz="2000" dirty="0"/>
+              <a:t>OS</a:t>
+            </a:r>
+            <a:r>
+              <a:rPr lang="zh-CN" altLang="en-US" sz="2000" dirty="0"/>
+              <a:t>线程（并为其分配一些配套内存）</a:t>
+            </a:r>
+          </a:p>
+        </p:txBody>
+      </p:sp>
+    </p:spTree>
+    <p:extLst>
+      <p:ext uri="{BB962C8B-B14F-4D97-AF65-F5344CB8AC3E}">
+        <p14:creationId xmlns:p14="http://schemas.microsoft.com/office/powerpoint/2010/main" val="202150151"/>
+      </p:ext>
+    </p:extLst>
+  </p:cSld>
+  <p:clrMapOvr>
+    <a:masterClrMapping/>
+  </p:clrMapOvr>
+  <p:timing>
+    <p:tnLst>
+      <p:par>
+        <p:cTn id="1" dur="indefinite" restart="never" nodeType="tmRoot"/>
+      </p:par>
+    </p:tnLst>
+  </p:timing>
+</p:sld>
+</file>
+
+<file path=ppt/slides/slide21.xml><?xml version="1.0" encoding="utf-8"?>
+<p:sld xmlns:a="http://schemas.openxmlformats.org/drawingml/2006/main" xmlns:r="http://schemas.openxmlformats.org/officeDocument/2006/relationships" xmlns:p="http://schemas.openxmlformats.org/presentationml/2006/main">
+  <p:cSld>
+    <p:spTree>
+      <p:nvGrpSpPr>
+        <p:cNvPr id="1" name=""/>
+        <p:cNvGrpSpPr/>
+        <p:nvPr/>
+      </p:nvGrpSpPr>
+      <p:grpSpPr>
+        <a:xfrm>
+          <a:off x="0" y="0"/>
+          <a:ext cx="0" cy="0"/>
+          <a:chOff x="0" y="0"/>
+          <a:chExt cx="0" cy="0"/>
+        </a:xfrm>
+      </p:grpSpPr>
+      <p:sp>
+        <p:nvSpPr>
+          <p:cNvPr id="2" name="标题 1"/>
+          <p:cNvSpPr>
+            <a:spLocks noGrp="1"/>
+          </p:cNvSpPr>
+          <p:nvPr>
+            <p:ph type="title"/>
+          </p:nvPr>
+        </p:nvSpPr>
+        <p:spPr/>
+        <p:txBody>
+          <a:bodyPr/>
+          <a:lstStyle/>
+          <a:p>
+            <a:r>
+              <a:rPr lang="en-US" altLang="zh-CN" dirty="0"/>
+              <a:t>Node.js</a:t>
+            </a:r>
+            <a:r>
+              <a:rPr lang="zh-CN" altLang="en-US" dirty="0"/>
+              <a:t>高并发原理及应用场景</a:t>
+            </a:r>
+            <a:endParaRPr lang="zh-CN" altLang="en-US" dirty="0"/>
+          </a:p>
+        </p:txBody>
+      </p:sp>
+      <p:sp>
+        <p:nvSpPr>
+          <p:cNvPr id="3" name="内容占位符 2"/>
+          <p:cNvSpPr>
+            <a:spLocks noGrp="1"/>
+          </p:cNvSpPr>
+          <p:nvPr>
+            <p:ph idx="1"/>
+          </p:nvPr>
+        </p:nvSpPr>
+        <p:spPr/>
+        <p:txBody>
+          <a:bodyPr>
+            <a:normAutofit/>
+          </a:bodyPr>
+          <a:lstStyle/>
+          <a:p>
+            <a:pPr>
+              <a:buFont typeface="Wingdings" panose="05000000000000000000" pitchFamily="2" charset="2"/>
+              <a:buChar char="Ø"/>
+            </a:pPr>
+            <a:r>
+              <a:rPr lang="en-US" altLang="zh-CN" sz="2000" dirty="0" smtClean="0"/>
+              <a:t>I/O</a:t>
+            </a:r>
+            <a:r>
+              <a:rPr lang="zh-CN" altLang="en-US" sz="2000" dirty="0" smtClean="0"/>
+              <a:t>阻塞与异步机制对比：举例</a:t>
+            </a:r>
+            <a:r>
+              <a:rPr lang="en-US" altLang="zh-CN" sz="2000" dirty="0" smtClean="0"/>
+              <a:t>(</a:t>
+            </a:r>
+            <a:r>
+              <a:rPr lang="en-US" altLang="zh-CN" sz="2000" dirty="0" err="1" smtClean="0"/>
+              <a:t>php</a:t>
+            </a:r>
+            <a:r>
+              <a:rPr lang="zh-CN" altLang="en-US" sz="2000" dirty="0" smtClean="0"/>
+              <a:t>与</a:t>
+            </a:r>
+            <a:r>
+              <a:rPr lang="en-US" altLang="zh-CN" sz="2000" dirty="0" smtClean="0"/>
+              <a:t>node</a:t>
+            </a:r>
+            <a:r>
+              <a:rPr lang="zh-CN" altLang="en-US" sz="2000" dirty="0" smtClean="0"/>
+              <a:t>获取数据</a:t>
+            </a:r>
+            <a:r>
+              <a:rPr lang="en-US" altLang="zh-CN" sz="2000" dirty="0" smtClean="0"/>
+              <a:t>)</a:t>
+            </a:r>
+            <a:endParaRPr lang="zh-CN" altLang="en-US" sz="2000" dirty="0"/>
+          </a:p>
+        </p:txBody>
+      </p:sp>
+    </p:spTree>
+    <p:extLst>
+      <p:ext uri="{BB962C8B-B14F-4D97-AF65-F5344CB8AC3E}">
+        <p14:creationId xmlns:p14="http://schemas.microsoft.com/office/powerpoint/2010/main" val="2529741093"/>
+      </p:ext>
+    </p:extLst>
+  </p:cSld>
+  <p:clrMapOvr>
+    <a:masterClrMapping/>
+  </p:clrMapOvr>
+  <p:timing>
+    <p:tnLst>
+      <p:par>
+        <p:cTn id="1" dur="indefinite" restart="never" nodeType="tmRoot"/>
+      </p:par>
+    </p:tnLst>
+  </p:timing>
+</p:sld>
+</file>
+
+<file path=ppt/slides/slide22.xml><?xml version="1.0" encoding="utf-8"?>
+<p:sld xmlns:a="http://schemas.openxmlformats.org/drawingml/2006/main" xmlns:r="http://schemas.openxmlformats.org/officeDocument/2006/relationships" xmlns:p="http://schemas.openxmlformats.org/presentationml/2006/main">
+  <p:cSld>
+    <p:spTree>
+      <p:nvGrpSpPr>
+        <p:cNvPr id="1" name=""/>
+        <p:cNvGrpSpPr/>
+        <p:nvPr/>
+      </p:nvGrpSpPr>
+      <p:grpSpPr>
+        <a:xfrm>
+          <a:off x="0" y="0"/>
+          <a:ext cx="0" cy="0"/>
+          <a:chOff x="0" y="0"/>
+          <a:chExt cx="0" cy="0"/>
+        </a:xfrm>
+      </p:grpSpPr>
+      <p:sp>
+        <p:nvSpPr>
+          <p:cNvPr id="3" name="内容占位符 2"/>
+          <p:cNvSpPr>
+            <a:spLocks noGrp="1"/>
+          </p:cNvSpPr>
+          <p:nvPr>
+            <p:ph idx="1"/>
+          </p:nvPr>
+        </p:nvSpPr>
+        <p:spPr/>
+        <p:txBody>
+          <a:bodyPr>
+            <a:normAutofit/>
+          </a:bodyPr>
+          <a:lstStyle/>
+          <a:p>
+            <a:r>
+              <a:rPr lang="en-US" altLang="zh-CN" dirty="0" err="1"/>
+              <a:t>NodeJS</a:t>
+            </a:r>
+            <a:r>
+              <a:rPr lang="zh-CN" altLang="en-US" dirty="0"/>
+              <a:t>遇到</a:t>
+            </a:r>
+            <a:r>
+              <a:rPr lang="en-US" altLang="zh-CN" dirty="0"/>
+              <a:t>I/O</a:t>
+            </a:r>
+            <a:r>
+              <a:rPr lang="zh-CN" altLang="en-US" dirty="0"/>
+              <a:t>事件会创建一个线程去执行，然后主线程会继续往下执行的，</a:t>
+            </a:r>
+          </a:p>
+          <a:p>
+            <a:endParaRPr lang="zh-CN" altLang="en-US" dirty="0" smtClean="0"/>
+          </a:p>
+          <a:p>
+            <a:r>
+              <a:rPr lang="zh-CN" altLang="en-US" dirty="0" smtClean="0"/>
+              <a:t>因此，拿</a:t>
+            </a:r>
+            <a:r>
+              <a:rPr lang="en-US" altLang="zh-CN" dirty="0" smtClean="0"/>
+              <a:t>profile</a:t>
+            </a:r>
+            <a:r>
+              <a:rPr lang="zh-CN" altLang="en-US" dirty="0" smtClean="0"/>
+              <a:t>的动作触发一个</a:t>
+            </a:r>
+            <a:r>
+              <a:rPr lang="en-US" altLang="zh-CN" dirty="0" smtClean="0"/>
+              <a:t>I/O</a:t>
+            </a:r>
+            <a:r>
+              <a:rPr lang="zh-CN" altLang="en-US" dirty="0" smtClean="0"/>
+              <a:t>事件，马上就会执行拿</a:t>
+            </a:r>
+            <a:r>
+              <a:rPr lang="en-US" altLang="zh-CN" dirty="0" smtClean="0"/>
+              <a:t>timeline</a:t>
+            </a:r>
+            <a:r>
+              <a:rPr lang="zh-CN" altLang="en-US" dirty="0" smtClean="0"/>
+              <a:t>的动作，</a:t>
+            </a:r>
+          </a:p>
+          <a:p>
+            <a:endParaRPr lang="zh-CN" altLang="en-US" dirty="0"/>
+          </a:p>
+          <a:p>
+            <a:r>
+              <a:rPr lang="zh-CN" altLang="en-US" dirty="0"/>
+              <a:t>两个动作并行执行，假如各需要</a:t>
+            </a:r>
+            <a:r>
+              <a:rPr lang="en-US" altLang="zh-CN" dirty="0"/>
+              <a:t>1S</a:t>
+            </a:r>
+            <a:r>
+              <a:rPr lang="zh-CN" altLang="en-US" dirty="0"/>
+              <a:t>，那么总的时间也就是</a:t>
+            </a:r>
+            <a:r>
+              <a:rPr lang="en-US" altLang="zh-CN" dirty="0"/>
+              <a:t>1S</a:t>
+            </a:r>
+          </a:p>
+          <a:p>
+            <a:r>
+              <a:rPr lang="zh-CN" altLang="en-US" dirty="0"/>
+              <a:t>它们的</a:t>
+            </a:r>
+            <a:r>
+              <a:rPr lang="en-US" altLang="zh-CN" dirty="0"/>
+              <a:t>I/O</a:t>
+            </a:r>
+            <a:r>
+              <a:rPr lang="zh-CN" altLang="en-US" dirty="0"/>
+              <a:t>操作执行完成后，发射一个事件，</a:t>
+            </a:r>
+            <a:r>
+              <a:rPr lang="en-US" altLang="zh-CN" dirty="0"/>
+              <a:t>profile</a:t>
+            </a:r>
+            <a:r>
+              <a:rPr lang="zh-CN" altLang="en-US" dirty="0"/>
+              <a:t>和</a:t>
+            </a:r>
+            <a:r>
+              <a:rPr lang="en-US" altLang="zh-CN" dirty="0"/>
+              <a:t>timeline</a:t>
+            </a:r>
+            <a:r>
+              <a:rPr lang="zh-CN" altLang="en-US" dirty="0"/>
+              <a:t>，</a:t>
+            </a:r>
+          </a:p>
+          <a:p>
+            <a:r>
+              <a:rPr lang="zh-CN" altLang="en-US" dirty="0"/>
+              <a:t>事件代理接收后继续往下执行后面的逻辑，这就是</a:t>
+            </a:r>
+            <a:r>
+              <a:rPr lang="en-US" altLang="zh-CN" dirty="0" err="1"/>
+              <a:t>NodeJS</a:t>
+            </a:r>
+            <a:r>
+              <a:rPr lang="zh-CN" altLang="en-US" dirty="0"/>
+              <a:t>非阻塞</a:t>
+            </a:r>
+            <a:r>
+              <a:rPr lang="en-US" altLang="zh-CN" dirty="0"/>
+              <a:t>I/O</a:t>
+            </a:r>
+            <a:r>
+              <a:rPr lang="zh-CN" altLang="en-US" dirty="0"/>
+              <a:t>的特点</a:t>
+            </a:r>
+          </a:p>
+        </p:txBody>
+      </p:sp>
+    </p:spTree>
+    <p:extLst>
+      <p:ext uri="{BB962C8B-B14F-4D97-AF65-F5344CB8AC3E}">
+        <p14:creationId xmlns:p14="http://schemas.microsoft.com/office/powerpoint/2010/main" val="3604642597"/>
       </p:ext>
     </p:extLst>
   </p:cSld>
@@ -5022,14 +5913,426 @@
           <a:lstStyle/>
           <a:p>
             <a:r>
-              <a:rPr lang="en-US" altLang="zh-CN" dirty="0" err="1" smtClean="0"/>
-              <a:t>Nodejs</a:t>
+              <a:rPr lang="en-US" altLang="zh-CN" dirty="0" smtClean="0"/>
+              <a:t>Node.js</a:t>
             </a:r>
             <a:r>
               <a:rPr lang="zh-CN" altLang="en-US" dirty="0" smtClean="0"/>
-              <a:t>基础知识</a:t>
+              <a:t>应用构成</a:t>
             </a:r>
             <a:endParaRPr lang="zh-CN" altLang="en-US" dirty="0"/>
+          </a:p>
+        </p:txBody>
+      </p:sp>
+      <p:sp>
+        <p:nvSpPr>
+          <p:cNvPr id="3" name="内容占位符 2"/>
+          <p:cNvSpPr>
+            <a:spLocks noGrp="1"/>
+          </p:cNvSpPr>
+          <p:nvPr>
+            <p:ph idx="1"/>
+          </p:nvPr>
+        </p:nvSpPr>
+        <p:spPr/>
+        <p:txBody>
+          <a:bodyPr/>
+          <a:lstStyle/>
+          <a:p>
+            <a:pPr marL="971550" lvl="1" indent="-514350">
+              <a:buFont typeface="+mj-lt"/>
+              <a:buAutoNum type="arabicPeriod"/>
+            </a:pPr>
+            <a:r>
+              <a:rPr lang="zh-CN" altLang="en-US" sz="1600" dirty="0" smtClean="0"/>
+              <a:t>模块</a:t>
+            </a:r>
+            <a:r>
+              <a:rPr lang="en-US" altLang="zh-CN" sz="1600" dirty="0" smtClean="0"/>
+              <a:t>(http</a:t>
+            </a:r>
+            <a:r>
+              <a:rPr lang="zh-CN" altLang="en-US" sz="1600" dirty="0" smtClean="0"/>
+              <a:t>、</a:t>
+            </a:r>
+            <a:r>
+              <a:rPr lang="en-US" altLang="zh-CN" sz="1600" dirty="0" err="1" smtClean="0"/>
+              <a:t>url</a:t>
+            </a:r>
+            <a:r>
+              <a:rPr lang="zh-CN" altLang="en-US" sz="1600" dirty="0" smtClean="0"/>
+              <a:t>、</a:t>
+            </a:r>
+            <a:r>
+              <a:rPr lang="en-US" altLang="zh-CN" sz="1600" dirty="0" err="1" smtClean="0"/>
+              <a:t>querystring</a:t>
+            </a:r>
+            <a:r>
+              <a:rPr lang="en-US" altLang="zh-CN" sz="1600" dirty="0" smtClean="0"/>
+              <a:t>)</a:t>
+            </a:r>
+          </a:p>
+          <a:p>
+            <a:pPr marL="971550" lvl="1" indent="-514350">
+              <a:buFont typeface="+mj-lt"/>
+              <a:buAutoNum type="arabicPeriod"/>
+            </a:pPr>
+            <a:r>
+              <a:rPr lang="zh-CN" altLang="en-US" sz="1600" dirty="0" smtClean="0"/>
+              <a:t>创建服务器</a:t>
+            </a:r>
+            <a:r>
+              <a:rPr lang="en-US" altLang="zh-CN" sz="1600" dirty="0" smtClean="0"/>
+              <a:t>(</a:t>
+            </a:r>
+            <a:r>
+              <a:rPr lang="en-US" altLang="zh-CN" sz="1600" dirty="0" err="1" smtClean="0"/>
+              <a:t>createServer</a:t>
+            </a:r>
+            <a:r>
+              <a:rPr lang="en-US" altLang="zh-CN" sz="1600" dirty="0" smtClean="0"/>
+              <a:t>)</a:t>
+            </a:r>
+          </a:p>
+          <a:p>
+            <a:pPr marL="971550" lvl="1" indent="-514350">
+              <a:buFont typeface="+mj-lt"/>
+              <a:buAutoNum type="arabicPeriod"/>
+            </a:pPr>
+            <a:r>
+              <a:rPr lang="zh-CN" altLang="en-US" sz="1600" dirty="0" smtClean="0"/>
+              <a:t>接收请求、响应请求</a:t>
+            </a:r>
+            <a:r>
+              <a:rPr lang="en-US" altLang="zh-CN" sz="1600" dirty="0" smtClean="0"/>
+              <a:t>(</a:t>
+            </a:r>
+            <a:r>
+              <a:rPr lang="zh-CN" altLang="en-US" sz="1600" dirty="0" smtClean="0"/>
+              <a:t>解析</a:t>
+            </a:r>
+            <a:r>
+              <a:rPr lang="en-US" altLang="zh-CN" sz="1600" dirty="0" err="1" smtClean="0"/>
+              <a:t>url</a:t>
+            </a:r>
+            <a:r>
+              <a:rPr lang="en-US" altLang="zh-CN" sz="1600" dirty="0" smtClean="0"/>
+              <a:t>,</a:t>
+            </a:r>
+            <a:r>
+              <a:rPr lang="zh-CN" altLang="en-US" sz="1600" dirty="0" smtClean="0"/>
+              <a:t>获取请求参数，路由处理</a:t>
+            </a:r>
+            <a:r>
+              <a:rPr lang="en-US" altLang="zh-CN" sz="1600" dirty="0" smtClean="0"/>
+              <a:t>)</a:t>
+            </a:r>
+            <a:endParaRPr lang="en-US" altLang="zh-CN" sz="1600" dirty="0" smtClean="0"/>
+          </a:p>
+          <a:p>
+            <a:pPr marL="971550" lvl="1" indent="-514350">
+              <a:buFont typeface="+mj-lt"/>
+              <a:buAutoNum type="arabicPeriod"/>
+            </a:pPr>
+            <a:endParaRPr lang="zh-CN" altLang="en-US" sz="1600" dirty="0"/>
+          </a:p>
+        </p:txBody>
+      </p:sp>
+    </p:spTree>
+    <p:extLst>
+      <p:ext uri="{BB962C8B-B14F-4D97-AF65-F5344CB8AC3E}">
+        <p14:creationId xmlns:p14="http://schemas.microsoft.com/office/powerpoint/2010/main" val="491912028"/>
+      </p:ext>
+    </p:extLst>
+  </p:cSld>
+  <p:clrMapOvr>
+    <a:masterClrMapping/>
+  </p:clrMapOvr>
+  <p:timing>
+    <p:tnLst>
+      <p:par>
+        <p:cTn id="1" dur="indefinite" restart="never" nodeType="tmRoot"/>
+      </p:par>
+    </p:tnLst>
+  </p:timing>
+</p:sld>
+</file>
+
+<file path=ppt/slides/slide4.xml><?xml version="1.0" encoding="utf-8"?>
+<p:sld xmlns:a="http://schemas.openxmlformats.org/drawingml/2006/main" xmlns:r="http://schemas.openxmlformats.org/officeDocument/2006/relationships" xmlns:p="http://schemas.openxmlformats.org/presentationml/2006/main">
+  <p:cSld>
+    <p:spTree>
+      <p:nvGrpSpPr>
+        <p:cNvPr id="1" name=""/>
+        <p:cNvGrpSpPr/>
+        <p:nvPr/>
+      </p:nvGrpSpPr>
+      <p:grpSpPr>
+        <a:xfrm>
+          <a:off x="0" y="0"/>
+          <a:ext cx="0" cy="0"/>
+          <a:chOff x="0" y="0"/>
+          <a:chExt cx="0" cy="0"/>
+        </a:xfrm>
+      </p:grpSpPr>
+      <p:sp>
+        <p:nvSpPr>
+          <p:cNvPr id="2" name="标题 1"/>
+          <p:cNvSpPr>
+            <a:spLocks noGrp="1"/>
+          </p:cNvSpPr>
+          <p:nvPr>
+            <p:ph type="title"/>
+          </p:nvPr>
+        </p:nvSpPr>
+        <p:spPr/>
+        <p:txBody>
+          <a:bodyPr/>
+          <a:lstStyle/>
+          <a:p>
+            <a:r>
+              <a:rPr lang="en-US" altLang="zh-CN" dirty="0"/>
+              <a:t>Node.js</a:t>
+            </a:r>
+            <a:r>
+              <a:rPr lang="zh-CN" altLang="en-US" dirty="0"/>
+              <a:t>包管理</a:t>
+            </a:r>
+            <a:r>
+              <a:rPr lang="zh-CN" altLang="en-US" dirty="0" smtClean="0"/>
+              <a:t>工具</a:t>
+            </a:r>
+            <a:endParaRPr lang="zh-CN" altLang="en-US" dirty="0"/>
+          </a:p>
+        </p:txBody>
+      </p:sp>
+      <p:sp>
+        <p:nvSpPr>
+          <p:cNvPr id="3" name="内容占位符 2"/>
+          <p:cNvSpPr>
+            <a:spLocks noGrp="1"/>
+          </p:cNvSpPr>
+          <p:nvPr>
+            <p:ph idx="1"/>
+          </p:nvPr>
+        </p:nvSpPr>
+        <p:spPr/>
+        <p:txBody>
+          <a:bodyPr>
+            <a:normAutofit fontScale="92500"/>
+          </a:bodyPr>
+          <a:lstStyle/>
+          <a:p>
+            <a:pPr>
+              <a:buFont typeface="Wingdings" panose="05000000000000000000" pitchFamily="2" charset="2"/>
+              <a:buChar char="Ø"/>
+            </a:pPr>
+            <a:r>
+              <a:rPr lang="en-US" altLang="zh-CN" sz="2400" dirty="0" err="1"/>
+              <a:t>Npm</a:t>
+            </a:r>
+            <a:r>
+              <a:rPr lang="zh-CN" altLang="en-US" sz="2400" dirty="0"/>
+              <a:t>是随</a:t>
+            </a:r>
+            <a:r>
+              <a:rPr lang="en-US" altLang="zh-CN" sz="2400" dirty="0"/>
+              <a:t>node</a:t>
+            </a:r>
+            <a:r>
+              <a:rPr lang="zh-CN" altLang="en-US" sz="2400" dirty="0"/>
+              <a:t>一起安装的包管理工具，主要用于管理</a:t>
+            </a:r>
+            <a:r>
+              <a:rPr lang="en-US" altLang="zh-CN" sz="2400" dirty="0" smtClean="0"/>
+              <a:t>node</a:t>
+            </a:r>
+            <a:r>
+              <a:rPr lang="zh-CN" altLang="en-US" sz="2400" dirty="0" smtClean="0"/>
+              <a:t>应用</a:t>
+            </a:r>
+            <a:r>
+              <a:rPr lang="zh-CN" altLang="en-US" sz="2400" dirty="0"/>
+              <a:t>所依赖的模块</a:t>
+            </a:r>
+            <a:r>
+              <a:rPr lang="zh-CN" altLang="en-US" sz="2400" dirty="0" smtClean="0"/>
+              <a:t>，</a:t>
+            </a:r>
+            <a:endParaRPr lang="en-US" altLang="zh-CN" sz="2400" dirty="0" smtClean="0"/>
+          </a:p>
+          <a:p>
+            <a:pPr>
+              <a:buFont typeface="Wingdings" panose="05000000000000000000" pitchFamily="2" charset="2"/>
+              <a:buChar char="Ø"/>
+            </a:pPr>
+            <a:r>
+              <a:rPr lang="zh-CN" altLang="en-US" sz="2400" dirty="0" smtClean="0"/>
+              <a:t>允许</a:t>
+            </a:r>
+            <a:r>
+              <a:rPr lang="zh-CN" altLang="en-US" sz="2400" dirty="0"/>
+              <a:t>用户从</a:t>
+            </a:r>
+            <a:r>
+              <a:rPr lang="en-US" altLang="zh-CN" sz="2400" dirty="0"/>
+              <a:t>NPM</a:t>
+            </a:r>
+            <a:r>
+              <a:rPr lang="zh-CN" altLang="en-US" sz="2400" dirty="0"/>
+              <a:t>服务器下载别人编写的第三方包到本地使用</a:t>
+            </a:r>
+            <a:endParaRPr lang="en-US" altLang="zh-CN" sz="2400" dirty="0"/>
+          </a:p>
+          <a:p>
+            <a:pPr>
+              <a:buFont typeface="Wingdings" panose="05000000000000000000" pitchFamily="2" charset="2"/>
+              <a:buChar char="Ø"/>
+            </a:pPr>
+            <a:r>
+              <a:rPr lang="zh-CN" altLang="en-US" sz="2400" dirty="0"/>
+              <a:t>允许用户从</a:t>
+            </a:r>
+            <a:r>
+              <a:rPr lang="en-US" altLang="zh-CN" sz="2400" dirty="0"/>
+              <a:t>NPM</a:t>
+            </a:r>
+            <a:r>
+              <a:rPr lang="zh-CN" altLang="en-US" sz="2400" dirty="0"/>
+              <a:t>服务器下载并安装别人编写的命令行程序到本地使用</a:t>
+            </a:r>
+            <a:endParaRPr lang="en-US" altLang="zh-CN" sz="2400" dirty="0"/>
+          </a:p>
+          <a:p>
+            <a:pPr>
+              <a:buFont typeface="Wingdings" panose="05000000000000000000" pitchFamily="2" charset="2"/>
+              <a:buChar char="Ø"/>
+            </a:pPr>
+            <a:r>
+              <a:rPr lang="zh-CN" altLang="en-US" sz="2400" dirty="0"/>
+              <a:t>允许用户将自己编写的包或命令行程序上传到</a:t>
+            </a:r>
+            <a:r>
+              <a:rPr lang="en-US" altLang="zh-CN" sz="2400" dirty="0"/>
+              <a:t>NPM</a:t>
+            </a:r>
+            <a:r>
+              <a:rPr lang="zh-CN" altLang="en-US" sz="2400" dirty="0"/>
+              <a:t>服务器供别人使用</a:t>
+            </a:r>
+            <a:endParaRPr lang="en-US" altLang="zh-CN" sz="2400" dirty="0"/>
+          </a:p>
+          <a:p>
+            <a:pPr>
+              <a:buFont typeface="Wingdings" panose="05000000000000000000" pitchFamily="2" charset="2"/>
+              <a:buChar char="Ø"/>
+            </a:pPr>
+            <a:r>
+              <a:rPr lang="zh-CN" altLang="en-US" sz="2400" dirty="0"/>
+              <a:t>安装命令：</a:t>
+            </a:r>
+            <a:r>
+              <a:rPr lang="en-US" altLang="zh-CN" sz="2400" dirty="0" err="1"/>
+              <a:t>npm</a:t>
+            </a:r>
+            <a:r>
+              <a:rPr lang="en-US" altLang="zh-CN" sz="2400" dirty="0"/>
+              <a:t> install &lt;module name&gt; (-g:</a:t>
+            </a:r>
+            <a:r>
+              <a:rPr lang="zh-CN" altLang="en-US" sz="2400" dirty="0"/>
+              <a:t>全局安装</a:t>
+            </a:r>
+            <a:r>
+              <a:rPr lang="en-US" altLang="zh-CN" sz="2400" dirty="0"/>
+              <a:t> –save:</a:t>
+            </a:r>
+            <a:r>
+              <a:rPr lang="zh-CN" altLang="en-US" sz="2400" dirty="0"/>
+              <a:t>添加依赖</a:t>
+            </a:r>
+            <a:r>
+              <a:rPr lang="en-US" altLang="zh-CN" sz="2400" dirty="0"/>
+              <a:t>)</a:t>
+            </a:r>
+          </a:p>
+          <a:p>
+            <a:pPr>
+              <a:buFont typeface="Wingdings" panose="05000000000000000000" pitchFamily="2" charset="2"/>
+              <a:buChar char="Ø"/>
+            </a:pPr>
+            <a:r>
+              <a:rPr lang="zh-CN" altLang="en-US" sz="2400" dirty="0"/>
+              <a:t>卸载命令：</a:t>
+            </a:r>
+            <a:r>
+              <a:rPr lang="en-US" altLang="zh-CN" sz="2400" dirty="0" err="1"/>
+              <a:t>npm</a:t>
+            </a:r>
+            <a:r>
+              <a:rPr lang="en-US" altLang="zh-CN" sz="2400" dirty="0"/>
+              <a:t> uninstall &lt;module name&gt;</a:t>
+            </a:r>
+          </a:p>
+          <a:p>
+            <a:endParaRPr lang="zh-CN" altLang="en-US" dirty="0"/>
+          </a:p>
+        </p:txBody>
+      </p:sp>
+    </p:spTree>
+    <p:extLst>
+      <p:ext uri="{BB962C8B-B14F-4D97-AF65-F5344CB8AC3E}">
+        <p14:creationId xmlns:p14="http://schemas.microsoft.com/office/powerpoint/2010/main" val="2963858043"/>
+      </p:ext>
+    </p:extLst>
+  </p:cSld>
+  <p:clrMapOvr>
+    <a:masterClrMapping/>
+  </p:clrMapOvr>
+</p:sld>
+</file>
+
+<file path=ppt/slides/slide5.xml><?xml version="1.0" encoding="utf-8"?>
+<p:sld xmlns:a="http://schemas.openxmlformats.org/drawingml/2006/main" xmlns:r="http://schemas.openxmlformats.org/officeDocument/2006/relationships" xmlns:p="http://schemas.openxmlformats.org/presentationml/2006/main">
+  <p:cSld>
+    <p:spTree>
+      <p:nvGrpSpPr>
+        <p:cNvPr id="1" name=""/>
+        <p:cNvGrpSpPr/>
+        <p:nvPr/>
+      </p:nvGrpSpPr>
+      <p:grpSpPr>
+        <a:xfrm>
+          <a:off x="0" y="0"/>
+          <a:ext cx="0" cy="0"/>
+          <a:chOff x="0" y="0"/>
+          <a:chExt cx="0" cy="0"/>
+        </a:xfrm>
+      </p:grpSpPr>
+      <p:sp>
+        <p:nvSpPr>
+          <p:cNvPr id="2" name="标题 1"/>
+          <p:cNvSpPr>
+            <a:spLocks noGrp="1"/>
+          </p:cNvSpPr>
+          <p:nvPr>
+            <p:ph type="title"/>
+          </p:nvPr>
+        </p:nvSpPr>
+        <p:spPr/>
+        <p:txBody>
+          <a:bodyPr/>
+          <a:lstStyle/>
+          <a:p>
+            <a:r>
+              <a:rPr lang="en-US" altLang="zh-CN" dirty="0" smtClean="0"/>
+              <a:t>Node.js</a:t>
+            </a:r>
+            <a:r>
+              <a:rPr lang="zh-CN" altLang="en-US" dirty="0" smtClean="0"/>
+              <a:t>模块系统</a:t>
+            </a:r>
+            <a:endParaRPr lang="en-US" altLang="zh-CN" dirty="0"/>
           </a:p>
         </p:txBody>
       </p:sp>
@@ -5052,452 +6355,121 @@
           <a:p>
             <a:pPr>
               <a:buFont typeface="Wingdings" panose="05000000000000000000" pitchFamily="2" charset="2"/>
-              <a:buChar char="ü"/>
-            </a:pPr>
-            <a:r>
-              <a:rPr lang="zh-CN" altLang="en-US" dirty="0" smtClean="0"/>
-              <a:t>常用模块</a:t>
-            </a:r>
-            <a:r>
-              <a:rPr lang="en-US" altLang="zh-CN" dirty="0" smtClean="0"/>
-              <a:t>6-1</a:t>
-            </a:r>
-          </a:p>
-          <a:p>
-            <a:pPr marL="971550" lvl="1" indent="-514350">
-              <a:buFont typeface="+mj-lt"/>
-              <a:buAutoNum type="arabicPeriod"/>
-            </a:pPr>
-            <a:r>
-              <a:rPr lang="en-US" altLang="zh-CN" sz="1400" b="1" dirty="0"/>
-              <a:t>f</a:t>
-            </a:r>
-            <a:r>
-              <a:rPr lang="en-US" altLang="zh-CN" sz="1400" b="1" dirty="0" smtClean="0"/>
-              <a:t>s</a:t>
-            </a:r>
-            <a:r>
-              <a:rPr lang="zh-CN" altLang="en-US" sz="1400" b="1" dirty="0" smtClean="0"/>
-              <a:t>模块</a:t>
-            </a:r>
-            <a:r>
-              <a:rPr lang="en-US" altLang="zh-CN" sz="1400" b="1" dirty="0" smtClean="0"/>
-              <a:t>(</a:t>
-            </a:r>
-            <a:r>
-              <a:rPr lang="zh-CN" altLang="en-US" sz="1400" b="1" dirty="0" smtClean="0"/>
-              <a:t>文件系统</a:t>
-            </a:r>
-            <a:r>
-              <a:rPr lang="en-US" altLang="zh-CN" sz="1400" b="1" dirty="0" smtClean="0"/>
-              <a:t>)</a:t>
-            </a:r>
-          </a:p>
-          <a:p>
-            <a:pPr marL="1085850" lvl="3" indent="-171450">
+              <a:buChar char="Ø"/>
+            </a:pPr>
+            <a:r>
+              <a:rPr lang="zh-CN" altLang="en-US" sz="1600" dirty="0" smtClean="0"/>
+              <a:t>模块：一个</a:t>
+            </a:r>
+            <a:r>
+              <a:rPr lang="en-US" altLang="zh-CN" sz="1600" dirty="0" smtClean="0"/>
+              <a:t>node.js</a:t>
+            </a:r>
+            <a:r>
+              <a:rPr lang="zh-CN" altLang="en-US" sz="1600" dirty="0" smtClean="0"/>
+              <a:t>文件就是一个模块，文件和模块是一一对应的</a:t>
+            </a:r>
+            <a:endParaRPr lang="en-US" altLang="zh-CN" sz="1600" dirty="0" smtClean="0"/>
+          </a:p>
+          <a:p>
+            <a:pPr>
               <a:buFont typeface="Wingdings" panose="05000000000000000000" pitchFamily="2" charset="2"/>
               <a:buChar char="Ø"/>
             </a:pPr>
             <a:r>
-              <a:rPr lang="en-US" altLang="zh-CN" sz="1400" dirty="0" smtClean="0"/>
-              <a:t>fs. </a:t>
-            </a:r>
-            <a:r>
-              <a:rPr lang="en-US" altLang="zh-CN" sz="1400" dirty="0" err="1" smtClean="0"/>
-              <a:t>readFile</a:t>
-            </a:r>
-            <a:r>
-              <a:rPr lang="zh-CN" altLang="en-US" sz="1400" dirty="0" smtClean="0"/>
-              <a:t>：文件读取，</a:t>
-            </a:r>
-            <a:r>
-              <a:rPr lang="en-US" altLang="zh-CN" sz="1400" dirty="0" err="1" smtClean="0"/>
-              <a:t>fs.readFile</a:t>
-            </a:r>
-            <a:r>
-              <a:rPr lang="en-US" altLang="zh-CN" sz="1400" dirty="0" smtClean="0"/>
-              <a:t>(filename, [encoding], [callback(</a:t>
-            </a:r>
-            <a:r>
-              <a:rPr lang="en-US" altLang="zh-CN" sz="1400" dirty="0" err="1" smtClean="0"/>
-              <a:t>err,data</a:t>
-            </a:r>
-            <a:r>
-              <a:rPr lang="en-US" altLang="zh-CN" sz="1400" dirty="0" smtClean="0"/>
-              <a:t>)])</a:t>
-            </a:r>
-            <a:r>
-              <a:rPr lang="zh-CN" altLang="en-US" sz="1400" dirty="0" smtClean="0"/>
-              <a:t>，</a:t>
-            </a:r>
-            <a:endParaRPr lang="en-US" altLang="zh-CN" sz="1400" dirty="0" smtClean="0"/>
-          </a:p>
-          <a:p>
-            <a:pPr marL="1517520" lvl="6" indent="0">
-              <a:buNone/>
-            </a:pPr>
-            <a:r>
-              <a:rPr lang="zh-CN" altLang="en-US" sz="1400" dirty="0" smtClean="0"/>
-              <a:t>接收参数：</a:t>
-            </a:r>
-            <a:endParaRPr lang="en-US" altLang="zh-CN" sz="1400" dirty="0" smtClean="0"/>
-          </a:p>
-          <a:p>
-            <a:pPr marL="2031870" lvl="6" indent="-514350">
-              <a:buFont typeface="Arial" panose="020B0604020202020204" pitchFamily="34" charset="0"/>
-              <a:buChar char="•"/>
-            </a:pPr>
-            <a:r>
-              <a:rPr lang="en-US" altLang="zh-CN" sz="1400" dirty="0" smtClean="0"/>
-              <a:t>filename  </a:t>
-            </a:r>
-            <a:r>
-              <a:rPr lang="zh-CN" altLang="en-US" sz="1400" dirty="0" smtClean="0"/>
-              <a:t>文件名</a:t>
-            </a:r>
-            <a:r>
-              <a:rPr lang="en-US" altLang="zh-CN" sz="1400" dirty="0" smtClean="0"/>
-              <a:t>(</a:t>
-            </a:r>
-            <a:r>
-              <a:rPr lang="zh-CN" altLang="en-US" sz="1400" dirty="0" smtClean="0"/>
-              <a:t>路径</a:t>
-            </a:r>
-            <a:r>
-              <a:rPr lang="en-US" altLang="zh-CN" sz="1400" dirty="0" smtClean="0"/>
-              <a:t>)-- </a:t>
-            </a:r>
-            <a:r>
-              <a:rPr lang="en-US" altLang="zh-CN" sz="1400" dirty="0"/>
-              <a:t>string</a:t>
-            </a:r>
-            <a:r>
-              <a:rPr lang="zh-CN" altLang="en-US" sz="1400" dirty="0"/>
-              <a:t>类型</a:t>
-            </a:r>
-            <a:endParaRPr lang="en-US" altLang="zh-CN" sz="1400" dirty="0" smtClean="0"/>
-          </a:p>
-          <a:p>
-            <a:pPr marL="2031870" lvl="6" indent="-514350">
-              <a:buFont typeface="Arial" panose="020B0604020202020204" pitchFamily="34" charset="0"/>
-              <a:buChar char="•"/>
-            </a:pPr>
-            <a:r>
-              <a:rPr lang="en-US" altLang="zh-CN" sz="1400" dirty="0" smtClean="0"/>
-              <a:t>encoding:</a:t>
-            </a:r>
-            <a:r>
-              <a:rPr lang="zh-CN" altLang="en-US" sz="1400" dirty="0" smtClean="0"/>
-              <a:t>：编码格式，该项是可选的</a:t>
-            </a:r>
-            <a:r>
-              <a:rPr lang="en-US" altLang="zh-CN" sz="1400" dirty="0" smtClean="0"/>
-              <a:t>—string</a:t>
-            </a:r>
-            <a:r>
-              <a:rPr lang="zh-CN" altLang="en-US" sz="1400" dirty="0" smtClean="0"/>
-              <a:t>类型，默认为</a:t>
-            </a:r>
-            <a:r>
-              <a:rPr lang="en-US" altLang="zh-CN" sz="1400" dirty="0" smtClean="0"/>
-              <a:t>utf8</a:t>
-            </a:r>
-            <a:endParaRPr lang="zh-CN" altLang="en-US" sz="1400" dirty="0" smtClean="0"/>
-          </a:p>
-          <a:p>
-            <a:pPr marL="2031870" lvl="6" indent="-514350">
-              <a:buFont typeface="Arial" panose="020B0604020202020204" pitchFamily="34" charset="0"/>
-              <a:buChar char="•"/>
-            </a:pPr>
-            <a:r>
-              <a:rPr lang="en-US" altLang="zh-CN" sz="1400" dirty="0" smtClean="0"/>
-              <a:t>callback  </a:t>
-            </a:r>
-            <a:r>
-              <a:rPr lang="zh-CN" altLang="en-US" sz="1400" dirty="0" smtClean="0"/>
-              <a:t>回调，传递</a:t>
-            </a:r>
-            <a:r>
-              <a:rPr lang="en-US" altLang="zh-CN" sz="1400" dirty="0" smtClean="0"/>
-              <a:t>2</a:t>
-            </a:r>
-            <a:r>
-              <a:rPr lang="zh-CN" altLang="en-US" sz="1400" dirty="0" smtClean="0"/>
-              <a:t>个参数 异常</a:t>
-            </a:r>
-            <a:r>
-              <a:rPr lang="en-US" altLang="zh-CN" sz="1400" dirty="0" smtClean="0"/>
-              <a:t>err </a:t>
-            </a:r>
-            <a:r>
-              <a:rPr lang="zh-CN" altLang="en-US" sz="1400" dirty="0" smtClean="0"/>
-              <a:t>和 文件内容 </a:t>
-            </a:r>
-            <a:r>
-              <a:rPr lang="en-US" altLang="zh-CN" sz="1400" dirty="0" smtClean="0"/>
-              <a:t>data</a:t>
-            </a:r>
-          </a:p>
-          <a:p>
-            <a:pPr marL="1085850" lvl="3" indent="-171450">
+              <a:rPr lang="zh-CN" altLang="en-US" sz="1600" dirty="0" smtClean="0"/>
+              <a:t>分类：原生模块、本地模块、第三方模块</a:t>
+            </a:r>
+            <a:endParaRPr lang="en-US" altLang="zh-CN" sz="1600" dirty="0" smtClean="0"/>
+          </a:p>
+          <a:p>
+            <a:pPr>
               <a:buFont typeface="Wingdings" panose="05000000000000000000" pitchFamily="2" charset="2"/>
               <a:buChar char="Ø"/>
             </a:pPr>
             <a:r>
-              <a:rPr lang="en-US" altLang="zh-CN" sz="1400" dirty="0" smtClean="0"/>
-              <a:t>fs. </a:t>
-            </a:r>
-            <a:r>
-              <a:rPr lang="en-US" altLang="zh-CN" sz="1400" dirty="0" err="1" smtClean="0"/>
-              <a:t>writeFile</a:t>
-            </a:r>
-            <a:r>
-              <a:rPr lang="zh-CN" altLang="en-US" sz="1400" dirty="0"/>
-              <a:t>：</a:t>
-            </a:r>
-            <a:r>
-              <a:rPr lang="zh-CN" altLang="en-US" sz="1400" dirty="0" smtClean="0"/>
-              <a:t>文件写入，</a:t>
-            </a:r>
-            <a:r>
-              <a:rPr lang="en-US" altLang="zh-CN" sz="1400" dirty="0" err="1"/>
-              <a:t>fs.writeFile</a:t>
-            </a:r>
-            <a:r>
-              <a:rPr lang="en-US" altLang="zh-CN" sz="1400" dirty="0"/>
-              <a:t>(filename, data, [options], [callback(err</a:t>
-            </a:r>
-            <a:r>
-              <a:rPr lang="en-US" altLang="zh-CN" sz="1400" dirty="0" smtClean="0"/>
-              <a:t>)])</a:t>
-            </a:r>
-            <a:r>
-              <a:rPr lang="zh-CN" altLang="en-US" sz="1400" dirty="0" smtClean="0"/>
-              <a:t>，</a:t>
-            </a:r>
-            <a:endParaRPr lang="en-US" altLang="zh-CN" sz="1400" dirty="0"/>
-          </a:p>
-          <a:p>
-            <a:pPr marL="1517520" lvl="6" indent="0">
-              <a:buNone/>
-            </a:pPr>
-            <a:r>
-              <a:rPr lang="zh-CN" altLang="en-US" sz="1400" dirty="0"/>
-              <a:t>接收参数：</a:t>
-            </a:r>
-            <a:endParaRPr lang="en-US" altLang="zh-CN" sz="1400" dirty="0"/>
-          </a:p>
-          <a:p>
-            <a:pPr marL="2031870" lvl="6" indent="-514350">
-              <a:buFont typeface="Arial" panose="020B0604020202020204" pitchFamily="34" charset="0"/>
-              <a:buChar char="•"/>
-            </a:pPr>
-            <a:r>
-              <a:rPr lang="en-US" altLang="zh-CN" sz="1400" dirty="0" smtClean="0"/>
-              <a:t>filename:</a:t>
-            </a:r>
-            <a:r>
-              <a:rPr lang="zh-CN" altLang="en-US" sz="1400" dirty="0" smtClean="0"/>
-              <a:t>：</a:t>
-            </a:r>
-            <a:r>
-              <a:rPr lang="en-US" altLang="zh-CN" sz="1400" dirty="0" smtClean="0"/>
-              <a:t>  </a:t>
-            </a:r>
-            <a:r>
-              <a:rPr lang="zh-CN" altLang="en-US" sz="1400" dirty="0" smtClean="0"/>
-              <a:t>文件名</a:t>
-            </a:r>
-            <a:r>
-              <a:rPr lang="en-US" altLang="zh-CN" sz="1400" dirty="0" smtClean="0"/>
+              <a:rPr lang="zh-CN" altLang="en-US" sz="1600" dirty="0" smtClean="0"/>
+              <a:t>定义模块（本地模块）：</a:t>
+            </a:r>
+            <a:r>
+              <a:rPr lang="en-US" altLang="zh-CN" sz="1600" dirty="0" smtClean="0"/>
+              <a:t>exports</a:t>
+            </a:r>
+            <a:r>
+              <a:rPr lang="zh-CN" altLang="en-US" sz="1600" dirty="0" smtClean="0"/>
+              <a:t>对象对外暴露公共接口</a:t>
+            </a:r>
+            <a:r>
+              <a:rPr lang="en-US" altLang="zh-CN" sz="1600" dirty="0" smtClean="0"/>
               <a:t>(</a:t>
             </a:r>
             <a:r>
-              <a:rPr lang="zh-CN" altLang="en-US" sz="1400" dirty="0" smtClean="0"/>
-              <a:t>路径</a:t>
-            </a:r>
-            <a:r>
-              <a:rPr lang="en-US" altLang="zh-CN" sz="1400" dirty="0" smtClean="0"/>
-              <a:t>)—string</a:t>
-            </a:r>
-            <a:r>
-              <a:rPr lang="zh-CN" altLang="en-US" sz="1400" dirty="0" smtClean="0"/>
-              <a:t>类型</a:t>
-            </a:r>
-            <a:endParaRPr lang="en-US" altLang="zh-CN" sz="1400" dirty="0" smtClean="0"/>
-          </a:p>
-          <a:p>
-            <a:pPr marL="2031870" lvl="6" indent="-514350">
-              <a:buFont typeface="Arial" panose="020B0604020202020204" pitchFamily="34" charset="0"/>
-              <a:buChar char="•"/>
-            </a:pPr>
-            <a:r>
-              <a:rPr lang="en-US" altLang="zh-CN" sz="1400" dirty="0"/>
-              <a:t>data:</a:t>
-            </a:r>
-            <a:r>
-              <a:rPr lang="zh-CN" altLang="en-US" sz="1400" dirty="0"/>
-              <a:t>：将要写入的内容，可以使字符串 或 </a:t>
-            </a:r>
-            <a:r>
-              <a:rPr lang="en-US" altLang="zh-CN" sz="1400" dirty="0"/>
-              <a:t>buffer</a:t>
-            </a:r>
-            <a:r>
-              <a:rPr lang="zh-CN" altLang="en-US" sz="1400" dirty="0" smtClean="0"/>
-              <a:t>数据</a:t>
-            </a:r>
-            <a:r>
-              <a:rPr lang="en-US" altLang="zh-CN" sz="1400" dirty="0" smtClean="0"/>
-              <a:t>—string</a:t>
-            </a:r>
-            <a:r>
-              <a:rPr lang="zh-CN" altLang="en-US" sz="1400" dirty="0" smtClean="0"/>
-              <a:t>或</a:t>
-            </a:r>
-            <a:r>
-              <a:rPr lang="en-US" altLang="zh-CN" sz="1400" dirty="0" smtClean="0"/>
-              <a:t>buffer</a:t>
-            </a:r>
-            <a:r>
-              <a:rPr lang="zh-CN" altLang="en-US" sz="1400" dirty="0" smtClean="0"/>
-              <a:t>类型</a:t>
-            </a:r>
-          </a:p>
-          <a:p>
-            <a:pPr marL="2031870" lvl="6" indent="-514350">
-              <a:buFont typeface="Arial" panose="020B0604020202020204" pitchFamily="34" charset="0"/>
-              <a:buChar char="•"/>
-            </a:pPr>
-            <a:r>
-              <a:rPr lang="en-US" altLang="zh-CN" sz="1400" dirty="0" smtClean="0"/>
-              <a:t>Options</a:t>
-            </a:r>
-            <a:r>
-              <a:rPr lang="zh-CN" altLang="en-US" sz="1400" dirty="0" smtClean="0"/>
-              <a:t>：</a:t>
-            </a:r>
-            <a:r>
-              <a:rPr lang="en-US" altLang="zh-CN" sz="1400" dirty="0"/>
-              <a:t> option</a:t>
-            </a:r>
-            <a:r>
-              <a:rPr lang="zh-CN" altLang="en-US" sz="1400" dirty="0"/>
-              <a:t>数组对象，</a:t>
-            </a:r>
-            <a:r>
-              <a:rPr lang="zh-CN" altLang="en-US" sz="1400" dirty="0" smtClean="0"/>
-              <a:t>包含</a:t>
-            </a:r>
-            <a:r>
-              <a:rPr lang="zh-CN" altLang="en-US" sz="1400" dirty="0"/>
-              <a:t>：</a:t>
-            </a:r>
-            <a:r>
-              <a:rPr lang="en-US" altLang="zh-CN" sz="1400" dirty="0" smtClean="0"/>
-              <a:t>encoding   </a:t>
-            </a:r>
-            <a:r>
-              <a:rPr lang="en-US" altLang="zh-CN" sz="1400" dirty="0"/>
-              <a:t>(</a:t>
-            </a:r>
-            <a:r>
-              <a:rPr lang="en-US" altLang="zh-CN" sz="1400" dirty="0" smtClean="0"/>
-              <a:t>string</a:t>
-            </a:r>
-            <a:r>
-              <a:rPr lang="zh-CN" altLang="en-US" sz="1400" dirty="0" smtClean="0"/>
-              <a:t>类型</a:t>
-            </a:r>
-            <a:r>
-              <a:rPr lang="en-US" altLang="zh-CN" sz="1400" dirty="0" smtClean="0"/>
-              <a:t>) </a:t>
-            </a:r>
-            <a:r>
-              <a:rPr lang="zh-CN" altLang="en-US" sz="1400" dirty="0" smtClean="0"/>
-              <a:t>可选</a:t>
-            </a:r>
-            <a:r>
-              <a:rPr lang="zh-CN" altLang="en-US" sz="1400" dirty="0"/>
-              <a:t>值，默认 ‘</a:t>
-            </a:r>
-            <a:r>
-              <a:rPr lang="en-US" altLang="zh-CN" sz="1400" dirty="0"/>
-              <a:t>utf8′</a:t>
-            </a:r>
-            <a:r>
-              <a:rPr lang="zh-CN" altLang="en-US" sz="1400" dirty="0"/>
-              <a:t>，</a:t>
-            </a:r>
-            <a:r>
-              <a:rPr lang="zh-CN" altLang="en-US" sz="1400" dirty="0" smtClean="0"/>
-              <a:t>当</a:t>
-            </a:r>
-            <a:r>
-              <a:rPr lang="en-US" altLang="zh-CN" sz="1400" dirty="0" smtClean="0"/>
-              <a:t>data</a:t>
-            </a:r>
-            <a:r>
-              <a:rPr lang="zh-CN" altLang="en-US" sz="1400" dirty="0" smtClean="0"/>
-              <a:t>为</a:t>
-            </a:r>
-            <a:r>
-              <a:rPr lang="en-US" altLang="zh-CN" sz="1400" dirty="0" smtClean="0"/>
-              <a:t>buffer</a:t>
-            </a:r>
-            <a:r>
-              <a:rPr lang="zh-CN" altLang="en-US" sz="1400" dirty="0"/>
-              <a:t>时，该值应该为 </a:t>
-            </a:r>
-            <a:r>
-              <a:rPr lang="en-US" altLang="zh-CN" sz="1400" dirty="0" smtClean="0"/>
-              <a:t>ignored</a:t>
-            </a:r>
-            <a:r>
-              <a:rPr lang="zh-CN" altLang="en-US" sz="1400" dirty="0"/>
-              <a:t>，</a:t>
-            </a:r>
-            <a:r>
-              <a:rPr lang="en-US" altLang="zh-CN" sz="1400" dirty="0" smtClean="0"/>
-              <a:t>mode  (Number) </a:t>
-            </a:r>
-            <a:r>
-              <a:rPr lang="zh-CN" altLang="en-US" sz="1400" dirty="0" smtClean="0"/>
-              <a:t>文件读写权限，默认值</a:t>
-            </a:r>
-            <a:r>
-              <a:rPr lang="en-US" altLang="zh-CN" sz="1400" dirty="0" smtClean="0">
-                <a:latin typeface="+mj-ea"/>
-                <a:ea typeface="+mj-ea"/>
-              </a:rPr>
-              <a:t>438</a:t>
-            </a:r>
-          </a:p>
-          <a:p>
-            <a:pPr marL="2031870" lvl="6" indent="-514350">
-              <a:buFont typeface="Arial" panose="020B0604020202020204" pitchFamily="34" charset="0"/>
-              <a:buChar char="•"/>
-            </a:pPr>
-            <a:r>
-              <a:rPr lang="en-US" altLang="zh-CN" sz="1400" dirty="0" smtClean="0"/>
-              <a:t>Callback</a:t>
-            </a:r>
-            <a:r>
-              <a:rPr lang="zh-CN" altLang="en-US" sz="1400" dirty="0"/>
-              <a:t>：回</a:t>
-            </a:r>
-            <a:r>
-              <a:rPr lang="zh-CN" altLang="en-US" sz="1400" dirty="0" smtClean="0"/>
-              <a:t>调函数，</a:t>
-            </a:r>
-            <a:r>
-              <a:rPr lang="zh-CN" altLang="en-US" sz="1400" dirty="0"/>
-              <a:t>传递一个异常参数</a:t>
-            </a:r>
-            <a:r>
-              <a:rPr lang="en-US" altLang="zh-CN" sz="1400" dirty="0" smtClean="0"/>
-              <a:t>err</a:t>
-            </a:r>
+              <a:rPr lang="zh-CN" altLang="en-US" sz="1600" dirty="0" smtClean="0"/>
+              <a:t>举例</a:t>
+            </a:r>
+            <a:r>
+              <a:rPr lang="en-US" altLang="zh-CN" sz="1600" dirty="0" smtClean="0"/>
+              <a:t>)</a:t>
+            </a:r>
+          </a:p>
+          <a:p>
+            <a:pPr>
+              <a:buFont typeface="Wingdings" panose="05000000000000000000" pitchFamily="2" charset="2"/>
+              <a:buChar char="Ø"/>
+            </a:pPr>
+            <a:r>
+              <a:rPr lang="zh-CN" altLang="en-US" sz="1600" dirty="0" smtClean="0"/>
+              <a:t>引用模块：</a:t>
+            </a:r>
+            <a:r>
+              <a:rPr lang="en-US" altLang="zh-CN" sz="1600" dirty="0" smtClean="0"/>
+              <a:t>require</a:t>
+            </a:r>
+            <a:r>
+              <a:rPr lang="zh-CN" altLang="en-US" sz="1600" dirty="0" smtClean="0"/>
+              <a:t>对象引用模块</a:t>
+            </a:r>
+            <a:endParaRPr lang="en-US" altLang="zh-CN" sz="1600" dirty="0" smtClean="0"/>
+          </a:p>
+          <a:p>
+            <a:pPr>
+              <a:buFont typeface="Wingdings" panose="05000000000000000000" pitchFamily="2" charset="2"/>
+              <a:buChar char="Ø"/>
+            </a:pPr>
+            <a:r>
+              <a:rPr lang="zh-CN" altLang="en-US" sz="1600" dirty="0" smtClean="0"/>
+              <a:t>模块加载：文件模块缓存 </a:t>
+            </a:r>
+            <a:r>
+              <a:rPr lang="en-US" altLang="zh-CN" sz="1600" dirty="0" smtClean="0"/>
+              <a:t>&gt; </a:t>
+            </a:r>
+            <a:r>
+              <a:rPr lang="zh-CN" altLang="en-US" sz="1600" dirty="0" smtClean="0"/>
+              <a:t>原生模块 </a:t>
+            </a:r>
+            <a:r>
+              <a:rPr lang="en-US" altLang="zh-CN" sz="1600" dirty="0" smtClean="0"/>
+              <a:t>&gt; </a:t>
+            </a:r>
+            <a:r>
+              <a:rPr lang="zh-CN" altLang="en-US" sz="1600" dirty="0" smtClean="0"/>
+              <a:t>非原生模块</a:t>
+            </a:r>
+            <a:endParaRPr lang="en-US" altLang="zh-CN" sz="1600" dirty="0" smtClean="0"/>
+          </a:p>
+          <a:p>
+            <a:pPr>
+              <a:buFont typeface="Wingdings" panose="05000000000000000000" pitchFamily="2" charset="2"/>
+              <a:buChar char="Ø"/>
+            </a:pPr>
+            <a:endParaRPr lang="en-US" altLang="zh-CN" sz="1600" dirty="0" smtClean="0"/>
+          </a:p>
+          <a:p>
+            <a:pPr>
+              <a:buFont typeface="Wingdings" panose="05000000000000000000" pitchFamily="2" charset="2"/>
+              <a:buChar char="Ø"/>
+            </a:pPr>
             <a:endParaRPr lang="en-US" altLang="zh-CN" sz="1600" dirty="0" smtClean="0"/>
           </a:p>
         </p:txBody>
@@ -5619,7 +6591,7 @@
 </p:sld>
 </file>
 
-<file path=ppt/slides/slide4.xml><?xml version="1.0" encoding="utf-8"?>
+<file path=ppt/slides/slide6.xml><?xml version="1.0" encoding="utf-8"?>
 <p:sld xmlns:a="http://schemas.openxmlformats.org/drawingml/2006/main" xmlns:r="http://schemas.openxmlformats.org/officeDocument/2006/relationships" xmlns:p="http://schemas.openxmlformats.org/presentationml/2006/main">
   <p:cSld>
     <p:spTree>
@@ -5652,310 +6624,46 @@
           <a:lstStyle/>
           <a:p>
             <a:r>
-              <a:rPr lang="en-US" altLang="zh-CN" dirty="0" err="1" smtClean="0"/>
-              <a:t>Nodejs</a:t>
-            </a:r>
-            <a:r>
-              <a:rPr lang="zh-CN" altLang="en-US" dirty="0" smtClean="0"/>
-              <a:t>基础知识</a:t>
+              <a:rPr lang="en-US" altLang="zh-CN" dirty="0"/>
+              <a:t>Node.js</a:t>
+            </a:r>
+            <a:r>
+              <a:rPr lang="zh-CN" altLang="en-US" dirty="0"/>
+              <a:t>模块系统</a:t>
             </a:r>
             <a:endParaRPr lang="zh-CN" altLang="en-US" dirty="0"/>
           </a:p>
         </p:txBody>
       </p:sp>
-      <p:sp>
-        <p:nvSpPr>
-          <p:cNvPr id="3" name="内容占位符 2"/>
-          <p:cNvSpPr>
-            <a:spLocks noGrp="1"/>
-          </p:cNvSpPr>
+      <p:pic>
+        <p:nvPicPr>
+          <p:cNvPr id="5" name="内容占位符 4"/>
+          <p:cNvPicPr>
+            <a:picLocks noGrp="1" noChangeAspect="1"/>
+          </p:cNvPicPr>
           <p:nvPr>
             <p:ph idx="1"/>
           </p:nvPr>
-        </p:nvSpPr>
-        <p:spPr/>
-        <p:txBody>
-          <a:bodyPr>
-            <a:normAutofit/>
-          </a:bodyPr>
-          <a:lstStyle/>
-          <a:p>
-            <a:pPr>
-              <a:buFont typeface="Wingdings" panose="05000000000000000000" pitchFamily="2" charset="2"/>
-              <a:buChar char="ü"/>
-            </a:pPr>
-            <a:r>
-              <a:rPr lang="zh-CN" altLang="en-US" dirty="0" smtClean="0"/>
-              <a:t>常用模块</a:t>
-            </a:r>
-            <a:r>
-              <a:rPr lang="en-US" altLang="zh-CN" dirty="0" smtClean="0"/>
-              <a:t>6-2</a:t>
-            </a:r>
-          </a:p>
-          <a:p>
-            <a:pPr marL="1257300" lvl="4" indent="-342900">
-              <a:buFont typeface="+mj-lt"/>
-              <a:buAutoNum type="arabicPeriod"/>
-            </a:pPr>
-            <a:r>
-              <a:rPr lang="en-US" altLang="zh-CN" dirty="0" smtClean="0"/>
-              <a:t>http</a:t>
-            </a:r>
-            <a:r>
-              <a:rPr lang="zh-CN" altLang="en-US" dirty="0" smtClean="0"/>
-              <a:t>模块</a:t>
-            </a:r>
-            <a:endParaRPr lang="en-US" altLang="zh-CN" dirty="0" smtClean="0"/>
-          </a:p>
-          <a:p>
-            <a:pPr marL="1085850" lvl="3" indent="-171450">
-              <a:buFont typeface="Wingdings" panose="05000000000000000000" pitchFamily="2" charset="2"/>
-              <a:buChar char="Ø"/>
-            </a:pPr>
-            <a:r>
-              <a:rPr lang="en-US" altLang="zh-CN" sz="1400" dirty="0" smtClean="0"/>
-              <a:t>http. </a:t>
-            </a:r>
-            <a:r>
-              <a:rPr lang="en-US" altLang="zh-CN" sz="1400" dirty="0" err="1" smtClean="0"/>
-              <a:t>createServer</a:t>
-            </a:r>
-            <a:r>
-              <a:rPr lang="zh-CN" altLang="en-US" sz="1400" dirty="0" smtClean="0"/>
-              <a:t>：实例化</a:t>
-            </a:r>
-            <a:r>
-              <a:rPr lang="en-US" altLang="zh-CN" sz="1400" dirty="0" smtClean="0"/>
-              <a:t>http</a:t>
-            </a:r>
-            <a:r>
-              <a:rPr lang="zh-CN" altLang="en-US" sz="1400" dirty="0" smtClean="0"/>
-              <a:t>服务器，</a:t>
-            </a:r>
-            <a:endParaRPr lang="en-US" altLang="zh-CN" sz="1400" dirty="0" smtClean="0"/>
-          </a:p>
-          <a:p>
-            <a:pPr marL="1674720" lvl="7" indent="0">
-              <a:buNone/>
-            </a:pPr>
-            <a:r>
-              <a:rPr lang="en-US" altLang="zh-CN" sz="1400" dirty="0" smtClean="0"/>
-              <a:t>http. </a:t>
-            </a:r>
-            <a:r>
-              <a:rPr lang="en-US" altLang="zh-CN" sz="1400" dirty="0" err="1" smtClean="0"/>
-              <a:t>createServer</a:t>
-            </a:r>
-            <a:r>
-              <a:rPr lang="en-US" altLang="zh-CN" sz="1400" dirty="0" smtClean="0"/>
-              <a:t>(callback(</a:t>
-            </a:r>
-            <a:r>
-              <a:rPr lang="en-US" altLang="zh-CN" sz="1400" dirty="0" err="1" smtClean="0"/>
-              <a:t>request,reponse</a:t>
-            </a:r>
-            <a:r>
-              <a:rPr lang="en-US" altLang="zh-CN" sz="1400" dirty="0" smtClean="0"/>
-              <a:t>));</a:t>
-            </a:r>
-          </a:p>
-          <a:p>
-            <a:pPr marL="1517520" lvl="6" indent="0">
-              <a:buNone/>
-            </a:pPr>
-            <a:r>
-              <a:rPr lang="zh-CN" altLang="en-US" sz="1400" dirty="0" smtClean="0"/>
-              <a:t>接收参数：</a:t>
-            </a:r>
-            <a:endParaRPr lang="en-US" altLang="zh-CN" sz="1400" dirty="0" smtClean="0"/>
-          </a:p>
-          <a:p>
-            <a:pPr marL="2031870" lvl="6" indent="-514350">
-              <a:buFont typeface="Arial" panose="020B0604020202020204" pitchFamily="34" charset="0"/>
-              <a:buChar char="•"/>
-            </a:pPr>
-            <a:r>
-              <a:rPr lang="en-US" altLang="zh-CN" sz="1400" dirty="0" smtClean="0"/>
-              <a:t>Request</a:t>
-            </a:r>
-            <a:r>
-              <a:rPr lang="zh-CN" altLang="en-US" sz="1400" dirty="0" smtClean="0"/>
-              <a:t>：来自客户端的请求信息</a:t>
-            </a:r>
-            <a:endParaRPr lang="en-US" altLang="zh-CN" sz="1400" dirty="0" smtClean="0"/>
-          </a:p>
-          <a:p>
-            <a:pPr marL="2031870" lvl="6" indent="-514350">
-              <a:buFont typeface="Arial" panose="020B0604020202020204" pitchFamily="34" charset="0"/>
-              <a:buChar char="•"/>
-            </a:pPr>
-            <a:r>
-              <a:rPr lang="en-US" altLang="zh-CN" sz="1400" dirty="0" err="1" smtClean="0"/>
-              <a:t>Reponse</a:t>
-            </a:r>
-            <a:r>
-              <a:rPr lang="zh-CN" altLang="en-US" sz="1400" dirty="0" smtClean="0"/>
-              <a:t>：服务器响应客户端请求</a:t>
-            </a:r>
-            <a:endParaRPr lang="en-US" altLang="zh-CN" sz="1400" dirty="0" smtClean="0"/>
-          </a:p>
-          <a:p>
-            <a:pPr marL="1517520" lvl="6" indent="0">
-              <a:buNone/>
-            </a:pPr>
-            <a:r>
-              <a:rPr lang="zh-CN" altLang="en-US" sz="1400" dirty="0" smtClean="0"/>
-              <a:t>示例代码：</a:t>
-            </a:r>
-            <a:endParaRPr lang="en-US" altLang="zh-CN" sz="1400" dirty="0" smtClean="0"/>
-          </a:p>
-          <a:p>
-            <a:pPr marL="1517520" lvl="6" indent="0">
-              <a:buNone/>
-            </a:pPr>
-            <a:r>
-              <a:rPr lang="en-US" altLang="zh-CN" sz="1400" dirty="0" err="1"/>
-              <a:t>var</a:t>
-            </a:r>
-            <a:r>
-              <a:rPr lang="en-US" altLang="zh-CN" sz="1400" dirty="0"/>
-              <a:t> http=require("http"); //</a:t>
-            </a:r>
-            <a:r>
-              <a:rPr lang="zh-CN" altLang="en-US" sz="1400" dirty="0"/>
-              <a:t>引入</a:t>
-            </a:r>
-            <a:r>
-              <a:rPr lang="en-US" altLang="zh-CN" sz="1400" dirty="0"/>
-              <a:t>http</a:t>
-            </a:r>
-            <a:r>
-              <a:rPr lang="zh-CN" altLang="en-US" sz="1400" dirty="0" smtClean="0"/>
-              <a:t>模块</a:t>
-            </a:r>
-            <a:endParaRPr lang="zh-CN" altLang="en-US" sz="1400" dirty="0"/>
-          </a:p>
-          <a:p>
-            <a:pPr marL="1517520" lvl="6" indent="0">
-              <a:buNone/>
-            </a:pPr>
-            <a:r>
-              <a:rPr lang="en-US" altLang="zh-CN" sz="1400" dirty="0" err="1"/>
-              <a:t>http.createServer</a:t>
-            </a:r>
-            <a:r>
-              <a:rPr lang="en-US" altLang="zh-CN" sz="1400" dirty="0"/>
-              <a:t>(function(</a:t>
-            </a:r>
-            <a:r>
-              <a:rPr lang="en-US" altLang="zh-CN" sz="1400" dirty="0" err="1"/>
-              <a:t>request,response</a:t>
-            </a:r>
-            <a:r>
-              <a:rPr lang="en-US" altLang="zh-CN" sz="1400" dirty="0"/>
-              <a:t>){//</a:t>
-            </a:r>
-            <a:r>
-              <a:rPr lang="zh-CN" altLang="en-US" sz="1400" dirty="0"/>
-              <a:t>创建</a:t>
-            </a:r>
-            <a:r>
-              <a:rPr lang="en-US" altLang="zh-CN" sz="1400" dirty="0"/>
-              <a:t>http</a:t>
-            </a:r>
-            <a:r>
-              <a:rPr lang="zh-CN" altLang="en-US" sz="1400" dirty="0"/>
-              <a:t>服务器</a:t>
-            </a:r>
-          </a:p>
-          <a:p>
-            <a:pPr marL="1517520" lvl="6" indent="0">
-              <a:buNone/>
-            </a:pPr>
-            <a:r>
-              <a:rPr lang="zh-CN" altLang="en-US" sz="1400" dirty="0"/>
-              <a:t>    </a:t>
-            </a:r>
-            <a:r>
-              <a:rPr lang="en-US" altLang="zh-CN" sz="1400" dirty="0" err="1"/>
-              <a:t>response.writeHead</a:t>
-            </a:r>
-            <a:r>
-              <a:rPr lang="en-US" altLang="zh-CN" sz="1400" dirty="0"/>
-              <a:t>(200,{ "</a:t>
-            </a:r>
-            <a:r>
-              <a:rPr lang="en-US" altLang="zh-CN" sz="1400" dirty="0" err="1"/>
-              <a:t>content-type":"text</a:t>
-            </a:r>
-            <a:r>
-              <a:rPr lang="en-US" altLang="zh-CN" sz="1400" dirty="0"/>
-              <a:t>/plain"});</a:t>
-            </a:r>
-          </a:p>
-          <a:p>
-            <a:pPr marL="1517520" lvl="6" indent="0">
-              <a:buNone/>
-            </a:pPr>
-            <a:r>
-              <a:rPr lang="en-US" altLang="zh-CN" sz="1400" dirty="0"/>
-              <a:t>    </a:t>
-            </a:r>
-            <a:r>
-              <a:rPr lang="en-US" altLang="zh-CN" sz="1400" dirty="0" err="1"/>
-              <a:t>response.write</a:t>
-            </a:r>
-            <a:r>
-              <a:rPr lang="en-US" altLang="zh-CN" sz="1400" dirty="0"/>
-              <a:t>("hello node");</a:t>
-            </a:r>
-          </a:p>
-          <a:p>
-            <a:pPr marL="1517520" lvl="6" indent="0">
-              <a:buNone/>
-            </a:pPr>
-            <a:r>
-              <a:rPr lang="en-US" altLang="zh-CN" sz="1400" dirty="0"/>
-              <a:t>    </a:t>
-            </a:r>
-            <a:r>
-              <a:rPr lang="en-US" altLang="zh-CN" sz="1400" dirty="0" err="1"/>
-              <a:t>response.end</a:t>
-            </a:r>
-            <a:r>
-              <a:rPr lang="en-US" altLang="zh-CN" sz="1400" dirty="0"/>
-              <a:t>();</a:t>
-            </a:r>
-          </a:p>
-          <a:p>
-            <a:pPr marL="1517520" lvl="6" indent="0">
-              <a:buNone/>
-            </a:pPr>
-            <a:r>
-              <a:rPr lang="en-US" altLang="zh-CN" sz="1400" dirty="0"/>
-              <a:t>}).listen(3000</a:t>
-            </a:r>
-            <a:r>
-              <a:rPr lang="en-US" altLang="zh-CN" sz="1400" dirty="0" smtClean="0"/>
-              <a:t>);//</a:t>
-            </a:r>
-            <a:r>
-              <a:rPr lang="zh-CN" altLang="en-US" sz="1400" dirty="0" smtClean="0"/>
-              <a:t>监听</a:t>
-            </a:r>
-            <a:r>
-              <a:rPr lang="en-US" altLang="zh-CN" sz="1400" dirty="0" smtClean="0"/>
-              <a:t>3000</a:t>
-            </a:r>
-            <a:r>
-              <a:rPr lang="zh-CN" altLang="en-US" sz="1400" dirty="0" smtClean="0"/>
-              <a:t>端口</a:t>
-            </a:r>
-            <a:endParaRPr lang="en-US" altLang="zh-CN" sz="1400" dirty="0" smtClean="0"/>
-          </a:p>
-        </p:txBody>
-      </p:sp>
+        </p:nvPicPr>
+        <p:blipFill>
+          <a:blip r:embed="rId2">
+            <a:extLst>
+              <a:ext uri="{28A0092B-C50C-407E-A947-70E740481C1C}">
+                <a14:useLocalDpi xmlns:a14="http://schemas.microsoft.com/office/drawing/2010/main" val="0"/>
+              </a:ext>
+            </a:extLst>
+          </a:blip>
+          <a:stretch>
+            <a:fillRect/>
+          </a:stretch>
+        </p:blipFill>
+        <p:spPr>
+          <a:xfrm>
+            <a:off x="1043608" y="1911971"/>
+            <a:ext cx="6552728" cy="4946029"/>
+          </a:xfrm>
+        </p:spPr>
+      </p:pic>
       <p:sp>
         <p:nvSpPr>
           <p:cNvPr id="4" name="Rectangle 1"/>
@@ -6073,7 +6781,7 @@
 </p:sld>
 </file>
 
-<file path=ppt/slides/slide5.xml><?xml version="1.0" encoding="utf-8"?>
+<file path=ppt/slides/slide7.xml><?xml version="1.0" encoding="utf-8"?>
 <p:sld xmlns:a="http://schemas.openxmlformats.org/drawingml/2006/main" xmlns:r="http://schemas.openxmlformats.org/officeDocument/2006/relationships" xmlns:p="http://schemas.openxmlformats.org/presentationml/2006/main">
   <p:cSld>
     <p:spTree>
@@ -6106,14 +6814,14 @@
           <a:lstStyle/>
           <a:p>
             <a:r>
-              <a:rPr lang="en-US" altLang="zh-CN" dirty="0" err="1" smtClean="0"/>
-              <a:t>Nodejs</a:t>
-            </a:r>
-            <a:r>
-              <a:rPr lang="zh-CN" altLang="en-US" dirty="0" smtClean="0"/>
-              <a:t>基础知识</a:t>
-            </a:r>
-            <a:endParaRPr lang="zh-CN" altLang="en-US" dirty="0"/>
+              <a:rPr lang="en-US" altLang="zh-CN" dirty="0"/>
+              <a:t>Node.js</a:t>
+            </a:r>
+            <a:r>
+              <a:rPr lang="zh-CN" altLang="en-US" dirty="0"/>
+              <a:t>回调函数</a:t>
+            </a:r>
+            <a:endParaRPr lang="en-US" altLang="zh-CN" dirty="0"/>
           </a:p>
         </p:txBody>
       </p:sp>
@@ -6130,285 +6838,167 @@
         <p:spPr/>
         <p:txBody>
           <a:bodyPr>
-            <a:normAutofit lnSpcReduction="10000"/>
+            <a:normAutofit/>
           </a:bodyPr>
           <a:lstStyle/>
           <a:p>
             <a:pPr>
               <a:buFont typeface="Wingdings" panose="05000000000000000000" pitchFamily="2" charset="2"/>
-              <a:buChar char="ü"/>
-            </a:pPr>
+              <a:buChar char="Ø"/>
+            </a:pPr>
+            <a:r>
+              <a:rPr lang="en-US" altLang="zh-CN" dirty="0" smtClean="0"/>
+              <a:t>Node.js</a:t>
+            </a:r>
+            <a:r>
+              <a:rPr lang="zh-CN" altLang="en-US" dirty="0"/>
+              <a:t>异步编程的直接体现就是回调，回调函数在完成任务后就会被</a:t>
+            </a:r>
             <a:r>
               <a:rPr lang="zh-CN" altLang="en-US" dirty="0" smtClean="0"/>
-              <a:t>常用模块</a:t>
-            </a:r>
-            <a:r>
-              <a:rPr lang="en-US" altLang="zh-CN" dirty="0" smtClean="0"/>
-              <a:t>6-3</a:t>
-            </a:r>
-          </a:p>
-          <a:p>
-            <a:pPr marL="1257300" lvl="4" indent="-342900">
-              <a:buFont typeface="+mj-lt"/>
-              <a:buAutoNum type="arabicPeriod"/>
-            </a:pPr>
-            <a:r>
-              <a:rPr lang="en-US" altLang="zh-CN" dirty="0" err="1" smtClean="0"/>
-              <a:t>mysql</a:t>
-            </a:r>
-            <a:r>
-              <a:rPr lang="zh-CN" altLang="en-US" dirty="0" smtClean="0"/>
-              <a:t>模块</a:t>
+              <a:t>调用</a:t>
             </a:r>
             <a:endParaRPr lang="en-US" altLang="zh-CN" dirty="0" smtClean="0"/>
           </a:p>
           <a:p>
-            <a:pPr lvl="4">
+            <a:pPr>
               <a:buFont typeface="Wingdings" panose="05000000000000000000" pitchFamily="2" charset="2"/>
               <a:buChar char="Ø"/>
             </a:pPr>
             <a:r>
-              <a:rPr lang="en-US" altLang="zh-CN" dirty="0" smtClean="0"/>
-              <a:t>   </a:t>
+              <a:rPr lang="zh-CN" altLang="en-US" dirty="0" smtClean="0"/>
+              <a:t>以</a:t>
             </a:r>
             <a:r>
               <a:rPr lang="en-US" altLang="zh-CN" dirty="0" err="1" smtClean="0"/>
-              <a:t>mysql</a:t>
+              <a:t>fs.readFile</a:t>
             </a:r>
             <a:r>
               <a:rPr lang="zh-CN" altLang="en-US" dirty="0"/>
-              <a:t>模块 不是</a:t>
-            </a:r>
-            <a:r>
-              <a:rPr lang="en-US" altLang="zh-CN" dirty="0" err="1"/>
-              <a:t>nodejs</a:t>
+              <a:t>为例：我们可以一边读取文件，一边执行其他命令，在文件读取完成后，我们将文件内容作为回调函数的参数返回。这样在执行代码时就没有</a:t>
+            </a:r>
+            <a:r>
+              <a:rPr lang="zh-CN" altLang="en-US" dirty="0" smtClean="0"/>
+              <a:t>阻塞或</a:t>
             </a:r>
             <a:r>
               <a:rPr lang="zh-CN" altLang="en-US" dirty="0"/>
-              <a:t>的官方模块，是属于第三方的</a:t>
+              <a:t>等待文件 </a:t>
+            </a:r>
+            <a:r>
+              <a:rPr lang="en-US" altLang="zh-CN" dirty="0"/>
+              <a:t>I/O </a:t>
+            </a:r>
+            <a:r>
+              <a:rPr lang="zh-CN" altLang="en-US" dirty="0"/>
+              <a:t>操作</a:t>
             </a:r>
             <a:r>
               <a:rPr lang="zh-CN" altLang="en-US" dirty="0" smtClean="0"/>
-              <a:t>模块，使用前需要使用</a:t>
-            </a:r>
-            <a:r>
-              <a:rPr lang="en-US" altLang="zh-CN" dirty="0" err="1" smtClean="0"/>
-              <a:t>npm</a:t>
-            </a:r>
-            <a:r>
-              <a:rPr lang="en-US" altLang="zh-CN" dirty="0" smtClean="0"/>
-              <a:t> install </a:t>
-            </a:r>
-            <a:r>
-              <a:rPr lang="en-US" altLang="zh-CN" dirty="0" err="1" smtClean="0"/>
-              <a:t>mysql</a:t>
-            </a:r>
-            <a:r>
-              <a:rPr lang="zh-CN" altLang="en-US" dirty="0" smtClean="0"/>
-              <a:t>命令安装该模块</a:t>
+              <a:t>。</a:t>
             </a:r>
             <a:endParaRPr lang="en-US" altLang="zh-CN" dirty="0" smtClean="0"/>
           </a:p>
           <a:p>
-            <a:pPr lvl="4">
+            <a:pPr>
               <a:buFont typeface="Wingdings" panose="05000000000000000000" pitchFamily="2" charset="2"/>
               <a:buChar char="Ø"/>
             </a:pPr>
             <a:r>
               <a:rPr lang="zh-CN" altLang="en-US" dirty="0" smtClean="0"/>
-              <a:t>示例代码：</a:t>
-            </a:r>
-            <a:endParaRPr lang="en-US" altLang="zh-CN" dirty="0" smtClean="0"/>
-          </a:p>
-          <a:p>
-            <a:pPr marL="914400" lvl="4" indent="0">
-              <a:buNone/>
-            </a:pPr>
+              <a:t>阻塞示例</a:t>
+            </a:r>
+            <a:r>
+              <a:rPr lang="en-US" altLang="zh-CN" dirty="0"/>
+              <a:t>:</a:t>
+            </a:r>
+            <a:r>
+              <a:rPr lang="en-US" altLang="zh-CN" dirty="0" err="1"/>
+              <a:t>var</a:t>
+            </a:r>
+            <a:r>
+              <a:rPr lang="en-US" altLang="zh-CN" dirty="0"/>
+              <a:t> </a:t>
+            </a:r>
+            <a:r>
+              <a:rPr lang="en-US" altLang="zh-CN" dirty="0" smtClean="0"/>
+              <a:t> fs </a:t>
+            </a:r>
+            <a:r>
+              <a:rPr lang="en-US" altLang="zh-CN" dirty="0"/>
+              <a:t>= require("fs");</a:t>
+            </a:r>
+            <a:br>
+              <a:rPr lang="en-US" altLang="zh-CN" dirty="0"/>
+            </a:br>
+            <a:r>
+              <a:rPr lang="en-US" altLang="zh-CN" dirty="0" smtClean="0"/>
+              <a:t>	</a:t>
+            </a:r>
+            <a:r>
+              <a:rPr lang="en-US" altLang="zh-CN" dirty="0"/>
+              <a:t> </a:t>
+            </a:r>
+            <a:r>
+              <a:rPr lang="en-US" altLang="zh-CN" dirty="0" smtClean="0"/>
+              <a:t>        </a:t>
+            </a:r>
             <a:r>
               <a:rPr lang="en-US" altLang="zh-CN" dirty="0" err="1" smtClean="0"/>
               <a:t>var</a:t>
             </a:r>
             <a:r>
               <a:rPr lang="en-US" altLang="zh-CN" dirty="0" smtClean="0"/>
-              <a:t> </a:t>
+              <a:t>  data </a:t>
+            </a:r>
+            <a:r>
+              <a:rPr lang="en-US" altLang="zh-CN" dirty="0"/>
+              <a:t>= </a:t>
             </a:r>
             <a:r>
               <a:rPr lang="en-US" altLang="zh-CN" dirty="0" err="1"/>
-              <a:t>mysql</a:t>
+              <a:t>fs.readFileSync</a:t>
             </a:r>
             <a:r>
               <a:rPr lang="en-US" altLang="zh-CN" dirty="0"/>
-              <a:t>=require("</a:t>
+              <a:t>('input.txt');</a:t>
+            </a:r>
+            <a:br>
+              <a:rPr lang="en-US" altLang="zh-CN" dirty="0"/>
+            </a:br>
+            <a:r>
+              <a:rPr lang="en-US" altLang="zh-CN" dirty="0"/>
+              <a:t>                       console.log(</a:t>
             </a:r>
             <a:r>
               <a:rPr lang="en-US" altLang="zh-CN" dirty="0" err="1"/>
-              <a:t>mysql</a:t>
+              <a:t>data.toString</a:t>
             </a:r>
             <a:r>
               <a:rPr lang="en-US" altLang="zh-CN" dirty="0"/>
-              <a:t>"),//</a:t>
+              <a:t>());</a:t>
+            </a:r>
+            <a:br>
+              <a:rPr lang="en-US" altLang="zh-CN" dirty="0"/>
+            </a:br>
+            <a:r>
+              <a:rPr lang="en-US" altLang="zh-CN" dirty="0"/>
+              <a:t>                       console.log("</a:t>
             </a:r>
             <a:r>
               <a:rPr lang="zh-CN" altLang="en-US" dirty="0"/>
-              <a:t>导入数据库模块</a:t>
-            </a:r>
-          </a:p>
-          <a:p>
-            <a:pPr marL="914400" lvl="4" indent="0">
-              <a:buNone/>
-            </a:pPr>
-            <a:r>
-              <a:rPr lang="zh-CN" altLang="en-US" dirty="0"/>
-              <a:t>    </a:t>
-            </a:r>
-            <a:r>
-              <a:rPr lang="en-US" altLang="zh-CN" dirty="0" err="1"/>
-              <a:t>dataBase</a:t>
+              <a:t>程序执行结束</a:t>
             </a:r>
             <a:r>
               <a:rPr lang="en-US" altLang="zh-CN" dirty="0"/>
-              <a:t>="</a:t>
-            </a:r>
-            <a:r>
-              <a:rPr lang="en-US" altLang="zh-CN" dirty="0" err="1"/>
-              <a:t>testDatabase</a:t>
-            </a:r>
-            <a:r>
-              <a:rPr lang="en-US" altLang="zh-CN" dirty="0"/>
-              <a:t>",//</a:t>
-            </a:r>
-            <a:r>
-              <a:rPr lang="zh-CN" altLang="en-US" dirty="0"/>
-              <a:t>定义数据库名</a:t>
-            </a:r>
-          </a:p>
-          <a:p>
-            <a:pPr marL="914400" lvl="4" indent="0">
-              <a:buNone/>
-            </a:pPr>
-            <a:r>
-              <a:rPr lang="zh-CN" altLang="en-US" dirty="0"/>
-              <a:t>    </a:t>
-            </a:r>
-            <a:r>
-              <a:rPr lang="en-US" altLang="zh-CN" dirty="0" err="1"/>
-              <a:t>dataTable</a:t>
-            </a:r>
-            <a:r>
-              <a:rPr lang="en-US" altLang="zh-CN" dirty="0"/>
-              <a:t>="</a:t>
-            </a:r>
-            <a:r>
-              <a:rPr lang="en-US" altLang="zh-CN" dirty="0" err="1"/>
-              <a:t>testTable</a:t>
-            </a:r>
-            <a:r>
-              <a:rPr lang="en-US" altLang="zh-CN" dirty="0"/>
-              <a:t>";//</a:t>
-            </a:r>
-            <a:r>
-              <a:rPr lang="zh-CN" altLang="en-US" dirty="0"/>
-              <a:t>定义表名</a:t>
-            </a:r>
-          </a:p>
-          <a:p>
-            <a:pPr marL="914400" lvl="4" indent="0">
-              <a:buNone/>
-            </a:pPr>
-            <a:r>
-              <a:rPr lang="en-US" altLang="zh-CN" dirty="0" err="1"/>
-              <a:t>var</a:t>
-            </a:r>
-            <a:r>
-              <a:rPr lang="en-US" altLang="zh-CN" dirty="0"/>
-              <a:t> connection = </a:t>
-            </a:r>
-            <a:r>
-              <a:rPr lang="en-US" altLang="zh-CN" dirty="0" err="1"/>
-              <a:t>mysql.createConnection</a:t>
-            </a:r>
-            <a:r>
-              <a:rPr lang="en-US" altLang="zh-CN" dirty="0"/>
-              <a:t>({//</a:t>
-            </a:r>
-            <a:r>
-              <a:rPr lang="zh-CN" altLang="en-US" dirty="0"/>
-              <a:t>创建数据库连接</a:t>
-            </a:r>
-          </a:p>
-          <a:p>
-            <a:pPr marL="914400" lvl="4" indent="0">
-              <a:buNone/>
-            </a:pPr>
-            <a:r>
-              <a:rPr lang="zh-CN" altLang="en-US" dirty="0"/>
-              <a:t>    </a:t>
-            </a:r>
-            <a:r>
-              <a:rPr lang="en-US" altLang="zh-CN" dirty="0"/>
-              <a:t>host: '</a:t>
-            </a:r>
-            <a:r>
-              <a:rPr lang="en-US" altLang="zh-CN" dirty="0" err="1"/>
-              <a:t>localhost</a:t>
-            </a:r>
-            <a:r>
-              <a:rPr lang="en-US" altLang="zh-CN" dirty="0"/>
-              <a:t>',</a:t>
-            </a:r>
-          </a:p>
-          <a:p>
-            <a:pPr marL="914400" lvl="4" indent="0">
-              <a:buNone/>
-            </a:pPr>
-            <a:r>
-              <a:rPr lang="en-US" altLang="zh-CN" dirty="0"/>
-              <a:t>    user: 'root',</a:t>
-            </a:r>
-          </a:p>
-          <a:p>
-            <a:pPr marL="914400" lvl="4" indent="0">
-              <a:buNone/>
-            </a:pPr>
-            <a:r>
-              <a:rPr lang="en-US" altLang="zh-CN" dirty="0"/>
-              <a:t>    password: '',</a:t>
-            </a:r>
-          </a:p>
-          <a:p>
-            <a:pPr marL="914400" lvl="4" indent="0">
-              <a:buNone/>
-            </a:pPr>
-            <a:r>
-              <a:rPr lang="en-US" altLang="zh-CN" dirty="0"/>
-              <a:t>    database: </a:t>
-            </a:r>
-            <a:r>
-              <a:rPr lang="en-US" altLang="zh-CN" dirty="0" err="1"/>
-              <a:t>dataBase</a:t>
-            </a:r>
-            <a:r>
-              <a:rPr lang="en-US" altLang="zh-CN" dirty="0"/>
-              <a:t>,</a:t>
-            </a:r>
-          </a:p>
-          <a:p>
-            <a:pPr marL="914400" lvl="4" indent="0">
-              <a:buNone/>
-            </a:pPr>
-            <a:r>
-              <a:rPr lang="en-US" altLang="zh-CN" dirty="0"/>
-              <a:t>    port:3306</a:t>
-            </a:r>
-          </a:p>
-          <a:p>
-            <a:pPr marL="914400" lvl="4" indent="0">
-              <a:buNone/>
-            </a:pPr>
-            <a:r>
-              <a:rPr lang="en-US" altLang="zh-CN" dirty="0"/>
-              <a:t>});</a:t>
-            </a:r>
+              <a:t>!");</a:t>
+            </a:r>
+          </a:p>
+          <a:p>
+            <a:pPr>
+              <a:buFont typeface="Wingdings" panose="05000000000000000000" pitchFamily="2" charset="2"/>
+              <a:buChar char="Ø"/>
+            </a:pPr>
             <a:endParaRPr lang="en-US" altLang="zh-CN" dirty="0" smtClean="0"/>
           </a:p>
         </p:txBody>
@@ -6530,7 +7120,7 @@
 </p:sld>
 </file>
 
-<file path=ppt/slides/slide6.xml><?xml version="1.0" encoding="utf-8"?>
+<file path=ppt/slides/slide8.xml><?xml version="1.0" encoding="utf-8"?>
 <p:sld xmlns:a="http://schemas.openxmlformats.org/drawingml/2006/main" xmlns:r="http://schemas.openxmlformats.org/officeDocument/2006/relationships" xmlns:p="http://schemas.openxmlformats.org/presentationml/2006/main">
   <p:cSld>
     <p:spTree>
@@ -6563,14 +7153,14 @@
           <a:lstStyle/>
           <a:p>
             <a:r>
-              <a:rPr lang="en-US" altLang="zh-CN" dirty="0" err="1" smtClean="0"/>
-              <a:t>Nodejs</a:t>
-            </a:r>
-            <a:r>
-              <a:rPr lang="zh-CN" altLang="en-US" dirty="0" smtClean="0"/>
-              <a:t>基础知识</a:t>
-            </a:r>
-            <a:endParaRPr lang="zh-CN" altLang="en-US" dirty="0"/>
+              <a:rPr lang="en-US" altLang="zh-CN" dirty="0"/>
+              <a:t>Node.js</a:t>
+            </a:r>
+            <a:r>
+              <a:rPr lang="zh-CN" altLang="en-US" dirty="0"/>
+              <a:t>事件机制</a:t>
+            </a:r>
+            <a:endParaRPr lang="en-US" altLang="zh-CN" dirty="0"/>
           </a:p>
         </p:txBody>
       </p:sp>
@@ -6592,291 +7182,138 @@
         </p:spPr>
         <p:txBody>
           <a:bodyPr>
-            <a:normAutofit fontScale="92500" lnSpcReduction="20000"/>
+            <a:normAutofit/>
           </a:bodyPr>
           <a:lstStyle/>
           <a:p>
             <a:pPr>
               <a:buFont typeface="Wingdings" panose="05000000000000000000" pitchFamily="2" charset="2"/>
-              <a:buChar char="ü"/>
-            </a:pPr>
+              <a:buChar char="Ø"/>
+            </a:pPr>
+            <a:r>
+              <a:rPr lang="en-US" altLang="zh-CN" dirty="0" smtClean="0"/>
+              <a:t>Events</a:t>
+            </a:r>
             <a:r>
               <a:rPr lang="zh-CN" altLang="en-US" dirty="0" smtClean="0"/>
-              <a:t>常用模块</a:t>
-            </a:r>
-            <a:r>
-              <a:rPr lang="en-US" altLang="zh-CN" dirty="0" smtClean="0"/>
-              <a:t>6-4</a:t>
-            </a:r>
-          </a:p>
-          <a:p>
-            <a:pPr marL="1257300" lvl="4" indent="-342900">
-              <a:buFont typeface="+mj-lt"/>
-              <a:buAutoNum type="arabicPeriod"/>
-            </a:pPr>
-            <a:r>
-              <a:rPr lang="en-US" altLang="zh-CN" dirty="0" smtClean="0"/>
-              <a:t>Router</a:t>
-            </a:r>
-            <a:r>
-              <a:rPr lang="zh-CN" altLang="en-US" dirty="0" smtClean="0"/>
-              <a:t>：路由功能</a:t>
-            </a:r>
-            <a:endParaRPr lang="en-US" altLang="zh-CN" dirty="0" smtClean="0"/>
-          </a:p>
-          <a:p>
-            <a:pPr lvl="4">
-              <a:lnSpc>
-                <a:spcPct val="170000"/>
-              </a:lnSpc>
+              <a:t>对象：</a:t>
+            </a:r>
+            <a:r>
+              <a:rPr lang="en-US" altLang="zh-CN" sz="2400" dirty="0"/>
+              <a:t> Node.js</a:t>
+            </a:r>
+            <a:r>
+              <a:rPr lang="zh-CN" altLang="en-US" sz="2400" dirty="0"/>
+              <a:t>中大部分的</a:t>
+            </a:r>
+            <a:r>
+              <a:rPr lang="zh-CN" altLang="en-US" sz="2400" dirty="0" smtClean="0"/>
+              <a:t>模块，</a:t>
+            </a:r>
+            <a:r>
+              <a:rPr lang="zh-CN" altLang="en-US" sz="2400" dirty="0"/>
+              <a:t>都继承自</a:t>
+            </a:r>
+            <a:r>
+              <a:rPr lang="en-US" altLang="zh-CN" sz="2400" dirty="0" smtClean="0"/>
+              <a:t>Event</a:t>
+            </a:r>
+            <a:r>
+              <a:rPr lang="zh-CN" altLang="en-US" sz="2400" dirty="0" smtClean="0"/>
+              <a:t>模块。</a:t>
+            </a:r>
+            <a:endParaRPr lang="en-US" altLang="zh-CN" sz="2400" dirty="0" smtClean="0"/>
+          </a:p>
+          <a:p>
+            <a:pPr>
               <a:buFont typeface="Wingdings" panose="05000000000000000000" pitchFamily="2" charset="2"/>
               <a:buChar char="Ø"/>
             </a:pPr>
             <a:r>
-              <a:rPr lang="zh-CN" altLang="en-US" dirty="0"/>
-              <a:t>路由指的就是我们要针对不同的</a:t>
-            </a:r>
-            <a:r>
-              <a:rPr lang="en-US" altLang="zh-CN" dirty="0"/>
-              <a:t>URL</a:t>
-            </a:r>
-            <a:r>
-              <a:rPr lang="zh-CN" altLang="en-US" dirty="0"/>
-              <a:t>有不同的处理方式，例如处理</a:t>
-            </a:r>
-            <a:r>
-              <a:rPr lang="en-US" altLang="zh-CN" dirty="0"/>
-              <a:t>/start</a:t>
-            </a:r>
-            <a:r>
-              <a:rPr lang="zh-CN" altLang="en-US" dirty="0"/>
-              <a:t>的业务逻辑和处理</a:t>
-            </a:r>
-            <a:r>
-              <a:rPr lang="en-US" altLang="zh-CN" dirty="0"/>
-              <a:t>/upload</a:t>
-            </a:r>
-            <a:r>
-              <a:rPr lang="zh-CN" altLang="en-US" dirty="0"/>
-              <a:t>模块 的</a:t>
-            </a:r>
-            <a:r>
-              <a:rPr lang="zh-CN" altLang="en-US" dirty="0" smtClean="0"/>
-              <a:t>业务</a:t>
-            </a:r>
-            <a:endParaRPr lang="en-US" altLang="zh-CN" dirty="0" smtClean="0"/>
-          </a:p>
-          <a:p>
-            <a:pPr lvl="4">
-              <a:lnSpc>
-                <a:spcPct val="170000"/>
-              </a:lnSpc>
+              <a:rPr lang="en-US" altLang="zh-CN" sz="2400" dirty="0" err="1" smtClean="0"/>
+              <a:t>EventEmitter</a:t>
+            </a:r>
+            <a:r>
+              <a:rPr lang="zh-CN" altLang="en-US" sz="2400" dirty="0" smtClean="0"/>
+              <a:t>对象：事件分发</a:t>
+            </a:r>
+            <a:r>
+              <a:rPr lang="en-US" altLang="zh-CN" sz="2400" dirty="0" smtClean="0"/>
+              <a:t>(emit)</a:t>
+            </a:r>
+          </a:p>
+          <a:p>
+            <a:pPr>
               <a:buFont typeface="Wingdings" panose="05000000000000000000" pitchFamily="2" charset="2"/>
               <a:buChar char="Ø"/>
             </a:pPr>
             <a:r>
-              <a:rPr lang="zh-CN" altLang="en-US" dirty="0" smtClean="0"/>
-              <a:t>依赖：</a:t>
-            </a:r>
-            <a:r>
-              <a:rPr lang="en-US" altLang="zh-CN" dirty="0" smtClean="0"/>
-              <a:t>http</a:t>
-            </a:r>
-            <a:r>
-              <a:rPr lang="zh-CN" altLang="en-US" dirty="0" smtClean="0"/>
-              <a:t>模块，</a:t>
-            </a:r>
-            <a:r>
-              <a:rPr lang="en-US" altLang="zh-CN" dirty="0" err="1" smtClean="0"/>
-              <a:t>url</a:t>
-            </a:r>
-            <a:r>
-              <a:rPr lang="zh-CN" altLang="en-US" dirty="0" smtClean="0"/>
-              <a:t>模块</a:t>
-            </a:r>
-            <a:endParaRPr lang="en-US" altLang="zh-CN" dirty="0" smtClean="0"/>
-          </a:p>
-          <a:p>
-            <a:pPr lvl="4">
+              <a:rPr lang="zh-CN" altLang="en-US" sz="2400" dirty="0" smtClean="0"/>
+              <a:t>事件监听：对于</a:t>
+            </a:r>
+            <a:r>
+              <a:rPr lang="zh-CN" altLang="en-US" sz="2400" dirty="0"/>
+              <a:t>每个事件，</a:t>
+            </a:r>
+            <a:r>
+              <a:rPr lang="en-US" altLang="zh-CN" sz="2400" dirty="0" err="1"/>
+              <a:t>EventEmitter</a:t>
+            </a:r>
+            <a:r>
+              <a:rPr lang="en-US" altLang="zh-CN" sz="2400" dirty="0"/>
+              <a:t> </a:t>
+            </a:r>
+            <a:r>
+              <a:rPr lang="zh-CN" altLang="en-US" sz="2400" dirty="0"/>
+              <a:t>支持 若干个事件监听器。当事件触发时，注册到这个事件的事件监听器被依次调用，事件参数作为回调函数参数</a:t>
+            </a:r>
+            <a:r>
+              <a:rPr lang="zh-CN" altLang="en-US" sz="2400" dirty="0" smtClean="0"/>
+              <a:t>传递</a:t>
+            </a:r>
+            <a:endParaRPr lang="en-US" altLang="zh-CN" sz="2400" dirty="0" smtClean="0"/>
+          </a:p>
+          <a:p>
+            <a:pPr>
               <a:buFont typeface="Wingdings" panose="05000000000000000000" pitchFamily="2" charset="2"/>
               <a:buChar char="Ø"/>
             </a:pPr>
             <a:r>
-              <a:rPr lang="zh-CN" altLang="en-US" dirty="0" smtClean="0"/>
-              <a:t>示例代码</a:t>
-            </a:r>
-            <a:r>
-              <a:rPr lang="zh-CN" altLang="en-US" dirty="0" smtClean="0"/>
-              <a:t>：</a:t>
-            </a:r>
-            <a:r>
-              <a:rPr lang="en-US" altLang="zh-CN" dirty="0" smtClean="0"/>
-              <a:t>    </a:t>
-            </a:r>
-          </a:p>
-          <a:p>
-            <a:pPr marL="1101720" lvl="5" indent="0">
-              <a:buNone/>
-            </a:pPr>
-            <a:r>
-              <a:rPr lang="en-US" altLang="zh-CN" dirty="0" smtClean="0"/>
-              <a:t>switch(</a:t>
-            </a:r>
-            <a:r>
-              <a:rPr lang="en-US" altLang="zh-CN" dirty="0" err="1" smtClean="0"/>
-              <a:t>urlStr.pathname</a:t>
-            </a:r>
-            <a:r>
-              <a:rPr lang="en-US" altLang="zh-CN" dirty="0"/>
-              <a:t>){</a:t>
-            </a:r>
-          </a:p>
-          <a:p>
-            <a:pPr marL="1101720" lvl="5" indent="0">
-              <a:buNone/>
-            </a:pPr>
-            <a:r>
-              <a:rPr lang="en-US" altLang="zh-CN" dirty="0"/>
-              <a:t>        case "/":</a:t>
-            </a:r>
-          </a:p>
-          <a:p>
-            <a:pPr marL="1101720" lvl="5" indent="0">
-              <a:buNone/>
-            </a:pPr>
-            <a:r>
-              <a:rPr lang="en-US" altLang="zh-CN" dirty="0"/>
-              <a:t>            </a:t>
-            </a:r>
-            <a:r>
-              <a:rPr lang="en-US" altLang="zh-CN" dirty="0" err="1"/>
-              <a:t>resMsg</a:t>
-            </a:r>
-            <a:r>
-              <a:rPr lang="en-US" altLang="zh-CN" dirty="0"/>
-              <a:t>="</a:t>
-            </a:r>
-            <a:r>
-              <a:rPr lang="zh-CN" altLang="en-US" dirty="0"/>
-              <a:t>首页</a:t>
-            </a:r>
-            <a:r>
-              <a:rPr lang="en-US" altLang="zh-CN" dirty="0"/>
-              <a:t>";</a:t>
-            </a:r>
-          </a:p>
-          <a:p>
-            <a:pPr marL="1101720" lvl="5" indent="0">
-              <a:buNone/>
-            </a:pPr>
-            <a:r>
-              <a:rPr lang="en-US" altLang="zh-CN" dirty="0"/>
-              <a:t>            break;</a:t>
-            </a:r>
-          </a:p>
-          <a:p>
-            <a:pPr marL="1101720" lvl="5" indent="0">
-              <a:buNone/>
-            </a:pPr>
-            <a:r>
-              <a:rPr lang="en-US" altLang="zh-CN" dirty="0"/>
-              <a:t>        case "/user/center.html":</a:t>
-            </a:r>
-          </a:p>
-          <a:p>
-            <a:pPr marL="1101720" lvl="5" indent="0">
-              <a:buNone/>
-            </a:pPr>
-            <a:r>
-              <a:rPr lang="en-US" altLang="zh-CN" dirty="0"/>
-              <a:t>            </a:t>
-            </a:r>
-            <a:r>
-              <a:rPr lang="en-US" altLang="zh-CN" dirty="0" err="1"/>
-              <a:t>resMsg</a:t>
-            </a:r>
-            <a:r>
-              <a:rPr lang="en-US" altLang="zh-CN" dirty="0"/>
-              <a:t>="</a:t>
-            </a:r>
-            <a:r>
-              <a:rPr lang="zh-CN" altLang="en-US" dirty="0"/>
-              <a:t>用户中心</a:t>
-            </a:r>
-            <a:r>
-              <a:rPr lang="en-US" altLang="zh-CN" dirty="0"/>
-              <a:t>";</a:t>
-            </a:r>
-          </a:p>
-          <a:p>
-            <a:pPr marL="1101720" lvl="5" indent="0">
-              <a:buNone/>
-            </a:pPr>
-            <a:r>
-              <a:rPr lang="en-US" altLang="zh-CN" dirty="0"/>
-              <a:t>            break;</a:t>
-            </a:r>
-          </a:p>
-          <a:p>
-            <a:pPr marL="1101720" lvl="5" indent="0">
-              <a:buNone/>
-            </a:pPr>
-            <a:r>
-              <a:rPr lang="en-US" altLang="zh-CN" dirty="0"/>
-              <a:t>        default :</a:t>
-            </a:r>
-          </a:p>
-          <a:p>
-            <a:pPr marL="1101720" lvl="5" indent="0">
-              <a:buNone/>
-            </a:pPr>
-            <a:r>
-              <a:rPr lang="en-US" altLang="zh-CN" dirty="0"/>
-              <a:t>            </a:t>
-            </a:r>
-            <a:r>
-              <a:rPr lang="en-US" altLang="zh-CN" dirty="0" err="1"/>
-              <a:t>resMsg</a:t>
-            </a:r>
-            <a:r>
-              <a:rPr lang="en-US" altLang="zh-CN" dirty="0"/>
-              <a:t>="404";</a:t>
-            </a:r>
-          </a:p>
-          <a:p>
-            <a:pPr marL="1101720" lvl="5" indent="0">
-              <a:buNone/>
-            </a:pPr>
-            <a:r>
-              <a:rPr lang="en-US" altLang="zh-CN" dirty="0"/>
-              <a:t>    }</a:t>
-            </a:r>
-          </a:p>
-          <a:p>
-            <a:pPr marL="1101720" lvl="5" indent="0">
-              <a:buNone/>
-            </a:pPr>
-            <a:r>
-              <a:rPr lang="en-US" altLang="zh-CN" dirty="0"/>
-              <a:t>    </a:t>
-            </a:r>
-            <a:r>
-              <a:rPr lang="en-US" altLang="zh-CN" dirty="0" err="1"/>
-              <a:t>res.end</a:t>
-            </a:r>
-            <a:r>
-              <a:rPr lang="en-US" altLang="zh-CN" dirty="0"/>
-              <a:t>();</a:t>
-            </a:r>
-          </a:p>
-          <a:p>
-            <a:pPr marL="1101720" lvl="5" indent="0">
-              <a:buNone/>
-            </a:pPr>
-            <a:r>
-              <a:rPr lang="en-US" altLang="zh-CN" dirty="0"/>
-              <a:t>})</a:t>
-            </a:r>
+              <a:rPr lang="zh-CN" altLang="en-US" sz="2400" dirty="0" smtClean="0"/>
+              <a:t>绑定事件监听器：</a:t>
+            </a:r>
+            <a:r>
+              <a:rPr lang="en-US" altLang="zh-CN" sz="2400" dirty="0" smtClean="0"/>
+              <a:t>on</a:t>
+            </a:r>
+          </a:p>
+          <a:p>
+            <a:pPr>
+              <a:buFont typeface="Wingdings" panose="05000000000000000000" pitchFamily="2" charset="2"/>
+              <a:buChar char="Ø"/>
+            </a:pPr>
+            <a:r>
+              <a:rPr lang="zh-CN" altLang="en-US" sz="2400" dirty="0" smtClean="0"/>
+              <a:t>触发事件：</a:t>
+            </a:r>
+            <a:r>
+              <a:rPr lang="en-US" altLang="zh-CN" sz="2400" dirty="0" smtClean="0"/>
+              <a:t>emit</a:t>
+            </a:r>
+            <a:endParaRPr lang="en-US" altLang="zh-CN" sz="2400" dirty="0"/>
+          </a:p>
+          <a:p>
+            <a:pPr>
+              <a:buFont typeface="Wingdings" panose="05000000000000000000" pitchFamily="2" charset="2"/>
+              <a:buChar char="Ø"/>
+            </a:pPr>
+            <a:endParaRPr lang="en-US" altLang="zh-CN" dirty="0" smtClean="0"/>
+          </a:p>
+          <a:p>
+            <a:pPr>
+              <a:buFont typeface="Wingdings" panose="05000000000000000000" pitchFamily="2" charset="2"/>
+              <a:buChar char="Ø"/>
+            </a:pPr>
             <a:endParaRPr lang="en-US" altLang="zh-CN" dirty="0" smtClean="0"/>
           </a:p>
         </p:txBody>
@@ -6998,626 +7435,6 @@
 </p:sld>
 </file>
 
-<file path=ppt/slides/slide7.xml><?xml version="1.0" encoding="utf-8"?>
-<p:sld xmlns:a="http://schemas.openxmlformats.org/drawingml/2006/main" xmlns:r="http://schemas.openxmlformats.org/officeDocument/2006/relationships" xmlns:p="http://schemas.openxmlformats.org/presentationml/2006/main">
-  <p:cSld>
-    <p:spTree>
-      <p:nvGrpSpPr>
-        <p:cNvPr id="1" name=""/>
-        <p:cNvGrpSpPr/>
-        <p:nvPr/>
-      </p:nvGrpSpPr>
-      <p:grpSpPr>
-        <a:xfrm>
-          <a:off x="0" y="0"/>
-          <a:ext cx="0" cy="0"/>
-          <a:chOff x="0" y="0"/>
-          <a:chExt cx="0" cy="0"/>
-        </a:xfrm>
-      </p:grpSpPr>
-      <p:sp>
-        <p:nvSpPr>
-          <p:cNvPr id="2" name="标题 1"/>
-          <p:cNvSpPr>
-            <a:spLocks noGrp="1"/>
-          </p:cNvSpPr>
-          <p:nvPr>
-            <p:ph type="title"/>
-          </p:nvPr>
-        </p:nvSpPr>
-        <p:spPr/>
-        <p:txBody>
-          <a:bodyPr/>
-          <a:lstStyle/>
-          <a:p>
-            <a:pPr>
-              <a:buFont typeface="Wingdings" panose="05000000000000000000" pitchFamily="2" charset="2"/>
-              <a:buChar char="Ø"/>
-            </a:pPr>
-            <a:r>
-              <a:rPr lang="en-US" altLang="zh-CN" dirty="0"/>
-              <a:t>Node</a:t>
-            </a:r>
-            <a:r>
-              <a:rPr lang="zh-CN" altLang="en-US" dirty="0"/>
-              <a:t>事件机制</a:t>
-            </a:r>
-            <a:endParaRPr lang="en-US" altLang="zh-CN" dirty="0"/>
-          </a:p>
-        </p:txBody>
-      </p:sp>
-      <p:sp>
-        <p:nvSpPr>
-          <p:cNvPr id="3" name="内容占位符 2"/>
-          <p:cNvSpPr>
-            <a:spLocks noGrp="1"/>
-          </p:cNvSpPr>
-          <p:nvPr>
-            <p:ph idx="1"/>
-          </p:nvPr>
-        </p:nvSpPr>
-        <p:spPr/>
-        <p:txBody>
-          <a:bodyPr/>
-          <a:lstStyle/>
-          <a:p>
-            <a:pPr>
-              <a:buFont typeface="Wingdings" panose="05000000000000000000" pitchFamily="2" charset="2"/>
-              <a:buChar char="Ø"/>
-            </a:pPr>
-            <a:r>
-              <a:rPr lang="zh-CN" altLang="en-US" dirty="0" smtClean="0"/>
-              <a:t>事件机制的实现</a:t>
-            </a:r>
-            <a:endParaRPr lang="en-US" altLang="zh-CN" dirty="0" smtClean="0"/>
-          </a:p>
-          <a:p>
-            <a:pPr marL="228600" lvl="1" indent="0">
-              <a:lnSpc>
-                <a:spcPct val="150000"/>
-              </a:lnSpc>
-              <a:buNone/>
-            </a:pPr>
-            <a:r>
-              <a:rPr lang="en-US" altLang="zh-CN" sz="1200" dirty="0"/>
-              <a:t>Node.js</a:t>
-            </a:r>
-            <a:r>
-              <a:rPr lang="zh-CN" altLang="en-US" sz="1200" dirty="0"/>
-              <a:t>中大部分的模块，都继承自</a:t>
-            </a:r>
-            <a:r>
-              <a:rPr lang="en-US" altLang="zh-CN" sz="1200" dirty="0"/>
-              <a:t>Event</a:t>
-            </a:r>
-            <a:r>
-              <a:rPr lang="zh-CN" altLang="en-US" sz="1200" dirty="0"/>
-              <a:t>模块（</a:t>
-            </a:r>
-            <a:r>
-              <a:rPr lang="en-US" altLang="zh-CN" sz="1200" dirty="0"/>
-              <a:t>http://nodejs.org/docs/latest/api/events.html </a:t>
-            </a:r>
-            <a:r>
-              <a:rPr lang="zh-CN" altLang="en-US" sz="1200" dirty="0"/>
-              <a:t>）。</a:t>
-            </a:r>
-            <a:r>
-              <a:rPr lang="en-US" altLang="zh-CN" sz="1200" dirty="0"/>
-              <a:t>Event</a:t>
-            </a:r>
-            <a:r>
-              <a:rPr lang="zh-CN" altLang="en-US" sz="1200" dirty="0" smtClean="0"/>
-              <a:t>模块（</a:t>
-            </a:r>
-            <a:r>
-              <a:rPr lang="en-US" altLang="zh-CN" sz="1200" dirty="0" err="1"/>
-              <a:t>events.EventEmitter</a:t>
-            </a:r>
-            <a:r>
-              <a:rPr lang="zh-CN" altLang="en-US" sz="1200" dirty="0"/>
-              <a:t>）是一个简单的事件监听器模式的实现。具有</a:t>
-            </a:r>
-            <a:r>
-              <a:rPr lang="en-US" altLang="zh-CN" sz="1200" dirty="0" err="1"/>
-              <a:t>addListener</a:t>
-            </a:r>
-            <a:r>
-              <a:rPr lang="en-US" altLang="zh-CN" sz="1200" dirty="0"/>
-              <a:t>/on</a:t>
-            </a:r>
-            <a:r>
-              <a:rPr lang="zh-CN" altLang="en-US" sz="1200" dirty="0"/>
-              <a:t>，</a:t>
-            </a:r>
-            <a:r>
-              <a:rPr lang="en-US" altLang="zh-CN" sz="1200" dirty="0"/>
-              <a:t>once</a:t>
-            </a:r>
-            <a:r>
-              <a:rPr lang="zh-CN" altLang="en-US" sz="1200" dirty="0"/>
-              <a:t>，</a:t>
-            </a:r>
-            <a:r>
-              <a:rPr lang="en-US" altLang="zh-CN" sz="1200" dirty="0" err="1"/>
-              <a:t>removeListener</a:t>
-            </a:r>
-            <a:r>
-              <a:rPr lang="zh-CN" altLang="en-US" sz="1200" dirty="0"/>
-              <a:t>，</a:t>
-            </a:r>
-            <a:r>
-              <a:rPr lang="en-US" altLang="zh-CN" sz="1200" dirty="0" err="1"/>
-              <a:t>removeAllListeners</a:t>
-            </a:r>
-            <a:r>
-              <a:rPr lang="zh-CN" altLang="en-US" sz="1200" dirty="0"/>
-              <a:t>，</a:t>
-            </a:r>
-            <a:r>
-              <a:rPr lang="en-US" altLang="zh-CN" sz="1200" dirty="0"/>
-              <a:t>emit</a:t>
-            </a:r>
-            <a:r>
-              <a:rPr lang="zh-CN" altLang="en-US" sz="1200" dirty="0"/>
-              <a:t>等基本的事件监听模式的方法实现。它与前端</a:t>
-            </a:r>
-            <a:r>
-              <a:rPr lang="en-US" altLang="zh-CN" sz="1200" dirty="0"/>
-              <a:t>DOM</a:t>
-            </a:r>
-            <a:r>
-              <a:rPr lang="zh-CN" altLang="en-US" sz="1200" dirty="0"/>
-              <a:t>树上的事件并不相同，因为它不存在冒泡，逐层捕获等属于</a:t>
-            </a:r>
-            <a:r>
-              <a:rPr lang="en-US" altLang="zh-CN" sz="1200" dirty="0"/>
-              <a:t>DOM</a:t>
-            </a:r>
-            <a:r>
-              <a:rPr lang="zh-CN" altLang="en-US" sz="1200" dirty="0"/>
-              <a:t>的事件行为，也没有</a:t>
-            </a:r>
-            <a:r>
-              <a:rPr lang="en-US" altLang="zh-CN" sz="1200" dirty="0" err="1"/>
-              <a:t>preventDefault</a:t>
-            </a:r>
-            <a:r>
-              <a:rPr lang="en-US" altLang="zh-CN" sz="1200" dirty="0"/>
-              <a:t>()</a:t>
-            </a:r>
-            <a:r>
-              <a:rPr lang="zh-CN" altLang="en-US" sz="1200" dirty="0"/>
-              <a:t>、</a:t>
-            </a:r>
-            <a:r>
-              <a:rPr lang="en-US" altLang="zh-CN" sz="1200" dirty="0" err="1"/>
-              <a:t>stopPropagation</a:t>
-            </a:r>
-            <a:r>
-              <a:rPr lang="en-US" altLang="zh-CN" sz="1200" dirty="0"/>
-              <a:t>()</a:t>
-            </a:r>
-            <a:r>
-              <a:rPr lang="zh-CN" altLang="en-US" sz="1200" dirty="0"/>
-              <a:t>、 </a:t>
-            </a:r>
-            <a:r>
-              <a:rPr lang="en-US" altLang="zh-CN" sz="1200" dirty="0" err="1"/>
-              <a:t>stopImmediatePropagation</a:t>
-            </a:r>
-            <a:r>
-              <a:rPr lang="en-US" altLang="zh-CN" sz="1200" dirty="0"/>
-              <a:t>() </a:t>
-            </a:r>
-            <a:r>
-              <a:rPr lang="zh-CN" altLang="en-US" sz="1200" dirty="0"/>
-              <a:t>等处理事件传递的方法</a:t>
-            </a:r>
-            <a:r>
-              <a:rPr lang="zh-CN" altLang="en-US" sz="1200" dirty="0" smtClean="0"/>
-              <a:t>。</a:t>
-            </a:r>
-            <a:endParaRPr lang="en-US" altLang="zh-CN" sz="1200" dirty="0" smtClean="0"/>
-          </a:p>
-          <a:p>
-            <a:pPr marL="228600" lvl="1" indent="0">
-              <a:lnSpc>
-                <a:spcPct val="150000"/>
-              </a:lnSpc>
-              <a:buNone/>
-            </a:pPr>
-            <a:r>
-              <a:rPr lang="zh-CN" altLang="en-US" sz="1200" dirty="0"/>
-              <a:t>事件驱动编程通过事件或状态的变化来进行应用程序的流程控制。一般通过事件监听实现，一旦事件被检测到（即状态改变）则调用相应的回调函</a:t>
-            </a:r>
-            <a:r>
-              <a:rPr lang="zh-CN" altLang="en-US" sz="1200" dirty="0" smtClean="0"/>
-              <a:t>数</a:t>
-            </a:r>
-            <a:endParaRPr lang="en-US" altLang="zh-CN" sz="1200" dirty="0" smtClean="0"/>
-          </a:p>
-          <a:p>
-            <a:pPr marL="228600" lvl="1" indent="0">
-              <a:lnSpc>
-                <a:spcPct val="150000"/>
-              </a:lnSpc>
-              <a:buNone/>
-            </a:pPr>
-            <a:r>
-              <a:rPr lang="en-US" altLang="zh-CN" sz="1200" dirty="0" err="1" smtClean="0"/>
-              <a:t>Nodejs</a:t>
-            </a:r>
-            <a:r>
-              <a:rPr lang="zh-CN" altLang="en-US" sz="1200" dirty="0" smtClean="0"/>
-              <a:t>中通过</a:t>
-            </a:r>
-            <a:r>
-              <a:rPr lang="en-US" altLang="zh-CN" sz="1200" dirty="0" smtClean="0"/>
-              <a:t>events</a:t>
-            </a:r>
-            <a:r>
-              <a:rPr lang="zh-CN" altLang="en-US" sz="1200" dirty="0" smtClean="0"/>
-              <a:t>模块中的</a:t>
-            </a:r>
-            <a:r>
-              <a:rPr lang="en-US" altLang="zh-CN" sz="1200" dirty="0" err="1" smtClean="0"/>
-              <a:t>EventEmitter</a:t>
-            </a:r>
-            <a:r>
-              <a:rPr lang="zh-CN" altLang="en-US" sz="1200" dirty="0" smtClean="0"/>
-              <a:t>来创建事件，</a:t>
-            </a:r>
-            <a:r>
-              <a:rPr lang="en-US" altLang="zh-CN" sz="1200" dirty="0"/>
-              <a:t> </a:t>
-            </a:r>
-            <a:r>
-              <a:rPr lang="en-US" altLang="zh-CN" sz="1200" dirty="0" err="1"/>
-              <a:t>EventEmitter</a:t>
-            </a:r>
-            <a:r>
-              <a:rPr lang="en-US" altLang="zh-CN" sz="1200" dirty="0"/>
-              <a:t> </a:t>
-            </a:r>
-            <a:r>
-              <a:rPr lang="zh-CN" altLang="en-US" sz="1200" dirty="0"/>
-              <a:t>的核心就是事件触发与事件监听器功能的</a:t>
-            </a:r>
-            <a:r>
-              <a:rPr lang="zh-CN" altLang="en-US" sz="1200" dirty="0" smtClean="0"/>
-              <a:t>封装</a:t>
-            </a:r>
-            <a:r>
-              <a:rPr lang="en-US" altLang="zh-CN" sz="1200" dirty="0" smtClean="0"/>
-              <a:t>;</a:t>
-            </a:r>
-          </a:p>
-          <a:p>
-            <a:pPr marL="228600" lvl="1" indent="0">
-              <a:lnSpc>
-                <a:spcPct val="150000"/>
-              </a:lnSpc>
-              <a:buNone/>
-            </a:pPr>
-            <a:r>
-              <a:rPr lang="en-US" altLang="zh-CN" sz="1200" dirty="0" err="1"/>
-              <a:t>var</a:t>
-            </a:r>
-            <a:r>
-              <a:rPr lang="en-US" altLang="zh-CN" sz="1200" dirty="0"/>
-              <a:t> events = require</a:t>
-            </a:r>
-            <a:r>
-              <a:rPr lang="en-US" altLang="zh-CN" sz="1200" dirty="0" smtClean="0"/>
-              <a:t>(‘events’);//</a:t>
-            </a:r>
-            <a:r>
-              <a:rPr lang="zh-CN" altLang="en-US" sz="1200" dirty="0" smtClean="0"/>
-              <a:t>引用事件模块</a:t>
-            </a:r>
-            <a:endParaRPr lang="en-US" altLang="zh-CN" sz="1200" dirty="0" smtClean="0"/>
-          </a:p>
-          <a:p>
-            <a:pPr marL="228600" lvl="1" indent="0">
-              <a:lnSpc>
-                <a:spcPct val="150000"/>
-              </a:lnSpc>
-              <a:buNone/>
-            </a:pPr>
-            <a:r>
-              <a:rPr lang="en-US" altLang="zh-CN" sz="1200" dirty="0" err="1" smtClean="0"/>
-              <a:t>var</a:t>
-            </a:r>
-            <a:r>
-              <a:rPr lang="en-US" altLang="zh-CN" sz="1200" dirty="0" smtClean="0"/>
-              <a:t> </a:t>
-            </a:r>
-            <a:r>
-              <a:rPr lang="en-US" altLang="zh-CN" sz="1200" dirty="0" err="1"/>
-              <a:t>eventEmitter</a:t>
-            </a:r>
-            <a:r>
-              <a:rPr lang="en-US" altLang="zh-CN" sz="1200" dirty="0"/>
-              <a:t> = new </a:t>
-            </a:r>
-            <a:r>
-              <a:rPr lang="en-US" altLang="zh-CN" sz="1200" dirty="0" err="1"/>
-              <a:t>events.EventEmitter</a:t>
-            </a:r>
-            <a:r>
-              <a:rPr lang="en-US" altLang="zh-CN" sz="1200" dirty="0" smtClean="0"/>
-              <a:t>();</a:t>
-            </a:r>
-            <a:r>
-              <a:rPr lang="en-US" altLang="zh-CN" sz="1200" dirty="0"/>
-              <a:t> // </a:t>
-            </a:r>
-            <a:r>
-              <a:rPr lang="zh-CN" altLang="en-US" sz="1200" dirty="0"/>
-              <a:t>创建 </a:t>
-            </a:r>
-            <a:r>
-              <a:rPr lang="en-US" altLang="zh-CN" sz="1200" dirty="0" err="1"/>
-              <a:t>eventEmitter</a:t>
-            </a:r>
-            <a:r>
-              <a:rPr lang="en-US" altLang="zh-CN" sz="1200" dirty="0"/>
-              <a:t> </a:t>
-            </a:r>
-            <a:r>
-              <a:rPr lang="zh-CN" altLang="en-US" sz="1200" dirty="0"/>
-              <a:t>对象 </a:t>
-            </a:r>
-            <a:endParaRPr lang="en-US" altLang="zh-CN" sz="1200" dirty="0"/>
-          </a:p>
-          <a:p>
-            <a:pPr marL="228600" lvl="1" indent="0">
-              <a:lnSpc>
-                <a:spcPct val="150000"/>
-              </a:lnSpc>
-              <a:buNone/>
-            </a:pPr>
-            <a:r>
-              <a:rPr lang="en-US" altLang="zh-CN" sz="1200" dirty="0" err="1"/>
-              <a:t>event.on</a:t>
-            </a:r>
-            <a:r>
-              <a:rPr lang="en-US" altLang="zh-CN" sz="1200" dirty="0"/>
-              <a:t>('</a:t>
-            </a:r>
-            <a:r>
-              <a:rPr lang="en-US" altLang="zh-CN" sz="1200" dirty="0" err="1"/>
-              <a:t>some_event</a:t>
-            </a:r>
-            <a:r>
-              <a:rPr lang="en-US" altLang="zh-CN" sz="1200" dirty="0"/>
-              <a:t>', function() { console.log('</a:t>
-            </a:r>
-            <a:r>
-              <a:rPr lang="en-US" altLang="zh-CN" sz="1200" dirty="0" err="1"/>
-              <a:t>some_event</a:t>
-            </a:r>
-            <a:r>
-              <a:rPr lang="en-US" altLang="zh-CN" sz="1200" dirty="0"/>
-              <a:t> </a:t>
-            </a:r>
-            <a:r>
-              <a:rPr lang="zh-CN" altLang="en-US" sz="1200" dirty="0"/>
-              <a:t>事件触发</a:t>
-            </a:r>
-            <a:r>
-              <a:rPr lang="en-US" altLang="zh-CN" sz="1200" dirty="0"/>
-              <a:t>'); }); </a:t>
-            </a:r>
-            <a:endParaRPr lang="zh-CN" altLang="en-US" sz="1200" dirty="0"/>
-          </a:p>
-          <a:p>
-            <a:pPr>
-              <a:buFont typeface="Wingdings" panose="05000000000000000000" pitchFamily="2" charset="2"/>
-              <a:buChar char="Ø"/>
-            </a:pPr>
-            <a:endParaRPr lang="zh-CN" altLang="en-US" dirty="0"/>
-          </a:p>
-        </p:txBody>
-      </p:sp>
-    </p:spTree>
-    <p:extLst>
-      <p:ext uri="{BB962C8B-B14F-4D97-AF65-F5344CB8AC3E}">
-        <p14:creationId xmlns:p14="http://schemas.microsoft.com/office/powerpoint/2010/main" val="3090863621"/>
-      </p:ext>
-    </p:extLst>
-  </p:cSld>
-  <p:clrMapOvr>
-    <a:masterClrMapping/>
-  </p:clrMapOvr>
-  <p:timing>
-    <p:tnLst>
-      <p:par>
-        <p:cTn id="1" dur="indefinite" restart="never" nodeType="tmRoot"/>
-      </p:par>
-    </p:tnLst>
-  </p:timing>
-</p:sld>
-</file>
-
-<file path=ppt/slides/slide8.xml><?xml version="1.0" encoding="utf-8"?>
-<p:sld xmlns:a="http://schemas.openxmlformats.org/drawingml/2006/main" xmlns:r="http://schemas.openxmlformats.org/officeDocument/2006/relationships" xmlns:p="http://schemas.openxmlformats.org/presentationml/2006/main">
-  <p:cSld>
-    <p:spTree>
-      <p:nvGrpSpPr>
-        <p:cNvPr id="1" name=""/>
-        <p:cNvGrpSpPr/>
-        <p:nvPr/>
-      </p:nvGrpSpPr>
-      <p:grpSpPr>
-        <a:xfrm>
-          <a:off x="0" y="0"/>
-          <a:ext cx="0" cy="0"/>
-          <a:chOff x="0" y="0"/>
-          <a:chExt cx="0" cy="0"/>
-        </a:xfrm>
-      </p:grpSpPr>
-      <p:pic>
-        <p:nvPicPr>
-          <p:cNvPr id="4" name="内容占位符 3"/>
-          <p:cNvPicPr>
-            <a:picLocks noGrp="1" noChangeAspect="1"/>
-          </p:cNvPicPr>
-          <p:nvPr>
-            <p:ph idx="1"/>
-          </p:nvPr>
-        </p:nvPicPr>
-        <p:blipFill>
-          <a:blip r:embed="rId2">
-            <a:extLst>
-              <a:ext uri="{28A0092B-C50C-407E-A947-70E740481C1C}">
-                <a14:useLocalDpi xmlns:a14="http://schemas.microsoft.com/office/drawing/2010/main" val="0"/>
-              </a:ext>
-            </a:extLst>
-          </a:blip>
-          <a:stretch>
-            <a:fillRect/>
-          </a:stretch>
-        </p:blipFill>
-        <p:spPr>
-          <a:xfrm>
-            <a:off x="685800" y="2283916"/>
-            <a:ext cx="7772400" cy="3661768"/>
-          </a:xfrm>
-        </p:spPr>
-      </p:pic>
-      <p:sp>
-        <p:nvSpPr>
-          <p:cNvPr id="2" name="标题 1"/>
-          <p:cNvSpPr>
-            <a:spLocks noGrp="1"/>
-          </p:cNvSpPr>
-          <p:nvPr>
-            <p:ph type="title"/>
-          </p:nvPr>
-        </p:nvSpPr>
-        <p:spPr/>
-        <p:txBody>
-          <a:bodyPr/>
-          <a:lstStyle/>
-          <a:p>
-            <a:pPr>
-              <a:lnSpc>
-                <a:spcPct val="150000"/>
-              </a:lnSpc>
-            </a:pPr>
-            <a:r>
-              <a:rPr lang="en-US" altLang="zh-CN" sz="2000" dirty="0"/>
-              <a:t>Node</a:t>
-            </a:r>
-            <a:r>
-              <a:rPr lang="zh-CN" altLang="en-US" sz="2000" dirty="0"/>
-              <a:t>高并发原理及应用</a:t>
-            </a:r>
-            <a:r>
-              <a:rPr lang="zh-CN" altLang="en-US" sz="2000" dirty="0" smtClean="0"/>
-              <a:t>场景</a:t>
-            </a:r>
-            <a:r>
-              <a:rPr lang="en-US" altLang="zh-CN" sz="2000" dirty="0" smtClean="0"/>
-              <a:t/>
-            </a:r>
-            <a:br>
-              <a:rPr lang="en-US" altLang="zh-CN" sz="2000" dirty="0" smtClean="0"/>
-            </a:br>
-            <a:r>
-              <a:rPr lang="zh-CN" altLang="en-US" sz="2000" dirty="0" smtClean="0">
-                <a:solidFill>
-                  <a:schemeClr val="accent1">
-                    <a:lumMod val="75000"/>
-                  </a:schemeClr>
-                </a:solidFill>
-              </a:rPr>
-              <a:t>系统</a:t>
-            </a:r>
-            <a:r>
-              <a:rPr lang="zh-CN" altLang="en-US" sz="2000" dirty="0">
-                <a:solidFill>
-                  <a:schemeClr val="accent1">
-                    <a:lumMod val="75000"/>
-                  </a:schemeClr>
-                </a:solidFill>
-              </a:rPr>
-              <a:t>线程</a:t>
-            </a:r>
-            <a:r>
-              <a:rPr lang="zh-CN" altLang="en-US" sz="2000" dirty="0" smtClean="0">
-                <a:solidFill>
-                  <a:schemeClr val="accent1">
-                    <a:lumMod val="75000"/>
-                  </a:schemeClr>
-                </a:solidFill>
-              </a:rPr>
-              <a:t>模型：</a:t>
-            </a:r>
-            <a:endParaRPr lang="zh-CN" altLang="en-US" sz="2000" b="1" dirty="0">
-              <a:solidFill>
-                <a:schemeClr val="accent1">
-                  <a:lumMod val="75000"/>
-                </a:schemeClr>
-              </a:solidFill>
-            </a:endParaRPr>
-          </a:p>
-        </p:txBody>
-      </p:sp>
-      <p:sp>
-        <p:nvSpPr>
-          <p:cNvPr id="3" name="矩形 2"/>
-          <p:cNvSpPr/>
-          <p:nvPr/>
-        </p:nvSpPr>
-        <p:spPr>
-          <a:xfrm>
-            <a:off x="3347864" y="4509120"/>
-            <a:ext cx="4572000" cy="1200329"/>
-          </a:xfrm>
-          <a:prstGeom prst="rect">
-            <a:avLst/>
-          </a:prstGeom>
-        </p:spPr>
-        <p:txBody>
-          <a:bodyPr>
-            <a:spAutoFit/>
-          </a:bodyPr>
-          <a:lstStyle/>
-          <a:p>
-            <a:r>
-              <a:rPr lang="zh-CN" altLang="en-US" dirty="0">
-                <a:solidFill>
-                  <a:schemeClr val="bg1"/>
-                </a:solidFill>
-              </a:rPr>
-              <a:t>这种模型的问题显而易见，服务端只有一个线程，并发请求（用户）到达只能处理一个，其余的要先等待，这就是阻塞，正在享受服务的请求阻塞后面的请求了</a:t>
-            </a:r>
-          </a:p>
-        </p:txBody>
-      </p:sp>
-    </p:spTree>
-    <p:extLst>
-      <p:ext uri="{BB962C8B-B14F-4D97-AF65-F5344CB8AC3E}">
-        <p14:creationId xmlns:p14="http://schemas.microsoft.com/office/powerpoint/2010/main" val="367878230"/>
-      </p:ext>
-    </p:extLst>
-  </p:cSld>
-  <p:clrMapOvr>
-    <a:masterClrMapping/>
-  </p:clrMapOvr>
-  <p:timing>
-    <p:tnLst>
-      <p:par>
-        <p:cTn id="1" dur="indefinite" restart="never" nodeType="tmRoot"/>
-      </p:par>
-    </p:tnLst>
-  </p:timing>
-</p:sld>
-</file>
-
 <file path=ppt/slides/slide9.xml><?xml version="1.0" encoding="utf-8"?>
 <p:sld xmlns:a="http://schemas.openxmlformats.org/drawingml/2006/main" xmlns:r="http://schemas.openxmlformats.org/officeDocument/2006/relationships" xmlns:p="http://schemas.openxmlformats.org/presentationml/2006/main">
   <p:cSld>
@@ -7635,150 +7452,239 @@
           <a:chExt cx="0" cy="0"/>
         </a:xfrm>
       </p:grpSpPr>
-      <p:pic>
-        <p:nvPicPr>
-          <p:cNvPr id="4" name="内容占位符 3"/>
-          <p:cNvPicPr>
-            <a:picLocks noGrp="1" noChangeAspect="1"/>
-          </p:cNvPicPr>
+      <p:sp>
+        <p:nvSpPr>
+          <p:cNvPr id="2" name="标题 1"/>
+          <p:cNvSpPr>
+            <a:spLocks noGrp="1"/>
+          </p:cNvSpPr>
+          <p:nvPr>
+            <p:ph type="title"/>
+          </p:nvPr>
+        </p:nvSpPr>
+        <p:spPr/>
+        <p:txBody>
+          <a:bodyPr/>
+          <a:lstStyle/>
+          <a:p>
+            <a:pPr>
+              <a:buFont typeface="Wingdings" panose="05000000000000000000" pitchFamily="2" charset="2"/>
+              <a:buChar char="Ø"/>
+            </a:pPr>
+            <a:r>
+              <a:rPr lang="en-US" altLang="zh-CN" dirty="0"/>
+              <a:t>Node</a:t>
+            </a:r>
+            <a:r>
+              <a:rPr lang="zh-CN" altLang="en-US" dirty="0"/>
+              <a:t>事件机制</a:t>
+            </a:r>
+            <a:endParaRPr lang="en-US" altLang="zh-CN" dirty="0"/>
+          </a:p>
+        </p:txBody>
+      </p:sp>
+      <p:sp>
+        <p:nvSpPr>
+          <p:cNvPr id="3" name="内容占位符 2"/>
+          <p:cNvSpPr>
+            <a:spLocks noGrp="1"/>
+          </p:cNvSpPr>
           <p:nvPr>
             <p:ph idx="1"/>
           </p:nvPr>
-        </p:nvPicPr>
-        <p:blipFill>
-          <a:blip r:embed="rId2">
-            <a:extLst>
-              <a:ext uri="{28A0092B-C50C-407E-A947-70E740481C1C}">
-                <a14:useLocalDpi xmlns:a14="http://schemas.microsoft.com/office/drawing/2010/main" val="0"/>
-              </a:ext>
-            </a:extLst>
-          </a:blip>
-          <a:stretch>
-            <a:fillRect/>
-          </a:stretch>
-        </p:blipFill>
-        <p:spPr>
-          <a:xfrm>
-            <a:off x="685800" y="2112819"/>
-            <a:ext cx="7772400" cy="4003963"/>
-          </a:xfrm>
-        </p:spPr>
-      </p:pic>
-      <p:sp>
-        <p:nvSpPr>
-          <p:cNvPr id="2" name="标题 1"/>
-          <p:cNvSpPr>
-            <a:spLocks noGrp="1"/>
-          </p:cNvSpPr>
-          <p:nvPr>
-            <p:ph type="title"/>
-          </p:nvPr>
         </p:nvSpPr>
         <p:spPr/>
         <p:txBody>
           <a:bodyPr>
-            <a:normAutofit/>
+            <a:normAutofit fontScale="92500" lnSpcReduction="20000"/>
           </a:bodyPr>
           <a:lstStyle/>
           <a:p>
-            <a:r>
-              <a:rPr lang="en-US" altLang="zh-CN" sz="2000" dirty="0"/>
-              <a:t>Node</a:t>
-            </a:r>
-            <a:r>
-              <a:rPr lang="zh-CN" altLang="en-US" sz="2000" dirty="0"/>
-              <a:t>高并发原理及应用场景</a:t>
-            </a:r>
-            <a:r>
-              <a:rPr lang="en-US" altLang="zh-CN" sz="2000" dirty="0"/>
-              <a:t/>
-            </a:r>
-            <a:br>
-              <a:rPr lang="en-US" altLang="zh-CN" sz="2000" dirty="0"/>
-            </a:br>
-            <a:r>
-              <a:rPr lang="en-US" altLang="zh-CN" sz="2000" b="1" dirty="0" smtClean="0">
-                <a:solidFill>
-                  <a:schemeClr val="accent2"/>
-                </a:solidFill>
-              </a:rPr>
-              <a:t/>
-            </a:r>
-            <a:br>
-              <a:rPr lang="en-US" altLang="zh-CN" sz="2000" b="1" dirty="0" smtClean="0">
-                <a:solidFill>
-                  <a:schemeClr val="accent2"/>
-                </a:solidFill>
-              </a:rPr>
-            </a:br>
-            <a:r>
-              <a:rPr lang="zh-CN" altLang="en-US" sz="2000" dirty="0" smtClean="0">
-                <a:solidFill>
-                  <a:schemeClr val="accent2"/>
-                </a:solidFill>
-              </a:rPr>
-              <a:t>多</a:t>
-            </a:r>
-            <a:r>
-              <a:rPr lang="zh-CN" altLang="en-US" sz="2000" dirty="0">
-                <a:solidFill>
-                  <a:schemeClr val="accent2"/>
-                </a:solidFill>
-              </a:rPr>
-              <a:t>线程、线程池</a:t>
-            </a:r>
-            <a:r>
-              <a:rPr lang="zh-CN" altLang="en-US" sz="2000" dirty="0" smtClean="0">
-                <a:solidFill>
-                  <a:schemeClr val="accent2"/>
-                </a:solidFill>
-              </a:rPr>
-              <a:t>模型：</a:t>
-            </a:r>
-            <a:endParaRPr lang="zh-CN" altLang="en-US" sz="2000" dirty="0">
-              <a:solidFill>
-                <a:schemeClr val="accent2"/>
-              </a:solidFill>
-            </a:endParaRPr>
-          </a:p>
-        </p:txBody>
-      </p:sp>
-      <p:sp>
-        <p:nvSpPr>
-          <p:cNvPr id="3" name="矩形 2"/>
-          <p:cNvSpPr/>
-          <p:nvPr/>
-        </p:nvSpPr>
-        <p:spPr>
-          <a:xfrm>
-            <a:off x="3779912" y="2204864"/>
-            <a:ext cx="4572000" cy="923330"/>
-          </a:xfrm>
-          <a:prstGeom prst="rect">
-            <a:avLst/>
-          </a:prstGeom>
-        </p:spPr>
-        <p:txBody>
-          <a:bodyPr>
-            <a:spAutoFit/>
-          </a:bodyPr>
-          <a:lstStyle/>
-          <a:p>
-            <a:r>
-              <a:rPr lang="zh-CN" altLang="en-US" dirty="0">
-                <a:solidFill>
-                  <a:schemeClr val="bg1"/>
-                </a:solidFill>
-              </a:rPr>
-              <a:t>它调节服务端线程的数量来提高对并发请求的接收和响应，但并发量高的时候，请求仍然需要等待</a:t>
-            </a:r>
+            <a:pPr>
+              <a:buFont typeface="Wingdings" panose="05000000000000000000" pitchFamily="2" charset="2"/>
+              <a:buChar char="Ø"/>
+            </a:pPr>
+            <a:r>
+              <a:rPr lang="zh-CN" altLang="en-US" dirty="0" smtClean="0"/>
+              <a:t>事件循环：</a:t>
+            </a:r>
+            <a:endParaRPr lang="en-US" altLang="zh-CN" dirty="0" smtClean="0"/>
+          </a:p>
+          <a:p>
+            <a:pPr marL="1398900" lvl="5" indent="-342900">
+              <a:lnSpc>
+                <a:spcPct val="150000"/>
+              </a:lnSpc>
+              <a:buFont typeface="+mj-lt"/>
+              <a:buAutoNum type="arabicPeriod"/>
+            </a:pPr>
+            <a:r>
+              <a:rPr lang="zh-CN" altLang="en-US" dirty="0" smtClean="0"/>
+              <a:t>事件机制：观察</a:t>
+            </a:r>
+            <a:r>
+              <a:rPr lang="zh-CN" altLang="en-US" dirty="0"/>
+              <a:t>者模式， </a:t>
+            </a:r>
+            <a:r>
+              <a:rPr lang="en-US" altLang="zh-CN" dirty="0"/>
+              <a:t>Node.js </a:t>
+            </a:r>
+            <a:r>
+              <a:rPr lang="zh-CN" altLang="en-US" dirty="0"/>
+              <a:t>是单进程单线程应用程序，通过事件和回调支持并发，基本上所有的事件机制都是用设计模式中观察者模式实现</a:t>
+            </a:r>
+            <a:endParaRPr lang="en-US" altLang="zh-CN" dirty="0" smtClean="0"/>
+          </a:p>
+          <a:p>
+            <a:pPr marL="1398900" lvl="5" indent="-342900">
+              <a:lnSpc>
+                <a:spcPct val="150000"/>
+              </a:lnSpc>
+              <a:buFont typeface="+mj-lt"/>
+              <a:buAutoNum type="arabicPeriod"/>
+            </a:pPr>
+            <a:r>
+              <a:rPr lang="zh-CN" altLang="en-US" dirty="0"/>
+              <a:t>事件循环：它的单线程类似进入一个</a:t>
+            </a:r>
+            <a:r>
+              <a:rPr lang="en-US" altLang="zh-CN" dirty="0"/>
+              <a:t>while(true)</a:t>
+            </a:r>
+            <a:r>
+              <a:rPr lang="zh-CN" altLang="en-US" dirty="0"/>
+              <a:t>的事件循环，直到没有事件观察者退出，每个异步事件都生成一个事件观察者，如果有事件发生就</a:t>
+            </a:r>
+            <a:r>
+              <a:rPr lang="zh-CN" altLang="en-US" dirty="0" smtClean="0"/>
+              <a:t>调用该</a:t>
+            </a:r>
+            <a:r>
+              <a:rPr lang="zh-CN" altLang="en-US" dirty="0"/>
+              <a:t>回调函</a:t>
+            </a:r>
+            <a:r>
+              <a:rPr lang="zh-CN" altLang="en-US" dirty="0" smtClean="0"/>
+              <a:t>数</a:t>
+            </a:r>
+            <a:endParaRPr lang="en-US" altLang="zh-CN" dirty="0"/>
+          </a:p>
+          <a:p>
+            <a:pPr marL="1398900" lvl="5" indent="-342900">
+              <a:lnSpc>
+                <a:spcPct val="150000"/>
+              </a:lnSpc>
+              <a:buFont typeface="+mj-lt"/>
+              <a:buAutoNum type="arabicPeriod"/>
+            </a:pPr>
+            <a:r>
+              <a:rPr lang="zh-CN" altLang="en-US" dirty="0"/>
+              <a:t>回调函数：在事件驱动模型中，会生成一个主循环来监听事件，当检测到事件时触发回调函</a:t>
+            </a:r>
+            <a:r>
+              <a:rPr lang="zh-CN" altLang="en-US" dirty="0" smtClean="0"/>
+              <a:t>数</a:t>
+            </a:r>
+            <a:endParaRPr lang="en-US" altLang="zh-CN" dirty="0" smtClean="0"/>
+          </a:p>
+          <a:p>
+            <a:pPr marL="1398900" lvl="5" indent="-342900">
+              <a:lnSpc>
+                <a:spcPct val="150000"/>
+              </a:lnSpc>
+              <a:buFont typeface="+mj-lt"/>
+              <a:buAutoNum type="arabicPeriod"/>
+            </a:pPr>
+            <a:r>
+              <a:rPr lang="zh-CN" altLang="en-US" dirty="0" smtClean="0"/>
+              <a:t>事件驱动：</a:t>
+            </a:r>
+            <a:r>
+              <a:rPr lang="en-US" altLang="zh-CN" dirty="0"/>
+              <a:t>Node.js </a:t>
+            </a:r>
+            <a:r>
+              <a:rPr lang="zh-CN" altLang="en-US" dirty="0"/>
+              <a:t>使用事件驱动</a:t>
+            </a:r>
+            <a:r>
+              <a:rPr lang="zh-CN" altLang="en-US" dirty="0" smtClean="0"/>
+              <a:t>模型，例如：当</a:t>
+            </a:r>
+            <a:r>
+              <a:rPr lang="en-US" altLang="zh-CN" dirty="0" smtClean="0"/>
+              <a:t>web </a:t>
+            </a:r>
+            <a:r>
+              <a:rPr lang="en-US" altLang="zh-CN" dirty="0"/>
+              <a:t>server</a:t>
+            </a:r>
+            <a:r>
+              <a:rPr lang="zh-CN" altLang="en-US" dirty="0"/>
+              <a:t>接收到请求，就把它关闭然后进行处理，然后去服务下一个</a:t>
+            </a:r>
+            <a:r>
+              <a:rPr lang="en-US" altLang="zh-CN" dirty="0"/>
+              <a:t>web</a:t>
+            </a:r>
+            <a:r>
+              <a:rPr lang="zh-CN" altLang="en-US" dirty="0"/>
+              <a:t>请求</a:t>
+            </a:r>
+            <a:r>
+              <a:rPr lang="zh-CN" altLang="en-US" dirty="0" smtClean="0"/>
+              <a:t>。当</a:t>
+            </a:r>
+            <a:r>
+              <a:rPr lang="zh-CN" altLang="en-US" dirty="0"/>
+              <a:t>这个请求完成，它被放回处理队列，当到达队列开头，这个结果被返回给用户。 因为</a:t>
+            </a:r>
+            <a:r>
+              <a:rPr lang="en-US" altLang="zh-CN" dirty="0"/>
+              <a:t>webserver</a:t>
+            </a:r>
+            <a:r>
+              <a:rPr lang="zh-CN" altLang="en-US" dirty="0"/>
+              <a:t>一直接受请求而不等待任何读写操作。（这也被称之为非阻塞式</a:t>
+            </a:r>
+            <a:r>
+              <a:rPr lang="en-US" altLang="zh-CN" dirty="0"/>
+              <a:t>IO</a:t>
+            </a:r>
+            <a:r>
+              <a:rPr lang="zh-CN" altLang="en-US" dirty="0"/>
+              <a:t>或者事件驱动</a:t>
+            </a:r>
+            <a:r>
+              <a:rPr lang="en-US" altLang="zh-CN" dirty="0"/>
+              <a:t>IO</a:t>
+            </a:r>
+            <a:r>
+              <a:rPr lang="zh-CN" altLang="en-US" dirty="0"/>
+              <a:t>）</a:t>
+            </a:r>
+          </a:p>
+          <a:p>
+            <a:pPr marL="1398900" lvl="5" indent="-342900">
+              <a:buFont typeface="+mj-lt"/>
+              <a:buAutoNum type="arabicPeriod"/>
+            </a:pPr>
+            <a:endParaRPr lang="en-US" altLang="zh-CN" dirty="0" smtClean="0"/>
+          </a:p>
+          <a:p>
+            <a:pPr marL="1398900" lvl="5" indent="-342900">
+              <a:buFont typeface="+mj-lt"/>
+              <a:buAutoNum type="arabicPeriod"/>
+            </a:pPr>
+            <a:endParaRPr lang="zh-CN" altLang="en-US" dirty="0"/>
           </a:p>
         </p:txBody>
       </p:sp>
     </p:spTree>
     <p:extLst>
       <p:ext uri="{BB962C8B-B14F-4D97-AF65-F5344CB8AC3E}">
-        <p14:creationId xmlns:p14="http://schemas.microsoft.com/office/powerpoint/2010/main" val="3518115064"/>
+        <p14:creationId xmlns:p14="http://schemas.microsoft.com/office/powerpoint/2010/main" val="3090863621"/>
       </p:ext>
     </p:extLst>
   </p:cSld>
@@ -8051,7 +7957,7 @@
   <a:extraClrSchemeLst/>
   <a:extLst>
     <a:ext uri="{05A4C25C-085E-4340-85A3-A5531E510DB2}">
-      <thm15:themeFamily xmlns:thm15="http://schemas.microsoft.com/office/thememl/2012/main" xmlns="" name="Banded" id="{98DFF888-2449-4D28-977C-6306C017633E}" vid="{9792607F-9579-4224-82FF-9C88C3E1E53D}"/>
+      <thm15:themeFamily xmlns:thm15="http://schemas.microsoft.com/office/thememl/2012/main" name="Banded" id="{98DFF888-2449-4D28-977C-6306C017633E}" vid="{9792607F-9579-4224-82FF-9C88C3E1E53D}"/>
     </a:ext>
   </a:extLst>
 </a:theme>

--- a/mix/技术分享/NODE技术分享.pptx
+++ b/mix/技术分享/NODE技术分享.pptx
@@ -26,7 +26,7 @@
     <p:sldId id="265" r:id="rId20"/>
     <p:sldId id="266" r:id="rId21"/>
     <p:sldId id="267" r:id="rId22"/>
-    <p:sldId id="270" r:id="rId23"/>
+    <p:sldId id="284" r:id="rId23"/>
   </p:sldIdLst>
   <p:sldSz cx="9144000" cy="6858000" type="screen4x3"/>
   <p:notesSz cx="6858000" cy="9144000"/>
@@ -127,7 +127,7 @@
   </p:defaultTextStyle>
   <p:extLst>
     <p:ext uri="{EFAFB233-063F-42B5-8137-9DF3F51BA10A}">
-      <p15:sldGuideLst xmlns:p15="http://schemas.microsoft.com/office/powerpoint/2012/main">
+      <p15:sldGuideLst xmlns:p15="http://schemas.microsoft.com/office/powerpoint/2012/main" xmlns="">
         <p15:guide id="1" orient="horz" pos="2160">
           <p15:clr>
             <a:srgbClr val="A4A3A4"/>
@@ -320,7 +320,7 @@
           <a:p>
             <a:fld id="{530820CF-B880-4189-942D-D702A7CBA730}" type="datetimeFigureOut">
               <a:rPr lang="zh-CN" altLang="en-US" smtClean="0"/>
-              <a:t>2016/10/23</a:t>
+              <a:t>2016/10/24</a:t>
             </a:fld>
             <a:endParaRPr lang="zh-CN" altLang="en-US"/>
           </a:p>
@@ -490,7 +490,7 @@
           <a:p>
             <a:fld id="{530820CF-B880-4189-942D-D702A7CBA730}" type="datetimeFigureOut">
               <a:rPr lang="zh-CN" altLang="en-US" smtClean="0"/>
-              <a:t>2016/10/23</a:t>
+              <a:t>2016/10/24</a:t>
             </a:fld>
             <a:endParaRPr lang="zh-CN" altLang="en-US"/>
           </a:p>
@@ -713,7 +713,7 @@
           <a:p>
             <a:fld id="{530820CF-B880-4189-942D-D702A7CBA730}" type="datetimeFigureOut">
               <a:rPr lang="zh-CN" altLang="en-US" smtClean="0"/>
-              <a:t>2016/10/23</a:t>
+              <a:t>2016/10/24</a:t>
             </a:fld>
             <a:endParaRPr lang="zh-CN" altLang="en-US"/>
           </a:p>
@@ -893,7 +893,7 @@
           <a:p>
             <a:fld id="{530820CF-B880-4189-942D-D702A7CBA730}" type="datetimeFigureOut">
               <a:rPr lang="zh-CN" altLang="en-US" smtClean="0"/>
-              <a:t>2016/10/23</a:t>
+              <a:t>2016/10/24</a:t>
             </a:fld>
             <a:endParaRPr lang="zh-CN" altLang="en-US"/>
           </a:p>
@@ -1199,7 +1199,7 @@
           <a:p>
             <a:fld id="{530820CF-B880-4189-942D-D702A7CBA730}" type="datetimeFigureOut">
               <a:rPr lang="zh-CN" altLang="en-US" smtClean="0"/>
-              <a:t>2016/10/23</a:t>
+              <a:t>2016/10/24</a:t>
             </a:fld>
             <a:endParaRPr lang="zh-CN" altLang="en-US"/>
           </a:p>
@@ -1503,7 +1503,7 @@
           <a:p>
             <a:fld id="{530820CF-B880-4189-942D-D702A7CBA730}" type="datetimeFigureOut">
               <a:rPr lang="zh-CN" altLang="en-US" smtClean="0"/>
-              <a:t>2016/10/23</a:t>
+              <a:t>2016/10/24</a:t>
             </a:fld>
             <a:endParaRPr lang="zh-CN" altLang="en-US"/>
           </a:p>
@@ -1925,7 +1925,7 @@
           <a:p>
             <a:fld id="{530820CF-B880-4189-942D-D702A7CBA730}" type="datetimeFigureOut">
               <a:rPr lang="zh-CN" altLang="en-US" smtClean="0"/>
-              <a:t>2016/10/23</a:t>
+              <a:t>2016/10/24</a:t>
             </a:fld>
             <a:endParaRPr lang="zh-CN" altLang="en-US"/>
           </a:p>
@@ -2043,7 +2043,7 @@
           <a:p>
             <a:fld id="{530820CF-B880-4189-942D-D702A7CBA730}" type="datetimeFigureOut">
               <a:rPr lang="zh-CN" altLang="en-US" smtClean="0"/>
-              <a:t>2016/10/23</a:t>
+              <a:t>2016/10/24</a:t>
             </a:fld>
             <a:endParaRPr lang="zh-CN" altLang="en-US"/>
           </a:p>
@@ -2138,7 +2138,7 @@
           <a:p>
             <a:fld id="{530820CF-B880-4189-942D-D702A7CBA730}" type="datetimeFigureOut">
               <a:rPr lang="zh-CN" altLang="en-US" smtClean="0"/>
-              <a:t>2016/10/23</a:t>
+              <a:t>2016/10/24</a:t>
             </a:fld>
             <a:endParaRPr lang="zh-CN" altLang="en-US"/>
           </a:p>
@@ -2411,7 +2411,7 @@
           <a:p>
             <a:fld id="{530820CF-B880-4189-942D-D702A7CBA730}" type="datetimeFigureOut">
               <a:rPr lang="zh-CN" altLang="en-US" smtClean="0"/>
-              <a:t>2016/10/23</a:t>
+              <a:t>2016/10/24</a:t>
             </a:fld>
             <a:endParaRPr lang="zh-CN" altLang="en-US"/>
           </a:p>
@@ -2676,7 +2676,7 @@
           <a:p>
             <a:fld id="{530820CF-B880-4189-942D-D702A7CBA730}" type="datetimeFigureOut">
               <a:rPr lang="zh-CN" altLang="en-US" smtClean="0"/>
-              <a:t>2016/10/23</a:t>
+              <a:t>2016/10/24</a:t>
             </a:fld>
             <a:endParaRPr lang="zh-CN" altLang="en-US"/>
           </a:p>
@@ -2925,7 +2925,7 @@
           <a:p>
             <a:fld id="{530820CF-B880-4189-942D-D702A7CBA730}" type="datetimeFigureOut">
               <a:rPr lang="zh-CN" altLang="en-US" smtClean="0"/>
-              <a:t>2016/10/23</a:t>
+              <a:t>2016/10/24</a:t>
             </a:fld>
             <a:endParaRPr lang="zh-CN" altLang="en-US"/>
           </a:p>
@@ -3506,11 +3506,7 @@
             </a:pPr>
             <a:r>
               <a:rPr lang="en-US" altLang="zh-CN" dirty="0" smtClean="0"/>
-              <a:t>node</a:t>
-            </a:r>
-            <a:r>
-              <a:rPr lang="en-US" altLang="zh-CN" dirty="0" smtClean="0"/>
-              <a:t>.js</a:t>
+              <a:t>node.js</a:t>
             </a:r>
             <a:r>
               <a:rPr lang="zh-CN" altLang="en-US" dirty="0" smtClean="0"/>
@@ -3525,15 +3521,7 @@
             </a:pPr>
             <a:r>
               <a:rPr lang="en-US" altLang="zh-CN" dirty="0" smtClean="0"/>
-              <a:t>Node</a:t>
-            </a:r>
-            <a:r>
-              <a:rPr lang="en-US" altLang="zh-CN" dirty="0" smtClean="0"/>
-              <a:t>.</a:t>
-            </a:r>
-            <a:r>
-              <a:rPr lang="en-US" altLang="zh-CN" dirty="0" smtClean="0"/>
-              <a:t>js</a:t>
+              <a:t>Node.js</a:t>
             </a:r>
             <a:r>
               <a:rPr lang="zh-CN" altLang="en-US" dirty="0" smtClean="0"/>
@@ -3765,7 +3753,7 @@
         <p:spPr/>
         <p:txBody>
           <a:bodyPr>
-            <a:normAutofit fontScale="85000" lnSpcReduction="20000"/>
+            <a:noAutofit/>
           </a:bodyPr>
           <a:lstStyle/>
           <a:p>
@@ -3777,14 +3765,14 @@
               <a:buChar char="Ø"/>
             </a:pPr>
             <a:r>
-              <a:rPr lang="en-US" altLang="zh-CN" dirty="0" smtClean="0"/>
+              <a:rPr lang="en-US" altLang="zh-CN" sz="1600" dirty="0" smtClean="0"/>
               <a:t>Stream</a:t>
             </a:r>
             <a:r>
-              <a:rPr lang="zh-CN" altLang="en-US" dirty="0" smtClean="0"/>
+              <a:rPr lang="zh-CN" altLang="en-US" sz="1600" dirty="0" smtClean="0"/>
               <a:t>流：</a:t>
             </a:r>
-            <a:endParaRPr lang="en-US" altLang="zh-CN" dirty="0"/>
+            <a:endParaRPr lang="en-US" altLang="zh-CN" sz="1600" dirty="0"/>
           </a:p>
           <a:p>
             <a:pPr marL="1398900" lvl="5" indent="-342900">
@@ -3853,18 +3841,18 @@
               <a:buChar char="Ø"/>
             </a:pPr>
             <a:r>
-              <a:rPr lang="zh-CN" altLang="en-US" dirty="0" smtClean="0"/>
+              <a:rPr lang="zh-CN" altLang="en-US" sz="1600" dirty="0" smtClean="0"/>
               <a:t>管道流：用于从一个流中获取数据并将数据传递到另外一个流中</a:t>
             </a:r>
             <a:r>
-              <a:rPr lang="en-US" altLang="zh-CN" dirty="0" smtClean="0"/>
+              <a:rPr lang="en-US" altLang="zh-CN" sz="1600" dirty="0" smtClean="0"/>
               <a:t>    </a:t>
             </a:r>
             <a:r>
-              <a:rPr lang="zh-CN" altLang="en-US" dirty="0" smtClean="0"/>
+              <a:rPr lang="zh-CN" altLang="en-US" sz="1600" dirty="0" smtClean="0"/>
               <a:t>。</a:t>
             </a:r>
-            <a:endParaRPr lang="en-US" altLang="zh-CN" dirty="0"/>
+            <a:endParaRPr lang="en-US" altLang="zh-CN" sz="1600" dirty="0"/>
           </a:p>
           <a:p>
             <a:pPr marL="1398900" lvl="5" indent="-342900">
@@ -3926,34 +3914,34 @@
               <a:buChar char="Ø"/>
             </a:pPr>
             <a:r>
-              <a:rPr lang="zh-CN" altLang="en-US" dirty="0" smtClean="0"/>
+              <a:rPr lang="zh-CN" altLang="en-US" sz="1600" dirty="0" smtClean="0"/>
               <a:t>链式</a:t>
             </a:r>
             <a:r>
-              <a:rPr lang="zh-CN" altLang="en-US" dirty="0"/>
+              <a:rPr lang="zh-CN" altLang="en-US" sz="1600" dirty="0"/>
               <a:t>流：</a:t>
             </a:r>
             <a:r>
-              <a:rPr lang="zh-CN" altLang="en-US" dirty="0" smtClean="0"/>
+              <a:rPr lang="zh-CN" altLang="en-US" sz="1600" dirty="0" smtClean="0"/>
               <a:t>链式流是</a:t>
             </a:r>
             <a:r>
-              <a:rPr lang="zh-CN" altLang="en-US" dirty="0"/>
+              <a:rPr lang="zh-CN" altLang="en-US" sz="1600" dirty="0"/>
               <a:t>通过连接输出流到另外一个流并创建多</a:t>
             </a:r>
             <a:r>
-              <a:rPr lang="zh-CN" altLang="en-US" dirty="0" smtClean="0"/>
+              <a:rPr lang="zh-CN" altLang="en-US" sz="1600" dirty="0" smtClean="0"/>
               <a:t>个对流操作的</a:t>
             </a:r>
             <a:r>
-              <a:rPr lang="zh-CN" altLang="en-US" dirty="0"/>
+              <a:rPr lang="zh-CN" altLang="en-US" sz="1600" dirty="0"/>
               <a:t>机制，链式流一般用于管道</a:t>
             </a:r>
             <a:r>
-              <a:rPr lang="zh-CN" altLang="en-US" dirty="0" smtClean="0"/>
+              <a:rPr lang="zh-CN" altLang="en-US" sz="1600" dirty="0" smtClean="0"/>
               <a:t>操作</a:t>
             </a:r>
-            <a:endParaRPr lang="en-US" altLang="zh-CN" dirty="0" smtClean="0"/>
+            <a:endParaRPr lang="en-US" altLang="zh-CN" sz="1600" dirty="0" smtClean="0"/>
           </a:p>
           <a:p>
             <a:pPr marL="1398900" lvl="5" indent="-342900">
@@ -3981,6 +3969,13 @@
   <p:clrMapOvr>
     <a:masterClrMapping/>
   </p:clrMapOvr>
+  <p:timing>
+    <p:tnLst>
+      <p:par>
+        <p:cTn id="1" dur="indefinite" restart="never" nodeType="tmRoot"/>
+      </p:par>
+    </p:tnLst>
+  </p:timing>
 </p:sld>
 </file>
 
@@ -4044,67 +4039,79 @@
           <a:lstStyle/>
           <a:p>
             <a:pPr>
+              <a:lnSpc>
+                <a:spcPct val="150000"/>
+              </a:lnSpc>
               <a:buFont typeface="Wingdings" panose="05000000000000000000" pitchFamily="2" charset="2"/>
               <a:buChar char="Ø"/>
             </a:pPr>
             <a:r>
-              <a:rPr lang="zh-CN" altLang="en-US" dirty="0" smtClean="0"/>
+              <a:rPr lang="zh-CN" altLang="en-US" sz="1600" dirty="0" smtClean="0"/>
               <a:t>异步同步读取文件对比</a:t>
             </a:r>
             <a:r>
-              <a:rPr lang="en-US" altLang="zh-CN" dirty="0" smtClean="0"/>
+              <a:rPr lang="en-US" altLang="zh-CN" sz="1600" dirty="0" smtClean="0"/>
               <a:t>:</a:t>
             </a:r>
             <a:r>
-              <a:rPr lang="en-US" altLang="zh-CN" dirty="0" err="1" smtClean="0"/>
+              <a:rPr lang="en-US" altLang="zh-CN" sz="1600" dirty="0" err="1" smtClean="0"/>
               <a:t>fs.readFile,fs.readFileSync</a:t>
             </a:r>
-            <a:endParaRPr lang="en-US" altLang="zh-CN" dirty="0" smtClean="0"/>
+            <a:endParaRPr lang="en-US" altLang="zh-CN" sz="1600" dirty="0" smtClean="0"/>
           </a:p>
           <a:p>
             <a:pPr>
+              <a:lnSpc>
+                <a:spcPct val="150000"/>
+              </a:lnSpc>
               <a:buFont typeface="Wingdings" panose="05000000000000000000" pitchFamily="2" charset="2"/>
               <a:buChar char="Ø"/>
             </a:pPr>
             <a:r>
-              <a:rPr lang="zh-CN" altLang="en-US" dirty="0" smtClean="0"/>
+              <a:rPr lang="zh-CN" altLang="en-US" sz="1600" dirty="0" smtClean="0"/>
               <a:t>打开文件：</a:t>
             </a:r>
             <a:r>
-              <a:rPr lang="en-US" altLang="zh-CN" dirty="0" err="1" smtClean="0"/>
+              <a:rPr lang="en-US" altLang="zh-CN" sz="1600" dirty="0" err="1" smtClean="0"/>
               <a:t>fs.open</a:t>
             </a:r>
-            <a:endParaRPr lang="en-US" altLang="zh-CN" dirty="0" smtClean="0"/>
+            <a:endParaRPr lang="en-US" altLang="zh-CN" sz="1600" dirty="0" smtClean="0"/>
           </a:p>
           <a:p>
             <a:pPr>
+              <a:lnSpc>
+                <a:spcPct val="150000"/>
+              </a:lnSpc>
               <a:buFont typeface="Wingdings" panose="05000000000000000000" pitchFamily="2" charset="2"/>
               <a:buChar char="Ø"/>
             </a:pPr>
             <a:r>
-              <a:rPr lang="zh-CN" altLang="en-US" dirty="0" smtClean="0"/>
+              <a:rPr lang="zh-CN" altLang="en-US" sz="1600" dirty="0" smtClean="0"/>
               <a:t>写入文件：</a:t>
             </a:r>
             <a:r>
-              <a:rPr lang="en-US" altLang="zh-CN" dirty="0" err="1" smtClean="0"/>
+              <a:rPr lang="en-US" altLang="zh-CN" sz="1600" dirty="0" err="1" smtClean="0"/>
               <a:t>fs.writeFile</a:t>
             </a:r>
-            <a:endParaRPr lang="en-US" altLang="zh-CN" dirty="0" smtClean="0"/>
+            <a:endParaRPr lang="en-US" altLang="zh-CN" sz="1600" dirty="0" smtClean="0"/>
           </a:p>
           <a:p>
             <a:pPr>
+              <a:lnSpc>
+                <a:spcPct val="150000"/>
+              </a:lnSpc>
               <a:buFont typeface="Wingdings" panose="05000000000000000000" pitchFamily="2" charset="2"/>
               <a:buChar char="Ø"/>
             </a:pPr>
             <a:r>
-              <a:rPr lang="zh-CN" altLang="en-US" dirty="0" smtClean="0"/>
+              <a:rPr lang="zh-CN" altLang="en-US" sz="1600" dirty="0" smtClean="0"/>
               <a:t>删除文件：</a:t>
             </a:r>
             <a:r>
-              <a:rPr lang="en-US" altLang="zh-CN" dirty="0" err="1" smtClean="0"/>
+              <a:rPr lang="en-US" altLang="zh-CN" sz="1600" dirty="0" err="1" smtClean="0"/>
               <a:t>fs.unlink</a:t>
             </a:r>
-            <a:endParaRPr lang="en-US" altLang="zh-CN" dirty="0" smtClean="0"/>
+            <a:endParaRPr lang="en-US" altLang="zh-CN" sz="1600" dirty="0" smtClean="0"/>
           </a:p>
           <a:p>
             <a:pPr marL="0" indent="0">
@@ -4124,6 +4131,13 @@
   <p:clrMapOvr>
     <a:masterClrMapping/>
   </p:clrMapOvr>
+  <p:timing>
+    <p:tnLst>
+      <p:par>
+        <p:cTn id="1" dur="indefinite" restart="never" nodeType="tmRoot"/>
+      </p:par>
+    </p:tnLst>
+  </p:timing>
 </p:sld>
 </file>
 
@@ -4282,6 +4296,13 @@
   <p:clrMapOvr>
     <a:masterClrMapping/>
   </p:clrMapOvr>
+  <p:timing>
+    <p:tnLst>
+      <p:par>
+        <p:cTn id="1" dur="indefinite" restart="never" nodeType="tmRoot"/>
+      </p:par>
+    </p:tnLst>
+  </p:timing>
 </p:sld>
 </file>
 
@@ -4341,71 +4362,82 @@
         </p:nvSpPr>
         <p:spPr/>
         <p:txBody>
-          <a:bodyPr/>
+          <a:bodyPr>
+            <a:normAutofit/>
+          </a:bodyPr>
           <a:lstStyle/>
           <a:p>
             <a:pPr>
+              <a:lnSpc>
+                <a:spcPct val="150000"/>
+              </a:lnSpc>
               <a:buFont typeface="Wingdings" panose="05000000000000000000" pitchFamily="2" charset="2"/>
               <a:buChar char="Ø"/>
             </a:pPr>
             <a:r>
-              <a:rPr lang="zh-CN" altLang="en-US" dirty="0" smtClean="0"/>
+              <a:rPr lang="zh-CN" altLang="en-US" sz="1600" dirty="0" smtClean="0"/>
               <a:t>调用</a:t>
             </a:r>
             <a:r>
-              <a:rPr lang="en-US" altLang="zh-CN" dirty="0" err="1" smtClean="0"/>
+              <a:rPr lang="en-US" altLang="zh-CN" sz="1600" dirty="0" err="1" smtClean="0"/>
               <a:t>url</a:t>
             </a:r>
             <a:r>
-              <a:rPr lang="en-US" altLang="zh-CN" dirty="0" smtClean="0"/>
+              <a:rPr lang="en-US" altLang="zh-CN" sz="1600" dirty="0" smtClean="0"/>
               <a:t> </a:t>
             </a:r>
             <a:r>
-              <a:rPr lang="zh-CN" altLang="en-US" dirty="0" smtClean="0"/>
+              <a:rPr lang="zh-CN" altLang="en-US" sz="1600" dirty="0" smtClean="0"/>
               <a:t>、</a:t>
             </a:r>
             <a:r>
-              <a:rPr lang="en-US" altLang="zh-CN" dirty="0" err="1" smtClean="0"/>
+              <a:rPr lang="en-US" altLang="zh-CN" sz="1600" dirty="0" err="1" smtClean="0"/>
               <a:t>querystring</a:t>
             </a:r>
             <a:r>
-              <a:rPr lang="zh-CN" altLang="en-US" dirty="0" smtClean="0"/>
+              <a:rPr lang="zh-CN" altLang="en-US" sz="1600" dirty="0" smtClean="0"/>
               <a:t>解析</a:t>
             </a:r>
             <a:r>
-              <a:rPr lang="en-US" altLang="zh-CN" dirty="0" smtClean="0"/>
+              <a:rPr lang="en-US" altLang="zh-CN" sz="1600" dirty="0" smtClean="0"/>
               <a:t>request</a:t>
             </a:r>
           </a:p>
           <a:p>
             <a:pPr>
+              <a:lnSpc>
+                <a:spcPct val="150000"/>
+              </a:lnSpc>
               <a:buFont typeface="Wingdings" panose="05000000000000000000" pitchFamily="2" charset="2"/>
               <a:buChar char="Ø"/>
             </a:pPr>
             <a:r>
-              <a:rPr lang="zh-CN" altLang="en-US" dirty="0" smtClean="0"/>
+              <a:rPr lang="zh-CN" altLang="en-US" sz="1600" dirty="0" smtClean="0"/>
               <a:t>封装路由模块</a:t>
             </a:r>
-            <a:endParaRPr lang="en-US" altLang="zh-CN" dirty="0" smtClean="0"/>
+            <a:endParaRPr lang="en-US" altLang="zh-CN" sz="1600" dirty="0" smtClean="0"/>
           </a:p>
           <a:p>
             <a:pPr>
+              <a:lnSpc>
+                <a:spcPct val="150000"/>
+              </a:lnSpc>
               <a:buFont typeface="Wingdings" panose="05000000000000000000" pitchFamily="2" charset="2"/>
               <a:buChar char="Ø"/>
             </a:pPr>
             <a:r>
-              <a:rPr lang="zh-CN" altLang="en-US" dirty="0" smtClean="0"/>
+              <a:rPr lang="zh-CN" altLang="en-US" sz="1600" dirty="0" smtClean="0"/>
               <a:t>根据</a:t>
             </a:r>
             <a:r>
-              <a:rPr lang="en-US" altLang="zh-CN" dirty="0" smtClean="0"/>
+              <a:rPr lang="en-US" altLang="zh-CN" sz="1600" dirty="0" smtClean="0"/>
               <a:t>request</a:t>
             </a:r>
             <a:r>
-              <a:rPr lang="zh-CN" altLang="en-US" dirty="0" smtClean="0"/>
+              <a:rPr lang="zh-CN" altLang="en-US" sz="1600" dirty="0" smtClean="0"/>
               <a:t>做出不同的响应</a:t>
             </a:r>
-            <a:endParaRPr lang="zh-CN" altLang="en-US" dirty="0"/>
+            <a:endParaRPr lang="zh-CN" altLang="en-US" sz="1600" dirty="0"/>
           </a:p>
         </p:txBody>
       </p:sp>
@@ -4419,6 +4451,13 @@
   <p:clrMapOvr>
     <a:masterClrMapping/>
   </p:clrMapOvr>
+  <p:timing>
+    <p:tnLst>
+      <p:par>
+        <p:cTn id="1" dur="indefinite" restart="never" nodeType="tmRoot"/>
+      </p:par>
+    </p:tnLst>
+  </p:timing>
 </p:sld>
 </file>
 
@@ -4497,7 +4536,6 @@
               <a:rPr lang="zh-CN" altLang="en-US" dirty="0"/>
               <a:t>并发原理及应用场景</a:t>
             </a:r>
-            <a:endParaRPr lang="zh-CN" altLang="en-US" dirty="0"/>
           </a:p>
         </p:txBody>
       </p:sp>
@@ -4509,8 +4547,8 @@
         </p:nvSpPr>
         <p:spPr>
           <a:xfrm>
-            <a:off x="3347864" y="4509120"/>
-            <a:ext cx="4572000" cy="1477328"/>
+            <a:off x="3178324" y="4077072"/>
+            <a:ext cx="4572000" cy="1896801"/>
           </a:xfrm>
           <a:prstGeom prst="rect">
             <a:avLst/>
@@ -4522,23 +4560,33 @@
           </a:bodyPr>
           <a:lstStyle/>
           <a:p>
-            <a:r>
-              <a:rPr lang="zh-CN" altLang="en-US" dirty="0" smtClean="0">
+            <a:pPr>
+              <a:lnSpc>
+                <a:spcPct val="150000"/>
+              </a:lnSpc>
+            </a:pPr>
+            <a:r>
+              <a:rPr lang="zh-CN" altLang="en-US" sz="1600" dirty="0" smtClean="0">
                 <a:solidFill>
-                  <a:schemeClr val="bg1"/>
+                  <a:schemeClr val="accent2"/>
                 </a:solidFill>
               </a:rPr>
               <a:t>系统线程模型：</a:t>
             </a:r>
-            <a:endParaRPr lang="en-US" altLang="zh-CN" dirty="0" smtClean="0">
+            <a:endParaRPr lang="en-US" altLang="zh-CN" sz="1600" dirty="0" smtClean="0">
               <a:solidFill>
-                <a:schemeClr val="bg1"/>
+                <a:schemeClr val="accent2"/>
               </a:solidFill>
             </a:endParaRPr>
           </a:p>
           <a:p>
-            <a:r>
-              <a:rPr lang="zh-CN" altLang="en-US" dirty="0" smtClean="0">
+            <a:pPr>
+              <a:lnSpc>
+                <a:spcPct val="150000"/>
+              </a:lnSpc>
+            </a:pPr>
+            <a:r>
+              <a:rPr lang="zh-CN" altLang="en-US" sz="1600" dirty="0" smtClean="0">
                 <a:solidFill>
                   <a:schemeClr val="bg1"/>
                 </a:solidFill>
@@ -4546,7 +4594,7 @@
               <a:t>这种</a:t>
             </a:r>
             <a:r>
-              <a:rPr lang="zh-CN" altLang="en-US" dirty="0">
+              <a:rPr lang="zh-CN" altLang="en-US" sz="1600" dirty="0">
                 <a:solidFill>
                   <a:schemeClr val="bg1"/>
                 </a:solidFill>
@@ -4651,7 +4699,6 @@
               <a:rPr lang="zh-CN" altLang="en-US" dirty="0"/>
               <a:t>并发原理及应用场景</a:t>
             </a:r>
-            <a:endParaRPr lang="zh-CN" altLang="en-US" dirty="0"/>
           </a:p>
         </p:txBody>
       </p:sp>
@@ -4664,7 +4711,7 @@
         <p:spPr>
           <a:xfrm>
             <a:off x="827584" y="2204864"/>
-            <a:ext cx="4572000" cy="1477328"/>
+            <a:ext cx="4572000" cy="1527469"/>
           </a:xfrm>
           <a:prstGeom prst="rect">
             <a:avLst/>
@@ -4676,8 +4723,13 @@
           </a:bodyPr>
           <a:lstStyle/>
           <a:p>
-            <a:r>
-              <a:rPr lang="zh-CN" altLang="en-US" dirty="0">
+            <a:pPr>
+              <a:lnSpc>
+                <a:spcPct val="150000"/>
+              </a:lnSpc>
+            </a:pPr>
+            <a:r>
+              <a:rPr lang="zh-CN" altLang="en-US" sz="1600" dirty="0">
                 <a:solidFill>
                   <a:schemeClr val="accent2"/>
                 </a:solidFill>
@@ -4685,29 +4737,35 @@
               <a:t>多线程、线程池</a:t>
             </a:r>
             <a:r>
-              <a:rPr lang="zh-CN" altLang="en-US" dirty="0" smtClean="0">
+              <a:rPr lang="zh-CN" altLang="en-US" sz="1600" dirty="0" smtClean="0">
                 <a:solidFill>
                   <a:schemeClr val="accent2"/>
                 </a:solidFill>
               </a:rPr>
-              <a:t>模型：</a:t>
-            </a:r>
-            <a:endParaRPr lang="en-US" altLang="zh-CN" dirty="0" smtClean="0">
+              <a:t>模型</a:t>
+            </a:r>
+            <a:r>
+              <a:rPr lang="zh-CN" altLang="en-US" sz="1600" dirty="0" smtClean="0">
+                <a:solidFill>
+                  <a:schemeClr val="accent2"/>
+                </a:solidFill>
+              </a:rPr>
+              <a:t>：</a:t>
+            </a:r>
+            <a:endParaRPr lang="en-US" altLang="zh-CN" sz="1600" dirty="0" smtClean="0">
               <a:solidFill>
                 <a:schemeClr val="accent2"/>
               </a:solidFill>
             </a:endParaRPr>
           </a:p>
           <a:p>
-            <a:endParaRPr lang="en-US" altLang="zh-CN" dirty="0" smtClean="0">
-              <a:solidFill>
-                <a:schemeClr val="accent2"/>
-              </a:solidFill>
-            </a:endParaRPr>
-          </a:p>
-          <a:p>
-            <a:r>
-              <a:rPr lang="zh-CN" altLang="en-US" dirty="0" smtClean="0">
+            <a:pPr>
+              <a:lnSpc>
+                <a:spcPct val="150000"/>
+              </a:lnSpc>
+            </a:pPr>
+            <a:r>
+              <a:rPr lang="zh-CN" altLang="en-US" sz="1600" dirty="0" smtClean="0">
                 <a:solidFill>
                   <a:schemeClr val="bg1"/>
                 </a:solidFill>
@@ -4715,7 +4773,7 @@
               <a:t>它</a:t>
             </a:r>
             <a:r>
-              <a:rPr lang="zh-CN" altLang="en-US" dirty="0">
+              <a:rPr lang="zh-CN" altLang="en-US" sz="1600" dirty="0">
                 <a:solidFill>
                   <a:schemeClr val="bg1"/>
                 </a:solidFill>
@@ -4908,62 +4966,74 @@
           <a:lstStyle/>
           <a:p>
             <a:pPr marL="0" indent="0">
+              <a:lnSpc>
+                <a:spcPct val="150000"/>
+              </a:lnSpc>
               <a:buNone/>
             </a:pPr>
             <a:r>
-              <a:rPr lang="zh-CN" altLang="en-US" sz="2000" dirty="0"/>
+              <a:rPr lang="zh-CN" altLang="en-US" sz="1600" dirty="0"/>
               <a:t>服务端与客户端每建立一个连接，都要为这个连接分配一套配套的资源，主要体现为系统内存资源，以</a:t>
             </a:r>
             <a:r>
-              <a:rPr lang="en-US" altLang="zh-CN" sz="2000" dirty="0"/>
+              <a:rPr lang="en-US" altLang="zh-CN" sz="1600" dirty="0"/>
               <a:t>PHP</a:t>
             </a:r>
             <a:r>
-              <a:rPr lang="zh-CN" altLang="en-US" sz="2000" dirty="0"/>
+              <a:rPr lang="zh-CN" altLang="en-US" sz="1600" dirty="0"/>
               <a:t>为例，维护一个</a:t>
             </a:r>
             <a:r>
-              <a:rPr lang="zh-CN" altLang="en-US" sz="2000" dirty="0" smtClean="0"/>
+              <a:rPr lang="zh-CN" altLang="en-US" sz="1600" dirty="0" smtClean="0"/>
               <a:t>连接需要开辟一定的内存这</a:t>
             </a:r>
             <a:r>
-              <a:rPr lang="zh-CN" altLang="en-US" sz="2000" dirty="0"/>
+              <a:rPr lang="zh-CN" altLang="en-US" sz="1600" dirty="0"/>
               <a:t>就是为什么一般并发量一大，就需要多开服务器</a:t>
             </a:r>
           </a:p>
           <a:p>
             <a:pPr marL="0" indent="0">
+              <a:lnSpc>
+                <a:spcPct val="150000"/>
+              </a:lnSpc>
               <a:buNone/>
             </a:pPr>
             <a:r>
-              <a:rPr lang="zh-CN" altLang="en-US" sz="2000" dirty="0" smtClean="0"/>
+              <a:rPr lang="zh-CN" altLang="en-US" sz="1600" dirty="0" smtClean="0"/>
               <a:t> </a:t>
             </a:r>
-            <a:endParaRPr lang="zh-CN" altLang="en-US" sz="2000" dirty="0"/>
+            <a:endParaRPr lang="zh-CN" altLang="en-US" sz="1600" dirty="0"/>
           </a:p>
           <a:p>
             <a:pPr marL="0" indent="0">
+              <a:lnSpc>
+                <a:spcPct val="150000"/>
+              </a:lnSpc>
               <a:buNone/>
             </a:pPr>
             <a:r>
-              <a:rPr lang="zh-CN" altLang="en-US" sz="2000" dirty="0"/>
+              <a:rPr lang="zh-CN" altLang="en-US" sz="1600" dirty="0"/>
               <a:t>那么</a:t>
             </a:r>
             <a:r>
-              <a:rPr lang="en-US" altLang="zh-CN" sz="2000" dirty="0" err="1"/>
+              <a:rPr lang="en-US" altLang="zh-CN" sz="1600" dirty="0" err="1"/>
               <a:t>NodeJS</a:t>
             </a:r>
             <a:r>
-              <a:rPr lang="zh-CN" altLang="en-US" sz="2000" dirty="0"/>
+              <a:rPr lang="zh-CN" altLang="en-US" sz="1600" dirty="0"/>
               <a:t>是怎么解决这个问题的呢？</a:t>
             </a:r>
           </a:p>
           <a:p>
             <a:pPr marL="0" indent="0">
+              <a:lnSpc>
+                <a:spcPct val="150000"/>
+              </a:lnSpc>
               <a:buNone/>
             </a:pPr>
             <a:r>
-              <a:rPr lang="zh-CN" altLang="en-US" sz="2000" dirty="0"/>
+              <a:rPr lang="zh-CN" altLang="en-US" sz="1600" dirty="0"/>
               <a:t>我们来看另外一个模型，想象一下我们在快餐店点餐吃饭的场景</a:t>
             </a:r>
           </a:p>
@@ -5082,7 +5152,7 @@
         <p:spPr>
           <a:xfrm>
             <a:off x="0" y="548680"/>
-            <a:ext cx="9180512" cy="4708981"/>
+            <a:ext cx="9180512" cy="5220788"/>
           </a:xfrm>
           <a:prstGeom prst="rect">
             <a:avLst/>
@@ -5094,144 +5164,189 @@
           </a:bodyPr>
           <a:lstStyle/>
           <a:p>
-            <a:endParaRPr lang="en-US" altLang="zh-CN" sz="2000" dirty="0" smtClean="0"/>
-          </a:p>
-          <a:p>
-            <a:r>
-              <a:rPr lang="zh-CN" altLang="en-US" sz="2000" dirty="0" smtClean="0"/>
+            <a:pPr>
+              <a:lnSpc>
+                <a:spcPct val="150000"/>
+              </a:lnSpc>
+            </a:pPr>
+            <a:endParaRPr lang="en-US" altLang="zh-CN" sz="1600" dirty="0" smtClean="0"/>
+          </a:p>
+          <a:p>
+            <a:pPr>
+              <a:lnSpc>
+                <a:spcPct val="150000"/>
+              </a:lnSpc>
+            </a:pPr>
+            <a:r>
+              <a:rPr lang="zh-CN" altLang="en-US" sz="1600" dirty="0" smtClean="0"/>
               <a:t>我们同样是要发起请求，等待服务器端响应；但是与银行例子不同的是，这次我们点完餐后拿到了一个号码，</a:t>
             </a:r>
           </a:p>
           <a:p>
-            <a:r>
-              <a:rPr lang="zh-CN" altLang="en-US" sz="2000" dirty="0" smtClean="0"/>
+            <a:pPr>
+              <a:lnSpc>
+                <a:spcPct val="150000"/>
+              </a:lnSpc>
+            </a:pPr>
+            <a:r>
+              <a:rPr lang="zh-CN" altLang="en-US" sz="1600" dirty="0" smtClean="0"/>
               <a:t>拿到号码，我们往往会在位置上等待，而在我们后面的请求会继续得到处理，同样是拿了一个号码然后到一旁等待，接待员能一直进行处理。</a:t>
             </a:r>
           </a:p>
           <a:p>
-            <a:r>
-              <a:rPr lang="zh-CN" altLang="en-US" sz="2000" dirty="0" smtClean="0"/>
+            <a:pPr>
+              <a:lnSpc>
+                <a:spcPct val="150000"/>
+              </a:lnSpc>
+            </a:pPr>
+            <a:r>
+              <a:rPr lang="zh-CN" altLang="en-US" sz="1600" dirty="0" smtClean="0"/>
               <a:t>等到饭菜做号了，会喊号码，我们拿到了自己的饭菜，进行后续的处理（吃饭）</a:t>
             </a:r>
           </a:p>
           <a:p>
-            <a:r>
-              <a:rPr lang="zh-CN" altLang="en-US" sz="2000" dirty="0" smtClean="0"/>
+            <a:pPr>
+              <a:lnSpc>
+                <a:spcPct val="150000"/>
+              </a:lnSpc>
+            </a:pPr>
+            <a:r>
+              <a:rPr lang="zh-CN" altLang="en-US" sz="1600" dirty="0" smtClean="0"/>
               <a:t>这个喊号码的动作在</a:t>
             </a:r>
             <a:r>
-              <a:rPr lang="en-US" altLang="zh-CN" sz="2000" dirty="0" err="1" smtClean="0"/>
+              <a:rPr lang="en-US" altLang="zh-CN" sz="1600" dirty="0" err="1" smtClean="0"/>
               <a:t>NodeJS</a:t>
             </a:r>
             <a:r>
-              <a:rPr lang="zh-CN" altLang="en-US" sz="2000" dirty="0" smtClean="0"/>
+              <a:rPr lang="zh-CN" altLang="en-US" sz="1600" dirty="0" smtClean="0"/>
               <a:t>中叫做回调（</a:t>
             </a:r>
             <a:r>
-              <a:rPr lang="en-US" altLang="zh-CN" sz="2000" dirty="0" smtClean="0"/>
+              <a:rPr lang="en-US" altLang="zh-CN" sz="1600" dirty="0" smtClean="0"/>
               <a:t>Callback</a:t>
             </a:r>
             <a:r>
-              <a:rPr lang="zh-CN" altLang="en-US" sz="2000" dirty="0" smtClean="0"/>
+              <a:rPr lang="zh-CN" altLang="en-US" sz="1600" dirty="0" smtClean="0"/>
               <a:t>），能在事件（烧菜，</a:t>
             </a:r>
             <a:r>
-              <a:rPr lang="en-US" altLang="zh-CN" sz="2000" dirty="0" smtClean="0"/>
+              <a:rPr lang="en-US" altLang="zh-CN" sz="1600" dirty="0" smtClean="0"/>
               <a:t>I/O</a:t>
             </a:r>
             <a:r>
-              <a:rPr lang="zh-CN" altLang="en-US" sz="2000" dirty="0" smtClean="0"/>
+              <a:rPr lang="zh-CN" altLang="en-US" sz="1600" dirty="0" smtClean="0"/>
               <a:t>）处理完成后继续执行后面的逻辑（吃饭），</a:t>
             </a:r>
           </a:p>
           <a:p>
-            <a:r>
-              <a:rPr lang="zh-CN" altLang="en-US" sz="2000" dirty="0" smtClean="0"/>
+            <a:pPr>
+              <a:lnSpc>
+                <a:spcPct val="150000"/>
+              </a:lnSpc>
+            </a:pPr>
+            <a:r>
+              <a:rPr lang="zh-CN" altLang="en-US" sz="1600" dirty="0" smtClean="0"/>
               <a:t>这</a:t>
             </a:r>
             <a:r>
-              <a:rPr lang="zh-CN" altLang="en-US" sz="2000" dirty="0"/>
+              <a:rPr lang="zh-CN" altLang="en-US" sz="1600" dirty="0"/>
               <a:t>体现了</a:t>
             </a:r>
             <a:r>
-              <a:rPr lang="en-US" altLang="zh-CN" sz="2000" dirty="0" err="1"/>
+              <a:rPr lang="en-US" altLang="zh-CN" sz="1600" dirty="0" err="1"/>
               <a:t>NodeJS</a:t>
             </a:r>
             <a:r>
-              <a:rPr lang="zh-CN" altLang="en-US" sz="2000" dirty="0"/>
+              <a:rPr lang="zh-CN" altLang="en-US" sz="1600" dirty="0"/>
               <a:t>的显著特点，异步机制、</a:t>
             </a:r>
             <a:r>
-              <a:rPr lang="zh-CN" altLang="en-US" sz="2000" dirty="0" smtClean="0"/>
+              <a:rPr lang="zh-CN" altLang="en-US" sz="1600" dirty="0" smtClean="0"/>
               <a:t>事件驱动</a:t>
             </a:r>
-            <a:endParaRPr lang="zh-CN" altLang="en-US" sz="2000" dirty="0"/>
-          </a:p>
-          <a:p>
-            <a:r>
-              <a:rPr lang="zh-CN" altLang="en-US" sz="2000" dirty="0"/>
+            <a:endParaRPr lang="zh-CN" altLang="en-US" sz="1600" dirty="0"/>
+          </a:p>
+          <a:p>
+            <a:pPr>
+              <a:lnSpc>
+                <a:spcPct val="150000"/>
+              </a:lnSpc>
+            </a:pPr>
+            <a:r>
+              <a:rPr lang="zh-CN" altLang="en-US" sz="1600" dirty="0"/>
               <a:t>整个过程没有阻塞新用户的连接（点餐），也不需要维护已经点餐的用户与厨师的</a:t>
             </a:r>
             <a:r>
-              <a:rPr lang="zh-CN" altLang="en-US" sz="2000" dirty="0" smtClean="0"/>
+              <a:rPr lang="zh-CN" altLang="en-US" sz="1600" dirty="0" smtClean="0"/>
               <a:t>连接</a:t>
             </a:r>
-            <a:endParaRPr lang="zh-CN" altLang="en-US" sz="2000" dirty="0"/>
-          </a:p>
-          <a:p>
-            <a:r>
-              <a:rPr lang="zh-CN" altLang="en-US" sz="2000" dirty="0"/>
+            <a:endParaRPr lang="zh-CN" altLang="en-US" sz="1600" dirty="0"/>
+          </a:p>
+          <a:p>
+            <a:pPr>
+              <a:lnSpc>
+                <a:spcPct val="150000"/>
+              </a:lnSpc>
+            </a:pPr>
+            <a:r>
+              <a:rPr lang="zh-CN" altLang="en-US" sz="1600" dirty="0"/>
               <a:t>基于这样的机制，理论上陆续有用户请求连接，</a:t>
             </a:r>
             <a:r>
-              <a:rPr lang="en-US" altLang="zh-CN" sz="2000" dirty="0" err="1"/>
+              <a:rPr lang="en-US" altLang="zh-CN" sz="1600" dirty="0" err="1"/>
               <a:t>NodeJS</a:t>
             </a:r>
             <a:r>
-              <a:rPr lang="zh-CN" altLang="en-US" sz="2000" dirty="0"/>
+              <a:rPr lang="zh-CN" altLang="en-US" sz="1600" dirty="0"/>
               <a:t>都可以进行响应，因此</a:t>
             </a:r>
             <a:r>
-              <a:rPr lang="en-US" altLang="zh-CN" sz="2000" dirty="0" err="1"/>
+              <a:rPr lang="en-US" altLang="zh-CN" sz="1600" dirty="0" err="1"/>
               <a:t>NodeJS</a:t>
             </a:r>
             <a:r>
-              <a:rPr lang="zh-CN" altLang="en-US" sz="2000" dirty="0"/>
+              <a:rPr lang="zh-CN" altLang="en-US" sz="1600" dirty="0"/>
               <a:t>能支持比</a:t>
             </a:r>
             <a:r>
-              <a:rPr lang="en-US" altLang="zh-CN" sz="2000" dirty="0"/>
+              <a:rPr lang="en-US" altLang="zh-CN" sz="1600" dirty="0"/>
               <a:t>Java</a:t>
             </a:r>
             <a:r>
-              <a:rPr lang="zh-CN" altLang="en-US" sz="2000" dirty="0"/>
+              <a:rPr lang="zh-CN" altLang="en-US" sz="1600" dirty="0"/>
               <a:t>、</a:t>
             </a:r>
             <a:r>
-              <a:rPr lang="en-US" altLang="zh-CN" sz="2000" dirty="0"/>
+              <a:rPr lang="en-US" altLang="zh-CN" sz="1600" dirty="0"/>
               <a:t>PHP</a:t>
             </a:r>
             <a:r>
-              <a:rPr lang="zh-CN" altLang="en-US" sz="2000" dirty="0"/>
+              <a:rPr lang="zh-CN" altLang="en-US" sz="1600" dirty="0"/>
               <a:t>程序更高的并发</a:t>
             </a:r>
             <a:r>
-              <a:rPr lang="zh-CN" altLang="en-US" sz="2000" dirty="0" smtClean="0"/>
+              <a:rPr lang="zh-CN" altLang="en-US" sz="1600" dirty="0" smtClean="0"/>
               <a:t>量</a:t>
             </a:r>
-            <a:endParaRPr lang="zh-CN" altLang="en-US" sz="2000" dirty="0"/>
-          </a:p>
-          <a:p>
-            <a:r>
-              <a:rPr lang="zh-CN" altLang="en-US" sz="2000" dirty="0"/>
+            <a:endParaRPr lang="zh-CN" altLang="en-US" sz="1600" dirty="0"/>
+          </a:p>
+          <a:p>
+            <a:pPr>
+              <a:lnSpc>
+                <a:spcPct val="150000"/>
+              </a:lnSpc>
+            </a:pPr>
+            <a:r>
+              <a:rPr lang="zh-CN" altLang="en-US" sz="1600" dirty="0"/>
               <a:t>虽然维护事件队列也需要成本，再由于</a:t>
             </a:r>
             <a:r>
-              <a:rPr lang="en-US" altLang="zh-CN" sz="2000" dirty="0" err="1"/>
+              <a:rPr lang="en-US" altLang="zh-CN" sz="1600" dirty="0" err="1"/>
               <a:t>NodeJS</a:t>
             </a:r>
             <a:r>
-              <a:rPr lang="zh-CN" altLang="en-US" sz="2000" dirty="0"/>
+              <a:rPr lang="zh-CN" altLang="en-US" sz="1600" dirty="0"/>
               <a:t>是单线程，事件队列越长，得到响应的时间就越长，并发量上去还是会力不从心</a:t>
             </a:r>
           </a:p>
@@ -5440,6 +5555,13 @@
   <p:clrMapOvr>
     <a:masterClrMapping/>
   </p:clrMapOvr>
+  <p:timing>
+    <p:tnLst>
+      <p:par>
+        <p:cTn id="1" dur="indefinite" restart="never" nodeType="tmRoot"/>
+      </p:par>
+    </p:tnLst>
+  </p:timing>
 </p:sld>
 </file>
 
@@ -5485,7 +5607,6 @@
               <a:rPr lang="zh-CN" altLang="en-US" dirty="0"/>
               <a:t>高并发原理及应用场景</a:t>
             </a:r>
-            <a:endParaRPr lang="zh-CN" altLang="en-US" dirty="0"/>
           </a:p>
         </p:txBody>
       </p:sp>
@@ -5514,47 +5635,47 @@
               <a:buChar char="Ø"/>
             </a:pPr>
             <a:r>
-              <a:rPr lang="zh-CN" altLang="en-US" sz="2000" dirty="0"/>
+              <a:rPr lang="zh-CN" altLang="en-US" sz="1600" dirty="0"/>
               <a:t>更改连接到服务器的方式，每个连接发射（</a:t>
             </a:r>
             <a:r>
-              <a:rPr lang="en-US" altLang="zh-CN" sz="2000" dirty="0"/>
+              <a:rPr lang="en-US" altLang="zh-CN" sz="1600" dirty="0"/>
               <a:t>emit</a:t>
             </a:r>
             <a:r>
-              <a:rPr lang="zh-CN" altLang="en-US" sz="2000" dirty="0"/>
+              <a:rPr lang="zh-CN" altLang="en-US" sz="1600" dirty="0"/>
               <a:t>）一个在</a:t>
             </a:r>
             <a:r>
-              <a:rPr lang="en-US" altLang="zh-CN" sz="2000" dirty="0" err="1"/>
+              <a:rPr lang="en-US" altLang="zh-CN" sz="1600" dirty="0" err="1"/>
               <a:t>NodeJS</a:t>
             </a:r>
             <a:r>
-              <a:rPr lang="zh-CN" altLang="en-US" sz="2000" dirty="0"/>
+              <a:rPr lang="zh-CN" altLang="en-US" sz="1600" dirty="0"/>
               <a:t>引擎进程中运行的事件（</a:t>
             </a:r>
             <a:r>
-              <a:rPr lang="en-US" altLang="zh-CN" sz="2000" dirty="0"/>
+              <a:rPr lang="en-US" altLang="zh-CN" sz="1600" dirty="0"/>
               <a:t>Event</a:t>
             </a:r>
             <a:r>
-              <a:rPr lang="zh-CN" altLang="en-US" sz="2000" dirty="0"/>
+              <a:rPr lang="zh-CN" altLang="en-US" sz="1600" dirty="0"/>
               <a:t>），放进事件队列当中</a:t>
             </a:r>
             <a:r>
-              <a:rPr lang="zh-CN" altLang="en-US" sz="2000" dirty="0" smtClean="0"/>
+              <a:rPr lang="zh-CN" altLang="en-US" sz="1600" dirty="0" smtClean="0"/>
               <a:t>，而</a:t>
             </a:r>
             <a:r>
-              <a:rPr lang="zh-CN" altLang="en-US" sz="2000" dirty="0"/>
+              <a:rPr lang="zh-CN" altLang="en-US" sz="1600" dirty="0"/>
               <a:t>不是为每个连接生成一个新的</a:t>
             </a:r>
             <a:r>
-              <a:rPr lang="en-US" altLang="zh-CN" sz="2000" dirty="0"/>
+              <a:rPr lang="en-US" altLang="zh-CN" sz="1600" dirty="0"/>
               <a:t>OS</a:t>
             </a:r>
             <a:r>
-              <a:rPr lang="zh-CN" altLang="en-US" sz="2000" dirty="0"/>
+              <a:rPr lang="zh-CN" altLang="en-US" sz="1600" dirty="0"/>
               <a:t>线程（并为其分配一些配套内存）</a:t>
             </a:r>
           </a:p>
@@ -5620,7 +5741,6 @@
               <a:rPr lang="zh-CN" altLang="en-US" dirty="0"/>
               <a:t>高并发原理及应用场景</a:t>
             </a:r>
-            <a:endParaRPr lang="zh-CN" altLang="en-US" dirty="0"/>
           </a:p>
         </p:txBody>
       </p:sp>
@@ -5720,6 +5840,32 @@
       </p:grpSpPr>
       <p:sp>
         <p:nvSpPr>
+          <p:cNvPr id="2" name="标题 1"/>
+          <p:cNvSpPr>
+            <a:spLocks noGrp="1"/>
+          </p:cNvSpPr>
+          <p:nvPr>
+            <p:ph type="title"/>
+          </p:nvPr>
+        </p:nvSpPr>
+        <p:spPr/>
+        <p:txBody>
+          <a:bodyPr/>
+          <a:lstStyle/>
+          <a:p>
+            <a:r>
+              <a:rPr lang="en-US" altLang="zh-CN" dirty="0"/>
+              <a:t>Node.js</a:t>
+            </a:r>
+            <a:r>
+              <a:rPr lang="zh-CN" altLang="en-US" dirty="0"/>
+              <a:t>高并发原理及应用场景</a:t>
+            </a:r>
+          </a:p>
+        </p:txBody>
+      </p:sp>
+      <p:sp>
+        <p:nvSpPr>
           <p:cNvPr id="3" name="内容占位符 2"/>
           <p:cNvSpPr>
             <a:spLocks noGrp="1"/>
@@ -5730,140 +5876,135 @@
         </p:nvSpPr>
         <p:spPr/>
         <p:txBody>
-          <a:bodyPr>
-            <a:normAutofit/>
-          </a:bodyPr>
-          <a:lstStyle/>
-          <a:p>
-            <a:r>
-              <a:rPr lang="en-US" altLang="zh-CN" dirty="0" err="1"/>
+          <a:bodyPr/>
+          <a:lstStyle/>
+          <a:p>
+            <a:r>
+              <a:rPr lang="en-US" altLang="zh-CN" sz="1600" dirty="0" err="1"/>
               <a:t>NodeJS</a:t>
             </a:r>
             <a:r>
-              <a:rPr lang="zh-CN" altLang="en-US" dirty="0"/>
+              <a:rPr lang="zh-CN" altLang="en-US" sz="1600" dirty="0"/>
               <a:t>遇到</a:t>
             </a:r>
             <a:r>
-              <a:rPr lang="en-US" altLang="zh-CN" dirty="0"/>
+              <a:rPr lang="en-US" altLang="zh-CN" sz="1600" dirty="0"/>
               <a:t>I/O</a:t>
             </a:r>
             <a:r>
-              <a:rPr lang="zh-CN" altLang="en-US" dirty="0"/>
+              <a:rPr lang="zh-CN" altLang="en-US" sz="1600" dirty="0"/>
               <a:t>事件会创建一个线程去执行，然后主线程会继续往下执行的，</a:t>
             </a:r>
           </a:p>
           <a:p>
-            <a:endParaRPr lang="zh-CN" altLang="en-US" dirty="0" smtClean="0"/>
-          </a:p>
-          <a:p>
-            <a:r>
-              <a:rPr lang="zh-CN" altLang="en-US" dirty="0" smtClean="0"/>
+            <a:r>
+              <a:rPr lang="zh-CN" altLang="en-US" sz="1600" dirty="0"/>
               <a:t>因此，拿</a:t>
             </a:r>
             <a:r>
-              <a:rPr lang="en-US" altLang="zh-CN" dirty="0" smtClean="0"/>
+              <a:rPr lang="en-US" altLang="zh-CN" sz="1600" dirty="0"/>
               <a:t>profile</a:t>
             </a:r>
             <a:r>
-              <a:rPr lang="zh-CN" altLang="en-US" dirty="0" smtClean="0"/>
+              <a:rPr lang="zh-CN" altLang="en-US" sz="1600" dirty="0"/>
               <a:t>的动作触发一个</a:t>
             </a:r>
             <a:r>
-              <a:rPr lang="en-US" altLang="zh-CN" dirty="0" smtClean="0"/>
+              <a:rPr lang="en-US" altLang="zh-CN" sz="1600" dirty="0"/>
               <a:t>I/O</a:t>
             </a:r>
             <a:r>
-              <a:rPr lang="zh-CN" altLang="en-US" dirty="0" smtClean="0"/>
+              <a:rPr lang="zh-CN" altLang="en-US" sz="1600" dirty="0"/>
               <a:t>事件，马上就会执行拿</a:t>
             </a:r>
             <a:r>
-              <a:rPr lang="en-US" altLang="zh-CN" dirty="0" smtClean="0"/>
+              <a:rPr lang="en-US" altLang="zh-CN" sz="1600" dirty="0"/>
               <a:t>timeline</a:t>
             </a:r>
             <a:r>
-              <a:rPr lang="zh-CN" altLang="en-US" dirty="0" smtClean="0"/>
+              <a:rPr lang="zh-CN" altLang="en-US" sz="1600" dirty="0"/>
               <a:t>的动作，</a:t>
             </a:r>
           </a:p>
           <a:p>
+            <a:r>
+              <a:rPr lang="zh-CN" altLang="en-US" sz="1600" dirty="0"/>
+              <a:t>两个动作并行执行，假如各需要</a:t>
+            </a:r>
+            <a:r>
+              <a:rPr lang="en-US" altLang="zh-CN" sz="1600" dirty="0"/>
+              <a:t>1S</a:t>
+            </a:r>
+            <a:r>
+              <a:rPr lang="zh-CN" altLang="en-US" sz="1600" dirty="0"/>
+              <a:t>，那么总的时间也就是</a:t>
+            </a:r>
+            <a:r>
+              <a:rPr lang="en-US" altLang="zh-CN" sz="1600" dirty="0"/>
+              <a:t>1S</a:t>
+            </a:r>
+          </a:p>
+          <a:p>
+            <a:r>
+              <a:rPr lang="zh-CN" altLang="en-US" sz="1600" dirty="0"/>
+              <a:t>它们的</a:t>
+            </a:r>
+            <a:r>
+              <a:rPr lang="en-US" altLang="zh-CN" sz="1600" dirty="0"/>
+              <a:t>I/O</a:t>
+            </a:r>
+            <a:r>
+              <a:rPr lang="zh-CN" altLang="en-US" sz="1600" dirty="0"/>
+              <a:t>操作执行完成后，发射一个事件，</a:t>
+            </a:r>
+            <a:r>
+              <a:rPr lang="en-US" altLang="zh-CN" sz="1600" dirty="0"/>
+              <a:t>profile</a:t>
+            </a:r>
+            <a:r>
+              <a:rPr lang="zh-CN" altLang="en-US" sz="1600" dirty="0"/>
+              <a:t>和</a:t>
+            </a:r>
+            <a:r>
+              <a:rPr lang="en-US" altLang="zh-CN" sz="1600" dirty="0"/>
+              <a:t>timeline</a:t>
+            </a:r>
+            <a:r>
+              <a:rPr lang="zh-CN" altLang="en-US" sz="1600" dirty="0"/>
+              <a:t>，</a:t>
+            </a:r>
+          </a:p>
+          <a:p>
+            <a:r>
+              <a:rPr lang="zh-CN" altLang="en-US" sz="1600" dirty="0"/>
+              <a:t>事件代理接收后继续往下执行后面的逻辑，这就是</a:t>
+            </a:r>
+            <a:r>
+              <a:rPr lang="en-US" altLang="zh-CN" sz="1600" dirty="0" err="1"/>
+              <a:t>NodeJS</a:t>
+            </a:r>
+            <a:r>
+              <a:rPr lang="zh-CN" altLang="en-US" sz="1600" dirty="0"/>
+              <a:t>非阻塞</a:t>
+            </a:r>
+            <a:r>
+              <a:rPr lang="en-US" altLang="zh-CN" sz="1600" dirty="0"/>
+              <a:t>I/O</a:t>
+            </a:r>
+            <a:r>
+              <a:rPr lang="zh-CN" altLang="en-US" sz="1600" dirty="0"/>
+              <a:t>的特点</a:t>
+            </a:r>
+          </a:p>
+          <a:p>
             <a:endParaRPr lang="zh-CN" altLang="en-US" dirty="0"/>
-          </a:p>
-          <a:p>
-            <a:r>
-              <a:rPr lang="zh-CN" altLang="en-US" dirty="0"/>
-              <a:t>两个动作并行执行，假如各需要</a:t>
-            </a:r>
-            <a:r>
-              <a:rPr lang="en-US" altLang="zh-CN" dirty="0"/>
-              <a:t>1S</a:t>
-            </a:r>
-            <a:r>
-              <a:rPr lang="zh-CN" altLang="en-US" dirty="0"/>
-              <a:t>，那么总的时间也就是</a:t>
-            </a:r>
-            <a:r>
-              <a:rPr lang="en-US" altLang="zh-CN" dirty="0"/>
-              <a:t>1S</a:t>
-            </a:r>
-          </a:p>
-          <a:p>
-            <a:r>
-              <a:rPr lang="zh-CN" altLang="en-US" dirty="0"/>
-              <a:t>它们的</a:t>
-            </a:r>
-            <a:r>
-              <a:rPr lang="en-US" altLang="zh-CN" dirty="0"/>
-              <a:t>I/O</a:t>
-            </a:r>
-            <a:r>
-              <a:rPr lang="zh-CN" altLang="en-US" dirty="0"/>
-              <a:t>操作执行完成后，发射一个事件，</a:t>
-            </a:r>
-            <a:r>
-              <a:rPr lang="en-US" altLang="zh-CN" dirty="0"/>
-              <a:t>profile</a:t>
-            </a:r>
-            <a:r>
-              <a:rPr lang="zh-CN" altLang="en-US" dirty="0"/>
-              <a:t>和</a:t>
-            </a:r>
-            <a:r>
-              <a:rPr lang="en-US" altLang="zh-CN" dirty="0"/>
-              <a:t>timeline</a:t>
-            </a:r>
-            <a:r>
-              <a:rPr lang="zh-CN" altLang="en-US" dirty="0"/>
-              <a:t>，</a:t>
-            </a:r>
-          </a:p>
-          <a:p>
-            <a:r>
-              <a:rPr lang="zh-CN" altLang="en-US" dirty="0"/>
-              <a:t>事件代理接收后继续往下执行后面的逻辑，这就是</a:t>
-            </a:r>
-            <a:r>
-              <a:rPr lang="en-US" altLang="zh-CN" dirty="0" err="1"/>
-              <a:t>NodeJS</a:t>
-            </a:r>
-            <a:r>
-              <a:rPr lang="zh-CN" altLang="en-US" dirty="0"/>
-              <a:t>非阻塞</a:t>
-            </a:r>
-            <a:r>
-              <a:rPr lang="en-US" altLang="zh-CN" dirty="0"/>
-              <a:t>I/O</a:t>
-            </a:r>
-            <a:r>
-              <a:rPr lang="zh-CN" altLang="en-US" dirty="0"/>
-              <a:t>的特点</a:t>
-            </a:r>
           </a:p>
         </p:txBody>
       </p:sp>
     </p:spTree>
     <p:extLst>
       <p:ext uri="{BB962C8B-B14F-4D97-AF65-F5344CB8AC3E}">
-        <p14:creationId xmlns:p14="http://schemas.microsoft.com/office/powerpoint/2010/main" val="3604642597"/>
+        <p14:creationId xmlns:p14="http://schemas.microsoft.com/office/powerpoint/2010/main" val="2656814664"/>
       </p:ext>
     </p:extLst>
   </p:cSld>
@@ -6027,7 +6168,6 @@
               <a:rPr lang="en-US" altLang="zh-CN" sz="1600" dirty="0" smtClean="0"/>
               <a:t>)</a:t>
             </a:r>
-            <a:endParaRPr lang="en-US" altLang="zh-CN" sz="1600" dirty="0" smtClean="0"/>
           </a:p>
           <a:p>
             <a:pPr marL="971550" lvl="1" indent="-514350">
@@ -6119,158 +6259,199 @@
         <p:spPr/>
         <p:txBody>
           <a:bodyPr>
-            <a:normAutofit fontScale="92500"/>
+            <a:normAutofit/>
           </a:bodyPr>
           <a:lstStyle/>
           <a:p>
             <a:pPr>
+              <a:lnSpc>
+                <a:spcPct val="150000"/>
+              </a:lnSpc>
               <a:buFont typeface="Wingdings" panose="05000000000000000000" pitchFamily="2" charset="2"/>
               <a:buChar char="Ø"/>
             </a:pPr>
             <a:r>
-              <a:rPr lang="en-US" altLang="zh-CN" sz="2400" dirty="0" err="1"/>
-              <a:t>Npm</a:t>
-            </a:r>
-            <a:r>
-              <a:rPr lang="zh-CN" altLang="en-US" sz="2400" dirty="0"/>
-              <a:t>是随</a:t>
-            </a:r>
-            <a:r>
-              <a:rPr lang="en-US" altLang="zh-CN" sz="2400" dirty="0"/>
+              <a:rPr lang="en-US" altLang="zh-CN" sz="1600" dirty="0"/>
+              <a:t>NPM</a:t>
+            </a:r>
+            <a:r>
+              <a:rPr lang="zh-CN" altLang="en-US" sz="1600" dirty="0" smtClean="0"/>
+              <a:t>是</a:t>
+            </a:r>
+            <a:r>
+              <a:rPr lang="zh-CN" altLang="en-US" sz="1600" dirty="0"/>
+              <a:t>随</a:t>
+            </a:r>
+            <a:r>
+              <a:rPr lang="en-US" altLang="zh-CN" sz="1600" dirty="0"/>
               <a:t>node</a:t>
             </a:r>
             <a:r>
-              <a:rPr lang="zh-CN" altLang="en-US" sz="2400" dirty="0"/>
+              <a:rPr lang="zh-CN" altLang="en-US" sz="1600" dirty="0"/>
               <a:t>一起安装的包管理工具，主要用于管理</a:t>
             </a:r>
             <a:r>
-              <a:rPr lang="en-US" altLang="zh-CN" sz="2400" dirty="0" smtClean="0"/>
+              <a:rPr lang="en-US" altLang="zh-CN" sz="1600" dirty="0" smtClean="0"/>
               <a:t>node</a:t>
             </a:r>
             <a:r>
-              <a:rPr lang="zh-CN" altLang="en-US" sz="2400" dirty="0" smtClean="0"/>
+              <a:rPr lang="zh-CN" altLang="en-US" sz="1600" dirty="0" smtClean="0"/>
               <a:t>应用</a:t>
             </a:r>
             <a:r>
-              <a:rPr lang="zh-CN" altLang="en-US" sz="2400" dirty="0"/>
-              <a:t>所依赖的模块</a:t>
-            </a:r>
-            <a:r>
-              <a:rPr lang="zh-CN" altLang="en-US" sz="2400" dirty="0" smtClean="0"/>
+              <a:rPr lang="zh-CN" altLang="en-US" sz="1600" dirty="0"/>
+              <a:t>所</a:t>
+            </a:r>
+            <a:r>
+              <a:rPr lang="zh-CN" altLang="en-US" sz="1600" dirty="0" smtClean="0"/>
+              <a:t>依赖</a:t>
+            </a:r>
+            <a:r>
+              <a:rPr lang="en-US" altLang="zh-CN" sz="1600" dirty="0" smtClean="0"/>
+              <a:t/>
+            </a:r>
+            <a:br>
+              <a:rPr lang="en-US" altLang="zh-CN" sz="1600" dirty="0" smtClean="0"/>
+            </a:br>
+            <a:r>
+              <a:rPr lang="zh-CN" altLang="en-US" sz="1600" dirty="0" smtClean="0"/>
+              <a:t>的</a:t>
+            </a:r>
+            <a:r>
+              <a:rPr lang="zh-CN" altLang="en-US" sz="1600" dirty="0"/>
+              <a:t>模块</a:t>
+            </a:r>
+            <a:r>
+              <a:rPr lang="zh-CN" altLang="en-US" sz="1600" dirty="0" smtClean="0"/>
               <a:t>，</a:t>
             </a:r>
-            <a:endParaRPr lang="en-US" altLang="zh-CN" sz="2400" dirty="0" smtClean="0"/>
+            <a:endParaRPr lang="en-US" altLang="zh-CN" sz="1600" dirty="0" smtClean="0"/>
           </a:p>
           <a:p>
             <a:pPr>
+              <a:lnSpc>
+                <a:spcPct val="150000"/>
+              </a:lnSpc>
               <a:buFont typeface="Wingdings" panose="05000000000000000000" pitchFamily="2" charset="2"/>
               <a:buChar char="Ø"/>
             </a:pPr>
             <a:r>
-              <a:rPr lang="zh-CN" altLang="en-US" sz="2400" dirty="0" smtClean="0"/>
+              <a:rPr lang="zh-CN" altLang="en-US" sz="1600" dirty="0" smtClean="0"/>
               <a:t>允许</a:t>
             </a:r>
             <a:r>
-              <a:rPr lang="zh-CN" altLang="en-US" sz="2400" dirty="0"/>
+              <a:rPr lang="zh-CN" altLang="en-US" sz="1600" dirty="0"/>
               <a:t>用户从</a:t>
             </a:r>
             <a:r>
-              <a:rPr lang="en-US" altLang="zh-CN" sz="2400" dirty="0"/>
+              <a:rPr lang="en-US" altLang="zh-CN" sz="1600" dirty="0"/>
               <a:t>NPM</a:t>
             </a:r>
             <a:r>
-              <a:rPr lang="zh-CN" altLang="en-US" sz="2400" dirty="0"/>
+              <a:rPr lang="zh-CN" altLang="en-US" sz="1600" dirty="0"/>
               <a:t>服务器下载别人编写的第三方包到本地使用</a:t>
             </a:r>
-            <a:endParaRPr lang="en-US" altLang="zh-CN" sz="2400" dirty="0"/>
+            <a:endParaRPr lang="en-US" altLang="zh-CN" sz="1600" dirty="0"/>
           </a:p>
           <a:p>
             <a:pPr>
+              <a:lnSpc>
+                <a:spcPct val="150000"/>
+              </a:lnSpc>
               <a:buFont typeface="Wingdings" panose="05000000000000000000" pitchFamily="2" charset="2"/>
               <a:buChar char="Ø"/>
             </a:pPr>
             <a:r>
-              <a:rPr lang="zh-CN" altLang="en-US" sz="2400" dirty="0"/>
+              <a:rPr lang="zh-CN" altLang="en-US" sz="1600" dirty="0"/>
               <a:t>允许用户从</a:t>
             </a:r>
             <a:r>
-              <a:rPr lang="en-US" altLang="zh-CN" sz="2400" dirty="0"/>
+              <a:rPr lang="en-US" altLang="zh-CN" sz="1600" dirty="0"/>
               <a:t>NPM</a:t>
             </a:r>
             <a:r>
-              <a:rPr lang="zh-CN" altLang="en-US" sz="2400" dirty="0"/>
+              <a:rPr lang="zh-CN" altLang="en-US" sz="1600" dirty="0"/>
               <a:t>服务器下载并安装别人编写的命令行程序到本地使用</a:t>
             </a:r>
-            <a:endParaRPr lang="en-US" altLang="zh-CN" sz="2400" dirty="0"/>
+            <a:endParaRPr lang="en-US" altLang="zh-CN" sz="1600" dirty="0"/>
           </a:p>
           <a:p>
             <a:pPr>
+              <a:lnSpc>
+                <a:spcPct val="150000"/>
+              </a:lnSpc>
               <a:buFont typeface="Wingdings" panose="05000000000000000000" pitchFamily="2" charset="2"/>
               <a:buChar char="Ø"/>
             </a:pPr>
             <a:r>
-              <a:rPr lang="zh-CN" altLang="en-US" sz="2400" dirty="0"/>
+              <a:rPr lang="zh-CN" altLang="en-US" sz="1600" dirty="0"/>
               <a:t>允许用户将自己编写的包或命令行程序上传到</a:t>
             </a:r>
             <a:r>
-              <a:rPr lang="en-US" altLang="zh-CN" sz="2400" dirty="0"/>
+              <a:rPr lang="en-US" altLang="zh-CN" sz="1600" dirty="0"/>
               <a:t>NPM</a:t>
             </a:r>
             <a:r>
-              <a:rPr lang="zh-CN" altLang="en-US" sz="2400" dirty="0"/>
+              <a:rPr lang="zh-CN" altLang="en-US" sz="1600" dirty="0"/>
               <a:t>服务器供别人使用</a:t>
             </a:r>
-            <a:endParaRPr lang="en-US" altLang="zh-CN" sz="2400" dirty="0"/>
+            <a:endParaRPr lang="en-US" altLang="zh-CN" sz="1600" dirty="0"/>
           </a:p>
           <a:p>
             <a:pPr>
+              <a:lnSpc>
+                <a:spcPct val="150000"/>
+              </a:lnSpc>
               <a:buFont typeface="Wingdings" panose="05000000000000000000" pitchFamily="2" charset="2"/>
               <a:buChar char="Ø"/>
             </a:pPr>
             <a:r>
-              <a:rPr lang="zh-CN" altLang="en-US" sz="2400" dirty="0"/>
+              <a:rPr lang="zh-CN" altLang="en-US" sz="1600" dirty="0"/>
               <a:t>安装命令：</a:t>
             </a:r>
             <a:r>
-              <a:rPr lang="en-US" altLang="zh-CN" sz="2400" dirty="0" err="1"/>
+              <a:rPr lang="en-US" altLang="zh-CN" sz="1600" dirty="0" err="1"/>
               <a:t>npm</a:t>
             </a:r>
             <a:r>
-              <a:rPr lang="en-US" altLang="zh-CN" sz="2400" dirty="0"/>
+              <a:rPr lang="en-US" altLang="zh-CN" sz="1600" dirty="0"/>
               <a:t> install &lt;module name&gt; (-g:</a:t>
             </a:r>
             <a:r>
-              <a:rPr lang="zh-CN" altLang="en-US" sz="2400" dirty="0"/>
+              <a:rPr lang="zh-CN" altLang="en-US" sz="1600" dirty="0"/>
               <a:t>全局安装</a:t>
             </a:r>
             <a:r>
-              <a:rPr lang="en-US" altLang="zh-CN" sz="2400" dirty="0"/>
+              <a:rPr lang="en-US" altLang="zh-CN" sz="1600" dirty="0"/>
               <a:t> –save:</a:t>
             </a:r>
             <a:r>
-              <a:rPr lang="zh-CN" altLang="en-US" sz="2400" dirty="0"/>
+              <a:rPr lang="zh-CN" altLang="en-US" sz="1600" dirty="0"/>
               <a:t>添加依赖</a:t>
             </a:r>
             <a:r>
-              <a:rPr lang="en-US" altLang="zh-CN" sz="2400" dirty="0"/>
+              <a:rPr lang="en-US" altLang="zh-CN" sz="1600" dirty="0"/>
               <a:t>)</a:t>
             </a:r>
           </a:p>
           <a:p>
             <a:pPr>
+              <a:lnSpc>
+                <a:spcPct val="150000"/>
+              </a:lnSpc>
               <a:buFont typeface="Wingdings" panose="05000000000000000000" pitchFamily="2" charset="2"/>
               <a:buChar char="Ø"/>
             </a:pPr>
             <a:r>
-              <a:rPr lang="zh-CN" altLang="en-US" sz="2400" dirty="0"/>
+              <a:rPr lang="zh-CN" altLang="en-US" sz="1600" dirty="0"/>
               <a:t>卸载命令：</a:t>
             </a:r>
             <a:r>
-              <a:rPr lang="en-US" altLang="zh-CN" sz="2400" dirty="0" err="1"/>
+              <a:rPr lang="en-US" altLang="zh-CN" sz="1600" dirty="0" err="1"/>
               <a:t>npm</a:t>
             </a:r>
             <a:r>
-              <a:rPr lang="en-US" altLang="zh-CN" sz="2400" dirty="0"/>
+              <a:rPr lang="en-US" altLang="zh-CN" sz="1600" dirty="0"/>
               <a:t> uninstall &lt;module name&gt;</a:t>
             </a:r>
           </a:p>
@@ -6289,6 +6470,13 @@
   <p:clrMapOvr>
     <a:masterClrMapping/>
   </p:clrMapOvr>
+  <p:timing>
+    <p:tnLst>
+      <p:par>
+        <p:cTn id="1" dur="indefinite" restart="never" nodeType="tmRoot"/>
+      </p:par>
+    </p:tnLst>
+  </p:timing>
 </p:sld>
 </file>
 
@@ -6474,6 +6662,98 @@
           </a:p>
         </p:txBody>
       </p:sp>
+    </p:spTree>
+    <p:extLst>
+      <p:ext uri="{BB962C8B-B14F-4D97-AF65-F5344CB8AC3E}">
+        <p14:creationId xmlns:p14="http://schemas.microsoft.com/office/powerpoint/2010/main" val="3930706443"/>
+      </p:ext>
+    </p:extLst>
+  </p:cSld>
+  <p:clrMapOvr>
+    <a:masterClrMapping/>
+  </p:clrMapOvr>
+  <p:timing>
+    <p:tnLst>
+      <p:par>
+        <p:cTn id="1" dur="indefinite" restart="never" nodeType="tmRoot"/>
+      </p:par>
+    </p:tnLst>
+  </p:timing>
+</p:sld>
+</file>
+
+<file path=ppt/slides/slide6.xml><?xml version="1.0" encoding="utf-8"?>
+<p:sld xmlns:a="http://schemas.openxmlformats.org/drawingml/2006/main" xmlns:r="http://schemas.openxmlformats.org/officeDocument/2006/relationships" xmlns:p="http://schemas.openxmlformats.org/presentationml/2006/main">
+  <p:cSld>
+    <p:spTree>
+      <p:nvGrpSpPr>
+        <p:cNvPr id="1" name=""/>
+        <p:cNvGrpSpPr/>
+        <p:nvPr/>
+      </p:nvGrpSpPr>
+      <p:grpSpPr>
+        <a:xfrm>
+          <a:off x="0" y="0"/>
+          <a:ext cx="0" cy="0"/>
+          <a:chOff x="0" y="0"/>
+          <a:chExt cx="0" cy="0"/>
+        </a:xfrm>
+      </p:grpSpPr>
+      <p:sp>
+        <p:nvSpPr>
+          <p:cNvPr id="2" name="标题 1"/>
+          <p:cNvSpPr>
+            <a:spLocks noGrp="1"/>
+          </p:cNvSpPr>
+          <p:nvPr>
+            <p:ph type="title"/>
+          </p:nvPr>
+        </p:nvSpPr>
+        <p:spPr/>
+        <p:txBody>
+          <a:bodyPr/>
+          <a:lstStyle/>
+          <a:p>
+            <a:r>
+              <a:rPr lang="en-US" altLang="zh-CN" dirty="0"/>
+              <a:t>Node.js</a:t>
+            </a:r>
+            <a:r>
+              <a:rPr lang="zh-CN" altLang="en-US" dirty="0"/>
+              <a:t>模块系统</a:t>
+            </a:r>
+          </a:p>
+        </p:txBody>
+      </p:sp>
+      <p:pic>
+        <p:nvPicPr>
+          <p:cNvPr id="5" name="内容占位符 4"/>
+          <p:cNvPicPr>
+            <a:picLocks noGrp="1" noChangeAspect="1"/>
+          </p:cNvPicPr>
+          <p:nvPr>
+            <p:ph idx="1"/>
+          </p:nvPr>
+        </p:nvPicPr>
+        <p:blipFill>
+          <a:blip r:embed="rId2">
+            <a:extLst>
+              <a:ext uri="{28A0092B-C50C-407E-A947-70E740481C1C}">
+                <a14:useLocalDpi xmlns:a14="http://schemas.microsoft.com/office/drawing/2010/main" val="0"/>
+              </a:ext>
+            </a:extLst>
+          </a:blip>
+          <a:stretch>
+            <a:fillRect/>
+          </a:stretch>
+        </p:blipFill>
+        <p:spPr>
+          <a:xfrm>
+            <a:off x="1043608" y="1911971"/>
+            <a:ext cx="6552728" cy="4946029"/>
+          </a:xfrm>
+        </p:spPr>
+      </p:pic>
       <p:sp>
         <p:nvSpPr>
           <p:cNvPr id="4" name="Rectangle 1"/>
@@ -6574,7 +6854,7 @@
     </p:spTree>
     <p:extLst>
       <p:ext uri="{BB962C8B-B14F-4D97-AF65-F5344CB8AC3E}">
-        <p14:creationId xmlns:p14="http://schemas.microsoft.com/office/powerpoint/2010/main" val="3930706443"/>
+        <p14:creationId xmlns:p14="http://schemas.microsoft.com/office/powerpoint/2010/main" val="1211722327"/>
       </p:ext>
     </p:extLst>
   </p:cSld>
@@ -6591,7 +6871,7 @@
 </p:sld>
 </file>
 
-<file path=ppt/slides/slide6.xml><?xml version="1.0" encoding="utf-8"?>
+<file path=ppt/slides/slide7.xml><?xml version="1.0" encoding="utf-8"?>
 <p:sld xmlns:a="http://schemas.openxmlformats.org/drawingml/2006/main" xmlns:r="http://schemas.openxmlformats.org/officeDocument/2006/relationships" xmlns:p="http://schemas.openxmlformats.org/presentationml/2006/main">
   <p:cSld>
     <p:spTree>
@@ -6629,41 +6909,199 @@
             </a:r>
             <a:r>
               <a:rPr lang="zh-CN" altLang="en-US" dirty="0"/>
-              <a:t>模块系统</a:t>
-            </a:r>
-            <a:endParaRPr lang="zh-CN" altLang="en-US" dirty="0"/>
-          </a:p>
-        </p:txBody>
-      </p:sp>
-      <p:pic>
-        <p:nvPicPr>
-          <p:cNvPr id="5" name="内容占位符 4"/>
-          <p:cNvPicPr>
-            <a:picLocks noGrp="1" noChangeAspect="1"/>
-          </p:cNvPicPr>
+              <a:t>回调函数</a:t>
+            </a:r>
+            <a:endParaRPr lang="en-US" altLang="zh-CN" dirty="0"/>
+          </a:p>
+        </p:txBody>
+      </p:sp>
+      <p:sp>
+        <p:nvSpPr>
+          <p:cNvPr id="3" name="内容占位符 2"/>
+          <p:cNvSpPr>
+            <a:spLocks noGrp="1"/>
+          </p:cNvSpPr>
           <p:nvPr>
             <p:ph idx="1"/>
           </p:nvPr>
-        </p:nvPicPr>
-        <p:blipFill>
-          <a:blip r:embed="rId2">
-            <a:extLst>
-              <a:ext uri="{28A0092B-C50C-407E-A947-70E740481C1C}">
-                <a14:useLocalDpi xmlns:a14="http://schemas.microsoft.com/office/drawing/2010/main" val="0"/>
-              </a:ext>
-            </a:extLst>
-          </a:blip>
-          <a:stretch>
-            <a:fillRect/>
-          </a:stretch>
-        </p:blipFill>
-        <p:spPr>
-          <a:xfrm>
-            <a:off x="1043608" y="1911971"/>
-            <a:ext cx="6552728" cy="4946029"/>
-          </a:xfrm>
-        </p:spPr>
-      </p:pic>
+        </p:nvSpPr>
+        <p:spPr/>
+        <p:txBody>
+          <a:bodyPr>
+            <a:normAutofit/>
+          </a:bodyPr>
+          <a:lstStyle/>
+          <a:p>
+            <a:pPr>
+              <a:lnSpc>
+                <a:spcPct val="150000"/>
+              </a:lnSpc>
+              <a:buFont typeface="Wingdings" panose="05000000000000000000" pitchFamily="2" charset="2"/>
+              <a:buChar char="Ø"/>
+            </a:pPr>
+            <a:r>
+              <a:rPr lang="en-US" altLang="zh-CN" sz="1600" dirty="0" smtClean="0"/>
+              <a:t>Node.js</a:t>
+            </a:r>
+            <a:r>
+              <a:rPr lang="zh-CN" altLang="en-US" sz="1600" dirty="0"/>
+              <a:t>异步编程的直接体现就是回调，回调函数在完成任务后就会被</a:t>
+            </a:r>
+            <a:r>
+              <a:rPr lang="zh-CN" altLang="en-US" sz="1600" dirty="0" smtClean="0"/>
+              <a:t>调用</a:t>
+            </a:r>
+            <a:endParaRPr lang="en-US" altLang="zh-CN" sz="1600" dirty="0" smtClean="0"/>
+          </a:p>
+          <a:p>
+            <a:pPr>
+              <a:lnSpc>
+                <a:spcPct val="150000"/>
+              </a:lnSpc>
+              <a:buFont typeface="Wingdings" panose="05000000000000000000" pitchFamily="2" charset="2"/>
+              <a:buChar char="Ø"/>
+            </a:pPr>
+            <a:r>
+              <a:rPr lang="zh-CN" altLang="en-US" sz="1600" dirty="0" smtClean="0"/>
+              <a:t>以</a:t>
+            </a:r>
+            <a:r>
+              <a:rPr lang="en-US" altLang="zh-CN" sz="1600" dirty="0" err="1" smtClean="0"/>
+              <a:t>fs.readFile</a:t>
+            </a:r>
+            <a:r>
+              <a:rPr lang="zh-CN" altLang="en-US" sz="1600" dirty="0"/>
+              <a:t>为例：我们可以一边读取文件，一边执行其他命令，在文件读取完成后，我们将文件内容作为回调函数的参数返回。这样在执行代码时就没有</a:t>
+            </a:r>
+            <a:r>
+              <a:rPr lang="zh-CN" altLang="en-US" sz="1600" dirty="0" smtClean="0"/>
+              <a:t>阻塞或</a:t>
+            </a:r>
+            <a:r>
+              <a:rPr lang="zh-CN" altLang="en-US" sz="1600" dirty="0"/>
+              <a:t>等待文件 </a:t>
+            </a:r>
+            <a:r>
+              <a:rPr lang="en-US" altLang="zh-CN" sz="1600" dirty="0"/>
+              <a:t>I/O </a:t>
+            </a:r>
+            <a:r>
+              <a:rPr lang="zh-CN" altLang="en-US" sz="1600" dirty="0"/>
+              <a:t>操作</a:t>
+            </a:r>
+            <a:r>
+              <a:rPr lang="zh-CN" altLang="en-US" sz="1600" dirty="0" smtClean="0"/>
+              <a:t>。</a:t>
+            </a:r>
+            <a:endParaRPr lang="en-US" altLang="zh-CN" sz="1600" dirty="0" smtClean="0"/>
+          </a:p>
+          <a:p>
+            <a:pPr>
+              <a:lnSpc>
+                <a:spcPct val="150000"/>
+              </a:lnSpc>
+              <a:buFont typeface="Wingdings" panose="05000000000000000000" pitchFamily="2" charset="2"/>
+              <a:buChar char="Ø"/>
+            </a:pPr>
+            <a:r>
+              <a:rPr lang="zh-CN" altLang="en-US" sz="1600" dirty="0" smtClean="0"/>
+              <a:t>阻塞示例</a:t>
+            </a:r>
+            <a:r>
+              <a:rPr lang="en-US" altLang="zh-CN" sz="1600" dirty="0"/>
+              <a:t>:</a:t>
+            </a:r>
+            <a:r>
+              <a:rPr lang="en-US" altLang="zh-CN" sz="1600" dirty="0" err="1"/>
+              <a:t>var</a:t>
+            </a:r>
+            <a:r>
+              <a:rPr lang="en-US" altLang="zh-CN" sz="1600" dirty="0"/>
+              <a:t> </a:t>
+            </a:r>
+            <a:r>
+              <a:rPr lang="en-US" altLang="zh-CN" sz="1600" dirty="0" smtClean="0"/>
+              <a:t> fs </a:t>
+            </a:r>
+            <a:r>
+              <a:rPr lang="en-US" altLang="zh-CN" sz="1600" dirty="0"/>
+              <a:t>= require("fs");</a:t>
+            </a:r>
+            <a:br>
+              <a:rPr lang="en-US" altLang="zh-CN" sz="1600" dirty="0"/>
+            </a:br>
+            <a:r>
+              <a:rPr lang="en-US" altLang="zh-CN" sz="1600" dirty="0" smtClean="0"/>
+              <a:t>	</a:t>
+            </a:r>
+            <a:r>
+              <a:rPr lang="en-US" altLang="zh-CN" sz="1600" dirty="0"/>
+              <a:t> </a:t>
+            </a:r>
+            <a:r>
+              <a:rPr lang="en-US" altLang="zh-CN" sz="1600" dirty="0" smtClean="0"/>
+              <a:t>        </a:t>
+            </a:r>
+            <a:r>
+              <a:rPr lang="en-US" altLang="zh-CN" sz="1600" dirty="0" err="1" smtClean="0"/>
+              <a:t>var</a:t>
+            </a:r>
+            <a:r>
+              <a:rPr lang="en-US" altLang="zh-CN" sz="1600" dirty="0" smtClean="0"/>
+              <a:t>  data </a:t>
+            </a:r>
+            <a:r>
+              <a:rPr lang="en-US" altLang="zh-CN" sz="1600" dirty="0"/>
+              <a:t>= </a:t>
+            </a:r>
+            <a:r>
+              <a:rPr lang="en-US" altLang="zh-CN" sz="1600" dirty="0" err="1"/>
+              <a:t>fs.readFileSync</a:t>
+            </a:r>
+            <a:r>
+              <a:rPr lang="en-US" altLang="zh-CN" sz="1600" dirty="0"/>
+              <a:t>('input.txt');</a:t>
+            </a:r>
+            <a:br>
+              <a:rPr lang="en-US" altLang="zh-CN" sz="1600" dirty="0"/>
+            </a:br>
+            <a:r>
+              <a:rPr lang="en-US" altLang="zh-CN" sz="1600" dirty="0"/>
+              <a:t>                       console.log(</a:t>
+            </a:r>
+            <a:r>
+              <a:rPr lang="en-US" altLang="zh-CN" sz="1600" dirty="0" err="1"/>
+              <a:t>data.toString</a:t>
+            </a:r>
+            <a:r>
+              <a:rPr lang="en-US" altLang="zh-CN" sz="1600" dirty="0"/>
+              <a:t>());</a:t>
+            </a:r>
+            <a:br>
+              <a:rPr lang="en-US" altLang="zh-CN" sz="1600" dirty="0"/>
+            </a:br>
+            <a:r>
+              <a:rPr lang="en-US" altLang="zh-CN" sz="1600" dirty="0"/>
+              <a:t>                       console.log("</a:t>
+            </a:r>
+            <a:r>
+              <a:rPr lang="zh-CN" altLang="en-US" sz="1600" dirty="0"/>
+              <a:t>程序执行结束</a:t>
+            </a:r>
+            <a:r>
+              <a:rPr lang="en-US" altLang="zh-CN" sz="1600" dirty="0"/>
+              <a:t>!");</a:t>
+            </a:r>
+          </a:p>
+          <a:p>
+            <a:pPr>
+              <a:buFont typeface="Wingdings" panose="05000000000000000000" pitchFamily="2" charset="2"/>
+              <a:buChar char="Ø"/>
+            </a:pPr>
+            <a:endParaRPr lang="en-US" altLang="zh-CN" dirty="0" smtClean="0"/>
+          </a:p>
+        </p:txBody>
+      </p:sp>
       <p:sp>
         <p:nvSpPr>
           <p:cNvPr id="4" name="Rectangle 1"/>
@@ -6764,345 +7202,6 @@
     </p:spTree>
     <p:extLst>
       <p:ext uri="{BB962C8B-B14F-4D97-AF65-F5344CB8AC3E}">
-        <p14:creationId xmlns:p14="http://schemas.microsoft.com/office/powerpoint/2010/main" val="1211722327"/>
-      </p:ext>
-    </p:extLst>
-  </p:cSld>
-  <p:clrMapOvr>
-    <a:masterClrMapping/>
-  </p:clrMapOvr>
-  <p:timing>
-    <p:tnLst>
-      <p:par>
-        <p:cTn id="1" dur="indefinite" restart="never" nodeType="tmRoot"/>
-      </p:par>
-    </p:tnLst>
-  </p:timing>
-</p:sld>
-</file>
-
-<file path=ppt/slides/slide7.xml><?xml version="1.0" encoding="utf-8"?>
-<p:sld xmlns:a="http://schemas.openxmlformats.org/drawingml/2006/main" xmlns:r="http://schemas.openxmlformats.org/officeDocument/2006/relationships" xmlns:p="http://schemas.openxmlformats.org/presentationml/2006/main">
-  <p:cSld>
-    <p:spTree>
-      <p:nvGrpSpPr>
-        <p:cNvPr id="1" name=""/>
-        <p:cNvGrpSpPr/>
-        <p:nvPr/>
-      </p:nvGrpSpPr>
-      <p:grpSpPr>
-        <a:xfrm>
-          <a:off x="0" y="0"/>
-          <a:ext cx="0" cy="0"/>
-          <a:chOff x="0" y="0"/>
-          <a:chExt cx="0" cy="0"/>
-        </a:xfrm>
-      </p:grpSpPr>
-      <p:sp>
-        <p:nvSpPr>
-          <p:cNvPr id="2" name="标题 1"/>
-          <p:cNvSpPr>
-            <a:spLocks noGrp="1"/>
-          </p:cNvSpPr>
-          <p:nvPr>
-            <p:ph type="title"/>
-          </p:nvPr>
-        </p:nvSpPr>
-        <p:spPr/>
-        <p:txBody>
-          <a:bodyPr/>
-          <a:lstStyle/>
-          <a:p>
-            <a:r>
-              <a:rPr lang="en-US" altLang="zh-CN" dirty="0"/>
-              <a:t>Node.js</a:t>
-            </a:r>
-            <a:r>
-              <a:rPr lang="zh-CN" altLang="en-US" dirty="0"/>
-              <a:t>回调函数</a:t>
-            </a:r>
-            <a:endParaRPr lang="en-US" altLang="zh-CN" dirty="0"/>
-          </a:p>
-        </p:txBody>
-      </p:sp>
-      <p:sp>
-        <p:nvSpPr>
-          <p:cNvPr id="3" name="内容占位符 2"/>
-          <p:cNvSpPr>
-            <a:spLocks noGrp="1"/>
-          </p:cNvSpPr>
-          <p:nvPr>
-            <p:ph idx="1"/>
-          </p:nvPr>
-        </p:nvSpPr>
-        <p:spPr/>
-        <p:txBody>
-          <a:bodyPr>
-            <a:normAutofit/>
-          </a:bodyPr>
-          <a:lstStyle/>
-          <a:p>
-            <a:pPr>
-              <a:buFont typeface="Wingdings" panose="05000000000000000000" pitchFamily="2" charset="2"/>
-              <a:buChar char="Ø"/>
-            </a:pPr>
-            <a:r>
-              <a:rPr lang="en-US" altLang="zh-CN" dirty="0" smtClean="0"/>
-              <a:t>Node.js</a:t>
-            </a:r>
-            <a:r>
-              <a:rPr lang="zh-CN" altLang="en-US" dirty="0"/>
-              <a:t>异步编程的直接体现就是回调，回调函数在完成任务后就会被</a:t>
-            </a:r>
-            <a:r>
-              <a:rPr lang="zh-CN" altLang="en-US" dirty="0" smtClean="0"/>
-              <a:t>调用</a:t>
-            </a:r>
-            <a:endParaRPr lang="en-US" altLang="zh-CN" dirty="0" smtClean="0"/>
-          </a:p>
-          <a:p>
-            <a:pPr>
-              <a:buFont typeface="Wingdings" panose="05000000000000000000" pitchFamily="2" charset="2"/>
-              <a:buChar char="Ø"/>
-            </a:pPr>
-            <a:r>
-              <a:rPr lang="zh-CN" altLang="en-US" dirty="0" smtClean="0"/>
-              <a:t>以</a:t>
-            </a:r>
-            <a:r>
-              <a:rPr lang="en-US" altLang="zh-CN" dirty="0" err="1" smtClean="0"/>
-              <a:t>fs.readFile</a:t>
-            </a:r>
-            <a:r>
-              <a:rPr lang="zh-CN" altLang="en-US" dirty="0"/>
-              <a:t>为例：我们可以一边读取文件，一边执行其他命令，在文件读取完成后，我们将文件内容作为回调函数的参数返回。这样在执行代码时就没有</a:t>
-            </a:r>
-            <a:r>
-              <a:rPr lang="zh-CN" altLang="en-US" dirty="0" smtClean="0"/>
-              <a:t>阻塞或</a:t>
-            </a:r>
-            <a:r>
-              <a:rPr lang="zh-CN" altLang="en-US" dirty="0"/>
-              <a:t>等待文件 </a:t>
-            </a:r>
-            <a:r>
-              <a:rPr lang="en-US" altLang="zh-CN" dirty="0"/>
-              <a:t>I/O </a:t>
-            </a:r>
-            <a:r>
-              <a:rPr lang="zh-CN" altLang="en-US" dirty="0"/>
-              <a:t>操作</a:t>
-            </a:r>
-            <a:r>
-              <a:rPr lang="zh-CN" altLang="en-US" dirty="0" smtClean="0"/>
-              <a:t>。</a:t>
-            </a:r>
-            <a:endParaRPr lang="en-US" altLang="zh-CN" dirty="0" smtClean="0"/>
-          </a:p>
-          <a:p>
-            <a:pPr>
-              <a:buFont typeface="Wingdings" panose="05000000000000000000" pitchFamily="2" charset="2"/>
-              <a:buChar char="Ø"/>
-            </a:pPr>
-            <a:r>
-              <a:rPr lang="zh-CN" altLang="en-US" dirty="0" smtClean="0"/>
-              <a:t>阻塞示例</a:t>
-            </a:r>
-            <a:r>
-              <a:rPr lang="en-US" altLang="zh-CN" dirty="0"/>
-              <a:t>:</a:t>
-            </a:r>
-            <a:r>
-              <a:rPr lang="en-US" altLang="zh-CN" dirty="0" err="1"/>
-              <a:t>var</a:t>
-            </a:r>
-            <a:r>
-              <a:rPr lang="en-US" altLang="zh-CN" dirty="0"/>
-              <a:t> </a:t>
-            </a:r>
-            <a:r>
-              <a:rPr lang="en-US" altLang="zh-CN" dirty="0" smtClean="0"/>
-              <a:t> fs </a:t>
-            </a:r>
-            <a:r>
-              <a:rPr lang="en-US" altLang="zh-CN" dirty="0"/>
-              <a:t>= require("fs");</a:t>
-            </a:r>
-            <a:br>
-              <a:rPr lang="en-US" altLang="zh-CN" dirty="0"/>
-            </a:br>
-            <a:r>
-              <a:rPr lang="en-US" altLang="zh-CN" dirty="0" smtClean="0"/>
-              <a:t>	</a:t>
-            </a:r>
-            <a:r>
-              <a:rPr lang="en-US" altLang="zh-CN" dirty="0"/>
-              <a:t> </a:t>
-            </a:r>
-            <a:r>
-              <a:rPr lang="en-US" altLang="zh-CN" dirty="0" smtClean="0"/>
-              <a:t>        </a:t>
-            </a:r>
-            <a:r>
-              <a:rPr lang="en-US" altLang="zh-CN" dirty="0" err="1" smtClean="0"/>
-              <a:t>var</a:t>
-            </a:r>
-            <a:r>
-              <a:rPr lang="en-US" altLang="zh-CN" dirty="0" smtClean="0"/>
-              <a:t>  data </a:t>
-            </a:r>
-            <a:r>
-              <a:rPr lang="en-US" altLang="zh-CN" dirty="0"/>
-              <a:t>= </a:t>
-            </a:r>
-            <a:r>
-              <a:rPr lang="en-US" altLang="zh-CN" dirty="0" err="1"/>
-              <a:t>fs.readFileSync</a:t>
-            </a:r>
-            <a:r>
-              <a:rPr lang="en-US" altLang="zh-CN" dirty="0"/>
-              <a:t>('input.txt');</a:t>
-            </a:r>
-            <a:br>
-              <a:rPr lang="en-US" altLang="zh-CN" dirty="0"/>
-            </a:br>
-            <a:r>
-              <a:rPr lang="en-US" altLang="zh-CN" dirty="0"/>
-              <a:t>                       console.log(</a:t>
-            </a:r>
-            <a:r>
-              <a:rPr lang="en-US" altLang="zh-CN" dirty="0" err="1"/>
-              <a:t>data.toString</a:t>
-            </a:r>
-            <a:r>
-              <a:rPr lang="en-US" altLang="zh-CN" dirty="0"/>
-              <a:t>());</a:t>
-            </a:r>
-            <a:br>
-              <a:rPr lang="en-US" altLang="zh-CN" dirty="0"/>
-            </a:br>
-            <a:r>
-              <a:rPr lang="en-US" altLang="zh-CN" dirty="0"/>
-              <a:t>                       console.log("</a:t>
-            </a:r>
-            <a:r>
-              <a:rPr lang="zh-CN" altLang="en-US" dirty="0"/>
-              <a:t>程序执行结束</a:t>
-            </a:r>
-            <a:r>
-              <a:rPr lang="en-US" altLang="zh-CN" dirty="0"/>
-              <a:t>!");</a:t>
-            </a:r>
-          </a:p>
-          <a:p>
-            <a:pPr>
-              <a:buFont typeface="Wingdings" panose="05000000000000000000" pitchFamily="2" charset="2"/>
-              <a:buChar char="Ø"/>
-            </a:pPr>
-            <a:endParaRPr lang="en-US" altLang="zh-CN" dirty="0" smtClean="0"/>
-          </a:p>
-        </p:txBody>
-      </p:sp>
-      <p:sp>
-        <p:nvSpPr>
-          <p:cNvPr id="4" name="Rectangle 1"/>
-          <p:cNvSpPr>
-            <a:spLocks noChangeArrowheads="1"/>
-          </p:cNvSpPr>
-          <p:nvPr/>
-        </p:nvSpPr>
-        <p:spPr bwMode="auto">
-          <a:xfrm>
-            <a:off x="0" y="0"/>
-            <a:ext cx="9144000" cy="457200"/>
-          </a:xfrm>
-          <a:prstGeom prst="rect">
-            <a:avLst/>
-          </a:prstGeom>
-          <a:solidFill>
-            <a:srgbClr val="FFFFFF"/>
-          </a:solidFill>
-          <a:ln>
-            <a:noFill/>
-          </a:ln>
-          <a:effectLst/>
-          <a:extLst>
-            <a:ext uri="{91240B29-F687-4F45-9708-019B960494DF}">
-              <a14:hiddenLine xmlns:a14="http://schemas.microsoft.com/office/drawing/2010/main" w="9525">
-                <a:solidFill>
-                  <a:schemeClr val="tx1"/>
-                </a:solidFill>
-                <a:miter lim="800000"/>
-                <a:headEnd/>
-                <a:tailEnd/>
-              </a14:hiddenLine>
-            </a:ext>
-            <a:ext uri="{AF507438-7753-43E0-B8FC-AC1667EBCBE1}">
-              <a14:hiddenEffects xmlns:a14="http://schemas.microsoft.com/office/drawing/2010/main">
-                <a:effectLst>
-                  <a:outerShdw dist="35921" dir="2700000" algn="ctr" rotWithShape="0">
-                    <a:schemeClr val="bg2"/>
-                  </a:outerShdw>
-                </a:effectLst>
-              </a14:hiddenEffects>
-            </a:ext>
-          </a:extLst>
-        </p:spPr>
-        <p:txBody>
-          <a:bodyPr vert="horz" wrap="none" lIns="91440" tIns="45720" rIns="91440" bIns="45720" numCol="1" anchor="ctr" anchorCtr="0" compatLnSpc="1">
-            <a:prstTxWarp prst="textNoShape">
-              <a:avLst/>
-            </a:prstTxWarp>
-            <a:spAutoFit/>
-          </a:bodyPr>
-          <a:lstStyle/>
-          <a:p>
-            <a:pPr marL="0" marR="0" lvl="0" indent="0" algn="l" defTabSz="914400" rtl="0" eaLnBrk="0" fontAlgn="base" latinLnBrk="0" hangingPunct="0">
-              <a:lnSpc>
-                <a:spcPct val="100000"/>
-              </a:lnSpc>
-              <a:spcBef>
-                <a:spcPct val="0"/>
-              </a:spcBef>
-              <a:spcAft>
-                <a:spcPct val="0"/>
-              </a:spcAft>
-              <a:buClrTx/>
-              <a:buSzTx/>
-              <a:buFontTx/>
-              <a:buNone/>
-              <a:tabLst/>
-            </a:pPr>
-            <a:r>
-              <a:rPr kumimoji="0" lang="zh-CN" altLang="zh-CN" sz="900" b="0" i="1" u="none" strike="noStrike" cap="none" normalizeH="0" baseline="0" smtClean="0">
-                <a:ln>
-                  <a:noFill/>
-                </a:ln>
-                <a:solidFill>
-                  <a:srgbClr val="808080"/>
-                </a:solidFill>
-                <a:effectLst/>
-                <a:latin typeface="宋体" panose="02010600030101010101" pitchFamily="2" charset="-122"/>
-                <a:ea typeface="宋体" panose="02010600030101010101" pitchFamily="2" charset="-122"/>
-              </a:rPr>
-              <a:t>writeFile</a:t>
-            </a:r>
-            <a:endParaRPr kumimoji="0" lang="zh-CN" altLang="zh-CN" sz="1800" b="0" i="0" u="none" strike="noStrike" cap="none" normalizeH="0" baseline="0" smtClean="0">
-              <a:ln>
-                <a:noFill/>
-              </a:ln>
-              <a:solidFill>
-                <a:schemeClr val="tx1"/>
-              </a:solidFill>
-              <a:effectLst/>
-              <a:latin typeface="Arial" panose="020B0604020202020204" pitchFamily="34" charset="0"/>
-            </a:endParaRPr>
-          </a:p>
-        </p:txBody>
-      </p:sp>
-    </p:spTree>
-    <p:extLst>
-      <p:ext uri="{BB962C8B-B14F-4D97-AF65-F5344CB8AC3E}">
         <p14:creationId xmlns:p14="http://schemas.microsoft.com/office/powerpoint/2010/main" val="2579150331"/>
       </p:ext>
     </p:extLst>
@@ -7187,120 +7286,135 @@
           <a:lstStyle/>
           <a:p>
             <a:pPr>
+              <a:lnSpc>
+                <a:spcPct val="150000"/>
+              </a:lnSpc>
               <a:buFont typeface="Wingdings" panose="05000000000000000000" pitchFamily="2" charset="2"/>
               <a:buChar char="Ø"/>
             </a:pPr>
             <a:r>
-              <a:rPr lang="en-US" altLang="zh-CN" dirty="0" smtClean="0"/>
+              <a:rPr lang="en-US" altLang="zh-CN" sz="1600" dirty="0" smtClean="0"/>
               <a:t>Events</a:t>
             </a:r>
             <a:r>
-              <a:rPr lang="zh-CN" altLang="en-US" dirty="0" smtClean="0"/>
+              <a:rPr lang="zh-CN" altLang="en-US" sz="1600" dirty="0" smtClean="0"/>
               <a:t>对象：</a:t>
             </a:r>
             <a:r>
-              <a:rPr lang="en-US" altLang="zh-CN" sz="2400" dirty="0"/>
+              <a:rPr lang="en-US" altLang="zh-CN" sz="1600" dirty="0"/>
               <a:t> Node.js</a:t>
             </a:r>
             <a:r>
-              <a:rPr lang="zh-CN" altLang="en-US" sz="2400" dirty="0"/>
+              <a:rPr lang="zh-CN" altLang="en-US" sz="1600" dirty="0"/>
               <a:t>中大部分的</a:t>
             </a:r>
             <a:r>
-              <a:rPr lang="zh-CN" altLang="en-US" sz="2400" dirty="0" smtClean="0"/>
+              <a:rPr lang="zh-CN" altLang="en-US" sz="1600" dirty="0" smtClean="0"/>
               <a:t>模块，</a:t>
             </a:r>
             <a:r>
-              <a:rPr lang="zh-CN" altLang="en-US" sz="2400" dirty="0"/>
+              <a:rPr lang="zh-CN" altLang="en-US" sz="1600" dirty="0"/>
               <a:t>都继承自</a:t>
             </a:r>
             <a:r>
-              <a:rPr lang="en-US" altLang="zh-CN" sz="2400" dirty="0" smtClean="0"/>
+              <a:rPr lang="en-US" altLang="zh-CN" sz="1600" dirty="0" smtClean="0"/>
               <a:t>Event</a:t>
             </a:r>
             <a:r>
-              <a:rPr lang="zh-CN" altLang="en-US" sz="2400" dirty="0" smtClean="0"/>
+              <a:rPr lang="zh-CN" altLang="en-US" sz="1600" dirty="0" smtClean="0"/>
               <a:t>模块。</a:t>
             </a:r>
-            <a:endParaRPr lang="en-US" altLang="zh-CN" sz="2400" dirty="0" smtClean="0"/>
+            <a:endParaRPr lang="en-US" altLang="zh-CN" sz="1600" dirty="0" smtClean="0"/>
           </a:p>
           <a:p>
             <a:pPr>
+              <a:lnSpc>
+                <a:spcPct val="150000"/>
+              </a:lnSpc>
               <a:buFont typeface="Wingdings" panose="05000000000000000000" pitchFamily="2" charset="2"/>
               <a:buChar char="Ø"/>
             </a:pPr>
             <a:r>
-              <a:rPr lang="en-US" altLang="zh-CN" sz="2400" dirty="0" err="1" smtClean="0"/>
+              <a:rPr lang="en-US" altLang="zh-CN" sz="1600" dirty="0" err="1" smtClean="0"/>
               <a:t>EventEmitter</a:t>
             </a:r>
             <a:r>
-              <a:rPr lang="zh-CN" altLang="en-US" sz="2400" dirty="0" smtClean="0"/>
+              <a:rPr lang="zh-CN" altLang="en-US" sz="1600" dirty="0" smtClean="0"/>
               <a:t>对象：事件分发</a:t>
             </a:r>
             <a:r>
-              <a:rPr lang="en-US" altLang="zh-CN" sz="2400" dirty="0" smtClean="0"/>
+              <a:rPr lang="en-US" altLang="zh-CN" sz="1600" dirty="0" smtClean="0"/>
               <a:t>(emit)</a:t>
             </a:r>
           </a:p>
           <a:p>
             <a:pPr>
+              <a:lnSpc>
+                <a:spcPct val="150000"/>
+              </a:lnSpc>
               <a:buFont typeface="Wingdings" panose="05000000000000000000" pitchFamily="2" charset="2"/>
               <a:buChar char="Ø"/>
             </a:pPr>
             <a:r>
-              <a:rPr lang="zh-CN" altLang="en-US" sz="2400" dirty="0" smtClean="0"/>
+              <a:rPr lang="zh-CN" altLang="en-US" sz="1600" dirty="0" smtClean="0"/>
               <a:t>事件监听：对于</a:t>
             </a:r>
             <a:r>
-              <a:rPr lang="zh-CN" altLang="en-US" sz="2400" dirty="0"/>
+              <a:rPr lang="zh-CN" altLang="en-US" sz="1600" dirty="0"/>
               <a:t>每个事件，</a:t>
             </a:r>
             <a:r>
-              <a:rPr lang="en-US" altLang="zh-CN" sz="2400" dirty="0" err="1"/>
+              <a:rPr lang="en-US" altLang="zh-CN" sz="1600" dirty="0" err="1"/>
               <a:t>EventEmitter</a:t>
             </a:r>
             <a:r>
-              <a:rPr lang="en-US" altLang="zh-CN" sz="2400" dirty="0"/>
+              <a:rPr lang="en-US" altLang="zh-CN" sz="1600" dirty="0"/>
               <a:t> </a:t>
             </a:r>
             <a:r>
-              <a:rPr lang="zh-CN" altLang="en-US" sz="2400" dirty="0"/>
+              <a:rPr lang="zh-CN" altLang="en-US" sz="1600" dirty="0"/>
               <a:t>支持 若干个事件监听器。当事件触发时，注册到这个事件的事件监听器被依次调用，事件参数作为回调函数参数</a:t>
             </a:r>
             <a:r>
-              <a:rPr lang="zh-CN" altLang="en-US" sz="2400" dirty="0" smtClean="0"/>
+              <a:rPr lang="zh-CN" altLang="en-US" sz="1600" dirty="0" smtClean="0"/>
               <a:t>传递</a:t>
             </a:r>
-            <a:endParaRPr lang="en-US" altLang="zh-CN" sz="2400" dirty="0" smtClean="0"/>
+            <a:endParaRPr lang="en-US" altLang="zh-CN" sz="1600" dirty="0" smtClean="0"/>
           </a:p>
           <a:p>
             <a:pPr>
+              <a:lnSpc>
+                <a:spcPct val="150000"/>
+              </a:lnSpc>
               <a:buFont typeface="Wingdings" panose="05000000000000000000" pitchFamily="2" charset="2"/>
               <a:buChar char="Ø"/>
             </a:pPr>
             <a:r>
-              <a:rPr lang="zh-CN" altLang="en-US" sz="2400" dirty="0" smtClean="0"/>
+              <a:rPr lang="zh-CN" altLang="en-US" sz="1600" dirty="0" smtClean="0"/>
               <a:t>绑定事件监听器：</a:t>
             </a:r>
             <a:r>
-              <a:rPr lang="en-US" altLang="zh-CN" sz="2400" dirty="0" smtClean="0"/>
+              <a:rPr lang="en-US" altLang="zh-CN" sz="1600" dirty="0" smtClean="0"/>
               <a:t>on</a:t>
             </a:r>
           </a:p>
           <a:p>
             <a:pPr>
+              <a:lnSpc>
+                <a:spcPct val="150000"/>
+              </a:lnSpc>
               <a:buFont typeface="Wingdings" panose="05000000000000000000" pitchFamily="2" charset="2"/>
               <a:buChar char="Ø"/>
             </a:pPr>
             <a:r>
-              <a:rPr lang="zh-CN" altLang="en-US" sz="2400" dirty="0" smtClean="0"/>
+              <a:rPr lang="zh-CN" altLang="en-US" sz="1600" dirty="0" smtClean="0"/>
               <a:t>触发事件：</a:t>
             </a:r>
             <a:r>
-              <a:rPr lang="en-US" altLang="zh-CN" sz="2400" dirty="0" smtClean="0"/>
+              <a:rPr lang="en-US" altLang="zh-CN" sz="1600" dirty="0" smtClean="0"/>
               <a:t>emit</a:t>
             </a:r>
-            <a:endParaRPr lang="en-US" altLang="zh-CN" sz="2400" dirty="0"/>
+            <a:endParaRPr lang="en-US" altLang="zh-CN" sz="1600" dirty="0"/>
           </a:p>
           <a:p>
             <a:pPr>
@@ -7957,7 +8071,7 @@
   <a:extraClrSchemeLst/>
   <a:extLst>
     <a:ext uri="{05A4C25C-085E-4340-85A3-A5531E510DB2}">
-      <thm15:themeFamily xmlns:thm15="http://schemas.microsoft.com/office/thememl/2012/main" name="Banded" id="{98DFF888-2449-4D28-977C-6306C017633E}" vid="{9792607F-9579-4224-82FF-9C88C3E1E53D}"/>
+      <thm15:themeFamily xmlns:thm15="http://schemas.microsoft.com/office/thememl/2012/main" xmlns="" name="Banded" id="{98DFF888-2449-4D28-977C-6306C017633E}" vid="{9792607F-9579-4224-82FF-9C88C3E1E53D}"/>
     </a:ext>
   </a:extLst>
 </a:theme>

--- a/mix/技术分享/NODE技术分享.pptx
+++ b/mix/技术分享/NODE技术分享.pptx
@@ -25,8 +25,9 @@
     <p:sldId id="264" r:id="rId19"/>
     <p:sldId id="265" r:id="rId20"/>
     <p:sldId id="266" r:id="rId21"/>
-    <p:sldId id="267" r:id="rId22"/>
-    <p:sldId id="284" r:id="rId23"/>
+    <p:sldId id="284" r:id="rId22"/>
+    <p:sldId id="285" r:id="rId23"/>
+    <p:sldId id="286" r:id="rId24"/>
   </p:sldIdLst>
   <p:sldSz cx="9144000" cy="6858000" type="screen4x3"/>
   <p:notesSz cx="6858000" cy="9144000"/>
@@ -127,7 +128,7 @@
   </p:defaultTextStyle>
   <p:extLst>
     <p:ext uri="{EFAFB233-063F-42B5-8137-9DF3F51BA10A}">
-      <p15:sldGuideLst xmlns:p15="http://schemas.microsoft.com/office/powerpoint/2012/main" xmlns="">
+      <p15:sldGuideLst xmlns:p15="http://schemas.microsoft.com/office/powerpoint/2012/main">
         <p15:guide id="1" orient="horz" pos="2160">
           <p15:clr>
             <a:srgbClr val="A4A3A4"/>
@@ -142,6 +143,3726 @@
     </p:ext>
   </p:extLst>
 </p:presentation>
+</file>
+
+<file path=ppt/diagrams/colors1.xml><?xml version="1.0" encoding="utf-8"?>
+<dgm:colorsDef xmlns:dgm="http://schemas.openxmlformats.org/drawingml/2006/diagram" xmlns:a="http://schemas.openxmlformats.org/drawingml/2006/main" uniqueId="urn:microsoft.com/office/officeart/2005/8/colors/accent1_2">
+  <dgm:title val=""/>
+  <dgm:desc val=""/>
+  <dgm:catLst>
+    <dgm:cat type="accent1" pri="11200"/>
+  </dgm:catLst>
+  <dgm:styleLbl name="node0">
+    <dgm:fillClrLst meth="repeat">
+      <a:schemeClr val="accent1"/>
+    </dgm:fillClrLst>
+    <dgm:linClrLst meth="repeat">
+      <a:schemeClr val="lt1"/>
+    </dgm:linClrLst>
+    <dgm:effectClrLst/>
+    <dgm:txLinClrLst/>
+    <dgm:txFillClrLst/>
+    <dgm:txEffectClrLst/>
+  </dgm:styleLbl>
+  <dgm:styleLbl name="alignNode1">
+    <dgm:fillClrLst meth="repeat">
+      <a:schemeClr val="accent1"/>
+    </dgm:fillClrLst>
+    <dgm:linClrLst meth="repeat">
+      <a:schemeClr val="accent1"/>
+    </dgm:linClrLst>
+    <dgm:effectClrLst/>
+    <dgm:txLinClrLst/>
+    <dgm:txFillClrLst/>
+    <dgm:txEffectClrLst/>
+  </dgm:styleLbl>
+  <dgm:styleLbl name="node1">
+    <dgm:fillClrLst meth="repeat">
+      <a:schemeClr val="accent1"/>
+    </dgm:fillClrLst>
+    <dgm:linClrLst meth="repeat">
+      <a:schemeClr val="lt1"/>
+    </dgm:linClrLst>
+    <dgm:effectClrLst/>
+    <dgm:txLinClrLst/>
+    <dgm:txFillClrLst/>
+    <dgm:txEffectClrLst/>
+  </dgm:styleLbl>
+  <dgm:styleLbl name="lnNode1">
+    <dgm:fillClrLst meth="repeat">
+      <a:schemeClr val="accent1"/>
+    </dgm:fillClrLst>
+    <dgm:linClrLst meth="repeat">
+      <a:schemeClr val="lt1"/>
+    </dgm:linClrLst>
+    <dgm:effectClrLst/>
+    <dgm:txLinClrLst/>
+    <dgm:txFillClrLst/>
+    <dgm:txEffectClrLst/>
+  </dgm:styleLbl>
+  <dgm:styleLbl name="vennNode1">
+    <dgm:fillClrLst meth="repeat">
+      <a:schemeClr val="accent1">
+        <a:alpha val="50000"/>
+      </a:schemeClr>
+    </dgm:fillClrLst>
+    <dgm:linClrLst meth="repeat">
+      <a:schemeClr val="lt1"/>
+    </dgm:linClrLst>
+    <dgm:effectClrLst/>
+    <dgm:txLinClrLst/>
+    <dgm:txFillClrLst/>
+    <dgm:txEffectClrLst/>
+  </dgm:styleLbl>
+  <dgm:styleLbl name="node2">
+    <dgm:fillClrLst meth="repeat">
+      <a:schemeClr val="accent1"/>
+    </dgm:fillClrLst>
+    <dgm:linClrLst meth="repeat">
+      <a:schemeClr val="lt1"/>
+    </dgm:linClrLst>
+    <dgm:effectClrLst/>
+    <dgm:txLinClrLst/>
+    <dgm:txFillClrLst/>
+    <dgm:txEffectClrLst/>
+  </dgm:styleLbl>
+  <dgm:styleLbl name="node3">
+    <dgm:fillClrLst meth="repeat">
+      <a:schemeClr val="accent1"/>
+    </dgm:fillClrLst>
+    <dgm:linClrLst meth="repeat">
+      <a:schemeClr val="lt1"/>
+    </dgm:linClrLst>
+    <dgm:effectClrLst/>
+    <dgm:txLinClrLst/>
+    <dgm:txFillClrLst/>
+    <dgm:txEffectClrLst/>
+  </dgm:styleLbl>
+  <dgm:styleLbl name="node4">
+    <dgm:fillClrLst meth="repeat">
+      <a:schemeClr val="accent1"/>
+    </dgm:fillClrLst>
+    <dgm:linClrLst meth="repeat">
+      <a:schemeClr val="lt1"/>
+    </dgm:linClrLst>
+    <dgm:effectClrLst/>
+    <dgm:txLinClrLst/>
+    <dgm:txFillClrLst/>
+    <dgm:txEffectClrLst/>
+  </dgm:styleLbl>
+  <dgm:styleLbl name="fgImgPlace1">
+    <dgm:fillClrLst meth="repeat">
+      <a:schemeClr val="accent1">
+        <a:tint val="50000"/>
+      </a:schemeClr>
+    </dgm:fillClrLst>
+    <dgm:linClrLst meth="repeat">
+      <a:schemeClr val="lt1"/>
+    </dgm:linClrLst>
+    <dgm:effectClrLst/>
+    <dgm:txLinClrLst/>
+    <dgm:txFillClrLst meth="repeat">
+      <a:schemeClr val="lt1"/>
+    </dgm:txFillClrLst>
+    <dgm:txEffectClrLst/>
+  </dgm:styleLbl>
+  <dgm:styleLbl name="alignImgPlace1">
+    <dgm:fillClrLst meth="repeat">
+      <a:schemeClr val="accent1">
+        <a:tint val="50000"/>
+      </a:schemeClr>
+    </dgm:fillClrLst>
+    <dgm:linClrLst meth="repeat">
+      <a:schemeClr val="lt1"/>
+    </dgm:linClrLst>
+    <dgm:effectClrLst/>
+    <dgm:txLinClrLst/>
+    <dgm:txFillClrLst meth="repeat">
+      <a:schemeClr val="lt1"/>
+    </dgm:txFillClrLst>
+    <dgm:txEffectClrLst/>
+  </dgm:styleLbl>
+  <dgm:styleLbl name="bgImgPlace1">
+    <dgm:fillClrLst meth="repeat">
+      <a:schemeClr val="accent1">
+        <a:tint val="50000"/>
+      </a:schemeClr>
+    </dgm:fillClrLst>
+    <dgm:linClrLst meth="repeat">
+      <a:schemeClr val="lt1"/>
+    </dgm:linClrLst>
+    <dgm:effectClrLst/>
+    <dgm:txLinClrLst/>
+    <dgm:txFillClrLst meth="repeat">
+      <a:schemeClr val="lt1"/>
+    </dgm:txFillClrLst>
+    <dgm:txEffectClrLst/>
+  </dgm:styleLbl>
+  <dgm:styleLbl name="sibTrans2D1">
+    <dgm:fillClrLst meth="repeat">
+      <a:schemeClr val="accent1">
+        <a:tint val="60000"/>
+      </a:schemeClr>
+    </dgm:fillClrLst>
+    <dgm:linClrLst meth="repeat">
+      <a:schemeClr val="accent1">
+        <a:tint val="60000"/>
+      </a:schemeClr>
+    </dgm:linClrLst>
+    <dgm:effectClrLst/>
+    <dgm:txLinClrLst/>
+    <dgm:txFillClrLst/>
+    <dgm:txEffectClrLst/>
+  </dgm:styleLbl>
+  <dgm:styleLbl name="fgSibTrans2D1">
+    <dgm:fillClrLst meth="repeat">
+      <a:schemeClr val="accent1">
+        <a:tint val="60000"/>
+      </a:schemeClr>
+    </dgm:fillClrLst>
+    <dgm:linClrLst meth="repeat">
+      <a:schemeClr val="accent1">
+        <a:tint val="60000"/>
+      </a:schemeClr>
+    </dgm:linClrLst>
+    <dgm:effectClrLst/>
+    <dgm:txLinClrLst/>
+    <dgm:txFillClrLst/>
+    <dgm:txEffectClrLst/>
+  </dgm:styleLbl>
+  <dgm:styleLbl name="bgSibTrans2D1">
+    <dgm:fillClrLst meth="repeat">
+      <a:schemeClr val="accent1">
+        <a:tint val="60000"/>
+      </a:schemeClr>
+    </dgm:fillClrLst>
+    <dgm:linClrLst meth="repeat">
+      <a:schemeClr val="accent1">
+        <a:tint val="60000"/>
+      </a:schemeClr>
+    </dgm:linClrLst>
+    <dgm:effectClrLst/>
+    <dgm:txLinClrLst/>
+    <dgm:txFillClrLst/>
+    <dgm:txEffectClrLst/>
+  </dgm:styleLbl>
+  <dgm:styleLbl name="sibTrans1D1">
+    <dgm:fillClrLst meth="repeat">
+      <a:schemeClr val="accent1"/>
+    </dgm:fillClrLst>
+    <dgm:linClrLst meth="repeat">
+      <a:schemeClr val="accent1"/>
+    </dgm:linClrLst>
+    <dgm:effectClrLst/>
+    <dgm:txLinClrLst/>
+    <dgm:txFillClrLst meth="repeat">
+      <a:schemeClr val="tx1"/>
+    </dgm:txFillClrLst>
+    <dgm:txEffectClrLst/>
+  </dgm:styleLbl>
+  <dgm:styleLbl name="callout">
+    <dgm:fillClrLst meth="repeat">
+      <a:schemeClr val="accent1"/>
+    </dgm:fillClrLst>
+    <dgm:linClrLst meth="repeat">
+      <a:schemeClr val="accent1">
+        <a:tint val="50000"/>
+      </a:schemeClr>
+    </dgm:linClrLst>
+    <dgm:effectClrLst/>
+    <dgm:txLinClrLst/>
+    <dgm:txFillClrLst meth="repeat">
+      <a:schemeClr val="tx1"/>
+    </dgm:txFillClrLst>
+    <dgm:txEffectClrLst/>
+  </dgm:styleLbl>
+  <dgm:styleLbl name="asst0">
+    <dgm:fillClrLst meth="repeat">
+      <a:schemeClr val="accent1"/>
+    </dgm:fillClrLst>
+    <dgm:linClrLst meth="repeat">
+      <a:schemeClr val="lt1"/>
+    </dgm:linClrLst>
+    <dgm:effectClrLst/>
+    <dgm:txLinClrLst/>
+    <dgm:txFillClrLst/>
+    <dgm:txEffectClrLst/>
+  </dgm:styleLbl>
+  <dgm:styleLbl name="asst1">
+    <dgm:fillClrLst meth="repeat">
+      <a:schemeClr val="accent1"/>
+    </dgm:fillClrLst>
+    <dgm:linClrLst meth="repeat">
+      <a:schemeClr val="lt1"/>
+    </dgm:linClrLst>
+    <dgm:effectClrLst/>
+    <dgm:txLinClrLst/>
+    <dgm:txFillClrLst/>
+    <dgm:txEffectClrLst/>
+  </dgm:styleLbl>
+  <dgm:styleLbl name="asst2">
+    <dgm:fillClrLst meth="repeat">
+      <a:schemeClr val="accent1"/>
+    </dgm:fillClrLst>
+    <dgm:linClrLst meth="repeat">
+      <a:schemeClr val="lt1"/>
+    </dgm:linClrLst>
+    <dgm:effectClrLst/>
+    <dgm:txLinClrLst/>
+    <dgm:txFillClrLst/>
+    <dgm:txEffectClrLst/>
+  </dgm:styleLbl>
+  <dgm:styleLbl name="asst3">
+    <dgm:fillClrLst meth="repeat">
+      <a:schemeClr val="accent1"/>
+    </dgm:fillClrLst>
+    <dgm:linClrLst meth="repeat">
+      <a:schemeClr val="lt1"/>
+    </dgm:linClrLst>
+    <dgm:effectClrLst/>
+    <dgm:txLinClrLst/>
+    <dgm:txFillClrLst/>
+    <dgm:txEffectClrLst/>
+  </dgm:styleLbl>
+  <dgm:styleLbl name="asst4">
+    <dgm:fillClrLst meth="repeat">
+      <a:schemeClr val="accent1"/>
+    </dgm:fillClrLst>
+    <dgm:linClrLst meth="repeat">
+      <a:schemeClr val="lt1"/>
+    </dgm:linClrLst>
+    <dgm:effectClrLst/>
+    <dgm:txLinClrLst/>
+    <dgm:txFillClrLst/>
+    <dgm:txEffectClrLst/>
+  </dgm:styleLbl>
+  <dgm:styleLbl name="parChTrans2D1">
+    <dgm:fillClrLst meth="repeat">
+      <a:schemeClr val="accent1">
+        <a:tint val="60000"/>
+      </a:schemeClr>
+    </dgm:fillClrLst>
+    <dgm:linClrLst meth="repeat">
+      <a:schemeClr val="accent1">
+        <a:tint val="60000"/>
+      </a:schemeClr>
+    </dgm:linClrLst>
+    <dgm:effectClrLst/>
+    <dgm:txLinClrLst/>
+    <dgm:txFillClrLst meth="repeat">
+      <a:schemeClr val="lt1"/>
+    </dgm:txFillClrLst>
+    <dgm:txEffectClrLst/>
+  </dgm:styleLbl>
+  <dgm:styleLbl name="parChTrans2D2">
+    <dgm:fillClrLst meth="repeat">
+      <a:schemeClr val="accent1"/>
+    </dgm:fillClrLst>
+    <dgm:linClrLst meth="repeat">
+      <a:schemeClr val="accent1"/>
+    </dgm:linClrLst>
+    <dgm:effectClrLst/>
+    <dgm:txLinClrLst/>
+    <dgm:txFillClrLst meth="repeat">
+      <a:schemeClr val="lt1"/>
+    </dgm:txFillClrLst>
+    <dgm:txEffectClrLst/>
+  </dgm:styleLbl>
+  <dgm:styleLbl name="parChTrans2D3">
+    <dgm:fillClrLst meth="repeat">
+      <a:schemeClr val="accent1"/>
+    </dgm:fillClrLst>
+    <dgm:linClrLst meth="repeat">
+      <a:schemeClr val="accent1"/>
+    </dgm:linClrLst>
+    <dgm:effectClrLst/>
+    <dgm:txLinClrLst/>
+    <dgm:txFillClrLst meth="repeat">
+      <a:schemeClr val="lt1"/>
+    </dgm:txFillClrLst>
+    <dgm:txEffectClrLst/>
+  </dgm:styleLbl>
+  <dgm:styleLbl name="parChTrans2D4">
+    <dgm:fillClrLst meth="repeat">
+      <a:schemeClr val="accent1"/>
+    </dgm:fillClrLst>
+    <dgm:linClrLst meth="repeat">
+      <a:schemeClr val="accent1"/>
+    </dgm:linClrLst>
+    <dgm:effectClrLst/>
+    <dgm:txLinClrLst/>
+    <dgm:txFillClrLst meth="repeat">
+      <a:schemeClr val="lt1"/>
+    </dgm:txFillClrLst>
+    <dgm:txEffectClrLst/>
+  </dgm:styleLbl>
+  <dgm:styleLbl name="parChTrans1D1">
+    <dgm:fillClrLst meth="repeat">
+      <a:schemeClr val="accent1"/>
+    </dgm:fillClrLst>
+    <dgm:linClrLst meth="repeat">
+      <a:schemeClr val="accent1">
+        <a:shade val="60000"/>
+      </a:schemeClr>
+    </dgm:linClrLst>
+    <dgm:effectClrLst/>
+    <dgm:txLinClrLst/>
+    <dgm:txFillClrLst meth="repeat">
+      <a:schemeClr val="tx1"/>
+    </dgm:txFillClrLst>
+    <dgm:txEffectClrLst/>
+  </dgm:styleLbl>
+  <dgm:styleLbl name="parChTrans1D2">
+    <dgm:fillClrLst meth="repeat">
+      <a:schemeClr val="accent1"/>
+    </dgm:fillClrLst>
+    <dgm:linClrLst meth="repeat">
+      <a:schemeClr val="accent1">
+        <a:shade val="60000"/>
+      </a:schemeClr>
+    </dgm:linClrLst>
+    <dgm:effectClrLst/>
+    <dgm:txLinClrLst/>
+    <dgm:txFillClrLst meth="repeat">
+      <a:schemeClr val="tx1"/>
+    </dgm:txFillClrLst>
+    <dgm:txEffectClrLst/>
+  </dgm:styleLbl>
+  <dgm:styleLbl name="parChTrans1D3">
+    <dgm:fillClrLst meth="repeat">
+      <a:schemeClr val="accent1"/>
+    </dgm:fillClrLst>
+    <dgm:linClrLst meth="repeat">
+      <a:schemeClr val="accent1">
+        <a:shade val="80000"/>
+      </a:schemeClr>
+    </dgm:linClrLst>
+    <dgm:effectClrLst/>
+    <dgm:txLinClrLst/>
+    <dgm:txFillClrLst meth="repeat">
+      <a:schemeClr val="tx1"/>
+    </dgm:txFillClrLst>
+    <dgm:txEffectClrLst/>
+  </dgm:styleLbl>
+  <dgm:styleLbl name="parChTrans1D4">
+    <dgm:fillClrLst meth="repeat">
+      <a:schemeClr val="accent1"/>
+    </dgm:fillClrLst>
+    <dgm:linClrLst meth="repeat">
+      <a:schemeClr val="accent1">
+        <a:shade val="80000"/>
+      </a:schemeClr>
+    </dgm:linClrLst>
+    <dgm:effectClrLst/>
+    <dgm:txLinClrLst/>
+    <dgm:txFillClrLst meth="repeat">
+      <a:schemeClr val="tx1"/>
+    </dgm:txFillClrLst>
+    <dgm:txEffectClrLst/>
+  </dgm:styleLbl>
+  <dgm:styleLbl name="fgAcc1">
+    <dgm:fillClrLst meth="repeat">
+      <a:schemeClr val="lt1">
+        <a:alpha val="90000"/>
+      </a:schemeClr>
+    </dgm:fillClrLst>
+    <dgm:linClrLst meth="repeat">
+      <a:schemeClr val="accent1"/>
+    </dgm:linClrLst>
+    <dgm:effectClrLst/>
+    <dgm:txLinClrLst/>
+    <dgm:txFillClrLst meth="repeat">
+      <a:schemeClr val="dk1"/>
+    </dgm:txFillClrLst>
+    <dgm:txEffectClrLst/>
+  </dgm:styleLbl>
+  <dgm:styleLbl name="conFgAcc1">
+    <dgm:fillClrLst meth="repeat">
+      <a:schemeClr val="lt1">
+        <a:alpha val="90000"/>
+      </a:schemeClr>
+    </dgm:fillClrLst>
+    <dgm:linClrLst meth="repeat">
+      <a:schemeClr val="accent1"/>
+    </dgm:linClrLst>
+    <dgm:effectClrLst/>
+    <dgm:txLinClrLst/>
+    <dgm:txFillClrLst meth="repeat">
+      <a:schemeClr val="dk1"/>
+    </dgm:txFillClrLst>
+    <dgm:txEffectClrLst/>
+  </dgm:styleLbl>
+  <dgm:styleLbl name="alignAcc1">
+    <dgm:fillClrLst meth="repeat">
+      <a:schemeClr val="lt1">
+        <a:alpha val="90000"/>
+      </a:schemeClr>
+    </dgm:fillClrLst>
+    <dgm:linClrLst meth="repeat">
+      <a:schemeClr val="accent1"/>
+    </dgm:linClrLst>
+    <dgm:effectClrLst/>
+    <dgm:txLinClrLst/>
+    <dgm:txFillClrLst meth="repeat">
+      <a:schemeClr val="dk1"/>
+    </dgm:txFillClrLst>
+    <dgm:txEffectClrLst/>
+  </dgm:styleLbl>
+  <dgm:styleLbl name="trAlignAcc1">
+    <dgm:fillClrLst meth="repeat">
+      <a:schemeClr val="lt1">
+        <a:alpha val="40000"/>
+      </a:schemeClr>
+    </dgm:fillClrLst>
+    <dgm:linClrLst meth="repeat">
+      <a:schemeClr val="accent1"/>
+    </dgm:linClrLst>
+    <dgm:effectClrLst/>
+    <dgm:txLinClrLst/>
+    <dgm:txFillClrLst meth="repeat">
+      <a:schemeClr val="dk1"/>
+    </dgm:txFillClrLst>
+    <dgm:txEffectClrLst/>
+  </dgm:styleLbl>
+  <dgm:styleLbl name="bgAcc1">
+    <dgm:fillClrLst meth="repeat">
+      <a:schemeClr val="lt1">
+        <a:alpha val="90000"/>
+      </a:schemeClr>
+    </dgm:fillClrLst>
+    <dgm:linClrLst meth="repeat">
+      <a:schemeClr val="accent1"/>
+    </dgm:linClrLst>
+    <dgm:effectClrLst/>
+    <dgm:txLinClrLst/>
+    <dgm:txFillClrLst meth="repeat">
+      <a:schemeClr val="dk1"/>
+    </dgm:txFillClrLst>
+    <dgm:txEffectClrLst/>
+  </dgm:styleLbl>
+  <dgm:styleLbl name="solidFgAcc1">
+    <dgm:fillClrLst meth="repeat">
+      <a:schemeClr val="lt1"/>
+    </dgm:fillClrLst>
+    <dgm:linClrLst meth="repeat">
+      <a:schemeClr val="accent1"/>
+    </dgm:linClrLst>
+    <dgm:effectClrLst/>
+    <dgm:txLinClrLst/>
+    <dgm:txFillClrLst meth="repeat">
+      <a:schemeClr val="dk1"/>
+    </dgm:txFillClrLst>
+    <dgm:txEffectClrLst/>
+  </dgm:styleLbl>
+  <dgm:styleLbl name="solidAlignAcc1">
+    <dgm:fillClrLst meth="repeat">
+      <a:schemeClr val="lt1"/>
+    </dgm:fillClrLst>
+    <dgm:linClrLst meth="repeat">
+      <a:schemeClr val="accent1"/>
+    </dgm:linClrLst>
+    <dgm:effectClrLst/>
+    <dgm:txLinClrLst/>
+    <dgm:txFillClrLst meth="repeat">
+      <a:schemeClr val="dk1"/>
+    </dgm:txFillClrLst>
+    <dgm:txEffectClrLst/>
+  </dgm:styleLbl>
+  <dgm:styleLbl name="solidBgAcc1">
+    <dgm:fillClrLst meth="repeat">
+      <a:schemeClr val="lt1"/>
+    </dgm:fillClrLst>
+    <dgm:linClrLst meth="repeat">
+      <a:schemeClr val="accent1"/>
+    </dgm:linClrLst>
+    <dgm:effectClrLst/>
+    <dgm:txLinClrLst/>
+    <dgm:txFillClrLst meth="repeat">
+      <a:schemeClr val="dk1"/>
+    </dgm:txFillClrLst>
+    <dgm:txEffectClrLst/>
+  </dgm:styleLbl>
+  <dgm:styleLbl name="fgAccFollowNode1">
+    <dgm:fillClrLst meth="repeat">
+      <a:schemeClr val="accent1">
+        <a:alpha val="90000"/>
+        <a:tint val="40000"/>
+      </a:schemeClr>
+    </dgm:fillClrLst>
+    <dgm:linClrLst meth="repeat">
+      <a:schemeClr val="accent1">
+        <a:alpha val="90000"/>
+        <a:tint val="40000"/>
+      </a:schemeClr>
+    </dgm:linClrLst>
+    <dgm:effectClrLst/>
+    <dgm:txLinClrLst/>
+    <dgm:txFillClrLst meth="repeat">
+      <a:schemeClr val="dk1"/>
+    </dgm:txFillClrLst>
+    <dgm:txEffectClrLst/>
+  </dgm:styleLbl>
+  <dgm:styleLbl name="alignAccFollowNode1">
+    <dgm:fillClrLst meth="repeat">
+      <a:schemeClr val="accent1">
+        <a:alpha val="90000"/>
+        <a:tint val="40000"/>
+      </a:schemeClr>
+    </dgm:fillClrLst>
+    <dgm:linClrLst meth="repeat">
+      <a:schemeClr val="accent1">
+        <a:alpha val="90000"/>
+        <a:tint val="40000"/>
+      </a:schemeClr>
+    </dgm:linClrLst>
+    <dgm:effectClrLst/>
+    <dgm:txLinClrLst/>
+    <dgm:txFillClrLst meth="repeat">
+      <a:schemeClr val="dk1"/>
+    </dgm:txFillClrLst>
+    <dgm:txEffectClrLst/>
+  </dgm:styleLbl>
+  <dgm:styleLbl name="bgAccFollowNode1">
+    <dgm:fillClrLst meth="repeat">
+      <a:schemeClr val="accent1">
+        <a:alpha val="90000"/>
+        <a:tint val="40000"/>
+      </a:schemeClr>
+    </dgm:fillClrLst>
+    <dgm:linClrLst meth="repeat">
+      <a:schemeClr val="accent1">
+        <a:alpha val="90000"/>
+        <a:tint val="40000"/>
+      </a:schemeClr>
+    </dgm:linClrLst>
+    <dgm:effectClrLst/>
+    <dgm:txLinClrLst/>
+    <dgm:txFillClrLst meth="repeat">
+      <a:schemeClr val="dk1"/>
+    </dgm:txFillClrLst>
+    <dgm:txEffectClrLst/>
+  </dgm:styleLbl>
+  <dgm:styleLbl name="fgAcc0">
+    <dgm:fillClrLst meth="repeat">
+      <a:schemeClr val="lt1">
+        <a:alpha val="90000"/>
+      </a:schemeClr>
+    </dgm:fillClrLst>
+    <dgm:linClrLst meth="repeat">
+      <a:schemeClr val="accent1"/>
+    </dgm:linClrLst>
+    <dgm:effectClrLst/>
+    <dgm:txLinClrLst/>
+    <dgm:txFillClrLst meth="repeat">
+      <a:schemeClr val="dk1"/>
+    </dgm:txFillClrLst>
+    <dgm:txEffectClrLst/>
+  </dgm:styleLbl>
+  <dgm:styleLbl name="fgAcc2">
+    <dgm:fillClrLst meth="repeat">
+      <a:schemeClr val="lt1">
+        <a:alpha val="90000"/>
+      </a:schemeClr>
+    </dgm:fillClrLst>
+    <dgm:linClrLst meth="repeat">
+      <a:schemeClr val="accent1"/>
+    </dgm:linClrLst>
+    <dgm:effectClrLst/>
+    <dgm:txLinClrLst/>
+    <dgm:txFillClrLst meth="repeat">
+      <a:schemeClr val="dk1"/>
+    </dgm:txFillClrLst>
+    <dgm:txEffectClrLst/>
+  </dgm:styleLbl>
+  <dgm:styleLbl name="fgAcc3">
+    <dgm:fillClrLst meth="repeat">
+      <a:schemeClr val="lt1">
+        <a:alpha val="90000"/>
+      </a:schemeClr>
+    </dgm:fillClrLst>
+    <dgm:linClrLst meth="repeat">
+      <a:schemeClr val="accent1"/>
+    </dgm:linClrLst>
+    <dgm:effectClrLst/>
+    <dgm:txLinClrLst/>
+    <dgm:txFillClrLst meth="repeat">
+      <a:schemeClr val="dk1"/>
+    </dgm:txFillClrLst>
+    <dgm:txEffectClrLst/>
+  </dgm:styleLbl>
+  <dgm:styleLbl name="fgAcc4">
+    <dgm:fillClrLst meth="repeat">
+      <a:schemeClr val="lt1">
+        <a:alpha val="90000"/>
+      </a:schemeClr>
+    </dgm:fillClrLst>
+    <dgm:linClrLst meth="repeat">
+      <a:schemeClr val="accent1"/>
+    </dgm:linClrLst>
+    <dgm:effectClrLst/>
+    <dgm:txLinClrLst/>
+    <dgm:txFillClrLst meth="repeat">
+      <a:schemeClr val="dk1"/>
+    </dgm:txFillClrLst>
+    <dgm:txEffectClrLst/>
+  </dgm:styleLbl>
+  <dgm:styleLbl name="bgShp">
+    <dgm:fillClrLst meth="repeat">
+      <a:schemeClr val="accent1">
+        <a:tint val="40000"/>
+      </a:schemeClr>
+    </dgm:fillClrLst>
+    <dgm:linClrLst meth="repeat">
+      <a:schemeClr val="accent1"/>
+    </dgm:linClrLst>
+    <dgm:effectClrLst/>
+    <dgm:txLinClrLst/>
+    <dgm:txFillClrLst meth="repeat">
+      <a:schemeClr val="dk1"/>
+    </dgm:txFillClrLst>
+    <dgm:txEffectClrLst/>
+  </dgm:styleLbl>
+  <dgm:styleLbl name="dkBgShp">
+    <dgm:fillClrLst meth="repeat">
+      <a:schemeClr val="accent1">
+        <a:shade val="80000"/>
+      </a:schemeClr>
+    </dgm:fillClrLst>
+    <dgm:linClrLst meth="repeat">
+      <a:schemeClr val="accent1"/>
+    </dgm:linClrLst>
+    <dgm:effectClrLst/>
+    <dgm:txLinClrLst/>
+    <dgm:txFillClrLst meth="repeat">
+      <a:schemeClr val="lt1"/>
+    </dgm:txFillClrLst>
+    <dgm:txEffectClrLst/>
+  </dgm:styleLbl>
+  <dgm:styleLbl name="trBgShp">
+    <dgm:fillClrLst meth="repeat">
+      <a:schemeClr val="accent1">
+        <a:tint val="50000"/>
+        <a:alpha val="40000"/>
+      </a:schemeClr>
+    </dgm:fillClrLst>
+    <dgm:linClrLst meth="repeat">
+      <a:schemeClr val="accent1"/>
+    </dgm:linClrLst>
+    <dgm:effectClrLst/>
+    <dgm:txLinClrLst/>
+    <dgm:txFillClrLst meth="repeat">
+      <a:schemeClr val="lt1"/>
+    </dgm:txFillClrLst>
+    <dgm:txEffectClrLst/>
+  </dgm:styleLbl>
+  <dgm:styleLbl name="fgShp">
+    <dgm:fillClrLst meth="repeat">
+      <a:schemeClr val="accent1">
+        <a:tint val="60000"/>
+      </a:schemeClr>
+    </dgm:fillClrLst>
+    <dgm:linClrLst meth="repeat">
+      <a:schemeClr val="lt1"/>
+    </dgm:linClrLst>
+    <dgm:effectClrLst/>
+    <dgm:txLinClrLst/>
+    <dgm:txFillClrLst meth="repeat">
+      <a:schemeClr val="dk1"/>
+    </dgm:txFillClrLst>
+    <dgm:txEffectClrLst/>
+  </dgm:styleLbl>
+  <dgm:styleLbl name="revTx">
+    <dgm:fillClrLst meth="repeat">
+      <a:schemeClr val="lt1">
+        <a:alpha val="0"/>
+      </a:schemeClr>
+    </dgm:fillClrLst>
+    <dgm:linClrLst meth="repeat">
+      <a:schemeClr val="dk1">
+        <a:alpha val="0"/>
+      </a:schemeClr>
+    </dgm:linClrLst>
+    <dgm:effectClrLst/>
+    <dgm:txLinClrLst/>
+    <dgm:txFillClrLst meth="repeat">
+      <a:schemeClr val="tx1"/>
+    </dgm:txFillClrLst>
+    <dgm:txEffectClrLst/>
+  </dgm:styleLbl>
+</dgm:colorsDef>
+</file>
+
+<file path=ppt/diagrams/data1.xml><?xml version="1.0" encoding="utf-8"?>
+<dgm:dataModel xmlns:dgm="http://schemas.openxmlformats.org/drawingml/2006/diagram" xmlns:a="http://schemas.openxmlformats.org/drawingml/2006/main">
+  <dgm:ptLst>
+    <dgm:pt modelId="{C37C1FAE-0166-4EFF-B056-E23429A0A244}" type="doc">
+      <dgm:prSet loTypeId="urn:microsoft.com/office/officeart/2005/8/layout/hProcess4" loCatId="process" qsTypeId="urn:microsoft.com/office/officeart/2005/8/quickstyle/simple1" qsCatId="simple" csTypeId="urn:microsoft.com/office/officeart/2005/8/colors/accent1_2" csCatId="accent1" phldr="1"/>
+      <dgm:spPr/>
+      <dgm:t>
+        <a:bodyPr/>
+        <a:lstStyle/>
+        <a:p>
+          <a:endParaRPr lang="zh-CN" altLang="en-US"/>
+        </a:p>
+      </dgm:t>
+    </dgm:pt>
+    <dgm:pt modelId="{38CEA9E9-99C6-4050-9632-58DEEDEBF85E}">
+      <dgm:prSet phldrT="[文本]"/>
+      <dgm:spPr/>
+      <dgm:t>
+        <a:bodyPr/>
+        <a:lstStyle/>
+        <a:p>
+          <a:r>
+            <a:rPr lang="zh-CN" altLang="en-US" dirty="0" smtClean="0"/>
+            <a:t>浏览器</a:t>
+          </a:r>
+          <a:endParaRPr lang="zh-CN" altLang="en-US" dirty="0"/>
+        </a:p>
+      </dgm:t>
+    </dgm:pt>
+    <dgm:pt modelId="{B72A0AD1-F0D1-436B-8F40-159F834FB12E}" type="parTrans" cxnId="{80570B6D-0001-4A58-BA55-E3840CABB1F4}">
+      <dgm:prSet/>
+      <dgm:spPr/>
+      <dgm:t>
+        <a:bodyPr/>
+        <a:lstStyle/>
+        <a:p>
+          <a:endParaRPr lang="zh-CN" altLang="en-US"/>
+        </a:p>
+      </dgm:t>
+    </dgm:pt>
+    <dgm:pt modelId="{FD077405-A5A6-41BA-8A63-F6A89432F6A9}" type="sibTrans" cxnId="{80570B6D-0001-4A58-BA55-E3840CABB1F4}">
+      <dgm:prSet/>
+      <dgm:spPr/>
+      <dgm:t>
+        <a:bodyPr/>
+        <a:lstStyle/>
+        <a:p>
+          <a:endParaRPr lang="zh-CN" altLang="en-US"/>
+        </a:p>
+      </dgm:t>
+    </dgm:pt>
+    <dgm:pt modelId="{515CEF3D-A536-464B-A003-3F2284DA506A}">
+      <dgm:prSet phldrT="[文本]"/>
+      <dgm:spPr/>
+      <dgm:t>
+        <a:bodyPr/>
+        <a:lstStyle/>
+        <a:p>
+          <a:r>
+            <a:rPr lang="zh-CN" altLang="en-US" dirty="0" smtClean="0"/>
+            <a:t>首屏</a:t>
+          </a:r>
+          <a:r>
+            <a:rPr lang="en-US" altLang="zh-CN" dirty="0" smtClean="0"/>
+            <a:t>HTML</a:t>
+          </a:r>
+          <a:r>
+            <a:rPr lang="zh-CN" altLang="en-US" dirty="0" smtClean="0"/>
+            <a:t>渲染</a:t>
+          </a:r>
+          <a:endParaRPr lang="zh-CN" altLang="en-US" dirty="0"/>
+        </a:p>
+      </dgm:t>
+    </dgm:pt>
+    <dgm:pt modelId="{AD117C2C-F28D-490D-91F4-EAF4EDC0675D}" type="parTrans" cxnId="{D12029B4-660A-4D48-909B-5A79E7A5F4CC}">
+      <dgm:prSet/>
+      <dgm:spPr/>
+      <dgm:t>
+        <a:bodyPr/>
+        <a:lstStyle/>
+        <a:p>
+          <a:endParaRPr lang="zh-CN" altLang="en-US"/>
+        </a:p>
+      </dgm:t>
+    </dgm:pt>
+    <dgm:pt modelId="{4C2BBD24-AC5A-475D-9ED6-F2B6F3FCE5A4}" type="sibTrans" cxnId="{D12029B4-660A-4D48-909B-5A79E7A5F4CC}">
+      <dgm:prSet/>
+      <dgm:spPr/>
+      <dgm:t>
+        <a:bodyPr/>
+        <a:lstStyle/>
+        <a:p>
+          <a:endParaRPr lang="zh-CN" altLang="en-US"/>
+        </a:p>
+      </dgm:t>
+    </dgm:pt>
+    <dgm:pt modelId="{8E7224B7-0B83-49A6-9F80-2CB72CD6F572}">
+      <dgm:prSet phldrT="[文本]"/>
+      <dgm:spPr/>
+      <dgm:t>
+        <a:bodyPr/>
+        <a:lstStyle/>
+        <a:p>
+          <a:r>
+            <a:rPr lang="zh-CN" altLang="en-US" dirty="0" smtClean="0"/>
+            <a:t>更多数据</a:t>
+          </a:r>
+          <a:r>
+            <a:rPr lang="en-US" altLang="zh-CN" dirty="0" err="1" smtClean="0"/>
+            <a:t>ajax</a:t>
+          </a:r>
+          <a:r>
+            <a:rPr lang="zh-CN" altLang="en-US" dirty="0" smtClean="0"/>
+            <a:t>加载</a:t>
+          </a:r>
+          <a:endParaRPr lang="zh-CN" altLang="en-US" dirty="0"/>
+        </a:p>
+      </dgm:t>
+    </dgm:pt>
+    <dgm:pt modelId="{95CC5140-3686-4C66-AD58-06653491BEDD}" type="parTrans" cxnId="{F9FDD5D8-0CD8-49BD-B7A6-62EAECBB4E7E}">
+      <dgm:prSet/>
+      <dgm:spPr/>
+      <dgm:t>
+        <a:bodyPr/>
+        <a:lstStyle/>
+        <a:p>
+          <a:endParaRPr lang="zh-CN" altLang="en-US"/>
+        </a:p>
+      </dgm:t>
+    </dgm:pt>
+    <dgm:pt modelId="{2A3516BA-25E6-4BE0-9F7C-4A3B274F745A}" type="sibTrans" cxnId="{F9FDD5D8-0CD8-49BD-B7A6-62EAECBB4E7E}">
+      <dgm:prSet/>
+      <dgm:spPr/>
+      <dgm:t>
+        <a:bodyPr/>
+        <a:lstStyle/>
+        <a:p>
+          <a:endParaRPr lang="zh-CN" altLang="en-US"/>
+        </a:p>
+      </dgm:t>
+    </dgm:pt>
+    <dgm:pt modelId="{F1BC6EDA-C346-461B-A635-784B96588E4B}">
+      <dgm:prSet phldrT="[文本]"/>
+      <dgm:spPr/>
+      <dgm:t>
+        <a:bodyPr/>
+        <a:lstStyle/>
+        <a:p>
+          <a:r>
+            <a:rPr lang="en-US" altLang="zh-CN" dirty="0" smtClean="0"/>
+            <a:t>Node</a:t>
+          </a:r>
+          <a:r>
+            <a:rPr lang="zh-CN" altLang="en-US" dirty="0" smtClean="0"/>
+            <a:t>服务器桥接层</a:t>
+          </a:r>
+          <a:endParaRPr lang="zh-CN" altLang="en-US" dirty="0"/>
+        </a:p>
+      </dgm:t>
+    </dgm:pt>
+    <dgm:pt modelId="{24A9B23A-0A00-4413-8B17-92117F3DBB26}" type="parTrans" cxnId="{CCD7B1EF-8733-4864-9024-2052E87526D0}">
+      <dgm:prSet/>
+      <dgm:spPr/>
+      <dgm:t>
+        <a:bodyPr/>
+        <a:lstStyle/>
+        <a:p>
+          <a:endParaRPr lang="zh-CN" altLang="en-US"/>
+        </a:p>
+      </dgm:t>
+    </dgm:pt>
+    <dgm:pt modelId="{8614F308-51F6-48BA-96FA-3D621E466730}" type="sibTrans" cxnId="{CCD7B1EF-8733-4864-9024-2052E87526D0}">
+      <dgm:prSet/>
+      <dgm:spPr/>
+      <dgm:t>
+        <a:bodyPr/>
+        <a:lstStyle/>
+        <a:p>
+          <a:endParaRPr lang="zh-CN" altLang="en-US"/>
+        </a:p>
+      </dgm:t>
+    </dgm:pt>
+    <dgm:pt modelId="{93FD902D-14BD-4158-915E-252767BB8383}">
+      <dgm:prSet phldrT="[文本]"/>
+      <dgm:spPr/>
+      <dgm:t>
+        <a:bodyPr/>
+        <a:lstStyle/>
+        <a:p>
+          <a:r>
+            <a:rPr lang="zh-CN" altLang="en-US" dirty="0" smtClean="0"/>
+            <a:t>生成</a:t>
+          </a:r>
+          <a:r>
+            <a:rPr lang="en-US" altLang="zh-CN" dirty="0" smtClean="0"/>
+            <a:t>HTML</a:t>
+          </a:r>
+          <a:r>
+            <a:rPr lang="zh-CN" altLang="en-US" dirty="0" smtClean="0"/>
+            <a:t>模板</a:t>
+          </a:r>
+          <a:endParaRPr lang="zh-CN" altLang="en-US" dirty="0"/>
+        </a:p>
+      </dgm:t>
+    </dgm:pt>
+    <dgm:pt modelId="{C441F19E-4715-40B2-8112-46BB697835B0}" type="parTrans" cxnId="{14ACBEBA-8E67-4152-BF82-989B71129638}">
+      <dgm:prSet/>
+      <dgm:spPr/>
+      <dgm:t>
+        <a:bodyPr/>
+        <a:lstStyle/>
+        <a:p>
+          <a:endParaRPr lang="zh-CN" altLang="en-US"/>
+        </a:p>
+      </dgm:t>
+    </dgm:pt>
+    <dgm:pt modelId="{FF2B9EAF-C667-49C9-BB8C-116B422FF492}" type="sibTrans" cxnId="{14ACBEBA-8E67-4152-BF82-989B71129638}">
+      <dgm:prSet/>
+      <dgm:spPr/>
+      <dgm:t>
+        <a:bodyPr/>
+        <a:lstStyle/>
+        <a:p>
+          <a:endParaRPr lang="zh-CN" altLang="en-US"/>
+        </a:p>
+      </dgm:t>
+    </dgm:pt>
+    <dgm:pt modelId="{25E12D59-063B-45E6-BADF-5F8843CF7F72}">
+      <dgm:prSet phldrT="[文本]"/>
+      <dgm:spPr/>
+      <dgm:t>
+        <a:bodyPr/>
+        <a:lstStyle/>
+        <a:p>
+          <a:r>
+            <a:rPr lang="zh-CN" altLang="en-US" dirty="0" smtClean="0"/>
+            <a:t>桥接后台</a:t>
+          </a:r>
+          <a:r>
+            <a:rPr lang="en-US" altLang="zh-CN" dirty="0" smtClean="0"/>
+            <a:t>API</a:t>
+          </a:r>
+          <a:r>
+            <a:rPr lang="zh-CN" altLang="en-US" dirty="0" smtClean="0"/>
+            <a:t>生成</a:t>
+          </a:r>
+          <a:r>
+            <a:rPr lang="en-US" altLang="zh-CN" dirty="0" smtClean="0"/>
+            <a:t>JSON</a:t>
+          </a:r>
+          <a:endParaRPr lang="zh-CN" altLang="en-US" dirty="0"/>
+        </a:p>
+      </dgm:t>
+    </dgm:pt>
+    <dgm:pt modelId="{4291086D-93CF-4337-8BD4-02C8639FDA19}" type="parTrans" cxnId="{13EC8F60-8F76-46BF-BB7A-F9A1162F23E2}">
+      <dgm:prSet/>
+      <dgm:spPr/>
+      <dgm:t>
+        <a:bodyPr/>
+        <a:lstStyle/>
+        <a:p>
+          <a:endParaRPr lang="zh-CN" altLang="en-US"/>
+        </a:p>
+      </dgm:t>
+    </dgm:pt>
+    <dgm:pt modelId="{F2FBF291-63A7-4418-B14B-CFDDD1AF2742}" type="sibTrans" cxnId="{13EC8F60-8F76-46BF-BB7A-F9A1162F23E2}">
+      <dgm:prSet/>
+      <dgm:spPr/>
+      <dgm:t>
+        <a:bodyPr/>
+        <a:lstStyle/>
+        <a:p>
+          <a:endParaRPr lang="zh-CN" altLang="en-US"/>
+        </a:p>
+      </dgm:t>
+    </dgm:pt>
+    <dgm:pt modelId="{8E583638-85E5-42DC-B0C1-482D123D7340}">
+      <dgm:prSet phldrT="[文本]"/>
+      <dgm:spPr/>
+      <dgm:t>
+        <a:bodyPr/>
+        <a:lstStyle/>
+        <a:p>
+          <a:r>
+            <a:rPr lang="en-US" altLang="zh-CN" dirty="0" smtClean="0"/>
+            <a:t>Server</a:t>
+          </a:r>
+          <a:r>
+            <a:rPr lang="zh-CN" altLang="en-US" dirty="0" smtClean="0"/>
+            <a:t>后台服务程序</a:t>
+          </a:r>
+          <a:endParaRPr lang="zh-CN" altLang="en-US" dirty="0"/>
+        </a:p>
+      </dgm:t>
+    </dgm:pt>
+    <dgm:pt modelId="{36803941-2E3D-4DCF-BF20-7BEE93B1F9D0}" type="parTrans" cxnId="{FF9EAF53-3EA1-4E89-9FE8-0150B7524F4A}">
+      <dgm:prSet/>
+      <dgm:spPr/>
+      <dgm:t>
+        <a:bodyPr/>
+        <a:lstStyle/>
+        <a:p>
+          <a:endParaRPr lang="zh-CN" altLang="en-US"/>
+        </a:p>
+      </dgm:t>
+    </dgm:pt>
+    <dgm:pt modelId="{CA444287-3745-484B-8785-213B4D131DAB}" type="sibTrans" cxnId="{FF9EAF53-3EA1-4E89-9FE8-0150B7524F4A}">
+      <dgm:prSet/>
+      <dgm:spPr/>
+      <dgm:t>
+        <a:bodyPr/>
+        <a:lstStyle/>
+        <a:p>
+          <a:endParaRPr lang="zh-CN" altLang="en-US"/>
+        </a:p>
+      </dgm:t>
+    </dgm:pt>
+    <dgm:pt modelId="{269DA65F-853B-4125-AFF4-56EA108F9C9C}">
+      <dgm:prSet phldrT="[文本]"/>
+      <dgm:spPr/>
+      <dgm:t>
+        <a:bodyPr/>
+        <a:lstStyle/>
+        <a:p>
+          <a:r>
+            <a:rPr lang="zh-CN" altLang="en-US" dirty="0" smtClean="0"/>
+            <a:t>数据库</a:t>
+          </a:r>
+          <a:endParaRPr lang="zh-CN" altLang="en-US" dirty="0"/>
+        </a:p>
+      </dgm:t>
+    </dgm:pt>
+    <dgm:pt modelId="{4461A41D-5911-46A5-B939-B94DCB2C4CE7}" type="parTrans" cxnId="{F8D5197C-A488-4706-B599-BDC72128AA33}">
+      <dgm:prSet/>
+      <dgm:spPr/>
+      <dgm:t>
+        <a:bodyPr/>
+        <a:lstStyle/>
+        <a:p>
+          <a:endParaRPr lang="zh-CN" altLang="en-US"/>
+        </a:p>
+      </dgm:t>
+    </dgm:pt>
+    <dgm:pt modelId="{9994489E-9668-4AB8-90DA-4F36491CB2EF}" type="sibTrans" cxnId="{F8D5197C-A488-4706-B599-BDC72128AA33}">
+      <dgm:prSet/>
+      <dgm:spPr/>
+      <dgm:t>
+        <a:bodyPr/>
+        <a:lstStyle/>
+        <a:p>
+          <a:endParaRPr lang="zh-CN" altLang="en-US"/>
+        </a:p>
+      </dgm:t>
+    </dgm:pt>
+    <dgm:pt modelId="{DCEC9016-C1F9-4C27-A845-14D7F302BD43}">
+      <dgm:prSet phldrT="[文本]"/>
+      <dgm:spPr/>
+      <dgm:t>
+        <a:bodyPr/>
+        <a:lstStyle/>
+        <a:p>
+          <a:r>
+            <a:rPr lang="zh-CN" altLang="en-US" dirty="0" smtClean="0"/>
+            <a:t>数据业务逻辑</a:t>
+          </a:r>
+          <a:endParaRPr lang="zh-CN" altLang="en-US" dirty="0"/>
+        </a:p>
+      </dgm:t>
+    </dgm:pt>
+    <dgm:pt modelId="{13C92DC4-2034-4EF4-A2B9-E3A7D8F23DA2}" type="parTrans" cxnId="{7FA7662D-0ABA-4F17-BDAD-88893F2B067C}">
+      <dgm:prSet/>
+      <dgm:spPr/>
+      <dgm:t>
+        <a:bodyPr/>
+        <a:lstStyle/>
+        <a:p>
+          <a:endParaRPr lang="zh-CN" altLang="en-US"/>
+        </a:p>
+      </dgm:t>
+    </dgm:pt>
+    <dgm:pt modelId="{C6C255BC-49CE-4C73-B10D-5F536AB01F94}" type="sibTrans" cxnId="{7FA7662D-0ABA-4F17-BDAD-88893F2B067C}">
+      <dgm:prSet/>
+      <dgm:spPr/>
+      <dgm:t>
+        <a:bodyPr/>
+        <a:lstStyle/>
+        <a:p>
+          <a:endParaRPr lang="zh-CN" altLang="en-US"/>
+        </a:p>
+      </dgm:t>
+    </dgm:pt>
+    <dgm:pt modelId="{C342F822-0805-40EB-93EF-CC3F10DF5A1B}">
+      <dgm:prSet phldrT="[文本]"/>
+      <dgm:spPr/>
+      <dgm:t>
+        <a:bodyPr/>
+        <a:lstStyle/>
+        <a:p>
+          <a:r>
+            <a:rPr lang="en-US" altLang="zh-CN" dirty="0" smtClean="0"/>
+            <a:t>API</a:t>
+          </a:r>
+          <a:r>
+            <a:rPr lang="zh-CN" altLang="en-US" dirty="0" smtClean="0"/>
+            <a:t>接口</a:t>
+          </a:r>
+          <a:r>
+            <a:rPr lang="en-US" altLang="zh-CN" dirty="0" smtClean="0"/>
+            <a:t>(JSON)</a:t>
+          </a:r>
+          <a:endParaRPr lang="zh-CN" altLang="en-US" dirty="0"/>
+        </a:p>
+      </dgm:t>
+    </dgm:pt>
+    <dgm:pt modelId="{F92E0663-D0B8-4572-A5BF-879EA495785E}" type="parTrans" cxnId="{A530081C-FC7D-4DE2-8238-537FD7DC31BA}">
+      <dgm:prSet/>
+      <dgm:spPr/>
+      <dgm:t>
+        <a:bodyPr/>
+        <a:lstStyle/>
+        <a:p>
+          <a:endParaRPr lang="zh-CN" altLang="en-US"/>
+        </a:p>
+      </dgm:t>
+    </dgm:pt>
+    <dgm:pt modelId="{C17702C1-AA79-4CFF-B739-7827B174C7B4}" type="sibTrans" cxnId="{A530081C-FC7D-4DE2-8238-537FD7DC31BA}">
+      <dgm:prSet/>
+      <dgm:spPr/>
+      <dgm:t>
+        <a:bodyPr/>
+        <a:lstStyle/>
+        <a:p>
+          <a:endParaRPr lang="zh-CN" altLang="en-US"/>
+        </a:p>
+      </dgm:t>
+    </dgm:pt>
+    <dgm:pt modelId="{BEF53A56-A37D-4008-806F-E875F75E6FD3}" type="pres">
+      <dgm:prSet presAssocID="{C37C1FAE-0166-4EFF-B056-E23429A0A244}" presName="Name0" presStyleCnt="0">
+        <dgm:presLayoutVars>
+          <dgm:dir/>
+          <dgm:animLvl val="lvl"/>
+          <dgm:resizeHandles val="exact"/>
+        </dgm:presLayoutVars>
+      </dgm:prSet>
+      <dgm:spPr/>
+    </dgm:pt>
+    <dgm:pt modelId="{BA2ADCC4-C5D4-4E99-8FD5-1BB30BE7C5F6}" type="pres">
+      <dgm:prSet presAssocID="{C37C1FAE-0166-4EFF-B056-E23429A0A244}" presName="tSp" presStyleCnt="0"/>
+      <dgm:spPr/>
+    </dgm:pt>
+    <dgm:pt modelId="{24AF8135-22BB-4135-8DDF-A71FD5EDFBBB}" type="pres">
+      <dgm:prSet presAssocID="{C37C1FAE-0166-4EFF-B056-E23429A0A244}" presName="bSp" presStyleCnt="0"/>
+      <dgm:spPr/>
+    </dgm:pt>
+    <dgm:pt modelId="{AD914B6E-805D-4CB4-911B-52894657B4C5}" type="pres">
+      <dgm:prSet presAssocID="{C37C1FAE-0166-4EFF-B056-E23429A0A244}" presName="process" presStyleCnt="0"/>
+      <dgm:spPr/>
+    </dgm:pt>
+    <dgm:pt modelId="{C1B5EA9B-39A1-404A-BE7A-A460144D02AE}" type="pres">
+      <dgm:prSet presAssocID="{38CEA9E9-99C6-4050-9632-58DEEDEBF85E}" presName="composite1" presStyleCnt="0"/>
+      <dgm:spPr/>
+    </dgm:pt>
+    <dgm:pt modelId="{22FD0956-E026-4894-AF01-731A5EC8A6DB}" type="pres">
+      <dgm:prSet presAssocID="{38CEA9E9-99C6-4050-9632-58DEEDEBF85E}" presName="dummyNode1" presStyleLbl="node1" presStyleIdx="0" presStyleCnt="3"/>
+      <dgm:spPr/>
+    </dgm:pt>
+    <dgm:pt modelId="{7D23EAEB-D37E-4391-A0D7-3F03E3861BB5}" type="pres">
+      <dgm:prSet presAssocID="{38CEA9E9-99C6-4050-9632-58DEEDEBF85E}" presName="childNode1" presStyleLbl="bgAcc1" presStyleIdx="0" presStyleCnt="3">
+        <dgm:presLayoutVars>
+          <dgm:bulletEnabled val="1"/>
+        </dgm:presLayoutVars>
+      </dgm:prSet>
+      <dgm:spPr/>
+    </dgm:pt>
+    <dgm:pt modelId="{BF56BB0E-10AA-425F-BAFA-5A3672904B3E}" type="pres">
+      <dgm:prSet presAssocID="{38CEA9E9-99C6-4050-9632-58DEEDEBF85E}" presName="childNode1tx" presStyleLbl="bgAcc1" presStyleIdx="0" presStyleCnt="3">
+        <dgm:presLayoutVars>
+          <dgm:bulletEnabled val="1"/>
+        </dgm:presLayoutVars>
+      </dgm:prSet>
+      <dgm:spPr/>
+    </dgm:pt>
+    <dgm:pt modelId="{F45D3531-B45D-4A96-8C72-6B4F59B4FAC8}" type="pres">
+      <dgm:prSet presAssocID="{38CEA9E9-99C6-4050-9632-58DEEDEBF85E}" presName="parentNode1" presStyleLbl="node1" presStyleIdx="0" presStyleCnt="3">
+        <dgm:presLayoutVars>
+          <dgm:chMax val="1"/>
+          <dgm:bulletEnabled val="1"/>
+        </dgm:presLayoutVars>
+      </dgm:prSet>
+      <dgm:spPr/>
+    </dgm:pt>
+    <dgm:pt modelId="{E6955DB2-EC4A-4C09-BF3A-742E55210C11}" type="pres">
+      <dgm:prSet presAssocID="{38CEA9E9-99C6-4050-9632-58DEEDEBF85E}" presName="connSite1" presStyleCnt="0"/>
+      <dgm:spPr/>
+    </dgm:pt>
+    <dgm:pt modelId="{141A074A-237A-4BD6-B31E-1D32D03395CF}" type="pres">
+      <dgm:prSet presAssocID="{FD077405-A5A6-41BA-8A63-F6A89432F6A9}" presName="Name9" presStyleLbl="sibTrans2D1" presStyleIdx="0" presStyleCnt="2"/>
+      <dgm:spPr/>
+    </dgm:pt>
+    <dgm:pt modelId="{EFE723BF-A6DC-42BF-82CF-2173B57E4E80}" type="pres">
+      <dgm:prSet presAssocID="{F1BC6EDA-C346-461B-A635-784B96588E4B}" presName="composite2" presStyleCnt="0"/>
+      <dgm:spPr/>
+    </dgm:pt>
+    <dgm:pt modelId="{8ECCCCF5-7268-4F72-BB38-2E62A72CB434}" type="pres">
+      <dgm:prSet presAssocID="{F1BC6EDA-C346-461B-A635-784B96588E4B}" presName="dummyNode2" presStyleLbl="node1" presStyleIdx="0" presStyleCnt="3"/>
+      <dgm:spPr/>
+    </dgm:pt>
+    <dgm:pt modelId="{7AA4FDCC-32CC-4B22-92E4-88DB431B4110}" type="pres">
+      <dgm:prSet presAssocID="{F1BC6EDA-C346-461B-A635-784B96588E4B}" presName="childNode2" presStyleLbl="bgAcc1" presStyleIdx="1" presStyleCnt="3">
+        <dgm:presLayoutVars>
+          <dgm:bulletEnabled val="1"/>
+        </dgm:presLayoutVars>
+      </dgm:prSet>
+      <dgm:spPr/>
+      <dgm:t>
+        <a:bodyPr/>
+        <a:lstStyle/>
+        <a:p>
+          <a:endParaRPr lang="zh-CN" altLang="en-US"/>
+        </a:p>
+      </dgm:t>
+    </dgm:pt>
+    <dgm:pt modelId="{088C136A-F981-4BDB-B682-220456BFB4DA}" type="pres">
+      <dgm:prSet presAssocID="{F1BC6EDA-C346-461B-A635-784B96588E4B}" presName="childNode2tx" presStyleLbl="bgAcc1" presStyleIdx="1" presStyleCnt="3">
+        <dgm:presLayoutVars>
+          <dgm:bulletEnabled val="1"/>
+        </dgm:presLayoutVars>
+      </dgm:prSet>
+      <dgm:spPr/>
+      <dgm:t>
+        <a:bodyPr/>
+        <a:lstStyle/>
+        <a:p>
+          <a:endParaRPr lang="zh-CN" altLang="en-US"/>
+        </a:p>
+      </dgm:t>
+    </dgm:pt>
+    <dgm:pt modelId="{079811BD-B658-4CAD-9BF9-7596DC02E23E}" type="pres">
+      <dgm:prSet presAssocID="{F1BC6EDA-C346-461B-A635-784B96588E4B}" presName="parentNode2" presStyleLbl="node1" presStyleIdx="1" presStyleCnt="3">
+        <dgm:presLayoutVars>
+          <dgm:chMax val="0"/>
+          <dgm:bulletEnabled val="1"/>
+        </dgm:presLayoutVars>
+      </dgm:prSet>
+      <dgm:spPr/>
+      <dgm:t>
+        <a:bodyPr/>
+        <a:lstStyle/>
+        <a:p>
+          <a:endParaRPr lang="zh-CN" altLang="en-US"/>
+        </a:p>
+      </dgm:t>
+    </dgm:pt>
+    <dgm:pt modelId="{C0A785CF-07DC-44DD-B999-F0853963C642}" type="pres">
+      <dgm:prSet presAssocID="{F1BC6EDA-C346-461B-A635-784B96588E4B}" presName="connSite2" presStyleCnt="0"/>
+      <dgm:spPr/>
+    </dgm:pt>
+    <dgm:pt modelId="{58012A2F-5496-4959-94D8-88BD1B7811D9}" type="pres">
+      <dgm:prSet presAssocID="{8614F308-51F6-48BA-96FA-3D621E466730}" presName="Name18" presStyleLbl="sibTrans2D1" presStyleIdx="1" presStyleCnt="2"/>
+      <dgm:spPr/>
+    </dgm:pt>
+    <dgm:pt modelId="{E519838E-185B-4F7C-9246-F6FEAEADDD15}" type="pres">
+      <dgm:prSet presAssocID="{8E583638-85E5-42DC-B0C1-482D123D7340}" presName="composite1" presStyleCnt="0"/>
+      <dgm:spPr/>
+    </dgm:pt>
+    <dgm:pt modelId="{C201EEBA-481C-4761-B2E9-4F4F6CEF929B}" type="pres">
+      <dgm:prSet presAssocID="{8E583638-85E5-42DC-B0C1-482D123D7340}" presName="dummyNode1" presStyleLbl="node1" presStyleIdx="1" presStyleCnt="3"/>
+      <dgm:spPr/>
+    </dgm:pt>
+    <dgm:pt modelId="{ABE8998E-306D-4803-A7E6-6680DA4B18CC}" type="pres">
+      <dgm:prSet presAssocID="{8E583638-85E5-42DC-B0C1-482D123D7340}" presName="childNode1" presStyleLbl="bgAcc1" presStyleIdx="2" presStyleCnt="3">
+        <dgm:presLayoutVars>
+          <dgm:bulletEnabled val="1"/>
+        </dgm:presLayoutVars>
+      </dgm:prSet>
+      <dgm:spPr/>
+      <dgm:t>
+        <a:bodyPr/>
+        <a:lstStyle/>
+        <a:p>
+          <a:endParaRPr lang="zh-CN" altLang="en-US"/>
+        </a:p>
+      </dgm:t>
+    </dgm:pt>
+    <dgm:pt modelId="{F1F9A04C-3093-43EA-B1E3-005DD1DC62B0}" type="pres">
+      <dgm:prSet presAssocID="{8E583638-85E5-42DC-B0C1-482D123D7340}" presName="childNode1tx" presStyleLbl="bgAcc1" presStyleIdx="2" presStyleCnt="3">
+        <dgm:presLayoutVars>
+          <dgm:bulletEnabled val="1"/>
+        </dgm:presLayoutVars>
+      </dgm:prSet>
+      <dgm:spPr/>
+      <dgm:t>
+        <a:bodyPr/>
+        <a:lstStyle/>
+        <a:p>
+          <a:endParaRPr lang="zh-CN" altLang="en-US"/>
+        </a:p>
+      </dgm:t>
+    </dgm:pt>
+    <dgm:pt modelId="{F6F21C20-1013-4807-8D38-0FBB9EDDA75B}" type="pres">
+      <dgm:prSet presAssocID="{8E583638-85E5-42DC-B0C1-482D123D7340}" presName="parentNode1" presStyleLbl="node1" presStyleIdx="2" presStyleCnt="3">
+        <dgm:presLayoutVars>
+          <dgm:chMax val="1"/>
+          <dgm:bulletEnabled val="1"/>
+        </dgm:presLayoutVars>
+      </dgm:prSet>
+      <dgm:spPr/>
+      <dgm:t>
+        <a:bodyPr/>
+        <a:lstStyle/>
+        <a:p>
+          <a:endParaRPr lang="zh-CN" altLang="en-US"/>
+        </a:p>
+      </dgm:t>
+    </dgm:pt>
+    <dgm:pt modelId="{42FD823C-44A3-4D33-A3FD-5604E8ABF9E1}" type="pres">
+      <dgm:prSet presAssocID="{8E583638-85E5-42DC-B0C1-482D123D7340}" presName="connSite1" presStyleCnt="0"/>
+      <dgm:spPr/>
+    </dgm:pt>
+  </dgm:ptLst>
+  <dgm:cxnLst>
+    <dgm:cxn modelId="{A530081C-FC7D-4DE2-8238-537FD7DC31BA}" srcId="{8E583638-85E5-42DC-B0C1-482D123D7340}" destId="{C342F822-0805-40EB-93EF-CC3F10DF5A1B}" srcOrd="2" destOrd="0" parTransId="{F92E0663-D0B8-4572-A5BF-879EA495785E}" sibTransId="{C17702C1-AA79-4CFF-B739-7827B174C7B4}"/>
+    <dgm:cxn modelId="{2CA94C45-66B2-46F6-9FCE-545EAB362899}" type="presOf" srcId="{C37C1FAE-0166-4EFF-B056-E23429A0A244}" destId="{BEF53A56-A37D-4008-806F-E875F75E6FD3}" srcOrd="0" destOrd="0" presId="urn:microsoft.com/office/officeart/2005/8/layout/hProcess4"/>
+    <dgm:cxn modelId="{340E7172-B3C7-4851-825B-2BD81C80146C}" type="presOf" srcId="{8614F308-51F6-48BA-96FA-3D621E466730}" destId="{58012A2F-5496-4959-94D8-88BD1B7811D9}" srcOrd="0" destOrd="0" presId="urn:microsoft.com/office/officeart/2005/8/layout/hProcess4"/>
+    <dgm:cxn modelId="{80F8BA1F-B5AA-4938-87FA-7CD4C5C8E83D}" type="presOf" srcId="{93FD902D-14BD-4158-915E-252767BB8383}" destId="{088C136A-F981-4BDB-B682-220456BFB4DA}" srcOrd="1" destOrd="0" presId="urn:microsoft.com/office/officeart/2005/8/layout/hProcess4"/>
+    <dgm:cxn modelId="{AE6E5803-AF2C-4A39-98AC-90DA851B4F18}" type="presOf" srcId="{8E7224B7-0B83-49A6-9F80-2CB72CD6F572}" destId="{7D23EAEB-D37E-4391-A0D7-3F03E3861BB5}" srcOrd="0" destOrd="1" presId="urn:microsoft.com/office/officeart/2005/8/layout/hProcess4"/>
+    <dgm:cxn modelId="{FF9EAF53-3EA1-4E89-9FE8-0150B7524F4A}" srcId="{C37C1FAE-0166-4EFF-B056-E23429A0A244}" destId="{8E583638-85E5-42DC-B0C1-482D123D7340}" srcOrd="2" destOrd="0" parTransId="{36803941-2E3D-4DCF-BF20-7BEE93B1F9D0}" sibTransId="{CA444287-3745-484B-8785-213B4D131DAB}"/>
+    <dgm:cxn modelId="{F9FDD5D8-0CD8-49BD-B7A6-62EAECBB4E7E}" srcId="{38CEA9E9-99C6-4050-9632-58DEEDEBF85E}" destId="{8E7224B7-0B83-49A6-9F80-2CB72CD6F572}" srcOrd="1" destOrd="0" parTransId="{95CC5140-3686-4C66-AD58-06653491BEDD}" sibTransId="{2A3516BA-25E6-4BE0-9F7C-4A3B274F745A}"/>
+    <dgm:cxn modelId="{04144CD6-F563-415C-8C6D-550048C2CF81}" type="presOf" srcId="{DCEC9016-C1F9-4C27-A845-14D7F302BD43}" destId="{F1F9A04C-3093-43EA-B1E3-005DD1DC62B0}" srcOrd="1" destOrd="1" presId="urn:microsoft.com/office/officeart/2005/8/layout/hProcess4"/>
+    <dgm:cxn modelId="{37200E66-9D53-4DAC-9FD4-03FBA1F89ACA}" type="presOf" srcId="{25E12D59-063B-45E6-BADF-5F8843CF7F72}" destId="{088C136A-F981-4BDB-B682-220456BFB4DA}" srcOrd="1" destOrd="1" presId="urn:microsoft.com/office/officeart/2005/8/layout/hProcess4"/>
+    <dgm:cxn modelId="{7FA7662D-0ABA-4F17-BDAD-88893F2B067C}" srcId="{8E583638-85E5-42DC-B0C1-482D123D7340}" destId="{DCEC9016-C1F9-4C27-A845-14D7F302BD43}" srcOrd="1" destOrd="0" parTransId="{13C92DC4-2034-4EF4-A2B9-E3A7D8F23DA2}" sibTransId="{C6C255BC-49CE-4C73-B10D-5F536AB01F94}"/>
+    <dgm:cxn modelId="{1078AD17-E94C-4192-8809-9681EB84DDCA}" type="presOf" srcId="{269DA65F-853B-4125-AFF4-56EA108F9C9C}" destId="{F1F9A04C-3093-43EA-B1E3-005DD1DC62B0}" srcOrd="1" destOrd="0" presId="urn:microsoft.com/office/officeart/2005/8/layout/hProcess4"/>
+    <dgm:cxn modelId="{610C9207-ABDF-430A-8752-BD47F2572D83}" type="presOf" srcId="{515CEF3D-A536-464B-A003-3F2284DA506A}" destId="{BF56BB0E-10AA-425F-BAFA-5A3672904B3E}" srcOrd="1" destOrd="0" presId="urn:microsoft.com/office/officeart/2005/8/layout/hProcess4"/>
+    <dgm:cxn modelId="{E0DE8C96-BBF9-4847-B26D-8A74113C865D}" type="presOf" srcId="{515CEF3D-A536-464B-A003-3F2284DA506A}" destId="{7D23EAEB-D37E-4391-A0D7-3F03E3861BB5}" srcOrd="0" destOrd="0" presId="urn:microsoft.com/office/officeart/2005/8/layout/hProcess4"/>
+    <dgm:cxn modelId="{AED46C36-6744-43BC-8101-95A69B4D6D22}" type="presOf" srcId="{8E7224B7-0B83-49A6-9F80-2CB72CD6F572}" destId="{BF56BB0E-10AA-425F-BAFA-5A3672904B3E}" srcOrd="1" destOrd="1" presId="urn:microsoft.com/office/officeart/2005/8/layout/hProcess4"/>
+    <dgm:cxn modelId="{CCD7B1EF-8733-4864-9024-2052E87526D0}" srcId="{C37C1FAE-0166-4EFF-B056-E23429A0A244}" destId="{F1BC6EDA-C346-461B-A635-784B96588E4B}" srcOrd="1" destOrd="0" parTransId="{24A9B23A-0A00-4413-8B17-92117F3DBB26}" sibTransId="{8614F308-51F6-48BA-96FA-3D621E466730}"/>
+    <dgm:cxn modelId="{14ACBEBA-8E67-4152-BF82-989B71129638}" srcId="{F1BC6EDA-C346-461B-A635-784B96588E4B}" destId="{93FD902D-14BD-4158-915E-252767BB8383}" srcOrd="0" destOrd="0" parTransId="{C441F19E-4715-40B2-8112-46BB697835B0}" sibTransId="{FF2B9EAF-C667-49C9-BB8C-116B422FF492}"/>
+    <dgm:cxn modelId="{7BA0F07E-2668-4A5C-8BBF-616B7CD6F66B}" type="presOf" srcId="{25E12D59-063B-45E6-BADF-5F8843CF7F72}" destId="{7AA4FDCC-32CC-4B22-92E4-88DB431B4110}" srcOrd="0" destOrd="1" presId="urn:microsoft.com/office/officeart/2005/8/layout/hProcess4"/>
+    <dgm:cxn modelId="{CCF598EE-FF69-4776-BBB6-8C02750B14C9}" type="presOf" srcId="{C342F822-0805-40EB-93EF-CC3F10DF5A1B}" destId="{ABE8998E-306D-4803-A7E6-6680DA4B18CC}" srcOrd="0" destOrd="2" presId="urn:microsoft.com/office/officeart/2005/8/layout/hProcess4"/>
+    <dgm:cxn modelId="{80570B6D-0001-4A58-BA55-E3840CABB1F4}" srcId="{C37C1FAE-0166-4EFF-B056-E23429A0A244}" destId="{38CEA9E9-99C6-4050-9632-58DEEDEBF85E}" srcOrd="0" destOrd="0" parTransId="{B72A0AD1-F0D1-436B-8F40-159F834FB12E}" sibTransId="{FD077405-A5A6-41BA-8A63-F6A89432F6A9}"/>
+    <dgm:cxn modelId="{13EC8F60-8F76-46BF-BB7A-F9A1162F23E2}" srcId="{F1BC6EDA-C346-461B-A635-784B96588E4B}" destId="{25E12D59-063B-45E6-BADF-5F8843CF7F72}" srcOrd="1" destOrd="0" parTransId="{4291086D-93CF-4337-8BD4-02C8639FDA19}" sibTransId="{F2FBF291-63A7-4418-B14B-CFDDD1AF2742}"/>
+    <dgm:cxn modelId="{D12029B4-660A-4D48-909B-5A79E7A5F4CC}" srcId="{38CEA9E9-99C6-4050-9632-58DEEDEBF85E}" destId="{515CEF3D-A536-464B-A003-3F2284DA506A}" srcOrd="0" destOrd="0" parTransId="{AD117C2C-F28D-490D-91F4-EAF4EDC0675D}" sibTransId="{4C2BBD24-AC5A-475D-9ED6-F2B6F3FCE5A4}"/>
+    <dgm:cxn modelId="{F8D5197C-A488-4706-B599-BDC72128AA33}" srcId="{8E583638-85E5-42DC-B0C1-482D123D7340}" destId="{269DA65F-853B-4125-AFF4-56EA108F9C9C}" srcOrd="0" destOrd="0" parTransId="{4461A41D-5911-46A5-B939-B94DCB2C4CE7}" sibTransId="{9994489E-9668-4AB8-90DA-4F36491CB2EF}"/>
+    <dgm:cxn modelId="{6F67F506-58FE-45F9-8AF6-37A8732C3C92}" type="presOf" srcId="{269DA65F-853B-4125-AFF4-56EA108F9C9C}" destId="{ABE8998E-306D-4803-A7E6-6680DA4B18CC}" srcOrd="0" destOrd="0" presId="urn:microsoft.com/office/officeart/2005/8/layout/hProcess4"/>
+    <dgm:cxn modelId="{600E924E-379C-4F43-8B8D-3DCE8FA0B5F5}" type="presOf" srcId="{FD077405-A5A6-41BA-8A63-F6A89432F6A9}" destId="{141A074A-237A-4BD6-B31E-1D32D03395CF}" srcOrd="0" destOrd="0" presId="urn:microsoft.com/office/officeart/2005/8/layout/hProcess4"/>
+    <dgm:cxn modelId="{35D8D638-8D26-49A4-B054-880CC4CED718}" type="presOf" srcId="{DCEC9016-C1F9-4C27-A845-14D7F302BD43}" destId="{ABE8998E-306D-4803-A7E6-6680DA4B18CC}" srcOrd="0" destOrd="1" presId="urn:microsoft.com/office/officeart/2005/8/layout/hProcess4"/>
+    <dgm:cxn modelId="{627A090C-4BC0-4142-928B-B5DA9A3FED8B}" type="presOf" srcId="{C342F822-0805-40EB-93EF-CC3F10DF5A1B}" destId="{F1F9A04C-3093-43EA-B1E3-005DD1DC62B0}" srcOrd="1" destOrd="2" presId="urn:microsoft.com/office/officeart/2005/8/layout/hProcess4"/>
+    <dgm:cxn modelId="{A0C86E05-EC8E-4E07-BE91-2E99AE158AC2}" type="presOf" srcId="{F1BC6EDA-C346-461B-A635-784B96588E4B}" destId="{079811BD-B658-4CAD-9BF9-7596DC02E23E}" srcOrd="0" destOrd="0" presId="urn:microsoft.com/office/officeart/2005/8/layout/hProcess4"/>
+    <dgm:cxn modelId="{A3696AD9-6F28-48C8-A74B-C404C250AE9F}" type="presOf" srcId="{38CEA9E9-99C6-4050-9632-58DEEDEBF85E}" destId="{F45D3531-B45D-4A96-8C72-6B4F59B4FAC8}" srcOrd="0" destOrd="0" presId="urn:microsoft.com/office/officeart/2005/8/layout/hProcess4"/>
+    <dgm:cxn modelId="{5DEC30CB-59FD-4539-8C4F-48E9FB543B5E}" type="presOf" srcId="{93FD902D-14BD-4158-915E-252767BB8383}" destId="{7AA4FDCC-32CC-4B22-92E4-88DB431B4110}" srcOrd="0" destOrd="0" presId="urn:microsoft.com/office/officeart/2005/8/layout/hProcess4"/>
+    <dgm:cxn modelId="{927015E2-DCDE-43A4-B240-C0DC58086B7B}" type="presOf" srcId="{8E583638-85E5-42DC-B0C1-482D123D7340}" destId="{F6F21C20-1013-4807-8D38-0FBB9EDDA75B}" srcOrd="0" destOrd="0" presId="urn:microsoft.com/office/officeart/2005/8/layout/hProcess4"/>
+    <dgm:cxn modelId="{C17145EB-42F5-40AF-ACCC-43612A67AE9B}" type="presParOf" srcId="{BEF53A56-A37D-4008-806F-E875F75E6FD3}" destId="{BA2ADCC4-C5D4-4E99-8FD5-1BB30BE7C5F6}" srcOrd="0" destOrd="0" presId="urn:microsoft.com/office/officeart/2005/8/layout/hProcess4"/>
+    <dgm:cxn modelId="{B643C7B1-82F6-4992-A142-C81ECF798107}" type="presParOf" srcId="{BEF53A56-A37D-4008-806F-E875F75E6FD3}" destId="{24AF8135-22BB-4135-8DDF-A71FD5EDFBBB}" srcOrd="1" destOrd="0" presId="urn:microsoft.com/office/officeart/2005/8/layout/hProcess4"/>
+    <dgm:cxn modelId="{EBE1D41B-081E-4312-A11D-95387BCB2299}" type="presParOf" srcId="{BEF53A56-A37D-4008-806F-E875F75E6FD3}" destId="{AD914B6E-805D-4CB4-911B-52894657B4C5}" srcOrd="2" destOrd="0" presId="urn:microsoft.com/office/officeart/2005/8/layout/hProcess4"/>
+    <dgm:cxn modelId="{7075FD05-5840-49DD-B0A4-A06C53AF5FCB}" type="presParOf" srcId="{AD914B6E-805D-4CB4-911B-52894657B4C5}" destId="{C1B5EA9B-39A1-404A-BE7A-A460144D02AE}" srcOrd="0" destOrd="0" presId="urn:microsoft.com/office/officeart/2005/8/layout/hProcess4"/>
+    <dgm:cxn modelId="{B4194C50-EF0E-4B6F-9F05-6706D7C37003}" type="presParOf" srcId="{C1B5EA9B-39A1-404A-BE7A-A460144D02AE}" destId="{22FD0956-E026-4894-AF01-731A5EC8A6DB}" srcOrd="0" destOrd="0" presId="urn:microsoft.com/office/officeart/2005/8/layout/hProcess4"/>
+    <dgm:cxn modelId="{35E3A97F-21D4-42B1-8FD2-9883FB4B789F}" type="presParOf" srcId="{C1B5EA9B-39A1-404A-BE7A-A460144D02AE}" destId="{7D23EAEB-D37E-4391-A0D7-3F03E3861BB5}" srcOrd="1" destOrd="0" presId="urn:microsoft.com/office/officeart/2005/8/layout/hProcess4"/>
+    <dgm:cxn modelId="{1213CF6A-48C1-49F9-9FD3-D35BC2252C0C}" type="presParOf" srcId="{C1B5EA9B-39A1-404A-BE7A-A460144D02AE}" destId="{BF56BB0E-10AA-425F-BAFA-5A3672904B3E}" srcOrd="2" destOrd="0" presId="urn:microsoft.com/office/officeart/2005/8/layout/hProcess4"/>
+    <dgm:cxn modelId="{266B7ABD-7BF3-4859-927C-0C12AC938038}" type="presParOf" srcId="{C1B5EA9B-39A1-404A-BE7A-A460144D02AE}" destId="{F45D3531-B45D-4A96-8C72-6B4F59B4FAC8}" srcOrd="3" destOrd="0" presId="urn:microsoft.com/office/officeart/2005/8/layout/hProcess4"/>
+    <dgm:cxn modelId="{96B8FAAA-388A-4DD8-A168-ADEA1AA6FBA4}" type="presParOf" srcId="{C1B5EA9B-39A1-404A-BE7A-A460144D02AE}" destId="{E6955DB2-EC4A-4C09-BF3A-742E55210C11}" srcOrd="4" destOrd="0" presId="urn:microsoft.com/office/officeart/2005/8/layout/hProcess4"/>
+    <dgm:cxn modelId="{867956AD-7D0C-4F42-94D4-481093E400F6}" type="presParOf" srcId="{AD914B6E-805D-4CB4-911B-52894657B4C5}" destId="{141A074A-237A-4BD6-B31E-1D32D03395CF}" srcOrd="1" destOrd="0" presId="urn:microsoft.com/office/officeart/2005/8/layout/hProcess4"/>
+    <dgm:cxn modelId="{043CA7D8-3D97-43C4-A77D-D673EAE5D150}" type="presParOf" srcId="{AD914B6E-805D-4CB4-911B-52894657B4C5}" destId="{EFE723BF-A6DC-42BF-82CF-2173B57E4E80}" srcOrd="2" destOrd="0" presId="urn:microsoft.com/office/officeart/2005/8/layout/hProcess4"/>
+    <dgm:cxn modelId="{30AE703F-16D8-462E-A757-37C6E1F49D7E}" type="presParOf" srcId="{EFE723BF-A6DC-42BF-82CF-2173B57E4E80}" destId="{8ECCCCF5-7268-4F72-BB38-2E62A72CB434}" srcOrd="0" destOrd="0" presId="urn:microsoft.com/office/officeart/2005/8/layout/hProcess4"/>
+    <dgm:cxn modelId="{BE30A074-DCAD-4026-88F7-E48E8BC0C37D}" type="presParOf" srcId="{EFE723BF-A6DC-42BF-82CF-2173B57E4E80}" destId="{7AA4FDCC-32CC-4B22-92E4-88DB431B4110}" srcOrd="1" destOrd="0" presId="urn:microsoft.com/office/officeart/2005/8/layout/hProcess4"/>
+    <dgm:cxn modelId="{9AF5557B-91D2-4B07-9A40-E88C3AFF3266}" type="presParOf" srcId="{EFE723BF-A6DC-42BF-82CF-2173B57E4E80}" destId="{088C136A-F981-4BDB-B682-220456BFB4DA}" srcOrd="2" destOrd="0" presId="urn:microsoft.com/office/officeart/2005/8/layout/hProcess4"/>
+    <dgm:cxn modelId="{EFB732D4-DE4A-49B3-956E-EA082767163C}" type="presParOf" srcId="{EFE723BF-A6DC-42BF-82CF-2173B57E4E80}" destId="{079811BD-B658-4CAD-9BF9-7596DC02E23E}" srcOrd="3" destOrd="0" presId="urn:microsoft.com/office/officeart/2005/8/layout/hProcess4"/>
+    <dgm:cxn modelId="{02CBBAA7-F136-42F0-8437-E798ECF96310}" type="presParOf" srcId="{EFE723BF-A6DC-42BF-82CF-2173B57E4E80}" destId="{C0A785CF-07DC-44DD-B999-F0853963C642}" srcOrd="4" destOrd="0" presId="urn:microsoft.com/office/officeart/2005/8/layout/hProcess4"/>
+    <dgm:cxn modelId="{DD977C41-D702-4A7F-9C24-7AD75B69CF2E}" type="presParOf" srcId="{AD914B6E-805D-4CB4-911B-52894657B4C5}" destId="{58012A2F-5496-4959-94D8-88BD1B7811D9}" srcOrd="3" destOrd="0" presId="urn:microsoft.com/office/officeart/2005/8/layout/hProcess4"/>
+    <dgm:cxn modelId="{3B55214B-1C58-4E45-BC51-7394DB68A12C}" type="presParOf" srcId="{AD914B6E-805D-4CB4-911B-52894657B4C5}" destId="{E519838E-185B-4F7C-9246-F6FEAEADDD15}" srcOrd="4" destOrd="0" presId="urn:microsoft.com/office/officeart/2005/8/layout/hProcess4"/>
+    <dgm:cxn modelId="{1C880C1A-A93B-4FAF-B0C1-025D18A64E5E}" type="presParOf" srcId="{E519838E-185B-4F7C-9246-F6FEAEADDD15}" destId="{C201EEBA-481C-4761-B2E9-4F4F6CEF929B}" srcOrd="0" destOrd="0" presId="urn:microsoft.com/office/officeart/2005/8/layout/hProcess4"/>
+    <dgm:cxn modelId="{30B53041-503D-4489-BBC1-D05814A519D8}" type="presParOf" srcId="{E519838E-185B-4F7C-9246-F6FEAEADDD15}" destId="{ABE8998E-306D-4803-A7E6-6680DA4B18CC}" srcOrd="1" destOrd="0" presId="urn:microsoft.com/office/officeart/2005/8/layout/hProcess4"/>
+    <dgm:cxn modelId="{E44036AD-5D3F-46BB-8CCC-5A631F6EB49D}" type="presParOf" srcId="{E519838E-185B-4F7C-9246-F6FEAEADDD15}" destId="{F1F9A04C-3093-43EA-B1E3-005DD1DC62B0}" srcOrd="2" destOrd="0" presId="urn:microsoft.com/office/officeart/2005/8/layout/hProcess4"/>
+    <dgm:cxn modelId="{1AF4035D-7188-4926-A409-9962500D1888}" type="presParOf" srcId="{E519838E-185B-4F7C-9246-F6FEAEADDD15}" destId="{F6F21C20-1013-4807-8D38-0FBB9EDDA75B}" srcOrd="3" destOrd="0" presId="urn:microsoft.com/office/officeart/2005/8/layout/hProcess4"/>
+    <dgm:cxn modelId="{B08F81E7-2B4A-4AAF-BACE-0248CB673BF2}" type="presParOf" srcId="{E519838E-185B-4F7C-9246-F6FEAEADDD15}" destId="{42FD823C-44A3-4D33-A3FD-5604E8ABF9E1}" srcOrd="4" destOrd="0" presId="urn:microsoft.com/office/officeart/2005/8/layout/hProcess4"/>
+  </dgm:cxnLst>
+  <dgm:bg/>
+  <dgm:whole/>
+  <dgm:extLst>
+    <a:ext uri="http://schemas.microsoft.com/office/drawing/2008/diagram">
+      <dsp:dataModelExt xmlns:dsp="http://schemas.microsoft.com/office/drawing/2008/diagram" relId="rId6" minVer="http://schemas.openxmlformats.org/drawingml/2006/diagram"/>
+    </a:ext>
+  </dgm:extLst>
+</dgm:dataModel>
+</file>
+
+<file path=ppt/diagrams/drawing1.xml><?xml version="1.0" encoding="utf-8"?>
+<dsp:drawing xmlns:dgm="http://schemas.openxmlformats.org/drawingml/2006/diagram" xmlns:dsp="http://schemas.microsoft.com/office/drawing/2008/diagram" xmlns:a="http://schemas.openxmlformats.org/drawingml/2006/main">
+  <dsp:spTree>
+    <dsp:nvGrpSpPr>
+      <dsp:cNvPr id="0" name=""/>
+      <dsp:cNvGrpSpPr/>
+    </dsp:nvGrpSpPr>
+    <dsp:grpSpPr/>
+    <dsp:sp modelId="{7D23EAEB-D37E-4391-A0D7-3F03E3861BB5}">
+      <dsp:nvSpPr>
+        <dsp:cNvPr id="0" name=""/>
+        <dsp:cNvSpPr/>
+      </dsp:nvSpPr>
+      <dsp:spPr>
+        <a:xfrm>
+          <a:off x="3688" y="1224738"/>
+          <a:ext cx="2130718" cy="1757397"/>
+        </a:xfrm>
+        <a:prstGeom prst="roundRect">
+          <a:avLst>
+            <a:gd name="adj" fmla="val 10000"/>
+          </a:avLst>
+        </a:prstGeom>
+        <a:solidFill>
+          <a:schemeClr val="lt1">
+            <a:alpha val="90000"/>
+            <a:hueOff val="0"/>
+            <a:satOff val="0"/>
+            <a:lumOff val="0"/>
+            <a:alphaOff val="0"/>
+          </a:schemeClr>
+        </a:solidFill>
+        <a:ln w="12700" cap="flat" cmpd="sng" algn="ctr">
+          <a:solidFill>
+            <a:schemeClr val="accent1">
+              <a:hueOff val="0"/>
+              <a:satOff val="0"/>
+              <a:lumOff val="0"/>
+              <a:alphaOff val="0"/>
+            </a:schemeClr>
+          </a:solidFill>
+          <a:prstDash val="solid"/>
+        </a:ln>
+        <a:effectLst/>
+      </dsp:spPr>
+      <dsp:style>
+        <a:lnRef idx="2">
+          <a:scrgbClr r="0" g="0" b="0"/>
+        </a:lnRef>
+        <a:fillRef idx="1">
+          <a:scrgbClr r="0" g="0" b="0"/>
+        </a:fillRef>
+        <a:effectRef idx="0">
+          <a:scrgbClr r="0" g="0" b="0"/>
+        </a:effectRef>
+        <a:fontRef idx="minor"/>
+      </dsp:style>
+      <dsp:txBody>
+        <a:bodyPr spcFirstLastPara="0" vert="horz" wrap="square" lIns="38100" tIns="38100" rIns="38100" bIns="38100" numCol="1" spcCol="1270" anchor="t" anchorCtr="0">
+          <a:noAutofit/>
+        </a:bodyPr>
+        <a:lstStyle/>
+        <a:p>
+          <a:pPr marL="228600" lvl="1" indent="-228600" algn="l" defTabSz="889000">
+            <a:lnSpc>
+              <a:spcPct val="90000"/>
+            </a:lnSpc>
+            <a:spcBef>
+              <a:spcPct val="0"/>
+            </a:spcBef>
+            <a:spcAft>
+              <a:spcPct val="15000"/>
+            </a:spcAft>
+            <a:buChar char="••"/>
+          </a:pPr>
+          <a:r>
+            <a:rPr lang="zh-CN" altLang="en-US" sz="2000" kern="1200" dirty="0" smtClean="0"/>
+            <a:t>首屏</a:t>
+          </a:r>
+          <a:r>
+            <a:rPr lang="en-US" altLang="zh-CN" sz="2000" kern="1200" dirty="0" smtClean="0"/>
+            <a:t>HTML</a:t>
+          </a:r>
+          <a:r>
+            <a:rPr lang="zh-CN" altLang="en-US" sz="2000" kern="1200" dirty="0" smtClean="0"/>
+            <a:t>渲染</a:t>
+          </a:r>
+          <a:endParaRPr lang="zh-CN" altLang="en-US" sz="2000" kern="1200" dirty="0"/>
+        </a:p>
+        <a:p>
+          <a:pPr marL="228600" lvl="1" indent="-228600" algn="l" defTabSz="889000">
+            <a:lnSpc>
+              <a:spcPct val="90000"/>
+            </a:lnSpc>
+            <a:spcBef>
+              <a:spcPct val="0"/>
+            </a:spcBef>
+            <a:spcAft>
+              <a:spcPct val="15000"/>
+            </a:spcAft>
+            <a:buChar char="••"/>
+          </a:pPr>
+          <a:r>
+            <a:rPr lang="zh-CN" altLang="en-US" sz="2000" kern="1200" dirty="0" smtClean="0"/>
+            <a:t>更多数据</a:t>
+          </a:r>
+          <a:r>
+            <a:rPr lang="en-US" altLang="zh-CN" sz="2000" kern="1200" dirty="0" err="1" smtClean="0"/>
+            <a:t>ajax</a:t>
+          </a:r>
+          <a:r>
+            <a:rPr lang="zh-CN" altLang="en-US" sz="2000" kern="1200" dirty="0" smtClean="0"/>
+            <a:t>加载</a:t>
+          </a:r>
+          <a:endParaRPr lang="zh-CN" altLang="en-US" sz="2000" kern="1200" dirty="0"/>
+        </a:p>
+      </dsp:txBody>
+      <dsp:txXfrm>
+        <a:off x="44131" y="1265181"/>
+        <a:ext cx="2049832" cy="1299926"/>
+      </dsp:txXfrm>
+    </dsp:sp>
+    <dsp:sp modelId="{141A074A-237A-4BD6-B31E-1D32D03395CF}">
+      <dsp:nvSpPr>
+        <dsp:cNvPr id="0" name=""/>
+        <dsp:cNvSpPr/>
+      </dsp:nvSpPr>
+      <dsp:spPr>
+        <a:xfrm>
+          <a:off x="1207643" y="1666809"/>
+          <a:ext cx="2315051" cy="2315051"/>
+        </a:xfrm>
+        <a:prstGeom prst="leftCircularArrow">
+          <a:avLst>
+            <a:gd name="adj1" fmla="val 3005"/>
+            <a:gd name="adj2" fmla="val 368554"/>
+            <a:gd name="adj3" fmla="val 2144065"/>
+            <a:gd name="adj4" fmla="val 9024489"/>
+            <a:gd name="adj5" fmla="val 3506"/>
+          </a:avLst>
+        </a:prstGeom>
+        <a:solidFill>
+          <a:schemeClr val="accent1">
+            <a:tint val="60000"/>
+            <a:hueOff val="0"/>
+            <a:satOff val="0"/>
+            <a:lumOff val="0"/>
+            <a:alphaOff val="0"/>
+          </a:schemeClr>
+        </a:solidFill>
+        <a:ln>
+          <a:noFill/>
+        </a:ln>
+        <a:effectLst/>
+      </dsp:spPr>
+      <dsp:style>
+        <a:lnRef idx="0">
+          <a:scrgbClr r="0" g="0" b="0"/>
+        </a:lnRef>
+        <a:fillRef idx="1">
+          <a:scrgbClr r="0" g="0" b="0"/>
+        </a:fillRef>
+        <a:effectRef idx="0">
+          <a:scrgbClr r="0" g="0" b="0"/>
+        </a:effectRef>
+        <a:fontRef idx="minor">
+          <a:schemeClr val="lt1"/>
+        </a:fontRef>
+      </dsp:style>
+    </dsp:sp>
+    <dsp:sp modelId="{F45D3531-B45D-4A96-8C72-6B4F59B4FAC8}">
+      <dsp:nvSpPr>
+        <dsp:cNvPr id="0" name=""/>
+        <dsp:cNvSpPr/>
+      </dsp:nvSpPr>
+      <dsp:spPr>
+        <a:xfrm>
+          <a:off x="477181" y="2605551"/>
+          <a:ext cx="1893972" cy="753170"/>
+        </a:xfrm>
+        <a:prstGeom prst="roundRect">
+          <a:avLst>
+            <a:gd name="adj" fmla="val 10000"/>
+          </a:avLst>
+        </a:prstGeom>
+        <a:solidFill>
+          <a:schemeClr val="accent1">
+            <a:hueOff val="0"/>
+            <a:satOff val="0"/>
+            <a:lumOff val="0"/>
+            <a:alphaOff val="0"/>
+          </a:schemeClr>
+        </a:solidFill>
+        <a:ln w="12700" cap="flat" cmpd="sng" algn="ctr">
+          <a:solidFill>
+            <a:schemeClr val="lt1">
+              <a:hueOff val="0"/>
+              <a:satOff val="0"/>
+              <a:lumOff val="0"/>
+              <a:alphaOff val="0"/>
+            </a:schemeClr>
+          </a:solidFill>
+          <a:prstDash val="solid"/>
+        </a:ln>
+        <a:effectLst/>
+      </dsp:spPr>
+      <dsp:style>
+        <a:lnRef idx="2">
+          <a:scrgbClr r="0" g="0" b="0"/>
+        </a:lnRef>
+        <a:fillRef idx="1">
+          <a:scrgbClr r="0" g="0" b="0"/>
+        </a:fillRef>
+        <a:effectRef idx="0">
+          <a:scrgbClr r="0" g="0" b="0"/>
+        </a:effectRef>
+        <a:fontRef idx="minor">
+          <a:schemeClr val="lt1"/>
+        </a:fontRef>
+      </dsp:style>
+      <dsp:txBody>
+        <a:bodyPr spcFirstLastPara="0" vert="horz" wrap="square" lIns="40005" tIns="26670" rIns="40005" bIns="26670" numCol="1" spcCol="1270" anchor="ctr" anchorCtr="0">
+          <a:noAutofit/>
+        </a:bodyPr>
+        <a:lstStyle/>
+        <a:p>
+          <a:pPr lvl="0" algn="ctr" defTabSz="933450">
+            <a:lnSpc>
+              <a:spcPct val="90000"/>
+            </a:lnSpc>
+            <a:spcBef>
+              <a:spcPct val="0"/>
+            </a:spcBef>
+            <a:spcAft>
+              <a:spcPct val="35000"/>
+            </a:spcAft>
+          </a:pPr>
+          <a:r>
+            <a:rPr lang="zh-CN" altLang="en-US" sz="2100" kern="1200" dirty="0" smtClean="0"/>
+            <a:t>浏览器</a:t>
+          </a:r>
+          <a:endParaRPr lang="zh-CN" altLang="en-US" sz="2100" kern="1200" dirty="0"/>
+        </a:p>
+      </dsp:txBody>
+      <dsp:txXfrm>
+        <a:off x="499241" y="2627611"/>
+        <a:ext cx="1849852" cy="709050"/>
+      </dsp:txXfrm>
+    </dsp:sp>
+    <dsp:sp modelId="{7AA4FDCC-32CC-4B22-92E4-88DB431B4110}">
+      <dsp:nvSpPr>
+        <dsp:cNvPr id="0" name=""/>
+        <dsp:cNvSpPr/>
+      </dsp:nvSpPr>
+      <dsp:spPr>
+        <a:xfrm>
+          <a:off x="2702467" y="1224738"/>
+          <a:ext cx="2130718" cy="1757397"/>
+        </a:xfrm>
+        <a:prstGeom prst="roundRect">
+          <a:avLst>
+            <a:gd name="adj" fmla="val 10000"/>
+          </a:avLst>
+        </a:prstGeom>
+        <a:solidFill>
+          <a:schemeClr val="lt1">
+            <a:alpha val="90000"/>
+            <a:hueOff val="0"/>
+            <a:satOff val="0"/>
+            <a:lumOff val="0"/>
+            <a:alphaOff val="0"/>
+          </a:schemeClr>
+        </a:solidFill>
+        <a:ln w="12700" cap="flat" cmpd="sng" algn="ctr">
+          <a:solidFill>
+            <a:schemeClr val="accent1">
+              <a:hueOff val="0"/>
+              <a:satOff val="0"/>
+              <a:lumOff val="0"/>
+              <a:alphaOff val="0"/>
+            </a:schemeClr>
+          </a:solidFill>
+          <a:prstDash val="solid"/>
+        </a:ln>
+        <a:effectLst/>
+      </dsp:spPr>
+      <dsp:style>
+        <a:lnRef idx="2">
+          <a:scrgbClr r="0" g="0" b="0"/>
+        </a:lnRef>
+        <a:fillRef idx="1">
+          <a:scrgbClr r="0" g="0" b="0"/>
+        </a:fillRef>
+        <a:effectRef idx="0">
+          <a:scrgbClr r="0" g="0" b="0"/>
+        </a:effectRef>
+        <a:fontRef idx="minor"/>
+      </dsp:style>
+      <dsp:txBody>
+        <a:bodyPr spcFirstLastPara="0" vert="horz" wrap="square" lIns="38100" tIns="38100" rIns="38100" bIns="38100" numCol="1" spcCol="1270" anchor="t" anchorCtr="0">
+          <a:noAutofit/>
+        </a:bodyPr>
+        <a:lstStyle/>
+        <a:p>
+          <a:pPr marL="228600" lvl="1" indent="-228600" algn="l" defTabSz="889000">
+            <a:lnSpc>
+              <a:spcPct val="90000"/>
+            </a:lnSpc>
+            <a:spcBef>
+              <a:spcPct val="0"/>
+            </a:spcBef>
+            <a:spcAft>
+              <a:spcPct val="15000"/>
+            </a:spcAft>
+            <a:buChar char="••"/>
+          </a:pPr>
+          <a:r>
+            <a:rPr lang="zh-CN" altLang="en-US" sz="2000" kern="1200" dirty="0" smtClean="0"/>
+            <a:t>生成</a:t>
+          </a:r>
+          <a:r>
+            <a:rPr lang="en-US" altLang="zh-CN" sz="2000" kern="1200" dirty="0" smtClean="0"/>
+            <a:t>HTML</a:t>
+          </a:r>
+          <a:r>
+            <a:rPr lang="zh-CN" altLang="en-US" sz="2000" kern="1200" dirty="0" smtClean="0"/>
+            <a:t>模板</a:t>
+          </a:r>
+          <a:endParaRPr lang="zh-CN" altLang="en-US" sz="2000" kern="1200" dirty="0"/>
+        </a:p>
+        <a:p>
+          <a:pPr marL="228600" lvl="1" indent="-228600" algn="l" defTabSz="889000">
+            <a:lnSpc>
+              <a:spcPct val="90000"/>
+            </a:lnSpc>
+            <a:spcBef>
+              <a:spcPct val="0"/>
+            </a:spcBef>
+            <a:spcAft>
+              <a:spcPct val="15000"/>
+            </a:spcAft>
+            <a:buChar char="••"/>
+          </a:pPr>
+          <a:r>
+            <a:rPr lang="zh-CN" altLang="en-US" sz="2000" kern="1200" dirty="0" smtClean="0"/>
+            <a:t>桥接后台</a:t>
+          </a:r>
+          <a:r>
+            <a:rPr lang="en-US" altLang="zh-CN" sz="2000" kern="1200" dirty="0" smtClean="0"/>
+            <a:t>API</a:t>
+          </a:r>
+          <a:r>
+            <a:rPr lang="zh-CN" altLang="en-US" sz="2000" kern="1200" dirty="0" smtClean="0"/>
+            <a:t>生成</a:t>
+          </a:r>
+          <a:r>
+            <a:rPr lang="en-US" altLang="zh-CN" sz="2000" kern="1200" dirty="0" smtClean="0"/>
+            <a:t>JSON</a:t>
+          </a:r>
+          <a:endParaRPr lang="zh-CN" altLang="en-US" sz="2000" kern="1200" dirty="0"/>
+        </a:p>
+      </dsp:txBody>
+      <dsp:txXfrm>
+        <a:off x="2742910" y="1641766"/>
+        <a:ext cx="2049832" cy="1299926"/>
+      </dsp:txXfrm>
+    </dsp:sp>
+    <dsp:sp modelId="{58012A2F-5496-4959-94D8-88BD1B7811D9}">
+      <dsp:nvSpPr>
+        <dsp:cNvPr id="0" name=""/>
+        <dsp:cNvSpPr/>
+      </dsp:nvSpPr>
+      <dsp:spPr>
+        <a:xfrm>
+          <a:off x="3888666" y="156107"/>
+          <a:ext cx="2587310" cy="2587310"/>
+        </a:xfrm>
+        <a:prstGeom prst="circularArrow">
+          <a:avLst>
+            <a:gd name="adj1" fmla="val 2689"/>
+            <a:gd name="adj2" fmla="val 327339"/>
+            <a:gd name="adj3" fmla="val 19497150"/>
+            <a:gd name="adj4" fmla="val 12575511"/>
+            <a:gd name="adj5" fmla="val 3137"/>
+          </a:avLst>
+        </a:prstGeom>
+        <a:solidFill>
+          <a:schemeClr val="accent1">
+            <a:tint val="60000"/>
+            <a:hueOff val="0"/>
+            <a:satOff val="0"/>
+            <a:lumOff val="0"/>
+            <a:alphaOff val="0"/>
+          </a:schemeClr>
+        </a:solidFill>
+        <a:ln>
+          <a:noFill/>
+        </a:ln>
+        <a:effectLst/>
+      </dsp:spPr>
+      <dsp:style>
+        <a:lnRef idx="0">
+          <a:scrgbClr r="0" g="0" b="0"/>
+        </a:lnRef>
+        <a:fillRef idx="1">
+          <a:scrgbClr r="0" g="0" b="0"/>
+        </a:fillRef>
+        <a:effectRef idx="0">
+          <a:scrgbClr r="0" g="0" b="0"/>
+        </a:effectRef>
+        <a:fontRef idx="minor">
+          <a:schemeClr val="lt1"/>
+        </a:fontRef>
+      </dsp:style>
+    </dsp:sp>
+    <dsp:sp modelId="{079811BD-B658-4CAD-9BF9-7596DC02E23E}">
+      <dsp:nvSpPr>
+        <dsp:cNvPr id="0" name=""/>
+        <dsp:cNvSpPr/>
+      </dsp:nvSpPr>
+      <dsp:spPr>
+        <a:xfrm>
+          <a:off x="3175960" y="848153"/>
+          <a:ext cx="1893972" cy="753170"/>
+        </a:xfrm>
+        <a:prstGeom prst="roundRect">
+          <a:avLst>
+            <a:gd name="adj" fmla="val 10000"/>
+          </a:avLst>
+        </a:prstGeom>
+        <a:solidFill>
+          <a:schemeClr val="accent1">
+            <a:hueOff val="0"/>
+            <a:satOff val="0"/>
+            <a:lumOff val="0"/>
+            <a:alphaOff val="0"/>
+          </a:schemeClr>
+        </a:solidFill>
+        <a:ln w="12700" cap="flat" cmpd="sng" algn="ctr">
+          <a:solidFill>
+            <a:schemeClr val="lt1">
+              <a:hueOff val="0"/>
+              <a:satOff val="0"/>
+              <a:lumOff val="0"/>
+              <a:alphaOff val="0"/>
+            </a:schemeClr>
+          </a:solidFill>
+          <a:prstDash val="solid"/>
+        </a:ln>
+        <a:effectLst/>
+      </dsp:spPr>
+      <dsp:style>
+        <a:lnRef idx="2">
+          <a:scrgbClr r="0" g="0" b="0"/>
+        </a:lnRef>
+        <a:fillRef idx="1">
+          <a:scrgbClr r="0" g="0" b="0"/>
+        </a:fillRef>
+        <a:effectRef idx="0">
+          <a:scrgbClr r="0" g="0" b="0"/>
+        </a:effectRef>
+        <a:fontRef idx="minor">
+          <a:schemeClr val="lt1"/>
+        </a:fontRef>
+      </dsp:style>
+      <dsp:txBody>
+        <a:bodyPr spcFirstLastPara="0" vert="horz" wrap="square" lIns="40005" tIns="26670" rIns="40005" bIns="26670" numCol="1" spcCol="1270" anchor="ctr" anchorCtr="0">
+          <a:noAutofit/>
+        </a:bodyPr>
+        <a:lstStyle/>
+        <a:p>
+          <a:pPr lvl="0" algn="ctr" defTabSz="933450">
+            <a:lnSpc>
+              <a:spcPct val="90000"/>
+            </a:lnSpc>
+            <a:spcBef>
+              <a:spcPct val="0"/>
+            </a:spcBef>
+            <a:spcAft>
+              <a:spcPct val="35000"/>
+            </a:spcAft>
+          </a:pPr>
+          <a:r>
+            <a:rPr lang="en-US" altLang="zh-CN" sz="2100" kern="1200" dirty="0" smtClean="0"/>
+            <a:t>Node</a:t>
+          </a:r>
+          <a:r>
+            <a:rPr lang="zh-CN" altLang="en-US" sz="2100" kern="1200" dirty="0" smtClean="0"/>
+            <a:t>服务器桥接层</a:t>
+          </a:r>
+          <a:endParaRPr lang="zh-CN" altLang="en-US" sz="2100" kern="1200" dirty="0"/>
+        </a:p>
+      </dsp:txBody>
+      <dsp:txXfrm>
+        <a:off x="3198020" y="870213"/>
+        <a:ext cx="1849852" cy="709050"/>
+      </dsp:txXfrm>
+    </dsp:sp>
+    <dsp:sp modelId="{ABE8998E-306D-4803-A7E6-6680DA4B18CC}">
+      <dsp:nvSpPr>
+        <dsp:cNvPr id="0" name=""/>
+        <dsp:cNvSpPr/>
+      </dsp:nvSpPr>
+      <dsp:spPr>
+        <a:xfrm>
+          <a:off x="5401246" y="1224738"/>
+          <a:ext cx="2130718" cy="1757397"/>
+        </a:xfrm>
+        <a:prstGeom prst="roundRect">
+          <a:avLst>
+            <a:gd name="adj" fmla="val 10000"/>
+          </a:avLst>
+        </a:prstGeom>
+        <a:solidFill>
+          <a:schemeClr val="lt1">
+            <a:alpha val="90000"/>
+            <a:hueOff val="0"/>
+            <a:satOff val="0"/>
+            <a:lumOff val="0"/>
+            <a:alphaOff val="0"/>
+          </a:schemeClr>
+        </a:solidFill>
+        <a:ln w="12700" cap="flat" cmpd="sng" algn="ctr">
+          <a:solidFill>
+            <a:schemeClr val="accent1">
+              <a:hueOff val="0"/>
+              <a:satOff val="0"/>
+              <a:lumOff val="0"/>
+              <a:alphaOff val="0"/>
+            </a:schemeClr>
+          </a:solidFill>
+          <a:prstDash val="solid"/>
+        </a:ln>
+        <a:effectLst/>
+      </dsp:spPr>
+      <dsp:style>
+        <a:lnRef idx="2">
+          <a:scrgbClr r="0" g="0" b="0"/>
+        </a:lnRef>
+        <a:fillRef idx="1">
+          <a:scrgbClr r="0" g="0" b="0"/>
+        </a:fillRef>
+        <a:effectRef idx="0">
+          <a:scrgbClr r="0" g="0" b="0"/>
+        </a:effectRef>
+        <a:fontRef idx="minor"/>
+      </dsp:style>
+      <dsp:txBody>
+        <a:bodyPr spcFirstLastPara="0" vert="horz" wrap="square" lIns="38100" tIns="38100" rIns="38100" bIns="38100" numCol="1" spcCol="1270" anchor="t" anchorCtr="0">
+          <a:noAutofit/>
+        </a:bodyPr>
+        <a:lstStyle/>
+        <a:p>
+          <a:pPr marL="228600" lvl="1" indent="-228600" algn="l" defTabSz="889000">
+            <a:lnSpc>
+              <a:spcPct val="90000"/>
+            </a:lnSpc>
+            <a:spcBef>
+              <a:spcPct val="0"/>
+            </a:spcBef>
+            <a:spcAft>
+              <a:spcPct val="15000"/>
+            </a:spcAft>
+            <a:buChar char="••"/>
+          </a:pPr>
+          <a:r>
+            <a:rPr lang="zh-CN" altLang="en-US" sz="2000" kern="1200" dirty="0" smtClean="0"/>
+            <a:t>数据库</a:t>
+          </a:r>
+          <a:endParaRPr lang="zh-CN" altLang="en-US" sz="2000" kern="1200" dirty="0"/>
+        </a:p>
+        <a:p>
+          <a:pPr marL="228600" lvl="1" indent="-228600" algn="l" defTabSz="889000">
+            <a:lnSpc>
+              <a:spcPct val="90000"/>
+            </a:lnSpc>
+            <a:spcBef>
+              <a:spcPct val="0"/>
+            </a:spcBef>
+            <a:spcAft>
+              <a:spcPct val="15000"/>
+            </a:spcAft>
+            <a:buChar char="••"/>
+          </a:pPr>
+          <a:r>
+            <a:rPr lang="zh-CN" altLang="en-US" sz="2000" kern="1200" dirty="0" smtClean="0"/>
+            <a:t>数据业务逻辑</a:t>
+          </a:r>
+          <a:endParaRPr lang="zh-CN" altLang="en-US" sz="2000" kern="1200" dirty="0"/>
+        </a:p>
+        <a:p>
+          <a:pPr marL="228600" lvl="1" indent="-228600" algn="l" defTabSz="889000">
+            <a:lnSpc>
+              <a:spcPct val="90000"/>
+            </a:lnSpc>
+            <a:spcBef>
+              <a:spcPct val="0"/>
+            </a:spcBef>
+            <a:spcAft>
+              <a:spcPct val="15000"/>
+            </a:spcAft>
+            <a:buChar char="••"/>
+          </a:pPr>
+          <a:r>
+            <a:rPr lang="en-US" altLang="zh-CN" sz="2000" kern="1200" dirty="0" smtClean="0"/>
+            <a:t>API</a:t>
+          </a:r>
+          <a:r>
+            <a:rPr lang="zh-CN" altLang="en-US" sz="2000" kern="1200" dirty="0" smtClean="0"/>
+            <a:t>接口</a:t>
+          </a:r>
+          <a:r>
+            <a:rPr lang="en-US" altLang="zh-CN" sz="2000" kern="1200" dirty="0" smtClean="0"/>
+            <a:t>(JSON)</a:t>
+          </a:r>
+          <a:endParaRPr lang="zh-CN" altLang="en-US" sz="2000" kern="1200" dirty="0"/>
+        </a:p>
+      </dsp:txBody>
+      <dsp:txXfrm>
+        <a:off x="5441689" y="1265181"/>
+        <a:ext cx="2049832" cy="1299926"/>
+      </dsp:txXfrm>
+    </dsp:sp>
+    <dsp:sp modelId="{F6F21C20-1013-4807-8D38-0FBB9EDDA75B}">
+      <dsp:nvSpPr>
+        <dsp:cNvPr id="0" name=""/>
+        <dsp:cNvSpPr/>
+      </dsp:nvSpPr>
+      <dsp:spPr>
+        <a:xfrm>
+          <a:off x="5874739" y="2605551"/>
+          <a:ext cx="1893972" cy="753170"/>
+        </a:xfrm>
+        <a:prstGeom prst="roundRect">
+          <a:avLst>
+            <a:gd name="adj" fmla="val 10000"/>
+          </a:avLst>
+        </a:prstGeom>
+        <a:solidFill>
+          <a:schemeClr val="accent1">
+            <a:hueOff val="0"/>
+            <a:satOff val="0"/>
+            <a:lumOff val="0"/>
+            <a:alphaOff val="0"/>
+          </a:schemeClr>
+        </a:solidFill>
+        <a:ln w="12700" cap="flat" cmpd="sng" algn="ctr">
+          <a:solidFill>
+            <a:schemeClr val="lt1">
+              <a:hueOff val="0"/>
+              <a:satOff val="0"/>
+              <a:lumOff val="0"/>
+              <a:alphaOff val="0"/>
+            </a:schemeClr>
+          </a:solidFill>
+          <a:prstDash val="solid"/>
+        </a:ln>
+        <a:effectLst/>
+      </dsp:spPr>
+      <dsp:style>
+        <a:lnRef idx="2">
+          <a:scrgbClr r="0" g="0" b="0"/>
+        </a:lnRef>
+        <a:fillRef idx="1">
+          <a:scrgbClr r="0" g="0" b="0"/>
+        </a:fillRef>
+        <a:effectRef idx="0">
+          <a:scrgbClr r="0" g="0" b="0"/>
+        </a:effectRef>
+        <a:fontRef idx="minor">
+          <a:schemeClr val="lt1"/>
+        </a:fontRef>
+      </dsp:style>
+      <dsp:txBody>
+        <a:bodyPr spcFirstLastPara="0" vert="horz" wrap="square" lIns="40005" tIns="26670" rIns="40005" bIns="26670" numCol="1" spcCol="1270" anchor="ctr" anchorCtr="0">
+          <a:noAutofit/>
+        </a:bodyPr>
+        <a:lstStyle/>
+        <a:p>
+          <a:pPr lvl="0" algn="ctr" defTabSz="933450">
+            <a:lnSpc>
+              <a:spcPct val="90000"/>
+            </a:lnSpc>
+            <a:spcBef>
+              <a:spcPct val="0"/>
+            </a:spcBef>
+            <a:spcAft>
+              <a:spcPct val="35000"/>
+            </a:spcAft>
+          </a:pPr>
+          <a:r>
+            <a:rPr lang="en-US" altLang="zh-CN" sz="2100" kern="1200" dirty="0" smtClean="0"/>
+            <a:t>Server</a:t>
+          </a:r>
+          <a:r>
+            <a:rPr lang="zh-CN" altLang="en-US" sz="2100" kern="1200" dirty="0" smtClean="0"/>
+            <a:t>后台服务程序</a:t>
+          </a:r>
+          <a:endParaRPr lang="zh-CN" altLang="en-US" sz="2100" kern="1200" dirty="0"/>
+        </a:p>
+      </dsp:txBody>
+      <dsp:txXfrm>
+        <a:off x="5896799" y="2627611"/>
+        <a:ext cx="1849852" cy="709050"/>
+      </dsp:txXfrm>
+    </dsp:sp>
+  </dsp:spTree>
+</dsp:drawing>
+</file>
+
+<file path=ppt/diagrams/layout1.xml><?xml version="1.0" encoding="utf-8"?>
+<dgm:layoutDef xmlns:dgm="http://schemas.openxmlformats.org/drawingml/2006/diagram" xmlns:a="http://schemas.openxmlformats.org/drawingml/2006/main" uniqueId="urn:microsoft.com/office/officeart/2005/8/layout/hProcess4">
+  <dgm:title val=""/>
+  <dgm:desc val=""/>
+  <dgm:catLst>
+    <dgm:cat type="process" pri="4000"/>
+  </dgm:catLst>
+  <dgm:sampData>
+    <dgm:dataModel>
+      <dgm:ptLst>
+        <dgm:pt modelId="0" type="doc"/>
+        <dgm:pt modelId="1">
+          <dgm:prSet phldr="1"/>
+        </dgm:pt>
+        <dgm:pt modelId="11">
+          <dgm:prSet phldr="1"/>
+        </dgm:pt>
+        <dgm:pt modelId="12">
+          <dgm:prSet phldr="1"/>
+        </dgm:pt>
+        <dgm:pt modelId="2">
+          <dgm:prSet phldr="1"/>
+        </dgm:pt>
+        <dgm:pt modelId="21">
+          <dgm:prSet phldr="1"/>
+        </dgm:pt>
+        <dgm:pt modelId="22">
+          <dgm:prSet phldr="1"/>
+        </dgm:pt>
+        <dgm:pt modelId="3">
+          <dgm:prSet phldr="1"/>
+        </dgm:pt>
+        <dgm:pt modelId="31">
+          <dgm:prSet phldr="1"/>
+        </dgm:pt>
+        <dgm:pt modelId="32">
+          <dgm:prSet phldr="1"/>
+        </dgm:pt>
+      </dgm:ptLst>
+      <dgm:cxnLst>
+        <dgm:cxn modelId="4" srcId="0" destId="1" srcOrd="0" destOrd="0"/>
+        <dgm:cxn modelId="5" srcId="0" destId="2" srcOrd="1" destOrd="0"/>
+        <dgm:cxn modelId="6" srcId="0" destId="3" srcOrd="2" destOrd="0"/>
+        <dgm:cxn modelId="13" srcId="1" destId="11" srcOrd="0" destOrd="0"/>
+        <dgm:cxn modelId="14" srcId="1" destId="12" srcOrd="1" destOrd="0"/>
+        <dgm:cxn modelId="23" srcId="2" destId="21" srcOrd="0" destOrd="0"/>
+        <dgm:cxn modelId="24" srcId="2" destId="22" srcOrd="1" destOrd="0"/>
+        <dgm:cxn modelId="33" srcId="3" destId="31" srcOrd="0" destOrd="0"/>
+        <dgm:cxn modelId="34" srcId="3" destId="32" srcOrd="1" destOrd="0"/>
+      </dgm:cxnLst>
+      <dgm:bg/>
+      <dgm:whole/>
+    </dgm:dataModel>
+  </dgm:sampData>
+  <dgm:styleData>
+    <dgm:dataModel>
+      <dgm:ptLst>
+        <dgm:pt modelId="0" type="doc"/>
+        <dgm:pt modelId="1"/>
+        <dgm:pt modelId="11"/>
+        <dgm:pt modelId="2"/>
+        <dgm:pt modelId="21"/>
+      </dgm:ptLst>
+      <dgm:cxnLst>
+        <dgm:cxn modelId="4" srcId="0" destId="1" srcOrd="0" destOrd="0"/>
+        <dgm:cxn modelId="5" srcId="0" destId="2" srcOrd="1" destOrd="0"/>
+        <dgm:cxn modelId="13" srcId="1" destId="11" srcOrd="0" destOrd="0"/>
+        <dgm:cxn modelId="23" srcId="2" destId="21" srcOrd="0" destOrd="0"/>
+      </dgm:cxnLst>
+      <dgm:bg/>
+      <dgm:whole/>
+    </dgm:dataModel>
+  </dgm:styleData>
+  <dgm:clrData>
+    <dgm:dataModel>
+      <dgm:ptLst>
+        <dgm:pt modelId="0" type="doc"/>
+        <dgm:pt modelId="1"/>
+        <dgm:pt modelId="11"/>
+        <dgm:pt modelId="2"/>
+        <dgm:pt modelId="21"/>
+        <dgm:pt modelId="3"/>
+        <dgm:pt modelId="31"/>
+        <dgm:pt modelId="4"/>
+        <dgm:pt modelId="41"/>
+      </dgm:ptLst>
+      <dgm:cxnLst>
+        <dgm:cxn modelId="5" srcId="0" destId="1" srcOrd="0" destOrd="0"/>
+        <dgm:cxn modelId="6" srcId="0" destId="2" srcOrd="1" destOrd="0"/>
+        <dgm:cxn modelId="7" srcId="0" destId="3" srcOrd="2" destOrd="0"/>
+        <dgm:cxn modelId="8" srcId="0" destId="4" srcOrd="3" destOrd="0"/>
+        <dgm:cxn modelId="13" srcId="1" destId="11" srcOrd="0" destOrd="0"/>
+        <dgm:cxn modelId="23" srcId="2" destId="21" srcOrd="0" destOrd="0"/>
+        <dgm:cxn modelId="33" srcId="3" destId="31" srcOrd="0" destOrd="0"/>
+        <dgm:cxn modelId="43" srcId="4" destId="41" srcOrd="0" destOrd="0"/>
+      </dgm:cxnLst>
+      <dgm:bg/>
+      <dgm:whole/>
+    </dgm:dataModel>
+  </dgm:clrData>
+  <dgm:layoutNode name="Name0">
+    <dgm:varLst>
+      <dgm:dir/>
+      <dgm:animLvl val="lvl"/>
+      <dgm:resizeHandles val="exact"/>
+    </dgm:varLst>
+    <dgm:alg type="composite"/>
+    <dgm:shape xmlns:r="http://schemas.openxmlformats.org/officeDocument/2006/relationships" r:blip="">
+      <dgm:adjLst/>
+    </dgm:shape>
+    <dgm:presOf/>
+    <dgm:constrLst>
+      <dgm:constr type="w" for="ch" forName="tSp" refType="w"/>
+      <dgm:constr type="h" for="ch" forName="tSp" refType="h" fact="0.15"/>
+      <dgm:constr type="l" for="ch" forName="tSp"/>
+      <dgm:constr type="t" for="ch" forName="tSp"/>
+      <dgm:constr type="w" for="ch" forName="bSp" refType="w"/>
+      <dgm:constr type="h" for="ch" forName="bSp" refType="h" fact="0.15"/>
+      <dgm:constr type="l" for="ch" forName="bSp"/>
+      <dgm:constr type="t" for="ch" forName="bSp" refType="h" fact="0.85"/>
+      <dgm:constr type="w" for="ch" forName="process" refType="w"/>
+      <dgm:constr type="h" for="ch" forName="process" refType="h" fact="0.7"/>
+      <dgm:constr type="l" for="ch" forName="process"/>
+      <dgm:constr type="t" for="ch" forName="process" refType="h" fact="0.15"/>
+    </dgm:constrLst>
+    <dgm:ruleLst/>
+    <dgm:layoutNode name="tSp">
+      <dgm:alg type="sp"/>
+      <dgm:shape xmlns:r="http://schemas.openxmlformats.org/officeDocument/2006/relationships" r:blip="">
+        <dgm:adjLst/>
+      </dgm:shape>
+      <dgm:presOf/>
+      <dgm:constrLst/>
+      <dgm:ruleLst/>
+    </dgm:layoutNode>
+    <dgm:layoutNode name="bSp">
+      <dgm:alg type="sp"/>
+      <dgm:shape xmlns:r="http://schemas.openxmlformats.org/officeDocument/2006/relationships" r:blip="">
+        <dgm:adjLst/>
+      </dgm:shape>
+      <dgm:presOf/>
+      <dgm:constrLst/>
+      <dgm:ruleLst/>
+    </dgm:layoutNode>
+    <dgm:layoutNode name="process">
+      <dgm:choose name="Name1">
+        <dgm:if name="Name2" func="var" arg="dir" op="equ" val="norm">
+          <dgm:alg type="lin">
+            <dgm:param type="linDir" val="fromL"/>
+          </dgm:alg>
+        </dgm:if>
+        <dgm:else name="Name3">
+          <dgm:alg type="lin">
+            <dgm:param type="linDir" val="fromR"/>
+          </dgm:alg>
+        </dgm:else>
+      </dgm:choose>
+      <dgm:shape xmlns:r="http://schemas.openxmlformats.org/officeDocument/2006/relationships" r:blip="">
+        <dgm:adjLst/>
+      </dgm:shape>
+      <dgm:presOf/>
+      <dgm:constrLst>
+        <dgm:constr type="w" for="ch" forName="composite1" refType="w"/>
+        <dgm:constr type="w" for="ch" forName="composite2" refType="w" refFor="ch" refForName="composite1" op="equ"/>
+        <dgm:constr type="h" for="ch" forName="composite1" refType="h"/>
+        <dgm:constr type="h" for="ch" forName="composite2" refType="h" refFor="ch" refForName="composite1" op="equ"/>
+        <dgm:constr type="primFontSz" for="des" forName="parentNode1" val="65"/>
+        <dgm:constr type="primFontSz" for="des" forName="parentNode2" refType="primFontSz" refFor="des" refForName="parentNode1" op="equ"/>
+        <dgm:constr type="secFontSz" for="des" forName="childNode1tx" val="65"/>
+        <dgm:constr type="secFontSz" for="des" forName="childNode2tx" refType="secFontSz" refFor="des" refForName="childNode1tx" op="equ"/>
+        <dgm:constr type="w" for="des" ptType="sibTrans" refType="w" refFor="ch" refForName="composite1" op="equ" fact="0.05"/>
+      </dgm:constrLst>
+      <dgm:ruleLst/>
+      <dgm:forEach name="Name4" axis="ch" ptType="node" step="2">
+        <dgm:layoutNode name="composite1">
+          <dgm:alg type="composite">
+            <dgm:param type="ar" val="0.943"/>
+          </dgm:alg>
+          <dgm:shape xmlns:r="http://schemas.openxmlformats.org/officeDocument/2006/relationships" r:blip="">
+            <dgm:adjLst/>
+          </dgm:shape>
+          <dgm:presOf/>
+          <dgm:choose name="Name5">
+            <dgm:if name="Name6" func="var" arg="dir" op="equ" val="norm">
+              <dgm:constrLst>
+                <dgm:constr type="h" refType="w" fact="1.06"/>
+                <dgm:constr type="w" for="ch" forName="dummyNode1" refType="w"/>
+                <dgm:constr type="h" for="ch" forName="dummyNode1" refType="h"/>
+                <dgm:constr type="t" for="ch" forName="dummyNode1"/>
+                <dgm:constr type="l" for="ch" forName="dummyNode1"/>
+                <dgm:constr type="w" for="ch" forName="childNode1" refType="w" fact="0.9"/>
+                <dgm:constr type="h" for="ch" forName="childNode1" refType="h" fact="0.7"/>
+                <dgm:constr type="t" for="ch" forName="childNode1" refType="h" fact="0.15"/>
+                <dgm:constr type="l" for="ch" forName="childNode1"/>
+                <dgm:constr type="w" for="ch" forName="childNode1tx" refType="w" fact="0.9"/>
+                <dgm:constr type="h" for="ch" forName="childNode1tx" refType="h" fact="0.55"/>
+                <dgm:constr type="t" for="ch" forName="childNode1tx" refType="h" fact="0.15"/>
+                <dgm:constr type="l" for="ch" forName="childNode1tx"/>
+                <dgm:constr type="w" for="ch" forName="parentNode1" refType="w" fact="0.8"/>
+                <dgm:constr type="h" for="ch" forName="parentNode1" refType="h" fact="0.3"/>
+                <dgm:constr type="t" for="ch" forName="parentNode1" refType="h" fact="0.7"/>
+                <dgm:constr type="l" for="ch" forName="parentNode1" refType="w" fact="0.2"/>
+                <dgm:constr type="w" for="ch" forName="connSite1" refType="w" fact="0.01"/>
+                <dgm:constr type="h" for="ch" forName="connSite1" refType="h" fact="0.01"/>
+                <dgm:constr type="t" for="ch" forName="connSite1"/>
+                <dgm:constr type="l" for="ch" forName="connSite1" refType="w" fact="0.35"/>
+              </dgm:constrLst>
+            </dgm:if>
+            <dgm:else name="Name7">
+              <dgm:constrLst>
+                <dgm:constr type="h" refType="w" fact="1.06"/>
+                <dgm:constr type="w" for="ch" forName="dummyNode1" refType="w"/>
+                <dgm:constr type="h" for="ch" forName="dummyNode1" refType="h"/>
+                <dgm:constr type="t" for="ch" forName="dummyNode1"/>
+                <dgm:constr type="l" for="ch" forName="dummyNode1"/>
+                <dgm:constr type="w" for="ch" forName="childNode1" refType="w" fact="0.9"/>
+                <dgm:constr type="h" for="ch" forName="childNode1" refType="h" fact="0.7"/>
+                <dgm:constr type="t" for="ch" forName="childNode1" refType="h" fact="0.15"/>
+                <dgm:constr type="l" for="ch" forName="childNode1" refType="w" fact="0.1"/>
+                <dgm:constr type="w" for="ch" forName="childNode1tx" refType="w" fact="0.9"/>
+                <dgm:constr type="h" for="ch" forName="childNode1tx" refType="h" fact="0.55"/>
+                <dgm:constr type="t" for="ch" forName="childNode1tx" refType="h" fact="0.15"/>
+                <dgm:constr type="l" for="ch" forName="childNode1tx" refType="w" fact="0.1"/>
+                <dgm:constr type="w" for="ch" forName="parentNode1" refType="w" fact="0.8"/>
+                <dgm:constr type="h" for="ch" forName="parentNode1" refType="h" fact="0.3"/>
+                <dgm:constr type="t" for="ch" forName="parentNode1" refType="h" fact="0.7"/>
+                <dgm:constr type="l" for="ch" forName="parentNode1"/>
+                <dgm:constr type="w" for="ch" forName="connSite1" refType="w" fact="0.01"/>
+                <dgm:constr type="h" for="ch" forName="connSite1" refType="h" fact="0.01"/>
+                <dgm:constr type="t" for="ch" forName="connSite1"/>
+                <dgm:constr type="l" for="ch" forName="connSite1" refType="w" fact="0.65"/>
+              </dgm:constrLst>
+            </dgm:else>
+          </dgm:choose>
+          <dgm:ruleLst/>
+          <dgm:layoutNode name="dummyNode1">
+            <dgm:alg type="sp"/>
+            <dgm:shape xmlns:r="http://schemas.openxmlformats.org/officeDocument/2006/relationships" type="rect" r:blip="" hideGeom="1">
+              <dgm:adjLst/>
+            </dgm:shape>
+            <dgm:presOf/>
+            <dgm:constrLst/>
+            <dgm:ruleLst/>
+          </dgm:layoutNode>
+          <dgm:layoutNode name="childNode1" styleLbl="bgAcc1">
+            <dgm:varLst>
+              <dgm:bulletEnabled val="1"/>
+            </dgm:varLst>
+            <dgm:alg type="sp"/>
+            <dgm:shape xmlns:r="http://schemas.openxmlformats.org/officeDocument/2006/relationships" type="roundRect" r:blip="">
+              <dgm:adjLst>
+                <dgm:adj idx="1" val="0.1"/>
+              </dgm:adjLst>
+            </dgm:shape>
+            <dgm:presOf axis="des" ptType="node"/>
+            <dgm:constrLst/>
+            <dgm:ruleLst/>
+          </dgm:layoutNode>
+          <dgm:layoutNode name="childNode1tx" styleLbl="bgAcc1">
+            <dgm:varLst>
+              <dgm:bulletEnabled val="1"/>
+            </dgm:varLst>
+            <dgm:alg type="tx">
+              <dgm:param type="stBulletLvl" val="1"/>
+            </dgm:alg>
+            <dgm:shape xmlns:r="http://schemas.openxmlformats.org/officeDocument/2006/relationships" type="roundRect" r:blip="" hideGeom="1">
+              <dgm:adjLst>
+                <dgm:adj idx="1" val="0.1"/>
+              </dgm:adjLst>
+            </dgm:shape>
+            <dgm:presOf axis="des" ptType="node"/>
+            <dgm:constrLst>
+              <dgm:constr type="secFontSz" val="65"/>
+              <dgm:constr type="primFontSz" refType="secFontSz"/>
+              <dgm:constr type="tMarg" refType="secFontSz" fact="0.15"/>
+              <dgm:constr type="bMarg" refType="secFontSz" fact="0.15"/>
+              <dgm:constr type="lMarg" refType="secFontSz" fact="0.15"/>
+              <dgm:constr type="rMarg" refType="secFontSz" fact="0.15"/>
+            </dgm:constrLst>
+            <dgm:ruleLst>
+              <dgm:rule type="secFontSz" val="5" fact="NaN" max="NaN"/>
+            </dgm:ruleLst>
+          </dgm:layoutNode>
+          <dgm:layoutNode name="parentNode1" styleLbl="node1">
+            <dgm:varLst>
+              <dgm:chMax val="1"/>
+              <dgm:bulletEnabled val="1"/>
+            </dgm:varLst>
+            <dgm:alg type="tx"/>
+            <dgm:shape xmlns:r="http://schemas.openxmlformats.org/officeDocument/2006/relationships" type="roundRect" r:blip="">
+              <dgm:adjLst>
+                <dgm:adj idx="1" val="0.1"/>
+              </dgm:adjLst>
+            </dgm:shape>
+            <dgm:presOf axis="self"/>
+            <dgm:constrLst>
+              <dgm:constr type="tMarg" refType="primFontSz" fact="0.1"/>
+              <dgm:constr type="bMarg" refType="primFontSz" fact="0.1"/>
+              <dgm:constr type="lMarg" refType="primFontSz" fact="0.15"/>
+              <dgm:constr type="rMarg" refType="primFontSz" fact="0.15"/>
+            </dgm:constrLst>
+            <dgm:ruleLst>
+              <dgm:rule type="primFontSz" val="5" fact="NaN" max="NaN"/>
+            </dgm:ruleLst>
+          </dgm:layoutNode>
+          <dgm:layoutNode name="connSite1" moveWith="childNode1">
+            <dgm:alg type="sp"/>
+            <dgm:shape xmlns:r="http://schemas.openxmlformats.org/officeDocument/2006/relationships" r:blip="">
+              <dgm:adjLst/>
+            </dgm:shape>
+            <dgm:presOf/>
+            <dgm:constrLst/>
+            <dgm:ruleLst/>
+          </dgm:layoutNode>
+        </dgm:layoutNode>
+        <dgm:forEach name="Name8" axis="followSib" ptType="sibTrans" cnt="1">
+          <dgm:layoutNode name="Name9">
+            <dgm:alg type="conn">
+              <dgm:param type="connRout" val="curve"/>
+              <dgm:param type="srcNode" val="parentNode1"/>
+              <dgm:param type="dstNode" val="connSite2"/>
+              <dgm:param type="begPts" val="bCtr"/>
+              <dgm:param type="endPts" val="bCtr"/>
+            </dgm:alg>
+            <dgm:shape xmlns:r="http://schemas.openxmlformats.org/officeDocument/2006/relationships" type="conn" r:blip="" zOrderOff="-2">
+              <dgm:adjLst/>
+            </dgm:shape>
+            <dgm:presOf axis="self"/>
+            <dgm:choose name="Name10">
+              <dgm:if name="Name11" func="var" arg="dir" op="equ" val="norm">
+                <dgm:constrLst>
+                  <dgm:constr type="h" refType="w" fact="0.35"/>
+                  <dgm:constr type="wArH" refType="h"/>
+                  <dgm:constr type="hArH" refType="h"/>
+                  <dgm:constr type="connDist"/>
+                  <dgm:constr type="diam" refType="connDist" fact="-1.15"/>
+                  <dgm:constr type="begPad"/>
+                  <dgm:constr type="endPad"/>
+                </dgm:constrLst>
+              </dgm:if>
+              <dgm:else name="Name12">
+                <dgm:constrLst>
+                  <dgm:constr type="h" refType="w" fact="0.35"/>
+                  <dgm:constr type="wArH" refType="h"/>
+                  <dgm:constr type="hArH" refType="h"/>
+                  <dgm:constr type="connDist"/>
+                  <dgm:constr type="diam" refType="connDist" fact="1.15"/>
+                  <dgm:constr type="begPad"/>
+                  <dgm:constr type="endPad"/>
+                </dgm:constrLst>
+              </dgm:else>
+            </dgm:choose>
+            <dgm:ruleLst/>
+          </dgm:layoutNode>
+        </dgm:forEach>
+        <dgm:forEach name="Name13" axis="followSib" ptType="node" cnt="1">
+          <dgm:layoutNode name="composite2">
+            <dgm:alg type="composite">
+              <dgm:param type="ar" val="0.943"/>
+            </dgm:alg>
+            <dgm:shape xmlns:r="http://schemas.openxmlformats.org/officeDocument/2006/relationships" r:blip="">
+              <dgm:adjLst/>
+            </dgm:shape>
+            <dgm:presOf/>
+            <dgm:choose name="Name14">
+              <dgm:if name="Name15" func="var" arg="dir" op="equ" val="norm">
+                <dgm:constrLst>
+                  <dgm:constr type="h" refType="w" fact="1.06"/>
+                  <dgm:constr type="w" for="ch" forName="dummyNode2" refType="w"/>
+                  <dgm:constr type="h" for="ch" forName="dummyNode2" refType="h"/>
+                  <dgm:constr type="t" for="ch" forName="dummyNode2"/>
+                  <dgm:constr type="l" for="ch" forName="dummyNode2"/>
+                  <dgm:constr type="w" for="ch" forName="childNode2" refType="w" fact="0.9"/>
+                  <dgm:constr type="h" for="ch" forName="childNode2" refType="h" fact="0.7"/>
+                  <dgm:constr type="t" for="ch" forName="childNode2" refType="h" fact="0.15"/>
+                  <dgm:constr type="l" for="ch" forName="childNode2"/>
+                  <dgm:constr type="w" for="ch" forName="childNode2tx" refType="w" fact="0.9"/>
+                  <dgm:constr type="h" for="ch" forName="childNode2tx" refType="h" fact="0.55"/>
+                  <dgm:constr type="t" for="ch" forName="childNode2tx" refType="h" fact="0.3"/>
+                  <dgm:constr type="l" for="ch" forName="childNode2tx"/>
+                  <dgm:constr type="w" for="ch" forName="parentNode2" refType="w" fact="0.8"/>
+                  <dgm:constr type="h" for="ch" forName="parentNode2" refType="h" fact="0.3"/>
+                  <dgm:constr type="t" for="ch" forName="parentNode2"/>
+                  <dgm:constr type="l" for="ch" forName="parentNode2" refType="w" fact="0.2"/>
+                  <dgm:constr type="w" for="ch" forName="connSite2" refType="w" fact="0.01"/>
+                  <dgm:constr type="h" for="ch" forName="connSite2" refType="h" fact="0.01"/>
+                  <dgm:constr type="t" for="ch" forName="connSite2" refType="h" fact="0.99"/>
+                  <dgm:constr type="l" for="ch" forName="connSite2" refType="w" fact="0.25"/>
+                </dgm:constrLst>
+              </dgm:if>
+              <dgm:else name="Name16">
+                <dgm:constrLst>
+                  <dgm:constr type="h" refType="w" fact="1.06"/>
+                  <dgm:constr type="w" for="ch" forName="dummyNode2" refType="w"/>
+                  <dgm:constr type="h" for="ch" forName="dummyNode2" refType="h"/>
+                  <dgm:constr type="t" for="ch" forName="dummyNode2"/>
+                  <dgm:constr type="l" for="ch" forName="dummyNode2"/>
+                  <dgm:constr type="w" for="ch" forName="childNode2" refType="w" fact="0.9"/>
+                  <dgm:constr type="h" for="ch" forName="childNode2" refType="h" fact="0.7"/>
+                  <dgm:constr type="t" for="ch" forName="childNode2" refType="h" fact="0.15"/>
+                  <dgm:constr type="l" for="ch" forName="childNode2" refType="w" fact="0.1"/>
+                  <dgm:constr type="w" for="ch" forName="childNode2tx" refType="w" fact="0.9"/>
+                  <dgm:constr type="h" for="ch" forName="childNode2tx" refType="h" fact="0.55"/>
+                  <dgm:constr type="t" for="ch" forName="childNode2tx" refType="h" fact="0.3"/>
+                  <dgm:constr type="l" for="ch" forName="childNode2tx" refType="w" fact="0.1"/>
+                  <dgm:constr type="w" for="ch" forName="parentNode2" refType="w" fact="0.8"/>
+                  <dgm:constr type="h" for="ch" forName="parentNode2" refType="h" fact="0.3"/>
+                  <dgm:constr type="t" for="ch" forName="parentNode2"/>
+                  <dgm:constr type="l" for="ch" forName="parentNode2"/>
+                  <dgm:constr type="w" for="ch" forName="connSite2" refType="w" fact="0.01"/>
+                  <dgm:constr type="h" for="ch" forName="connSite2" refType="h" fact="0.01"/>
+                  <dgm:constr type="t" for="ch" forName="connSite2" refType="h" fact="0.99"/>
+                  <dgm:constr type="l" for="ch" forName="connSite2" refType="w" fact="0.85"/>
+                </dgm:constrLst>
+              </dgm:else>
+            </dgm:choose>
+            <dgm:ruleLst/>
+            <dgm:layoutNode name="dummyNode2">
+              <dgm:alg type="sp"/>
+              <dgm:shape xmlns:r="http://schemas.openxmlformats.org/officeDocument/2006/relationships" type="rect" r:blip="" hideGeom="1">
+                <dgm:adjLst/>
+              </dgm:shape>
+              <dgm:presOf/>
+              <dgm:constrLst/>
+              <dgm:ruleLst/>
+            </dgm:layoutNode>
+            <dgm:layoutNode name="childNode2" styleLbl="bgAcc1">
+              <dgm:varLst>
+                <dgm:bulletEnabled val="1"/>
+              </dgm:varLst>
+              <dgm:alg type="sp"/>
+              <dgm:shape xmlns:r="http://schemas.openxmlformats.org/officeDocument/2006/relationships" type="roundRect" r:blip="">
+                <dgm:adjLst>
+                  <dgm:adj idx="1" val="0.1"/>
+                </dgm:adjLst>
+              </dgm:shape>
+              <dgm:presOf axis="des" ptType="node"/>
+              <dgm:constrLst/>
+              <dgm:ruleLst/>
+            </dgm:layoutNode>
+            <dgm:layoutNode name="childNode2tx" styleLbl="bgAcc1">
+              <dgm:varLst>
+                <dgm:bulletEnabled val="1"/>
+              </dgm:varLst>
+              <dgm:alg type="tx">
+                <dgm:param type="stBulletLvl" val="1"/>
+              </dgm:alg>
+              <dgm:shape xmlns:r="http://schemas.openxmlformats.org/officeDocument/2006/relationships" type="roundRect" r:blip="" hideGeom="1">
+                <dgm:adjLst>
+                  <dgm:adj idx="1" val="0.1"/>
+                </dgm:adjLst>
+              </dgm:shape>
+              <dgm:presOf axis="des" ptType="node"/>
+              <dgm:constrLst>
+                <dgm:constr type="secFontSz" val="65"/>
+                <dgm:constr type="primFontSz" refType="secFontSz"/>
+                <dgm:constr type="tMarg" refType="secFontSz" fact="0.15"/>
+                <dgm:constr type="bMarg" refType="secFontSz" fact="0.15"/>
+                <dgm:constr type="lMarg" refType="secFontSz" fact="0.15"/>
+                <dgm:constr type="rMarg" refType="secFontSz" fact="0.15"/>
+              </dgm:constrLst>
+              <dgm:ruleLst>
+                <dgm:rule type="secFontSz" val="5" fact="NaN" max="NaN"/>
+              </dgm:ruleLst>
+            </dgm:layoutNode>
+            <dgm:layoutNode name="parentNode2" styleLbl="node1">
+              <dgm:varLst>
+                <dgm:chMax val="0"/>
+                <dgm:bulletEnabled val="1"/>
+              </dgm:varLst>
+              <dgm:alg type="tx"/>
+              <dgm:shape xmlns:r="http://schemas.openxmlformats.org/officeDocument/2006/relationships" type="roundRect" r:blip="">
+                <dgm:adjLst>
+                  <dgm:adj idx="1" val="0.1"/>
+                </dgm:adjLst>
+              </dgm:shape>
+              <dgm:presOf axis="self"/>
+              <dgm:constrLst>
+                <dgm:constr type="tMarg" refType="primFontSz" fact="0.1"/>
+                <dgm:constr type="bMarg" refType="primFontSz" fact="0.1"/>
+                <dgm:constr type="lMarg" refType="primFontSz" fact="0.15"/>
+                <dgm:constr type="rMarg" refType="primFontSz" fact="0.15"/>
+              </dgm:constrLst>
+              <dgm:ruleLst>
+                <dgm:rule type="primFontSz" val="5" fact="NaN" max="NaN"/>
+              </dgm:ruleLst>
+            </dgm:layoutNode>
+            <dgm:layoutNode name="connSite2" moveWith="childNode2">
+              <dgm:alg type="sp"/>
+              <dgm:shape xmlns:r="http://schemas.openxmlformats.org/officeDocument/2006/relationships" r:blip="">
+                <dgm:adjLst/>
+              </dgm:shape>
+              <dgm:presOf/>
+              <dgm:constrLst/>
+              <dgm:ruleLst/>
+            </dgm:layoutNode>
+          </dgm:layoutNode>
+          <dgm:forEach name="Name17" axis="followSib" ptType="sibTrans" cnt="1">
+            <dgm:layoutNode name="Name18">
+              <dgm:alg type="conn">
+                <dgm:param type="connRout" val="curve"/>
+                <dgm:param type="srcNode" val="parentNode2"/>
+                <dgm:param type="dstNode" val="connSite1"/>
+                <dgm:param type="begPts" val="tCtr"/>
+                <dgm:param type="endPts" val="tCtr"/>
+              </dgm:alg>
+              <dgm:shape xmlns:r="http://schemas.openxmlformats.org/officeDocument/2006/relationships" type="conn" r:blip="" zOrderOff="-2">
+                <dgm:adjLst/>
+              </dgm:shape>
+              <dgm:presOf axis="self"/>
+              <dgm:choose name="Name19">
+                <dgm:if name="Name20" func="var" arg="dir" op="equ" val="norm">
+                  <dgm:constrLst>
+                    <dgm:constr type="h" refType="w" fact="0.35"/>
+                    <dgm:constr type="wArH" refType="h"/>
+                    <dgm:constr type="hArH" refType="h"/>
+                    <dgm:constr type="connDist"/>
+                    <dgm:constr type="diam" refType="connDist" fact="1.15"/>
+                    <dgm:constr type="begPad"/>
+                    <dgm:constr type="endPad"/>
+                  </dgm:constrLst>
+                </dgm:if>
+                <dgm:else name="Name21">
+                  <dgm:constrLst>
+                    <dgm:constr type="h" refType="w" fact="0.35"/>
+                    <dgm:constr type="wArH" refType="h"/>
+                    <dgm:constr type="hArH" refType="h"/>
+                    <dgm:constr type="connDist"/>
+                    <dgm:constr type="diam" refType="connDist" fact="-1.15"/>
+                    <dgm:constr type="begPad"/>
+                    <dgm:constr type="endPad"/>
+                  </dgm:constrLst>
+                </dgm:else>
+              </dgm:choose>
+              <dgm:ruleLst/>
+            </dgm:layoutNode>
+          </dgm:forEach>
+        </dgm:forEach>
+      </dgm:forEach>
+    </dgm:layoutNode>
+  </dgm:layoutNode>
+</dgm:layoutDef>
+</file>
+
+<file path=ppt/diagrams/quickStyle1.xml><?xml version="1.0" encoding="utf-8"?>
+<dgm:styleDef xmlns:dgm="http://schemas.openxmlformats.org/drawingml/2006/diagram" xmlns:a="http://schemas.openxmlformats.org/drawingml/2006/main" uniqueId="urn:microsoft.com/office/officeart/2005/8/quickstyle/simple1">
+  <dgm:title val=""/>
+  <dgm:desc val=""/>
+  <dgm:catLst>
+    <dgm:cat type="simple" pri="10100"/>
+  </dgm:catLst>
+  <dgm:scene3d>
+    <a:camera prst="orthographicFront"/>
+    <a:lightRig rig="threePt" dir="t"/>
+  </dgm:scene3d>
+  <dgm:styleLbl name="node0">
+    <dgm:scene3d>
+      <a:camera prst="orthographicFront"/>
+      <a:lightRig rig="threePt" dir="t"/>
+    </dgm:scene3d>
+    <dgm:sp3d/>
+    <dgm:txPr/>
+    <dgm:style>
+      <a:lnRef idx="2">
+        <a:scrgbClr r="0" g="0" b="0"/>
+      </a:lnRef>
+      <a:fillRef idx="1">
+        <a:scrgbClr r="0" g="0" b="0"/>
+      </a:fillRef>
+      <a:effectRef idx="0">
+        <a:scrgbClr r="0" g="0" b="0"/>
+      </a:effectRef>
+      <a:fontRef idx="minor">
+        <a:schemeClr val="lt1"/>
+      </a:fontRef>
+    </dgm:style>
+  </dgm:styleLbl>
+  <dgm:styleLbl name="lnNode1">
+    <dgm:scene3d>
+      <a:camera prst="orthographicFront"/>
+      <a:lightRig rig="threePt" dir="t"/>
+    </dgm:scene3d>
+    <dgm:sp3d/>
+    <dgm:txPr/>
+    <dgm:style>
+      <a:lnRef idx="2">
+        <a:scrgbClr r="0" g="0" b="0"/>
+      </a:lnRef>
+      <a:fillRef idx="1">
+        <a:scrgbClr r="0" g="0" b="0"/>
+      </a:fillRef>
+      <a:effectRef idx="0">
+        <a:scrgbClr r="0" g="0" b="0"/>
+      </a:effectRef>
+      <a:fontRef idx="minor">
+        <a:schemeClr val="lt1"/>
+      </a:fontRef>
+    </dgm:style>
+  </dgm:styleLbl>
+  <dgm:styleLbl name="vennNode1">
+    <dgm:scene3d>
+      <a:camera prst="orthographicFront"/>
+      <a:lightRig rig="threePt" dir="t"/>
+    </dgm:scene3d>
+    <dgm:sp3d/>
+    <dgm:txPr/>
+    <dgm:style>
+      <a:lnRef idx="2">
+        <a:scrgbClr r="0" g="0" b="0"/>
+      </a:lnRef>
+      <a:fillRef idx="1">
+        <a:scrgbClr r="0" g="0" b="0"/>
+      </a:fillRef>
+      <a:effectRef idx="0">
+        <a:scrgbClr r="0" g="0" b="0"/>
+      </a:effectRef>
+      <a:fontRef idx="minor">
+        <a:schemeClr val="tx1"/>
+      </a:fontRef>
+    </dgm:style>
+  </dgm:styleLbl>
+  <dgm:styleLbl name="alignNode1">
+    <dgm:scene3d>
+      <a:camera prst="orthographicFront"/>
+      <a:lightRig rig="threePt" dir="t"/>
+    </dgm:scene3d>
+    <dgm:sp3d/>
+    <dgm:txPr/>
+    <dgm:style>
+      <a:lnRef idx="2">
+        <a:scrgbClr r="0" g="0" b="0"/>
+      </a:lnRef>
+      <a:fillRef idx="1">
+        <a:scrgbClr r="0" g="0" b="0"/>
+      </a:fillRef>
+      <a:effectRef idx="0">
+        <a:scrgbClr r="0" g="0" b="0"/>
+      </a:effectRef>
+      <a:fontRef idx="minor">
+        <a:schemeClr val="lt1"/>
+      </a:fontRef>
+    </dgm:style>
+  </dgm:styleLbl>
+  <dgm:styleLbl name="node1">
+    <dgm:scene3d>
+      <a:camera prst="orthographicFront"/>
+      <a:lightRig rig="threePt" dir="t"/>
+    </dgm:scene3d>
+    <dgm:sp3d/>
+    <dgm:txPr/>
+    <dgm:style>
+      <a:lnRef idx="2">
+        <a:scrgbClr r="0" g="0" b="0"/>
+      </a:lnRef>
+      <a:fillRef idx="1">
+        <a:scrgbClr r="0" g="0" b="0"/>
+      </a:fillRef>
+      <a:effectRef idx="0">
+        <a:scrgbClr r="0" g="0" b="0"/>
+      </a:effectRef>
+      <a:fontRef idx="minor">
+        <a:schemeClr val="lt1"/>
+      </a:fontRef>
+    </dgm:style>
+  </dgm:styleLbl>
+  <dgm:styleLbl name="node2">
+    <dgm:scene3d>
+      <a:camera prst="orthographicFront"/>
+      <a:lightRig rig="threePt" dir="t"/>
+    </dgm:scene3d>
+    <dgm:sp3d/>
+    <dgm:txPr/>
+    <dgm:style>
+      <a:lnRef idx="2">
+        <a:scrgbClr r="0" g="0" b="0"/>
+      </a:lnRef>
+      <a:fillRef idx="1">
+        <a:scrgbClr r="0" g="0" b="0"/>
+      </a:fillRef>
+      <a:effectRef idx="0">
+        <a:scrgbClr r="0" g="0" b="0"/>
+      </a:effectRef>
+      <a:fontRef idx="minor">
+        <a:schemeClr val="lt1"/>
+      </a:fontRef>
+    </dgm:style>
+  </dgm:styleLbl>
+  <dgm:styleLbl name="node3">
+    <dgm:scene3d>
+      <a:camera prst="orthographicFront"/>
+      <a:lightRig rig="threePt" dir="t"/>
+    </dgm:scene3d>
+    <dgm:sp3d/>
+    <dgm:txPr/>
+    <dgm:style>
+      <a:lnRef idx="2">
+        <a:scrgbClr r="0" g="0" b="0"/>
+      </a:lnRef>
+      <a:fillRef idx="1">
+        <a:scrgbClr r="0" g="0" b="0"/>
+      </a:fillRef>
+      <a:effectRef idx="0">
+        <a:scrgbClr r="0" g="0" b="0"/>
+      </a:effectRef>
+      <a:fontRef idx="minor">
+        <a:schemeClr val="lt1"/>
+      </a:fontRef>
+    </dgm:style>
+  </dgm:styleLbl>
+  <dgm:styleLbl name="node4">
+    <dgm:scene3d>
+      <a:camera prst="orthographicFront"/>
+      <a:lightRig rig="threePt" dir="t"/>
+    </dgm:scene3d>
+    <dgm:sp3d/>
+    <dgm:txPr/>
+    <dgm:style>
+      <a:lnRef idx="2">
+        <a:scrgbClr r="0" g="0" b="0"/>
+      </a:lnRef>
+      <a:fillRef idx="1">
+        <a:scrgbClr r="0" g="0" b="0"/>
+      </a:fillRef>
+      <a:effectRef idx="0">
+        <a:scrgbClr r="0" g="0" b="0"/>
+      </a:effectRef>
+      <a:fontRef idx="minor">
+        <a:schemeClr val="lt1"/>
+      </a:fontRef>
+    </dgm:style>
+  </dgm:styleLbl>
+  <dgm:styleLbl name="fgImgPlace1">
+    <dgm:scene3d>
+      <a:camera prst="orthographicFront"/>
+      <a:lightRig rig="threePt" dir="t"/>
+    </dgm:scene3d>
+    <dgm:sp3d/>
+    <dgm:txPr/>
+    <dgm:style>
+      <a:lnRef idx="2">
+        <a:scrgbClr r="0" g="0" b="0"/>
+      </a:lnRef>
+      <a:fillRef idx="1">
+        <a:scrgbClr r="0" g="0" b="0"/>
+      </a:fillRef>
+      <a:effectRef idx="0">
+        <a:scrgbClr r="0" g="0" b="0"/>
+      </a:effectRef>
+      <a:fontRef idx="minor"/>
+    </dgm:style>
+  </dgm:styleLbl>
+  <dgm:styleLbl name="alignImgPlace1">
+    <dgm:scene3d>
+      <a:camera prst="orthographicFront"/>
+      <a:lightRig rig="threePt" dir="t"/>
+    </dgm:scene3d>
+    <dgm:sp3d/>
+    <dgm:txPr/>
+    <dgm:style>
+      <a:lnRef idx="2">
+        <a:scrgbClr r="0" g="0" b="0"/>
+      </a:lnRef>
+      <a:fillRef idx="1">
+        <a:scrgbClr r="0" g="0" b="0"/>
+      </a:fillRef>
+      <a:effectRef idx="0">
+        <a:scrgbClr r="0" g="0" b="0"/>
+      </a:effectRef>
+      <a:fontRef idx="minor"/>
+    </dgm:style>
+  </dgm:styleLbl>
+  <dgm:styleLbl name="bgImgPlace1">
+    <dgm:scene3d>
+      <a:camera prst="orthographicFront"/>
+      <a:lightRig rig="threePt" dir="t"/>
+    </dgm:scene3d>
+    <dgm:sp3d/>
+    <dgm:txPr/>
+    <dgm:style>
+      <a:lnRef idx="2">
+        <a:scrgbClr r="0" g="0" b="0"/>
+      </a:lnRef>
+      <a:fillRef idx="1">
+        <a:scrgbClr r="0" g="0" b="0"/>
+      </a:fillRef>
+      <a:effectRef idx="0">
+        <a:scrgbClr r="0" g="0" b="0"/>
+      </a:effectRef>
+      <a:fontRef idx="minor"/>
+    </dgm:style>
+  </dgm:styleLbl>
+  <dgm:styleLbl name="sibTrans2D1">
+    <dgm:scene3d>
+      <a:camera prst="orthographicFront"/>
+      <a:lightRig rig="threePt" dir="t"/>
+    </dgm:scene3d>
+    <dgm:sp3d/>
+    <dgm:txPr/>
+    <dgm:style>
+      <a:lnRef idx="0">
+        <a:scrgbClr r="0" g="0" b="0"/>
+      </a:lnRef>
+      <a:fillRef idx="1">
+        <a:scrgbClr r="0" g="0" b="0"/>
+      </a:fillRef>
+      <a:effectRef idx="0">
+        <a:scrgbClr r="0" g="0" b="0"/>
+      </a:effectRef>
+      <a:fontRef idx="minor">
+        <a:schemeClr val="lt1"/>
+      </a:fontRef>
+    </dgm:style>
+  </dgm:styleLbl>
+  <dgm:styleLbl name="fgSibTrans2D1">
+    <dgm:scene3d>
+      <a:camera prst="orthographicFront"/>
+      <a:lightRig rig="threePt" dir="t"/>
+    </dgm:scene3d>
+    <dgm:sp3d/>
+    <dgm:txPr/>
+    <dgm:style>
+      <a:lnRef idx="0">
+        <a:scrgbClr r="0" g="0" b="0"/>
+      </a:lnRef>
+      <a:fillRef idx="1">
+        <a:scrgbClr r="0" g="0" b="0"/>
+      </a:fillRef>
+      <a:effectRef idx="0">
+        <a:scrgbClr r="0" g="0" b="0"/>
+      </a:effectRef>
+      <a:fontRef idx="minor">
+        <a:schemeClr val="lt1"/>
+      </a:fontRef>
+    </dgm:style>
+  </dgm:styleLbl>
+  <dgm:styleLbl name="bgSibTrans2D1">
+    <dgm:scene3d>
+      <a:camera prst="orthographicFront"/>
+      <a:lightRig rig="threePt" dir="t"/>
+    </dgm:scene3d>
+    <dgm:sp3d/>
+    <dgm:txPr/>
+    <dgm:style>
+      <a:lnRef idx="0">
+        <a:scrgbClr r="0" g="0" b="0"/>
+      </a:lnRef>
+      <a:fillRef idx="1">
+        <a:scrgbClr r="0" g="0" b="0"/>
+      </a:fillRef>
+      <a:effectRef idx="0">
+        <a:scrgbClr r="0" g="0" b="0"/>
+      </a:effectRef>
+      <a:fontRef idx="minor">
+        <a:schemeClr val="lt1"/>
+      </a:fontRef>
+    </dgm:style>
+  </dgm:styleLbl>
+  <dgm:styleLbl name="sibTrans1D1">
+    <dgm:scene3d>
+      <a:camera prst="orthographicFront"/>
+      <a:lightRig rig="threePt" dir="t"/>
+    </dgm:scene3d>
+    <dgm:sp3d/>
+    <dgm:txPr/>
+    <dgm:style>
+      <a:lnRef idx="1">
+        <a:scrgbClr r="0" g="0" b="0"/>
+      </a:lnRef>
+      <a:fillRef idx="0">
+        <a:scrgbClr r="0" g="0" b="0"/>
+      </a:fillRef>
+      <a:effectRef idx="0">
+        <a:scrgbClr r="0" g="0" b="0"/>
+      </a:effectRef>
+      <a:fontRef idx="minor"/>
+    </dgm:style>
+  </dgm:styleLbl>
+  <dgm:styleLbl name="callout">
+    <dgm:scene3d>
+      <a:camera prst="orthographicFront"/>
+      <a:lightRig rig="threePt" dir="t"/>
+    </dgm:scene3d>
+    <dgm:sp3d/>
+    <dgm:txPr/>
+    <dgm:style>
+      <a:lnRef idx="2">
+        <a:scrgbClr r="0" g="0" b="0"/>
+      </a:lnRef>
+      <a:fillRef idx="1">
+        <a:scrgbClr r="0" g="0" b="0"/>
+      </a:fillRef>
+      <a:effectRef idx="0">
+        <a:scrgbClr r="0" g="0" b="0"/>
+      </a:effectRef>
+      <a:fontRef idx="minor"/>
+    </dgm:style>
+  </dgm:styleLbl>
+  <dgm:styleLbl name="asst0">
+    <dgm:scene3d>
+      <a:camera prst="orthographicFront"/>
+      <a:lightRig rig="threePt" dir="t"/>
+    </dgm:scene3d>
+    <dgm:sp3d/>
+    <dgm:txPr/>
+    <dgm:style>
+      <a:lnRef idx="2">
+        <a:scrgbClr r="0" g="0" b="0"/>
+      </a:lnRef>
+      <a:fillRef idx="1">
+        <a:scrgbClr r="0" g="0" b="0"/>
+      </a:fillRef>
+      <a:effectRef idx="0">
+        <a:scrgbClr r="0" g="0" b="0"/>
+      </a:effectRef>
+      <a:fontRef idx="minor">
+        <a:schemeClr val="lt1"/>
+      </a:fontRef>
+    </dgm:style>
+  </dgm:styleLbl>
+  <dgm:styleLbl name="asst1">
+    <dgm:scene3d>
+      <a:camera prst="orthographicFront"/>
+      <a:lightRig rig="threePt" dir="t"/>
+    </dgm:scene3d>
+    <dgm:sp3d/>
+    <dgm:txPr/>
+    <dgm:style>
+      <a:lnRef idx="2">
+        <a:scrgbClr r="0" g="0" b="0"/>
+      </a:lnRef>
+      <a:fillRef idx="1">
+        <a:scrgbClr r="0" g="0" b="0"/>
+      </a:fillRef>
+      <a:effectRef idx="0">
+        <a:scrgbClr r="0" g="0" b="0"/>
+      </a:effectRef>
+      <a:fontRef idx="minor">
+        <a:schemeClr val="lt1"/>
+      </a:fontRef>
+    </dgm:style>
+  </dgm:styleLbl>
+  <dgm:styleLbl name="asst2">
+    <dgm:scene3d>
+      <a:camera prst="orthographicFront"/>
+      <a:lightRig rig="threePt" dir="t"/>
+    </dgm:scene3d>
+    <dgm:sp3d/>
+    <dgm:txPr/>
+    <dgm:style>
+      <a:lnRef idx="2">
+        <a:scrgbClr r="0" g="0" b="0"/>
+      </a:lnRef>
+      <a:fillRef idx="1">
+        <a:scrgbClr r="0" g="0" b="0"/>
+      </a:fillRef>
+      <a:effectRef idx="0">
+        <a:scrgbClr r="0" g="0" b="0"/>
+      </a:effectRef>
+      <a:fontRef idx="minor">
+        <a:schemeClr val="lt1"/>
+      </a:fontRef>
+    </dgm:style>
+  </dgm:styleLbl>
+  <dgm:styleLbl name="asst3">
+    <dgm:scene3d>
+      <a:camera prst="orthographicFront"/>
+      <a:lightRig rig="threePt" dir="t"/>
+    </dgm:scene3d>
+    <dgm:sp3d/>
+    <dgm:txPr/>
+    <dgm:style>
+      <a:lnRef idx="2">
+        <a:scrgbClr r="0" g="0" b="0"/>
+      </a:lnRef>
+      <a:fillRef idx="1">
+        <a:scrgbClr r="0" g="0" b="0"/>
+      </a:fillRef>
+      <a:effectRef idx="0">
+        <a:scrgbClr r="0" g="0" b="0"/>
+      </a:effectRef>
+      <a:fontRef idx="minor">
+        <a:schemeClr val="lt1"/>
+      </a:fontRef>
+    </dgm:style>
+  </dgm:styleLbl>
+  <dgm:styleLbl name="asst4">
+    <dgm:scene3d>
+      <a:camera prst="orthographicFront"/>
+      <a:lightRig rig="threePt" dir="t"/>
+    </dgm:scene3d>
+    <dgm:sp3d/>
+    <dgm:txPr/>
+    <dgm:style>
+      <a:lnRef idx="2">
+        <a:scrgbClr r="0" g="0" b="0"/>
+      </a:lnRef>
+      <a:fillRef idx="1">
+        <a:scrgbClr r="0" g="0" b="0"/>
+      </a:fillRef>
+      <a:effectRef idx="0">
+        <a:scrgbClr r="0" g="0" b="0"/>
+      </a:effectRef>
+      <a:fontRef idx="minor">
+        <a:schemeClr val="lt1"/>
+      </a:fontRef>
+    </dgm:style>
+  </dgm:styleLbl>
+  <dgm:styleLbl name="parChTrans2D1">
+    <dgm:scene3d>
+      <a:camera prst="orthographicFront"/>
+      <a:lightRig rig="threePt" dir="t"/>
+    </dgm:scene3d>
+    <dgm:sp3d/>
+    <dgm:txPr/>
+    <dgm:style>
+      <a:lnRef idx="2">
+        <a:scrgbClr r="0" g="0" b="0"/>
+      </a:lnRef>
+      <a:fillRef idx="1">
+        <a:scrgbClr r="0" g="0" b="0"/>
+      </a:fillRef>
+      <a:effectRef idx="0">
+        <a:scrgbClr r="0" g="0" b="0"/>
+      </a:effectRef>
+      <a:fontRef idx="minor">
+        <a:schemeClr val="lt1"/>
+      </a:fontRef>
+    </dgm:style>
+  </dgm:styleLbl>
+  <dgm:styleLbl name="parChTrans2D2">
+    <dgm:scene3d>
+      <a:camera prst="orthographicFront"/>
+      <a:lightRig rig="threePt" dir="t"/>
+    </dgm:scene3d>
+    <dgm:sp3d/>
+    <dgm:txPr/>
+    <dgm:style>
+      <a:lnRef idx="2">
+        <a:scrgbClr r="0" g="0" b="0"/>
+      </a:lnRef>
+      <a:fillRef idx="1">
+        <a:scrgbClr r="0" g="0" b="0"/>
+      </a:fillRef>
+      <a:effectRef idx="0">
+        <a:scrgbClr r="0" g="0" b="0"/>
+      </a:effectRef>
+      <a:fontRef idx="minor">
+        <a:schemeClr val="lt1"/>
+      </a:fontRef>
+    </dgm:style>
+  </dgm:styleLbl>
+  <dgm:styleLbl name="parChTrans2D3">
+    <dgm:scene3d>
+      <a:camera prst="orthographicFront"/>
+      <a:lightRig rig="threePt" dir="t"/>
+    </dgm:scene3d>
+    <dgm:sp3d/>
+    <dgm:txPr/>
+    <dgm:style>
+      <a:lnRef idx="2">
+        <a:scrgbClr r="0" g="0" b="0"/>
+      </a:lnRef>
+      <a:fillRef idx="1">
+        <a:scrgbClr r="0" g="0" b="0"/>
+      </a:fillRef>
+      <a:effectRef idx="0">
+        <a:scrgbClr r="0" g="0" b="0"/>
+      </a:effectRef>
+      <a:fontRef idx="minor">
+        <a:schemeClr val="lt1"/>
+      </a:fontRef>
+    </dgm:style>
+  </dgm:styleLbl>
+  <dgm:styleLbl name="parChTrans2D4">
+    <dgm:scene3d>
+      <a:camera prst="orthographicFront"/>
+      <a:lightRig rig="threePt" dir="t"/>
+    </dgm:scene3d>
+    <dgm:sp3d/>
+    <dgm:txPr/>
+    <dgm:style>
+      <a:lnRef idx="2">
+        <a:scrgbClr r="0" g="0" b="0"/>
+      </a:lnRef>
+      <a:fillRef idx="1">
+        <a:scrgbClr r="0" g="0" b="0"/>
+      </a:fillRef>
+      <a:effectRef idx="0">
+        <a:scrgbClr r="0" g="0" b="0"/>
+      </a:effectRef>
+      <a:fontRef idx="minor">
+        <a:schemeClr val="lt1"/>
+      </a:fontRef>
+    </dgm:style>
+  </dgm:styleLbl>
+  <dgm:styleLbl name="parChTrans1D1">
+    <dgm:scene3d>
+      <a:camera prst="orthographicFront"/>
+      <a:lightRig rig="threePt" dir="t"/>
+    </dgm:scene3d>
+    <dgm:sp3d/>
+    <dgm:txPr/>
+    <dgm:style>
+      <a:lnRef idx="2">
+        <a:scrgbClr r="0" g="0" b="0"/>
+      </a:lnRef>
+      <a:fillRef idx="0">
+        <a:scrgbClr r="0" g="0" b="0"/>
+      </a:fillRef>
+      <a:effectRef idx="0">
+        <a:scrgbClr r="0" g="0" b="0"/>
+      </a:effectRef>
+      <a:fontRef idx="minor"/>
+    </dgm:style>
+  </dgm:styleLbl>
+  <dgm:styleLbl name="parChTrans1D2">
+    <dgm:scene3d>
+      <a:camera prst="orthographicFront"/>
+      <a:lightRig rig="threePt" dir="t"/>
+    </dgm:scene3d>
+    <dgm:sp3d/>
+    <dgm:txPr/>
+    <dgm:style>
+      <a:lnRef idx="2">
+        <a:scrgbClr r="0" g="0" b="0"/>
+      </a:lnRef>
+      <a:fillRef idx="0">
+        <a:scrgbClr r="0" g="0" b="0"/>
+      </a:fillRef>
+      <a:effectRef idx="0">
+        <a:scrgbClr r="0" g="0" b="0"/>
+      </a:effectRef>
+      <a:fontRef idx="minor"/>
+    </dgm:style>
+  </dgm:styleLbl>
+  <dgm:styleLbl name="parChTrans1D3">
+    <dgm:scene3d>
+      <a:camera prst="orthographicFront"/>
+      <a:lightRig rig="threePt" dir="t"/>
+    </dgm:scene3d>
+    <dgm:sp3d/>
+    <dgm:txPr/>
+    <dgm:style>
+      <a:lnRef idx="2">
+        <a:scrgbClr r="0" g="0" b="0"/>
+      </a:lnRef>
+      <a:fillRef idx="0">
+        <a:scrgbClr r="0" g="0" b="0"/>
+      </a:fillRef>
+      <a:effectRef idx="0">
+        <a:scrgbClr r="0" g="0" b="0"/>
+      </a:effectRef>
+      <a:fontRef idx="minor"/>
+    </dgm:style>
+  </dgm:styleLbl>
+  <dgm:styleLbl name="parChTrans1D4">
+    <dgm:scene3d>
+      <a:camera prst="orthographicFront"/>
+      <a:lightRig rig="threePt" dir="t"/>
+    </dgm:scene3d>
+    <dgm:sp3d/>
+    <dgm:txPr/>
+    <dgm:style>
+      <a:lnRef idx="2">
+        <a:scrgbClr r="0" g="0" b="0"/>
+      </a:lnRef>
+      <a:fillRef idx="0">
+        <a:scrgbClr r="0" g="0" b="0"/>
+      </a:fillRef>
+      <a:effectRef idx="0">
+        <a:scrgbClr r="0" g="0" b="0"/>
+      </a:effectRef>
+      <a:fontRef idx="minor"/>
+    </dgm:style>
+  </dgm:styleLbl>
+  <dgm:styleLbl name="fgAcc1">
+    <dgm:scene3d>
+      <a:camera prst="orthographicFront"/>
+      <a:lightRig rig="threePt" dir="t"/>
+    </dgm:scene3d>
+    <dgm:sp3d/>
+    <dgm:txPr/>
+    <dgm:style>
+      <a:lnRef idx="2">
+        <a:scrgbClr r="0" g="0" b="0"/>
+      </a:lnRef>
+      <a:fillRef idx="1">
+        <a:scrgbClr r="0" g="0" b="0"/>
+      </a:fillRef>
+      <a:effectRef idx="0">
+        <a:scrgbClr r="0" g="0" b="0"/>
+      </a:effectRef>
+      <a:fontRef idx="minor"/>
+    </dgm:style>
+  </dgm:styleLbl>
+  <dgm:styleLbl name="conFgAcc1">
+    <dgm:scene3d>
+      <a:camera prst="orthographicFront"/>
+      <a:lightRig rig="threePt" dir="t"/>
+    </dgm:scene3d>
+    <dgm:sp3d/>
+    <dgm:txPr/>
+    <dgm:style>
+      <a:lnRef idx="2">
+        <a:scrgbClr r="0" g="0" b="0"/>
+      </a:lnRef>
+      <a:fillRef idx="1">
+        <a:scrgbClr r="0" g="0" b="0"/>
+      </a:fillRef>
+      <a:effectRef idx="0">
+        <a:scrgbClr r="0" g="0" b="0"/>
+      </a:effectRef>
+      <a:fontRef idx="minor"/>
+    </dgm:style>
+  </dgm:styleLbl>
+  <dgm:styleLbl name="alignAcc1">
+    <dgm:scene3d>
+      <a:camera prst="orthographicFront"/>
+      <a:lightRig rig="threePt" dir="t"/>
+    </dgm:scene3d>
+    <dgm:sp3d/>
+    <dgm:txPr/>
+    <dgm:style>
+      <a:lnRef idx="2">
+        <a:scrgbClr r="0" g="0" b="0"/>
+      </a:lnRef>
+      <a:fillRef idx="1">
+        <a:scrgbClr r="0" g="0" b="0"/>
+      </a:fillRef>
+      <a:effectRef idx="0">
+        <a:scrgbClr r="0" g="0" b="0"/>
+      </a:effectRef>
+      <a:fontRef idx="minor"/>
+    </dgm:style>
+  </dgm:styleLbl>
+  <dgm:styleLbl name="trAlignAcc1">
+    <dgm:scene3d>
+      <a:camera prst="orthographicFront"/>
+      <a:lightRig rig="threePt" dir="t"/>
+    </dgm:scene3d>
+    <dgm:sp3d/>
+    <dgm:txPr/>
+    <dgm:style>
+      <a:lnRef idx="1">
+        <a:scrgbClr r="0" g="0" b="0"/>
+      </a:lnRef>
+      <a:fillRef idx="1">
+        <a:scrgbClr r="0" g="0" b="0"/>
+      </a:fillRef>
+      <a:effectRef idx="0">
+        <a:scrgbClr r="0" g="0" b="0"/>
+      </a:effectRef>
+      <a:fontRef idx="minor"/>
+    </dgm:style>
+  </dgm:styleLbl>
+  <dgm:styleLbl name="bgAcc1">
+    <dgm:scene3d>
+      <a:camera prst="orthographicFront"/>
+      <a:lightRig rig="threePt" dir="t"/>
+    </dgm:scene3d>
+    <dgm:sp3d/>
+    <dgm:txPr/>
+    <dgm:style>
+      <a:lnRef idx="2">
+        <a:scrgbClr r="0" g="0" b="0"/>
+      </a:lnRef>
+      <a:fillRef idx="1">
+        <a:scrgbClr r="0" g="0" b="0"/>
+      </a:fillRef>
+      <a:effectRef idx="0">
+        <a:scrgbClr r="0" g="0" b="0"/>
+      </a:effectRef>
+      <a:fontRef idx="minor"/>
+    </dgm:style>
+  </dgm:styleLbl>
+  <dgm:styleLbl name="solidFgAcc1">
+    <dgm:scene3d>
+      <a:camera prst="orthographicFront"/>
+      <a:lightRig rig="threePt" dir="t"/>
+    </dgm:scene3d>
+    <dgm:sp3d/>
+    <dgm:txPr/>
+    <dgm:style>
+      <a:lnRef idx="2">
+        <a:scrgbClr r="0" g="0" b="0"/>
+      </a:lnRef>
+      <a:fillRef idx="1">
+        <a:scrgbClr r="0" g="0" b="0"/>
+      </a:fillRef>
+      <a:effectRef idx="0">
+        <a:scrgbClr r="0" g="0" b="0"/>
+      </a:effectRef>
+      <a:fontRef idx="minor"/>
+    </dgm:style>
+  </dgm:styleLbl>
+  <dgm:styleLbl name="solidAlignAcc1">
+    <dgm:scene3d>
+      <a:camera prst="orthographicFront"/>
+      <a:lightRig rig="threePt" dir="t"/>
+    </dgm:scene3d>
+    <dgm:sp3d/>
+    <dgm:txPr/>
+    <dgm:style>
+      <a:lnRef idx="2">
+        <a:scrgbClr r="0" g="0" b="0"/>
+      </a:lnRef>
+      <a:fillRef idx="1">
+        <a:scrgbClr r="0" g="0" b="0"/>
+      </a:fillRef>
+      <a:effectRef idx="0">
+        <a:scrgbClr r="0" g="0" b="0"/>
+      </a:effectRef>
+      <a:fontRef idx="minor"/>
+    </dgm:style>
+  </dgm:styleLbl>
+  <dgm:styleLbl name="solidBgAcc1">
+    <dgm:scene3d>
+      <a:camera prst="orthographicFront"/>
+      <a:lightRig rig="threePt" dir="t"/>
+    </dgm:scene3d>
+    <dgm:sp3d/>
+    <dgm:txPr/>
+    <dgm:style>
+      <a:lnRef idx="2">
+        <a:scrgbClr r="0" g="0" b="0"/>
+      </a:lnRef>
+      <a:fillRef idx="1">
+        <a:scrgbClr r="0" g="0" b="0"/>
+      </a:fillRef>
+      <a:effectRef idx="0">
+        <a:scrgbClr r="0" g="0" b="0"/>
+      </a:effectRef>
+      <a:fontRef idx="minor"/>
+    </dgm:style>
+  </dgm:styleLbl>
+  <dgm:styleLbl name="fgAccFollowNode1">
+    <dgm:scene3d>
+      <a:camera prst="orthographicFront"/>
+      <a:lightRig rig="threePt" dir="t"/>
+    </dgm:scene3d>
+    <dgm:sp3d/>
+    <dgm:txPr/>
+    <dgm:style>
+      <a:lnRef idx="2">
+        <a:scrgbClr r="0" g="0" b="0"/>
+      </a:lnRef>
+      <a:fillRef idx="1">
+        <a:scrgbClr r="0" g="0" b="0"/>
+      </a:fillRef>
+      <a:effectRef idx="0">
+        <a:scrgbClr r="0" g="0" b="0"/>
+      </a:effectRef>
+      <a:fontRef idx="minor"/>
+    </dgm:style>
+  </dgm:styleLbl>
+  <dgm:styleLbl name="alignAccFollowNode1">
+    <dgm:scene3d>
+      <a:camera prst="orthographicFront"/>
+      <a:lightRig rig="threePt" dir="t"/>
+    </dgm:scene3d>
+    <dgm:sp3d/>
+    <dgm:txPr/>
+    <dgm:style>
+      <a:lnRef idx="2">
+        <a:scrgbClr r="0" g="0" b="0"/>
+      </a:lnRef>
+      <a:fillRef idx="1">
+        <a:scrgbClr r="0" g="0" b="0"/>
+      </a:fillRef>
+      <a:effectRef idx="0">
+        <a:scrgbClr r="0" g="0" b="0"/>
+      </a:effectRef>
+      <a:fontRef idx="minor"/>
+    </dgm:style>
+  </dgm:styleLbl>
+  <dgm:styleLbl name="bgAccFollowNode1">
+    <dgm:scene3d>
+      <a:camera prst="orthographicFront"/>
+      <a:lightRig rig="threePt" dir="t"/>
+    </dgm:scene3d>
+    <dgm:sp3d/>
+    <dgm:txPr/>
+    <dgm:style>
+      <a:lnRef idx="2">
+        <a:scrgbClr r="0" g="0" b="0"/>
+      </a:lnRef>
+      <a:fillRef idx="1">
+        <a:scrgbClr r="0" g="0" b="0"/>
+      </a:fillRef>
+      <a:effectRef idx="0">
+        <a:scrgbClr r="0" g="0" b="0"/>
+      </a:effectRef>
+      <a:fontRef idx="minor"/>
+    </dgm:style>
+  </dgm:styleLbl>
+  <dgm:styleLbl name="fgAcc0">
+    <dgm:scene3d>
+      <a:camera prst="orthographicFront"/>
+      <a:lightRig rig="threePt" dir="t"/>
+    </dgm:scene3d>
+    <dgm:sp3d/>
+    <dgm:txPr/>
+    <dgm:style>
+      <a:lnRef idx="2">
+        <a:scrgbClr r="0" g="0" b="0"/>
+      </a:lnRef>
+      <a:fillRef idx="1">
+        <a:scrgbClr r="0" g="0" b="0"/>
+      </a:fillRef>
+      <a:effectRef idx="0">
+        <a:scrgbClr r="0" g="0" b="0"/>
+      </a:effectRef>
+      <a:fontRef idx="minor"/>
+    </dgm:style>
+  </dgm:styleLbl>
+  <dgm:styleLbl name="fgAcc2">
+    <dgm:scene3d>
+      <a:camera prst="orthographicFront"/>
+      <a:lightRig rig="threePt" dir="t"/>
+    </dgm:scene3d>
+    <dgm:sp3d/>
+    <dgm:txPr/>
+    <dgm:style>
+      <a:lnRef idx="2">
+        <a:scrgbClr r="0" g="0" b="0"/>
+      </a:lnRef>
+      <a:fillRef idx="1">
+        <a:scrgbClr r="0" g="0" b="0"/>
+      </a:fillRef>
+      <a:effectRef idx="0">
+        <a:scrgbClr r="0" g="0" b="0"/>
+      </a:effectRef>
+      <a:fontRef idx="minor"/>
+    </dgm:style>
+  </dgm:styleLbl>
+  <dgm:styleLbl name="fgAcc3">
+    <dgm:scene3d>
+      <a:camera prst="orthographicFront"/>
+      <a:lightRig rig="threePt" dir="t"/>
+    </dgm:scene3d>
+    <dgm:sp3d/>
+    <dgm:txPr/>
+    <dgm:style>
+      <a:lnRef idx="2">
+        <a:scrgbClr r="0" g="0" b="0"/>
+      </a:lnRef>
+      <a:fillRef idx="1">
+        <a:scrgbClr r="0" g="0" b="0"/>
+      </a:fillRef>
+      <a:effectRef idx="0">
+        <a:scrgbClr r="0" g="0" b="0"/>
+      </a:effectRef>
+      <a:fontRef idx="minor"/>
+    </dgm:style>
+  </dgm:styleLbl>
+  <dgm:styleLbl name="fgAcc4">
+    <dgm:scene3d>
+      <a:camera prst="orthographicFront"/>
+      <a:lightRig rig="threePt" dir="t"/>
+    </dgm:scene3d>
+    <dgm:sp3d/>
+    <dgm:txPr/>
+    <dgm:style>
+      <a:lnRef idx="2">
+        <a:scrgbClr r="0" g="0" b="0"/>
+      </a:lnRef>
+      <a:fillRef idx="1">
+        <a:scrgbClr r="0" g="0" b="0"/>
+      </a:fillRef>
+      <a:effectRef idx="0">
+        <a:scrgbClr r="0" g="0" b="0"/>
+      </a:effectRef>
+      <a:fontRef idx="minor"/>
+    </dgm:style>
+  </dgm:styleLbl>
+  <dgm:styleLbl name="bgShp">
+    <dgm:scene3d>
+      <a:camera prst="orthographicFront"/>
+      <a:lightRig rig="threePt" dir="t"/>
+    </dgm:scene3d>
+    <dgm:sp3d/>
+    <dgm:txPr/>
+    <dgm:style>
+      <a:lnRef idx="0">
+        <a:scrgbClr r="0" g="0" b="0"/>
+      </a:lnRef>
+      <a:fillRef idx="1">
+        <a:scrgbClr r="0" g="0" b="0"/>
+      </a:fillRef>
+      <a:effectRef idx="0">
+        <a:scrgbClr r="0" g="0" b="0"/>
+      </a:effectRef>
+      <a:fontRef idx="minor"/>
+    </dgm:style>
+  </dgm:styleLbl>
+  <dgm:styleLbl name="dkBgShp">
+    <dgm:scene3d>
+      <a:camera prst="orthographicFront"/>
+      <a:lightRig rig="threePt" dir="t"/>
+    </dgm:scene3d>
+    <dgm:sp3d/>
+    <dgm:txPr/>
+    <dgm:style>
+      <a:lnRef idx="0">
+        <a:scrgbClr r="0" g="0" b="0"/>
+      </a:lnRef>
+      <a:fillRef idx="1">
+        <a:scrgbClr r="0" g="0" b="0"/>
+      </a:fillRef>
+      <a:effectRef idx="0">
+        <a:scrgbClr r="0" g="0" b="0"/>
+      </a:effectRef>
+      <a:fontRef idx="minor"/>
+    </dgm:style>
+  </dgm:styleLbl>
+  <dgm:styleLbl name="trBgShp">
+    <dgm:scene3d>
+      <a:camera prst="orthographicFront"/>
+      <a:lightRig rig="threePt" dir="t"/>
+    </dgm:scene3d>
+    <dgm:sp3d/>
+    <dgm:txPr/>
+    <dgm:style>
+      <a:lnRef idx="0">
+        <a:scrgbClr r="0" g="0" b="0"/>
+      </a:lnRef>
+      <a:fillRef idx="1">
+        <a:scrgbClr r="0" g="0" b="0"/>
+      </a:fillRef>
+      <a:effectRef idx="0">
+        <a:scrgbClr r="0" g="0" b="0"/>
+      </a:effectRef>
+      <a:fontRef idx="minor"/>
+    </dgm:style>
+  </dgm:styleLbl>
+  <dgm:styleLbl name="fgShp">
+    <dgm:scene3d>
+      <a:camera prst="orthographicFront"/>
+      <a:lightRig rig="threePt" dir="t"/>
+    </dgm:scene3d>
+    <dgm:sp3d/>
+    <dgm:txPr/>
+    <dgm:style>
+      <a:lnRef idx="2">
+        <a:scrgbClr r="0" g="0" b="0"/>
+      </a:lnRef>
+      <a:fillRef idx="1">
+        <a:scrgbClr r="0" g="0" b="0"/>
+      </a:fillRef>
+      <a:effectRef idx="0">
+        <a:scrgbClr r="0" g="0" b="0"/>
+      </a:effectRef>
+      <a:fontRef idx="minor"/>
+    </dgm:style>
+  </dgm:styleLbl>
+  <dgm:styleLbl name="revTx">
+    <dgm:scene3d>
+      <a:camera prst="orthographicFront"/>
+      <a:lightRig rig="threePt" dir="t"/>
+    </dgm:scene3d>
+    <dgm:sp3d/>
+    <dgm:txPr/>
+    <dgm:style>
+      <a:lnRef idx="0">
+        <a:scrgbClr r="0" g="0" b="0"/>
+      </a:lnRef>
+      <a:fillRef idx="0">
+        <a:scrgbClr r="0" g="0" b="0"/>
+      </a:fillRef>
+      <a:effectRef idx="0">
+        <a:scrgbClr r="0" g="0" b="0"/>
+      </a:effectRef>
+      <a:fontRef idx="minor"/>
+    </dgm:style>
+  </dgm:styleLbl>
+</dgm:styleDef>
 </file>
 
 <file path=ppt/slideLayouts/slideLayout1.xml><?xml version="1.0" encoding="utf-8"?>
@@ -320,7 +4041,7 @@
           <a:p>
             <a:fld id="{530820CF-B880-4189-942D-D702A7CBA730}" type="datetimeFigureOut">
               <a:rPr lang="zh-CN" altLang="en-US" smtClean="0"/>
-              <a:t>2016/10/24</a:t>
+              <a:t>2016/10/27</a:t>
             </a:fld>
             <a:endParaRPr lang="zh-CN" altLang="en-US"/>
           </a:p>
@@ -490,7 +4211,7 @@
           <a:p>
             <a:fld id="{530820CF-B880-4189-942D-D702A7CBA730}" type="datetimeFigureOut">
               <a:rPr lang="zh-CN" altLang="en-US" smtClean="0"/>
-              <a:t>2016/10/24</a:t>
+              <a:t>2016/10/27</a:t>
             </a:fld>
             <a:endParaRPr lang="zh-CN" altLang="en-US"/>
           </a:p>
@@ -713,7 +4434,7 @@
           <a:p>
             <a:fld id="{530820CF-B880-4189-942D-D702A7CBA730}" type="datetimeFigureOut">
               <a:rPr lang="zh-CN" altLang="en-US" smtClean="0"/>
-              <a:t>2016/10/24</a:t>
+              <a:t>2016/10/27</a:t>
             </a:fld>
             <a:endParaRPr lang="zh-CN" altLang="en-US"/>
           </a:p>
@@ -893,7 +4614,7 @@
           <a:p>
             <a:fld id="{530820CF-B880-4189-942D-D702A7CBA730}" type="datetimeFigureOut">
               <a:rPr lang="zh-CN" altLang="en-US" smtClean="0"/>
-              <a:t>2016/10/24</a:t>
+              <a:t>2016/10/27</a:t>
             </a:fld>
             <a:endParaRPr lang="zh-CN" altLang="en-US"/>
           </a:p>
@@ -1199,7 +4920,7 @@
           <a:p>
             <a:fld id="{530820CF-B880-4189-942D-D702A7CBA730}" type="datetimeFigureOut">
               <a:rPr lang="zh-CN" altLang="en-US" smtClean="0"/>
-              <a:t>2016/10/24</a:t>
+              <a:t>2016/10/27</a:t>
             </a:fld>
             <a:endParaRPr lang="zh-CN" altLang="en-US"/>
           </a:p>
@@ -1503,7 +5224,7 @@
           <a:p>
             <a:fld id="{530820CF-B880-4189-942D-D702A7CBA730}" type="datetimeFigureOut">
               <a:rPr lang="zh-CN" altLang="en-US" smtClean="0"/>
-              <a:t>2016/10/24</a:t>
+              <a:t>2016/10/27</a:t>
             </a:fld>
             <a:endParaRPr lang="zh-CN" altLang="en-US"/>
           </a:p>
@@ -1925,7 +5646,7 @@
           <a:p>
             <a:fld id="{530820CF-B880-4189-942D-D702A7CBA730}" type="datetimeFigureOut">
               <a:rPr lang="zh-CN" altLang="en-US" smtClean="0"/>
-              <a:t>2016/10/24</a:t>
+              <a:t>2016/10/27</a:t>
             </a:fld>
             <a:endParaRPr lang="zh-CN" altLang="en-US"/>
           </a:p>
@@ -2043,7 +5764,7 @@
           <a:p>
             <a:fld id="{530820CF-B880-4189-942D-D702A7CBA730}" type="datetimeFigureOut">
               <a:rPr lang="zh-CN" altLang="en-US" smtClean="0"/>
-              <a:t>2016/10/24</a:t>
+              <a:t>2016/10/27</a:t>
             </a:fld>
             <a:endParaRPr lang="zh-CN" altLang="en-US"/>
           </a:p>
@@ -2138,7 +5859,7 @@
           <a:p>
             <a:fld id="{530820CF-B880-4189-942D-D702A7CBA730}" type="datetimeFigureOut">
               <a:rPr lang="zh-CN" altLang="en-US" smtClean="0"/>
-              <a:t>2016/10/24</a:t>
+              <a:t>2016/10/27</a:t>
             </a:fld>
             <a:endParaRPr lang="zh-CN" altLang="en-US"/>
           </a:p>
@@ -2411,7 +6132,7 @@
           <a:p>
             <a:fld id="{530820CF-B880-4189-942D-D702A7CBA730}" type="datetimeFigureOut">
               <a:rPr lang="zh-CN" altLang="en-US" smtClean="0"/>
-              <a:t>2016/10/24</a:t>
+              <a:t>2016/10/27</a:t>
             </a:fld>
             <a:endParaRPr lang="zh-CN" altLang="en-US"/>
           </a:p>
@@ -2676,7 +6397,7 @@
           <a:p>
             <a:fld id="{530820CF-B880-4189-942D-D702A7CBA730}" type="datetimeFigureOut">
               <a:rPr lang="zh-CN" altLang="en-US" smtClean="0"/>
-              <a:t>2016/10/24</a:t>
+              <a:t>2016/10/27</a:t>
             </a:fld>
             <a:endParaRPr lang="zh-CN" altLang="en-US"/>
           </a:p>
@@ -2925,7 +6646,7 @@
           <a:p>
             <a:fld id="{530820CF-B880-4189-942D-D702A7CBA730}" type="datetimeFigureOut">
               <a:rPr lang="zh-CN" altLang="en-US" smtClean="0"/>
-              <a:t>2016/10/24</a:t>
+              <a:t>2016/10/27</a:t>
             </a:fld>
             <a:endParaRPr lang="zh-CN" altLang="en-US"/>
           </a:p>
@@ -3663,15 +7384,12 @@
             </a:r>
             <a:r>
               <a:rPr lang="zh-CN" altLang="en-US" dirty="0" smtClean="0"/>
-              <a:t>高并发原理及应用场景</a:t>
-            </a:r>
-            <a:endParaRPr lang="en-US" altLang="zh-CN" dirty="0" smtClean="0"/>
-          </a:p>
-          <a:p>
-            <a:pPr>
-              <a:buFont typeface="Wingdings" panose="05000000000000000000" pitchFamily="2" charset="2"/>
-              <a:buChar char="Ø"/>
-            </a:pPr>
+              <a:t>高并发</a:t>
+            </a:r>
+            <a:r>
+              <a:rPr lang="zh-CN" altLang="en-US" dirty="0" smtClean="0"/>
+              <a:t>原理</a:t>
+            </a:r>
             <a:endParaRPr lang="en-US" altLang="zh-CN" dirty="0" smtClean="0"/>
           </a:p>
         </p:txBody>
@@ -4742,15 +8460,7 @@
                   <a:schemeClr val="accent2"/>
                 </a:solidFill>
               </a:rPr>
-              <a:t>模型</a:t>
-            </a:r>
-            <a:r>
-              <a:rPr lang="zh-CN" altLang="en-US" sz="1600" dirty="0" smtClean="0">
-                <a:solidFill>
-                  <a:schemeClr val="accent2"/>
-                </a:solidFill>
-              </a:rPr>
-              <a:t>：</a:t>
+              <a:t>模型：</a:t>
             </a:r>
             <a:endParaRPr lang="en-US" altLang="zh-CN" sz="1600" dirty="0" smtClean="0">
               <a:solidFill>
@@ -5605,8 +9315,13 @@
             </a:r>
             <a:r>
               <a:rPr lang="zh-CN" altLang="en-US" dirty="0"/>
-              <a:t>高并发原理及应用场景</a:t>
-            </a:r>
+              <a:t>高并发</a:t>
+            </a:r>
+            <a:r>
+              <a:rPr lang="zh-CN" altLang="en-US" dirty="0" smtClean="0"/>
+              <a:t>原理</a:t>
+            </a:r>
+            <a:endParaRPr lang="zh-CN" altLang="en-US" dirty="0"/>
           </a:p>
         </p:txBody>
       </p:sp>
@@ -5676,8 +9391,35 @@
             </a:r>
             <a:r>
               <a:rPr lang="zh-CN" altLang="en-US" sz="1600" dirty="0"/>
-              <a:t>线程（并为其分配一些配套内存）</a:t>
-            </a:r>
+              <a:t>线程（并为其分配一些配套内存</a:t>
+            </a:r>
+            <a:r>
+              <a:rPr lang="zh-CN" altLang="en-US" sz="1600" dirty="0" smtClean="0"/>
+              <a:t>）</a:t>
+            </a:r>
+            <a:endParaRPr lang="en-US" altLang="zh-CN" sz="1600" dirty="0" smtClean="0"/>
+          </a:p>
+          <a:p>
+            <a:pPr>
+              <a:lnSpc>
+                <a:spcPct val="150000"/>
+              </a:lnSpc>
+              <a:buFont typeface="Wingdings" panose="05000000000000000000" pitchFamily="2" charset="2"/>
+              <a:buChar char="Ø"/>
+            </a:pPr>
+            <a:r>
+              <a:rPr lang="zh-CN" altLang="en-US" sz="1600" dirty="0" smtClean="0"/>
+              <a:t>适应场景：</a:t>
+            </a:r>
+            <a:r>
+              <a:rPr lang="en-US" altLang="zh-CN" sz="1600" dirty="0" smtClean="0"/>
+              <a:t>I/O</a:t>
+            </a:r>
+            <a:r>
+              <a:rPr lang="zh-CN" altLang="en-US" sz="1600" dirty="0" smtClean="0"/>
+              <a:t>密集型操作，如在线聊天程序，游戏等</a:t>
+            </a:r>
+            <a:endParaRPr lang="zh-CN" altLang="en-US" sz="1600" dirty="0"/>
           </a:p>
         </p:txBody>
       </p:sp>
@@ -5730,81 +9472,60 @@
         </p:nvSpPr>
         <p:spPr/>
         <p:txBody>
-          <a:bodyPr/>
-          <a:lstStyle/>
-          <a:p>
-            <a:r>
-              <a:rPr lang="en-US" altLang="zh-CN" dirty="0"/>
-              <a:t>Node.js</a:t>
-            </a:r>
-            <a:r>
-              <a:rPr lang="zh-CN" altLang="en-US" dirty="0"/>
-              <a:t>高并发原理及应用场景</a:t>
-            </a:r>
-          </a:p>
-        </p:txBody>
-      </p:sp>
-      <p:sp>
-        <p:nvSpPr>
-          <p:cNvPr id="3" name="内容占位符 2"/>
-          <p:cNvSpPr>
-            <a:spLocks noGrp="1"/>
-          </p:cNvSpPr>
-          <p:nvPr>
-            <p:ph idx="1"/>
-          </p:nvPr>
-        </p:nvSpPr>
-        <p:spPr/>
-        <p:txBody>
           <a:bodyPr>
             <a:normAutofit/>
           </a:bodyPr>
           <a:lstStyle/>
           <a:p>
-            <a:pPr>
-              <a:buFont typeface="Wingdings" panose="05000000000000000000" pitchFamily="2" charset="2"/>
-              <a:buChar char="Ø"/>
-            </a:pPr>
-            <a:r>
-              <a:rPr lang="en-US" altLang="zh-CN" sz="2000" dirty="0" smtClean="0"/>
-              <a:t>I/O</a:t>
-            </a:r>
-            <a:r>
-              <a:rPr lang="zh-CN" altLang="en-US" sz="2000" dirty="0" smtClean="0"/>
-              <a:t>阻塞与异步机制对比：举例</a:t>
-            </a:r>
-            <a:r>
-              <a:rPr lang="en-US" altLang="zh-CN" sz="2000" dirty="0" smtClean="0"/>
-              <a:t>(</a:t>
-            </a:r>
-            <a:r>
-              <a:rPr lang="en-US" altLang="zh-CN" sz="2000" dirty="0" err="1" smtClean="0"/>
-              <a:t>php</a:t>
-            </a:r>
-            <a:r>
-              <a:rPr lang="zh-CN" altLang="en-US" sz="2000" dirty="0" smtClean="0"/>
-              <a:t>与</a:t>
-            </a:r>
-            <a:r>
-              <a:rPr lang="en-US" altLang="zh-CN" sz="2000" dirty="0" smtClean="0"/>
-              <a:t>node</a:t>
-            </a:r>
-            <a:r>
-              <a:rPr lang="zh-CN" altLang="en-US" sz="2000" dirty="0" smtClean="0"/>
-              <a:t>获取数据</a:t>
-            </a:r>
-            <a:r>
-              <a:rPr lang="en-US" altLang="zh-CN" sz="2000" dirty="0" smtClean="0"/>
-              <a:t>)</a:t>
-            </a:r>
-            <a:endParaRPr lang="zh-CN" altLang="en-US" sz="2000" dirty="0"/>
+            <a:r>
+              <a:rPr lang="en-US" altLang="zh-CN" dirty="0" smtClean="0"/>
+              <a:t>Node.js</a:t>
+            </a:r>
+            <a:r>
+              <a:rPr lang="zh-CN" altLang="en-US" dirty="0" smtClean="0"/>
+              <a:t>案例：</a:t>
+            </a:r>
+            <a:r>
+              <a:rPr lang="en-US" altLang="zh-CN" dirty="0" err="1" smtClean="0"/>
+              <a:t>nodejs</a:t>
+            </a:r>
+            <a:r>
+              <a:rPr lang="zh-CN" altLang="en-US" dirty="0" smtClean="0"/>
+              <a:t>中间件</a:t>
+            </a:r>
+            <a:endParaRPr lang="zh-CN" altLang="en-US" dirty="0"/>
           </a:p>
         </p:txBody>
       </p:sp>
+      <p:graphicFrame>
+        <p:nvGraphicFramePr>
+          <p:cNvPr id="4" name="内容占位符 3"/>
+          <p:cNvGraphicFramePr>
+            <a:graphicFrameLocks noGrp="1"/>
+          </p:cNvGraphicFramePr>
+          <p:nvPr>
+            <p:ph idx="1"/>
+            <p:extLst>
+              <p:ext uri="{D42A27DB-BD31-4B8C-83A1-F6EECF244321}">
+                <p14:modId xmlns:p14="http://schemas.microsoft.com/office/powerpoint/2010/main" val="2888661739"/>
+              </p:ext>
+            </p:extLst>
+          </p:nvPr>
+        </p:nvGraphicFramePr>
+        <p:xfrm>
+          <a:off x="685800" y="2011363"/>
+          <a:ext cx="7772400" cy="4206875"/>
+        </p:xfrm>
+        <a:graphic>
+          <a:graphicData uri="http://schemas.openxmlformats.org/drawingml/2006/diagram">
+            <dgm:relIds xmlns:dgm="http://schemas.openxmlformats.org/drawingml/2006/diagram" xmlns:r="http://schemas.openxmlformats.org/officeDocument/2006/relationships" r:dm="rId2" r:lo="rId3" r:qs="rId4" r:cs="rId5"/>
+          </a:graphicData>
+        </a:graphic>
+      </p:graphicFrame>
     </p:spTree>
     <p:extLst>
       <p:ext uri="{BB962C8B-B14F-4D97-AF65-F5344CB8AC3E}">
-        <p14:creationId xmlns:p14="http://schemas.microsoft.com/office/powerpoint/2010/main" val="2529741093"/>
+        <p14:creationId xmlns:p14="http://schemas.microsoft.com/office/powerpoint/2010/main" val="1653822292"/>
       </p:ext>
     </p:extLst>
   </p:cSld>
@@ -5859,7 +9580,235 @@
             </a:r>
             <a:r>
               <a:rPr lang="zh-CN" altLang="en-US" dirty="0"/>
-              <a:t>高并发原理及应用场景</a:t>
+              <a:t>案例：</a:t>
+            </a:r>
+            <a:r>
+              <a:rPr lang="en-US" altLang="zh-CN" dirty="0" err="1"/>
+              <a:t>nodejs</a:t>
+            </a:r>
+            <a:r>
+              <a:rPr lang="zh-CN" altLang="en-US" dirty="0"/>
+              <a:t>中间件</a:t>
+            </a:r>
+          </a:p>
+        </p:txBody>
+      </p:sp>
+      <p:sp>
+        <p:nvSpPr>
+          <p:cNvPr id="3" name="内容占位符 2"/>
+          <p:cNvSpPr>
+            <a:spLocks noGrp="1"/>
+          </p:cNvSpPr>
+          <p:nvPr>
+            <p:ph idx="1"/>
+          </p:nvPr>
+        </p:nvSpPr>
+        <p:spPr/>
+        <p:txBody>
+          <a:bodyPr>
+            <a:normAutofit lnSpcReduction="10000"/>
+          </a:bodyPr>
+          <a:lstStyle/>
+          <a:p>
+            <a:pPr>
+              <a:buFont typeface="Wingdings" panose="05000000000000000000" pitchFamily="2" charset="2"/>
+              <a:buChar char="Ø"/>
+            </a:pPr>
+            <a:r>
+              <a:rPr lang="zh-CN" altLang="en-US" dirty="0" smtClean="0"/>
+              <a:t>安装</a:t>
+            </a:r>
+            <a:r>
+              <a:rPr lang="en-US" altLang="zh-CN" dirty="0" smtClean="0"/>
+              <a:t>express</a:t>
+            </a:r>
+            <a:r>
+              <a:rPr lang="zh-CN" altLang="en-US" dirty="0" smtClean="0"/>
+              <a:t>及</a:t>
+            </a:r>
+            <a:r>
+              <a:rPr lang="en-US" altLang="zh-CN" dirty="0" smtClean="0"/>
+              <a:t>express</a:t>
+            </a:r>
+            <a:r>
+              <a:rPr lang="zh-CN" altLang="en-US" dirty="0" smtClean="0"/>
+              <a:t>生成器</a:t>
+            </a:r>
+            <a:endParaRPr lang="en-US" altLang="zh-CN" dirty="0" smtClean="0"/>
+          </a:p>
+          <a:p>
+            <a:pPr>
+              <a:buFont typeface="Wingdings" panose="05000000000000000000" pitchFamily="2" charset="2"/>
+              <a:buChar char="Ø"/>
+            </a:pPr>
+            <a:r>
+              <a:rPr lang="zh-CN" altLang="en-US" dirty="0" smtClean="0"/>
+              <a:t>使用</a:t>
+            </a:r>
+            <a:r>
+              <a:rPr lang="en-US" altLang="zh-CN" dirty="0" smtClean="0"/>
+              <a:t>express</a:t>
+            </a:r>
+            <a:r>
+              <a:rPr lang="zh-CN" altLang="en-US" dirty="0" smtClean="0"/>
+              <a:t>生成器生成项目</a:t>
+            </a:r>
+            <a:endParaRPr lang="en-US" altLang="zh-CN" dirty="0" smtClean="0"/>
+          </a:p>
+          <a:p>
+            <a:pPr>
+              <a:buFont typeface="Wingdings" panose="05000000000000000000" pitchFamily="2" charset="2"/>
+              <a:buChar char="Ø"/>
+            </a:pPr>
+            <a:r>
+              <a:rPr lang="zh-CN" altLang="en-US" dirty="0" smtClean="0"/>
+              <a:t>安装</a:t>
+            </a:r>
+            <a:r>
+              <a:rPr lang="en-US" altLang="zh-CN" dirty="0" err="1" smtClean="0"/>
+              <a:t>mysql</a:t>
+            </a:r>
+            <a:r>
+              <a:rPr lang="zh-CN" altLang="en-US" dirty="0" smtClean="0"/>
+              <a:t>模块</a:t>
+            </a:r>
+            <a:endParaRPr lang="en-US" altLang="zh-CN" dirty="0" smtClean="0"/>
+          </a:p>
+          <a:p>
+            <a:pPr>
+              <a:buFont typeface="Wingdings" panose="05000000000000000000" pitchFamily="2" charset="2"/>
+              <a:buChar char="Ø"/>
+            </a:pPr>
+            <a:r>
+              <a:rPr lang="zh-CN" altLang="en-US" dirty="0" smtClean="0"/>
+              <a:t>服务器配置</a:t>
+            </a:r>
+            <a:endParaRPr lang="en-US" altLang="zh-CN" dirty="0" smtClean="0"/>
+          </a:p>
+          <a:p>
+            <a:pPr>
+              <a:buFont typeface="Wingdings" panose="05000000000000000000" pitchFamily="2" charset="2"/>
+              <a:buChar char="Ø"/>
+            </a:pPr>
+            <a:r>
+              <a:rPr lang="zh-CN" altLang="en-US" dirty="0" smtClean="0"/>
+              <a:t>启动服务器</a:t>
+            </a:r>
+            <a:endParaRPr lang="en-US" altLang="zh-CN" dirty="0" smtClean="0"/>
+          </a:p>
+          <a:p>
+            <a:pPr>
+              <a:buFont typeface="Wingdings" panose="05000000000000000000" pitchFamily="2" charset="2"/>
+              <a:buChar char="Ø"/>
+            </a:pPr>
+            <a:r>
+              <a:rPr lang="zh-CN" altLang="en-US" dirty="0" smtClean="0"/>
+              <a:t>连接数据库</a:t>
+            </a:r>
+            <a:endParaRPr lang="en-US" altLang="zh-CN" dirty="0" smtClean="0"/>
+          </a:p>
+          <a:p>
+            <a:pPr>
+              <a:buFont typeface="Wingdings" panose="05000000000000000000" pitchFamily="2" charset="2"/>
+              <a:buChar char="Ø"/>
+            </a:pPr>
+            <a:r>
+              <a:rPr lang="zh-CN" altLang="en-US" dirty="0" smtClean="0"/>
+              <a:t>发布静态资源</a:t>
+            </a:r>
+            <a:endParaRPr lang="en-US" altLang="zh-CN" dirty="0" smtClean="0"/>
+          </a:p>
+          <a:p>
+            <a:pPr>
+              <a:buFont typeface="Wingdings" panose="05000000000000000000" pitchFamily="2" charset="2"/>
+              <a:buChar char="Ø"/>
+            </a:pPr>
+            <a:r>
+              <a:rPr lang="zh-CN" altLang="en-US" dirty="0" smtClean="0"/>
+              <a:t>登录界面</a:t>
+            </a:r>
+            <a:endParaRPr lang="en-US" altLang="zh-CN" dirty="0" smtClean="0"/>
+          </a:p>
+          <a:p>
+            <a:pPr>
+              <a:buFont typeface="Wingdings" panose="05000000000000000000" pitchFamily="2" charset="2"/>
+              <a:buChar char="Ø"/>
+            </a:pPr>
+            <a:r>
+              <a:rPr lang="zh-CN" altLang="en-US" dirty="0" smtClean="0"/>
+              <a:t>进入书籍管理界面</a:t>
+            </a:r>
+            <a:endParaRPr lang="zh-CN" altLang="en-US" dirty="0"/>
+          </a:p>
+        </p:txBody>
+      </p:sp>
+    </p:spTree>
+    <p:extLst>
+      <p:ext uri="{BB962C8B-B14F-4D97-AF65-F5344CB8AC3E}">
+        <p14:creationId xmlns:p14="http://schemas.microsoft.com/office/powerpoint/2010/main" val="2280608222"/>
+      </p:ext>
+    </p:extLst>
+  </p:cSld>
+  <p:clrMapOvr>
+    <a:masterClrMapping/>
+  </p:clrMapOvr>
+  <p:timing>
+    <p:tnLst>
+      <p:par>
+        <p:cTn id="1" dur="indefinite" restart="never" nodeType="tmRoot"/>
+      </p:par>
+    </p:tnLst>
+  </p:timing>
+</p:sld>
+</file>
+
+<file path=ppt/slides/slide23.xml><?xml version="1.0" encoding="utf-8"?>
+<p:sld xmlns:a="http://schemas.openxmlformats.org/drawingml/2006/main" xmlns:r="http://schemas.openxmlformats.org/officeDocument/2006/relationships" xmlns:p="http://schemas.openxmlformats.org/presentationml/2006/main">
+  <p:cSld>
+    <p:spTree>
+      <p:nvGrpSpPr>
+        <p:cNvPr id="1" name=""/>
+        <p:cNvGrpSpPr/>
+        <p:nvPr/>
+      </p:nvGrpSpPr>
+      <p:grpSpPr>
+        <a:xfrm>
+          <a:off x="0" y="0"/>
+          <a:ext cx="0" cy="0"/>
+          <a:chOff x="0" y="0"/>
+          <a:chExt cx="0" cy="0"/>
+        </a:xfrm>
+      </p:grpSpPr>
+      <p:sp>
+        <p:nvSpPr>
+          <p:cNvPr id="2" name="标题 1"/>
+          <p:cNvSpPr>
+            <a:spLocks noGrp="1"/>
+          </p:cNvSpPr>
+          <p:nvPr>
+            <p:ph type="title"/>
+          </p:nvPr>
+        </p:nvSpPr>
+        <p:spPr/>
+        <p:txBody>
+          <a:bodyPr/>
+          <a:lstStyle/>
+          <a:p>
+            <a:r>
+              <a:rPr lang="en-US" altLang="zh-CN" dirty="0"/>
+              <a:t>Node.js</a:t>
+            </a:r>
+            <a:r>
+              <a:rPr lang="zh-CN" altLang="en-US" dirty="0"/>
+              <a:t>案例：</a:t>
+            </a:r>
+            <a:r>
+              <a:rPr lang="en-US" altLang="zh-CN" dirty="0" err="1"/>
+              <a:t>nodejs</a:t>
+            </a:r>
+            <a:r>
+              <a:rPr lang="zh-CN" altLang="en-US" dirty="0"/>
+              <a:t>中间件</a:t>
             </a:r>
           </a:p>
         </p:txBody>
@@ -5879,124 +9828,9 @@
           <a:bodyPr/>
           <a:lstStyle/>
           <a:p>
-            <a:r>
-              <a:rPr lang="en-US" altLang="zh-CN" sz="1600" dirty="0" err="1"/>
-              <a:t>NodeJS</a:t>
-            </a:r>
-            <a:r>
-              <a:rPr lang="zh-CN" altLang="en-US" sz="1600" dirty="0"/>
-              <a:t>遇到</a:t>
-            </a:r>
-            <a:r>
-              <a:rPr lang="en-US" altLang="zh-CN" sz="1600" dirty="0"/>
-              <a:t>I/O</a:t>
-            </a:r>
-            <a:r>
-              <a:rPr lang="zh-CN" altLang="en-US" sz="1600" dirty="0"/>
-              <a:t>事件会创建一个线程去执行，然后主线程会继续往下执行的，</a:t>
-            </a:r>
-          </a:p>
-          <a:p>
-            <a:r>
-              <a:rPr lang="zh-CN" altLang="en-US" sz="1600" dirty="0"/>
-              <a:t>因此，拿</a:t>
-            </a:r>
-            <a:r>
-              <a:rPr lang="en-US" altLang="zh-CN" sz="1600" dirty="0"/>
-              <a:t>profile</a:t>
-            </a:r>
-            <a:r>
-              <a:rPr lang="zh-CN" altLang="en-US" sz="1600" dirty="0"/>
-              <a:t>的动作触发一个</a:t>
-            </a:r>
-            <a:r>
-              <a:rPr lang="en-US" altLang="zh-CN" sz="1600" dirty="0"/>
-              <a:t>I/O</a:t>
-            </a:r>
-            <a:r>
-              <a:rPr lang="zh-CN" altLang="en-US" sz="1600" dirty="0"/>
-              <a:t>事件，马上就会执行拿</a:t>
-            </a:r>
-            <a:r>
-              <a:rPr lang="en-US" altLang="zh-CN" sz="1600" dirty="0"/>
-              <a:t>timeline</a:t>
-            </a:r>
-            <a:r>
-              <a:rPr lang="zh-CN" altLang="en-US" sz="1600" dirty="0"/>
-              <a:t>的动作，</a:t>
-            </a:r>
-          </a:p>
-          <a:p>
-            <a:r>
-              <a:rPr lang="zh-CN" altLang="en-US" sz="1600" dirty="0"/>
-              <a:t>两个动作并行执行，假如各需要</a:t>
-            </a:r>
-            <a:r>
-              <a:rPr lang="en-US" altLang="zh-CN" sz="1600" dirty="0"/>
-              <a:t>1S</a:t>
-            </a:r>
-            <a:r>
-              <a:rPr lang="zh-CN" altLang="en-US" sz="1600" dirty="0"/>
-              <a:t>，那么总的时间也就是</a:t>
-            </a:r>
-            <a:r>
-              <a:rPr lang="en-US" altLang="zh-CN" sz="1600" dirty="0"/>
-              <a:t>1S</a:t>
-            </a:r>
-          </a:p>
-          <a:p>
-            <a:r>
-              <a:rPr lang="zh-CN" altLang="en-US" sz="1600" dirty="0"/>
-              <a:t>它们的</a:t>
-            </a:r>
-            <a:r>
-              <a:rPr lang="en-US" altLang="zh-CN" sz="1600" dirty="0"/>
-              <a:t>I/O</a:t>
-            </a:r>
-            <a:r>
-              <a:rPr lang="zh-CN" altLang="en-US" sz="1600" dirty="0"/>
-              <a:t>操作执行完成后，发射一个事件，</a:t>
-            </a:r>
-            <a:r>
-              <a:rPr lang="en-US" altLang="zh-CN" sz="1600" dirty="0"/>
-              <a:t>profile</a:t>
-            </a:r>
-            <a:r>
-              <a:rPr lang="zh-CN" altLang="en-US" sz="1600" dirty="0"/>
-              <a:t>和</a:t>
-            </a:r>
-            <a:r>
-              <a:rPr lang="en-US" altLang="zh-CN" sz="1600" dirty="0"/>
-              <a:t>timeline</a:t>
-            </a:r>
-            <a:r>
-              <a:rPr lang="zh-CN" altLang="en-US" sz="1600" dirty="0"/>
-              <a:t>，</a:t>
-            </a:r>
-          </a:p>
-          <a:p>
-            <a:r>
-              <a:rPr lang="zh-CN" altLang="en-US" sz="1600" dirty="0"/>
-              <a:t>事件代理接收后继续往下执行后面的逻辑，这就是</a:t>
-            </a:r>
-            <a:r>
-              <a:rPr lang="en-US" altLang="zh-CN" sz="1600" dirty="0" err="1"/>
-              <a:t>NodeJS</a:t>
-            </a:r>
-            <a:r>
-              <a:rPr lang="zh-CN" altLang="en-US" sz="1600" dirty="0"/>
-              <a:t>非阻塞</a:t>
-            </a:r>
-            <a:r>
-              <a:rPr lang="en-US" altLang="zh-CN" sz="1600" dirty="0"/>
-              <a:t>I/O</a:t>
-            </a:r>
-            <a:r>
-              <a:rPr lang="zh-CN" altLang="en-US" sz="1600" dirty="0"/>
-              <a:t>的特点</a:t>
-            </a:r>
-          </a:p>
-          <a:p>
+            <a:pPr marL="0" indent="0">
+              <a:buNone/>
+            </a:pPr>
             <a:endParaRPr lang="zh-CN" altLang="en-US" dirty="0"/>
           </a:p>
         </p:txBody>
@@ -6004,7 +9838,7 @@
     </p:spTree>
     <p:extLst>
       <p:ext uri="{BB962C8B-B14F-4D97-AF65-F5344CB8AC3E}">
-        <p14:creationId xmlns:p14="http://schemas.microsoft.com/office/powerpoint/2010/main" val="2656814664"/>
+        <p14:creationId xmlns:p14="http://schemas.microsoft.com/office/powerpoint/2010/main" val="2539589202"/>
       </p:ext>
     </p:extLst>
   </p:cSld>
@@ -8071,7 +11905,7 @@
   <a:extraClrSchemeLst/>
   <a:extLst>
     <a:ext uri="{05A4C25C-085E-4340-85A3-A5531E510DB2}">
-      <thm15:themeFamily xmlns:thm15="http://schemas.microsoft.com/office/thememl/2012/main" xmlns="" name="Banded" id="{98DFF888-2449-4D28-977C-6306C017633E}" vid="{9792607F-9579-4224-82FF-9C88C3E1E53D}"/>
+      <thm15:themeFamily xmlns:thm15="http://schemas.microsoft.com/office/thememl/2012/main" name="Banded" id="{98DFF888-2449-4D28-977C-6306C017633E}" vid="{9792607F-9579-4224-82FF-9C88C3E1E53D}"/>
     </a:ext>
   </a:extLst>
 </a:theme>

--- a/mix/技术分享/NODE技术分享.pptx
+++ b/mix/技术分享/NODE技术分享.pptx
@@ -25,9 +25,10 @@
     <p:sldId id="264" r:id="rId19"/>
     <p:sldId id="265" r:id="rId20"/>
     <p:sldId id="266" r:id="rId21"/>
-    <p:sldId id="284" r:id="rId22"/>
-    <p:sldId id="285" r:id="rId23"/>
-    <p:sldId id="286" r:id="rId24"/>
+    <p:sldId id="287" r:id="rId22"/>
+    <p:sldId id="284" r:id="rId23"/>
+    <p:sldId id="285" r:id="rId24"/>
+    <p:sldId id="286" r:id="rId25"/>
   </p:sldIdLst>
   <p:sldSz cx="9144000" cy="6858000" type="screen4x3"/>
   <p:notesSz cx="6858000" cy="9144000"/>
@@ -128,7 +129,7 @@
   </p:defaultTextStyle>
   <p:extLst>
     <p:ext uri="{EFAFB233-063F-42B5-8137-9DF3F51BA10A}">
-      <p15:sldGuideLst xmlns:p15="http://schemas.microsoft.com/office/powerpoint/2012/main">
+      <p15:sldGuideLst xmlns="" xmlns:p15="http://schemas.microsoft.com/office/powerpoint/2012/main">
         <p15:guide id="1" orient="horz" pos="2160">
           <p15:clr>
             <a:srgbClr val="A4A3A4"/>
@@ -1337,6 +1338,13 @@
         </dgm:presLayoutVars>
       </dgm:prSet>
       <dgm:spPr/>
+      <dgm:t>
+        <a:bodyPr/>
+        <a:lstStyle/>
+        <a:p>
+          <a:endParaRPr lang="zh-CN" altLang="en-US"/>
+        </a:p>
+      </dgm:t>
     </dgm:pt>
     <dgm:pt modelId="{BA2ADCC4-C5D4-4E99-8FD5-1BB30BE7C5F6}" type="pres">
       <dgm:prSet presAssocID="{C37C1FAE-0166-4EFF-B056-E23429A0A244}" presName="tSp" presStyleCnt="0"/>
@@ -1365,6 +1373,13 @@
         </dgm:presLayoutVars>
       </dgm:prSet>
       <dgm:spPr/>
+      <dgm:t>
+        <a:bodyPr/>
+        <a:lstStyle/>
+        <a:p>
+          <a:endParaRPr lang="zh-CN" altLang="en-US"/>
+        </a:p>
+      </dgm:t>
     </dgm:pt>
     <dgm:pt modelId="{BF56BB0E-10AA-425F-BAFA-5A3672904B3E}" type="pres">
       <dgm:prSet presAssocID="{38CEA9E9-99C6-4050-9632-58DEEDEBF85E}" presName="childNode1tx" presStyleLbl="bgAcc1" presStyleIdx="0" presStyleCnt="3">
@@ -1373,6 +1388,13 @@
         </dgm:presLayoutVars>
       </dgm:prSet>
       <dgm:spPr/>
+      <dgm:t>
+        <a:bodyPr/>
+        <a:lstStyle/>
+        <a:p>
+          <a:endParaRPr lang="zh-CN" altLang="en-US"/>
+        </a:p>
+      </dgm:t>
     </dgm:pt>
     <dgm:pt modelId="{F45D3531-B45D-4A96-8C72-6B4F59B4FAC8}" type="pres">
       <dgm:prSet presAssocID="{38CEA9E9-99C6-4050-9632-58DEEDEBF85E}" presName="parentNode1" presStyleLbl="node1" presStyleIdx="0" presStyleCnt="3">
@@ -1382,6 +1404,13 @@
         </dgm:presLayoutVars>
       </dgm:prSet>
       <dgm:spPr/>
+      <dgm:t>
+        <a:bodyPr/>
+        <a:lstStyle/>
+        <a:p>
+          <a:endParaRPr lang="zh-CN" altLang="en-US"/>
+        </a:p>
+      </dgm:t>
     </dgm:pt>
     <dgm:pt modelId="{E6955DB2-EC4A-4C09-BF3A-742E55210C11}" type="pres">
       <dgm:prSet presAssocID="{38CEA9E9-99C6-4050-9632-58DEEDEBF85E}" presName="connSite1" presStyleCnt="0"/>
@@ -1390,6 +1419,13 @@
     <dgm:pt modelId="{141A074A-237A-4BD6-B31E-1D32D03395CF}" type="pres">
       <dgm:prSet presAssocID="{FD077405-A5A6-41BA-8A63-F6A89432F6A9}" presName="Name9" presStyleLbl="sibTrans2D1" presStyleIdx="0" presStyleCnt="2"/>
       <dgm:spPr/>
+      <dgm:t>
+        <a:bodyPr/>
+        <a:lstStyle/>
+        <a:p>
+          <a:endParaRPr lang="zh-CN" altLang="en-US"/>
+        </a:p>
+      </dgm:t>
     </dgm:pt>
     <dgm:pt modelId="{EFE723BF-A6DC-42BF-82CF-2173B57E4E80}" type="pres">
       <dgm:prSet presAssocID="{F1BC6EDA-C346-461B-A635-784B96588E4B}" presName="composite2" presStyleCnt="0"/>
@@ -1452,6 +1488,13 @@
     <dgm:pt modelId="{58012A2F-5496-4959-94D8-88BD1B7811D9}" type="pres">
       <dgm:prSet presAssocID="{8614F308-51F6-48BA-96FA-3D621E466730}" presName="Name18" presStyleLbl="sibTrans2D1" presStyleIdx="1" presStyleCnt="2"/>
       <dgm:spPr/>
+      <dgm:t>
+        <a:bodyPr/>
+        <a:lstStyle/>
+        <a:p>
+          <a:endParaRPr lang="zh-CN" altLang="en-US"/>
+        </a:p>
+      </dgm:t>
     </dgm:pt>
     <dgm:pt modelId="{E519838E-185B-4F7C-9246-F6FEAEADDD15}" type="pres">
       <dgm:prSet presAssocID="{8E583638-85E5-42DC-B0C1-482D123D7340}" presName="composite1" presStyleCnt="0"/>
@@ -1539,8 +1582,8 @@
     <dgm:cxn modelId="{600E924E-379C-4F43-8B8D-3DCE8FA0B5F5}" type="presOf" srcId="{FD077405-A5A6-41BA-8A63-F6A89432F6A9}" destId="{141A074A-237A-4BD6-B31E-1D32D03395CF}" srcOrd="0" destOrd="0" presId="urn:microsoft.com/office/officeart/2005/8/layout/hProcess4"/>
     <dgm:cxn modelId="{35D8D638-8D26-49A4-B054-880CC4CED718}" type="presOf" srcId="{DCEC9016-C1F9-4C27-A845-14D7F302BD43}" destId="{ABE8998E-306D-4803-A7E6-6680DA4B18CC}" srcOrd="0" destOrd="1" presId="urn:microsoft.com/office/officeart/2005/8/layout/hProcess4"/>
     <dgm:cxn modelId="{627A090C-4BC0-4142-928B-B5DA9A3FED8B}" type="presOf" srcId="{C342F822-0805-40EB-93EF-CC3F10DF5A1B}" destId="{F1F9A04C-3093-43EA-B1E3-005DD1DC62B0}" srcOrd="1" destOrd="2" presId="urn:microsoft.com/office/officeart/2005/8/layout/hProcess4"/>
+    <dgm:cxn modelId="{A3696AD9-6F28-48C8-A74B-C404C250AE9F}" type="presOf" srcId="{38CEA9E9-99C6-4050-9632-58DEEDEBF85E}" destId="{F45D3531-B45D-4A96-8C72-6B4F59B4FAC8}" srcOrd="0" destOrd="0" presId="urn:microsoft.com/office/officeart/2005/8/layout/hProcess4"/>
     <dgm:cxn modelId="{A0C86E05-EC8E-4E07-BE91-2E99AE158AC2}" type="presOf" srcId="{F1BC6EDA-C346-461B-A635-784B96588E4B}" destId="{079811BD-B658-4CAD-9BF9-7596DC02E23E}" srcOrd="0" destOrd="0" presId="urn:microsoft.com/office/officeart/2005/8/layout/hProcess4"/>
-    <dgm:cxn modelId="{A3696AD9-6F28-48C8-A74B-C404C250AE9F}" type="presOf" srcId="{38CEA9E9-99C6-4050-9632-58DEEDEBF85E}" destId="{F45D3531-B45D-4A96-8C72-6B4F59B4FAC8}" srcOrd="0" destOrd="0" presId="urn:microsoft.com/office/officeart/2005/8/layout/hProcess4"/>
     <dgm:cxn modelId="{5DEC30CB-59FD-4539-8C4F-48E9FB543B5E}" type="presOf" srcId="{93FD902D-14BD-4158-915E-252767BB8383}" destId="{7AA4FDCC-32CC-4B22-92E4-88DB431B4110}" srcOrd="0" destOrd="0" presId="urn:microsoft.com/office/officeart/2005/8/layout/hProcess4"/>
     <dgm:cxn modelId="{927015E2-DCDE-43A4-B240-C0DC58086B7B}" type="presOf" srcId="{8E583638-85E5-42DC-B0C1-482D123D7340}" destId="{F6F21C20-1013-4807-8D38-0FBB9EDDA75B}" srcOrd="0" destOrd="0" presId="urn:microsoft.com/office/officeart/2005/8/layout/hProcess4"/>
     <dgm:cxn modelId="{C17145EB-42F5-40AF-ACCC-43612A67AE9B}" type="presParOf" srcId="{BEF53A56-A37D-4008-806F-E875F75E6FD3}" destId="{BA2ADCC4-C5D4-4E99-8FD5-1BB30BE7C5F6}" srcOrd="0" destOrd="0" presId="urn:microsoft.com/office/officeart/2005/8/layout/hProcess4"/>
@@ -1609,7 +1652,7 @@
             <a:alphaOff val="0"/>
           </a:schemeClr>
         </a:solidFill>
-        <a:ln w="12700" cap="flat" cmpd="sng" algn="ctr">
+        <a:ln w="25400" cap="flat" cmpd="sng" algn="ctr">
           <a:solidFill>
             <a:schemeClr val="accent1">
               <a:hueOff val="0"/>
@@ -1770,7 +1813,7 @@
             <a:alphaOff val="0"/>
           </a:schemeClr>
         </a:solidFill>
-        <a:ln w="12700" cap="flat" cmpd="sng" algn="ctr">
+        <a:ln w="25400" cap="flat" cmpd="sng" algn="ctr">
           <a:solidFill>
             <a:schemeClr val="lt1">
               <a:hueOff val="0"/>
@@ -1850,7 +1893,7 @@
             <a:alphaOff val="0"/>
           </a:schemeClr>
         </a:solidFill>
-        <a:ln w="12700" cap="flat" cmpd="sng" algn="ctr">
+        <a:ln w="25400" cap="flat" cmpd="sng" algn="ctr">
           <a:solidFill>
             <a:schemeClr val="accent1">
               <a:hueOff val="0"/>
@@ -2015,7 +2058,7 @@
             <a:alphaOff val="0"/>
           </a:schemeClr>
         </a:solidFill>
-        <a:ln w="12700" cap="flat" cmpd="sng" algn="ctr">
+        <a:ln w="25400" cap="flat" cmpd="sng" algn="ctr">
           <a:solidFill>
             <a:schemeClr val="lt1">
               <a:hueOff val="0"/>
@@ -2099,7 +2142,7 @@
             <a:alphaOff val="0"/>
           </a:schemeClr>
         </a:solidFill>
-        <a:ln w="12700" cap="flat" cmpd="sng" algn="ctr">
+        <a:ln w="25400" cap="flat" cmpd="sng" algn="ctr">
           <a:solidFill>
             <a:schemeClr val="accent1">
               <a:hueOff val="0"/>
@@ -2223,7 +2266,7 @@
             <a:alphaOff val="0"/>
           </a:schemeClr>
         </a:solidFill>
-        <a:ln w="12700" cap="flat" cmpd="sng" algn="ctr">
+        <a:ln w="25400" cap="flat" cmpd="sng" algn="ctr">
           <a:solidFill>
             <a:schemeClr val="lt1">
               <a:hueOff val="0"/>
@@ -4041,7 +4084,7 @@
           <a:p>
             <a:fld id="{530820CF-B880-4189-942D-D702A7CBA730}" type="datetimeFigureOut">
               <a:rPr lang="zh-CN" altLang="en-US" smtClean="0"/>
-              <a:t>2016/10/27</a:t>
+              <a:t>2016/10/28</a:t>
             </a:fld>
             <a:endParaRPr lang="zh-CN" altLang="en-US"/>
           </a:p>
@@ -4211,7 +4254,7 @@
           <a:p>
             <a:fld id="{530820CF-B880-4189-942D-D702A7CBA730}" type="datetimeFigureOut">
               <a:rPr lang="zh-CN" altLang="en-US" smtClean="0"/>
-              <a:t>2016/10/27</a:t>
+              <a:t>2016/10/28</a:t>
             </a:fld>
             <a:endParaRPr lang="zh-CN" altLang="en-US"/>
           </a:p>
@@ -4434,7 +4477,7 @@
           <a:p>
             <a:fld id="{530820CF-B880-4189-942D-D702A7CBA730}" type="datetimeFigureOut">
               <a:rPr lang="zh-CN" altLang="en-US" smtClean="0"/>
-              <a:t>2016/10/27</a:t>
+              <a:t>2016/10/28</a:t>
             </a:fld>
             <a:endParaRPr lang="zh-CN" altLang="en-US"/>
           </a:p>
@@ -4614,7 +4657,7 @@
           <a:p>
             <a:fld id="{530820CF-B880-4189-942D-D702A7CBA730}" type="datetimeFigureOut">
               <a:rPr lang="zh-CN" altLang="en-US" smtClean="0"/>
-              <a:t>2016/10/27</a:t>
+              <a:t>2016/10/28</a:t>
             </a:fld>
             <a:endParaRPr lang="zh-CN" altLang="en-US"/>
           </a:p>
@@ -4920,7 +4963,7 @@
           <a:p>
             <a:fld id="{530820CF-B880-4189-942D-D702A7CBA730}" type="datetimeFigureOut">
               <a:rPr lang="zh-CN" altLang="en-US" smtClean="0"/>
-              <a:t>2016/10/27</a:t>
+              <a:t>2016/10/28</a:t>
             </a:fld>
             <a:endParaRPr lang="zh-CN" altLang="en-US"/>
           </a:p>
@@ -5224,7 +5267,7 @@
           <a:p>
             <a:fld id="{530820CF-B880-4189-942D-D702A7CBA730}" type="datetimeFigureOut">
               <a:rPr lang="zh-CN" altLang="en-US" smtClean="0"/>
-              <a:t>2016/10/27</a:t>
+              <a:t>2016/10/28</a:t>
             </a:fld>
             <a:endParaRPr lang="zh-CN" altLang="en-US"/>
           </a:p>
@@ -5646,7 +5689,7 @@
           <a:p>
             <a:fld id="{530820CF-B880-4189-942D-D702A7CBA730}" type="datetimeFigureOut">
               <a:rPr lang="zh-CN" altLang="en-US" smtClean="0"/>
-              <a:t>2016/10/27</a:t>
+              <a:t>2016/10/28</a:t>
             </a:fld>
             <a:endParaRPr lang="zh-CN" altLang="en-US"/>
           </a:p>
@@ -5764,7 +5807,7 @@
           <a:p>
             <a:fld id="{530820CF-B880-4189-942D-D702A7CBA730}" type="datetimeFigureOut">
               <a:rPr lang="zh-CN" altLang="en-US" smtClean="0"/>
-              <a:t>2016/10/27</a:t>
+              <a:t>2016/10/28</a:t>
             </a:fld>
             <a:endParaRPr lang="zh-CN" altLang="en-US"/>
           </a:p>
@@ -5859,7 +5902,7 @@
           <a:p>
             <a:fld id="{530820CF-B880-4189-942D-D702A7CBA730}" type="datetimeFigureOut">
               <a:rPr lang="zh-CN" altLang="en-US" smtClean="0"/>
-              <a:t>2016/10/27</a:t>
+              <a:t>2016/10/28</a:t>
             </a:fld>
             <a:endParaRPr lang="zh-CN" altLang="en-US"/>
           </a:p>
@@ -6132,7 +6175,7 @@
           <a:p>
             <a:fld id="{530820CF-B880-4189-942D-D702A7CBA730}" type="datetimeFigureOut">
               <a:rPr lang="zh-CN" altLang="en-US" smtClean="0"/>
-              <a:t>2016/10/27</a:t>
+              <a:t>2016/10/28</a:t>
             </a:fld>
             <a:endParaRPr lang="zh-CN" altLang="en-US"/>
           </a:p>
@@ -6397,7 +6440,7 @@
           <a:p>
             <a:fld id="{530820CF-B880-4189-942D-D702A7CBA730}" type="datetimeFigureOut">
               <a:rPr lang="zh-CN" altLang="en-US" smtClean="0"/>
-              <a:t>2016/10/27</a:t>
+              <a:t>2016/10/28</a:t>
             </a:fld>
             <a:endParaRPr lang="zh-CN" altLang="en-US"/>
           </a:p>
@@ -6646,7 +6689,7 @@
           <a:p>
             <a:fld id="{530820CF-B880-4189-942D-D702A7CBA730}" type="datetimeFigureOut">
               <a:rPr lang="zh-CN" altLang="en-US" smtClean="0"/>
-              <a:t>2016/10/27</a:t>
+              <a:t>2016/10/28</a:t>
             </a:fld>
             <a:endParaRPr lang="zh-CN" altLang="en-US"/>
           </a:p>
@@ -7384,11 +7427,7 @@
             </a:r>
             <a:r>
               <a:rPr lang="zh-CN" altLang="en-US" dirty="0" smtClean="0"/>
-              <a:t>高并发</a:t>
-            </a:r>
-            <a:r>
-              <a:rPr lang="zh-CN" altLang="en-US" dirty="0" smtClean="0"/>
-              <a:t>原理</a:t>
+              <a:t>高并发原理</a:t>
             </a:r>
             <a:endParaRPr lang="en-US" altLang="zh-CN" dirty="0" smtClean="0"/>
           </a:p>
@@ -9246,7 +9285,59 @@
             </a:r>
             <a:r>
               <a:rPr lang="zh-CN" altLang="en-US" sz="1600" dirty="0"/>
-              <a:t>进程，单线程</a:t>
+              <a:t>进程，单</a:t>
+            </a:r>
+            <a:r>
+              <a:rPr lang="zh-CN" altLang="en-US" sz="1600" dirty="0" smtClean="0"/>
+              <a:t>线程</a:t>
+            </a:r>
+            <a:r>
+              <a:rPr lang="en-US" altLang="zh-CN" sz="1600" dirty="0" smtClean="0"/>
+              <a:t>(</a:t>
+            </a:r>
+            <a:r>
+              <a:rPr lang="zh-CN" altLang="en-US" sz="1600" dirty="0" smtClean="0"/>
+              <a:t>目前已有第三方模块可以让</a:t>
+            </a:r>
+            <a:r>
+              <a:rPr lang="en-US" altLang="zh-CN" sz="1600" dirty="0" smtClean="0"/>
+              <a:t>node</a:t>
+            </a:r>
+            <a:r>
+              <a:rPr lang="zh-CN" altLang="en-US" sz="1600" dirty="0" smtClean="0"/>
+              <a:t>支持多线程，非阻塞模式了，如：</a:t>
+            </a:r>
+            <a:r>
+              <a:rPr lang="en-US" altLang="zh-CN" sz="1600" dirty="0" err="1" smtClean="0"/>
+              <a:t>threads_a_gogo</a:t>
+            </a:r>
+            <a:r>
+              <a:rPr lang="en-US" altLang="zh-CN" sz="1600" dirty="0" err="1"/>
+              <a:t>,</a:t>
+            </a:r>
+            <a:r>
+              <a:rPr lang="en-US" altLang="zh-CN" sz="1600" dirty="0" err="1" smtClean="0"/>
+              <a:t>https</a:t>
+            </a:r>
+            <a:r>
+              <a:rPr lang="en-US" altLang="zh-CN" sz="1600" dirty="0"/>
+              <a:t>://github.com/</a:t>
+            </a:r>
+            <a:r>
+              <a:rPr lang="en-US" altLang="zh-CN" sz="1600" dirty="0" err="1"/>
+              <a:t>xk</a:t>
+            </a:r>
+            <a:r>
+              <a:rPr lang="en-US" altLang="zh-CN" sz="1600" dirty="0"/>
+              <a:t>/node-threads-a-</a:t>
+            </a:r>
+            <a:r>
+              <a:rPr lang="en-US" altLang="zh-CN" sz="1600" dirty="0" err="1"/>
+              <a:t>gogo</a:t>
+            </a:r>
+            <a:r>
+              <a:rPr lang="en-US" altLang="zh-CN" sz="1600" dirty="0"/>
+              <a:t>)</a:t>
             </a:r>
             <a:endParaRPr lang="en-US" altLang="zh-CN" sz="1600" dirty="0"/>
           </a:p>
@@ -9472,6 +9563,146 @@
         </p:nvSpPr>
         <p:spPr/>
         <p:txBody>
+          <a:bodyPr/>
+          <a:lstStyle/>
+          <a:p>
+            <a:r>
+              <a:rPr lang="en-US" altLang="zh-CN" dirty="0" err="1" smtClean="0"/>
+              <a:t>Nodejs</a:t>
+            </a:r>
+            <a:r>
+              <a:rPr lang="zh-CN" altLang="en-US" dirty="0" smtClean="0"/>
+              <a:t>在开发中的应用</a:t>
+            </a:r>
+            <a:endParaRPr lang="zh-CN" altLang="en-US" dirty="0"/>
+          </a:p>
+        </p:txBody>
+      </p:sp>
+      <p:sp>
+        <p:nvSpPr>
+          <p:cNvPr id="3" name="内容占位符 2"/>
+          <p:cNvSpPr>
+            <a:spLocks noGrp="1"/>
+          </p:cNvSpPr>
+          <p:nvPr>
+            <p:ph idx="1"/>
+          </p:nvPr>
+        </p:nvSpPr>
+        <p:spPr/>
+        <p:txBody>
+          <a:bodyPr/>
+          <a:lstStyle/>
+          <a:p>
+            <a:pPr>
+              <a:buFont typeface="Wingdings" panose="05000000000000000000" pitchFamily="2" charset="2"/>
+              <a:buChar char="Ø"/>
+            </a:pPr>
+            <a:r>
+              <a:rPr lang="zh-CN" altLang="en-US" dirty="0" smtClean="0"/>
+              <a:t>基于</a:t>
+            </a:r>
+            <a:r>
+              <a:rPr lang="en-US" altLang="zh-CN" dirty="0" smtClean="0"/>
+              <a:t>node</a:t>
+            </a:r>
+            <a:r>
+              <a:rPr lang="zh-CN" altLang="en-US" dirty="0" smtClean="0"/>
+              <a:t>平台的前端自动化工具：</a:t>
+            </a:r>
+            <a:r>
+              <a:rPr lang="en-US" altLang="zh-CN" dirty="0" err="1" smtClean="0"/>
+              <a:t>webpack</a:t>
+            </a:r>
+            <a:r>
+              <a:rPr lang="zh-CN" altLang="en-US" dirty="0" smtClean="0"/>
+              <a:t>，</a:t>
+            </a:r>
+            <a:r>
+              <a:rPr lang="en-US" altLang="zh-CN" dirty="0" smtClean="0"/>
+              <a:t>grunt</a:t>
+            </a:r>
+          </a:p>
+          <a:p>
+            <a:pPr>
+              <a:buFont typeface="Wingdings" panose="05000000000000000000" pitchFamily="2" charset="2"/>
+              <a:buChar char="Ø"/>
+            </a:pPr>
+            <a:r>
+              <a:rPr lang="en-US" altLang="zh-CN" dirty="0" smtClean="0"/>
+              <a:t>Node</a:t>
+            </a:r>
+            <a:r>
+              <a:rPr lang="zh-CN" altLang="en-US" dirty="0" smtClean="0"/>
+              <a:t>作为中间件实现前后端分离</a:t>
+            </a:r>
+            <a:endParaRPr lang="en-US" altLang="zh-CN" dirty="0" smtClean="0"/>
+          </a:p>
+          <a:p>
+            <a:pPr>
+              <a:buFont typeface="Wingdings" panose="05000000000000000000" pitchFamily="2" charset="2"/>
+              <a:buChar char="Ø"/>
+            </a:pPr>
+            <a:r>
+              <a:rPr lang="en-US" altLang="zh-CN" dirty="0" smtClean="0"/>
+              <a:t>I/O</a:t>
+            </a:r>
+            <a:r>
+              <a:rPr lang="zh-CN" altLang="en-US" dirty="0" smtClean="0"/>
+              <a:t>密集型，数据实时性高的应用</a:t>
+            </a:r>
+            <a:endParaRPr lang="zh-CN" altLang="en-US" dirty="0"/>
+          </a:p>
+        </p:txBody>
+      </p:sp>
+    </p:spTree>
+    <p:extLst>
+      <p:ext uri="{BB962C8B-B14F-4D97-AF65-F5344CB8AC3E}">
+        <p14:creationId xmlns:p14="http://schemas.microsoft.com/office/powerpoint/2010/main" val="1310896663"/>
+      </p:ext>
+    </p:extLst>
+  </p:cSld>
+  <p:clrMapOvr>
+    <a:masterClrMapping/>
+  </p:clrMapOvr>
+  <p:timing>
+    <p:tnLst>
+      <p:par>
+        <p:cTn id="1" dur="indefinite" restart="never" nodeType="tmRoot"/>
+      </p:par>
+    </p:tnLst>
+  </p:timing>
+</p:sld>
+</file>
+
+<file path=ppt/slides/slide22.xml><?xml version="1.0" encoding="utf-8"?>
+<p:sld xmlns:a="http://schemas.openxmlformats.org/drawingml/2006/main" xmlns:r="http://schemas.openxmlformats.org/officeDocument/2006/relationships" xmlns:p="http://schemas.openxmlformats.org/presentationml/2006/main">
+  <p:cSld>
+    <p:spTree>
+      <p:nvGrpSpPr>
+        <p:cNvPr id="1" name=""/>
+        <p:cNvGrpSpPr/>
+        <p:nvPr/>
+      </p:nvGrpSpPr>
+      <p:grpSpPr>
+        <a:xfrm>
+          <a:off x="0" y="0"/>
+          <a:ext cx="0" cy="0"/>
+          <a:chOff x="0" y="0"/>
+          <a:chExt cx="0" cy="0"/>
+        </a:xfrm>
+      </p:grpSpPr>
+      <p:sp>
+        <p:nvSpPr>
+          <p:cNvPr id="2" name="标题 1"/>
+          <p:cNvSpPr>
+            <a:spLocks noGrp="1"/>
+          </p:cNvSpPr>
+          <p:nvPr>
+            <p:ph type="title"/>
+          </p:nvPr>
+        </p:nvSpPr>
+        <p:spPr/>
+        <p:txBody>
           <a:bodyPr>
             <a:normAutofit/>
           </a:bodyPr>
@@ -9542,226 +9773,6 @@
 </p:sld>
 </file>
 
-<file path=ppt/slides/slide22.xml><?xml version="1.0" encoding="utf-8"?>
-<p:sld xmlns:a="http://schemas.openxmlformats.org/drawingml/2006/main" xmlns:r="http://schemas.openxmlformats.org/officeDocument/2006/relationships" xmlns:p="http://schemas.openxmlformats.org/presentationml/2006/main">
-  <p:cSld>
-    <p:spTree>
-      <p:nvGrpSpPr>
-        <p:cNvPr id="1" name=""/>
-        <p:cNvGrpSpPr/>
-        <p:nvPr/>
-      </p:nvGrpSpPr>
-      <p:grpSpPr>
-        <a:xfrm>
-          <a:off x="0" y="0"/>
-          <a:ext cx="0" cy="0"/>
-          <a:chOff x="0" y="0"/>
-          <a:chExt cx="0" cy="0"/>
-        </a:xfrm>
-      </p:grpSpPr>
-      <p:sp>
-        <p:nvSpPr>
-          <p:cNvPr id="2" name="标题 1"/>
-          <p:cNvSpPr>
-            <a:spLocks noGrp="1"/>
-          </p:cNvSpPr>
-          <p:nvPr>
-            <p:ph type="title"/>
-          </p:nvPr>
-        </p:nvSpPr>
-        <p:spPr/>
-        <p:txBody>
-          <a:bodyPr/>
-          <a:lstStyle/>
-          <a:p>
-            <a:r>
-              <a:rPr lang="en-US" altLang="zh-CN" dirty="0"/>
-              <a:t>Node.js</a:t>
-            </a:r>
-            <a:r>
-              <a:rPr lang="zh-CN" altLang="en-US" dirty="0"/>
-              <a:t>案例：</a:t>
-            </a:r>
-            <a:r>
-              <a:rPr lang="en-US" altLang="zh-CN" dirty="0" err="1"/>
-              <a:t>nodejs</a:t>
-            </a:r>
-            <a:r>
-              <a:rPr lang="zh-CN" altLang="en-US" dirty="0"/>
-              <a:t>中间件</a:t>
-            </a:r>
-          </a:p>
-        </p:txBody>
-      </p:sp>
-      <p:sp>
-        <p:nvSpPr>
-          <p:cNvPr id="3" name="内容占位符 2"/>
-          <p:cNvSpPr>
-            <a:spLocks noGrp="1"/>
-          </p:cNvSpPr>
-          <p:nvPr>
-            <p:ph idx="1"/>
-          </p:nvPr>
-        </p:nvSpPr>
-        <p:spPr/>
-        <p:txBody>
-          <a:bodyPr>
-            <a:normAutofit lnSpcReduction="10000"/>
-          </a:bodyPr>
-          <a:lstStyle/>
-          <a:p>
-            <a:pPr>
-              <a:buFont typeface="Wingdings" panose="05000000000000000000" pitchFamily="2" charset="2"/>
-              <a:buChar char="Ø"/>
-            </a:pPr>
-            <a:r>
-              <a:rPr lang="zh-CN" altLang="en-US" dirty="0" smtClean="0"/>
-              <a:t>安装</a:t>
-            </a:r>
-            <a:r>
-              <a:rPr lang="en-US" altLang="zh-CN" dirty="0" smtClean="0"/>
-              <a:t>express</a:t>
-            </a:r>
-            <a:r>
-              <a:rPr lang="zh-CN" altLang="en-US" dirty="0" smtClean="0"/>
-              <a:t>及</a:t>
-            </a:r>
-            <a:r>
-              <a:rPr lang="en-US" altLang="zh-CN" dirty="0" smtClean="0"/>
-              <a:t>express</a:t>
-            </a:r>
-            <a:r>
-              <a:rPr lang="zh-CN" altLang="en-US" dirty="0" smtClean="0"/>
-              <a:t>生成器</a:t>
-            </a:r>
-            <a:endParaRPr lang="en-US" altLang="zh-CN" dirty="0" smtClean="0"/>
-          </a:p>
-          <a:p>
-            <a:pPr>
-              <a:buFont typeface="Wingdings" panose="05000000000000000000" pitchFamily="2" charset="2"/>
-              <a:buChar char="Ø"/>
-            </a:pPr>
-            <a:r>
-              <a:rPr lang="zh-CN" altLang="en-US" dirty="0" smtClean="0"/>
-              <a:t>使用</a:t>
-            </a:r>
-            <a:r>
-              <a:rPr lang="en-US" altLang="zh-CN" dirty="0" smtClean="0"/>
-              <a:t>express</a:t>
-            </a:r>
-            <a:r>
-              <a:rPr lang="zh-CN" altLang="en-US" dirty="0" smtClean="0"/>
-              <a:t>生成器生成项目</a:t>
-            </a:r>
-            <a:endParaRPr lang="en-US" altLang="zh-CN" dirty="0" smtClean="0"/>
-          </a:p>
-          <a:p>
-            <a:pPr>
-              <a:buFont typeface="Wingdings" panose="05000000000000000000" pitchFamily="2" charset="2"/>
-              <a:buChar char="Ø"/>
-            </a:pPr>
-            <a:r>
-              <a:rPr lang="zh-CN" altLang="en-US" dirty="0" smtClean="0"/>
-              <a:t>安装</a:t>
-            </a:r>
-            <a:r>
-              <a:rPr lang="en-US" altLang="zh-CN" dirty="0" err="1" smtClean="0"/>
-              <a:t>mysql</a:t>
-            </a:r>
-            <a:r>
-              <a:rPr lang="zh-CN" altLang="en-US" dirty="0" smtClean="0"/>
-              <a:t>模块</a:t>
-            </a:r>
-            <a:endParaRPr lang="en-US" altLang="zh-CN" dirty="0" smtClean="0"/>
-          </a:p>
-          <a:p>
-            <a:pPr>
-              <a:buFont typeface="Wingdings" panose="05000000000000000000" pitchFamily="2" charset="2"/>
-              <a:buChar char="Ø"/>
-            </a:pPr>
-            <a:r>
-              <a:rPr lang="zh-CN" altLang="en-US" dirty="0" smtClean="0"/>
-              <a:t>服务器配置</a:t>
-            </a:r>
-            <a:endParaRPr lang="en-US" altLang="zh-CN" dirty="0" smtClean="0"/>
-          </a:p>
-          <a:p>
-            <a:pPr>
-              <a:buFont typeface="Wingdings" panose="05000000000000000000" pitchFamily="2" charset="2"/>
-              <a:buChar char="Ø"/>
-            </a:pPr>
-            <a:r>
-              <a:rPr lang="zh-CN" altLang="en-US" dirty="0" smtClean="0"/>
-              <a:t>启动服务器</a:t>
-            </a:r>
-            <a:endParaRPr lang="en-US" altLang="zh-CN" dirty="0" smtClean="0"/>
-          </a:p>
-          <a:p>
-            <a:pPr>
-              <a:buFont typeface="Wingdings" panose="05000000000000000000" pitchFamily="2" charset="2"/>
-              <a:buChar char="Ø"/>
-            </a:pPr>
-            <a:r>
-              <a:rPr lang="zh-CN" altLang="en-US" dirty="0" smtClean="0"/>
-              <a:t>连接数据库</a:t>
-            </a:r>
-            <a:endParaRPr lang="en-US" altLang="zh-CN" dirty="0" smtClean="0"/>
-          </a:p>
-          <a:p>
-            <a:pPr>
-              <a:buFont typeface="Wingdings" panose="05000000000000000000" pitchFamily="2" charset="2"/>
-              <a:buChar char="Ø"/>
-            </a:pPr>
-            <a:r>
-              <a:rPr lang="zh-CN" altLang="en-US" dirty="0" smtClean="0"/>
-              <a:t>发布静态资源</a:t>
-            </a:r>
-            <a:endParaRPr lang="en-US" altLang="zh-CN" dirty="0" smtClean="0"/>
-          </a:p>
-          <a:p>
-            <a:pPr>
-              <a:buFont typeface="Wingdings" panose="05000000000000000000" pitchFamily="2" charset="2"/>
-              <a:buChar char="Ø"/>
-            </a:pPr>
-            <a:r>
-              <a:rPr lang="zh-CN" altLang="en-US" dirty="0" smtClean="0"/>
-              <a:t>登录界面</a:t>
-            </a:r>
-            <a:endParaRPr lang="en-US" altLang="zh-CN" dirty="0" smtClean="0"/>
-          </a:p>
-          <a:p>
-            <a:pPr>
-              <a:buFont typeface="Wingdings" panose="05000000000000000000" pitchFamily="2" charset="2"/>
-              <a:buChar char="Ø"/>
-            </a:pPr>
-            <a:r>
-              <a:rPr lang="zh-CN" altLang="en-US" dirty="0" smtClean="0"/>
-              <a:t>进入书籍管理界面</a:t>
-            </a:r>
-            <a:endParaRPr lang="zh-CN" altLang="en-US" dirty="0"/>
-          </a:p>
-        </p:txBody>
-      </p:sp>
-    </p:spTree>
-    <p:extLst>
-      <p:ext uri="{BB962C8B-B14F-4D97-AF65-F5344CB8AC3E}">
-        <p14:creationId xmlns:p14="http://schemas.microsoft.com/office/powerpoint/2010/main" val="2280608222"/>
-      </p:ext>
-    </p:extLst>
-  </p:cSld>
-  <p:clrMapOvr>
-    <a:masterClrMapping/>
-  </p:clrMapOvr>
-  <p:timing>
-    <p:tnLst>
-      <p:par>
-        <p:cTn id="1" dur="indefinite" restart="never" nodeType="tmRoot"/>
-      </p:par>
-    </p:tnLst>
-  </p:timing>
-</p:sld>
-</file>
-
 <file path=ppt/slides/slide23.xml><?xml version="1.0" encoding="utf-8"?>
 <p:sld xmlns:a="http://schemas.openxmlformats.org/drawingml/2006/main" xmlns:r="http://schemas.openxmlformats.org/officeDocument/2006/relationships" xmlns:p="http://schemas.openxmlformats.org/presentationml/2006/main">
   <p:cSld>
@@ -9825,13 +9836,398 @@
         </p:nvSpPr>
         <p:spPr/>
         <p:txBody>
-          <a:bodyPr/>
+          <a:bodyPr>
+            <a:normAutofit fontScale="92500" lnSpcReduction="20000"/>
+          </a:bodyPr>
           <a:lstStyle/>
           <a:p>
             <a:pPr marL="0" indent="0">
               <a:buNone/>
             </a:pPr>
-            <a:endParaRPr lang="zh-CN" altLang="en-US" dirty="0"/>
+            <a:r>
+              <a:rPr lang="zh-CN" altLang="en-US" b="1" dirty="0" smtClean="0"/>
+              <a:t>项目构建过程：</a:t>
+            </a:r>
+            <a:endParaRPr lang="en-US" altLang="zh-CN" b="1" dirty="0" smtClean="0"/>
+          </a:p>
+          <a:p>
+            <a:pPr>
+              <a:lnSpc>
+                <a:spcPct val="150000"/>
+              </a:lnSpc>
+              <a:buFont typeface="Wingdings" panose="05000000000000000000" pitchFamily="2" charset="2"/>
+              <a:buChar char="Ø"/>
+            </a:pPr>
+            <a:r>
+              <a:rPr lang="zh-CN" altLang="en-US" sz="1600" dirty="0" smtClean="0"/>
+              <a:t>安装</a:t>
+            </a:r>
+            <a:r>
+              <a:rPr lang="en-US" altLang="zh-CN" sz="1600" dirty="0" smtClean="0"/>
+              <a:t>express</a:t>
+            </a:r>
+            <a:r>
+              <a:rPr lang="zh-CN" altLang="en-US" sz="1600" dirty="0" smtClean="0"/>
+              <a:t>及</a:t>
+            </a:r>
+            <a:r>
+              <a:rPr lang="en-US" altLang="zh-CN" sz="1600" dirty="0" smtClean="0"/>
+              <a:t>express</a:t>
+            </a:r>
+            <a:r>
+              <a:rPr lang="zh-CN" altLang="en-US" sz="1600" dirty="0" smtClean="0"/>
+              <a:t>生成器</a:t>
+            </a:r>
+            <a:endParaRPr lang="en-US" altLang="zh-CN" sz="1600" dirty="0" smtClean="0"/>
+          </a:p>
+          <a:p>
+            <a:pPr>
+              <a:lnSpc>
+                <a:spcPct val="150000"/>
+              </a:lnSpc>
+              <a:buFont typeface="Wingdings" panose="05000000000000000000" pitchFamily="2" charset="2"/>
+              <a:buChar char="Ø"/>
+            </a:pPr>
+            <a:r>
+              <a:rPr lang="zh-CN" altLang="en-US" sz="1600" dirty="0" smtClean="0"/>
+              <a:t>安装</a:t>
+            </a:r>
+            <a:r>
+              <a:rPr lang="en-US" altLang="zh-CN" sz="1600" dirty="0" err="1" smtClean="0"/>
+              <a:t>mysql</a:t>
+            </a:r>
+            <a:r>
+              <a:rPr lang="zh-CN" altLang="en-US" sz="1600" dirty="0" smtClean="0"/>
+              <a:t>模块</a:t>
+            </a:r>
+            <a:endParaRPr lang="en-US" altLang="zh-CN" sz="1600" dirty="0" smtClean="0"/>
+          </a:p>
+          <a:p>
+            <a:pPr>
+              <a:lnSpc>
+                <a:spcPct val="150000"/>
+              </a:lnSpc>
+              <a:buFont typeface="Wingdings" panose="05000000000000000000" pitchFamily="2" charset="2"/>
+              <a:buChar char="Ø"/>
+            </a:pPr>
+            <a:r>
+              <a:rPr lang="zh-CN" altLang="en-US" sz="1600" dirty="0" smtClean="0"/>
+              <a:t>服务器配置</a:t>
+            </a:r>
+            <a:endParaRPr lang="en-US" altLang="zh-CN" sz="1600" dirty="0" smtClean="0"/>
+          </a:p>
+          <a:p>
+            <a:pPr>
+              <a:lnSpc>
+                <a:spcPct val="150000"/>
+              </a:lnSpc>
+              <a:buFont typeface="Wingdings" panose="05000000000000000000" pitchFamily="2" charset="2"/>
+              <a:buChar char="Ø"/>
+            </a:pPr>
+            <a:r>
+              <a:rPr lang="zh-CN" altLang="en-US" sz="1600" dirty="0" smtClean="0"/>
+              <a:t>启动服务器</a:t>
+            </a:r>
+            <a:endParaRPr lang="en-US" altLang="zh-CN" sz="1600" dirty="0" smtClean="0"/>
+          </a:p>
+          <a:p>
+            <a:pPr>
+              <a:lnSpc>
+                <a:spcPct val="150000"/>
+              </a:lnSpc>
+              <a:buFont typeface="Wingdings" panose="05000000000000000000" pitchFamily="2" charset="2"/>
+              <a:buChar char="Ø"/>
+            </a:pPr>
+            <a:r>
+              <a:rPr lang="zh-CN" altLang="en-US" sz="1600" dirty="0"/>
+              <a:t>发布静态</a:t>
+            </a:r>
+            <a:r>
+              <a:rPr lang="zh-CN" altLang="en-US" sz="1600" dirty="0" smtClean="0"/>
+              <a:t>资源</a:t>
+            </a:r>
+            <a:endParaRPr lang="en-US" altLang="zh-CN" sz="1600" dirty="0" smtClean="0"/>
+          </a:p>
+          <a:p>
+            <a:pPr>
+              <a:lnSpc>
+                <a:spcPct val="150000"/>
+              </a:lnSpc>
+              <a:buFont typeface="Wingdings" panose="05000000000000000000" pitchFamily="2" charset="2"/>
+              <a:buChar char="Ø"/>
+            </a:pPr>
+            <a:r>
+              <a:rPr lang="zh-CN" altLang="en-US" sz="1600" dirty="0" smtClean="0"/>
+              <a:t>连接数据库</a:t>
+            </a:r>
+            <a:endParaRPr lang="en-US" altLang="zh-CN" sz="1600" dirty="0" smtClean="0"/>
+          </a:p>
+          <a:p>
+            <a:pPr>
+              <a:lnSpc>
+                <a:spcPct val="150000"/>
+              </a:lnSpc>
+              <a:buFont typeface="Wingdings" panose="05000000000000000000" pitchFamily="2" charset="2"/>
+              <a:buChar char="Ø"/>
+            </a:pPr>
+            <a:r>
+              <a:rPr lang="zh-CN" altLang="en-US" sz="1600" dirty="0" smtClean="0"/>
+              <a:t>查询航班列表</a:t>
+            </a:r>
+            <a:endParaRPr lang="en-US" altLang="zh-CN" sz="1600" dirty="0" smtClean="0"/>
+          </a:p>
+          <a:p>
+            <a:pPr>
+              <a:lnSpc>
+                <a:spcPct val="150000"/>
+              </a:lnSpc>
+              <a:buFont typeface="Wingdings" panose="05000000000000000000" pitchFamily="2" charset="2"/>
+              <a:buChar char="Ø"/>
+            </a:pPr>
+            <a:r>
+              <a:rPr lang="en-US" altLang="zh-CN" sz="1600" dirty="0" err="1" smtClean="0"/>
+              <a:t>Ejs</a:t>
+            </a:r>
+            <a:r>
+              <a:rPr lang="zh-CN" altLang="en-US" sz="1600" dirty="0" smtClean="0"/>
+              <a:t>模板引擎渲染前端页面</a:t>
+            </a:r>
+            <a:endParaRPr lang="en-US" altLang="zh-CN" sz="1600" dirty="0" smtClean="0"/>
+          </a:p>
+        </p:txBody>
+      </p:sp>
+    </p:spTree>
+    <p:extLst>
+      <p:ext uri="{BB962C8B-B14F-4D97-AF65-F5344CB8AC3E}">
+        <p14:creationId xmlns:p14="http://schemas.microsoft.com/office/powerpoint/2010/main" val="2280608222"/>
+      </p:ext>
+    </p:extLst>
+  </p:cSld>
+  <p:clrMapOvr>
+    <a:masterClrMapping/>
+  </p:clrMapOvr>
+  <p:timing>
+    <p:tnLst>
+      <p:par>
+        <p:cTn id="1" dur="indefinite" restart="never" nodeType="tmRoot"/>
+      </p:par>
+    </p:tnLst>
+  </p:timing>
+</p:sld>
+</file>
+
+<file path=ppt/slides/slide24.xml><?xml version="1.0" encoding="utf-8"?>
+<p:sld xmlns:a="http://schemas.openxmlformats.org/drawingml/2006/main" xmlns:r="http://schemas.openxmlformats.org/officeDocument/2006/relationships" xmlns:p="http://schemas.openxmlformats.org/presentationml/2006/main">
+  <p:cSld>
+    <p:spTree>
+      <p:nvGrpSpPr>
+        <p:cNvPr id="1" name=""/>
+        <p:cNvGrpSpPr/>
+        <p:nvPr/>
+      </p:nvGrpSpPr>
+      <p:grpSpPr>
+        <a:xfrm>
+          <a:off x="0" y="0"/>
+          <a:ext cx="0" cy="0"/>
+          <a:chOff x="0" y="0"/>
+          <a:chExt cx="0" cy="0"/>
+        </a:xfrm>
+      </p:grpSpPr>
+      <p:sp>
+        <p:nvSpPr>
+          <p:cNvPr id="2" name="标题 1"/>
+          <p:cNvSpPr>
+            <a:spLocks noGrp="1"/>
+          </p:cNvSpPr>
+          <p:nvPr>
+            <p:ph type="title"/>
+          </p:nvPr>
+        </p:nvSpPr>
+        <p:spPr/>
+        <p:txBody>
+          <a:bodyPr/>
+          <a:lstStyle/>
+          <a:p>
+            <a:r>
+              <a:rPr lang="en-US" altLang="zh-CN" dirty="0"/>
+              <a:t>Node.js</a:t>
+            </a:r>
+            <a:r>
+              <a:rPr lang="zh-CN" altLang="en-US" dirty="0"/>
+              <a:t>案例：</a:t>
+            </a:r>
+            <a:r>
+              <a:rPr lang="en-US" altLang="zh-CN" dirty="0" err="1"/>
+              <a:t>nodejs</a:t>
+            </a:r>
+            <a:r>
+              <a:rPr lang="zh-CN" altLang="en-US" dirty="0"/>
+              <a:t>中间件</a:t>
+            </a:r>
+          </a:p>
+        </p:txBody>
+      </p:sp>
+      <p:sp>
+        <p:nvSpPr>
+          <p:cNvPr id="3" name="内容占位符 2"/>
+          <p:cNvSpPr>
+            <a:spLocks noGrp="1"/>
+          </p:cNvSpPr>
+          <p:nvPr>
+            <p:ph idx="1"/>
+          </p:nvPr>
+        </p:nvSpPr>
+        <p:spPr/>
+        <p:txBody>
+          <a:bodyPr/>
+          <a:lstStyle/>
+          <a:p>
+            <a:pPr marL="0" indent="0">
+              <a:buNone/>
+            </a:pPr>
+            <a:r>
+              <a:rPr lang="zh-CN" altLang="en-US" sz="2000" b="1" dirty="0" smtClean="0"/>
+              <a:t>前后端分离的优势：</a:t>
+            </a:r>
+            <a:endParaRPr lang="en-US" altLang="zh-CN" sz="2000" b="1" dirty="0" smtClean="0"/>
+          </a:p>
+          <a:p>
+            <a:pPr>
+              <a:lnSpc>
+                <a:spcPct val="150000"/>
+              </a:lnSpc>
+              <a:buFont typeface="Wingdings" panose="05000000000000000000" pitchFamily="2" charset="2"/>
+              <a:buChar char="Ø"/>
+            </a:pPr>
+            <a:r>
+              <a:rPr lang="zh-CN" altLang="en-US" sz="1600" dirty="0" smtClean="0">
+                <a:latin typeface="+mn-ea"/>
+              </a:rPr>
+              <a:t>路由、数据交互、模板渲染由</a:t>
+            </a:r>
+            <a:r>
+              <a:rPr lang="en-US" altLang="zh-CN" sz="1600" dirty="0" smtClean="0">
+                <a:latin typeface="+mn-ea"/>
+              </a:rPr>
+              <a:t>NODE</a:t>
+            </a:r>
+            <a:r>
+              <a:rPr lang="zh-CN" altLang="en-US" sz="1600" dirty="0" smtClean="0">
+                <a:latin typeface="+mn-ea"/>
+              </a:rPr>
+              <a:t>层完成处理</a:t>
+            </a:r>
+            <a:r>
+              <a:rPr lang="en-US" altLang="zh-CN" sz="1600" dirty="0" smtClean="0">
+                <a:latin typeface="+mn-ea"/>
+              </a:rPr>
+              <a:t>,</a:t>
+            </a:r>
+            <a:r>
+              <a:rPr lang="zh-CN" altLang="en-US" sz="1600" dirty="0" smtClean="0">
+                <a:latin typeface="+mn-ea"/>
+              </a:rPr>
+              <a:t>后端只需关心提供</a:t>
+            </a:r>
+            <a:r>
+              <a:rPr lang="en-US" altLang="zh-CN" sz="1600" dirty="0" smtClean="0">
+                <a:latin typeface="+mn-ea"/>
+              </a:rPr>
+              <a:t>JSON</a:t>
+            </a:r>
+            <a:r>
+              <a:rPr lang="zh-CN" altLang="en-US" sz="1600" dirty="0" smtClean="0">
+                <a:latin typeface="+mn-ea"/>
+              </a:rPr>
+              <a:t>的</a:t>
+            </a:r>
+            <a:r>
+              <a:rPr lang="en-US" altLang="zh-CN" sz="1600" dirty="0" smtClean="0">
+                <a:latin typeface="+mn-ea"/>
+              </a:rPr>
+              <a:t>API</a:t>
+            </a:r>
+            <a:endParaRPr lang="en-US" altLang="zh-CN" sz="1600" dirty="0">
+              <a:latin typeface="+mn-ea"/>
+            </a:endParaRPr>
+          </a:p>
+          <a:p>
+            <a:pPr>
+              <a:lnSpc>
+                <a:spcPct val="150000"/>
+              </a:lnSpc>
+              <a:buFont typeface="Wingdings" panose="05000000000000000000" pitchFamily="2" charset="2"/>
+              <a:buChar char="Ø"/>
+            </a:pPr>
+            <a:r>
+              <a:rPr lang="zh-CN" altLang="en-US" sz="1600" dirty="0" smtClean="0">
+                <a:latin typeface="+mn-ea"/>
+              </a:rPr>
+              <a:t>解决前端浏览器渲染页面的性能瓶颈问题，减少首屏加载时间</a:t>
+            </a:r>
+            <a:endParaRPr lang="en-US" altLang="zh-CN" sz="1600" dirty="0" smtClean="0">
+              <a:latin typeface="+mn-ea"/>
+            </a:endParaRPr>
+          </a:p>
+          <a:p>
+            <a:pPr>
+              <a:lnSpc>
+                <a:spcPct val="150000"/>
+              </a:lnSpc>
+              <a:buFont typeface="Wingdings" panose="05000000000000000000" pitchFamily="2" charset="2"/>
+              <a:buChar char="Ø"/>
+            </a:pPr>
+            <a:r>
+              <a:rPr lang="en-US" altLang="zh-CN" sz="1600" dirty="0" smtClean="0">
+                <a:latin typeface="+mn-ea"/>
+              </a:rPr>
+              <a:t>Node</a:t>
+            </a:r>
+            <a:r>
+              <a:rPr lang="zh-CN" altLang="en-US" sz="1600" dirty="0" smtClean="0">
+                <a:latin typeface="+mn-ea"/>
+              </a:rPr>
+              <a:t>服务端与页面在同一域名下减少跨域出现的情况</a:t>
+            </a:r>
+            <a:endParaRPr lang="en-US" altLang="zh-CN" sz="1600" dirty="0" smtClean="0">
+              <a:latin typeface="+mn-ea"/>
+            </a:endParaRPr>
+          </a:p>
+          <a:p>
+            <a:pPr>
+              <a:lnSpc>
+                <a:spcPct val="150000"/>
+              </a:lnSpc>
+              <a:buFont typeface="Wingdings" panose="05000000000000000000" pitchFamily="2" charset="2"/>
+              <a:buChar char="Ø"/>
+            </a:pPr>
+            <a:r>
+              <a:rPr lang="en-US" altLang="zh-CN" sz="1600" dirty="0" smtClean="0">
+                <a:latin typeface="+mn-ea"/>
+              </a:rPr>
+              <a:t>Node</a:t>
+            </a:r>
+            <a:r>
+              <a:rPr lang="zh-CN" altLang="en-US" sz="1600" dirty="0" smtClean="0">
+                <a:latin typeface="+mn-ea"/>
+              </a:rPr>
+              <a:t>服务端与前端都由</a:t>
+            </a:r>
+            <a:r>
+              <a:rPr lang="en-US" altLang="zh-CN" sz="1600" dirty="0" err="1" smtClean="0">
+                <a:latin typeface="+mn-ea"/>
+              </a:rPr>
+              <a:t>javascript</a:t>
+            </a:r>
+            <a:r>
+              <a:rPr lang="zh-CN" altLang="en-US" sz="1600" dirty="0" smtClean="0">
+                <a:latin typeface="+mn-ea"/>
+              </a:rPr>
+              <a:t>开发便于前端人员开发、优化</a:t>
+            </a:r>
+            <a:endParaRPr lang="en-US" altLang="zh-CN" sz="1600" dirty="0" smtClean="0">
+              <a:latin typeface="+mn-ea"/>
+            </a:endParaRPr>
           </a:p>
         </p:txBody>
       </p:sp>
@@ -11762,7 +12158,7 @@
         <a:font script="Geor" typeface="Sylfaen"/>
       </a:minorFont>
     </a:fontScheme>
-    <a:fmtScheme name="镶边">
+    <a:fmtScheme name="行云流水">
       <a:fillStyleLst>
         <a:solidFill>
           <a:schemeClr val="phClr"/>
@@ -11771,63 +12167,56 @@
           <a:gsLst>
             <a:gs pos="0">
               <a:schemeClr val="phClr">
-                <a:tint val="65000"/>
-                <a:satMod val="120000"/>
-                <a:lumMod val="107000"/>
+                <a:tint val="90000"/>
+                <a:satMod val="130000"/>
               </a:schemeClr>
             </a:gs>
             <a:gs pos="50000">
               <a:schemeClr val="phClr">
-                <a:tint val="70000"/>
-                <a:satMod val="124000"/>
-                <a:lumMod val="103000"/>
+                <a:tint val="45000"/>
+                <a:satMod val="220000"/>
               </a:schemeClr>
             </a:gs>
             <a:gs pos="100000">
               <a:schemeClr val="phClr">
-                <a:tint val="85000"/>
-                <a:satMod val="120000"/>
-                <a:lumMod val="100000"/>
+                <a:tint val="90000"/>
+                <a:satMod val="130000"/>
               </a:schemeClr>
             </a:gs>
           </a:gsLst>
-          <a:lin ang="5400000" scaled="0"/>
+          <a:lin ang="5400000" scaled="1"/>
         </a:gradFill>
         <a:gradFill rotWithShape="1">
           <a:gsLst>
             <a:gs pos="0">
               <a:schemeClr val="phClr">
-                <a:tint val="85000"/>
-                <a:shade val="98000"/>
-                <a:satMod val="110000"/>
-                <a:lumMod val="103000"/>
+                <a:tint val="100000"/>
+                <a:shade val="90000"/>
+                <a:hueMod val="100000"/>
+                <a:satMod val="200000"/>
               </a:schemeClr>
             </a:gs>
             <a:gs pos="50000">
               <a:schemeClr val="phClr">
-                <a:shade val="85000"/>
-                <a:satMod val="105000"/>
-                <a:lumMod val="100000"/>
+                <a:tint val="100000"/>
+                <a:shade val="60000"/>
+                <a:hueMod val="100000"/>
+                <a:satMod val="180000"/>
               </a:schemeClr>
             </a:gs>
             <a:gs pos="100000">
               <a:schemeClr val="phClr">
-                <a:shade val="60000"/>
-                <a:satMod val="120000"/>
-                <a:lumMod val="100000"/>
+                <a:tint val="100000"/>
+                <a:shade val="90000"/>
+                <a:hueMod val="100000"/>
+                <a:satMod val="200000"/>
               </a:schemeClr>
             </a:gs>
           </a:gsLst>
-          <a:lin ang="5400000" scaled="0"/>
+          <a:lin ang="5400000" scaled="1"/>
         </a:gradFill>
       </a:fillStyleLst>
       <a:lnStyleLst>
-        <a:ln w="9525" cap="flat" cmpd="sng" algn="ctr">
-          <a:solidFill>
-            <a:schemeClr val="phClr"/>
-          </a:solidFill>
-          <a:prstDash val="solid"/>
-        </a:ln>
         <a:ln w="12700" cap="flat" cmpd="sng" algn="ctr">
           <a:solidFill>
             <a:schemeClr val="phClr"/>
@@ -11840,28 +12229,66 @@
           </a:solidFill>
           <a:prstDash val="solid"/>
         </a:ln>
+        <a:ln w="38100" cap="flat" cmpd="dbl" algn="ctr">
+          <a:solidFill>
+            <a:schemeClr val="phClr"/>
+          </a:solidFill>
+          <a:prstDash val="solid"/>
+        </a:ln>
       </a:lnStyleLst>
       <a:effectStyleLst>
         <a:effectStyle>
-          <a:effectLst/>
-        </a:effectStyle>
-        <a:effectStyle>
           <a:effectLst>
-            <a:outerShdw blurRad="50800" dist="15875" dir="5400000" algn="ctr" rotWithShape="0">
-              <a:srgbClr val="000000">
-                <a:alpha val="68000"/>
-              </a:srgbClr>
-            </a:outerShdw>
+            <a:glow rad="50600">
+              <a:schemeClr val="phClr">
+                <a:alpha val="40000"/>
+              </a:schemeClr>
+            </a:glow>
           </a:effectLst>
         </a:effectStyle>
         <a:effectStyle>
           <a:effectLst>
-            <a:outerShdw blurRad="88900" dist="27940" dir="5400000" algn="ctr" rotWithShape="0">
-              <a:srgbClr val="000000">
-                <a:alpha val="63000"/>
-              </a:srgbClr>
-            </a:outerShdw>
+            <a:glow rad="101600">
+              <a:schemeClr val="phClr">
+                <a:alpha val="60000"/>
+              </a:schemeClr>
+            </a:glow>
           </a:effectLst>
+          <a:scene3d>
+            <a:camera prst="isometricLeftDown" fov="0">
+              <a:rot lat="0" lon="0" rev="0"/>
+            </a:camera>
+            <a:lightRig rig="harsh" dir="tl">
+              <a:rot lat="0" lon="0" rev="14280000"/>
+            </a:lightRig>
+          </a:scene3d>
+          <a:sp3d prstMaterial="flat">
+            <a:bevelT w="38100" h="50800" prst="softRound"/>
+          </a:sp3d>
+        </a:effectStyle>
+        <a:effectStyle>
+          <a:effectLst>
+            <a:glow>
+              <a:schemeClr val="phClr"/>
+            </a:glow>
+          </a:effectLst>
+          <a:scene3d>
+            <a:camera prst="isometricLeftDown">
+              <a:rot lat="0" lon="0" rev="0"/>
+            </a:camera>
+            <a:lightRig rig="harsh" dir="tl">
+              <a:rot lat="0" lon="0" rev="14280000"/>
+            </a:lightRig>
+          </a:scene3d>
+          <a:sp3d extrusionH="63500" contourW="38100" prstMaterial="flat">
+            <a:bevelT w="50800" h="63500" prst="softRound"/>
+            <a:contourClr>
+              <a:schemeClr val="phClr">
+                <a:tint val="5"/>
+                <a:satMod val="130000"/>
+              </a:schemeClr>
+            </a:contourClr>
+          </a:sp3d>
         </a:effectStyle>
       </a:effectStyleLst>
       <a:bgFillStyleLst>
@@ -11905,7 +12332,7 @@
   <a:extraClrSchemeLst/>
   <a:extLst>
     <a:ext uri="{05A4C25C-085E-4340-85A3-A5531E510DB2}">
-      <thm15:themeFamily xmlns:thm15="http://schemas.microsoft.com/office/thememl/2012/main" name="Banded" id="{98DFF888-2449-4D28-977C-6306C017633E}" vid="{9792607F-9579-4224-82FF-9C88C3E1E53D}"/>
+      <thm15:themeFamily xmlns="" xmlns:thm15="http://schemas.microsoft.com/office/thememl/2012/main" name="Banded" id="{98DFF888-2449-4D28-977C-6306C017633E}" vid="{9792607F-9579-4224-82FF-9C88C3E1E53D}"/>
     </a:ext>
   </a:extLst>
 </a:theme>

--- a/mix/技术分享/NODE技术分享.pptx
+++ b/mix/技术分享/NODE技术分享.pptx
@@ -7,16 +7,16 @@
   <p:sldIdLst>
     <p:sldId id="271" r:id="rId2"/>
     <p:sldId id="279" r:id="rId3"/>
-    <p:sldId id="272" r:id="rId4"/>
-    <p:sldId id="280" r:id="rId5"/>
-    <p:sldId id="273" r:id="rId6"/>
-    <p:sldId id="275" r:id="rId7"/>
-    <p:sldId id="276" r:id="rId8"/>
+    <p:sldId id="280" r:id="rId4"/>
+    <p:sldId id="273" r:id="rId5"/>
+    <p:sldId id="275" r:id="rId6"/>
+    <p:sldId id="276" r:id="rId7"/>
+    <p:sldId id="289" r:id="rId8"/>
     <p:sldId id="277" r:id="rId9"/>
     <p:sldId id="274" r:id="rId10"/>
-    <p:sldId id="278" r:id="rId11"/>
+    <p:sldId id="282" r:id="rId11"/>
     <p:sldId id="281" r:id="rId12"/>
-    <p:sldId id="282" r:id="rId13"/>
+    <p:sldId id="278" r:id="rId13"/>
     <p:sldId id="283" r:id="rId14"/>
     <p:sldId id="259" r:id="rId15"/>
     <p:sldId id="261" r:id="rId16"/>
@@ -25,10 +25,12 @@
     <p:sldId id="264" r:id="rId19"/>
     <p:sldId id="265" r:id="rId20"/>
     <p:sldId id="266" r:id="rId21"/>
-    <p:sldId id="287" r:id="rId22"/>
-    <p:sldId id="284" r:id="rId23"/>
-    <p:sldId id="285" r:id="rId24"/>
-    <p:sldId id="286" r:id="rId25"/>
+    <p:sldId id="290" r:id="rId22"/>
+    <p:sldId id="291" r:id="rId23"/>
+    <p:sldId id="287" r:id="rId24"/>
+    <p:sldId id="284" r:id="rId25"/>
+    <p:sldId id="285" r:id="rId26"/>
+    <p:sldId id="286" r:id="rId27"/>
   </p:sldIdLst>
   <p:sldSz cx="9144000" cy="6858000" type="screen4x3"/>
   <p:notesSz cx="6858000" cy="9144000"/>
@@ -129,7 +131,7 @@
   </p:defaultTextStyle>
   <p:extLst>
     <p:ext uri="{EFAFB233-063F-42B5-8137-9DF3F51BA10A}">
-      <p15:sldGuideLst xmlns="" xmlns:p15="http://schemas.microsoft.com/office/powerpoint/2012/main">
+      <p15:sldGuideLst xmlns:p15="http://schemas.microsoft.com/office/powerpoint/2012/main">
         <p15:guide id="1" orient="horz" pos="2160">
           <p15:clr>
             <a:srgbClr val="A4A3A4"/>
@@ -4084,7 +4086,7 @@
           <a:p>
             <a:fld id="{530820CF-B880-4189-942D-D702A7CBA730}" type="datetimeFigureOut">
               <a:rPr lang="zh-CN" altLang="en-US" smtClean="0"/>
-              <a:t>2016/10/28</a:t>
+              <a:t>2016/11/11</a:t>
             </a:fld>
             <a:endParaRPr lang="zh-CN" altLang="en-US"/>
           </a:p>
@@ -4254,7 +4256,7 @@
           <a:p>
             <a:fld id="{530820CF-B880-4189-942D-D702A7CBA730}" type="datetimeFigureOut">
               <a:rPr lang="zh-CN" altLang="en-US" smtClean="0"/>
-              <a:t>2016/10/28</a:t>
+              <a:t>2016/11/11</a:t>
             </a:fld>
             <a:endParaRPr lang="zh-CN" altLang="en-US"/>
           </a:p>
@@ -4477,7 +4479,7 @@
           <a:p>
             <a:fld id="{530820CF-B880-4189-942D-D702A7CBA730}" type="datetimeFigureOut">
               <a:rPr lang="zh-CN" altLang="en-US" smtClean="0"/>
-              <a:t>2016/10/28</a:t>
+              <a:t>2016/11/11</a:t>
             </a:fld>
             <a:endParaRPr lang="zh-CN" altLang="en-US"/>
           </a:p>
@@ -4657,7 +4659,7 @@
           <a:p>
             <a:fld id="{530820CF-B880-4189-942D-D702A7CBA730}" type="datetimeFigureOut">
               <a:rPr lang="zh-CN" altLang="en-US" smtClean="0"/>
-              <a:t>2016/10/28</a:t>
+              <a:t>2016/11/11</a:t>
             </a:fld>
             <a:endParaRPr lang="zh-CN" altLang="en-US"/>
           </a:p>
@@ -4963,7 +4965,7 @@
           <a:p>
             <a:fld id="{530820CF-B880-4189-942D-D702A7CBA730}" type="datetimeFigureOut">
               <a:rPr lang="zh-CN" altLang="en-US" smtClean="0"/>
-              <a:t>2016/10/28</a:t>
+              <a:t>2016/11/11</a:t>
             </a:fld>
             <a:endParaRPr lang="zh-CN" altLang="en-US"/>
           </a:p>
@@ -5267,7 +5269,7 @@
           <a:p>
             <a:fld id="{530820CF-B880-4189-942D-D702A7CBA730}" type="datetimeFigureOut">
               <a:rPr lang="zh-CN" altLang="en-US" smtClean="0"/>
-              <a:t>2016/10/28</a:t>
+              <a:t>2016/11/11</a:t>
             </a:fld>
             <a:endParaRPr lang="zh-CN" altLang="en-US"/>
           </a:p>
@@ -5689,7 +5691,7 @@
           <a:p>
             <a:fld id="{530820CF-B880-4189-942D-D702A7CBA730}" type="datetimeFigureOut">
               <a:rPr lang="zh-CN" altLang="en-US" smtClean="0"/>
-              <a:t>2016/10/28</a:t>
+              <a:t>2016/11/11</a:t>
             </a:fld>
             <a:endParaRPr lang="zh-CN" altLang="en-US"/>
           </a:p>
@@ -5807,7 +5809,7 @@
           <a:p>
             <a:fld id="{530820CF-B880-4189-942D-D702A7CBA730}" type="datetimeFigureOut">
               <a:rPr lang="zh-CN" altLang="en-US" smtClean="0"/>
-              <a:t>2016/10/28</a:t>
+              <a:t>2016/11/11</a:t>
             </a:fld>
             <a:endParaRPr lang="zh-CN" altLang="en-US"/>
           </a:p>
@@ -5902,7 +5904,7 @@
           <a:p>
             <a:fld id="{530820CF-B880-4189-942D-D702A7CBA730}" type="datetimeFigureOut">
               <a:rPr lang="zh-CN" altLang="en-US" smtClean="0"/>
-              <a:t>2016/10/28</a:t>
+              <a:t>2016/11/11</a:t>
             </a:fld>
             <a:endParaRPr lang="zh-CN" altLang="en-US"/>
           </a:p>
@@ -6175,7 +6177,7 @@
           <a:p>
             <a:fld id="{530820CF-B880-4189-942D-D702A7CBA730}" type="datetimeFigureOut">
               <a:rPr lang="zh-CN" altLang="en-US" smtClean="0"/>
-              <a:t>2016/10/28</a:t>
+              <a:t>2016/11/11</a:t>
             </a:fld>
             <a:endParaRPr lang="zh-CN" altLang="en-US"/>
           </a:p>
@@ -6440,7 +6442,7 @@
           <a:p>
             <a:fld id="{530820CF-B880-4189-942D-D702A7CBA730}" type="datetimeFigureOut">
               <a:rPr lang="zh-CN" altLang="en-US" smtClean="0"/>
-              <a:t>2016/10/28</a:t>
+              <a:t>2016/11/11</a:t>
             </a:fld>
             <a:endParaRPr lang="zh-CN" altLang="en-US"/>
           </a:p>
@@ -6689,7 +6691,7 @@
           <a:p>
             <a:fld id="{530820CF-B880-4189-942D-D702A7CBA730}" type="datetimeFigureOut">
               <a:rPr lang="zh-CN" altLang="en-US" smtClean="0"/>
-              <a:t>2016/10/28</a:t>
+              <a:t>2016/11/11</a:t>
             </a:fld>
             <a:endParaRPr lang="zh-CN" altLang="en-US"/>
           </a:p>
@@ -7260,7 +7262,7 @@
         <p:spPr/>
         <p:txBody>
           <a:bodyPr>
-            <a:normAutofit fontScale="85000" lnSpcReduction="20000"/>
+            <a:normAutofit fontScale="92500" lnSpcReduction="10000"/>
           </a:bodyPr>
           <a:lstStyle/>
           <a:p>
@@ -7275,21 +7277,6 @@
             <a:r>
               <a:rPr lang="zh-CN" altLang="en-US" dirty="0" smtClean="0"/>
               <a:t>基本概念</a:t>
-            </a:r>
-            <a:endParaRPr lang="en-US" altLang="zh-CN" dirty="0" smtClean="0"/>
-          </a:p>
-          <a:p>
-            <a:pPr>
-              <a:buFont typeface="Wingdings" panose="05000000000000000000" pitchFamily="2" charset="2"/>
-              <a:buChar char="Ø"/>
-            </a:pPr>
-            <a:r>
-              <a:rPr lang="en-US" altLang="zh-CN" dirty="0" smtClean="0"/>
-              <a:t>Node.js</a:t>
-            </a:r>
-            <a:r>
-              <a:rPr lang="zh-CN" altLang="en-US" dirty="0" smtClean="0"/>
-              <a:t>应用基本构成</a:t>
             </a:r>
             <a:endParaRPr lang="en-US" altLang="zh-CN" dirty="0" smtClean="0"/>
           </a:p>
@@ -7486,12 +7473,12 @@
           <a:lstStyle/>
           <a:p>
             <a:r>
+              <a:rPr lang="en-US" altLang="zh-CN" dirty="0" smtClean="0"/>
+              <a:t>Node.js web</a:t>
+            </a:r>
+            <a:r>
               <a:rPr lang="zh-CN" altLang="en-US" dirty="0" smtClean="0"/>
-              <a:t>文件流</a:t>
-            </a:r>
-            <a:r>
-              <a:rPr lang="en-US" altLang="zh-CN" dirty="0" smtClean="0"/>
-              <a:t>:stream</a:t>
+              <a:t>模块</a:t>
             </a:r>
             <a:endParaRPr lang="zh-CN" altLang="en-US" dirty="0"/>
           </a:p>
@@ -7509,217 +7496,99 @@
         </p:nvSpPr>
         <p:spPr/>
         <p:txBody>
-          <a:bodyPr>
-            <a:noAutofit/>
-          </a:bodyPr>
+          <a:bodyPr/>
           <a:lstStyle/>
           <a:p>
             <a:pPr>
-              <a:lnSpc>
-                <a:spcPct val="150000"/>
-              </a:lnSpc>
               <a:buFont typeface="Wingdings" panose="05000000000000000000" pitchFamily="2" charset="2"/>
               <a:buChar char="Ø"/>
             </a:pPr>
             <a:r>
-              <a:rPr lang="en-US" altLang="zh-CN" sz="1600" dirty="0" smtClean="0"/>
-              <a:t>Stream</a:t>
-            </a:r>
-            <a:r>
-              <a:rPr lang="zh-CN" altLang="en-US" sz="1600" dirty="0" smtClean="0"/>
-              <a:t>流：</a:t>
-            </a:r>
-            <a:endParaRPr lang="en-US" altLang="zh-CN" sz="1600" dirty="0"/>
-          </a:p>
-          <a:p>
-            <a:pPr marL="1398900" lvl="5" indent="-342900">
-              <a:lnSpc>
-                <a:spcPct val="150000"/>
-              </a:lnSpc>
-              <a:buFont typeface="+mj-lt"/>
-              <a:buAutoNum type="arabicPeriod"/>
-            </a:pPr>
-            <a:r>
-              <a:rPr lang="zh-CN" altLang="en-US" dirty="0"/>
-              <a:t>类型：</a:t>
-            </a:r>
-            <a:r>
-              <a:rPr lang="en-US" altLang="zh-CN" dirty="0"/>
-              <a:t> </a:t>
-            </a:r>
-            <a:r>
-              <a:rPr lang="en-US" altLang="zh-CN" dirty="0" err="1"/>
-              <a:t>readable,writable,duplex,transform</a:t>
-            </a:r>
-            <a:endParaRPr lang="en-US" altLang="zh-CN" dirty="0"/>
-          </a:p>
-          <a:p>
-            <a:pPr marL="1398900" lvl="5" indent="-342900">
-              <a:lnSpc>
-                <a:spcPct val="150000"/>
-              </a:lnSpc>
-              <a:buFont typeface="+mj-lt"/>
-              <a:buAutoNum type="arabicPeriod"/>
-            </a:pPr>
-            <a:r>
-              <a:rPr lang="zh-CN" altLang="en-US" dirty="0"/>
-              <a:t>事件：</a:t>
-            </a:r>
-            <a:r>
-              <a:rPr lang="en-US" altLang="zh-CN" dirty="0" err="1" smtClean="0"/>
-              <a:t>data,end,finish,error</a:t>
+              <a:rPr lang="zh-CN" altLang="en-US" dirty="0" smtClean="0"/>
+              <a:t>创建</a:t>
+            </a:r>
+            <a:r>
+              <a:rPr lang="en-US" altLang="zh-CN" dirty="0" smtClean="0"/>
+              <a:t>web</a:t>
+            </a:r>
+            <a:r>
+              <a:rPr lang="zh-CN" altLang="en-US" dirty="0" smtClean="0"/>
+              <a:t>服务器：</a:t>
+            </a:r>
+            <a:r>
+              <a:rPr lang="en-US" altLang="zh-CN" dirty="0" smtClean="0"/>
+              <a:t>http</a:t>
+            </a:r>
+            <a:r>
+              <a:rPr lang="zh-CN" altLang="en-US" dirty="0" smtClean="0"/>
+              <a:t>模块</a:t>
             </a:r>
             <a:endParaRPr lang="en-US" altLang="zh-CN" dirty="0" smtClean="0"/>
           </a:p>
           <a:p>
-            <a:pPr marL="1398900" lvl="5" indent="-342900">
-              <a:lnSpc>
-                <a:spcPct val="150000"/>
-              </a:lnSpc>
-              <a:buFont typeface="+mj-lt"/>
-              <a:buAutoNum type="arabicPeriod"/>
-            </a:pPr>
-            <a:r>
-              <a:rPr lang="zh-CN" altLang="en-US" dirty="0" smtClean="0"/>
-              <a:t>举例：</a:t>
-            </a:r>
-            <a:r>
-              <a:rPr lang="en-US" altLang="zh-CN" dirty="0" err="1" smtClean="0"/>
-              <a:t>fs.creatReadStream,fs.createWriteStream</a:t>
-            </a:r>
-            <a:endParaRPr lang="en-US" altLang="zh-CN" dirty="0"/>
-          </a:p>
-          <a:p>
             <a:pPr>
-              <a:lnSpc>
-                <a:spcPct val="150000"/>
-              </a:lnSpc>
               <a:buFont typeface="Wingdings" panose="05000000000000000000" pitchFamily="2" charset="2"/>
               <a:buChar char="Ø"/>
             </a:pPr>
             <a:r>
-              <a:rPr lang="zh-CN" altLang="en-US" sz="1600" dirty="0" smtClean="0"/>
-              <a:t>管道流：用于从一个流中获取数据并将数据传递到另外一个流中</a:t>
-            </a:r>
-            <a:r>
-              <a:rPr lang="en-US" altLang="zh-CN" sz="1600" dirty="0" smtClean="0"/>
-              <a:t>    </a:t>
-            </a:r>
-            <a:r>
-              <a:rPr lang="zh-CN" altLang="en-US" sz="1600" dirty="0" smtClean="0"/>
-              <a:t>。</a:t>
-            </a:r>
-            <a:endParaRPr lang="en-US" altLang="zh-CN" sz="1600" dirty="0"/>
-          </a:p>
-          <a:p>
-            <a:pPr marL="1398900" lvl="5" indent="-342900">
-              <a:lnSpc>
-                <a:spcPct val="150000"/>
-              </a:lnSpc>
-              <a:buFont typeface="+mj-lt"/>
-              <a:buAutoNum type="arabicPeriod"/>
-            </a:pPr>
+              <a:rPr lang="zh-CN" altLang="en-US" dirty="0" smtClean="0"/>
+              <a:t>获取请求</a:t>
+            </a:r>
             <a:r>
               <a:rPr lang="en-US" altLang="zh-CN" dirty="0" smtClean="0"/>
-              <a:t>pipe</a:t>
+              <a:t>URL</a:t>
             </a:r>
             <a:r>
               <a:rPr lang="zh-CN" altLang="en-US" dirty="0" smtClean="0"/>
-              <a:t>：</a:t>
+              <a:t>及</a:t>
             </a:r>
             <a:r>
               <a:rPr lang="en-US" altLang="zh-CN" dirty="0" smtClean="0"/>
-              <a:t> </a:t>
-            </a:r>
-            <a:r>
-              <a:rPr lang="en-US" altLang="zh-CN" dirty="0" err="1"/>
-              <a:t>readStream.pipe</a:t>
-            </a:r>
-            <a:r>
-              <a:rPr lang="en-US" altLang="zh-CN" dirty="0"/>
-              <a:t>(</a:t>
-            </a:r>
-            <a:r>
-              <a:rPr lang="en-US" altLang="zh-CN" dirty="0" err="1"/>
-              <a:t>writeStream</a:t>
-            </a:r>
-            <a:r>
-              <a:rPr lang="en-US" altLang="zh-CN" dirty="0" smtClean="0"/>
-              <a:t>)</a:t>
-            </a:r>
-          </a:p>
-          <a:p>
-            <a:pPr marL="1398900" lvl="5" indent="-342900">
-              <a:lnSpc>
-                <a:spcPct val="150000"/>
-              </a:lnSpc>
-              <a:buFont typeface="+mj-lt"/>
-              <a:buAutoNum type="arabicPeriod"/>
-            </a:pPr>
+              <a:t>POST/GET</a:t>
+            </a:r>
             <a:r>
               <a:rPr lang="zh-CN" altLang="en-US" dirty="0" smtClean="0"/>
-              <a:t>举例：文件复制</a:t>
+              <a:t>参数：</a:t>
+            </a:r>
+            <a:r>
+              <a:rPr lang="en-US" altLang="zh-CN" dirty="0" err="1" smtClean="0"/>
+              <a:t>url</a:t>
+            </a:r>
+            <a:r>
+              <a:rPr lang="zh-CN" altLang="en-US" dirty="0" smtClean="0"/>
+              <a:t>、</a:t>
+            </a:r>
+            <a:r>
+              <a:rPr lang="en-US" altLang="zh-CN" dirty="0" err="1" smtClean="0"/>
+              <a:t>querystring</a:t>
+            </a:r>
+            <a:r>
+              <a:rPr lang="zh-CN" altLang="en-US" dirty="0" smtClean="0"/>
+              <a:t>模块</a:t>
             </a:r>
             <a:endParaRPr lang="en-US" altLang="zh-CN" dirty="0" smtClean="0"/>
           </a:p>
           <a:p>
             <a:pPr>
-              <a:lnSpc>
-                <a:spcPct val="150000"/>
-              </a:lnSpc>
               <a:buFont typeface="Wingdings" panose="05000000000000000000" pitchFamily="2" charset="2"/>
               <a:buChar char="Ø"/>
             </a:pPr>
             <a:r>
-              <a:rPr lang="zh-CN" altLang="en-US" sz="1600" dirty="0" smtClean="0"/>
-              <a:t>链式</a:t>
-            </a:r>
-            <a:r>
-              <a:rPr lang="zh-CN" altLang="en-US" sz="1600" dirty="0"/>
-              <a:t>流：</a:t>
-            </a:r>
-            <a:r>
-              <a:rPr lang="zh-CN" altLang="en-US" sz="1600" dirty="0" smtClean="0"/>
-              <a:t>链式流是</a:t>
-            </a:r>
-            <a:r>
-              <a:rPr lang="zh-CN" altLang="en-US" sz="1600" dirty="0"/>
-              <a:t>通过连接输出流到另外一个流并创建多</a:t>
-            </a:r>
-            <a:r>
-              <a:rPr lang="zh-CN" altLang="en-US" sz="1600" dirty="0" smtClean="0"/>
-              <a:t>个对流操作的</a:t>
-            </a:r>
-            <a:r>
-              <a:rPr lang="zh-CN" altLang="en-US" sz="1600" dirty="0"/>
-              <a:t>机制，链式流一般用于管道</a:t>
-            </a:r>
-            <a:r>
-              <a:rPr lang="zh-CN" altLang="en-US" sz="1600" dirty="0" smtClean="0"/>
-              <a:t>操作</a:t>
-            </a:r>
-            <a:endParaRPr lang="en-US" altLang="zh-CN" sz="1600" dirty="0" smtClean="0"/>
-          </a:p>
-          <a:p>
-            <a:pPr marL="1398900" lvl="5" indent="-342900">
-              <a:lnSpc>
-                <a:spcPct val="150000"/>
-              </a:lnSpc>
-              <a:buFont typeface="+mj-lt"/>
-              <a:buAutoNum type="arabicPeriod"/>
-            </a:pPr>
-            <a:r>
               <a:rPr lang="zh-CN" altLang="en-US" dirty="0" smtClean="0"/>
-              <a:t>举例：文件解压</a:t>
-            </a:r>
-            <a:endParaRPr lang="en-US" altLang="zh-CN" dirty="0" smtClean="0"/>
+              <a:t>响应：</a:t>
+            </a:r>
+            <a:r>
+              <a:rPr lang="en-US" altLang="zh-CN" dirty="0" smtClean="0"/>
+              <a:t>response</a:t>
+            </a:r>
+            <a:endParaRPr lang="zh-CN" altLang="en-US" dirty="0"/>
           </a:p>
         </p:txBody>
       </p:sp>
     </p:spTree>
     <p:extLst>
       <p:ext uri="{BB962C8B-B14F-4D97-AF65-F5344CB8AC3E}">
-        <p14:creationId xmlns:p14="http://schemas.microsoft.com/office/powerpoint/2010/main" val="2212173609"/>
+        <p14:creationId xmlns:p14="http://schemas.microsoft.com/office/powerpoint/2010/main" val="3180335252"/>
       </p:ext>
     </p:extLst>
   </p:cSld>
@@ -7931,12 +7800,12 @@
           <a:lstStyle/>
           <a:p>
             <a:r>
+              <a:rPr lang="zh-CN" altLang="en-US" dirty="0" smtClean="0"/>
+              <a:t>文件流</a:t>
+            </a:r>
+            <a:r>
               <a:rPr lang="en-US" altLang="zh-CN" dirty="0" smtClean="0"/>
-              <a:t>Node.js web</a:t>
-            </a:r>
-            <a:r>
-              <a:rPr lang="zh-CN" altLang="en-US" dirty="0" smtClean="0"/>
-              <a:t>模块</a:t>
+              <a:t>:stream</a:t>
             </a:r>
             <a:endParaRPr lang="zh-CN" altLang="en-US" dirty="0"/>
           </a:p>
@@ -7954,99 +7823,217 @@
         </p:nvSpPr>
         <p:spPr/>
         <p:txBody>
-          <a:bodyPr/>
+          <a:bodyPr>
+            <a:noAutofit/>
+          </a:bodyPr>
           <a:lstStyle/>
           <a:p>
             <a:pPr>
+              <a:lnSpc>
+                <a:spcPct val="150000"/>
+              </a:lnSpc>
               <a:buFont typeface="Wingdings" panose="05000000000000000000" pitchFamily="2" charset="2"/>
               <a:buChar char="Ø"/>
             </a:pPr>
             <a:r>
+              <a:rPr lang="en-US" altLang="zh-CN" sz="1600" dirty="0" smtClean="0"/>
+              <a:t>Stream</a:t>
+            </a:r>
+            <a:r>
+              <a:rPr lang="zh-CN" altLang="en-US" sz="1600" dirty="0" smtClean="0"/>
+              <a:t>流：</a:t>
+            </a:r>
+            <a:endParaRPr lang="en-US" altLang="zh-CN" sz="1600" dirty="0"/>
+          </a:p>
+          <a:p>
+            <a:pPr marL="1398900" lvl="5" indent="-342900">
+              <a:lnSpc>
+                <a:spcPct val="150000"/>
+              </a:lnSpc>
+              <a:buFont typeface="+mj-lt"/>
+              <a:buAutoNum type="arabicPeriod"/>
+            </a:pPr>
+            <a:r>
+              <a:rPr lang="zh-CN" altLang="en-US" dirty="0"/>
+              <a:t>类型：</a:t>
+            </a:r>
+            <a:r>
+              <a:rPr lang="en-US" altLang="zh-CN" dirty="0"/>
+              <a:t> </a:t>
+            </a:r>
+            <a:r>
+              <a:rPr lang="en-US" altLang="zh-CN" dirty="0" err="1"/>
+              <a:t>readable,writable,duplex,transform</a:t>
+            </a:r>
+            <a:endParaRPr lang="en-US" altLang="zh-CN" dirty="0"/>
+          </a:p>
+          <a:p>
+            <a:pPr marL="1398900" lvl="5" indent="-342900">
+              <a:lnSpc>
+                <a:spcPct val="150000"/>
+              </a:lnSpc>
+              <a:buFont typeface="+mj-lt"/>
+              <a:buAutoNum type="arabicPeriod"/>
+            </a:pPr>
+            <a:r>
+              <a:rPr lang="zh-CN" altLang="en-US" dirty="0"/>
+              <a:t>事件：</a:t>
+            </a:r>
+            <a:r>
+              <a:rPr lang="en-US" altLang="zh-CN" dirty="0" err="1" smtClean="0"/>
+              <a:t>data,end,finish,error</a:t>
+            </a:r>
+            <a:endParaRPr lang="en-US" altLang="zh-CN" dirty="0" smtClean="0"/>
+          </a:p>
+          <a:p>
+            <a:pPr marL="1398900" lvl="5" indent="-342900">
+              <a:lnSpc>
+                <a:spcPct val="150000"/>
+              </a:lnSpc>
+              <a:buFont typeface="+mj-lt"/>
+              <a:buAutoNum type="arabicPeriod"/>
+            </a:pPr>
+            <a:r>
               <a:rPr lang="zh-CN" altLang="en-US" dirty="0" smtClean="0"/>
-              <a:t>创建</a:t>
-            </a:r>
-            <a:r>
-              <a:rPr lang="en-US" altLang="zh-CN" dirty="0" smtClean="0"/>
-              <a:t>web</a:t>
-            </a:r>
-            <a:r>
-              <a:rPr lang="zh-CN" altLang="en-US" dirty="0" smtClean="0"/>
-              <a:t>服务器：</a:t>
-            </a:r>
-            <a:r>
-              <a:rPr lang="en-US" altLang="zh-CN" dirty="0" smtClean="0"/>
-              <a:t>http</a:t>
-            </a:r>
-            <a:r>
-              <a:rPr lang="zh-CN" altLang="en-US" dirty="0" smtClean="0"/>
-              <a:t>模块</a:t>
-            </a:r>
-            <a:endParaRPr lang="en-US" altLang="zh-CN" dirty="0" smtClean="0"/>
+              <a:t>举例：</a:t>
+            </a:r>
+            <a:r>
+              <a:rPr lang="en-US" altLang="zh-CN" dirty="0" err="1" smtClean="0"/>
+              <a:t>fs.creatReadStream,fs.createWriteStream</a:t>
+            </a:r>
+            <a:endParaRPr lang="en-US" altLang="zh-CN" dirty="0"/>
           </a:p>
           <a:p>
             <a:pPr>
+              <a:lnSpc>
+                <a:spcPct val="150000"/>
+              </a:lnSpc>
               <a:buFont typeface="Wingdings" panose="05000000000000000000" pitchFamily="2" charset="2"/>
               <a:buChar char="Ø"/>
             </a:pPr>
             <a:r>
+              <a:rPr lang="zh-CN" altLang="en-US" sz="1600" dirty="0" smtClean="0"/>
+              <a:t>管道流：用于从一个流中获取数据并将数据传递到另外一个流中</a:t>
+            </a:r>
+            <a:r>
+              <a:rPr lang="en-US" altLang="zh-CN" sz="1600" dirty="0" smtClean="0"/>
+              <a:t>    </a:t>
+            </a:r>
+            <a:r>
+              <a:rPr lang="zh-CN" altLang="en-US" sz="1600" dirty="0" smtClean="0"/>
+              <a:t>。</a:t>
+            </a:r>
+            <a:endParaRPr lang="en-US" altLang="zh-CN" sz="1600" dirty="0"/>
+          </a:p>
+          <a:p>
+            <a:pPr marL="1398900" lvl="5" indent="-342900">
+              <a:lnSpc>
+                <a:spcPct val="150000"/>
+              </a:lnSpc>
+              <a:buFont typeface="+mj-lt"/>
+              <a:buAutoNum type="arabicPeriod"/>
+            </a:pPr>
+            <a:r>
+              <a:rPr lang="en-US" altLang="zh-CN" dirty="0" smtClean="0"/>
+              <a:t>pipe</a:t>
+            </a:r>
+            <a:r>
               <a:rPr lang="zh-CN" altLang="en-US" dirty="0" smtClean="0"/>
-              <a:t>获取请求</a:t>
+              <a:t>：</a:t>
             </a:r>
             <a:r>
               <a:rPr lang="en-US" altLang="zh-CN" dirty="0" smtClean="0"/>
-              <a:t>URL</a:t>
-            </a:r>
+              <a:t> </a:t>
+            </a:r>
+            <a:r>
+              <a:rPr lang="en-US" altLang="zh-CN" dirty="0" err="1"/>
+              <a:t>readStream.pipe</a:t>
+            </a:r>
+            <a:r>
+              <a:rPr lang="en-US" altLang="zh-CN" dirty="0"/>
+              <a:t>(</a:t>
+            </a:r>
+            <a:r>
+              <a:rPr lang="en-US" altLang="zh-CN" dirty="0" err="1"/>
+              <a:t>writeStream</a:t>
+            </a:r>
+            <a:r>
+              <a:rPr lang="en-US" altLang="zh-CN" dirty="0" smtClean="0"/>
+              <a:t>)</a:t>
+            </a:r>
+          </a:p>
+          <a:p>
+            <a:pPr marL="1398900" lvl="5" indent="-342900">
+              <a:lnSpc>
+                <a:spcPct val="150000"/>
+              </a:lnSpc>
+              <a:buFont typeface="+mj-lt"/>
+              <a:buAutoNum type="arabicPeriod"/>
+            </a:pPr>
             <a:r>
               <a:rPr lang="zh-CN" altLang="en-US" dirty="0" smtClean="0"/>
-              <a:t>及</a:t>
-            </a:r>
-            <a:r>
-              <a:rPr lang="en-US" altLang="zh-CN" dirty="0" smtClean="0"/>
-              <a:t>POST/GET</a:t>
-            </a:r>
-            <a:r>
-              <a:rPr lang="zh-CN" altLang="en-US" dirty="0" smtClean="0"/>
-              <a:t>参数：</a:t>
-            </a:r>
-            <a:r>
-              <a:rPr lang="en-US" altLang="zh-CN" dirty="0" err="1" smtClean="0"/>
-              <a:t>url</a:t>
-            </a:r>
-            <a:r>
-              <a:rPr lang="zh-CN" altLang="en-US" dirty="0" smtClean="0"/>
-              <a:t>、</a:t>
-            </a:r>
-            <a:r>
-              <a:rPr lang="en-US" altLang="zh-CN" dirty="0" err="1" smtClean="0"/>
-              <a:t>querystring</a:t>
-            </a:r>
-            <a:r>
-              <a:rPr lang="zh-CN" altLang="en-US" dirty="0" smtClean="0"/>
-              <a:t>模块</a:t>
+              <a:t>举例：文件复制</a:t>
             </a:r>
             <a:endParaRPr lang="en-US" altLang="zh-CN" dirty="0" smtClean="0"/>
           </a:p>
           <a:p>
             <a:pPr>
+              <a:lnSpc>
+                <a:spcPct val="150000"/>
+              </a:lnSpc>
               <a:buFont typeface="Wingdings" panose="05000000000000000000" pitchFamily="2" charset="2"/>
               <a:buChar char="Ø"/>
             </a:pPr>
             <a:r>
+              <a:rPr lang="zh-CN" altLang="en-US" sz="1600" dirty="0" smtClean="0"/>
+              <a:t>链式</a:t>
+            </a:r>
+            <a:r>
+              <a:rPr lang="zh-CN" altLang="en-US" sz="1600" dirty="0"/>
+              <a:t>流：</a:t>
+            </a:r>
+            <a:r>
+              <a:rPr lang="zh-CN" altLang="en-US" sz="1600" dirty="0" smtClean="0"/>
+              <a:t>链式流是</a:t>
+            </a:r>
+            <a:r>
+              <a:rPr lang="zh-CN" altLang="en-US" sz="1600" dirty="0"/>
+              <a:t>通过连接输出流到另外一个流并创建多</a:t>
+            </a:r>
+            <a:r>
+              <a:rPr lang="zh-CN" altLang="en-US" sz="1600" dirty="0" smtClean="0"/>
+              <a:t>个对流操作的</a:t>
+            </a:r>
+            <a:r>
+              <a:rPr lang="zh-CN" altLang="en-US" sz="1600" dirty="0"/>
+              <a:t>机制，链式流一般用于管道</a:t>
+            </a:r>
+            <a:r>
+              <a:rPr lang="zh-CN" altLang="en-US" sz="1600" dirty="0" smtClean="0"/>
+              <a:t>操作</a:t>
+            </a:r>
+            <a:endParaRPr lang="en-US" altLang="zh-CN" sz="1600" dirty="0" smtClean="0"/>
+          </a:p>
+          <a:p>
+            <a:pPr marL="1398900" lvl="5" indent="-342900">
+              <a:lnSpc>
+                <a:spcPct val="150000"/>
+              </a:lnSpc>
+              <a:buFont typeface="+mj-lt"/>
+              <a:buAutoNum type="arabicPeriod"/>
+            </a:pPr>
+            <a:r>
               <a:rPr lang="zh-CN" altLang="en-US" dirty="0" smtClean="0"/>
-              <a:t>响应：</a:t>
-            </a:r>
-            <a:r>
-              <a:rPr lang="en-US" altLang="zh-CN" dirty="0" smtClean="0"/>
-              <a:t>response</a:t>
-            </a:r>
-            <a:endParaRPr lang="zh-CN" altLang="en-US" dirty="0"/>
+              <a:t>举例：文件解压</a:t>
+            </a:r>
+            <a:endParaRPr lang="en-US" altLang="zh-CN" dirty="0" smtClean="0"/>
           </a:p>
         </p:txBody>
       </p:sp>
     </p:spTree>
     <p:extLst>
       <p:ext uri="{BB962C8B-B14F-4D97-AF65-F5344CB8AC3E}">
-        <p14:creationId xmlns:p14="http://schemas.microsoft.com/office/powerpoint/2010/main" val="3180335252"/>
+        <p14:creationId xmlns:p14="http://schemas.microsoft.com/office/powerpoint/2010/main" val="2212173609"/>
       </p:ext>
     </p:extLst>
   </p:cSld>
@@ -9243,26 +9230,7 @@
               <a:rPr lang="en-US" altLang="zh-CN" sz="1600" dirty="0"/>
               <a:t>I/O </a:t>
             </a:r>
-            <a:r>
-              <a:rPr lang="en-US" altLang="zh-CN" sz="1600" dirty="0" smtClean="0"/>
-              <a:t>(</a:t>
-            </a:r>
-            <a:r>
-              <a:rPr lang="zh-CN" altLang="en-US" sz="1600" dirty="0" smtClean="0"/>
-              <a:t>举例：</a:t>
-            </a:r>
-            <a:r>
-              <a:rPr lang="en-US" altLang="zh-CN" sz="1600" dirty="0" err="1" smtClean="0"/>
-              <a:t>fs.readFile</a:t>
-            </a:r>
-            <a:r>
-              <a:rPr lang="zh-CN" altLang="en-US" sz="1600" dirty="0" smtClean="0"/>
-              <a:t>模块</a:t>
-            </a:r>
-            <a:r>
-              <a:rPr lang="en-US" altLang="zh-CN" sz="1600" dirty="0" smtClean="0"/>
-              <a:t>)</a:t>
-            </a:r>
+            <a:endParaRPr lang="en-US" altLang="zh-CN" sz="1600" dirty="0" smtClean="0"/>
           </a:p>
           <a:p>
             <a:pPr marL="914400" lvl="1" indent="-514350">
@@ -9271,7 +9239,11 @@
             </a:pPr>
             <a:r>
               <a:rPr lang="zh-CN" altLang="en-US" sz="1600" dirty="0" smtClean="0"/>
-              <a:t>轻量、可伸缩，适于实时数据交互应用</a:t>
+              <a:t>轻</a:t>
+            </a:r>
+            <a:r>
+              <a:rPr lang="zh-CN" altLang="en-US" sz="1600" dirty="0" smtClean="0"/>
+              <a:t>量、可伸缩，适于实时数据交互应用</a:t>
             </a:r>
           </a:p>
           <a:p>
@@ -9291,58 +9263,7 @@
               <a:rPr lang="zh-CN" altLang="en-US" sz="1600" dirty="0" smtClean="0"/>
               <a:t>线程</a:t>
             </a:r>
-            <a:r>
-              <a:rPr lang="en-US" altLang="zh-CN" sz="1600" dirty="0" smtClean="0"/>
-              <a:t>(</a:t>
-            </a:r>
-            <a:r>
-              <a:rPr lang="zh-CN" altLang="en-US" sz="1600" dirty="0" smtClean="0"/>
-              <a:t>目前已有第三方模块可以让</a:t>
-            </a:r>
-            <a:r>
-              <a:rPr lang="en-US" altLang="zh-CN" sz="1600" dirty="0" smtClean="0"/>
-              <a:t>node</a:t>
-            </a:r>
-            <a:r>
-              <a:rPr lang="zh-CN" altLang="en-US" sz="1600" dirty="0" smtClean="0"/>
-              <a:t>支持多线程，非阻塞模式了，如：</a:t>
-            </a:r>
-            <a:r>
-              <a:rPr lang="en-US" altLang="zh-CN" sz="1600" dirty="0" err="1" smtClean="0"/>
-              <a:t>threads_a_gogo</a:t>
-            </a:r>
-            <a:r>
-              <a:rPr lang="en-US" altLang="zh-CN" sz="1600" dirty="0" err="1"/>
-              <a:t>,</a:t>
-            </a:r>
-            <a:r>
-              <a:rPr lang="en-US" altLang="zh-CN" sz="1600" dirty="0" err="1" smtClean="0"/>
-              <a:t>https</a:t>
-            </a:r>
-            <a:r>
-              <a:rPr lang="en-US" altLang="zh-CN" sz="1600" dirty="0"/>
-              <a:t>://github.com/</a:t>
-            </a:r>
-            <a:r>
-              <a:rPr lang="en-US" altLang="zh-CN" sz="1600" dirty="0" err="1"/>
-              <a:t>xk</a:t>
-            </a:r>
-            <a:r>
-              <a:rPr lang="en-US" altLang="zh-CN" sz="1600" dirty="0"/>
-              <a:t>/node-threads-a-</a:t>
-            </a:r>
-            <a:r>
-              <a:rPr lang="en-US" altLang="zh-CN" sz="1600" dirty="0" err="1"/>
-              <a:t>gogo</a:t>
-            </a:r>
-            <a:r>
-              <a:rPr lang="en-US" altLang="zh-CN" sz="1600" dirty="0"/>
-              <a:t>)</a:t>
-            </a:r>
             <a:endParaRPr lang="en-US" altLang="zh-CN" sz="1600" dirty="0"/>
-          </a:p>
-          <a:p>
-            <a:endParaRPr lang="zh-CN" altLang="en-US" dirty="0"/>
           </a:p>
         </p:txBody>
       </p:sp>
@@ -9567,6 +9488,683 @@
           <a:lstStyle/>
           <a:p>
             <a:r>
+              <a:rPr lang="zh-CN" altLang="en-US" dirty="0" smtClean="0"/>
+              <a:t>单线程</a:t>
+            </a:r>
+            <a:endParaRPr lang="en-US" altLang="zh-CN" dirty="0"/>
+          </a:p>
+        </p:txBody>
+      </p:sp>
+      <p:sp>
+        <p:nvSpPr>
+          <p:cNvPr id="3" name="内容占位符 2"/>
+          <p:cNvSpPr>
+            <a:spLocks noGrp="1"/>
+          </p:cNvSpPr>
+          <p:nvPr>
+            <p:ph idx="1"/>
+          </p:nvPr>
+        </p:nvSpPr>
+        <p:spPr/>
+        <p:txBody>
+          <a:bodyPr>
+            <a:normAutofit/>
+          </a:bodyPr>
+          <a:lstStyle/>
+          <a:p>
+            <a:pPr>
+              <a:lnSpc>
+                <a:spcPct val="150000"/>
+              </a:lnSpc>
+              <a:buFont typeface="Wingdings" panose="05000000000000000000" pitchFamily="2" charset="2"/>
+              <a:buChar char="Ø"/>
+            </a:pPr>
+            <a:r>
+              <a:rPr lang="zh-CN" altLang="en-US" sz="1600" dirty="0" smtClean="0"/>
+              <a:t>优点：</a:t>
+            </a:r>
+            <a:r>
+              <a:rPr lang="en-US" altLang="zh-CN" sz="1600" dirty="0" smtClean="0"/>
+              <a:t/>
+            </a:r>
+            <a:br>
+              <a:rPr lang="en-US" altLang="zh-CN" sz="1600" dirty="0" smtClean="0"/>
+            </a:br>
+            <a:r>
+              <a:rPr lang="en-US" altLang="zh-CN" sz="1600" dirty="0" smtClean="0"/>
+              <a:t>	</a:t>
+            </a:r>
+            <a:r>
+              <a:rPr lang="zh-CN" altLang="en-US" sz="1600" dirty="0" smtClean="0"/>
+              <a:t>不存在状态同步问题</a:t>
+            </a:r>
+            <a:r>
+              <a:rPr lang="en-US" altLang="zh-CN" sz="1600" dirty="0" smtClean="0"/>
+              <a:t/>
+            </a:r>
+            <a:br>
+              <a:rPr lang="en-US" altLang="zh-CN" sz="1600" dirty="0" smtClean="0"/>
+            </a:br>
+            <a:r>
+              <a:rPr lang="en-US" altLang="zh-CN" sz="1600" dirty="0" smtClean="0"/>
+              <a:t>	</a:t>
+            </a:r>
+            <a:r>
+              <a:rPr lang="zh-CN" altLang="en-US" sz="1600" dirty="0" smtClean="0"/>
+              <a:t>无死锁</a:t>
+            </a:r>
+            <a:r>
+              <a:rPr lang="en-US" altLang="zh-CN" sz="1600" dirty="0" smtClean="0"/>
+              <a:t/>
+            </a:r>
+            <a:br>
+              <a:rPr lang="en-US" altLang="zh-CN" sz="1600" dirty="0" smtClean="0"/>
+            </a:br>
+            <a:r>
+              <a:rPr lang="en-US" altLang="zh-CN" sz="1600" dirty="0" smtClean="0"/>
+              <a:t>	</a:t>
+            </a:r>
+            <a:r>
+              <a:rPr lang="zh-CN" altLang="en-US" sz="1600" dirty="0" smtClean="0"/>
+              <a:t>没有上下文切换带来额外开销</a:t>
+            </a:r>
+            <a:r>
+              <a:rPr lang="en-US" altLang="zh-CN" sz="1600" dirty="0" smtClean="0"/>
+              <a:t>,</a:t>
+            </a:r>
+            <a:r>
+              <a:rPr lang="zh-CN" altLang="en-US" sz="1600" dirty="0"/>
+              <a:t>避免了线程调度的</a:t>
+            </a:r>
+            <a:r>
+              <a:rPr lang="zh-CN" altLang="en-US" sz="1600" dirty="0" smtClean="0"/>
+              <a:t>复杂性</a:t>
+            </a:r>
+            <a:endParaRPr lang="en-US" altLang="zh-CN" sz="1600" dirty="0" smtClean="0"/>
+          </a:p>
+          <a:p>
+            <a:pPr>
+              <a:lnSpc>
+                <a:spcPct val="150000"/>
+              </a:lnSpc>
+              <a:buFont typeface="Wingdings" panose="05000000000000000000" pitchFamily="2" charset="2"/>
+              <a:buChar char="Ø"/>
+            </a:pPr>
+            <a:r>
+              <a:rPr lang="zh-CN" altLang="en-US" sz="1600" dirty="0" smtClean="0"/>
+              <a:t>缺点：</a:t>
+            </a:r>
+            <a:r>
+              <a:rPr lang="en-US" altLang="zh-CN" sz="1600" dirty="0" smtClean="0"/>
+              <a:t/>
+            </a:r>
+            <a:br>
+              <a:rPr lang="en-US" altLang="zh-CN" sz="1600" dirty="0" smtClean="0"/>
+            </a:br>
+            <a:r>
+              <a:rPr lang="en-US" altLang="zh-CN" sz="1600" dirty="0" smtClean="0"/>
+              <a:t>	</a:t>
+            </a:r>
+            <a:r>
+              <a:rPr lang="zh-CN" altLang="en-US" sz="1600" dirty="0" smtClean="0"/>
+              <a:t>无法利用多核</a:t>
+            </a:r>
+            <a:r>
+              <a:rPr lang="en-US" altLang="zh-CN" sz="1600" dirty="0" smtClean="0"/>
+              <a:t>CPU</a:t>
+            </a:r>
+            <a:br>
+              <a:rPr lang="en-US" altLang="zh-CN" sz="1600" dirty="0" smtClean="0"/>
+            </a:br>
+            <a:r>
+              <a:rPr lang="en-US" altLang="zh-CN" sz="1600" dirty="0" smtClean="0"/>
+              <a:t>	</a:t>
+            </a:r>
+            <a:r>
+              <a:rPr lang="zh-CN" altLang="en-US" sz="1600" dirty="0" smtClean="0"/>
+              <a:t>错误会引起整个应用退出</a:t>
+            </a:r>
+            <a:r>
+              <a:rPr lang="en-US" altLang="zh-CN" sz="1600" dirty="0" smtClean="0"/>
+              <a:t/>
+            </a:r>
+            <a:br>
+              <a:rPr lang="en-US" altLang="zh-CN" sz="1600" dirty="0" smtClean="0"/>
+            </a:br>
+            <a:r>
+              <a:rPr lang="en-US" altLang="zh-CN" sz="1600" dirty="0" smtClean="0"/>
+              <a:t>	</a:t>
+            </a:r>
+            <a:r>
+              <a:rPr lang="zh-CN" altLang="en-US" sz="1600" dirty="0" smtClean="0"/>
+              <a:t>大量计算占用</a:t>
+            </a:r>
+            <a:r>
+              <a:rPr lang="en-US" altLang="zh-CN" sz="1600" dirty="0" smtClean="0"/>
+              <a:t>CPU</a:t>
+            </a:r>
+            <a:r>
+              <a:rPr lang="zh-CN" altLang="en-US" sz="1600" dirty="0" smtClean="0"/>
+              <a:t>会导致无法继续调用</a:t>
+            </a:r>
+            <a:r>
+              <a:rPr lang="en-US" altLang="zh-CN" sz="1600" dirty="0" smtClean="0"/>
+              <a:t>I/O</a:t>
+            </a:r>
+          </a:p>
+          <a:p>
+            <a:pPr>
+              <a:lnSpc>
+                <a:spcPct val="150000"/>
+              </a:lnSpc>
+              <a:buFont typeface="Wingdings" panose="05000000000000000000" pitchFamily="2" charset="2"/>
+              <a:buChar char="Ø"/>
+            </a:pPr>
+            <a:r>
+              <a:rPr lang="zh-CN" altLang="en-US" sz="1600" dirty="0" smtClean="0"/>
+              <a:t>解决大计算量问题的方案：子进程，将计算分发到各个子进程可分解掉大量计算任务，通过进程之间的事件消息来传递计算结果</a:t>
+            </a:r>
+            <a:r>
+              <a:rPr lang="en-US" altLang="zh-CN" sz="1600" dirty="0" smtClean="0"/>
+              <a:t>(</a:t>
+            </a:r>
+            <a:r>
+              <a:rPr lang="zh-CN" altLang="en-US" sz="1600" dirty="0" smtClean="0"/>
+              <a:t>例：</a:t>
+            </a:r>
+            <a:r>
+              <a:rPr lang="en-US" altLang="zh-CN" sz="1600" dirty="0" smtClean="0"/>
+              <a:t>web worker)</a:t>
+            </a:r>
+            <a:endParaRPr lang="en-US" altLang="zh-CN" sz="1600" dirty="0"/>
+          </a:p>
+        </p:txBody>
+      </p:sp>
+      <p:sp>
+        <p:nvSpPr>
+          <p:cNvPr id="4" name="Rectangle 1"/>
+          <p:cNvSpPr>
+            <a:spLocks noChangeArrowheads="1"/>
+          </p:cNvSpPr>
+          <p:nvPr/>
+        </p:nvSpPr>
+        <p:spPr bwMode="auto">
+          <a:xfrm>
+            <a:off x="0" y="0"/>
+            <a:ext cx="9144000" cy="457200"/>
+          </a:xfrm>
+          <a:prstGeom prst="rect">
+            <a:avLst/>
+          </a:prstGeom>
+          <a:solidFill>
+            <a:srgbClr val="FFFFFF"/>
+          </a:solidFill>
+          <a:ln>
+            <a:noFill/>
+          </a:ln>
+          <a:effectLst/>
+          <a:extLst>
+            <a:ext uri="{91240B29-F687-4F45-9708-019B960494DF}">
+              <a14:hiddenLine xmlns:a14="http://schemas.microsoft.com/office/drawing/2010/main" w="9525">
+                <a:solidFill>
+                  <a:schemeClr val="tx1"/>
+                </a:solidFill>
+                <a:miter lim="800000"/>
+                <a:headEnd/>
+                <a:tailEnd/>
+              </a14:hiddenLine>
+            </a:ext>
+            <a:ext uri="{AF507438-7753-43E0-B8FC-AC1667EBCBE1}">
+              <a14:hiddenEffects xmlns:a14="http://schemas.microsoft.com/office/drawing/2010/main">
+                <a:effectLst>
+                  <a:outerShdw dist="35921" dir="2700000" algn="ctr" rotWithShape="0">
+                    <a:schemeClr val="bg2"/>
+                  </a:outerShdw>
+                </a:effectLst>
+              </a14:hiddenEffects>
+            </a:ext>
+          </a:extLst>
+        </p:spPr>
+        <p:txBody>
+          <a:bodyPr vert="horz" wrap="none" lIns="91440" tIns="45720" rIns="91440" bIns="45720" numCol="1" anchor="ctr" anchorCtr="0" compatLnSpc="1">
+            <a:prstTxWarp prst="textNoShape">
+              <a:avLst/>
+            </a:prstTxWarp>
+            <a:spAutoFit/>
+          </a:bodyPr>
+          <a:lstStyle/>
+          <a:p>
+            <a:pPr marL="0" marR="0" lvl="0" indent="0" algn="l" defTabSz="914400" rtl="0" eaLnBrk="0" fontAlgn="base" latinLnBrk="0" hangingPunct="0">
+              <a:lnSpc>
+                <a:spcPct val="100000"/>
+              </a:lnSpc>
+              <a:spcBef>
+                <a:spcPct val="0"/>
+              </a:spcBef>
+              <a:spcAft>
+                <a:spcPct val="0"/>
+              </a:spcAft>
+              <a:buClrTx/>
+              <a:buSzTx/>
+              <a:buFontTx/>
+              <a:buNone/>
+              <a:tabLst/>
+            </a:pPr>
+            <a:r>
+              <a:rPr kumimoji="0" lang="zh-CN" altLang="zh-CN" sz="900" b="0" i="1" u="none" strike="noStrike" cap="none" normalizeH="0" baseline="0" smtClean="0">
+                <a:ln>
+                  <a:noFill/>
+                </a:ln>
+                <a:solidFill>
+                  <a:srgbClr val="808080"/>
+                </a:solidFill>
+                <a:effectLst/>
+                <a:latin typeface="宋体" panose="02010600030101010101" pitchFamily="2" charset="-122"/>
+                <a:ea typeface="宋体" panose="02010600030101010101" pitchFamily="2" charset="-122"/>
+              </a:rPr>
+              <a:t>writeFile</a:t>
+            </a:r>
+            <a:endParaRPr kumimoji="0" lang="zh-CN" altLang="zh-CN" sz="1800" b="0" i="0" u="none" strike="noStrike" cap="none" normalizeH="0" baseline="0" smtClean="0">
+              <a:ln>
+                <a:noFill/>
+              </a:ln>
+              <a:solidFill>
+                <a:schemeClr val="tx1"/>
+              </a:solidFill>
+              <a:effectLst/>
+              <a:latin typeface="Arial" panose="020B0604020202020204" pitchFamily="34" charset="0"/>
+            </a:endParaRPr>
+          </a:p>
+        </p:txBody>
+      </p:sp>
+    </p:spTree>
+    <p:extLst>
+      <p:ext uri="{BB962C8B-B14F-4D97-AF65-F5344CB8AC3E}">
+        <p14:creationId xmlns:p14="http://schemas.microsoft.com/office/powerpoint/2010/main" val="3053762766"/>
+      </p:ext>
+    </p:extLst>
+  </p:cSld>
+  <p:clrMapOvr>
+    <a:masterClrMapping/>
+  </p:clrMapOvr>
+  <p:timing>
+    <p:tnLst>
+      <p:par>
+        <p:cTn id="1" dur="indefinite" restart="never" nodeType="tmRoot"/>
+      </p:par>
+    </p:tnLst>
+  </p:timing>
+</p:sld>
+</file>
+
+<file path=ppt/slides/slide22.xml><?xml version="1.0" encoding="utf-8"?>
+<p:sld xmlns:a="http://schemas.openxmlformats.org/drawingml/2006/main" xmlns:r="http://schemas.openxmlformats.org/officeDocument/2006/relationships" xmlns:p="http://schemas.openxmlformats.org/presentationml/2006/main">
+  <p:cSld>
+    <p:spTree>
+      <p:nvGrpSpPr>
+        <p:cNvPr id="1" name=""/>
+        <p:cNvGrpSpPr/>
+        <p:nvPr/>
+      </p:nvGrpSpPr>
+      <p:grpSpPr>
+        <a:xfrm>
+          <a:off x="0" y="0"/>
+          <a:ext cx="0" cy="0"/>
+          <a:chOff x="0" y="0"/>
+          <a:chExt cx="0" cy="0"/>
+        </a:xfrm>
+      </p:grpSpPr>
+      <p:sp>
+        <p:nvSpPr>
+          <p:cNvPr id="2" name="标题 1"/>
+          <p:cNvSpPr>
+            <a:spLocks noGrp="1"/>
+          </p:cNvSpPr>
+          <p:nvPr>
+            <p:ph type="title"/>
+          </p:nvPr>
+        </p:nvSpPr>
+        <p:spPr/>
+        <p:txBody>
+          <a:bodyPr/>
+          <a:lstStyle/>
+          <a:p>
+            <a:r>
+              <a:rPr lang="zh-CN" altLang="en-US" dirty="0" smtClean="0"/>
+              <a:t>子进程</a:t>
+            </a:r>
+            <a:endParaRPr lang="en-US" altLang="zh-CN" dirty="0"/>
+          </a:p>
+        </p:txBody>
+      </p:sp>
+      <p:sp>
+        <p:nvSpPr>
+          <p:cNvPr id="3" name="内容占位符 2"/>
+          <p:cNvSpPr>
+            <a:spLocks noGrp="1"/>
+          </p:cNvSpPr>
+          <p:nvPr>
+            <p:ph idx="1"/>
+          </p:nvPr>
+        </p:nvSpPr>
+        <p:spPr/>
+        <p:txBody>
+          <a:bodyPr>
+            <a:normAutofit/>
+          </a:bodyPr>
+          <a:lstStyle/>
+          <a:p>
+            <a:pPr>
+              <a:lnSpc>
+                <a:spcPct val="150000"/>
+              </a:lnSpc>
+              <a:buFont typeface="Wingdings" panose="05000000000000000000" pitchFamily="2" charset="2"/>
+              <a:buChar char="Ø"/>
+            </a:pPr>
+            <a:r>
+              <a:rPr lang="zh-CN" altLang="en-US" sz="1600" dirty="0" smtClean="0"/>
+              <a:t>通过</a:t>
+            </a:r>
+            <a:r>
+              <a:rPr lang="en-US" altLang="zh-CN" sz="1600" dirty="0" err="1"/>
+              <a:t>child_process</a:t>
+            </a:r>
+            <a:r>
+              <a:rPr lang="zh-CN" altLang="en-US" sz="1600" dirty="0"/>
+              <a:t>模块，可以在程序中直接创建子进程，并使用主进程和子进程之间实现通信，等到子进程运行结束以后，主进程再用回调函数读取子进程的运行</a:t>
+            </a:r>
+            <a:r>
+              <a:rPr lang="zh-CN" altLang="en-US" sz="1600" dirty="0" smtClean="0"/>
+              <a:t>结果</a:t>
+            </a:r>
+            <a:endParaRPr lang="en-US" altLang="zh-CN" sz="1600" dirty="0" smtClean="0"/>
+          </a:p>
+          <a:p>
+            <a:pPr>
+              <a:lnSpc>
+                <a:spcPct val="150000"/>
+              </a:lnSpc>
+              <a:buFont typeface="Wingdings" panose="05000000000000000000" pitchFamily="2" charset="2"/>
+              <a:buChar char="Ø"/>
+            </a:pPr>
+            <a:r>
+              <a:rPr lang="en-US" altLang="zh-CN" sz="1600" dirty="0" err="1" smtClean="0"/>
+              <a:t>child_process</a:t>
+            </a:r>
+            <a:r>
+              <a:rPr lang="zh-CN" altLang="en-US" sz="1600" dirty="0" smtClean="0"/>
+              <a:t>模块中主要封装了</a:t>
+            </a:r>
+            <a:r>
+              <a:rPr lang="en-US" altLang="zh-CN" sz="1600" dirty="0" err="1" smtClean="0"/>
+              <a:t>spawn,exec,execFile,fork</a:t>
+            </a:r>
+            <a:r>
+              <a:rPr lang="zh-CN" altLang="en-US" sz="1600" dirty="0"/>
+              <a:t>四个异步进程</a:t>
+            </a:r>
+            <a:r>
+              <a:rPr lang="zh-CN" altLang="en-US" sz="1600" dirty="0" smtClean="0"/>
+              <a:t>函数</a:t>
+            </a:r>
+            <a:r>
+              <a:rPr lang="en-US" altLang="zh-CN" sz="1600" dirty="0" smtClean="0"/>
+              <a:t>,spawn</a:t>
+            </a:r>
+            <a:r>
+              <a:rPr lang="zh-CN" altLang="en-US" sz="1600" dirty="0"/>
+              <a:t>是最基本的创建子进程的</a:t>
+            </a:r>
+            <a:r>
+              <a:rPr lang="zh-CN" altLang="en-US" sz="1600" dirty="0" smtClean="0"/>
+              <a:t>函数</a:t>
+            </a:r>
+            <a:r>
+              <a:rPr lang="en-US" altLang="zh-CN" sz="1600" dirty="0" smtClean="0"/>
+              <a:t>,</a:t>
+            </a:r>
+            <a:r>
+              <a:rPr lang="zh-CN" altLang="en-US" sz="1600" dirty="0"/>
+              <a:t>会返回一个带有</a:t>
+            </a:r>
+            <a:r>
+              <a:rPr lang="en-US" altLang="zh-CN" sz="1600" dirty="0" err="1"/>
+              <a:t>stdout</a:t>
+            </a:r>
+            <a:r>
+              <a:rPr lang="zh-CN" altLang="en-US" sz="1600" dirty="0"/>
+              <a:t>和</a:t>
+            </a:r>
+            <a:r>
+              <a:rPr lang="en-US" altLang="zh-CN" sz="1600" dirty="0" err="1"/>
+              <a:t>stderr</a:t>
+            </a:r>
+            <a:r>
+              <a:rPr lang="zh-CN" altLang="en-US" sz="1600" dirty="0"/>
+              <a:t>流的</a:t>
+            </a:r>
+            <a:r>
+              <a:rPr lang="zh-CN" altLang="en-US" sz="1600" dirty="0" smtClean="0"/>
+              <a:t>对象</a:t>
+            </a:r>
+            <a:r>
+              <a:rPr lang="en-US" altLang="zh-CN" sz="1600" dirty="0" smtClean="0"/>
+              <a:t>,</a:t>
+            </a:r>
+            <a:r>
+              <a:rPr lang="zh-CN" altLang="en-US" sz="1600" dirty="0"/>
+              <a:t>可以通过</a:t>
+            </a:r>
+            <a:r>
+              <a:rPr lang="en-US" altLang="zh-CN" sz="1600" dirty="0" err="1"/>
+              <a:t>stdout</a:t>
+            </a:r>
+            <a:r>
+              <a:rPr lang="zh-CN" altLang="en-US" sz="1600" dirty="0"/>
+              <a:t>流来读取子进程返回给</a:t>
+            </a:r>
+            <a:r>
+              <a:rPr lang="en-US" altLang="zh-CN" sz="1600" dirty="0"/>
+              <a:t>Node.js</a:t>
+            </a:r>
+            <a:r>
+              <a:rPr lang="zh-CN" altLang="en-US" sz="1600" dirty="0"/>
+              <a:t>的</a:t>
+            </a:r>
+            <a:r>
+              <a:rPr lang="zh-CN" altLang="en-US" sz="1600" dirty="0" smtClean="0"/>
+              <a:t>数据</a:t>
+            </a:r>
+            <a:r>
+              <a:rPr lang="zh-CN" altLang="en-US" sz="1600" dirty="0"/>
+              <a:t>。</a:t>
+            </a:r>
+            <a:r>
+              <a:rPr lang="zh-CN" altLang="en-US" sz="1600" dirty="0" smtClean="0"/>
+              <a:t>其他</a:t>
+            </a:r>
+            <a:r>
+              <a:rPr lang="zh-CN" altLang="en-US" sz="1600" dirty="0"/>
+              <a:t>三个异步函数都是对</a:t>
+            </a:r>
+            <a:r>
+              <a:rPr lang="en-US" altLang="zh-CN" sz="1600" dirty="0"/>
+              <a:t>spawn</a:t>
+            </a:r>
+            <a:r>
+              <a:rPr lang="zh-CN" altLang="en-US" sz="1600" dirty="0"/>
+              <a:t>不同程度的封装。</a:t>
+            </a:r>
+            <a:r>
+              <a:rPr lang="en-US" altLang="zh-CN" sz="1600" dirty="0"/>
+              <a:t>spawn</a:t>
+            </a:r>
+            <a:r>
+              <a:rPr lang="zh-CN" altLang="en-US" sz="1600" dirty="0"/>
+              <a:t>只能运行指定的程序，参数需要在列表中给出，而</a:t>
+            </a:r>
+            <a:r>
+              <a:rPr lang="en-US" altLang="zh-CN" sz="1600" dirty="0"/>
+              <a:t>exec</a:t>
+            </a:r>
+            <a:r>
+              <a:rPr lang="zh-CN" altLang="en-US" sz="1600" dirty="0"/>
+              <a:t>可以直接运行复杂的命令。</a:t>
+            </a:r>
+            <a:endParaRPr lang="en-US" altLang="zh-CN" sz="1600" dirty="0"/>
+          </a:p>
+        </p:txBody>
+      </p:sp>
+      <p:sp>
+        <p:nvSpPr>
+          <p:cNvPr id="4" name="Rectangle 1"/>
+          <p:cNvSpPr>
+            <a:spLocks noChangeArrowheads="1"/>
+          </p:cNvSpPr>
+          <p:nvPr/>
+        </p:nvSpPr>
+        <p:spPr bwMode="auto">
+          <a:xfrm>
+            <a:off x="0" y="0"/>
+            <a:ext cx="9144000" cy="457200"/>
+          </a:xfrm>
+          <a:prstGeom prst="rect">
+            <a:avLst/>
+          </a:prstGeom>
+          <a:solidFill>
+            <a:srgbClr val="FFFFFF"/>
+          </a:solidFill>
+          <a:ln>
+            <a:noFill/>
+          </a:ln>
+          <a:effectLst/>
+          <a:extLst>
+            <a:ext uri="{91240B29-F687-4F45-9708-019B960494DF}">
+              <a14:hiddenLine xmlns:a14="http://schemas.microsoft.com/office/drawing/2010/main" w="9525">
+                <a:solidFill>
+                  <a:schemeClr val="tx1"/>
+                </a:solidFill>
+                <a:miter lim="800000"/>
+                <a:headEnd/>
+                <a:tailEnd/>
+              </a14:hiddenLine>
+            </a:ext>
+            <a:ext uri="{AF507438-7753-43E0-B8FC-AC1667EBCBE1}">
+              <a14:hiddenEffects xmlns:a14="http://schemas.microsoft.com/office/drawing/2010/main">
+                <a:effectLst>
+                  <a:outerShdw dist="35921" dir="2700000" algn="ctr" rotWithShape="0">
+                    <a:schemeClr val="bg2"/>
+                  </a:outerShdw>
+                </a:effectLst>
+              </a14:hiddenEffects>
+            </a:ext>
+          </a:extLst>
+        </p:spPr>
+        <p:txBody>
+          <a:bodyPr vert="horz" wrap="none" lIns="91440" tIns="45720" rIns="91440" bIns="45720" numCol="1" anchor="ctr" anchorCtr="0" compatLnSpc="1">
+            <a:prstTxWarp prst="textNoShape">
+              <a:avLst/>
+            </a:prstTxWarp>
+            <a:spAutoFit/>
+          </a:bodyPr>
+          <a:lstStyle/>
+          <a:p>
+            <a:pPr marL="0" marR="0" lvl="0" indent="0" algn="l" defTabSz="914400" rtl="0" eaLnBrk="0" fontAlgn="base" latinLnBrk="0" hangingPunct="0">
+              <a:lnSpc>
+                <a:spcPct val="100000"/>
+              </a:lnSpc>
+              <a:spcBef>
+                <a:spcPct val="0"/>
+              </a:spcBef>
+              <a:spcAft>
+                <a:spcPct val="0"/>
+              </a:spcAft>
+              <a:buClrTx/>
+              <a:buSzTx/>
+              <a:buFontTx/>
+              <a:buNone/>
+              <a:tabLst/>
+            </a:pPr>
+            <a:r>
+              <a:rPr kumimoji="0" lang="zh-CN" altLang="zh-CN" sz="900" b="0" i="1" u="none" strike="noStrike" cap="none" normalizeH="0" baseline="0" smtClean="0">
+                <a:ln>
+                  <a:noFill/>
+                </a:ln>
+                <a:solidFill>
+                  <a:srgbClr val="808080"/>
+                </a:solidFill>
+                <a:effectLst/>
+                <a:latin typeface="宋体" panose="02010600030101010101" pitchFamily="2" charset="-122"/>
+                <a:ea typeface="宋体" panose="02010600030101010101" pitchFamily="2" charset="-122"/>
+              </a:rPr>
+              <a:t>writeFile</a:t>
+            </a:r>
+            <a:endParaRPr kumimoji="0" lang="zh-CN" altLang="zh-CN" sz="1800" b="0" i="0" u="none" strike="noStrike" cap="none" normalizeH="0" baseline="0" smtClean="0">
+              <a:ln>
+                <a:noFill/>
+              </a:ln>
+              <a:solidFill>
+                <a:schemeClr val="tx1"/>
+              </a:solidFill>
+              <a:effectLst/>
+              <a:latin typeface="Arial" panose="020B0604020202020204" pitchFamily="34" charset="0"/>
+            </a:endParaRPr>
+          </a:p>
+        </p:txBody>
+      </p:sp>
+    </p:spTree>
+    <p:extLst>
+      <p:ext uri="{BB962C8B-B14F-4D97-AF65-F5344CB8AC3E}">
+        <p14:creationId xmlns:p14="http://schemas.microsoft.com/office/powerpoint/2010/main" val="2234285378"/>
+      </p:ext>
+    </p:extLst>
+  </p:cSld>
+  <p:clrMapOvr>
+    <a:masterClrMapping/>
+  </p:clrMapOvr>
+  <p:timing>
+    <p:tnLst>
+      <p:par>
+        <p:cTn id="1" dur="indefinite" restart="never" nodeType="tmRoot"/>
+      </p:par>
+    </p:tnLst>
+  </p:timing>
+</p:sld>
+</file>
+
+<file path=ppt/slides/slide23.xml><?xml version="1.0" encoding="utf-8"?>
+<p:sld xmlns:a="http://schemas.openxmlformats.org/drawingml/2006/main" xmlns:r="http://schemas.openxmlformats.org/officeDocument/2006/relationships" xmlns:p="http://schemas.openxmlformats.org/presentationml/2006/main">
+  <p:cSld>
+    <p:spTree>
+      <p:nvGrpSpPr>
+        <p:cNvPr id="1" name=""/>
+        <p:cNvGrpSpPr/>
+        <p:nvPr/>
+      </p:nvGrpSpPr>
+      <p:grpSpPr>
+        <a:xfrm>
+          <a:off x="0" y="0"/>
+          <a:ext cx="0" cy="0"/>
+          <a:chOff x="0" y="0"/>
+          <a:chExt cx="0" cy="0"/>
+        </a:xfrm>
+      </p:grpSpPr>
+      <p:sp>
+        <p:nvSpPr>
+          <p:cNvPr id="2" name="标题 1"/>
+          <p:cNvSpPr>
+            <a:spLocks noGrp="1"/>
+          </p:cNvSpPr>
+          <p:nvPr>
+            <p:ph type="title"/>
+          </p:nvPr>
+        </p:nvSpPr>
+        <p:spPr/>
+        <p:txBody>
+          <a:bodyPr/>
+          <a:lstStyle/>
+          <a:p>
+            <a:r>
               <a:rPr lang="en-US" altLang="zh-CN" dirty="0" err="1" smtClean="0"/>
               <a:t>Nodejs</a:t>
             </a:r>
@@ -9674,7 +10272,7 @@
 </p:sld>
 </file>
 
-<file path=ppt/slides/slide22.xml><?xml version="1.0" encoding="utf-8"?>
+<file path=ppt/slides/slide24.xml><?xml version="1.0" encoding="utf-8"?>
 <p:sld xmlns:a="http://schemas.openxmlformats.org/drawingml/2006/main" xmlns:r="http://schemas.openxmlformats.org/officeDocument/2006/relationships" xmlns:p="http://schemas.openxmlformats.org/presentationml/2006/main">
   <p:cSld>
     <p:spTree>
@@ -9773,7 +10371,7 @@
 </p:sld>
 </file>
 
-<file path=ppt/slides/slide23.xml><?xml version="1.0" encoding="utf-8"?>
+<file path=ppt/slides/slide25.xml><?xml version="1.0" encoding="utf-8"?>
 <p:sld xmlns:a="http://schemas.openxmlformats.org/drawingml/2006/main" xmlns:r="http://schemas.openxmlformats.org/officeDocument/2006/relationships" xmlns:p="http://schemas.openxmlformats.org/presentationml/2006/main">
   <p:cSld>
     <p:spTree>
@@ -10016,7 +10614,7 @@
 </p:sld>
 </file>
 
-<file path=ppt/slides/slide24.xml><?xml version="1.0" encoding="utf-8"?>
+<file path=ppt/slides/slide26.xml><?xml version="1.0" encoding="utf-8"?>
 <p:sld xmlns:a="http://schemas.openxmlformats.org/drawingml/2006/main" xmlns:r="http://schemas.openxmlformats.org/officeDocument/2006/relationships" xmlns:p="http://schemas.openxmlformats.org/presentationml/2006/main">
   <p:cSld>
     <p:spTree>
@@ -10284,12 +10882,16 @@
           <a:lstStyle/>
           <a:p>
             <a:r>
-              <a:rPr lang="en-US" altLang="zh-CN" dirty="0" smtClean="0"/>
+              <a:rPr lang="en-US" altLang="zh-CN" dirty="0"/>
               <a:t>Node.js</a:t>
             </a:r>
             <a:r>
+              <a:rPr lang="zh-CN" altLang="en-US" dirty="0"/>
+              <a:t>包管理</a:t>
+            </a:r>
+            <a:r>
               <a:rPr lang="zh-CN" altLang="en-US" dirty="0" smtClean="0"/>
-              <a:t>应用构成</a:t>
+              <a:t>工具</a:t>
             </a:r>
             <a:endParaRPr lang="zh-CN" altLang="en-US" dirty="0"/>
           </a:p>
@@ -10307,111 +10909,212 @@
         </p:nvSpPr>
         <p:spPr/>
         <p:txBody>
-          <a:bodyPr/>
+          <a:bodyPr>
+            <a:normAutofit/>
+          </a:bodyPr>
           <a:lstStyle/>
           <a:p>
-            <a:pPr marL="971550" lvl="1" indent="-514350">
-              <a:buFont typeface="+mj-lt"/>
-              <a:buAutoNum type="arabicPeriod"/>
+            <a:pPr>
+              <a:lnSpc>
+                <a:spcPct val="150000"/>
+              </a:lnSpc>
+              <a:buFont typeface="Wingdings" panose="05000000000000000000" pitchFamily="2" charset="2"/>
+              <a:buChar char="Ø"/>
             </a:pPr>
             <a:r>
+              <a:rPr lang="en-US" altLang="zh-CN" sz="1600" dirty="0"/>
+              <a:t>NPM</a:t>
+            </a:r>
+            <a:r>
               <a:rPr lang="zh-CN" altLang="en-US" sz="1600" dirty="0" smtClean="0"/>
+              <a:t>是</a:t>
+            </a:r>
+            <a:r>
+              <a:rPr lang="zh-CN" altLang="en-US" sz="1600" dirty="0"/>
+              <a:t>随</a:t>
+            </a:r>
+            <a:r>
+              <a:rPr lang="en-US" altLang="zh-CN" sz="1600" dirty="0"/>
+              <a:t>node</a:t>
+            </a:r>
+            <a:r>
+              <a:rPr lang="zh-CN" altLang="en-US" sz="1600" dirty="0"/>
+              <a:t>一起安装的包管理工具，主要用于管理</a:t>
+            </a:r>
+            <a:r>
+              <a:rPr lang="en-US" altLang="zh-CN" sz="1600" dirty="0" smtClean="0"/>
+              <a:t>node</a:t>
+            </a:r>
+            <a:r>
+              <a:rPr lang="zh-CN" altLang="en-US" sz="1600" dirty="0" smtClean="0"/>
+              <a:t>应用</a:t>
+            </a:r>
+            <a:r>
+              <a:rPr lang="zh-CN" altLang="en-US" sz="1600" dirty="0"/>
+              <a:t>所</a:t>
+            </a:r>
+            <a:r>
+              <a:rPr lang="zh-CN" altLang="en-US" sz="1600" dirty="0" smtClean="0"/>
+              <a:t>依赖</a:t>
+            </a:r>
+            <a:r>
+              <a:rPr lang="en-US" altLang="zh-CN" sz="1600" dirty="0" smtClean="0"/>
+              <a:t/>
+            </a:r>
+            <a:br>
+              <a:rPr lang="en-US" altLang="zh-CN" sz="1600" dirty="0" smtClean="0"/>
+            </a:br>
+            <a:r>
+              <a:rPr lang="zh-CN" altLang="en-US" sz="1600" dirty="0" smtClean="0"/>
+              <a:t>的</a:t>
+            </a:r>
+            <a:r>
+              <a:rPr lang="zh-CN" altLang="en-US" sz="1600" dirty="0"/>
               <a:t>模块</a:t>
             </a:r>
             <a:r>
-              <a:rPr lang="en-US" altLang="zh-CN" sz="1600" dirty="0" smtClean="0"/>
-              <a:t>(http</a:t>
-            </a:r>
-            <a:r>
               <a:rPr lang="zh-CN" altLang="en-US" sz="1600" dirty="0" smtClean="0"/>
-              <a:t>、</a:t>
-            </a:r>
-            <a:r>
-              <a:rPr lang="en-US" altLang="zh-CN" sz="1600" dirty="0" err="1" smtClean="0"/>
-              <a:t>url</a:t>
-            </a:r>
+              <a:t>，</a:t>
+            </a:r>
+            <a:endParaRPr lang="en-US" altLang="zh-CN" sz="1600" dirty="0" smtClean="0"/>
+          </a:p>
+          <a:p>
+            <a:pPr>
+              <a:lnSpc>
+                <a:spcPct val="150000"/>
+              </a:lnSpc>
+              <a:buFont typeface="Wingdings" panose="05000000000000000000" pitchFamily="2" charset="2"/>
+              <a:buChar char="Ø"/>
+            </a:pPr>
             <a:r>
               <a:rPr lang="zh-CN" altLang="en-US" sz="1600" dirty="0" smtClean="0"/>
-              <a:t>、</a:t>
-            </a:r>
-            <a:r>
-              <a:rPr lang="en-US" altLang="zh-CN" sz="1600" dirty="0" err="1" smtClean="0"/>
-              <a:t>querystring</a:t>
-            </a:r>
-            <a:r>
-              <a:rPr lang="en-US" altLang="zh-CN" sz="1600" dirty="0" smtClean="0"/>
+              <a:t>允许</a:t>
+            </a:r>
+            <a:r>
+              <a:rPr lang="zh-CN" altLang="en-US" sz="1600" dirty="0"/>
+              <a:t>用户从</a:t>
+            </a:r>
+            <a:r>
+              <a:rPr lang="en-US" altLang="zh-CN" sz="1600" dirty="0"/>
+              <a:t>NPM</a:t>
+            </a:r>
+            <a:r>
+              <a:rPr lang="zh-CN" altLang="en-US" sz="1600" dirty="0"/>
+              <a:t>服务器下载别人编写的第三方包到本地使用</a:t>
+            </a:r>
+            <a:endParaRPr lang="en-US" altLang="zh-CN" sz="1600" dirty="0"/>
+          </a:p>
+          <a:p>
+            <a:pPr>
+              <a:lnSpc>
+                <a:spcPct val="150000"/>
+              </a:lnSpc>
+              <a:buFont typeface="Wingdings" panose="05000000000000000000" pitchFamily="2" charset="2"/>
+              <a:buChar char="Ø"/>
+            </a:pPr>
+            <a:r>
+              <a:rPr lang="zh-CN" altLang="en-US" sz="1600" dirty="0"/>
+              <a:t>允许用户从</a:t>
+            </a:r>
+            <a:r>
+              <a:rPr lang="en-US" altLang="zh-CN" sz="1600" dirty="0"/>
+              <a:t>NPM</a:t>
+            </a:r>
+            <a:r>
+              <a:rPr lang="zh-CN" altLang="en-US" sz="1600" dirty="0"/>
+              <a:t>服务器下载并安装别人编写的命令行程序到本地使用</a:t>
+            </a:r>
+            <a:endParaRPr lang="en-US" altLang="zh-CN" sz="1600" dirty="0"/>
+          </a:p>
+          <a:p>
+            <a:pPr>
+              <a:lnSpc>
+                <a:spcPct val="150000"/>
+              </a:lnSpc>
+              <a:buFont typeface="Wingdings" panose="05000000000000000000" pitchFamily="2" charset="2"/>
+              <a:buChar char="Ø"/>
+            </a:pPr>
+            <a:r>
+              <a:rPr lang="zh-CN" altLang="en-US" sz="1600" dirty="0"/>
+              <a:t>允许用户将自己编写的包或命令行程序上传到</a:t>
+            </a:r>
+            <a:r>
+              <a:rPr lang="en-US" altLang="zh-CN" sz="1600" dirty="0"/>
+              <a:t>NPM</a:t>
+            </a:r>
+            <a:r>
+              <a:rPr lang="zh-CN" altLang="en-US" sz="1600" dirty="0"/>
+              <a:t>服务器供别人使用</a:t>
+            </a:r>
+            <a:endParaRPr lang="en-US" altLang="zh-CN" sz="1600" dirty="0"/>
+          </a:p>
+          <a:p>
+            <a:pPr>
+              <a:lnSpc>
+                <a:spcPct val="150000"/>
+              </a:lnSpc>
+              <a:buFont typeface="Wingdings" panose="05000000000000000000" pitchFamily="2" charset="2"/>
+              <a:buChar char="Ø"/>
+            </a:pPr>
+            <a:r>
+              <a:rPr lang="zh-CN" altLang="en-US" sz="1600" dirty="0"/>
+              <a:t>安装命令：</a:t>
+            </a:r>
+            <a:r>
+              <a:rPr lang="en-US" altLang="zh-CN" sz="1600" dirty="0" err="1"/>
+              <a:t>npm</a:t>
+            </a:r>
+            <a:r>
+              <a:rPr lang="en-US" altLang="zh-CN" sz="1600" dirty="0"/>
+              <a:t> install &lt;module name&gt; (-g:</a:t>
+            </a:r>
+            <a:r>
+              <a:rPr lang="zh-CN" altLang="en-US" sz="1600" dirty="0"/>
+              <a:t>全局安装</a:t>
+            </a:r>
+            <a:r>
+              <a:rPr lang="en-US" altLang="zh-CN" sz="1600" dirty="0"/>
+              <a:t> –save:</a:t>
+            </a:r>
+            <a:r>
+              <a:rPr lang="zh-CN" altLang="en-US" sz="1600" dirty="0"/>
+              <a:t>添加依赖</a:t>
+            </a:r>
+            <a:r>
+              <a:rPr lang="en-US" altLang="zh-CN" sz="1600" dirty="0"/>
               <a:t>)</a:t>
             </a:r>
           </a:p>
           <a:p>
-            <a:pPr marL="971550" lvl="1" indent="-514350">
-              <a:buFont typeface="+mj-lt"/>
-              <a:buAutoNum type="arabicPeriod"/>
+            <a:pPr>
+              <a:lnSpc>
+                <a:spcPct val="150000"/>
+              </a:lnSpc>
+              <a:buFont typeface="Wingdings" panose="05000000000000000000" pitchFamily="2" charset="2"/>
+              <a:buChar char="Ø"/>
             </a:pPr>
             <a:r>
-              <a:rPr lang="zh-CN" altLang="en-US" sz="1600" dirty="0" smtClean="0"/>
-              <a:t>创建服务器</a:t>
-            </a:r>
-            <a:r>
-              <a:rPr lang="en-US" altLang="zh-CN" sz="1600" dirty="0" smtClean="0"/>
-              <a:t>(</a:t>
-            </a:r>
-            <a:r>
-              <a:rPr lang="en-US" altLang="zh-CN" sz="1600" dirty="0" err="1" smtClean="0"/>
-              <a:t>createServer</a:t>
-            </a:r>
-            <a:r>
-              <a:rPr lang="en-US" altLang="zh-CN" sz="1600" dirty="0" smtClean="0"/>
-              <a:t>)</a:t>
-            </a:r>
-          </a:p>
-          <a:p>
-            <a:pPr marL="971550" lvl="1" indent="-514350">
-              <a:buFont typeface="+mj-lt"/>
-              <a:buAutoNum type="arabicPeriod"/>
-            </a:pPr>
-            <a:r>
-              <a:rPr lang="zh-CN" altLang="en-US" sz="1600" dirty="0" smtClean="0"/>
-              <a:t>接收请求、响应请求</a:t>
-            </a:r>
-            <a:r>
-              <a:rPr lang="en-US" altLang="zh-CN" sz="1600" dirty="0" smtClean="0"/>
-              <a:t>(</a:t>
-            </a:r>
-            <a:r>
-              <a:rPr lang="zh-CN" altLang="en-US" sz="1600" dirty="0" smtClean="0"/>
-              <a:t>解析</a:t>
-            </a:r>
-            <a:r>
-              <a:rPr lang="en-US" altLang="zh-CN" sz="1600" dirty="0" err="1" smtClean="0"/>
-              <a:t>url</a:t>
-            </a:r>
-            <a:r>
-              <a:rPr lang="en-US" altLang="zh-CN" sz="1600" dirty="0" smtClean="0"/>
-              <a:t>,</a:t>
-            </a:r>
-            <a:r>
-              <a:rPr lang="zh-CN" altLang="en-US" sz="1600" dirty="0" smtClean="0"/>
-              <a:t>获取请求参数，路由处理</a:t>
-            </a:r>
-            <a:r>
-              <a:rPr lang="en-US" altLang="zh-CN" sz="1600" dirty="0" smtClean="0"/>
-              <a:t>)</a:t>
-            </a:r>
-          </a:p>
-          <a:p>
-            <a:pPr marL="971550" lvl="1" indent="-514350">
-              <a:buFont typeface="+mj-lt"/>
-              <a:buAutoNum type="arabicPeriod"/>
-            </a:pPr>
-            <a:endParaRPr lang="zh-CN" altLang="en-US" sz="1600" dirty="0"/>
+              <a:rPr lang="zh-CN" altLang="en-US" sz="1600" dirty="0"/>
+              <a:t>卸载命令：</a:t>
+            </a:r>
+            <a:r>
+              <a:rPr lang="en-US" altLang="zh-CN" sz="1600" dirty="0" err="1"/>
+              <a:t>npm</a:t>
+            </a:r>
+            <a:r>
+              <a:rPr lang="en-US" altLang="zh-CN" sz="1600" dirty="0"/>
+              <a:t> uninstall &lt;module name&gt;</a:t>
+            </a:r>
+          </a:p>
+          <a:p>
+            <a:endParaRPr lang="zh-CN" altLang="en-US" dirty="0"/>
           </a:p>
         </p:txBody>
       </p:sp>
     </p:spTree>
     <p:extLst>
       <p:ext uri="{BB962C8B-B14F-4D97-AF65-F5344CB8AC3E}">
-        <p14:creationId xmlns:p14="http://schemas.microsoft.com/office/powerpoint/2010/main" val="491912028"/>
+        <p14:creationId xmlns:p14="http://schemas.microsoft.com/office/powerpoint/2010/main" val="2963858043"/>
       </p:ext>
     </p:extLst>
   </p:cSld>
@@ -10461,18 +11164,14 @@
           <a:lstStyle/>
           <a:p>
             <a:r>
-              <a:rPr lang="en-US" altLang="zh-CN" dirty="0"/>
+              <a:rPr lang="en-US" altLang="zh-CN" dirty="0" smtClean="0"/>
               <a:t>Node.js</a:t>
             </a:r>
             <a:r>
-              <a:rPr lang="zh-CN" altLang="en-US" dirty="0"/>
-              <a:t>包管理</a:t>
-            </a:r>
-            <a:r>
               <a:rPr lang="zh-CN" altLang="en-US" dirty="0" smtClean="0"/>
-              <a:t>工具</a:t>
-            </a:r>
-            <a:endParaRPr lang="zh-CN" altLang="en-US" dirty="0"/>
+              <a:t>模块系统</a:t>
+            </a:r>
+            <a:endParaRPr lang="en-US" altLang="zh-CN" dirty="0"/>
           </a:p>
         </p:txBody>
       </p:sp>
@@ -10494,282 +11193,23 @@
           <a:lstStyle/>
           <a:p>
             <a:pPr>
-              <a:lnSpc>
-                <a:spcPct val="150000"/>
-              </a:lnSpc>
               <a:buFont typeface="Wingdings" panose="05000000000000000000" pitchFamily="2" charset="2"/>
               <a:buChar char="Ø"/>
             </a:pPr>
             <a:r>
-              <a:rPr lang="en-US" altLang="zh-CN" sz="1600" dirty="0"/>
-              <a:t>NPM</a:t>
-            </a:r>
-            <a:r>
               <a:rPr lang="zh-CN" altLang="en-US" sz="1600" dirty="0" smtClean="0"/>
-              <a:t>是</a:t>
-            </a:r>
-            <a:r>
-              <a:rPr lang="zh-CN" altLang="en-US" sz="1600" dirty="0"/>
-              <a:t>随</a:t>
-            </a:r>
-            <a:r>
-              <a:rPr lang="en-US" altLang="zh-CN" sz="1600" dirty="0"/>
-              <a:t>node</a:t>
-            </a:r>
-            <a:r>
-              <a:rPr lang="zh-CN" altLang="en-US" sz="1600" dirty="0"/>
-              <a:t>一起安装的包管理工具，主要用于管理</a:t>
+              <a:t>模块：一个</a:t>
             </a:r>
             <a:r>
               <a:rPr lang="en-US" altLang="zh-CN" sz="1600" dirty="0" smtClean="0"/>
-              <a:t>node</a:t>
+              <a:t>node.js</a:t>
             </a:r>
             <a:r>
               <a:rPr lang="zh-CN" altLang="en-US" sz="1600" dirty="0" smtClean="0"/>
-              <a:t>应用</a:t>
-            </a:r>
-            <a:r>
-              <a:rPr lang="zh-CN" altLang="en-US" sz="1600" dirty="0"/>
-              <a:t>所</a:t>
-            </a:r>
-            <a:r>
-              <a:rPr lang="zh-CN" altLang="en-US" sz="1600" dirty="0" smtClean="0"/>
-              <a:t>依赖</a:t>
-            </a:r>
-            <a:r>
-              <a:rPr lang="en-US" altLang="zh-CN" sz="1600" dirty="0" smtClean="0"/>
-              <a:t/>
-            </a:r>
-            <a:br>
-              <a:rPr lang="en-US" altLang="zh-CN" sz="1600" dirty="0" smtClean="0"/>
-            </a:br>
-            <a:r>
-              <a:rPr lang="zh-CN" altLang="en-US" sz="1600" dirty="0" smtClean="0"/>
-              <a:t>的</a:t>
-            </a:r>
-            <a:r>
-              <a:rPr lang="zh-CN" altLang="en-US" sz="1600" dirty="0"/>
-              <a:t>模块</a:t>
-            </a:r>
-            <a:r>
-              <a:rPr lang="zh-CN" altLang="en-US" sz="1600" dirty="0" smtClean="0"/>
-              <a:t>，</a:t>
+              <a:t>文件就是一个模块，文件和模块是一一对应的</a:t>
             </a:r>
             <a:endParaRPr lang="en-US" altLang="zh-CN" sz="1600" dirty="0" smtClean="0"/>
           </a:p>
-          <a:p>
-            <a:pPr>
-              <a:lnSpc>
-                <a:spcPct val="150000"/>
-              </a:lnSpc>
-              <a:buFont typeface="Wingdings" panose="05000000000000000000" pitchFamily="2" charset="2"/>
-              <a:buChar char="Ø"/>
-            </a:pPr>
-            <a:r>
-              <a:rPr lang="zh-CN" altLang="en-US" sz="1600" dirty="0" smtClean="0"/>
-              <a:t>允许</a:t>
-            </a:r>
-            <a:r>
-              <a:rPr lang="zh-CN" altLang="en-US" sz="1600" dirty="0"/>
-              <a:t>用户从</a:t>
-            </a:r>
-            <a:r>
-              <a:rPr lang="en-US" altLang="zh-CN" sz="1600" dirty="0"/>
-              <a:t>NPM</a:t>
-            </a:r>
-            <a:r>
-              <a:rPr lang="zh-CN" altLang="en-US" sz="1600" dirty="0"/>
-              <a:t>服务器下载别人编写的第三方包到本地使用</a:t>
-            </a:r>
-            <a:endParaRPr lang="en-US" altLang="zh-CN" sz="1600" dirty="0"/>
-          </a:p>
-          <a:p>
-            <a:pPr>
-              <a:lnSpc>
-                <a:spcPct val="150000"/>
-              </a:lnSpc>
-              <a:buFont typeface="Wingdings" panose="05000000000000000000" pitchFamily="2" charset="2"/>
-              <a:buChar char="Ø"/>
-            </a:pPr>
-            <a:r>
-              <a:rPr lang="zh-CN" altLang="en-US" sz="1600" dirty="0"/>
-              <a:t>允许用户从</a:t>
-            </a:r>
-            <a:r>
-              <a:rPr lang="en-US" altLang="zh-CN" sz="1600" dirty="0"/>
-              <a:t>NPM</a:t>
-            </a:r>
-            <a:r>
-              <a:rPr lang="zh-CN" altLang="en-US" sz="1600" dirty="0"/>
-              <a:t>服务器下载并安装别人编写的命令行程序到本地使用</a:t>
-            </a:r>
-            <a:endParaRPr lang="en-US" altLang="zh-CN" sz="1600" dirty="0"/>
-          </a:p>
-          <a:p>
-            <a:pPr>
-              <a:lnSpc>
-                <a:spcPct val="150000"/>
-              </a:lnSpc>
-              <a:buFont typeface="Wingdings" panose="05000000000000000000" pitchFamily="2" charset="2"/>
-              <a:buChar char="Ø"/>
-            </a:pPr>
-            <a:r>
-              <a:rPr lang="zh-CN" altLang="en-US" sz="1600" dirty="0"/>
-              <a:t>允许用户将自己编写的包或命令行程序上传到</a:t>
-            </a:r>
-            <a:r>
-              <a:rPr lang="en-US" altLang="zh-CN" sz="1600" dirty="0"/>
-              <a:t>NPM</a:t>
-            </a:r>
-            <a:r>
-              <a:rPr lang="zh-CN" altLang="en-US" sz="1600" dirty="0"/>
-              <a:t>服务器供别人使用</a:t>
-            </a:r>
-            <a:endParaRPr lang="en-US" altLang="zh-CN" sz="1600" dirty="0"/>
-          </a:p>
-          <a:p>
-            <a:pPr>
-              <a:lnSpc>
-                <a:spcPct val="150000"/>
-              </a:lnSpc>
-              <a:buFont typeface="Wingdings" panose="05000000000000000000" pitchFamily="2" charset="2"/>
-              <a:buChar char="Ø"/>
-            </a:pPr>
-            <a:r>
-              <a:rPr lang="zh-CN" altLang="en-US" sz="1600" dirty="0"/>
-              <a:t>安装命令：</a:t>
-            </a:r>
-            <a:r>
-              <a:rPr lang="en-US" altLang="zh-CN" sz="1600" dirty="0" err="1"/>
-              <a:t>npm</a:t>
-            </a:r>
-            <a:r>
-              <a:rPr lang="en-US" altLang="zh-CN" sz="1600" dirty="0"/>
-              <a:t> install &lt;module name&gt; (-g:</a:t>
-            </a:r>
-            <a:r>
-              <a:rPr lang="zh-CN" altLang="en-US" sz="1600" dirty="0"/>
-              <a:t>全局安装</a:t>
-            </a:r>
-            <a:r>
-              <a:rPr lang="en-US" altLang="zh-CN" sz="1600" dirty="0"/>
-              <a:t> –save:</a:t>
-            </a:r>
-            <a:r>
-              <a:rPr lang="zh-CN" altLang="en-US" sz="1600" dirty="0"/>
-              <a:t>添加依赖</a:t>
-            </a:r>
-            <a:r>
-              <a:rPr lang="en-US" altLang="zh-CN" sz="1600" dirty="0"/>
-              <a:t>)</a:t>
-            </a:r>
-          </a:p>
-          <a:p>
-            <a:pPr>
-              <a:lnSpc>
-                <a:spcPct val="150000"/>
-              </a:lnSpc>
-              <a:buFont typeface="Wingdings" panose="05000000000000000000" pitchFamily="2" charset="2"/>
-              <a:buChar char="Ø"/>
-            </a:pPr>
-            <a:r>
-              <a:rPr lang="zh-CN" altLang="en-US" sz="1600" dirty="0"/>
-              <a:t>卸载命令：</a:t>
-            </a:r>
-            <a:r>
-              <a:rPr lang="en-US" altLang="zh-CN" sz="1600" dirty="0" err="1"/>
-              <a:t>npm</a:t>
-            </a:r>
-            <a:r>
-              <a:rPr lang="en-US" altLang="zh-CN" sz="1600" dirty="0"/>
-              <a:t> uninstall &lt;module name&gt;</a:t>
-            </a:r>
-          </a:p>
-          <a:p>
-            <a:endParaRPr lang="zh-CN" altLang="en-US" dirty="0"/>
-          </a:p>
-        </p:txBody>
-      </p:sp>
-    </p:spTree>
-    <p:extLst>
-      <p:ext uri="{BB962C8B-B14F-4D97-AF65-F5344CB8AC3E}">
-        <p14:creationId xmlns:p14="http://schemas.microsoft.com/office/powerpoint/2010/main" val="2963858043"/>
-      </p:ext>
-    </p:extLst>
-  </p:cSld>
-  <p:clrMapOvr>
-    <a:masterClrMapping/>
-  </p:clrMapOvr>
-  <p:timing>
-    <p:tnLst>
-      <p:par>
-        <p:cTn id="1" dur="indefinite" restart="never" nodeType="tmRoot"/>
-      </p:par>
-    </p:tnLst>
-  </p:timing>
-</p:sld>
-</file>
-
-<file path=ppt/slides/slide5.xml><?xml version="1.0" encoding="utf-8"?>
-<p:sld xmlns:a="http://schemas.openxmlformats.org/drawingml/2006/main" xmlns:r="http://schemas.openxmlformats.org/officeDocument/2006/relationships" xmlns:p="http://schemas.openxmlformats.org/presentationml/2006/main">
-  <p:cSld>
-    <p:spTree>
-      <p:nvGrpSpPr>
-        <p:cNvPr id="1" name=""/>
-        <p:cNvGrpSpPr/>
-        <p:nvPr/>
-      </p:nvGrpSpPr>
-      <p:grpSpPr>
-        <a:xfrm>
-          <a:off x="0" y="0"/>
-          <a:ext cx="0" cy="0"/>
-          <a:chOff x="0" y="0"/>
-          <a:chExt cx="0" cy="0"/>
-        </a:xfrm>
-      </p:grpSpPr>
-      <p:sp>
-        <p:nvSpPr>
-          <p:cNvPr id="2" name="标题 1"/>
-          <p:cNvSpPr>
-            <a:spLocks noGrp="1"/>
-          </p:cNvSpPr>
-          <p:nvPr>
-            <p:ph type="title"/>
-          </p:nvPr>
-        </p:nvSpPr>
-        <p:spPr/>
-        <p:txBody>
-          <a:bodyPr/>
-          <a:lstStyle/>
-          <a:p>
-            <a:r>
-              <a:rPr lang="en-US" altLang="zh-CN" dirty="0" smtClean="0"/>
-              <a:t>Node.js</a:t>
-            </a:r>
-            <a:r>
-              <a:rPr lang="zh-CN" altLang="en-US" dirty="0" smtClean="0"/>
-              <a:t>模块系统</a:t>
-            </a:r>
-            <a:endParaRPr lang="en-US" altLang="zh-CN" dirty="0"/>
-          </a:p>
-        </p:txBody>
-      </p:sp>
-      <p:sp>
-        <p:nvSpPr>
-          <p:cNvPr id="3" name="内容占位符 2"/>
-          <p:cNvSpPr>
-            <a:spLocks noGrp="1"/>
-          </p:cNvSpPr>
-          <p:nvPr>
-            <p:ph idx="1"/>
-          </p:nvPr>
-        </p:nvSpPr>
-        <p:spPr/>
-        <p:txBody>
-          <a:bodyPr>
-            <a:normAutofit/>
-          </a:bodyPr>
-          <a:lstStyle/>
           <a:p>
             <a:pPr>
               <a:buFont typeface="Wingdings" panose="05000000000000000000" pitchFamily="2" charset="2"/>
@@ -10777,15 +11217,7 @@
             </a:pPr>
             <a:r>
               <a:rPr lang="zh-CN" altLang="en-US" sz="1600" dirty="0" smtClean="0"/>
-              <a:t>模块：一个</a:t>
-            </a:r>
-            <a:r>
-              <a:rPr lang="en-US" altLang="zh-CN" sz="1600" dirty="0" smtClean="0"/>
-              <a:t>node.js</a:t>
-            </a:r>
-            <a:r>
-              <a:rPr lang="zh-CN" altLang="en-US" sz="1600" dirty="0" smtClean="0"/>
-              <a:t>文件就是一个模块，文件和模块是一一对应的</a:t>
+              <a:t>分类：原生模块、本地模块、第三方模块</a:t>
             </a:r>
             <a:endParaRPr lang="en-US" altLang="zh-CN" sz="1600" dirty="0" smtClean="0"/>
           </a:p>
@@ -10796,17 +11228,6 @@
             </a:pPr>
             <a:r>
               <a:rPr lang="zh-CN" altLang="en-US" sz="1600" dirty="0" smtClean="0"/>
-              <a:t>分类：原生模块、本地模块、第三方模块</a:t>
-            </a:r>
-            <a:endParaRPr lang="en-US" altLang="zh-CN" sz="1600" dirty="0" smtClean="0"/>
-          </a:p>
-          <a:p>
-            <a:pPr>
-              <a:buFont typeface="Wingdings" panose="05000000000000000000" pitchFamily="2" charset="2"/>
-              <a:buChar char="Ø"/>
-            </a:pPr>
-            <a:r>
-              <a:rPr lang="zh-CN" altLang="en-US" sz="1600" dirty="0" smtClean="0"/>
               <a:t>定义模块（本地模块）：</a:t>
             </a:r>
             <a:r>
@@ -10823,12 +11244,13 @@
             </a:r>
             <a:r>
               <a:rPr lang="zh-CN" altLang="en-US" sz="1600" dirty="0" smtClean="0"/>
-              <a:t>举例</a:t>
+              <a:t>举例说明</a:t>
             </a:r>
             <a:r>
               <a:rPr lang="en-US" altLang="zh-CN" sz="1600" dirty="0" smtClean="0"/>
               <a:t>)</a:t>
             </a:r>
+            <a:endParaRPr lang="en-US" altLang="zh-CN" sz="1600" dirty="0" smtClean="0"/>
           </a:p>
           <a:p>
             <a:pPr>
@@ -10912,7 +11334,7 @@
 </p:sld>
 </file>
 
-<file path=ppt/slides/slide6.xml><?xml version="1.0" encoding="utf-8"?>
+<file path=ppt/slides/slide5.xml><?xml version="1.0" encoding="utf-8"?>
 <p:sld xmlns:a="http://schemas.openxmlformats.org/drawingml/2006/main" xmlns:r="http://schemas.openxmlformats.org/officeDocument/2006/relationships" xmlns:p="http://schemas.openxmlformats.org/presentationml/2006/main">
   <p:cSld>
     <p:spTree>
@@ -11101,7 +11523,7 @@
 </p:sld>
 </file>
 
-<file path=ppt/slides/slide7.xml><?xml version="1.0" encoding="utf-8"?>
+<file path=ppt/slides/slide6.xml><?xml version="1.0" encoding="utf-8"?>
 <p:sld xmlns:a="http://schemas.openxmlformats.org/drawingml/2006/main" xmlns:r="http://schemas.openxmlformats.org/officeDocument/2006/relationships" xmlns:p="http://schemas.openxmlformats.org/presentationml/2006/main">
   <p:cSld>
     <p:spTree>
@@ -11319,16 +11741,9 @@
               <a:t>程序执行结束</a:t>
             </a:r>
             <a:r>
-              <a:rPr lang="en-US" altLang="zh-CN" sz="1600" dirty="0"/>
+              <a:rPr lang="en-US" altLang="zh-CN" sz="1600" dirty="0" smtClean="0"/>
               <a:t>!");</a:t>
             </a:r>
-          </a:p>
-          <a:p>
-            <a:pPr>
-              <a:buFont typeface="Wingdings" panose="05000000000000000000" pitchFamily="2" charset="2"/>
-              <a:buChar char="Ø"/>
-            </a:pPr>
-            <a:endParaRPr lang="en-US" altLang="zh-CN" dirty="0" smtClean="0"/>
           </a:p>
         </p:txBody>
       </p:sp>
@@ -11433,6 +11848,258 @@
     <p:extLst>
       <p:ext uri="{BB962C8B-B14F-4D97-AF65-F5344CB8AC3E}">
         <p14:creationId xmlns:p14="http://schemas.microsoft.com/office/powerpoint/2010/main" val="2579150331"/>
+      </p:ext>
+    </p:extLst>
+  </p:cSld>
+  <p:clrMapOvr>
+    <a:masterClrMapping/>
+  </p:clrMapOvr>
+  <p:timing>
+    <p:tnLst>
+      <p:par>
+        <p:cTn id="1" dur="indefinite" restart="never" nodeType="tmRoot"/>
+      </p:par>
+    </p:tnLst>
+  </p:timing>
+</p:sld>
+</file>
+
+<file path=ppt/slides/slide7.xml><?xml version="1.0" encoding="utf-8"?>
+<p:sld xmlns:a="http://schemas.openxmlformats.org/drawingml/2006/main" xmlns:r="http://schemas.openxmlformats.org/officeDocument/2006/relationships" xmlns:p="http://schemas.openxmlformats.org/presentationml/2006/main">
+  <p:cSld>
+    <p:spTree>
+      <p:nvGrpSpPr>
+        <p:cNvPr id="1" name=""/>
+        <p:cNvGrpSpPr/>
+        <p:nvPr/>
+      </p:nvGrpSpPr>
+      <p:grpSpPr>
+        <a:xfrm>
+          <a:off x="0" y="0"/>
+          <a:ext cx="0" cy="0"/>
+          <a:chOff x="0" y="0"/>
+          <a:chExt cx="0" cy="0"/>
+        </a:xfrm>
+      </p:grpSpPr>
+      <p:sp>
+        <p:nvSpPr>
+          <p:cNvPr id="2" name="标题 1"/>
+          <p:cNvSpPr>
+            <a:spLocks noGrp="1"/>
+          </p:cNvSpPr>
+          <p:nvPr>
+            <p:ph type="title"/>
+          </p:nvPr>
+        </p:nvSpPr>
+        <p:spPr/>
+        <p:txBody>
+          <a:bodyPr/>
+          <a:lstStyle/>
+          <a:p>
+            <a:r>
+              <a:rPr lang="zh-CN" altLang="en-US" dirty="0" smtClean="0"/>
+              <a:t>同步</a:t>
+            </a:r>
+            <a:r>
+              <a:rPr lang="en-US" altLang="zh-CN" dirty="0" smtClean="0"/>
+              <a:t>IO</a:t>
+            </a:r>
+            <a:r>
+              <a:rPr lang="zh-CN" altLang="en-US" dirty="0" smtClean="0"/>
+              <a:t>与异步</a:t>
+            </a:r>
+            <a:r>
+              <a:rPr lang="en-US" altLang="zh-CN" dirty="0" smtClean="0"/>
+              <a:t>IO</a:t>
+            </a:r>
+            <a:endParaRPr lang="zh-CN" altLang="en-US" dirty="0"/>
+          </a:p>
+        </p:txBody>
+      </p:sp>
+      <p:sp>
+        <p:nvSpPr>
+          <p:cNvPr id="3" name="内容占位符 2"/>
+          <p:cNvSpPr>
+            <a:spLocks noGrp="1"/>
+          </p:cNvSpPr>
+          <p:nvPr>
+            <p:ph idx="1"/>
+          </p:nvPr>
+        </p:nvSpPr>
+        <p:spPr/>
+        <p:txBody>
+          <a:bodyPr/>
+          <a:lstStyle/>
+          <a:p>
+            <a:r>
+              <a:rPr lang="zh-CN" altLang="en-US" dirty="0" smtClean="0"/>
+              <a:t>文件读取：</a:t>
+            </a:r>
+            <a:endParaRPr lang="en-US" altLang="zh-CN" dirty="0"/>
+          </a:p>
+          <a:p>
+            <a:pPr lvl="6"/>
+            <a:r>
+              <a:rPr lang="en-US" altLang="zh-CN" dirty="0" err="1" smtClean="0"/>
+              <a:t>fs.readFileSync</a:t>
+            </a:r>
+            <a:r>
+              <a:rPr lang="en-US" altLang="zh-CN" dirty="0" smtClean="0"/>
+              <a:t>(“</a:t>
+            </a:r>
+            <a:r>
+              <a:rPr lang="en-US" altLang="zh-CN" dirty="0" err="1" smtClean="0"/>
+              <a:t>file.text</a:t>
+            </a:r>
+            <a:r>
+              <a:rPr lang="en-US" altLang="zh-CN" dirty="0" smtClean="0"/>
+              <a:t>”);</a:t>
+            </a:r>
+          </a:p>
+          <a:p>
+            <a:pPr lvl="6"/>
+            <a:r>
+              <a:rPr lang="en-US" altLang="zh-CN" dirty="0" err="1"/>
+              <a:t>f</a:t>
+            </a:r>
+            <a:r>
+              <a:rPr lang="en-US" altLang="zh-CN" dirty="0" err="1" smtClean="0"/>
+              <a:t>s.readFileSync</a:t>
+            </a:r>
+            <a:r>
+              <a:rPr lang="en-US" altLang="zh-CN" dirty="0" smtClean="0"/>
+              <a:t>(“</a:t>
+            </a:r>
+            <a:r>
+              <a:rPr lang="en-US" altLang="zh-CN" dirty="0" err="1" smtClean="0"/>
+              <a:t>input.json</a:t>
+            </a:r>
+            <a:r>
+              <a:rPr lang="en-US" altLang="zh-CN" dirty="0" smtClean="0"/>
+              <a:t>”);</a:t>
+            </a:r>
+            <a:endParaRPr lang="en-US" altLang="zh-CN" dirty="0"/>
+          </a:p>
+          <a:p>
+            <a:pPr lvl="1">
+              <a:lnSpc>
+                <a:spcPct val="150000"/>
+              </a:lnSpc>
+            </a:pPr>
+            <a:r>
+              <a:rPr lang="zh-CN" altLang="en-US" sz="1600" dirty="0" smtClean="0"/>
+              <a:t>以上两段代码以同步方式读取两个文件，在</a:t>
+            </a:r>
+            <a:r>
+              <a:rPr lang="en-US" altLang="zh-CN" sz="1600" dirty="0" smtClean="0"/>
+              <a:t>IO</a:t>
+            </a:r>
+            <a:r>
+              <a:rPr lang="zh-CN" altLang="en-US" sz="1600" dirty="0" smtClean="0"/>
+              <a:t>操作完成之前后面的操作都被阻塞，而两个文件读取的总耗时是两个任务的耗时之和</a:t>
+            </a:r>
+            <a:endParaRPr lang="en-US" altLang="zh-CN" sz="1600" dirty="0" smtClean="0"/>
+          </a:p>
+          <a:p>
+            <a:pPr lvl="1"/>
+            <a:r>
+              <a:rPr lang="zh-CN" altLang="en-US" sz="1600" dirty="0" smtClean="0"/>
+              <a:t>如果修改成异步</a:t>
+            </a:r>
+            <a:r>
+              <a:rPr lang="en-US" altLang="zh-CN" sz="1600" dirty="0" smtClean="0"/>
+              <a:t>IO</a:t>
+            </a:r>
+            <a:r>
+              <a:rPr lang="zh-CN" altLang="en-US" sz="1600" dirty="0" smtClean="0"/>
+              <a:t>：</a:t>
+            </a:r>
+            <a:endParaRPr lang="en-US" altLang="zh-CN" sz="1600" dirty="0" smtClean="0"/>
+          </a:p>
+          <a:p>
+            <a:pPr lvl="5"/>
+            <a:r>
+              <a:rPr lang="en-US" altLang="zh-CN" dirty="0" err="1"/>
+              <a:t>f</a:t>
+            </a:r>
+            <a:r>
+              <a:rPr lang="en-US" altLang="zh-CN" dirty="0" err="1" smtClean="0"/>
+              <a:t>s.readFile</a:t>
+            </a:r>
+            <a:r>
+              <a:rPr lang="en-US" altLang="zh-CN" dirty="0" smtClean="0"/>
+              <a:t>(“</a:t>
+            </a:r>
+            <a:r>
+              <a:rPr lang="en-US" altLang="zh-CN" dirty="0" err="1" smtClean="0"/>
+              <a:t>file.text”,function</a:t>
+            </a:r>
+            <a:r>
+              <a:rPr lang="en-US" altLang="zh-CN" dirty="0" smtClean="0"/>
+              <a:t>(</a:t>
+            </a:r>
+            <a:r>
+              <a:rPr lang="en-US" altLang="zh-CN" dirty="0" err="1" smtClean="0"/>
+              <a:t>err,data</a:t>
+            </a:r>
+            <a:r>
+              <a:rPr lang="en-US" altLang="zh-CN" dirty="0" smtClean="0"/>
+              <a:t>){})</a:t>
+            </a:r>
+          </a:p>
+          <a:p>
+            <a:pPr lvl="5"/>
+            <a:r>
+              <a:rPr lang="en-US" altLang="zh-CN" dirty="0" err="1"/>
+              <a:t>fs.readFile</a:t>
+            </a:r>
+            <a:r>
+              <a:rPr lang="en-US" altLang="zh-CN" dirty="0" smtClean="0"/>
+              <a:t>(“input.</a:t>
+            </a:r>
+            <a:r>
+              <a:rPr lang="en-US" altLang="zh-CN" dirty="0" err="1" smtClean="0"/>
+              <a:t>json</a:t>
+            </a:r>
+            <a:r>
+              <a:rPr lang="en-US" altLang="zh-CN" dirty="0" smtClean="0"/>
+              <a:t>”,</a:t>
+            </a:r>
+            <a:r>
+              <a:rPr lang="en-US" altLang="zh-CN" dirty="0"/>
+              <a:t>function(</a:t>
+            </a:r>
+            <a:r>
+              <a:rPr lang="en-US" altLang="zh-CN" dirty="0" err="1"/>
+              <a:t>err,data</a:t>
+            </a:r>
+            <a:r>
+              <a:rPr lang="en-US" altLang="zh-CN" dirty="0" smtClean="0"/>
+              <a:t>){})</a:t>
+            </a:r>
+          </a:p>
+          <a:p>
+            <a:pPr lvl="1"/>
+            <a:r>
+              <a:rPr lang="zh-CN" altLang="en-US" sz="1600" dirty="0" smtClean="0"/>
+              <a:t>两个文件读取的总耗时是</a:t>
+            </a:r>
+            <a:r>
+              <a:rPr lang="en-US" altLang="zh-CN" sz="1600" dirty="0" smtClean="0"/>
+              <a:t>max(time1,time2)</a:t>
+            </a:r>
+            <a:r>
+              <a:rPr lang="zh-CN" altLang="en-US" sz="1600" dirty="0" smtClean="0"/>
+              <a:t>，由此可以看出异步带来的优势是显而易见的</a:t>
+            </a:r>
+            <a:endParaRPr lang="en-US" altLang="zh-CN" sz="1600" dirty="0" smtClean="0"/>
+          </a:p>
+        </p:txBody>
+      </p:sp>
+    </p:spTree>
+    <p:extLst>
+      <p:ext uri="{BB962C8B-B14F-4D97-AF65-F5344CB8AC3E}">
+        <p14:creationId xmlns:p14="http://schemas.microsoft.com/office/powerpoint/2010/main" val="54940538"/>
       </p:ext>
     </p:extLst>
   </p:cSld>
@@ -12332,7 +12999,7 @@
   <a:extraClrSchemeLst/>
   <a:extLst>
     <a:ext uri="{05A4C25C-085E-4340-85A3-A5531E510DB2}">
-      <thm15:themeFamily xmlns="" xmlns:thm15="http://schemas.microsoft.com/office/thememl/2012/main" name="Banded" id="{98DFF888-2449-4D28-977C-6306C017633E}" vid="{9792607F-9579-4224-82FF-9C88C3E1E53D}"/>
+      <thm15:themeFamily xmlns:thm15="http://schemas.microsoft.com/office/thememl/2012/main" name="Banded" id="{98DFF888-2449-4D28-977C-6306C017633E}" vid="{9792607F-9579-4224-82FF-9C88C3E1E53D}"/>
     </a:ext>
   </a:extLst>
 </a:theme>

--- a/mix/技术分享/NODE技术分享.pptx
+++ b/mix/技术分享/NODE技术分享.pptx
@@ -7,30 +7,31 @@
   <p:sldIdLst>
     <p:sldId id="271" r:id="rId2"/>
     <p:sldId id="279" r:id="rId3"/>
-    <p:sldId id="280" r:id="rId4"/>
-    <p:sldId id="273" r:id="rId5"/>
-    <p:sldId id="275" r:id="rId6"/>
-    <p:sldId id="276" r:id="rId7"/>
-    <p:sldId id="289" r:id="rId8"/>
+    <p:sldId id="273" r:id="rId4"/>
+    <p:sldId id="275" r:id="rId5"/>
+    <p:sldId id="276" r:id="rId6"/>
+    <p:sldId id="289" r:id="rId7"/>
+    <p:sldId id="293" r:id="rId8"/>
     <p:sldId id="277" r:id="rId9"/>
     <p:sldId id="274" r:id="rId10"/>
-    <p:sldId id="282" r:id="rId11"/>
-    <p:sldId id="281" r:id="rId12"/>
-    <p:sldId id="278" r:id="rId13"/>
-    <p:sldId id="283" r:id="rId14"/>
-    <p:sldId id="259" r:id="rId15"/>
-    <p:sldId id="261" r:id="rId16"/>
-    <p:sldId id="262" r:id="rId17"/>
-    <p:sldId id="263" r:id="rId18"/>
-    <p:sldId id="264" r:id="rId19"/>
-    <p:sldId id="265" r:id="rId20"/>
-    <p:sldId id="266" r:id="rId21"/>
-    <p:sldId id="290" r:id="rId22"/>
-    <p:sldId id="291" r:id="rId23"/>
-    <p:sldId id="287" r:id="rId24"/>
-    <p:sldId id="284" r:id="rId25"/>
-    <p:sldId id="285" r:id="rId26"/>
-    <p:sldId id="286" r:id="rId27"/>
+    <p:sldId id="292" r:id="rId11"/>
+    <p:sldId id="282" r:id="rId12"/>
+    <p:sldId id="281" r:id="rId13"/>
+    <p:sldId id="278" r:id="rId14"/>
+    <p:sldId id="283" r:id="rId15"/>
+    <p:sldId id="259" r:id="rId16"/>
+    <p:sldId id="261" r:id="rId17"/>
+    <p:sldId id="262" r:id="rId18"/>
+    <p:sldId id="263" r:id="rId19"/>
+    <p:sldId id="264" r:id="rId20"/>
+    <p:sldId id="265" r:id="rId21"/>
+    <p:sldId id="266" r:id="rId22"/>
+    <p:sldId id="290" r:id="rId23"/>
+    <p:sldId id="291" r:id="rId24"/>
+    <p:sldId id="287" r:id="rId25"/>
+    <p:sldId id="284" r:id="rId26"/>
+    <p:sldId id="285" r:id="rId27"/>
+    <p:sldId id="286" r:id="rId28"/>
   </p:sldIdLst>
   <p:sldSz cx="9144000" cy="6858000" type="screen4x3"/>
   <p:notesSz cx="6858000" cy="9144000"/>
@@ -131,7 +132,7 @@
   </p:defaultTextStyle>
   <p:extLst>
     <p:ext uri="{EFAFB233-063F-42B5-8137-9DF3F51BA10A}">
-      <p15:sldGuideLst xmlns:p15="http://schemas.microsoft.com/office/powerpoint/2012/main">
+      <p15:sldGuideLst xmlns:p15="http://schemas.microsoft.com/office/powerpoint/2012/main" xmlns="">
         <p15:guide id="1" orient="horz" pos="2160">
           <p15:clr>
             <a:srgbClr val="A4A3A4"/>
@@ -7262,7 +7263,7 @@
         <p:spPr/>
         <p:txBody>
           <a:bodyPr>
-            <a:normAutofit fontScale="92500" lnSpcReduction="10000"/>
+            <a:normAutofit lnSpcReduction="10000"/>
           </a:bodyPr>
           <a:lstStyle/>
           <a:p>
@@ -7286,22 +7287,7 @@
               <a:buChar char="Ø"/>
             </a:pPr>
             <a:r>
-              <a:rPr lang="en-US" altLang="zh-CN" dirty="0" smtClean="0"/>
-              <a:t>Node.js</a:t>
-            </a:r>
-            <a:r>
-              <a:rPr lang="zh-CN" altLang="en-US" dirty="0" smtClean="0"/>
-              <a:t>包管理工具</a:t>
-            </a:r>
-            <a:endParaRPr lang="en-US" altLang="zh-CN" dirty="0" smtClean="0"/>
-          </a:p>
-          <a:p>
-            <a:pPr>
-              <a:buFont typeface="Wingdings" panose="05000000000000000000" pitchFamily="2" charset="2"/>
-              <a:buChar char="Ø"/>
-            </a:pPr>
-            <a:r>
-              <a:rPr lang="en-US" altLang="zh-CN" dirty="0" smtClean="0"/>
+              <a:rPr lang="en-US" altLang="zh-CN" smtClean="0"/>
               <a:t>Node.js</a:t>
             </a:r>
             <a:r>
@@ -7473,14 +7459,13 @@
           <a:lstStyle/>
           <a:p>
             <a:r>
-              <a:rPr lang="en-US" altLang="zh-CN" dirty="0" smtClean="0"/>
-              <a:t>Node.js web</a:t>
-            </a:r>
-            <a:r>
-              <a:rPr lang="zh-CN" altLang="en-US" dirty="0" smtClean="0"/>
-              <a:t>模块</a:t>
-            </a:r>
-            <a:endParaRPr lang="zh-CN" altLang="en-US" dirty="0"/>
+              <a:rPr lang="en-US" altLang="zh-CN" dirty="0"/>
+              <a:t>Node</a:t>
+            </a:r>
+            <a:r>
+              <a:rPr lang="zh-CN" altLang="en-US" dirty="0"/>
+              <a:t>事件机制</a:t>
+            </a:r>
           </a:p>
         </p:txBody>
       </p:sp>
@@ -7499,87 +7484,508 @@
           <a:bodyPr/>
           <a:lstStyle/>
           <a:p>
-            <a:pPr>
-              <a:buFont typeface="Wingdings" panose="05000000000000000000" pitchFamily="2" charset="2"/>
-              <a:buChar char="Ø"/>
-            </a:pPr>
             <a:r>
               <a:rPr lang="zh-CN" altLang="en-US" dirty="0" smtClean="0"/>
-              <a:t>创建</a:t>
-            </a:r>
-            <a:r>
-              <a:rPr lang="en-US" altLang="zh-CN" dirty="0" smtClean="0"/>
-              <a:t>web</a:t>
-            </a:r>
+              <a:t>事件循环</a:t>
+            </a:r>
+            <a:endParaRPr lang="zh-CN" altLang="en-US" dirty="0"/>
+          </a:p>
+        </p:txBody>
+      </p:sp>
+      <p:cxnSp>
+        <p:nvCxnSpPr>
+          <p:cNvPr id="6" name="直接箭头连接符 5"/>
+          <p:cNvCxnSpPr/>
+          <p:nvPr/>
+        </p:nvCxnSpPr>
+        <p:spPr>
+          <a:xfrm>
+            <a:off x="4525144" y="2444733"/>
+            <a:ext cx="0" cy="264187"/>
+          </a:xfrm>
+          <a:prstGeom prst="straightConnector1">
+            <a:avLst/>
+          </a:prstGeom>
+          <a:ln>
+            <a:tailEnd type="arrow"/>
+          </a:ln>
+        </p:spPr>
+        <p:style>
+          <a:lnRef idx="1">
+            <a:schemeClr val="accent1"/>
+          </a:lnRef>
+          <a:fillRef idx="0">
+            <a:schemeClr val="accent1"/>
+          </a:fillRef>
+          <a:effectRef idx="0">
+            <a:schemeClr val="accent1"/>
+          </a:effectRef>
+          <a:fontRef idx="minor">
+            <a:schemeClr val="tx1"/>
+          </a:fontRef>
+        </p:style>
+      </p:cxnSp>
+      <p:sp>
+        <p:nvSpPr>
+          <p:cNvPr id="7" name="矩形 6"/>
+          <p:cNvSpPr/>
+          <p:nvPr/>
+        </p:nvSpPr>
+        <p:spPr>
+          <a:xfrm>
+            <a:off x="3563888" y="2708920"/>
+            <a:ext cx="1872208" cy="504056"/>
+          </a:xfrm>
+          <a:prstGeom prst="rect">
+            <a:avLst/>
+          </a:prstGeom>
+        </p:spPr>
+        <p:style>
+          <a:lnRef idx="2">
+            <a:schemeClr val="accent1">
+              <a:shade val="50000"/>
+            </a:schemeClr>
+          </a:lnRef>
+          <a:fillRef idx="1">
+            <a:schemeClr val="accent1"/>
+          </a:fillRef>
+          <a:effectRef idx="0">
+            <a:schemeClr val="accent1"/>
+          </a:effectRef>
+          <a:fontRef idx="minor">
+            <a:schemeClr val="lt1"/>
+          </a:fontRef>
+        </p:style>
+        <p:txBody>
+          <a:bodyPr rtlCol="0" anchor="ctr"/>
+          <a:lstStyle/>
+          <a:p>
+            <a:pPr algn="ctr"/>
             <a:r>
               <a:rPr lang="zh-CN" altLang="en-US" dirty="0" smtClean="0"/>
-              <a:t>服务器：</a:t>
-            </a:r>
-            <a:r>
-              <a:rPr lang="en-US" altLang="zh-CN" dirty="0" smtClean="0"/>
-              <a:t>http</a:t>
-            </a:r>
+              <a:t>是否还有事件？</a:t>
+            </a:r>
+            <a:endParaRPr lang="zh-CN" altLang="en-US" dirty="0"/>
+          </a:p>
+        </p:txBody>
+      </p:sp>
+      <p:cxnSp>
+        <p:nvCxnSpPr>
+          <p:cNvPr id="9" name="直接箭头连接符 8"/>
+          <p:cNvCxnSpPr>
+            <a:stCxn id="7" idx="2"/>
+          </p:cNvCxnSpPr>
+          <p:nvPr/>
+        </p:nvCxnSpPr>
+        <p:spPr>
+          <a:xfrm>
+            <a:off x="4499992" y="3212976"/>
+            <a:ext cx="25152" cy="1152128"/>
+          </a:xfrm>
+          <a:prstGeom prst="straightConnector1">
+            <a:avLst/>
+          </a:prstGeom>
+          <a:ln>
+            <a:tailEnd type="arrow"/>
+          </a:ln>
+        </p:spPr>
+        <p:style>
+          <a:lnRef idx="1">
+            <a:schemeClr val="accent1"/>
+          </a:lnRef>
+          <a:fillRef idx="0">
+            <a:schemeClr val="accent1"/>
+          </a:fillRef>
+          <a:effectRef idx="0">
+            <a:schemeClr val="accent1"/>
+          </a:effectRef>
+          <a:fontRef idx="minor">
+            <a:schemeClr val="tx1"/>
+          </a:fontRef>
+        </p:style>
+      </p:cxnSp>
+      <p:cxnSp>
+        <p:nvCxnSpPr>
+          <p:cNvPr id="13" name="直接箭头连接符 12"/>
+          <p:cNvCxnSpPr/>
+          <p:nvPr/>
+        </p:nvCxnSpPr>
+        <p:spPr>
+          <a:xfrm>
+            <a:off x="5436096" y="2960948"/>
+            <a:ext cx="648072" cy="0"/>
+          </a:xfrm>
+          <a:prstGeom prst="straightConnector1">
+            <a:avLst/>
+          </a:prstGeom>
+          <a:ln>
+            <a:tailEnd type="arrow"/>
+          </a:ln>
+        </p:spPr>
+        <p:style>
+          <a:lnRef idx="1">
+            <a:schemeClr val="accent1"/>
+          </a:lnRef>
+          <a:fillRef idx="0">
+            <a:schemeClr val="accent1"/>
+          </a:fillRef>
+          <a:effectRef idx="0">
+            <a:schemeClr val="accent1"/>
+          </a:effectRef>
+          <a:fontRef idx="minor">
+            <a:schemeClr val="tx1"/>
+          </a:fontRef>
+        </p:style>
+      </p:cxnSp>
+      <p:sp>
+        <p:nvSpPr>
+          <p:cNvPr id="15" name="矩形 14"/>
+          <p:cNvSpPr/>
+          <p:nvPr/>
+        </p:nvSpPr>
+        <p:spPr>
+          <a:xfrm>
+            <a:off x="6084168" y="2708920"/>
+            <a:ext cx="1656184" cy="504056"/>
+          </a:xfrm>
+          <a:prstGeom prst="rect">
+            <a:avLst/>
+          </a:prstGeom>
+        </p:spPr>
+        <p:style>
+          <a:lnRef idx="2">
+            <a:schemeClr val="accent1">
+              <a:shade val="50000"/>
+            </a:schemeClr>
+          </a:lnRef>
+          <a:fillRef idx="1">
+            <a:schemeClr val="accent1"/>
+          </a:fillRef>
+          <a:effectRef idx="0">
+            <a:schemeClr val="accent1"/>
+          </a:effectRef>
+          <a:fontRef idx="minor">
+            <a:schemeClr val="lt1"/>
+          </a:fontRef>
+        </p:style>
+        <p:txBody>
+          <a:bodyPr rtlCol="0" anchor="ctr"/>
+          <a:lstStyle/>
+          <a:p>
+            <a:pPr algn="ctr"/>
             <a:r>
               <a:rPr lang="zh-CN" altLang="en-US" dirty="0" smtClean="0"/>
-              <a:t>模块</a:t>
-            </a:r>
-            <a:endParaRPr lang="en-US" altLang="zh-CN" dirty="0" smtClean="0"/>
-          </a:p>
-          <a:p>
-            <a:pPr>
-              <a:buFont typeface="Wingdings" panose="05000000000000000000" pitchFamily="2" charset="2"/>
-              <a:buChar char="Ø"/>
-            </a:pPr>
+              <a:t>否：退出</a:t>
+            </a:r>
+            <a:endParaRPr lang="zh-CN" altLang="en-US" dirty="0"/>
+          </a:p>
+        </p:txBody>
+      </p:sp>
+      <p:sp>
+        <p:nvSpPr>
+          <p:cNvPr id="16" name="矩形 15"/>
+          <p:cNvSpPr/>
+          <p:nvPr/>
+        </p:nvSpPr>
+        <p:spPr>
+          <a:xfrm>
+            <a:off x="3589040" y="4365104"/>
+            <a:ext cx="1872208" cy="504056"/>
+          </a:xfrm>
+          <a:prstGeom prst="rect">
+            <a:avLst/>
+          </a:prstGeom>
+        </p:spPr>
+        <p:style>
+          <a:lnRef idx="2">
+            <a:schemeClr val="accent1">
+              <a:shade val="50000"/>
+            </a:schemeClr>
+          </a:lnRef>
+          <a:fillRef idx="1">
+            <a:schemeClr val="accent1"/>
+          </a:fillRef>
+          <a:effectRef idx="0">
+            <a:schemeClr val="accent1"/>
+          </a:effectRef>
+          <a:fontRef idx="minor">
+            <a:schemeClr val="lt1"/>
+          </a:fontRef>
+        </p:style>
+        <p:txBody>
+          <a:bodyPr rtlCol="0" anchor="ctr"/>
+          <a:lstStyle/>
+          <a:p>
+            <a:pPr algn="ctr"/>
             <a:r>
               <a:rPr lang="zh-CN" altLang="en-US" dirty="0" smtClean="0"/>
-              <a:t>获取请求</a:t>
-            </a:r>
-            <a:r>
-              <a:rPr lang="en-US" altLang="zh-CN" dirty="0" smtClean="0"/>
-              <a:t>URL</a:t>
-            </a:r>
+              <a:t>是：取出事件</a:t>
+            </a:r>
+            <a:endParaRPr lang="zh-CN" altLang="en-US" dirty="0"/>
+          </a:p>
+        </p:txBody>
+      </p:sp>
+      <p:cxnSp>
+        <p:nvCxnSpPr>
+          <p:cNvPr id="21" name="直接箭头连接符 20"/>
+          <p:cNvCxnSpPr>
+            <a:stCxn id="16" idx="2"/>
+          </p:cNvCxnSpPr>
+          <p:nvPr/>
+        </p:nvCxnSpPr>
+        <p:spPr>
+          <a:xfrm>
+            <a:off x="4525144" y="4869160"/>
+            <a:ext cx="0" cy="360040"/>
+          </a:xfrm>
+          <a:prstGeom prst="straightConnector1">
+            <a:avLst/>
+          </a:prstGeom>
+          <a:ln>
+            <a:tailEnd type="arrow"/>
+          </a:ln>
+        </p:spPr>
+        <p:style>
+          <a:lnRef idx="1">
+            <a:schemeClr val="accent1"/>
+          </a:lnRef>
+          <a:fillRef idx="0">
+            <a:schemeClr val="accent1"/>
+          </a:fillRef>
+          <a:effectRef idx="0">
+            <a:schemeClr val="accent1"/>
+          </a:effectRef>
+          <a:fontRef idx="minor">
+            <a:schemeClr val="tx1"/>
+          </a:fontRef>
+        </p:style>
+      </p:cxnSp>
+      <p:sp>
+        <p:nvSpPr>
+          <p:cNvPr id="23" name="矩形 22"/>
+          <p:cNvSpPr/>
+          <p:nvPr/>
+        </p:nvSpPr>
+        <p:spPr>
+          <a:xfrm>
+            <a:off x="3589040" y="5229200"/>
+            <a:ext cx="1872208" cy="504056"/>
+          </a:xfrm>
+          <a:prstGeom prst="rect">
+            <a:avLst/>
+          </a:prstGeom>
+        </p:spPr>
+        <p:style>
+          <a:lnRef idx="2">
+            <a:schemeClr val="accent1">
+              <a:shade val="50000"/>
+            </a:schemeClr>
+          </a:lnRef>
+          <a:fillRef idx="1">
+            <a:schemeClr val="accent1"/>
+          </a:fillRef>
+          <a:effectRef idx="0">
+            <a:schemeClr val="accent1"/>
+          </a:effectRef>
+          <a:fontRef idx="minor">
+            <a:schemeClr val="lt1"/>
+          </a:fontRef>
+        </p:style>
+        <p:txBody>
+          <a:bodyPr rtlCol="0" anchor="ctr"/>
+          <a:lstStyle/>
+          <a:p>
+            <a:pPr algn="ctr"/>
             <a:r>
               <a:rPr lang="zh-CN" altLang="en-US" dirty="0" smtClean="0"/>
-              <a:t>及</a:t>
-            </a:r>
-            <a:r>
-              <a:rPr lang="en-US" altLang="zh-CN" dirty="0" smtClean="0"/>
-              <a:t>POST/GET</a:t>
-            </a:r>
+              <a:t>有回调：执行</a:t>
+            </a:r>
+            <a:endParaRPr lang="zh-CN" altLang="en-US" dirty="0"/>
+          </a:p>
+        </p:txBody>
+      </p:sp>
+      <p:cxnSp>
+        <p:nvCxnSpPr>
+          <p:cNvPr id="25" name="直接箭头连接符 24"/>
+          <p:cNvCxnSpPr/>
+          <p:nvPr/>
+        </p:nvCxnSpPr>
+        <p:spPr>
+          <a:xfrm flipH="1">
+            <a:off x="2915816" y="4617132"/>
+            <a:ext cx="648072" cy="0"/>
+          </a:xfrm>
+          <a:prstGeom prst="straightConnector1">
+            <a:avLst/>
+          </a:prstGeom>
+          <a:ln>
+            <a:tailEnd type="arrow"/>
+          </a:ln>
+        </p:spPr>
+        <p:style>
+          <a:lnRef idx="1">
+            <a:schemeClr val="accent1"/>
+          </a:lnRef>
+          <a:fillRef idx="0">
+            <a:schemeClr val="accent1"/>
+          </a:fillRef>
+          <a:effectRef idx="0">
+            <a:schemeClr val="accent1"/>
+          </a:effectRef>
+          <a:fontRef idx="minor">
+            <a:schemeClr val="tx1"/>
+          </a:fontRef>
+        </p:style>
+      </p:cxnSp>
+      <p:sp>
+        <p:nvSpPr>
+          <p:cNvPr id="27" name="矩形 26"/>
+          <p:cNvSpPr/>
+          <p:nvPr/>
+        </p:nvSpPr>
+        <p:spPr>
+          <a:xfrm>
+            <a:off x="1049669" y="4365104"/>
+            <a:ext cx="1872208" cy="504056"/>
+          </a:xfrm>
+          <a:prstGeom prst="rect">
+            <a:avLst/>
+          </a:prstGeom>
+        </p:spPr>
+        <p:style>
+          <a:lnRef idx="2">
+            <a:schemeClr val="accent1">
+              <a:shade val="50000"/>
+            </a:schemeClr>
+          </a:lnRef>
+          <a:fillRef idx="1">
+            <a:schemeClr val="accent1"/>
+          </a:fillRef>
+          <a:effectRef idx="0">
+            <a:schemeClr val="accent1"/>
+          </a:effectRef>
+          <a:fontRef idx="minor">
+            <a:schemeClr val="lt1"/>
+          </a:fontRef>
+        </p:style>
+        <p:txBody>
+          <a:bodyPr rtlCol="0" anchor="ctr"/>
+          <a:lstStyle/>
+          <a:p>
+            <a:pPr algn="ctr"/>
             <a:r>
               <a:rPr lang="zh-CN" altLang="en-US" dirty="0" smtClean="0"/>
-              <a:t>参数：</a:t>
-            </a:r>
-            <a:r>
-              <a:rPr lang="en-US" altLang="zh-CN" dirty="0" err="1" smtClean="0"/>
-              <a:t>url</a:t>
-            </a:r>
+              <a:t>无回调</a:t>
+            </a:r>
+            <a:endParaRPr lang="zh-CN" altLang="en-US" dirty="0"/>
+          </a:p>
+        </p:txBody>
+      </p:sp>
+      <p:cxnSp>
+        <p:nvCxnSpPr>
+          <p:cNvPr id="29" name="直接箭头连接符 28"/>
+          <p:cNvCxnSpPr/>
+          <p:nvPr/>
+        </p:nvCxnSpPr>
+        <p:spPr>
+          <a:xfrm flipV="1">
+            <a:off x="1985773" y="2960948"/>
+            <a:ext cx="0" cy="1260140"/>
+          </a:xfrm>
+          <a:prstGeom prst="straightConnector1">
+            <a:avLst/>
+          </a:prstGeom>
+          <a:ln>
+            <a:tailEnd type="arrow"/>
+          </a:ln>
+        </p:spPr>
+        <p:style>
+          <a:lnRef idx="1">
+            <a:schemeClr val="accent1"/>
+          </a:lnRef>
+          <a:fillRef idx="0">
+            <a:schemeClr val="accent1"/>
+          </a:fillRef>
+          <a:effectRef idx="0">
+            <a:schemeClr val="accent1"/>
+          </a:effectRef>
+          <a:fontRef idx="minor">
+            <a:schemeClr val="tx1"/>
+          </a:fontRef>
+        </p:style>
+      </p:cxnSp>
+      <p:cxnSp>
+        <p:nvCxnSpPr>
+          <p:cNvPr id="31" name="直接箭头连接符 30"/>
+          <p:cNvCxnSpPr/>
+          <p:nvPr/>
+        </p:nvCxnSpPr>
+        <p:spPr>
+          <a:xfrm>
+            <a:off x="1985773" y="2960948"/>
+            <a:ext cx="1578115" cy="0"/>
+          </a:xfrm>
+          <a:prstGeom prst="straightConnector1">
+            <a:avLst/>
+          </a:prstGeom>
+          <a:ln>
+            <a:tailEnd type="arrow"/>
+          </a:ln>
+        </p:spPr>
+        <p:style>
+          <a:lnRef idx="1">
+            <a:schemeClr val="accent1"/>
+          </a:lnRef>
+          <a:fillRef idx="0">
+            <a:schemeClr val="accent1"/>
+          </a:fillRef>
+          <a:effectRef idx="0">
+            <a:schemeClr val="accent1"/>
+          </a:effectRef>
+          <a:fontRef idx="minor">
+            <a:schemeClr val="tx1"/>
+          </a:fontRef>
+        </p:style>
+      </p:cxnSp>
+      <p:sp>
+        <p:nvSpPr>
+          <p:cNvPr id="33" name="矩形 32"/>
+          <p:cNvSpPr/>
+          <p:nvPr/>
+        </p:nvSpPr>
+        <p:spPr>
+          <a:xfrm>
+            <a:off x="3589040" y="1873660"/>
+            <a:ext cx="1872208" cy="504056"/>
+          </a:xfrm>
+          <a:prstGeom prst="rect">
+            <a:avLst/>
+          </a:prstGeom>
+        </p:spPr>
+        <p:style>
+          <a:lnRef idx="2">
+            <a:schemeClr val="accent1">
+              <a:shade val="50000"/>
+            </a:schemeClr>
+          </a:lnRef>
+          <a:fillRef idx="1">
+            <a:schemeClr val="accent1"/>
+          </a:fillRef>
+          <a:effectRef idx="0">
+            <a:schemeClr val="accent1"/>
+          </a:effectRef>
+          <a:fontRef idx="minor">
+            <a:schemeClr val="lt1"/>
+          </a:fontRef>
+        </p:style>
+        <p:txBody>
+          <a:bodyPr rtlCol="0" anchor="ctr"/>
+          <a:lstStyle/>
+          <a:p>
+            <a:pPr algn="ctr"/>
             <a:r>
               <a:rPr lang="zh-CN" altLang="en-US" dirty="0" smtClean="0"/>
-              <a:t>、</a:t>
-            </a:r>
-            <a:r>
-              <a:rPr lang="en-US" altLang="zh-CN" dirty="0" err="1" smtClean="0"/>
-              <a:t>querystring</a:t>
-            </a:r>
-            <a:r>
-              <a:rPr lang="zh-CN" altLang="en-US" dirty="0" smtClean="0"/>
-              <a:t>模块</a:t>
-            </a:r>
-            <a:endParaRPr lang="en-US" altLang="zh-CN" dirty="0" smtClean="0"/>
-          </a:p>
-          <a:p>
-            <a:pPr>
-              <a:buFont typeface="Wingdings" panose="05000000000000000000" pitchFamily="2" charset="2"/>
-              <a:buChar char="Ø"/>
-            </a:pPr>
-            <a:r>
-              <a:rPr lang="zh-CN" altLang="en-US" dirty="0" smtClean="0"/>
-              <a:t>响应：</a:t>
-            </a:r>
-            <a:r>
-              <a:rPr lang="en-US" altLang="zh-CN" dirty="0" smtClean="0"/>
-              <a:t>response</a:t>
+              <a:t>开始</a:t>
             </a:r>
             <a:endParaRPr lang="zh-CN" altLang="en-US" dirty="0"/>
           </a:p>
@@ -7588,7 +7994,7 @@
     </p:spTree>
     <p:extLst>
       <p:ext uri="{BB962C8B-B14F-4D97-AF65-F5344CB8AC3E}">
-        <p14:creationId xmlns:p14="http://schemas.microsoft.com/office/powerpoint/2010/main" val="3180335252"/>
+        <p14:creationId xmlns:p14="http://schemas.microsoft.com/office/powerpoint/2010/main" val="4144982081"/>
       </p:ext>
     </p:extLst>
   </p:cSld>
@@ -7638,12 +8044,12 @@
           <a:lstStyle/>
           <a:p>
             <a:r>
-              <a:rPr lang="en-US" altLang="zh-CN" dirty="0"/>
-              <a:t>Node.js</a:t>
+              <a:rPr lang="en-US" altLang="zh-CN" dirty="0" smtClean="0"/>
+              <a:t>Node.js web</a:t>
             </a:r>
             <a:r>
               <a:rPr lang="zh-CN" altLang="en-US" dirty="0" smtClean="0"/>
-              <a:t>文件系统</a:t>
+              <a:t>模块</a:t>
             </a:r>
             <a:endParaRPr lang="zh-CN" altLang="en-US" dirty="0"/>
           </a:p>
@@ -7665,84 +8071,87 @@
           <a:lstStyle/>
           <a:p>
             <a:pPr>
-              <a:lnSpc>
-                <a:spcPct val="150000"/>
-              </a:lnSpc>
               <a:buFont typeface="Wingdings" panose="05000000000000000000" pitchFamily="2" charset="2"/>
               <a:buChar char="Ø"/>
             </a:pPr>
             <a:r>
-              <a:rPr lang="zh-CN" altLang="en-US" sz="1600" dirty="0" smtClean="0"/>
-              <a:t>异步同步读取文件对比</a:t>
-            </a:r>
-            <a:r>
-              <a:rPr lang="en-US" altLang="zh-CN" sz="1600" dirty="0" smtClean="0"/>
-              <a:t>:</a:t>
-            </a:r>
-            <a:r>
-              <a:rPr lang="en-US" altLang="zh-CN" sz="1600" dirty="0" err="1" smtClean="0"/>
-              <a:t>fs.readFile,fs.readFileSync</a:t>
-            </a:r>
-            <a:endParaRPr lang="en-US" altLang="zh-CN" sz="1600" dirty="0" smtClean="0"/>
+              <a:rPr lang="zh-CN" altLang="en-US" dirty="0" smtClean="0"/>
+              <a:t>创建</a:t>
+            </a:r>
+            <a:r>
+              <a:rPr lang="en-US" altLang="zh-CN" dirty="0" smtClean="0"/>
+              <a:t>web</a:t>
+            </a:r>
+            <a:r>
+              <a:rPr lang="zh-CN" altLang="en-US" dirty="0" smtClean="0"/>
+              <a:t>服务器：</a:t>
+            </a:r>
+            <a:r>
+              <a:rPr lang="en-US" altLang="zh-CN" dirty="0" smtClean="0"/>
+              <a:t>http</a:t>
+            </a:r>
+            <a:r>
+              <a:rPr lang="zh-CN" altLang="en-US" dirty="0" smtClean="0"/>
+              <a:t>模块</a:t>
+            </a:r>
+            <a:endParaRPr lang="en-US" altLang="zh-CN" dirty="0" smtClean="0"/>
           </a:p>
           <a:p>
             <a:pPr>
-              <a:lnSpc>
-                <a:spcPct val="150000"/>
-              </a:lnSpc>
               <a:buFont typeface="Wingdings" panose="05000000000000000000" pitchFamily="2" charset="2"/>
               <a:buChar char="Ø"/>
             </a:pPr>
             <a:r>
-              <a:rPr lang="zh-CN" altLang="en-US" sz="1600" dirty="0" smtClean="0"/>
-              <a:t>打开文件：</a:t>
-            </a:r>
-            <a:r>
-              <a:rPr lang="en-US" altLang="zh-CN" sz="1600" dirty="0" err="1" smtClean="0"/>
-              <a:t>fs.open</a:t>
-            </a:r>
-            <a:endParaRPr lang="en-US" altLang="zh-CN" sz="1600" dirty="0" smtClean="0"/>
+              <a:rPr lang="zh-CN" altLang="en-US" dirty="0" smtClean="0"/>
+              <a:t>获取请求</a:t>
+            </a:r>
+            <a:r>
+              <a:rPr lang="en-US" altLang="zh-CN" dirty="0" smtClean="0"/>
+              <a:t>URL</a:t>
+            </a:r>
+            <a:r>
+              <a:rPr lang="zh-CN" altLang="en-US" dirty="0" smtClean="0"/>
+              <a:t>及</a:t>
+            </a:r>
+            <a:r>
+              <a:rPr lang="en-US" altLang="zh-CN" dirty="0" smtClean="0"/>
+              <a:t>POST/GET</a:t>
+            </a:r>
+            <a:r>
+              <a:rPr lang="zh-CN" altLang="en-US" dirty="0" smtClean="0"/>
+              <a:t>参数：</a:t>
+            </a:r>
+            <a:r>
+              <a:rPr lang="en-US" altLang="zh-CN" dirty="0" err="1" smtClean="0"/>
+              <a:t>url</a:t>
+            </a:r>
+            <a:r>
+              <a:rPr lang="zh-CN" altLang="en-US" dirty="0" smtClean="0"/>
+              <a:t>、</a:t>
+            </a:r>
+            <a:r>
+              <a:rPr lang="en-US" altLang="zh-CN" dirty="0" err="1" smtClean="0"/>
+              <a:t>querystring</a:t>
+            </a:r>
+            <a:r>
+              <a:rPr lang="zh-CN" altLang="en-US" dirty="0" smtClean="0"/>
+              <a:t>模块</a:t>
+            </a:r>
+            <a:endParaRPr lang="en-US" altLang="zh-CN" dirty="0" smtClean="0"/>
           </a:p>
           <a:p>
             <a:pPr>
-              <a:lnSpc>
-                <a:spcPct val="150000"/>
-              </a:lnSpc>
               <a:buFont typeface="Wingdings" panose="05000000000000000000" pitchFamily="2" charset="2"/>
               <a:buChar char="Ø"/>
             </a:pPr>
             <a:r>
-              <a:rPr lang="zh-CN" altLang="en-US" sz="1600" dirty="0" smtClean="0"/>
-              <a:t>写入文件：</a:t>
-            </a:r>
-            <a:r>
-              <a:rPr lang="en-US" altLang="zh-CN" sz="1600" dirty="0" err="1" smtClean="0"/>
-              <a:t>fs.writeFile</a:t>
-            </a:r>
-            <a:endParaRPr lang="en-US" altLang="zh-CN" sz="1600" dirty="0" smtClean="0"/>
-          </a:p>
-          <a:p>
-            <a:pPr>
-              <a:lnSpc>
-                <a:spcPct val="150000"/>
-              </a:lnSpc>
-              <a:buFont typeface="Wingdings" panose="05000000000000000000" pitchFamily="2" charset="2"/>
-              <a:buChar char="Ø"/>
-            </a:pPr>
-            <a:r>
-              <a:rPr lang="zh-CN" altLang="en-US" sz="1600" dirty="0" smtClean="0"/>
-              <a:t>删除文件：</a:t>
-            </a:r>
-            <a:r>
-              <a:rPr lang="en-US" altLang="zh-CN" sz="1600" dirty="0" err="1" smtClean="0"/>
-              <a:t>fs.unlink</a:t>
-            </a:r>
-            <a:endParaRPr lang="en-US" altLang="zh-CN" sz="1600" dirty="0" smtClean="0"/>
-          </a:p>
-          <a:p>
-            <a:pPr marL="0" indent="0">
-              <a:buNone/>
-            </a:pPr>
+              <a:rPr lang="zh-CN" altLang="en-US" dirty="0" smtClean="0"/>
+              <a:t>响应：</a:t>
+            </a:r>
+            <a:r>
+              <a:rPr lang="en-US" altLang="zh-CN" dirty="0" smtClean="0"/>
+              <a:t>response</a:t>
+            </a:r>
             <a:endParaRPr lang="zh-CN" altLang="en-US" dirty="0"/>
           </a:p>
         </p:txBody>
@@ -7750,7 +8159,7 @@
     </p:spTree>
     <p:extLst>
       <p:ext uri="{BB962C8B-B14F-4D97-AF65-F5344CB8AC3E}">
-        <p14:creationId xmlns:p14="http://schemas.microsoft.com/office/powerpoint/2010/main" val="1578342826"/>
+        <p14:creationId xmlns:p14="http://schemas.microsoft.com/office/powerpoint/2010/main" val="3180335252"/>
       </p:ext>
     </p:extLst>
   </p:cSld>
@@ -7800,12 +8209,12 @@
           <a:lstStyle/>
           <a:p>
             <a:r>
+              <a:rPr lang="en-US" altLang="zh-CN" dirty="0"/>
+              <a:t>Node.js</a:t>
+            </a:r>
+            <a:r>
               <a:rPr lang="zh-CN" altLang="en-US" dirty="0" smtClean="0"/>
-              <a:t>文件流</a:t>
-            </a:r>
-            <a:r>
-              <a:rPr lang="en-US" altLang="zh-CN" dirty="0" smtClean="0"/>
-              <a:t>:stream</a:t>
+              <a:t>文件系统</a:t>
             </a:r>
             <a:endParaRPr lang="zh-CN" altLang="en-US" dirty="0"/>
           </a:p>
@@ -7823,9 +8232,7 @@
         </p:nvSpPr>
         <p:spPr/>
         <p:txBody>
-          <a:bodyPr>
-            <a:noAutofit/>
-          </a:bodyPr>
+          <a:bodyPr/>
           <a:lstStyle/>
           <a:p>
             <a:pPr>
@@ -7836,72 +8243,18 @@
               <a:buChar char="Ø"/>
             </a:pPr>
             <a:r>
+              <a:rPr lang="zh-CN" altLang="en-US" sz="1600" dirty="0" smtClean="0"/>
+              <a:t>异步同步读取文件对比</a:t>
+            </a:r>
+            <a:r>
               <a:rPr lang="en-US" altLang="zh-CN" sz="1600" dirty="0" smtClean="0"/>
-              <a:t>Stream</a:t>
-            </a:r>
-            <a:r>
-              <a:rPr lang="zh-CN" altLang="en-US" sz="1600" dirty="0" smtClean="0"/>
-              <a:t>流：</a:t>
-            </a:r>
-            <a:endParaRPr lang="en-US" altLang="zh-CN" sz="1600" dirty="0"/>
-          </a:p>
-          <a:p>
-            <a:pPr marL="1398900" lvl="5" indent="-342900">
-              <a:lnSpc>
-                <a:spcPct val="150000"/>
-              </a:lnSpc>
-              <a:buFont typeface="+mj-lt"/>
-              <a:buAutoNum type="arabicPeriod"/>
-            </a:pPr>
-            <a:r>
-              <a:rPr lang="zh-CN" altLang="en-US" dirty="0"/>
-              <a:t>类型：</a:t>
-            </a:r>
-            <a:r>
-              <a:rPr lang="en-US" altLang="zh-CN" dirty="0"/>
-              <a:t> </a:t>
-            </a:r>
-            <a:r>
-              <a:rPr lang="en-US" altLang="zh-CN" dirty="0" err="1"/>
-              <a:t>readable,writable,duplex,transform</a:t>
-            </a:r>
-            <a:endParaRPr lang="en-US" altLang="zh-CN" dirty="0"/>
-          </a:p>
-          <a:p>
-            <a:pPr marL="1398900" lvl="5" indent="-342900">
-              <a:lnSpc>
-                <a:spcPct val="150000"/>
-              </a:lnSpc>
-              <a:buFont typeface="+mj-lt"/>
-              <a:buAutoNum type="arabicPeriod"/>
-            </a:pPr>
-            <a:r>
-              <a:rPr lang="zh-CN" altLang="en-US" dirty="0"/>
-              <a:t>事件：</a:t>
-            </a:r>
-            <a:r>
-              <a:rPr lang="en-US" altLang="zh-CN" dirty="0" err="1" smtClean="0"/>
-              <a:t>data,end,finish,error</a:t>
-            </a:r>
-            <a:endParaRPr lang="en-US" altLang="zh-CN" dirty="0" smtClean="0"/>
-          </a:p>
-          <a:p>
-            <a:pPr marL="1398900" lvl="5" indent="-342900">
-              <a:lnSpc>
-                <a:spcPct val="150000"/>
-              </a:lnSpc>
-              <a:buFont typeface="+mj-lt"/>
-              <a:buAutoNum type="arabicPeriod"/>
-            </a:pPr>
-            <a:r>
-              <a:rPr lang="zh-CN" altLang="en-US" dirty="0" smtClean="0"/>
-              <a:t>举例：</a:t>
-            </a:r>
-            <a:r>
-              <a:rPr lang="en-US" altLang="zh-CN" dirty="0" err="1" smtClean="0"/>
-              <a:t>fs.creatReadStream,fs.createWriteStream</a:t>
-            </a:r>
-            <a:endParaRPr lang="en-US" altLang="zh-CN" dirty="0"/>
+              <a:t>:</a:t>
+            </a:r>
+            <a:r>
+              <a:rPr lang="en-US" altLang="zh-CN" sz="1600" dirty="0" err="1" smtClean="0"/>
+              <a:t>fs.readFile,fs.readFileSync</a:t>
+            </a:r>
+            <a:endParaRPr lang="en-US" altLang="zh-CN" sz="1600" dirty="0" smtClean="0"/>
           </a:p>
           <a:p>
             <a:pPr>
@@ -7913,68 +8266,13 @@
             </a:pPr>
             <a:r>
               <a:rPr lang="zh-CN" altLang="en-US" sz="1600" dirty="0" smtClean="0"/>
-              <a:t>管道流：用于从一个流中获取数据并将数据传递到另外一个流中</a:t>
-            </a:r>
-            <a:r>
-              <a:rPr lang="en-US" altLang="zh-CN" sz="1600" dirty="0" smtClean="0"/>
-              <a:t>    </a:t>
-            </a:r>
-            <a:r>
-              <a:rPr lang="zh-CN" altLang="en-US" sz="1600" dirty="0" smtClean="0"/>
-              <a:t>。</a:t>
-            </a:r>
-            <a:endParaRPr lang="en-US" altLang="zh-CN" sz="1600" dirty="0"/>
-          </a:p>
-          <a:p>
-            <a:pPr marL="1398900" lvl="5" indent="-342900">
-              <a:lnSpc>
-                <a:spcPct val="150000"/>
-              </a:lnSpc>
-              <a:buFont typeface="+mj-lt"/>
-              <a:buAutoNum type="arabicPeriod"/>
-            </a:pPr>
-            <a:r>
-              <a:rPr lang="en-US" altLang="zh-CN" dirty="0" smtClean="0"/>
-              <a:t>pipe</a:t>
-            </a:r>
-            <a:r>
-              <a:rPr lang="zh-CN" altLang="en-US" dirty="0" smtClean="0"/>
-              <a:t>：</a:t>
-            </a:r>
-            <a:r>
-              <a:rPr lang="en-US" altLang="zh-CN" dirty="0" smtClean="0"/>
-              <a:t> </a:t>
-            </a:r>
-            <a:r>
-              <a:rPr lang="en-US" altLang="zh-CN" dirty="0" err="1"/>
-              <a:t>readStream.pipe</a:t>
-            </a:r>
-            <a:r>
-              <a:rPr lang="en-US" altLang="zh-CN" dirty="0"/>
-              <a:t>(</a:t>
-            </a:r>
-            <a:r>
-              <a:rPr lang="en-US" altLang="zh-CN" dirty="0" err="1"/>
-              <a:t>writeStream</a:t>
-            </a:r>
-            <a:r>
-              <a:rPr lang="en-US" altLang="zh-CN" dirty="0" smtClean="0"/>
-              <a:t>)</a:t>
-            </a:r>
-          </a:p>
-          <a:p>
-            <a:pPr marL="1398900" lvl="5" indent="-342900">
-              <a:lnSpc>
-                <a:spcPct val="150000"/>
-              </a:lnSpc>
-              <a:buFont typeface="+mj-lt"/>
-              <a:buAutoNum type="arabicPeriod"/>
-            </a:pPr>
-            <a:r>
-              <a:rPr lang="zh-CN" altLang="en-US" dirty="0" smtClean="0"/>
-              <a:t>举例：文件复制</a:t>
-            </a:r>
-            <a:endParaRPr lang="en-US" altLang="zh-CN" dirty="0" smtClean="0"/>
+              <a:t>打开文件：</a:t>
+            </a:r>
+            <a:r>
+              <a:rPr lang="en-US" altLang="zh-CN" sz="1600" dirty="0" err="1" smtClean="0"/>
+              <a:t>fs.open</a:t>
+            </a:r>
+            <a:endParaRPr lang="en-US" altLang="zh-CN" sz="1600" dirty="0" smtClean="0"/>
           </a:p>
           <a:p>
             <a:pPr>
@@ -7986,54 +8284,44 @@
             </a:pPr>
             <a:r>
               <a:rPr lang="zh-CN" altLang="en-US" sz="1600" dirty="0" smtClean="0"/>
-              <a:t>链式</a:t>
-            </a:r>
-            <a:r>
-              <a:rPr lang="zh-CN" altLang="en-US" sz="1600" dirty="0"/>
-              <a:t>流：</a:t>
-            </a:r>
-            <a:r>
-              <a:rPr lang="zh-CN" altLang="en-US" sz="1600" dirty="0" smtClean="0"/>
-              <a:t>链式流是</a:t>
-            </a:r>
-            <a:r>
-              <a:rPr lang="zh-CN" altLang="en-US" sz="1600" dirty="0"/>
-              <a:t>通过连接输出流到另外一个流并创建多</a:t>
-            </a:r>
-            <a:r>
-              <a:rPr lang="zh-CN" altLang="en-US" sz="1600" dirty="0" smtClean="0"/>
-              <a:t>个对流操作的</a:t>
-            </a:r>
-            <a:r>
-              <a:rPr lang="zh-CN" altLang="en-US" sz="1600" dirty="0"/>
-              <a:t>机制，链式流一般用于管道</a:t>
-            </a:r>
-            <a:r>
-              <a:rPr lang="zh-CN" altLang="en-US" sz="1600" dirty="0" smtClean="0"/>
-              <a:t>操作</a:t>
+              <a:t>写入文件：</a:t>
+            </a:r>
+            <a:r>
+              <a:rPr lang="en-US" altLang="zh-CN" sz="1600" dirty="0" err="1" smtClean="0"/>
+              <a:t>fs.writeFile</a:t>
             </a:r>
             <a:endParaRPr lang="en-US" altLang="zh-CN" sz="1600" dirty="0" smtClean="0"/>
           </a:p>
           <a:p>
-            <a:pPr marL="1398900" lvl="5" indent="-342900">
+            <a:pPr>
               <a:lnSpc>
                 <a:spcPct val="150000"/>
               </a:lnSpc>
-              <a:buFont typeface="+mj-lt"/>
-              <a:buAutoNum type="arabicPeriod"/>
+              <a:buFont typeface="Wingdings" panose="05000000000000000000" pitchFamily="2" charset="2"/>
+              <a:buChar char="Ø"/>
             </a:pPr>
             <a:r>
-              <a:rPr lang="zh-CN" altLang="en-US" dirty="0" smtClean="0"/>
-              <a:t>举例：文件解压</a:t>
-            </a:r>
-            <a:endParaRPr lang="en-US" altLang="zh-CN" dirty="0" smtClean="0"/>
+              <a:rPr lang="zh-CN" altLang="en-US" sz="1600" dirty="0" smtClean="0"/>
+              <a:t>删除文件：</a:t>
+            </a:r>
+            <a:r>
+              <a:rPr lang="en-US" altLang="zh-CN" sz="1600" dirty="0" err="1" smtClean="0"/>
+              <a:t>fs.unlink</a:t>
+            </a:r>
+            <a:endParaRPr lang="en-US" altLang="zh-CN" sz="1600" dirty="0" smtClean="0"/>
+          </a:p>
+          <a:p>
+            <a:pPr marL="0" indent="0">
+              <a:buNone/>
+            </a:pPr>
+            <a:endParaRPr lang="zh-CN" altLang="en-US" dirty="0"/>
           </a:p>
         </p:txBody>
       </p:sp>
     </p:spTree>
     <p:extLst>
       <p:ext uri="{BB962C8B-B14F-4D97-AF65-F5344CB8AC3E}">
-        <p14:creationId xmlns:p14="http://schemas.microsoft.com/office/powerpoint/2010/main" val="2212173609"/>
+        <p14:creationId xmlns:p14="http://schemas.microsoft.com/office/powerpoint/2010/main" val="1578342826"/>
       </p:ext>
     </p:extLst>
   </p:cSld>
@@ -8083,6 +8371,289 @@
           <a:lstStyle/>
           <a:p>
             <a:r>
+              <a:rPr lang="zh-CN" altLang="en-US" dirty="0" smtClean="0"/>
+              <a:t>文件流</a:t>
+            </a:r>
+            <a:r>
+              <a:rPr lang="en-US" altLang="zh-CN" dirty="0" smtClean="0"/>
+              <a:t>:stream</a:t>
+            </a:r>
+            <a:endParaRPr lang="zh-CN" altLang="en-US" dirty="0"/>
+          </a:p>
+        </p:txBody>
+      </p:sp>
+      <p:sp>
+        <p:nvSpPr>
+          <p:cNvPr id="3" name="内容占位符 2"/>
+          <p:cNvSpPr>
+            <a:spLocks noGrp="1"/>
+          </p:cNvSpPr>
+          <p:nvPr>
+            <p:ph idx="1"/>
+          </p:nvPr>
+        </p:nvSpPr>
+        <p:spPr/>
+        <p:txBody>
+          <a:bodyPr>
+            <a:noAutofit/>
+          </a:bodyPr>
+          <a:lstStyle/>
+          <a:p>
+            <a:pPr>
+              <a:lnSpc>
+                <a:spcPct val="150000"/>
+              </a:lnSpc>
+              <a:buFont typeface="Wingdings" panose="05000000000000000000" pitchFamily="2" charset="2"/>
+              <a:buChar char="Ø"/>
+            </a:pPr>
+            <a:r>
+              <a:rPr lang="en-US" altLang="zh-CN" sz="1600" dirty="0" smtClean="0"/>
+              <a:t>Stream</a:t>
+            </a:r>
+            <a:r>
+              <a:rPr lang="zh-CN" altLang="en-US" sz="1600" dirty="0" smtClean="0"/>
+              <a:t>流：</a:t>
+            </a:r>
+            <a:endParaRPr lang="en-US" altLang="zh-CN" sz="1600" dirty="0"/>
+          </a:p>
+          <a:p>
+            <a:pPr marL="1398900" lvl="5" indent="-342900">
+              <a:lnSpc>
+                <a:spcPct val="150000"/>
+              </a:lnSpc>
+              <a:buFont typeface="+mj-lt"/>
+              <a:buAutoNum type="arabicPeriod"/>
+            </a:pPr>
+            <a:r>
+              <a:rPr lang="zh-CN" altLang="en-US" dirty="0"/>
+              <a:t>类型：</a:t>
+            </a:r>
+            <a:r>
+              <a:rPr lang="en-US" altLang="zh-CN" dirty="0"/>
+              <a:t> </a:t>
+            </a:r>
+            <a:r>
+              <a:rPr lang="en-US" altLang="zh-CN" dirty="0" err="1"/>
+              <a:t>readable,writable,duplex,transform</a:t>
+            </a:r>
+            <a:endParaRPr lang="en-US" altLang="zh-CN" dirty="0"/>
+          </a:p>
+          <a:p>
+            <a:pPr marL="1398900" lvl="5" indent="-342900">
+              <a:lnSpc>
+                <a:spcPct val="150000"/>
+              </a:lnSpc>
+              <a:buFont typeface="+mj-lt"/>
+              <a:buAutoNum type="arabicPeriod"/>
+            </a:pPr>
+            <a:r>
+              <a:rPr lang="zh-CN" altLang="en-US" dirty="0"/>
+              <a:t>事件：</a:t>
+            </a:r>
+            <a:r>
+              <a:rPr lang="en-US" altLang="zh-CN" dirty="0" err="1" smtClean="0"/>
+              <a:t>data,end,finish,error</a:t>
+            </a:r>
+            <a:endParaRPr lang="en-US" altLang="zh-CN" dirty="0" smtClean="0"/>
+          </a:p>
+          <a:p>
+            <a:pPr marL="1398900" lvl="5" indent="-342900">
+              <a:lnSpc>
+                <a:spcPct val="150000"/>
+              </a:lnSpc>
+              <a:buFont typeface="+mj-lt"/>
+              <a:buAutoNum type="arabicPeriod"/>
+            </a:pPr>
+            <a:r>
+              <a:rPr lang="zh-CN" altLang="en-US" dirty="0" smtClean="0"/>
+              <a:t>举例：</a:t>
+            </a:r>
+            <a:r>
+              <a:rPr lang="en-US" altLang="zh-CN" dirty="0" err="1" smtClean="0"/>
+              <a:t>fs.creatReadStream,fs.createWriteStream</a:t>
+            </a:r>
+            <a:endParaRPr lang="en-US" altLang="zh-CN" dirty="0"/>
+          </a:p>
+          <a:p>
+            <a:pPr>
+              <a:lnSpc>
+                <a:spcPct val="150000"/>
+              </a:lnSpc>
+              <a:buFont typeface="Wingdings" panose="05000000000000000000" pitchFamily="2" charset="2"/>
+              <a:buChar char="Ø"/>
+            </a:pPr>
+            <a:r>
+              <a:rPr lang="zh-CN" altLang="en-US" sz="1600" dirty="0" smtClean="0"/>
+              <a:t>管道流：用于从一个流中获取数据并将数据传递到另外一个流中</a:t>
+            </a:r>
+            <a:r>
+              <a:rPr lang="en-US" altLang="zh-CN" sz="1600" dirty="0" smtClean="0"/>
+              <a:t>    </a:t>
+            </a:r>
+            <a:r>
+              <a:rPr lang="zh-CN" altLang="en-US" sz="1600" dirty="0" smtClean="0"/>
+              <a:t>。</a:t>
+            </a:r>
+            <a:endParaRPr lang="en-US" altLang="zh-CN" sz="1600" dirty="0"/>
+          </a:p>
+          <a:p>
+            <a:pPr marL="1398900" lvl="5" indent="-342900">
+              <a:lnSpc>
+                <a:spcPct val="150000"/>
+              </a:lnSpc>
+              <a:buFont typeface="+mj-lt"/>
+              <a:buAutoNum type="arabicPeriod"/>
+            </a:pPr>
+            <a:r>
+              <a:rPr lang="en-US" altLang="zh-CN" dirty="0" smtClean="0"/>
+              <a:t>pipe</a:t>
+            </a:r>
+            <a:r>
+              <a:rPr lang="zh-CN" altLang="en-US" dirty="0" smtClean="0"/>
+              <a:t>：</a:t>
+            </a:r>
+            <a:r>
+              <a:rPr lang="en-US" altLang="zh-CN" dirty="0" smtClean="0"/>
+              <a:t> </a:t>
+            </a:r>
+            <a:r>
+              <a:rPr lang="en-US" altLang="zh-CN" dirty="0" err="1"/>
+              <a:t>readStream.pipe</a:t>
+            </a:r>
+            <a:r>
+              <a:rPr lang="en-US" altLang="zh-CN" dirty="0"/>
+              <a:t>(</a:t>
+            </a:r>
+            <a:r>
+              <a:rPr lang="en-US" altLang="zh-CN" dirty="0" err="1"/>
+              <a:t>writeStream</a:t>
+            </a:r>
+            <a:r>
+              <a:rPr lang="en-US" altLang="zh-CN" dirty="0" smtClean="0"/>
+              <a:t>)</a:t>
+            </a:r>
+          </a:p>
+          <a:p>
+            <a:pPr marL="1398900" lvl="5" indent="-342900">
+              <a:lnSpc>
+                <a:spcPct val="150000"/>
+              </a:lnSpc>
+              <a:buFont typeface="+mj-lt"/>
+              <a:buAutoNum type="arabicPeriod"/>
+            </a:pPr>
+            <a:r>
+              <a:rPr lang="zh-CN" altLang="en-US" dirty="0" smtClean="0"/>
+              <a:t>举例：文件复制</a:t>
+            </a:r>
+            <a:endParaRPr lang="en-US" altLang="zh-CN" dirty="0" smtClean="0"/>
+          </a:p>
+          <a:p>
+            <a:pPr>
+              <a:lnSpc>
+                <a:spcPct val="150000"/>
+              </a:lnSpc>
+              <a:buFont typeface="Wingdings" panose="05000000000000000000" pitchFamily="2" charset="2"/>
+              <a:buChar char="Ø"/>
+            </a:pPr>
+            <a:r>
+              <a:rPr lang="zh-CN" altLang="en-US" sz="1600" dirty="0" smtClean="0"/>
+              <a:t>链式</a:t>
+            </a:r>
+            <a:r>
+              <a:rPr lang="zh-CN" altLang="en-US" sz="1600" dirty="0"/>
+              <a:t>流：</a:t>
+            </a:r>
+            <a:r>
+              <a:rPr lang="zh-CN" altLang="en-US" sz="1600" dirty="0" smtClean="0"/>
+              <a:t>链式流是</a:t>
+            </a:r>
+            <a:r>
+              <a:rPr lang="zh-CN" altLang="en-US" sz="1600" dirty="0"/>
+              <a:t>通过连接输出流到另外一个流并创建多</a:t>
+            </a:r>
+            <a:r>
+              <a:rPr lang="zh-CN" altLang="en-US" sz="1600" dirty="0" smtClean="0"/>
+              <a:t>个对流操作的</a:t>
+            </a:r>
+            <a:r>
+              <a:rPr lang="zh-CN" altLang="en-US" sz="1600" dirty="0"/>
+              <a:t>机制，链式流一般用于管道</a:t>
+            </a:r>
+            <a:r>
+              <a:rPr lang="zh-CN" altLang="en-US" sz="1600" dirty="0" smtClean="0"/>
+              <a:t>操作</a:t>
+            </a:r>
+            <a:endParaRPr lang="en-US" altLang="zh-CN" sz="1600" dirty="0" smtClean="0"/>
+          </a:p>
+          <a:p>
+            <a:pPr marL="1398900" lvl="5" indent="-342900">
+              <a:lnSpc>
+                <a:spcPct val="150000"/>
+              </a:lnSpc>
+              <a:buFont typeface="+mj-lt"/>
+              <a:buAutoNum type="arabicPeriod"/>
+            </a:pPr>
+            <a:r>
+              <a:rPr lang="zh-CN" altLang="en-US" dirty="0" smtClean="0"/>
+              <a:t>举例：文件解压</a:t>
+            </a:r>
+            <a:endParaRPr lang="en-US" altLang="zh-CN" dirty="0" smtClean="0"/>
+          </a:p>
+        </p:txBody>
+      </p:sp>
+    </p:spTree>
+    <p:extLst>
+      <p:ext uri="{BB962C8B-B14F-4D97-AF65-F5344CB8AC3E}">
+        <p14:creationId xmlns:p14="http://schemas.microsoft.com/office/powerpoint/2010/main" val="2212173609"/>
+      </p:ext>
+    </p:extLst>
+  </p:cSld>
+  <p:clrMapOvr>
+    <a:masterClrMapping/>
+  </p:clrMapOvr>
+  <p:timing>
+    <p:tnLst>
+      <p:par>
+        <p:cTn id="1" dur="indefinite" restart="never" nodeType="tmRoot"/>
+      </p:par>
+    </p:tnLst>
+  </p:timing>
+</p:sld>
+</file>
+
+<file path=ppt/slides/slide14.xml><?xml version="1.0" encoding="utf-8"?>
+<p:sld xmlns:a="http://schemas.openxmlformats.org/drawingml/2006/main" xmlns:r="http://schemas.openxmlformats.org/officeDocument/2006/relationships" xmlns:p="http://schemas.openxmlformats.org/presentationml/2006/main">
+  <p:cSld>
+    <p:spTree>
+      <p:nvGrpSpPr>
+        <p:cNvPr id="1" name=""/>
+        <p:cNvGrpSpPr/>
+        <p:nvPr/>
+      </p:nvGrpSpPr>
+      <p:grpSpPr>
+        <a:xfrm>
+          <a:off x="0" y="0"/>
+          <a:ext cx="0" cy="0"/>
+          <a:chOff x="0" y="0"/>
+          <a:chExt cx="0" cy="0"/>
+        </a:xfrm>
+      </p:grpSpPr>
+      <p:sp>
+        <p:nvSpPr>
+          <p:cNvPr id="2" name="标题 1"/>
+          <p:cNvSpPr>
+            <a:spLocks noGrp="1"/>
+          </p:cNvSpPr>
+          <p:nvPr>
+            <p:ph type="title"/>
+          </p:nvPr>
+        </p:nvSpPr>
+        <p:spPr/>
+        <p:txBody>
+          <a:bodyPr/>
+          <a:lstStyle/>
+          <a:p>
+            <a:r>
               <a:rPr lang="en-US" altLang="zh-CN" dirty="0" smtClean="0"/>
               <a:t>Node.js</a:t>
             </a:r>
@@ -8205,7 +8776,7 @@
 </p:sld>
 </file>
 
-<file path=ppt/slides/slide14.xml><?xml version="1.0" encoding="utf-8"?>
+<file path=ppt/slides/slide15.xml><?xml version="1.0" encoding="utf-8"?>
 <p:sld xmlns:a="http://schemas.openxmlformats.org/drawingml/2006/main" xmlns:r="http://schemas.openxmlformats.org/officeDocument/2006/relationships" xmlns:p="http://schemas.openxmlformats.org/presentationml/2006/main">
   <p:cSld>
     <p:spTree>
@@ -8368,7 +8939,7 @@
 </p:sld>
 </file>
 
-<file path=ppt/slides/slide15.xml><?xml version="1.0" encoding="utf-8"?>
+<file path=ppt/slides/slide16.xml><?xml version="1.0" encoding="utf-8"?>
 <p:sld xmlns:a="http://schemas.openxmlformats.org/drawingml/2006/main" xmlns:r="http://schemas.openxmlformats.org/officeDocument/2006/relationships" xmlns:p="http://schemas.openxmlformats.org/presentationml/2006/main">
   <p:cSld>
     <p:spTree>
@@ -8539,7 +9110,7 @@
 </p:sld>
 </file>
 
-<file path=ppt/slides/slide16.xml><?xml version="1.0" encoding="utf-8"?>
+<file path=ppt/slides/slide17.xml><?xml version="1.0" encoding="utf-8"?>
 <p:sld xmlns:a="http://schemas.openxmlformats.org/drawingml/2006/main" xmlns:r="http://schemas.openxmlformats.org/officeDocument/2006/relationships" xmlns:p="http://schemas.openxmlformats.org/presentationml/2006/main">
   <p:cSld>
     <p:spTree>
@@ -8639,7 +9210,7 @@
 </p:sld>
 </file>
 
-<file path=ppt/slides/slide17.xml><?xml version="1.0" encoding="utf-8"?>
+<file path=ppt/slides/slide18.xml><?xml version="1.0" encoding="utf-8"?>
 <p:sld xmlns:a="http://schemas.openxmlformats.org/drawingml/2006/main" xmlns:r="http://schemas.openxmlformats.org/officeDocument/2006/relationships" xmlns:p="http://schemas.openxmlformats.org/presentationml/2006/main">
   <p:cSld>
     <p:spTree>
@@ -8795,7 +9366,7 @@
 </p:sld>
 </file>
 
-<file path=ppt/slides/slide18.xml><?xml version="1.0" encoding="utf-8"?>
+<file path=ppt/slides/slide19.xml><?xml version="1.0" encoding="utf-8"?>
 <p:sld xmlns:a="http://schemas.openxmlformats.org/drawingml/2006/main" xmlns:r="http://schemas.openxmlformats.org/officeDocument/2006/relationships" xmlns:p="http://schemas.openxmlformats.org/presentationml/2006/main">
   <p:cSld>
     <p:spTree>
@@ -8862,252 +9433,6 @@
 </p:sld>
 </file>
 
-<file path=ppt/slides/slide19.xml><?xml version="1.0" encoding="utf-8"?>
-<p:sld xmlns:a="http://schemas.openxmlformats.org/drawingml/2006/main" xmlns:r="http://schemas.openxmlformats.org/officeDocument/2006/relationships" xmlns:p="http://schemas.openxmlformats.org/presentationml/2006/main">
-  <p:cSld>
-    <p:spTree>
-      <p:nvGrpSpPr>
-        <p:cNvPr id="1" name=""/>
-        <p:cNvGrpSpPr/>
-        <p:nvPr/>
-      </p:nvGrpSpPr>
-      <p:grpSpPr>
-        <a:xfrm>
-          <a:off x="0" y="0"/>
-          <a:ext cx="0" cy="0"/>
-          <a:chOff x="0" y="0"/>
-          <a:chExt cx="0" cy="0"/>
-        </a:xfrm>
-      </p:grpSpPr>
-      <p:sp>
-        <p:nvSpPr>
-          <p:cNvPr id="2" name="矩形 1"/>
-          <p:cNvSpPr/>
-          <p:nvPr/>
-        </p:nvSpPr>
-        <p:spPr>
-          <a:xfrm>
-            <a:off x="0" y="548680"/>
-            <a:ext cx="9180512" cy="5220788"/>
-          </a:xfrm>
-          <a:prstGeom prst="rect">
-            <a:avLst/>
-          </a:prstGeom>
-        </p:spPr>
-        <p:txBody>
-          <a:bodyPr wrap="square">
-            <a:spAutoFit/>
-          </a:bodyPr>
-          <a:lstStyle/>
-          <a:p>
-            <a:pPr>
-              <a:lnSpc>
-                <a:spcPct val="150000"/>
-              </a:lnSpc>
-            </a:pPr>
-            <a:endParaRPr lang="en-US" altLang="zh-CN" sz="1600" dirty="0" smtClean="0"/>
-          </a:p>
-          <a:p>
-            <a:pPr>
-              <a:lnSpc>
-                <a:spcPct val="150000"/>
-              </a:lnSpc>
-            </a:pPr>
-            <a:r>
-              <a:rPr lang="zh-CN" altLang="en-US" sz="1600" dirty="0" smtClean="0"/>
-              <a:t>我们同样是要发起请求，等待服务器端响应；但是与银行例子不同的是，这次我们点完餐后拿到了一个号码，</a:t>
-            </a:r>
-          </a:p>
-          <a:p>
-            <a:pPr>
-              <a:lnSpc>
-                <a:spcPct val="150000"/>
-              </a:lnSpc>
-            </a:pPr>
-            <a:r>
-              <a:rPr lang="zh-CN" altLang="en-US" sz="1600" dirty="0" smtClean="0"/>
-              <a:t>拿到号码，我们往往会在位置上等待，而在我们后面的请求会继续得到处理，同样是拿了一个号码然后到一旁等待，接待员能一直进行处理。</a:t>
-            </a:r>
-          </a:p>
-          <a:p>
-            <a:pPr>
-              <a:lnSpc>
-                <a:spcPct val="150000"/>
-              </a:lnSpc>
-            </a:pPr>
-            <a:r>
-              <a:rPr lang="zh-CN" altLang="en-US" sz="1600" dirty="0" smtClean="0"/>
-              <a:t>等到饭菜做号了，会喊号码，我们拿到了自己的饭菜，进行后续的处理（吃饭）</a:t>
-            </a:r>
-          </a:p>
-          <a:p>
-            <a:pPr>
-              <a:lnSpc>
-                <a:spcPct val="150000"/>
-              </a:lnSpc>
-            </a:pPr>
-            <a:r>
-              <a:rPr lang="zh-CN" altLang="en-US" sz="1600" dirty="0" smtClean="0"/>
-              <a:t>这个喊号码的动作在</a:t>
-            </a:r>
-            <a:r>
-              <a:rPr lang="en-US" altLang="zh-CN" sz="1600" dirty="0" err="1" smtClean="0"/>
-              <a:t>NodeJS</a:t>
-            </a:r>
-            <a:r>
-              <a:rPr lang="zh-CN" altLang="en-US" sz="1600" dirty="0" smtClean="0"/>
-              <a:t>中叫做回调（</a:t>
-            </a:r>
-            <a:r>
-              <a:rPr lang="en-US" altLang="zh-CN" sz="1600" dirty="0" smtClean="0"/>
-              <a:t>Callback</a:t>
-            </a:r>
-            <a:r>
-              <a:rPr lang="zh-CN" altLang="en-US" sz="1600" dirty="0" smtClean="0"/>
-              <a:t>），能在事件（烧菜，</a:t>
-            </a:r>
-            <a:r>
-              <a:rPr lang="en-US" altLang="zh-CN" sz="1600" dirty="0" smtClean="0"/>
-              <a:t>I/O</a:t>
-            </a:r>
-            <a:r>
-              <a:rPr lang="zh-CN" altLang="en-US" sz="1600" dirty="0" smtClean="0"/>
-              <a:t>）处理完成后继续执行后面的逻辑（吃饭），</a:t>
-            </a:r>
-          </a:p>
-          <a:p>
-            <a:pPr>
-              <a:lnSpc>
-                <a:spcPct val="150000"/>
-              </a:lnSpc>
-            </a:pPr>
-            <a:r>
-              <a:rPr lang="zh-CN" altLang="en-US" sz="1600" dirty="0" smtClean="0"/>
-              <a:t>这</a:t>
-            </a:r>
-            <a:r>
-              <a:rPr lang="zh-CN" altLang="en-US" sz="1600" dirty="0"/>
-              <a:t>体现了</a:t>
-            </a:r>
-            <a:r>
-              <a:rPr lang="en-US" altLang="zh-CN" sz="1600" dirty="0" err="1"/>
-              <a:t>NodeJS</a:t>
-            </a:r>
-            <a:r>
-              <a:rPr lang="zh-CN" altLang="en-US" sz="1600" dirty="0"/>
-              <a:t>的显著特点，异步机制、</a:t>
-            </a:r>
-            <a:r>
-              <a:rPr lang="zh-CN" altLang="en-US" sz="1600" dirty="0" smtClean="0"/>
-              <a:t>事件驱动</a:t>
-            </a:r>
-            <a:endParaRPr lang="zh-CN" altLang="en-US" sz="1600" dirty="0"/>
-          </a:p>
-          <a:p>
-            <a:pPr>
-              <a:lnSpc>
-                <a:spcPct val="150000"/>
-              </a:lnSpc>
-            </a:pPr>
-            <a:r>
-              <a:rPr lang="zh-CN" altLang="en-US" sz="1600" dirty="0"/>
-              <a:t>整个过程没有阻塞新用户的连接（点餐），也不需要维护已经点餐的用户与厨师的</a:t>
-            </a:r>
-            <a:r>
-              <a:rPr lang="zh-CN" altLang="en-US" sz="1600" dirty="0" smtClean="0"/>
-              <a:t>连接</a:t>
-            </a:r>
-            <a:endParaRPr lang="zh-CN" altLang="en-US" sz="1600" dirty="0"/>
-          </a:p>
-          <a:p>
-            <a:pPr>
-              <a:lnSpc>
-                <a:spcPct val="150000"/>
-              </a:lnSpc>
-            </a:pPr>
-            <a:r>
-              <a:rPr lang="zh-CN" altLang="en-US" sz="1600" dirty="0"/>
-              <a:t>基于这样的机制，理论上陆续有用户请求连接，</a:t>
-            </a:r>
-            <a:r>
-              <a:rPr lang="en-US" altLang="zh-CN" sz="1600" dirty="0" err="1"/>
-              <a:t>NodeJS</a:t>
-            </a:r>
-            <a:r>
-              <a:rPr lang="zh-CN" altLang="en-US" sz="1600" dirty="0"/>
-              <a:t>都可以进行响应，因此</a:t>
-            </a:r>
-            <a:r>
-              <a:rPr lang="en-US" altLang="zh-CN" sz="1600" dirty="0" err="1"/>
-              <a:t>NodeJS</a:t>
-            </a:r>
-            <a:r>
-              <a:rPr lang="zh-CN" altLang="en-US" sz="1600" dirty="0"/>
-              <a:t>能支持比</a:t>
-            </a:r>
-            <a:r>
-              <a:rPr lang="en-US" altLang="zh-CN" sz="1600" dirty="0"/>
-              <a:t>Java</a:t>
-            </a:r>
-            <a:r>
-              <a:rPr lang="zh-CN" altLang="en-US" sz="1600" dirty="0"/>
-              <a:t>、</a:t>
-            </a:r>
-            <a:r>
-              <a:rPr lang="en-US" altLang="zh-CN" sz="1600" dirty="0"/>
-              <a:t>PHP</a:t>
-            </a:r>
-            <a:r>
-              <a:rPr lang="zh-CN" altLang="en-US" sz="1600" dirty="0"/>
-              <a:t>程序更高的并发</a:t>
-            </a:r>
-            <a:r>
-              <a:rPr lang="zh-CN" altLang="en-US" sz="1600" dirty="0" smtClean="0"/>
-              <a:t>量</a:t>
-            </a:r>
-            <a:endParaRPr lang="zh-CN" altLang="en-US" sz="1600" dirty="0"/>
-          </a:p>
-          <a:p>
-            <a:pPr>
-              <a:lnSpc>
-                <a:spcPct val="150000"/>
-              </a:lnSpc>
-            </a:pPr>
-            <a:r>
-              <a:rPr lang="zh-CN" altLang="en-US" sz="1600" dirty="0"/>
-              <a:t>虽然维护事件队列也需要成本，再由于</a:t>
-            </a:r>
-            <a:r>
-              <a:rPr lang="en-US" altLang="zh-CN" sz="1600" dirty="0" err="1"/>
-              <a:t>NodeJS</a:t>
-            </a:r>
-            <a:r>
-              <a:rPr lang="zh-CN" altLang="en-US" sz="1600" dirty="0"/>
-              <a:t>是单线程，事件队列越长，得到响应的时间就越长，并发量上去还是会力不从心</a:t>
-            </a:r>
-          </a:p>
-        </p:txBody>
-      </p:sp>
-    </p:spTree>
-    <p:extLst>
-      <p:ext uri="{BB962C8B-B14F-4D97-AF65-F5344CB8AC3E}">
-        <p14:creationId xmlns:p14="http://schemas.microsoft.com/office/powerpoint/2010/main" val="129588614"/>
-      </p:ext>
-    </p:extLst>
-  </p:cSld>
-  <p:clrMapOvr>
-    <a:masterClrMapping/>
-  </p:clrMapOvr>
-  <p:timing>
-    <p:tnLst>
-      <p:par>
-        <p:cTn id="1" dur="indefinite" restart="never" nodeType="tmRoot"/>
-      </p:par>
-    </p:tnLst>
-  </p:timing>
-</p:sld>
-</file>
-
 <file path=ppt/slides/slide2.xml><?xml version="1.0" encoding="utf-8"?>
 <p:sld xmlns:a="http://schemas.openxmlformats.org/drawingml/2006/main" xmlns:r="http://schemas.openxmlformats.org/officeDocument/2006/relationships" xmlns:p="http://schemas.openxmlformats.org/presentationml/2006/main">
   <p:cSld>
@@ -9239,11 +9564,7 @@
             </a:pPr>
             <a:r>
               <a:rPr lang="zh-CN" altLang="en-US" sz="1600" dirty="0" smtClean="0"/>
-              <a:t>轻</a:t>
-            </a:r>
-            <a:r>
-              <a:rPr lang="zh-CN" altLang="en-US" sz="1600" dirty="0" smtClean="0"/>
-              <a:t>量、可伸缩，适于实时数据交互应用</a:t>
+              <a:t>轻量、可伸缩，适于实时数据交互应用</a:t>
             </a:r>
           </a:p>
           <a:p>
@@ -9306,6 +9627,252 @@
       </p:grpSpPr>
       <p:sp>
         <p:nvSpPr>
+          <p:cNvPr id="2" name="矩形 1"/>
+          <p:cNvSpPr/>
+          <p:nvPr/>
+        </p:nvSpPr>
+        <p:spPr>
+          <a:xfrm>
+            <a:off x="0" y="548680"/>
+            <a:ext cx="9180512" cy="5220788"/>
+          </a:xfrm>
+          <a:prstGeom prst="rect">
+            <a:avLst/>
+          </a:prstGeom>
+        </p:spPr>
+        <p:txBody>
+          <a:bodyPr wrap="square">
+            <a:spAutoFit/>
+          </a:bodyPr>
+          <a:lstStyle/>
+          <a:p>
+            <a:pPr>
+              <a:lnSpc>
+                <a:spcPct val="150000"/>
+              </a:lnSpc>
+            </a:pPr>
+            <a:endParaRPr lang="en-US" altLang="zh-CN" sz="1600" dirty="0" smtClean="0"/>
+          </a:p>
+          <a:p>
+            <a:pPr>
+              <a:lnSpc>
+                <a:spcPct val="150000"/>
+              </a:lnSpc>
+            </a:pPr>
+            <a:r>
+              <a:rPr lang="zh-CN" altLang="en-US" sz="1600" dirty="0" smtClean="0"/>
+              <a:t>我们同样是要发起请求，等待服务器端响应；但是与银行例子不同的是，这次我们点完餐后拿到了一个号码，</a:t>
+            </a:r>
+          </a:p>
+          <a:p>
+            <a:pPr>
+              <a:lnSpc>
+                <a:spcPct val="150000"/>
+              </a:lnSpc>
+            </a:pPr>
+            <a:r>
+              <a:rPr lang="zh-CN" altLang="en-US" sz="1600" dirty="0" smtClean="0"/>
+              <a:t>拿到号码，我们往往会在位置上等待，而在我们后面的请求会继续得到处理，同样是拿了一个号码然后到一旁等待，接待员能一直进行处理。</a:t>
+            </a:r>
+          </a:p>
+          <a:p>
+            <a:pPr>
+              <a:lnSpc>
+                <a:spcPct val="150000"/>
+              </a:lnSpc>
+            </a:pPr>
+            <a:r>
+              <a:rPr lang="zh-CN" altLang="en-US" sz="1600" dirty="0" smtClean="0"/>
+              <a:t>等到饭菜做号了，会喊号码，我们拿到了自己的饭菜，进行后续的处理（吃饭）</a:t>
+            </a:r>
+          </a:p>
+          <a:p>
+            <a:pPr>
+              <a:lnSpc>
+                <a:spcPct val="150000"/>
+              </a:lnSpc>
+            </a:pPr>
+            <a:r>
+              <a:rPr lang="zh-CN" altLang="en-US" sz="1600" dirty="0" smtClean="0"/>
+              <a:t>这个喊号码的动作在</a:t>
+            </a:r>
+            <a:r>
+              <a:rPr lang="en-US" altLang="zh-CN" sz="1600" dirty="0" err="1" smtClean="0"/>
+              <a:t>NodeJS</a:t>
+            </a:r>
+            <a:r>
+              <a:rPr lang="zh-CN" altLang="en-US" sz="1600" dirty="0" smtClean="0"/>
+              <a:t>中叫做回调（</a:t>
+            </a:r>
+            <a:r>
+              <a:rPr lang="en-US" altLang="zh-CN" sz="1600" dirty="0" smtClean="0"/>
+              <a:t>Callback</a:t>
+            </a:r>
+            <a:r>
+              <a:rPr lang="zh-CN" altLang="en-US" sz="1600" dirty="0" smtClean="0"/>
+              <a:t>），能在事件（烧菜，</a:t>
+            </a:r>
+            <a:r>
+              <a:rPr lang="en-US" altLang="zh-CN" sz="1600" dirty="0" smtClean="0"/>
+              <a:t>I/O</a:t>
+            </a:r>
+            <a:r>
+              <a:rPr lang="zh-CN" altLang="en-US" sz="1600" dirty="0" smtClean="0"/>
+              <a:t>）处理完成后继续执行后面的逻辑（吃饭），</a:t>
+            </a:r>
+          </a:p>
+          <a:p>
+            <a:pPr>
+              <a:lnSpc>
+                <a:spcPct val="150000"/>
+              </a:lnSpc>
+            </a:pPr>
+            <a:r>
+              <a:rPr lang="zh-CN" altLang="en-US" sz="1600" dirty="0" smtClean="0"/>
+              <a:t>这</a:t>
+            </a:r>
+            <a:r>
+              <a:rPr lang="zh-CN" altLang="en-US" sz="1600" dirty="0"/>
+              <a:t>体现了</a:t>
+            </a:r>
+            <a:r>
+              <a:rPr lang="en-US" altLang="zh-CN" sz="1600" dirty="0" err="1"/>
+              <a:t>NodeJS</a:t>
+            </a:r>
+            <a:r>
+              <a:rPr lang="zh-CN" altLang="en-US" sz="1600" dirty="0"/>
+              <a:t>的显著特点，异步机制、</a:t>
+            </a:r>
+            <a:r>
+              <a:rPr lang="zh-CN" altLang="en-US" sz="1600" dirty="0" smtClean="0"/>
+              <a:t>事件驱动</a:t>
+            </a:r>
+            <a:endParaRPr lang="zh-CN" altLang="en-US" sz="1600" dirty="0"/>
+          </a:p>
+          <a:p>
+            <a:pPr>
+              <a:lnSpc>
+                <a:spcPct val="150000"/>
+              </a:lnSpc>
+            </a:pPr>
+            <a:r>
+              <a:rPr lang="zh-CN" altLang="en-US" sz="1600" dirty="0"/>
+              <a:t>整个过程没有阻塞新用户的连接（点餐），也不需要维护已经点餐的用户与厨师的</a:t>
+            </a:r>
+            <a:r>
+              <a:rPr lang="zh-CN" altLang="en-US" sz="1600" dirty="0" smtClean="0"/>
+              <a:t>连接</a:t>
+            </a:r>
+            <a:endParaRPr lang="zh-CN" altLang="en-US" sz="1600" dirty="0"/>
+          </a:p>
+          <a:p>
+            <a:pPr>
+              <a:lnSpc>
+                <a:spcPct val="150000"/>
+              </a:lnSpc>
+            </a:pPr>
+            <a:r>
+              <a:rPr lang="zh-CN" altLang="en-US" sz="1600" dirty="0"/>
+              <a:t>基于这样的机制，理论上陆续有用户请求连接，</a:t>
+            </a:r>
+            <a:r>
+              <a:rPr lang="en-US" altLang="zh-CN" sz="1600" dirty="0" err="1"/>
+              <a:t>NodeJS</a:t>
+            </a:r>
+            <a:r>
+              <a:rPr lang="zh-CN" altLang="en-US" sz="1600" dirty="0"/>
+              <a:t>都可以进行响应，因此</a:t>
+            </a:r>
+            <a:r>
+              <a:rPr lang="en-US" altLang="zh-CN" sz="1600" dirty="0" err="1"/>
+              <a:t>NodeJS</a:t>
+            </a:r>
+            <a:r>
+              <a:rPr lang="zh-CN" altLang="en-US" sz="1600" dirty="0"/>
+              <a:t>能支持比</a:t>
+            </a:r>
+            <a:r>
+              <a:rPr lang="en-US" altLang="zh-CN" sz="1600" dirty="0"/>
+              <a:t>Java</a:t>
+            </a:r>
+            <a:r>
+              <a:rPr lang="zh-CN" altLang="en-US" sz="1600" dirty="0"/>
+              <a:t>、</a:t>
+            </a:r>
+            <a:r>
+              <a:rPr lang="en-US" altLang="zh-CN" sz="1600" dirty="0"/>
+              <a:t>PHP</a:t>
+            </a:r>
+            <a:r>
+              <a:rPr lang="zh-CN" altLang="en-US" sz="1600" dirty="0"/>
+              <a:t>程序更高的并发</a:t>
+            </a:r>
+            <a:r>
+              <a:rPr lang="zh-CN" altLang="en-US" sz="1600" dirty="0" smtClean="0"/>
+              <a:t>量</a:t>
+            </a:r>
+            <a:endParaRPr lang="zh-CN" altLang="en-US" sz="1600" dirty="0"/>
+          </a:p>
+          <a:p>
+            <a:pPr>
+              <a:lnSpc>
+                <a:spcPct val="150000"/>
+              </a:lnSpc>
+            </a:pPr>
+            <a:r>
+              <a:rPr lang="zh-CN" altLang="en-US" sz="1600" dirty="0"/>
+              <a:t>虽然维护事件队列也需要成本，再由于</a:t>
+            </a:r>
+            <a:r>
+              <a:rPr lang="en-US" altLang="zh-CN" sz="1600" dirty="0" err="1"/>
+              <a:t>NodeJS</a:t>
+            </a:r>
+            <a:r>
+              <a:rPr lang="zh-CN" altLang="en-US" sz="1600" dirty="0"/>
+              <a:t>是单线程，事件队列越长，得到响应的时间就越长，并发量上去还是会力不从心</a:t>
+            </a:r>
+          </a:p>
+        </p:txBody>
+      </p:sp>
+    </p:spTree>
+    <p:extLst>
+      <p:ext uri="{BB962C8B-B14F-4D97-AF65-F5344CB8AC3E}">
+        <p14:creationId xmlns:p14="http://schemas.microsoft.com/office/powerpoint/2010/main" val="129588614"/>
+      </p:ext>
+    </p:extLst>
+  </p:cSld>
+  <p:clrMapOvr>
+    <a:masterClrMapping/>
+  </p:clrMapOvr>
+  <p:timing>
+    <p:tnLst>
+      <p:par>
+        <p:cTn id="1" dur="indefinite" restart="never" nodeType="tmRoot"/>
+      </p:par>
+    </p:tnLst>
+  </p:timing>
+</p:sld>
+</file>
+
+<file path=ppt/slides/slide21.xml><?xml version="1.0" encoding="utf-8"?>
+<p:sld xmlns:a="http://schemas.openxmlformats.org/drawingml/2006/main" xmlns:r="http://schemas.openxmlformats.org/officeDocument/2006/relationships" xmlns:p="http://schemas.openxmlformats.org/presentationml/2006/main">
+  <p:cSld>
+    <p:spTree>
+      <p:nvGrpSpPr>
+        <p:cNvPr id="1" name=""/>
+        <p:cNvGrpSpPr/>
+        <p:nvPr/>
+      </p:nvGrpSpPr>
+      <p:grpSpPr>
+        <a:xfrm>
+          <a:off x="0" y="0"/>
+          <a:ext cx="0" cy="0"/>
+          <a:chOff x="0" y="0"/>
+          <a:chExt cx="0" cy="0"/>
+        </a:xfrm>
+      </p:grpSpPr>
+      <p:sp>
+        <p:nvSpPr>
           <p:cNvPr id="2" name="标题 1"/>
           <p:cNvSpPr>
             <a:spLocks noGrp="1"/>
@@ -9455,7 +10022,7 @@
 </p:sld>
 </file>
 
-<file path=ppt/slides/slide21.xml><?xml version="1.0" encoding="utf-8"?>
+<file path=ppt/slides/slide22.xml><?xml version="1.0" encoding="utf-8"?>
 <p:sld xmlns:a="http://schemas.openxmlformats.org/drawingml/2006/main" xmlns:r="http://schemas.openxmlformats.org/officeDocument/2006/relationships" xmlns:p="http://schemas.openxmlformats.org/presentationml/2006/main">
   <p:cSld>
     <p:spTree>
@@ -9797,7 +10364,7 @@
 </p:sld>
 </file>
 
-<file path=ppt/slides/slide22.xml><?xml version="1.0" encoding="utf-8"?>
+<file path=ppt/slides/slide23.xml><?xml version="1.0" encoding="utf-8"?>
 <p:sld xmlns:a="http://schemas.openxmlformats.org/drawingml/2006/main" xmlns:r="http://schemas.openxmlformats.org/officeDocument/2006/relationships" xmlns:p="http://schemas.openxmlformats.org/presentationml/2006/main">
   <p:cSld>
     <p:spTree>
@@ -10132,7 +10699,7 @@
 </p:sld>
 </file>
 
-<file path=ppt/slides/slide23.xml><?xml version="1.0" encoding="utf-8"?>
+<file path=ppt/slides/slide24.xml><?xml version="1.0" encoding="utf-8"?>
 <p:sld xmlns:a="http://schemas.openxmlformats.org/drawingml/2006/main" xmlns:r="http://schemas.openxmlformats.org/officeDocument/2006/relationships" xmlns:p="http://schemas.openxmlformats.org/presentationml/2006/main">
   <p:cSld>
     <p:spTree>
@@ -10272,7 +10839,7 @@
 </p:sld>
 </file>
 
-<file path=ppt/slides/slide24.xml><?xml version="1.0" encoding="utf-8"?>
+<file path=ppt/slides/slide25.xml><?xml version="1.0" encoding="utf-8"?>
 <p:sld xmlns:a="http://schemas.openxmlformats.org/drawingml/2006/main" xmlns:r="http://schemas.openxmlformats.org/officeDocument/2006/relationships" xmlns:p="http://schemas.openxmlformats.org/presentationml/2006/main">
   <p:cSld>
     <p:spTree>
@@ -10371,7 +10938,7 @@
 </p:sld>
 </file>
 
-<file path=ppt/slides/slide25.xml><?xml version="1.0" encoding="utf-8"?>
+<file path=ppt/slides/slide26.xml><?xml version="1.0" encoding="utf-8"?>
 <p:sld xmlns:a="http://schemas.openxmlformats.org/drawingml/2006/main" xmlns:r="http://schemas.openxmlformats.org/officeDocument/2006/relationships" xmlns:p="http://schemas.openxmlformats.org/presentationml/2006/main">
   <p:cSld>
     <p:spTree>
@@ -10614,7 +11181,7 @@
 </p:sld>
 </file>
 
-<file path=ppt/slides/slide26.xml><?xml version="1.0" encoding="utf-8"?>
+<file path=ppt/slides/slide27.xml><?xml version="1.0" encoding="utf-8"?>
 <p:sld xmlns:a="http://schemas.openxmlformats.org/drawingml/2006/main" xmlns:r="http://schemas.openxmlformats.org/officeDocument/2006/relationships" xmlns:p="http://schemas.openxmlformats.org/presentationml/2006/main">
   <p:cSld>
     <p:spTree>
@@ -10882,18 +11449,14 @@
           <a:lstStyle/>
           <a:p>
             <a:r>
-              <a:rPr lang="en-US" altLang="zh-CN" dirty="0"/>
+              <a:rPr lang="en-US" altLang="zh-CN" dirty="0" smtClean="0"/>
               <a:t>Node.js</a:t>
             </a:r>
             <a:r>
-              <a:rPr lang="zh-CN" altLang="en-US" dirty="0"/>
-              <a:t>包管理</a:t>
-            </a:r>
-            <a:r>
               <a:rPr lang="zh-CN" altLang="en-US" dirty="0" smtClean="0"/>
-              <a:t>工具</a:t>
-            </a:r>
-            <a:endParaRPr lang="zh-CN" altLang="en-US" dirty="0"/>
+              <a:t>模块系统</a:t>
+            </a:r>
+            <a:endParaRPr lang="en-US" altLang="zh-CN" dirty="0"/>
           </a:p>
         </p:txBody>
       </p:sp>
@@ -10915,282 +11478,23 @@
           <a:lstStyle/>
           <a:p>
             <a:pPr>
-              <a:lnSpc>
-                <a:spcPct val="150000"/>
-              </a:lnSpc>
               <a:buFont typeface="Wingdings" panose="05000000000000000000" pitchFamily="2" charset="2"/>
               <a:buChar char="Ø"/>
             </a:pPr>
             <a:r>
-              <a:rPr lang="en-US" altLang="zh-CN" sz="1600" dirty="0"/>
-              <a:t>NPM</a:t>
-            </a:r>
-            <a:r>
               <a:rPr lang="zh-CN" altLang="en-US" sz="1600" dirty="0" smtClean="0"/>
-              <a:t>是</a:t>
-            </a:r>
-            <a:r>
-              <a:rPr lang="zh-CN" altLang="en-US" sz="1600" dirty="0"/>
-              <a:t>随</a:t>
-            </a:r>
-            <a:r>
-              <a:rPr lang="en-US" altLang="zh-CN" sz="1600" dirty="0"/>
-              <a:t>node</a:t>
-            </a:r>
-            <a:r>
-              <a:rPr lang="zh-CN" altLang="en-US" sz="1600" dirty="0"/>
-              <a:t>一起安装的包管理工具，主要用于管理</a:t>
+              <a:t>模块：一个</a:t>
             </a:r>
             <a:r>
               <a:rPr lang="en-US" altLang="zh-CN" sz="1600" dirty="0" smtClean="0"/>
-              <a:t>node</a:t>
+              <a:t>node.js</a:t>
             </a:r>
             <a:r>
               <a:rPr lang="zh-CN" altLang="en-US" sz="1600" dirty="0" smtClean="0"/>
-              <a:t>应用</a:t>
-            </a:r>
-            <a:r>
-              <a:rPr lang="zh-CN" altLang="en-US" sz="1600" dirty="0"/>
-              <a:t>所</a:t>
-            </a:r>
-            <a:r>
-              <a:rPr lang="zh-CN" altLang="en-US" sz="1600" dirty="0" smtClean="0"/>
-              <a:t>依赖</a:t>
-            </a:r>
-            <a:r>
-              <a:rPr lang="en-US" altLang="zh-CN" sz="1600" dirty="0" smtClean="0"/>
-              <a:t/>
-            </a:r>
-            <a:br>
-              <a:rPr lang="en-US" altLang="zh-CN" sz="1600" dirty="0" smtClean="0"/>
-            </a:br>
-            <a:r>
-              <a:rPr lang="zh-CN" altLang="en-US" sz="1600" dirty="0" smtClean="0"/>
-              <a:t>的</a:t>
-            </a:r>
-            <a:r>
-              <a:rPr lang="zh-CN" altLang="en-US" sz="1600" dirty="0"/>
-              <a:t>模块</a:t>
-            </a:r>
-            <a:r>
-              <a:rPr lang="zh-CN" altLang="en-US" sz="1600" dirty="0" smtClean="0"/>
-              <a:t>，</a:t>
+              <a:t>文件就是一个模块，文件和模块是一一对应的</a:t>
             </a:r>
             <a:endParaRPr lang="en-US" altLang="zh-CN" sz="1600" dirty="0" smtClean="0"/>
           </a:p>
-          <a:p>
-            <a:pPr>
-              <a:lnSpc>
-                <a:spcPct val="150000"/>
-              </a:lnSpc>
-              <a:buFont typeface="Wingdings" panose="05000000000000000000" pitchFamily="2" charset="2"/>
-              <a:buChar char="Ø"/>
-            </a:pPr>
-            <a:r>
-              <a:rPr lang="zh-CN" altLang="en-US" sz="1600" dirty="0" smtClean="0"/>
-              <a:t>允许</a:t>
-            </a:r>
-            <a:r>
-              <a:rPr lang="zh-CN" altLang="en-US" sz="1600" dirty="0"/>
-              <a:t>用户从</a:t>
-            </a:r>
-            <a:r>
-              <a:rPr lang="en-US" altLang="zh-CN" sz="1600" dirty="0"/>
-              <a:t>NPM</a:t>
-            </a:r>
-            <a:r>
-              <a:rPr lang="zh-CN" altLang="en-US" sz="1600" dirty="0"/>
-              <a:t>服务器下载别人编写的第三方包到本地使用</a:t>
-            </a:r>
-            <a:endParaRPr lang="en-US" altLang="zh-CN" sz="1600" dirty="0"/>
-          </a:p>
-          <a:p>
-            <a:pPr>
-              <a:lnSpc>
-                <a:spcPct val="150000"/>
-              </a:lnSpc>
-              <a:buFont typeface="Wingdings" panose="05000000000000000000" pitchFamily="2" charset="2"/>
-              <a:buChar char="Ø"/>
-            </a:pPr>
-            <a:r>
-              <a:rPr lang="zh-CN" altLang="en-US" sz="1600" dirty="0"/>
-              <a:t>允许用户从</a:t>
-            </a:r>
-            <a:r>
-              <a:rPr lang="en-US" altLang="zh-CN" sz="1600" dirty="0"/>
-              <a:t>NPM</a:t>
-            </a:r>
-            <a:r>
-              <a:rPr lang="zh-CN" altLang="en-US" sz="1600" dirty="0"/>
-              <a:t>服务器下载并安装别人编写的命令行程序到本地使用</a:t>
-            </a:r>
-            <a:endParaRPr lang="en-US" altLang="zh-CN" sz="1600" dirty="0"/>
-          </a:p>
-          <a:p>
-            <a:pPr>
-              <a:lnSpc>
-                <a:spcPct val="150000"/>
-              </a:lnSpc>
-              <a:buFont typeface="Wingdings" panose="05000000000000000000" pitchFamily="2" charset="2"/>
-              <a:buChar char="Ø"/>
-            </a:pPr>
-            <a:r>
-              <a:rPr lang="zh-CN" altLang="en-US" sz="1600" dirty="0"/>
-              <a:t>允许用户将自己编写的包或命令行程序上传到</a:t>
-            </a:r>
-            <a:r>
-              <a:rPr lang="en-US" altLang="zh-CN" sz="1600" dirty="0"/>
-              <a:t>NPM</a:t>
-            </a:r>
-            <a:r>
-              <a:rPr lang="zh-CN" altLang="en-US" sz="1600" dirty="0"/>
-              <a:t>服务器供别人使用</a:t>
-            </a:r>
-            <a:endParaRPr lang="en-US" altLang="zh-CN" sz="1600" dirty="0"/>
-          </a:p>
-          <a:p>
-            <a:pPr>
-              <a:lnSpc>
-                <a:spcPct val="150000"/>
-              </a:lnSpc>
-              <a:buFont typeface="Wingdings" panose="05000000000000000000" pitchFamily="2" charset="2"/>
-              <a:buChar char="Ø"/>
-            </a:pPr>
-            <a:r>
-              <a:rPr lang="zh-CN" altLang="en-US" sz="1600" dirty="0"/>
-              <a:t>安装命令：</a:t>
-            </a:r>
-            <a:r>
-              <a:rPr lang="en-US" altLang="zh-CN" sz="1600" dirty="0" err="1"/>
-              <a:t>npm</a:t>
-            </a:r>
-            <a:r>
-              <a:rPr lang="en-US" altLang="zh-CN" sz="1600" dirty="0"/>
-              <a:t> install &lt;module name&gt; (-g:</a:t>
-            </a:r>
-            <a:r>
-              <a:rPr lang="zh-CN" altLang="en-US" sz="1600" dirty="0"/>
-              <a:t>全局安装</a:t>
-            </a:r>
-            <a:r>
-              <a:rPr lang="en-US" altLang="zh-CN" sz="1600" dirty="0"/>
-              <a:t> –save:</a:t>
-            </a:r>
-            <a:r>
-              <a:rPr lang="zh-CN" altLang="en-US" sz="1600" dirty="0"/>
-              <a:t>添加依赖</a:t>
-            </a:r>
-            <a:r>
-              <a:rPr lang="en-US" altLang="zh-CN" sz="1600" dirty="0"/>
-              <a:t>)</a:t>
-            </a:r>
-          </a:p>
-          <a:p>
-            <a:pPr>
-              <a:lnSpc>
-                <a:spcPct val="150000"/>
-              </a:lnSpc>
-              <a:buFont typeface="Wingdings" panose="05000000000000000000" pitchFamily="2" charset="2"/>
-              <a:buChar char="Ø"/>
-            </a:pPr>
-            <a:r>
-              <a:rPr lang="zh-CN" altLang="en-US" sz="1600" dirty="0"/>
-              <a:t>卸载命令：</a:t>
-            </a:r>
-            <a:r>
-              <a:rPr lang="en-US" altLang="zh-CN" sz="1600" dirty="0" err="1"/>
-              <a:t>npm</a:t>
-            </a:r>
-            <a:r>
-              <a:rPr lang="en-US" altLang="zh-CN" sz="1600" dirty="0"/>
-              <a:t> uninstall &lt;module name&gt;</a:t>
-            </a:r>
-          </a:p>
-          <a:p>
-            <a:endParaRPr lang="zh-CN" altLang="en-US" dirty="0"/>
-          </a:p>
-        </p:txBody>
-      </p:sp>
-    </p:spTree>
-    <p:extLst>
-      <p:ext uri="{BB962C8B-B14F-4D97-AF65-F5344CB8AC3E}">
-        <p14:creationId xmlns:p14="http://schemas.microsoft.com/office/powerpoint/2010/main" val="2963858043"/>
-      </p:ext>
-    </p:extLst>
-  </p:cSld>
-  <p:clrMapOvr>
-    <a:masterClrMapping/>
-  </p:clrMapOvr>
-  <p:timing>
-    <p:tnLst>
-      <p:par>
-        <p:cTn id="1" dur="indefinite" restart="never" nodeType="tmRoot"/>
-      </p:par>
-    </p:tnLst>
-  </p:timing>
-</p:sld>
-</file>
-
-<file path=ppt/slides/slide4.xml><?xml version="1.0" encoding="utf-8"?>
-<p:sld xmlns:a="http://schemas.openxmlformats.org/drawingml/2006/main" xmlns:r="http://schemas.openxmlformats.org/officeDocument/2006/relationships" xmlns:p="http://schemas.openxmlformats.org/presentationml/2006/main">
-  <p:cSld>
-    <p:spTree>
-      <p:nvGrpSpPr>
-        <p:cNvPr id="1" name=""/>
-        <p:cNvGrpSpPr/>
-        <p:nvPr/>
-      </p:nvGrpSpPr>
-      <p:grpSpPr>
-        <a:xfrm>
-          <a:off x="0" y="0"/>
-          <a:ext cx="0" cy="0"/>
-          <a:chOff x="0" y="0"/>
-          <a:chExt cx="0" cy="0"/>
-        </a:xfrm>
-      </p:grpSpPr>
-      <p:sp>
-        <p:nvSpPr>
-          <p:cNvPr id="2" name="标题 1"/>
-          <p:cNvSpPr>
-            <a:spLocks noGrp="1"/>
-          </p:cNvSpPr>
-          <p:nvPr>
-            <p:ph type="title"/>
-          </p:nvPr>
-        </p:nvSpPr>
-        <p:spPr/>
-        <p:txBody>
-          <a:bodyPr/>
-          <a:lstStyle/>
-          <a:p>
-            <a:r>
-              <a:rPr lang="en-US" altLang="zh-CN" dirty="0" smtClean="0"/>
-              <a:t>Node.js</a:t>
-            </a:r>
-            <a:r>
-              <a:rPr lang="zh-CN" altLang="en-US" dirty="0" smtClean="0"/>
-              <a:t>模块系统</a:t>
-            </a:r>
-            <a:endParaRPr lang="en-US" altLang="zh-CN" dirty="0"/>
-          </a:p>
-        </p:txBody>
-      </p:sp>
-      <p:sp>
-        <p:nvSpPr>
-          <p:cNvPr id="3" name="内容占位符 2"/>
-          <p:cNvSpPr>
-            <a:spLocks noGrp="1"/>
-          </p:cNvSpPr>
-          <p:nvPr>
-            <p:ph idx="1"/>
-          </p:nvPr>
-        </p:nvSpPr>
-        <p:spPr/>
-        <p:txBody>
-          <a:bodyPr>
-            <a:normAutofit/>
-          </a:bodyPr>
-          <a:lstStyle/>
           <a:p>
             <a:pPr>
               <a:buFont typeface="Wingdings" panose="05000000000000000000" pitchFamily="2" charset="2"/>
@@ -11198,15 +11502,7 @@
             </a:pPr>
             <a:r>
               <a:rPr lang="zh-CN" altLang="en-US" sz="1600" dirty="0" smtClean="0"/>
-              <a:t>模块：一个</a:t>
-            </a:r>
-            <a:r>
-              <a:rPr lang="en-US" altLang="zh-CN" sz="1600" dirty="0" smtClean="0"/>
-              <a:t>node.js</a:t>
-            </a:r>
-            <a:r>
-              <a:rPr lang="zh-CN" altLang="en-US" sz="1600" dirty="0" smtClean="0"/>
-              <a:t>文件就是一个模块，文件和模块是一一对应的</a:t>
+              <a:t>分类：原生模块、本地模块、第三方模块</a:t>
             </a:r>
             <a:endParaRPr lang="en-US" altLang="zh-CN" sz="1600" dirty="0" smtClean="0"/>
           </a:p>
@@ -11217,17 +11513,6 @@
             </a:pPr>
             <a:r>
               <a:rPr lang="zh-CN" altLang="en-US" sz="1600" dirty="0" smtClean="0"/>
-              <a:t>分类：原生模块、本地模块、第三方模块</a:t>
-            </a:r>
-            <a:endParaRPr lang="en-US" altLang="zh-CN" sz="1600" dirty="0" smtClean="0"/>
-          </a:p>
-          <a:p>
-            <a:pPr>
-              <a:buFont typeface="Wingdings" panose="05000000000000000000" pitchFamily="2" charset="2"/>
-              <a:buChar char="Ø"/>
-            </a:pPr>
-            <a:r>
-              <a:rPr lang="zh-CN" altLang="en-US" sz="1600" dirty="0" smtClean="0"/>
               <a:t>定义模块（本地模块）：</a:t>
             </a:r>
             <a:r>
@@ -11250,7 +11535,6 @@
               <a:rPr lang="en-US" altLang="zh-CN" sz="1600" dirty="0" smtClean="0"/>
               <a:t>)</a:t>
             </a:r>
-            <a:endParaRPr lang="en-US" altLang="zh-CN" sz="1600" dirty="0" smtClean="0"/>
           </a:p>
           <a:p>
             <a:pPr>
@@ -11334,7 +11618,7 @@
 </p:sld>
 </file>
 
-<file path=ppt/slides/slide5.xml><?xml version="1.0" encoding="utf-8"?>
+<file path=ppt/slides/slide4.xml><?xml version="1.0" encoding="utf-8"?>
 <p:sld xmlns:a="http://schemas.openxmlformats.org/drawingml/2006/main" xmlns:r="http://schemas.openxmlformats.org/officeDocument/2006/relationships" xmlns:p="http://schemas.openxmlformats.org/presentationml/2006/main">
   <p:cSld>
     <p:spTree>
@@ -11523,7 +11807,7 @@
 </p:sld>
 </file>
 
-<file path=ppt/slides/slide6.xml><?xml version="1.0" encoding="utf-8"?>
+<file path=ppt/slides/slide5.xml><?xml version="1.0" encoding="utf-8"?>
 <p:sld xmlns:a="http://schemas.openxmlformats.org/drawingml/2006/main" xmlns:r="http://schemas.openxmlformats.org/officeDocument/2006/relationships" xmlns:p="http://schemas.openxmlformats.org/presentationml/2006/main">
   <p:cSld>
     <p:spTree>
@@ -11864,6 +12148,258 @@
 </p:sld>
 </file>
 
+<file path=ppt/slides/slide6.xml><?xml version="1.0" encoding="utf-8"?>
+<p:sld xmlns:a="http://schemas.openxmlformats.org/drawingml/2006/main" xmlns:r="http://schemas.openxmlformats.org/officeDocument/2006/relationships" xmlns:p="http://schemas.openxmlformats.org/presentationml/2006/main">
+  <p:cSld>
+    <p:spTree>
+      <p:nvGrpSpPr>
+        <p:cNvPr id="1" name=""/>
+        <p:cNvGrpSpPr/>
+        <p:nvPr/>
+      </p:nvGrpSpPr>
+      <p:grpSpPr>
+        <a:xfrm>
+          <a:off x="0" y="0"/>
+          <a:ext cx="0" cy="0"/>
+          <a:chOff x="0" y="0"/>
+          <a:chExt cx="0" cy="0"/>
+        </a:xfrm>
+      </p:grpSpPr>
+      <p:sp>
+        <p:nvSpPr>
+          <p:cNvPr id="2" name="标题 1"/>
+          <p:cNvSpPr>
+            <a:spLocks noGrp="1"/>
+          </p:cNvSpPr>
+          <p:nvPr>
+            <p:ph type="title"/>
+          </p:nvPr>
+        </p:nvSpPr>
+        <p:spPr/>
+        <p:txBody>
+          <a:bodyPr/>
+          <a:lstStyle/>
+          <a:p>
+            <a:r>
+              <a:rPr lang="zh-CN" altLang="en-US" dirty="0" smtClean="0"/>
+              <a:t>同步</a:t>
+            </a:r>
+            <a:r>
+              <a:rPr lang="en-US" altLang="zh-CN" dirty="0" smtClean="0"/>
+              <a:t>IO</a:t>
+            </a:r>
+            <a:r>
+              <a:rPr lang="zh-CN" altLang="en-US" dirty="0" smtClean="0"/>
+              <a:t>与异步</a:t>
+            </a:r>
+            <a:r>
+              <a:rPr lang="en-US" altLang="zh-CN" dirty="0" smtClean="0"/>
+              <a:t>IO</a:t>
+            </a:r>
+            <a:endParaRPr lang="zh-CN" altLang="en-US" dirty="0"/>
+          </a:p>
+        </p:txBody>
+      </p:sp>
+      <p:sp>
+        <p:nvSpPr>
+          <p:cNvPr id="3" name="内容占位符 2"/>
+          <p:cNvSpPr>
+            <a:spLocks noGrp="1"/>
+          </p:cNvSpPr>
+          <p:nvPr>
+            <p:ph idx="1"/>
+          </p:nvPr>
+        </p:nvSpPr>
+        <p:spPr/>
+        <p:txBody>
+          <a:bodyPr/>
+          <a:lstStyle/>
+          <a:p>
+            <a:r>
+              <a:rPr lang="zh-CN" altLang="en-US" dirty="0" smtClean="0"/>
+              <a:t>文件读取：</a:t>
+            </a:r>
+            <a:endParaRPr lang="en-US" altLang="zh-CN" dirty="0"/>
+          </a:p>
+          <a:p>
+            <a:pPr lvl="6"/>
+            <a:r>
+              <a:rPr lang="en-US" altLang="zh-CN" dirty="0" err="1" smtClean="0"/>
+              <a:t>fs.readFileSync</a:t>
+            </a:r>
+            <a:r>
+              <a:rPr lang="en-US" altLang="zh-CN" dirty="0" smtClean="0"/>
+              <a:t>(“</a:t>
+            </a:r>
+            <a:r>
+              <a:rPr lang="en-US" altLang="zh-CN" dirty="0" err="1" smtClean="0"/>
+              <a:t>file.text</a:t>
+            </a:r>
+            <a:r>
+              <a:rPr lang="en-US" altLang="zh-CN" dirty="0" smtClean="0"/>
+              <a:t>”);</a:t>
+            </a:r>
+          </a:p>
+          <a:p>
+            <a:pPr lvl="6"/>
+            <a:r>
+              <a:rPr lang="en-US" altLang="zh-CN" dirty="0" err="1"/>
+              <a:t>f</a:t>
+            </a:r>
+            <a:r>
+              <a:rPr lang="en-US" altLang="zh-CN" dirty="0" err="1" smtClean="0"/>
+              <a:t>s.readFileSync</a:t>
+            </a:r>
+            <a:r>
+              <a:rPr lang="en-US" altLang="zh-CN" dirty="0" smtClean="0"/>
+              <a:t>(“</a:t>
+            </a:r>
+            <a:r>
+              <a:rPr lang="en-US" altLang="zh-CN" dirty="0" err="1" smtClean="0"/>
+              <a:t>input.json</a:t>
+            </a:r>
+            <a:r>
+              <a:rPr lang="en-US" altLang="zh-CN" dirty="0" smtClean="0"/>
+              <a:t>”);</a:t>
+            </a:r>
+            <a:endParaRPr lang="en-US" altLang="zh-CN" dirty="0"/>
+          </a:p>
+          <a:p>
+            <a:pPr lvl="1">
+              <a:lnSpc>
+                <a:spcPct val="150000"/>
+              </a:lnSpc>
+            </a:pPr>
+            <a:r>
+              <a:rPr lang="zh-CN" altLang="en-US" sz="1600" dirty="0" smtClean="0"/>
+              <a:t>以上两段代码以同步方式读取两个文件，在</a:t>
+            </a:r>
+            <a:r>
+              <a:rPr lang="en-US" altLang="zh-CN" sz="1600" dirty="0" smtClean="0"/>
+              <a:t>IO</a:t>
+            </a:r>
+            <a:r>
+              <a:rPr lang="zh-CN" altLang="en-US" sz="1600" dirty="0" smtClean="0"/>
+              <a:t>操作完成之前后面的操作都被阻塞，而两个文件读取的总耗时是两个任务的耗时之和</a:t>
+            </a:r>
+            <a:endParaRPr lang="en-US" altLang="zh-CN" sz="1600" dirty="0" smtClean="0"/>
+          </a:p>
+          <a:p>
+            <a:pPr lvl="1"/>
+            <a:r>
+              <a:rPr lang="zh-CN" altLang="en-US" sz="1600" dirty="0" smtClean="0"/>
+              <a:t>如果修改成异步</a:t>
+            </a:r>
+            <a:r>
+              <a:rPr lang="en-US" altLang="zh-CN" sz="1600" dirty="0" smtClean="0"/>
+              <a:t>IO</a:t>
+            </a:r>
+            <a:r>
+              <a:rPr lang="zh-CN" altLang="en-US" sz="1600" dirty="0" smtClean="0"/>
+              <a:t>：</a:t>
+            </a:r>
+            <a:endParaRPr lang="en-US" altLang="zh-CN" sz="1600" dirty="0" smtClean="0"/>
+          </a:p>
+          <a:p>
+            <a:pPr lvl="5"/>
+            <a:r>
+              <a:rPr lang="en-US" altLang="zh-CN" dirty="0" err="1"/>
+              <a:t>f</a:t>
+            </a:r>
+            <a:r>
+              <a:rPr lang="en-US" altLang="zh-CN" dirty="0" err="1" smtClean="0"/>
+              <a:t>s.readFile</a:t>
+            </a:r>
+            <a:r>
+              <a:rPr lang="en-US" altLang="zh-CN" dirty="0" smtClean="0"/>
+              <a:t>(“</a:t>
+            </a:r>
+            <a:r>
+              <a:rPr lang="en-US" altLang="zh-CN" dirty="0" err="1" smtClean="0"/>
+              <a:t>file.text”,function</a:t>
+            </a:r>
+            <a:r>
+              <a:rPr lang="en-US" altLang="zh-CN" dirty="0" smtClean="0"/>
+              <a:t>(</a:t>
+            </a:r>
+            <a:r>
+              <a:rPr lang="en-US" altLang="zh-CN" dirty="0" err="1" smtClean="0"/>
+              <a:t>err,data</a:t>
+            </a:r>
+            <a:r>
+              <a:rPr lang="en-US" altLang="zh-CN" dirty="0" smtClean="0"/>
+              <a:t>){})</a:t>
+            </a:r>
+          </a:p>
+          <a:p>
+            <a:pPr lvl="5"/>
+            <a:r>
+              <a:rPr lang="en-US" altLang="zh-CN" dirty="0" err="1"/>
+              <a:t>fs.readFile</a:t>
+            </a:r>
+            <a:r>
+              <a:rPr lang="en-US" altLang="zh-CN" dirty="0" smtClean="0"/>
+              <a:t>(“input.</a:t>
+            </a:r>
+            <a:r>
+              <a:rPr lang="en-US" altLang="zh-CN" dirty="0" err="1" smtClean="0"/>
+              <a:t>json</a:t>
+            </a:r>
+            <a:r>
+              <a:rPr lang="en-US" altLang="zh-CN" dirty="0" smtClean="0"/>
+              <a:t>”,</a:t>
+            </a:r>
+            <a:r>
+              <a:rPr lang="en-US" altLang="zh-CN" dirty="0"/>
+              <a:t>function(</a:t>
+            </a:r>
+            <a:r>
+              <a:rPr lang="en-US" altLang="zh-CN" dirty="0" err="1"/>
+              <a:t>err,data</a:t>
+            </a:r>
+            <a:r>
+              <a:rPr lang="en-US" altLang="zh-CN" dirty="0" smtClean="0"/>
+              <a:t>){})</a:t>
+            </a:r>
+          </a:p>
+          <a:p>
+            <a:pPr lvl="1"/>
+            <a:r>
+              <a:rPr lang="zh-CN" altLang="en-US" sz="1600" dirty="0" smtClean="0"/>
+              <a:t>两个文件读取的总耗时是</a:t>
+            </a:r>
+            <a:r>
+              <a:rPr lang="en-US" altLang="zh-CN" sz="1600" dirty="0" smtClean="0"/>
+              <a:t>max(time1,time2)</a:t>
+            </a:r>
+            <a:r>
+              <a:rPr lang="zh-CN" altLang="en-US" sz="1600" dirty="0" smtClean="0"/>
+              <a:t>，由此可以看出异步带来的优势是显而易见的</a:t>
+            </a:r>
+            <a:endParaRPr lang="en-US" altLang="zh-CN" sz="1600" dirty="0" smtClean="0"/>
+          </a:p>
+        </p:txBody>
+      </p:sp>
+    </p:spTree>
+    <p:extLst>
+      <p:ext uri="{BB962C8B-B14F-4D97-AF65-F5344CB8AC3E}">
+        <p14:creationId xmlns:p14="http://schemas.microsoft.com/office/powerpoint/2010/main" val="54940538"/>
+      </p:ext>
+    </p:extLst>
+  </p:cSld>
+  <p:clrMapOvr>
+    <a:masterClrMapping/>
+  </p:clrMapOvr>
+  <p:timing>
+    <p:tnLst>
+      <p:par>
+        <p:cTn id="1" dur="indefinite" restart="never" nodeType="tmRoot"/>
+      </p:par>
+    </p:tnLst>
+  </p:timing>
+</p:sld>
+</file>
+
 <file path=ppt/slides/slide7.xml><?xml version="1.0" encoding="utf-8"?>
 <p:sld xmlns:a="http://schemas.openxmlformats.org/drawingml/2006/main" xmlns:r="http://schemas.openxmlformats.org/officeDocument/2006/relationships" xmlns:p="http://schemas.openxmlformats.org/presentationml/2006/main">
   <p:cSld>
@@ -11897,16 +12433,16 @@
           <a:lstStyle/>
           <a:p>
             <a:r>
+              <a:rPr lang="en-US" altLang="zh-CN" dirty="0"/>
+              <a:t>Node.js</a:t>
+            </a:r>
+            <a:r>
+              <a:rPr lang="zh-CN" altLang="en-US" dirty="0"/>
+              <a:t>基本</a:t>
+            </a:r>
+            <a:r>
               <a:rPr lang="zh-CN" altLang="en-US" dirty="0" smtClean="0"/>
-              <a:t>同步</a:t>
-            </a:r>
-            <a:r>
-              <a:rPr lang="en-US" altLang="zh-CN" dirty="0" smtClean="0"/>
-              <a:t>IO</a:t>
-            </a:r>
-            <a:r>
-              <a:rPr lang="zh-CN" altLang="en-US" dirty="0" smtClean="0"/>
-              <a:t>与异步</a:t>
+              <a:t>概念：非阻塞</a:t>
             </a:r>
             <a:r>
               <a:rPr lang="en-US" altLang="zh-CN" dirty="0" smtClean="0"/>
@@ -11931,175 +12467,611 @@
           <a:bodyPr/>
           <a:lstStyle/>
           <a:p>
+            <a:endParaRPr lang="zh-CN" altLang="en-US" dirty="0"/>
+          </a:p>
+        </p:txBody>
+      </p:sp>
+      <p:sp>
+        <p:nvSpPr>
+          <p:cNvPr id="5" name="圆角矩形 4"/>
+          <p:cNvSpPr/>
+          <p:nvPr/>
+        </p:nvSpPr>
+        <p:spPr>
+          <a:xfrm>
+            <a:off x="1043608" y="1988840"/>
+            <a:ext cx="1944216" cy="550912"/>
+          </a:xfrm>
+          <a:prstGeom prst="roundRect">
+            <a:avLst/>
+          </a:prstGeom>
+        </p:spPr>
+        <p:style>
+          <a:lnRef idx="2">
+            <a:schemeClr val="dk1">
+              <a:shade val="50000"/>
+            </a:schemeClr>
+          </a:lnRef>
+          <a:fillRef idx="1">
+            <a:schemeClr val="dk1"/>
+          </a:fillRef>
+          <a:effectRef idx="0">
+            <a:schemeClr val="dk1"/>
+          </a:effectRef>
+          <a:fontRef idx="minor">
+            <a:schemeClr val="lt1"/>
+          </a:fontRef>
+        </p:style>
+        <p:txBody>
+          <a:bodyPr rtlCol="0" anchor="ctr"/>
+          <a:lstStyle/>
+          <a:p>
+            <a:pPr algn="ctr"/>
             <a:r>
               <a:rPr lang="zh-CN" altLang="en-US" dirty="0" smtClean="0"/>
-              <a:t>文件读取：</a:t>
-            </a:r>
-            <a:endParaRPr lang="en-US" altLang="zh-CN" dirty="0"/>
-          </a:p>
-          <a:p>
-            <a:pPr lvl="6"/>
-            <a:r>
-              <a:rPr lang="en-US" altLang="zh-CN" dirty="0" err="1" smtClean="0"/>
-              <a:t>fs.readFileSync</a:t>
-            </a:r>
-            <a:r>
-              <a:rPr lang="en-US" altLang="zh-CN" dirty="0" smtClean="0"/>
-              <a:t>(“</a:t>
-            </a:r>
-            <a:r>
-              <a:rPr lang="en-US" altLang="zh-CN" dirty="0" err="1" smtClean="0"/>
-              <a:t>file.text</a:t>
-            </a:r>
-            <a:r>
-              <a:rPr lang="en-US" altLang="zh-CN" dirty="0" smtClean="0"/>
-              <a:t>”);</a:t>
-            </a:r>
-          </a:p>
-          <a:p>
-            <a:pPr lvl="6"/>
+              <a:t>读取文件请求</a:t>
+            </a:r>
+            <a:endParaRPr lang="zh-CN" altLang="en-US" dirty="0"/>
+          </a:p>
+        </p:txBody>
+      </p:sp>
+      <p:sp>
+        <p:nvSpPr>
+          <p:cNvPr id="8" name="圆角矩形 7"/>
+          <p:cNvSpPr/>
+          <p:nvPr/>
+        </p:nvSpPr>
+        <p:spPr>
+          <a:xfrm>
+            <a:off x="1043608" y="2971800"/>
+            <a:ext cx="1944217" cy="529208"/>
+          </a:xfrm>
+          <a:prstGeom prst="roundRect">
+            <a:avLst/>
+          </a:prstGeom>
+        </p:spPr>
+        <p:style>
+          <a:lnRef idx="2">
+            <a:schemeClr val="dk1">
+              <a:shade val="50000"/>
+            </a:schemeClr>
+          </a:lnRef>
+          <a:fillRef idx="1">
+            <a:schemeClr val="dk1"/>
+          </a:fillRef>
+          <a:effectRef idx="0">
+            <a:schemeClr val="dk1"/>
+          </a:effectRef>
+          <a:fontRef idx="minor">
+            <a:schemeClr val="lt1"/>
+          </a:fontRef>
+        </p:style>
+        <p:txBody>
+          <a:bodyPr rtlCol="0" anchor="ctr"/>
+          <a:lstStyle/>
+          <a:p>
+            <a:pPr algn="ctr"/>
             <a:r>
               <a:rPr lang="en-US" altLang="zh-CN" dirty="0" err="1"/>
               <a:t>f</a:t>
             </a:r>
             <a:r>
               <a:rPr lang="en-US" altLang="zh-CN" dirty="0" err="1" smtClean="0"/>
-              <a:t>s.readFileSync</a:t>
+              <a:t>s.readFile</a:t>
             </a:r>
             <a:r>
               <a:rPr lang="en-US" altLang="zh-CN" dirty="0" smtClean="0"/>
-              <a:t>(“</a:t>
-            </a:r>
-            <a:r>
-              <a:rPr lang="en-US" altLang="zh-CN" dirty="0" err="1" smtClean="0"/>
-              <a:t>input.json</a:t>
-            </a:r>
+              <a:t>()</a:t>
+            </a:r>
+            <a:endParaRPr lang="zh-CN" altLang="en-US" dirty="0"/>
+          </a:p>
+        </p:txBody>
+      </p:sp>
+      <p:sp>
+        <p:nvSpPr>
+          <p:cNvPr id="9" name="圆角矩形 8"/>
+          <p:cNvSpPr/>
+          <p:nvPr/>
+        </p:nvSpPr>
+        <p:spPr>
+          <a:xfrm>
+            <a:off x="5076056" y="1988840"/>
+            <a:ext cx="1944216" cy="550912"/>
+          </a:xfrm>
+          <a:prstGeom prst="roundRect">
+            <a:avLst/>
+          </a:prstGeom>
+        </p:spPr>
+        <p:style>
+          <a:lnRef idx="2">
+            <a:schemeClr val="dk1">
+              <a:shade val="50000"/>
+            </a:schemeClr>
+          </a:lnRef>
+          <a:fillRef idx="1">
+            <a:schemeClr val="dk1"/>
+          </a:fillRef>
+          <a:effectRef idx="0">
+            <a:schemeClr val="dk1"/>
+          </a:effectRef>
+          <a:fontRef idx="minor">
+            <a:schemeClr val="lt1"/>
+          </a:fontRef>
+        </p:style>
+        <p:txBody>
+          <a:bodyPr rtlCol="0" anchor="ctr"/>
+          <a:lstStyle/>
+          <a:p>
+            <a:pPr algn="ctr"/>
             <a:r>
               <a:rPr lang="en-US" altLang="zh-CN" dirty="0" smtClean="0"/>
-              <a:t>”);</a:t>
-            </a:r>
-            <a:endParaRPr lang="en-US" altLang="zh-CN" dirty="0"/>
-          </a:p>
-          <a:p>
-            <a:pPr lvl="1">
-              <a:lnSpc>
-                <a:spcPct val="150000"/>
-              </a:lnSpc>
-            </a:pPr>
-            <a:r>
-              <a:rPr lang="zh-CN" altLang="en-US" sz="1600" dirty="0" smtClean="0"/>
-              <a:t>以上两段代码以同步方式读取两个文件，在</a:t>
-            </a:r>
-            <a:r>
-              <a:rPr lang="en-US" altLang="zh-CN" sz="1600" dirty="0" smtClean="0"/>
-              <a:t>IO</a:t>
-            </a:r>
-            <a:r>
-              <a:rPr lang="zh-CN" altLang="en-US" sz="1600" dirty="0" smtClean="0"/>
-              <a:t>操作完成之前后面的操作都被阻塞，而两个文件读取的总耗时是两个任务的耗时之和</a:t>
-            </a:r>
-            <a:endParaRPr lang="en-US" altLang="zh-CN" sz="1600" dirty="0" smtClean="0"/>
-          </a:p>
-          <a:p>
-            <a:pPr lvl="1"/>
-            <a:r>
-              <a:rPr lang="zh-CN" altLang="en-US" sz="1600" dirty="0" smtClean="0"/>
-              <a:t>如果修改成异步</a:t>
-            </a:r>
-            <a:r>
-              <a:rPr lang="en-US" altLang="zh-CN" sz="1600" dirty="0" smtClean="0"/>
-              <a:t>IO</a:t>
-            </a:r>
-            <a:r>
-              <a:rPr lang="zh-CN" altLang="en-US" sz="1600" dirty="0" smtClean="0"/>
-              <a:t>：</a:t>
-            </a:r>
-            <a:endParaRPr lang="en-US" altLang="zh-CN" sz="1600" dirty="0" smtClean="0"/>
-          </a:p>
-          <a:p>
-            <a:pPr lvl="5"/>
-            <a:r>
-              <a:rPr lang="en-US" altLang="zh-CN" dirty="0" err="1"/>
-              <a:t>f</a:t>
-            </a:r>
-            <a:r>
-              <a:rPr lang="en-US" altLang="zh-CN" dirty="0" err="1" smtClean="0"/>
-              <a:t>s.readFile</a:t>
+              <a:t>node</a:t>
+            </a:r>
+            <a:endParaRPr lang="zh-CN" altLang="en-US" dirty="0"/>
+          </a:p>
+        </p:txBody>
+      </p:sp>
+      <p:sp>
+        <p:nvSpPr>
+          <p:cNvPr id="10" name="圆角矩形 9"/>
+          <p:cNvSpPr/>
+          <p:nvPr/>
+        </p:nvSpPr>
+        <p:spPr>
+          <a:xfrm>
+            <a:off x="5043554" y="2966901"/>
+            <a:ext cx="1944216" cy="534107"/>
+          </a:xfrm>
+          <a:prstGeom prst="roundRect">
+            <a:avLst/>
+          </a:prstGeom>
+        </p:spPr>
+        <p:style>
+          <a:lnRef idx="2">
+            <a:schemeClr val="dk1">
+              <a:shade val="50000"/>
+            </a:schemeClr>
+          </a:lnRef>
+          <a:fillRef idx="1">
+            <a:schemeClr val="dk1"/>
+          </a:fillRef>
+          <a:effectRef idx="0">
+            <a:schemeClr val="dk1"/>
+          </a:effectRef>
+          <a:fontRef idx="minor">
+            <a:schemeClr val="lt1"/>
+          </a:fontRef>
+        </p:style>
+        <p:txBody>
+          <a:bodyPr rtlCol="0" anchor="ctr"/>
+          <a:lstStyle/>
+          <a:p>
+            <a:pPr algn="ctr"/>
+            <a:r>
+              <a:rPr lang="zh-CN" altLang="en-US" dirty="0" smtClean="0"/>
+              <a:t>处理请求</a:t>
+            </a:r>
+            <a:endParaRPr lang="zh-CN" altLang="en-US" dirty="0"/>
+          </a:p>
+        </p:txBody>
+      </p:sp>
+      <p:sp>
+        <p:nvSpPr>
+          <p:cNvPr id="16" name="圆角矩形 15"/>
+          <p:cNvSpPr/>
+          <p:nvPr/>
+        </p:nvSpPr>
+        <p:spPr>
+          <a:xfrm>
+            <a:off x="1043610" y="3832992"/>
+            <a:ext cx="1944216" cy="485256"/>
+          </a:xfrm>
+          <a:prstGeom prst="roundRect">
+            <a:avLst/>
+          </a:prstGeom>
+        </p:spPr>
+        <p:style>
+          <a:lnRef idx="2">
+            <a:schemeClr val="dk1">
+              <a:shade val="50000"/>
+            </a:schemeClr>
+          </a:lnRef>
+          <a:fillRef idx="1">
+            <a:schemeClr val="dk1"/>
+          </a:fillRef>
+          <a:effectRef idx="0">
+            <a:schemeClr val="dk1"/>
+          </a:effectRef>
+          <a:fontRef idx="minor">
+            <a:schemeClr val="lt1"/>
+          </a:fontRef>
+        </p:style>
+        <p:txBody>
+          <a:bodyPr rtlCol="0" anchor="ctr"/>
+          <a:lstStyle/>
+          <a:p>
+            <a:pPr algn="ctr"/>
+            <a:r>
+              <a:rPr lang="zh-CN" altLang="en-US" dirty="0" smtClean="0"/>
+              <a:t>其他请求</a:t>
+            </a:r>
+            <a:endParaRPr lang="zh-CN" altLang="en-US" dirty="0"/>
+          </a:p>
+        </p:txBody>
+      </p:sp>
+      <p:cxnSp>
+        <p:nvCxnSpPr>
+          <p:cNvPr id="21" name="直接箭头连接符 20"/>
+          <p:cNvCxnSpPr>
+            <a:stCxn id="5" idx="2"/>
+            <a:endCxn id="8" idx="0"/>
+          </p:cNvCxnSpPr>
+          <p:nvPr/>
+        </p:nvCxnSpPr>
+        <p:spPr>
+          <a:xfrm>
+            <a:off x="2015716" y="2539752"/>
+            <a:ext cx="1" cy="432048"/>
+          </a:xfrm>
+          <a:prstGeom prst="straightConnector1">
+            <a:avLst/>
+          </a:prstGeom>
+          <a:ln>
+            <a:tailEnd type="arrow"/>
+          </a:ln>
+        </p:spPr>
+        <p:style>
+          <a:lnRef idx="1">
+            <a:schemeClr val="accent1"/>
+          </a:lnRef>
+          <a:fillRef idx="0">
+            <a:schemeClr val="accent1"/>
+          </a:fillRef>
+          <a:effectRef idx="0">
+            <a:schemeClr val="accent1"/>
+          </a:effectRef>
+          <a:fontRef idx="minor">
+            <a:schemeClr val="tx1"/>
+          </a:fontRef>
+        </p:style>
+      </p:cxnSp>
+      <p:cxnSp>
+        <p:nvCxnSpPr>
+          <p:cNvPr id="22" name="直接箭头连接符 21"/>
+          <p:cNvCxnSpPr/>
+          <p:nvPr/>
+        </p:nvCxnSpPr>
+        <p:spPr>
+          <a:xfrm>
+            <a:off x="2015717" y="3400944"/>
+            <a:ext cx="1" cy="432048"/>
+          </a:xfrm>
+          <a:prstGeom prst="straightConnector1">
+            <a:avLst/>
+          </a:prstGeom>
+          <a:ln>
+            <a:tailEnd type="arrow"/>
+          </a:ln>
+        </p:spPr>
+        <p:style>
+          <a:lnRef idx="1">
+            <a:schemeClr val="accent1"/>
+          </a:lnRef>
+          <a:fillRef idx="0">
+            <a:schemeClr val="accent1"/>
+          </a:fillRef>
+          <a:effectRef idx="0">
+            <a:schemeClr val="accent1"/>
+          </a:effectRef>
+          <a:fontRef idx="minor">
+            <a:schemeClr val="tx1"/>
+          </a:fontRef>
+        </p:style>
+      </p:cxnSp>
+      <p:cxnSp>
+        <p:nvCxnSpPr>
+          <p:cNvPr id="29" name="直接箭头连接符 28"/>
+          <p:cNvCxnSpPr/>
+          <p:nvPr/>
+        </p:nvCxnSpPr>
+        <p:spPr>
+          <a:xfrm>
+            <a:off x="6037856" y="2534853"/>
+            <a:ext cx="1" cy="432048"/>
+          </a:xfrm>
+          <a:prstGeom prst="straightConnector1">
+            <a:avLst/>
+          </a:prstGeom>
+          <a:ln>
+            <a:tailEnd type="arrow"/>
+          </a:ln>
+        </p:spPr>
+        <p:style>
+          <a:lnRef idx="1">
+            <a:schemeClr val="accent1"/>
+          </a:lnRef>
+          <a:fillRef idx="0">
+            <a:schemeClr val="accent1"/>
+          </a:fillRef>
+          <a:effectRef idx="0">
+            <a:schemeClr val="accent1"/>
+          </a:effectRef>
+          <a:fontRef idx="minor">
+            <a:schemeClr val="tx1"/>
+          </a:fontRef>
+        </p:style>
+      </p:cxnSp>
+      <p:cxnSp>
+        <p:nvCxnSpPr>
+          <p:cNvPr id="31" name="直接箭头连接符 30"/>
+          <p:cNvCxnSpPr>
+            <a:endCxn id="10" idx="1"/>
+          </p:cNvCxnSpPr>
+          <p:nvPr/>
+        </p:nvCxnSpPr>
+        <p:spPr>
+          <a:xfrm flipV="1">
+            <a:off x="2987826" y="3233955"/>
+            <a:ext cx="2055728" cy="2449"/>
+          </a:xfrm>
+          <a:prstGeom prst="straightConnector1">
+            <a:avLst/>
+          </a:prstGeom>
+          <a:ln>
+            <a:tailEnd type="arrow"/>
+          </a:ln>
+        </p:spPr>
+        <p:style>
+          <a:lnRef idx="1">
+            <a:schemeClr val="accent1"/>
+          </a:lnRef>
+          <a:fillRef idx="0">
+            <a:schemeClr val="accent1"/>
+          </a:fillRef>
+          <a:effectRef idx="0">
+            <a:schemeClr val="accent1"/>
+          </a:effectRef>
+          <a:fontRef idx="minor">
+            <a:schemeClr val="tx1"/>
+          </a:fontRef>
+        </p:style>
+      </p:cxnSp>
+      <p:sp>
+        <p:nvSpPr>
+          <p:cNvPr id="36" name="圆角矩形 35"/>
+          <p:cNvSpPr/>
+          <p:nvPr/>
+        </p:nvSpPr>
+        <p:spPr>
+          <a:xfrm>
+            <a:off x="3119681" y="3832992"/>
+            <a:ext cx="1944216" cy="485256"/>
+          </a:xfrm>
+          <a:prstGeom prst="roundRect">
+            <a:avLst/>
+          </a:prstGeom>
+        </p:spPr>
+        <p:style>
+          <a:lnRef idx="2">
+            <a:schemeClr val="dk1">
+              <a:shade val="50000"/>
+            </a:schemeClr>
+          </a:lnRef>
+          <a:fillRef idx="1">
+            <a:schemeClr val="dk1"/>
+          </a:fillRef>
+          <a:effectRef idx="0">
+            <a:schemeClr val="dk1"/>
+          </a:effectRef>
+          <a:fontRef idx="minor">
+            <a:schemeClr val="lt1"/>
+          </a:fontRef>
+        </p:style>
+        <p:txBody>
+          <a:bodyPr rtlCol="0" anchor="ctr"/>
+          <a:lstStyle/>
+          <a:p>
+            <a:pPr algn="ctr"/>
+            <a:r>
+              <a:rPr lang="zh-CN" altLang="en-US" dirty="0" smtClean="0"/>
+              <a:t>执行</a:t>
             </a:r>
             <a:r>
               <a:rPr lang="en-US" altLang="zh-CN" dirty="0" smtClean="0"/>
-              <a:t>(“</a:t>
-            </a:r>
-            <a:r>
-              <a:rPr lang="en-US" altLang="zh-CN" dirty="0" err="1" smtClean="0"/>
-              <a:t>file.text”,function</a:t>
-            </a:r>
-            <a:r>
-              <a:rPr lang="en-US" altLang="zh-CN" dirty="0" smtClean="0"/>
-              <a:t>(</a:t>
-            </a:r>
-            <a:r>
-              <a:rPr lang="en-US" altLang="zh-CN" dirty="0" err="1" smtClean="0"/>
-              <a:t>err,data</a:t>
-            </a:r>
-            <a:r>
-              <a:rPr lang="en-US" altLang="zh-CN" dirty="0" smtClean="0"/>
-              <a:t>){})</a:t>
-            </a:r>
-          </a:p>
-          <a:p>
-            <a:pPr lvl="5"/>
-            <a:r>
-              <a:rPr lang="en-US" altLang="zh-CN" dirty="0" err="1"/>
-              <a:t>fs.readFile</a:t>
-            </a:r>
-            <a:r>
-              <a:rPr lang="en-US" altLang="zh-CN" dirty="0" smtClean="0"/>
-              <a:t>(“input.</a:t>
-            </a:r>
-            <a:r>
-              <a:rPr lang="en-US" altLang="zh-CN" dirty="0" err="1" smtClean="0"/>
-              <a:t>json</a:t>
-            </a:r>
-            <a:r>
-              <a:rPr lang="en-US" altLang="zh-CN" dirty="0" smtClean="0"/>
-              <a:t>”,</a:t>
-            </a:r>
-            <a:r>
-              <a:rPr lang="en-US" altLang="zh-CN" dirty="0"/>
-              <a:t>function(</a:t>
-            </a:r>
-            <a:r>
-              <a:rPr lang="en-US" altLang="zh-CN" dirty="0" err="1"/>
-              <a:t>err,data</a:t>
-            </a:r>
-            <a:r>
-              <a:rPr lang="en-US" altLang="zh-CN" dirty="0" smtClean="0"/>
-              <a:t>){})</a:t>
-            </a:r>
-          </a:p>
-          <a:p>
-            <a:pPr lvl="1"/>
-            <a:r>
-              <a:rPr lang="zh-CN" altLang="en-US" sz="1600" dirty="0" smtClean="0"/>
-              <a:t>两个文件读取的总耗时是</a:t>
-            </a:r>
-            <a:r>
-              <a:rPr lang="en-US" altLang="zh-CN" sz="1600" dirty="0" smtClean="0"/>
-              <a:t>max(time1,time2)</a:t>
-            </a:r>
-            <a:r>
-              <a:rPr lang="zh-CN" altLang="en-US" sz="1600" dirty="0" smtClean="0"/>
-              <a:t>，由此可以看出异步带来的优势是显而易见的</a:t>
-            </a:r>
-            <a:endParaRPr lang="en-US" altLang="zh-CN" sz="1600" dirty="0" smtClean="0"/>
+              <a:t>fs</a:t>
+            </a:r>
+            <a:r>
+              <a:rPr lang="zh-CN" altLang="en-US" dirty="0" smtClean="0"/>
+              <a:t>回调 </a:t>
+            </a:r>
+            <a:endParaRPr lang="zh-CN" altLang="en-US" dirty="0"/>
+          </a:p>
+        </p:txBody>
+      </p:sp>
+      <p:cxnSp>
+        <p:nvCxnSpPr>
+          <p:cNvPr id="37" name="直接箭头连接符 36"/>
+          <p:cNvCxnSpPr/>
+          <p:nvPr/>
+        </p:nvCxnSpPr>
+        <p:spPr>
+          <a:xfrm>
+            <a:off x="2015718" y="4318248"/>
+            <a:ext cx="1" cy="432048"/>
+          </a:xfrm>
+          <a:prstGeom prst="straightConnector1">
+            <a:avLst/>
+          </a:prstGeom>
+          <a:ln>
+            <a:tailEnd type="arrow"/>
+          </a:ln>
+        </p:spPr>
+        <p:style>
+          <a:lnRef idx="1">
+            <a:schemeClr val="accent1"/>
+          </a:lnRef>
+          <a:fillRef idx="0">
+            <a:schemeClr val="accent1"/>
+          </a:fillRef>
+          <a:effectRef idx="0">
+            <a:schemeClr val="accent1"/>
+          </a:effectRef>
+          <a:fontRef idx="minor">
+            <a:schemeClr val="tx1"/>
+          </a:fontRef>
+        </p:style>
+      </p:cxnSp>
+      <p:cxnSp>
+        <p:nvCxnSpPr>
+          <p:cNvPr id="11" name="直接箭头连接符 10"/>
+          <p:cNvCxnSpPr>
+            <a:stCxn id="10" idx="2"/>
+          </p:cNvCxnSpPr>
+          <p:nvPr/>
+        </p:nvCxnSpPr>
+        <p:spPr>
+          <a:xfrm>
+            <a:off x="6015662" y="3501008"/>
+            <a:ext cx="0" cy="574612"/>
+          </a:xfrm>
+          <a:prstGeom prst="straightConnector1">
+            <a:avLst/>
+          </a:prstGeom>
+          <a:ln>
+            <a:tailEnd type="arrow"/>
+          </a:ln>
+        </p:spPr>
+        <p:style>
+          <a:lnRef idx="1">
+            <a:schemeClr val="accent1"/>
+          </a:lnRef>
+          <a:fillRef idx="0">
+            <a:schemeClr val="accent1"/>
+          </a:fillRef>
+          <a:effectRef idx="0">
+            <a:schemeClr val="accent1"/>
+          </a:effectRef>
+          <a:fontRef idx="minor">
+            <a:schemeClr val="tx1"/>
+          </a:fontRef>
+        </p:style>
+      </p:cxnSp>
+      <p:cxnSp>
+        <p:nvCxnSpPr>
+          <p:cNvPr id="15" name="直接箭头连接符 14"/>
+          <p:cNvCxnSpPr/>
+          <p:nvPr/>
+        </p:nvCxnSpPr>
+        <p:spPr>
+          <a:xfrm flipH="1">
+            <a:off x="5076056" y="4075620"/>
+            <a:ext cx="939606" cy="0"/>
+          </a:xfrm>
+          <a:prstGeom prst="straightConnector1">
+            <a:avLst/>
+          </a:prstGeom>
+          <a:ln>
+            <a:tailEnd type="arrow"/>
+          </a:ln>
+        </p:spPr>
+        <p:style>
+          <a:lnRef idx="1">
+            <a:schemeClr val="accent1"/>
+          </a:lnRef>
+          <a:fillRef idx="0">
+            <a:schemeClr val="accent1"/>
+          </a:fillRef>
+          <a:effectRef idx="0">
+            <a:schemeClr val="accent1"/>
+          </a:effectRef>
+          <a:fontRef idx="minor">
+            <a:schemeClr val="tx1"/>
+          </a:fontRef>
+        </p:style>
+      </p:cxnSp>
+      <p:cxnSp>
+        <p:nvCxnSpPr>
+          <p:cNvPr id="18" name="直接箭头连接符 17"/>
+          <p:cNvCxnSpPr>
+            <a:stCxn id="36" idx="2"/>
+          </p:cNvCxnSpPr>
+          <p:nvPr/>
+        </p:nvCxnSpPr>
+        <p:spPr>
+          <a:xfrm>
+            <a:off x="4091789" y="4318248"/>
+            <a:ext cx="0" cy="432048"/>
+          </a:xfrm>
+          <a:prstGeom prst="straightConnector1">
+            <a:avLst/>
+          </a:prstGeom>
+          <a:ln>
+            <a:tailEnd type="arrow"/>
+          </a:ln>
+        </p:spPr>
+        <p:style>
+          <a:lnRef idx="1">
+            <a:schemeClr val="accent1"/>
+          </a:lnRef>
+          <a:fillRef idx="0">
+            <a:schemeClr val="accent1"/>
+          </a:fillRef>
+          <a:effectRef idx="0">
+            <a:schemeClr val="accent1"/>
+          </a:effectRef>
+          <a:fontRef idx="minor">
+            <a:schemeClr val="tx1"/>
+          </a:fontRef>
+        </p:style>
+      </p:cxnSp>
+      <p:sp>
+        <p:nvSpPr>
+          <p:cNvPr id="28" name="圆角矩形 27"/>
+          <p:cNvSpPr/>
+          <p:nvPr/>
+        </p:nvSpPr>
+        <p:spPr>
+          <a:xfrm>
+            <a:off x="3154832" y="4778932"/>
+            <a:ext cx="1944216" cy="485256"/>
+          </a:xfrm>
+          <a:prstGeom prst="roundRect">
+            <a:avLst/>
+          </a:prstGeom>
+        </p:spPr>
+        <p:style>
+          <a:lnRef idx="2">
+            <a:schemeClr val="dk1">
+              <a:shade val="50000"/>
+            </a:schemeClr>
+          </a:lnRef>
+          <a:fillRef idx="1">
+            <a:schemeClr val="dk1"/>
+          </a:fillRef>
+          <a:effectRef idx="0">
+            <a:schemeClr val="dk1"/>
+          </a:effectRef>
+          <a:fontRef idx="minor">
+            <a:schemeClr val="lt1"/>
+          </a:fontRef>
+        </p:style>
+        <p:txBody>
+          <a:bodyPr rtlCol="0" anchor="ctr"/>
+          <a:lstStyle/>
+          <a:p>
+            <a:pPr algn="ctr"/>
+            <a:r>
+              <a:rPr lang="zh-CN" altLang="en-US" dirty="0" smtClean="0"/>
+              <a:t>其他操作</a:t>
+            </a:r>
+            <a:endParaRPr lang="zh-CN" altLang="en-US" dirty="0"/>
           </a:p>
         </p:txBody>
       </p:sp>
     </p:spTree>
     <p:extLst>
       <p:ext uri="{BB962C8B-B14F-4D97-AF65-F5344CB8AC3E}">
-        <p14:creationId xmlns:p14="http://schemas.microsoft.com/office/powerpoint/2010/main" val="54940538"/>
+        <p14:creationId xmlns:p14="http://schemas.microsoft.com/office/powerpoint/2010/main" val="38865746"/>
       </p:ext>
     </p:extLst>
   </p:cSld>
@@ -12999,7 +13971,7 @@
   <a:extraClrSchemeLst/>
   <a:extLst>
     <a:ext uri="{05A4C25C-085E-4340-85A3-A5531E510DB2}">
-      <thm15:themeFamily xmlns:thm15="http://schemas.microsoft.com/office/thememl/2012/main" name="Banded" id="{98DFF888-2449-4D28-977C-6306C017633E}" vid="{9792607F-9579-4224-82FF-9C88C3E1E53D}"/>
+      <thm15:themeFamily xmlns:thm15="http://schemas.microsoft.com/office/thememl/2012/main" xmlns="" name="Banded" id="{98DFF888-2449-4D28-977C-6306C017633E}" vid="{9792607F-9579-4224-82FF-9C88C3E1E53D}"/>
     </a:ext>
   </a:extLst>
 </a:theme>
